--- a/Presentacion/Comercial/Presentacion Comercial.pptx
+++ b/Presentacion/Comercial/Presentacion Comercial.pptx
@@ -8,6 +8,9 @@
     <p:sldId id="256" r:id="rId2"/>
     <p:sldId id="257" r:id="rId3"/>
     <p:sldId id="258" r:id="rId4"/>
+    <p:sldId id="259" r:id="rId5"/>
+    <p:sldId id="260" r:id="rId6"/>
+    <p:sldId id="261" r:id="rId7"/>
   </p:sldIdLst>
   <p:sldSz cx="9144000" cy="6858000" type="screen4x3"/>
   <p:notesSz cx="6858000" cy="9144000"/>
@@ -3914,12 +3917,8 @@
               </a:gs>
               <a:gs pos="70000">
                 <a:schemeClr val="bg1">
-                  <a:lumMod val="75000"/>
-                </a:schemeClr>
-              </a:gs>
-              <a:gs pos="100000">
-                <a:schemeClr val="bg1">
-                  <a:lumMod val="85000"/>
+                  <a:lumMod val="50000"/>
+                  <a:alpha val="73000"/>
                 </a:schemeClr>
               </a:gs>
             </a:gsLst>
@@ -4390,38 +4389,6 @@
               </a:rPr>
               <a:t>SVE</a:t>
             </a:r>
-            <a:endParaRPr lang="es-AR" sz="8000" b="1" dirty="0" smtClean="0">
-              <a:ln>
-                <a:solidFill>
-                  <a:schemeClr val="tx1"/>
-                </a:solidFill>
-              </a:ln>
-              <a:gradFill flip="none" rotWithShape="1">
-                <a:gsLst>
-                  <a:gs pos="0">
-                    <a:schemeClr val="tx1">
-                      <a:tint val="66000"/>
-                      <a:satMod val="160000"/>
-                    </a:schemeClr>
-                  </a:gs>
-                  <a:gs pos="50000">
-                    <a:schemeClr val="tx1">
-                      <a:tint val="44500"/>
-                      <a:satMod val="160000"/>
-                    </a:schemeClr>
-                  </a:gs>
-                  <a:gs pos="100000">
-                    <a:schemeClr val="tx1">
-                      <a:tint val="23500"/>
-                      <a:satMod val="160000"/>
-                    </a:schemeClr>
-                  </a:gs>
-                </a:gsLst>
-                <a:lin ang="5400000" scaled="1"/>
-                <a:tileRect/>
-              </a:gradFill>
-              <a:latin typeface="Copperplate Gothic Bold" pitchFamily="34" charset="0"/>
-            </a:endParaRPr>
           </a:p>
         </p:txBody>
       </p:sp>
@@ -5303,12 +5270,8 @@
               </a:gs>
               <a:gs pos="70000">
                 <a:schemeClr val="bg1">
-                  <a:lumMod val="75000"/>
-                </a:schemeClr>
-              </a:gs>
-              <a:gs pos="100000">
-                <a:schemeClr val="bg1">
-                  <a:lumMod val="85000"/>
+                  <a:lumMod val="50000"/>
+                  <a:alpha val="73000"/>
                 </a:schemeClr>
               </a:gs>
             </a:gsLst>
@@ -5595,7 +5558,7 @@
         <p:spPr>
           <a:xfrm>
             <a:off x="1371600" y="3921825"/>
-            <a:ext cx="6629400" cy="646331"/>
+            <a:ext cx="6629400" cy="677108"/>
           </a:xfrm>
           <a:prstGeom prst="rect">
             <a:avLst/>
@@ -5609,26 +5572,22 @@
           <a:lstStyle/>
           <a:p>
             <a:r>
-              <a:rPr lang="es-AR" dirty="0" smtClean="0"/>
-              <a:t> </a:t>
-            </a:r>
-            <a:r>
-              <a:rPr lang="es-AR" dirty="0" smtClean="0"/>
-              <a:t>          Un </a:t>
-            </a:r>
-            <a:r>
-              <a:rPr lang="es-AR" dirty="0" smtClean="0"/>
-              <a:t>grupo de ingenieros, consultores,  analistas y especialistas, dedicados a la centralización y el análisis de </a:t>
-            </a:r>
-            <a:r>
-              <a:rPr lang="es-AR" dirty="0" smtClean="0"/>
-              <a:t>datos</a:t>
-            </a:r>
-            <a:r>
-              <a:rPr lang="es-AR" dirty="0" smtClean="0"/>
-              <a:t>.</a:t>
-            </a:r>
-            <a:endParaRPr lang="es-AR" dirty="0"/>
+              <a:rPr lang="es-AR" sz="2000" dirty="0" smtClean="0"/>
+              <a:t>           </a:t>
+            </a:r>
+            <a:r>
+              <a:rPr lang="es-AR" dirty="0" smtClean="0">
+                <a:solidFill>
+                  <a:schemeClr val="bg1"/>
+                </a:solidFill>
+              </a:rPr>
+              <a:t>Un grupo de ingenieros, consultores,  analistas y especialistas, dedicados a la centralización y el análisis de datos.</a:t>
+            </a:r>
+            <a:endParaRPr lang="es-AR" dirty="0">
+              <a:solidFill>
+                <a:schemeClr val="bg1"/>
+              </a:solidFill>
+            </a:endParaRPr>
           </a:p>
         </p:txBody>
       </p:sp>
@@ -5655,33 +5614,28 @@
           <a:lstStyle/>
           <a:p>
             <a:r>
+              <a:rPr lang="es-AR" sz="2000" dirty="0" smtClean="0">
+                <a:solidFill>
+                  <a:schemeClr val="bg1"/>
+                </a:solidFill>
+              </a:rPr>
+              <a:t>           </a:t>
+            </a:r>
+            <a:r>
+              <a:rPr lang="es-AR" dirty="0" smtClean="0">
+                <a:solidFill>
+                  <a:schemeClr val="bg1"/>
+                </a:solidFill>
+              </a:rPr>
+              <a:t>Contamos con las herramientas necesarias para brindar análisis y reportes de altísima calidad, orientados y personalizados</a:t>
+            </a:r>
+            <a:r>
               <a:rPr lang="es-AR" dirty="0" smtClean="0"/>
-              <a:t> </a:t>
-            </a:r>
-            <a:r>
-              <a:rPr lang="es-AR" dirty="0" smtClean="0"/>
-              <a:t>          Contamos </a:t>
-            </a:r>
-            <a:r>
-              <a:rPr lang="es-AR" dirty="0" smtClean="0"/>
-              <a:t>con las herramientas necesarias para </a:t>
-            </a:r>
-            <a:r>
-              <a:rPr lang="es-AR" dirty="0" smtClean="0"/>
-              <a:t>brindar </a:t>
-            </a:r>
-            <a:r>
-              <a:rPr lang="es-AR" dirty="0" smtClean="0"/>
-              <a:t>análisis y reportes de altísima calidad, orientados y </a:t>
-            </a:r>
-            <a:r>
-              <a:rPr lang="es-AR" dirty="0" smtClean="0"/>
-              <a:t>personalizados.</a:t>
-            </a:r>
-            <a:endParaRPr lang="es-AR" dirty="0" smtClean="0"/>
-          </a:p>
-          <a:p>
-            <a:endParaRPr lang="es-AR" dirty="0"/>
+              <a:t>.</a:t>
+            </a:r>
+          </a:p>
+          <a:p>
+            <a:endParaRPr lang="es-AR" sz="1600" dirty="0"/>
           </a:p>
         </p:txBody>
       </p:sp>
@@ -6639,12 +6593,8 @@
               </a:gs>
               <a:gs pos="70000">
                 <a:schemeClr val="bg1">
-                  <a:lumMod val="75000"/>
-                </a:schemeClr>
-              </a:gs>
-              <a:gs pos="100000">
-                <a:schemeClr val="bg1">
-                  <a:lumMod val="85000"/>
+                  <a:lumMod val="50000"/>
+                  <a:alpha val="73000"/>
                 </a:schemeClr>
               </a:gs>
             </a:gsLst>
@@ -6804,7 +6754,7 @@
         <p:spPr>
           <a:xfrm>
             <a:off x="762000" y="2438400"/>
-            <a:ext cx="7543800" cy="2308324"/>
+            <a:ext cx="7543800" cy="3754874"/>
           </a:xfrm>
           <a:prstGeom prst="rect">
             <a:avLst/>
@@ -6819,38 +6769,1443 @@
           <a:p>
             <a:pPr fontAlgn="t"/>
             <a:r>
-              <a:rPr lang="es-AR" b="1" dirty="0" smtClean="0"/>
+              <a:rPr lang="es-AR" sz="2000" b="1" dirty="0" smtClean="0">
+                <a:solidFill>
+                  <a:schemeClr val="bg1"/>
+                </a:solidFill>
+              </a:rPr>
               <a:t>Nuestra Misión </a:t>
             </a:r>
             <a:r>
-              <a:rPr lang="es-AR" dirty="0" smtClean="0"/>
+              <a:rPr lang="es-AR" sz="2000" dirty="0" smtClean="0">
+                <a:solidFill>
+                  <a:schemeClr val="bg1"/>
+                </a:solidFill>
+              </a:rPr>
               <a:t>es centralizar la información de datos referentes a diversos campos, de suma importancia a la hora de tomar decisiones en su empresa.</a:t>
             </a:r>
           </a:p>
+          <a:p>
+            <a:pPr fontAlgn="t"/>
+            <a:endParaRPr lang="es-AR" sz="2000" b="1" dirty="0" smtClean="0">
+              <a:solidFill>
+                <a:schemeClr val="bg1"/>
+              </a:solidFill>
+            </a:endParaRPr>
+          </a:p>
+          <a:p>
+            <a:pPr fontAlgn="t"/>
+            <a:r>
+              <a:rPr lang="es-AR" sz="2000" b="1" dirty="0" smtClean="0">
+                <a:solidFill>
+                  <a:schemeClr val="bg1"/>
+                </a:solidFill>
+              </a:rPr>
+              <a:t>Nuestra Visión </a:t>
+            </a:r>
+            <a:r>
+              <a:rPr lang="es-AR" sz="2000" dirty="0" smtClean="0">
+                <a:solidFill>
+                  <a:schemeClr val="bg1"/>
+                </a:solidFill>
+              </a:rPr>
+              <a:t>es la de proveer informes confiables y fidedignos que los cuales nuestros clientes minimicen los riesgos en la toma de decisiones.</a:t>
+            </a:r>
+          </a:p>
+          <a:p>
+            <a:pPr fontAlgn="t"/>
+            <a:endParaRPr lang="es-AR" sz="2000" dirty="0" smtClean="0">
+              <a:solidFill>
+                <a:schemeClr val="bg1"/>
+              </a:solidFill>
+            </a:endParaRPr>
+          </a:p>
+          <a:p>
+            <a:pPr lvl="0"/>
+            <a:r>
+              <a:rPr lang="es-AR" sz="2000" b="1" dirty="0" smtClean="0">
+                <a:solidFill>
+                  <a:schemeClr val="bg1"/>
+                </a:solidFill>
+              </a:rPr>
+              <a:t>Nuestros Valores</a:t>
+            </a:r>
+            <a:r>
+              <a:rPr lang="es-AR" sz="2000" dirty="0" smtClean="0">
+                <a:solidFill>
+                  <a:schemeClr val="bg1"/>
+                </a:solidFill>
+              </a:rPr>
+              <a:t> </a:t>
+            </a:r>
+            <a:r>
+              <a:rPr lang="es-AR" sz="2000" dirty="0" smtClean="0">
+                <a:solidFill>
+                  <a:schemeClr val="bg1"/>
+                </a:solidFill>
+              </a:rPr>
+              <a:t>comprenden la integridad y honestidad en los negocios, la constante búsqueda del perfeccionamiento, la adaptabilidad, pro actividad e innovación.</a:t>
+            </a:r>
+            <a:endParaRPr lang="es-AR" sz="2000" dirty="0" smtClean="0">
+              <a:solidFill>
+                <a:schemeClr val="bg1"/>
+              </a:solidFill>
+            </a:endParaRPr>
+          </a:p>
+          <a:p>
+            <a:endParaRPr lang="es-AR" sz="2000" dirty="0">
+              <a:solidFill>
+                <a:schemeClr val="bg1"/>
+              </a:solidFill>
+            </a:endParaRPr>
+          </a:p>
+        </p:txBody>
+      </p:sp>
+    </p:spTree>
+  </p:cSld>
+  <p:clrMapOvr>
+    <a:masterClrMapping/>
+  </p:clrMapOvr>
+</p:sld>
+</file>
+
+<file path=ppt/slides/slide4.xml><?xml version="1.0" encoding="utf-8"?>
+<p:sld xmlns:a="http://schemas.openxmlformats.org/drawingml/2006/main" xmlns:r="http://schemas.openxmlformats.org/officeDocument/2006/relationships" xmlns:p="http://schemas.openxmlformats.org/presentationml/2006/main">
+  <p:cSld>
+    <p:bg>
+      <p:bgPr shadeToTitle="1">
+        <a:solidFill>
+          <a:schemeClr val="bg1">
+            <a:lumMod val="50000"/>
+          </a:schemeClr>
+        </a:solidFill>
+        <a:effectLst/>
+      </p:bgPr>
+    </p:bg>
+    <p:spTree>
+      <p:nvGrpSpPr>
+        <p:cNvPr id="1" name=""/>
+        <p:cNvGrpSpPr/>
+        <p:nvPr/>
+      </p:nvGrpSpPr>
+      <p:grpSpPr>
+        <a:xfrm>
+          <a:off x="0" y="0"/>
+          <a:ext cx="0" cy="0"/>
+          <a:chOff x="0" y="0"/>
+          <a:chExt cx="0" cy="0"/>
+        </a:xfrm>
+      </p:grpSpPr>
+      <p:grpSp>
+        <p:nvGrpSpPr>
+          <p:cNvPr id="2" name="Group 22"/>
+          <p:cNvGrpSpPr/>
+          <p:nvPr/>
+        </p:nvGrpSpPr>
+        <p:grpSpPr>
+          <a:xfrm>
+            <a:off x="304800" y="304800"/>
+            <a:ext cx="8534400" cy="6248400"/>
+            <a:chOff x="304800" y="304800"/>
+            <a:chExt cx="8534400" cy="6248400"/>
+          </a:xfrm>
+          <a:solidFill>
+            <a:schemeClr val="bg1">
+              <a:lumMod val="85000"/>
+            </a:schemeClr>
+          </a:solidFill>
+        </p:grpSpPr>
+        <p:sp>
+          <p:nvSpPr>
+            <p:cNvPr id="18" name="Rounded Rectangle 17"/>
+            <p:cNvSpPr/>
+            <p:nvPr/>
+          </p:nvSpPr>
+          <p:spPr>
+            <a:xfrm>
+              <a:off x="304800" y="304800"/>
+              <a:ext cx="8534400" cy="6248400"/>
+            </a:xfrm>
+            <a:prstGeom prst="roundRect">
+              <a:avLst/>
+            </a:prstGeom>
+            <a:grpFill/>
+            <a:ln>
+              <a:noFill/>
+            </a:ln>
+          </p:spPr>
+          <p:style>
+            <a:lnRef idx="2">
+              <a:schemeClr val="accent1">
+                <a:shade val="50000"/>
+              </a:schemeClr>
+            </a:lnRef>
+            <a:fillRef idx="1">
+              <a:schemeClr val="accent1"/>
+            </a:fillRef>
+            <a:effectRef idx="0">
+              <a:schemeClr val="accent1"/>
+            </a:effectRef>
+            <a:fontRef idx="minor">
+              <a:schemeClr val="lt1"/>
+            </a:fontRef>
+          </p:style>
+          <p:txBody>
+            <a:bodyPr rtlCol="0" anchor="ctr"/>
+            <a:lstStyle/>
+            <a:p>
+              <a:pPr algn="ctr"/>
+              <a:endParaRPr lang="es-AR"/>
+            </a:p>
+          </p:txBody>
+        </p:sp>
+        <p:sp>
+          <p:nvSpPr>
+            <p:cNvPr id="22" name="Rounded Rectangle 21"/>
+            <p:cNvSpPr/>
+            <p:nvPr/>
+          </p:nvSpPr>
+          <p:spPr>
+            <a:xfrm>
+              <a:off x="7086600" y="304800"/>
+              <a:ext cx="1752600" cy="1752600"/>
+            </a:xfrm>
+            <a:prstGeom prst="roundRect">
+              <a:avLst/>
+            </a:prstGeom>
+            <a:grpFill/>
+            <a:ln>
+              <a:noFill/>
+            </a:ln>
+          </p:spPr>
+          <p:style>
+            <a:lnRef idx="2">
+              <a:schemeClr val="accent1">
+                <a:shade val="50000"/>
+              </a:schemeClr>
+            </a:lnRef>
+            <a:fillRef idx="1">
+              <a:schemeClr val="accent1"/>
+            </a:fillRef>
+            <a:effectRef idx="0">
+              <a:schemeClr val="accent1"/>
+            </a:effectRef>
+            <a:fontRef idx="minor">
+              <a:schemeClr val="lt1"/>
+            </a:fontRef>
+          </p:style>
+          <p:txBody>
+            <a:bodyPr rtlCol="0" anchor="ctr"/>
+            <a:lstStyle/>
+            <a:p>
+              <a:pPr algn="ctr"/>
+              <a:endParaRPr lang="es-AR"/>
+            </a:p>
+          </p:txBody>
+        </p:sp>
+        <p:sp>
+          <p:nvSpPr>
+            <p:cNvPr id="21" name="Rounded Rectangle 20"/>
+            <p:cNvSpPr/>
+            <p:nvPr/>
+          </p:nvSpPr>
+          <p:spPr>
+            <a:xfrm>
+              <a:off x="304800" y="304800"/>
+              <a:ext cx="1752600" cy="1752600"/>
+            </a:xfrm>
+            <a:prstGeom prst="roundRect">
+              <a:avLst/>
+            </a:prstGeom>
+            <a:grpFill/>
+            <a:ln>
+              <a:noFill/>
+            </a:ln>
+          </p:spPr>
+          <p:style>
+            <a:lnRef idx="2">
+              <a:schemeClr val="accent1">
+                <a:shade val="50000"/>
+              </a:schemeClr>
+            </a:lnRef>
+            <a:fillRef idx="1">
+              <a:schemeClr val="accent1"/>
+            </a:fillRef>
+            <a:effectRef idx="0">
+              <a:schemeClr val="accent1"/>
+            </a:effectRef>
+            <a:fontRef idx="minor">
+              <a:schemeClr val="lt1"/>
+            </a:fontRef>
+          </p:style>
+          <p:txBody>
+            <a:bodyPr rtlCol="0" anchor="ctr"/>
+            <a:lstStyle/>
+            <a:p>
+              <a:pPr algn="ctr"/>
+              <a:endParaRPr lang="es-AR"/>
+            </a:p>
+          </p:txBody>
+        </p:sp>
+        <p:sp>
+          <p:nvSpPr>
+            <p:cNvPr id="17" name="Rounded Rectangle 16"/>
+            <p:cNvSpPr/>
+            <p:nvPr/>
+          </p:nvSpPr>
+          <p:spPr>
+            <a:xfrm>
+              <a:off x="304800" y="4800600"/>
+              <a:ext cx="1752600" cy="1752600"/>
+            </a:xfrm>
+            <a:prstGeom prst="roundRect">
+              <a:avLst/>
+            </a:prstGeom>
+            <a:grpFill/>
+            <a:ln>
+              <a:noFill/>
+            </a:ln>
+          </p:spPr>
+          <p:style>
+            <a:lnRef idx="2">
+              <a:schemeClr val="accent1">
+                <a:shade val="50000"/>
+              </a:schemeClr>
+            </a:lnRef>
+            <a:fillRef idx="1">
+              <a:schemeClr val="accent1"/>
+            </a:fillRef>
+            <a:effectRef idx="0">
+              <a:schemeClr val="accent1"/>
+            </a:effectRef>
+            <a:fontRef idx="minor">
+              <a:schemeClr val="lt1"/>
+            </a:fontRef>
+          </p:style>
+          <p:txBody>
+            <a:bodyPr rtlCol="0" anchor="ctr"/>
+            <a:lstStyle/>
+            <a:p>
+              <a:pPr algn="ctr"/>
+              <a:endParaRPr lang="es-AR"/>
+            </a:p>
+          </p:txBody>
+        </p:sp>
+        <p:sp>
+          <p:nvSpPr>
+            <p:cNvPr id="19" name="Rounded Rectangle 18"/>
+            <p:cNvSpPr/>
+            <p:nvPr/>
+          </p:nvSpPr>
+          <p:spPr>
+            <a:xfrm>
+              <a:off x="7086600" y="4800600"/>
+              <a:ext cx="1752600" cy="1752600"/>
+            </a:xfrm>
+            <a:prstGeom prst="roundRect">
+              <a:avLst/>
+            </a:prstGeom>
+            <a:grpFill/>
+            <a:ln>
+              <a:noFill/>
+            </a:ln>
+          </p:spPr>
+          <p:style>
+            <a:lnRef idx="2">
+              <a:schemeClr val="accent1">
+                <a:shade val="50000"/>
+              </a:schemeClr>
+            </a:lnRef>
+            <a:fillRef idx="1">
+              <a:schemeClr val="accent1"/>
+            </a:fillRef>
+            <a:effectRef idx="0">
+              <a:schemeClr val="accent1"/>
+            </a:effectRef>
+            <a:fontRef idx="minor">
+              <a:schemeClr val="lt1"/>
+            </a:fontRef>
+          </p:style>
+          <p:txBody>
+            <a:bodyPr rtlCol="0" anchor="ctr"/>
+            <a:lstStyle/>
+            <a:p>
+              <a:pPr algn="ctr"/>
+              <a:endParaRPr lang="es-AR"/>
+            </a:p>
+          </p:txBody>
+        </p:sp>
+      </p:grpSp>
+      <p:sp>
+        <p:nvSpPr>
+          <p:cNvPr id="40" name="Freeform 39"/>
+          <p:cNvSpPr/>
+          <p:nvPr/>
+        </p:nvSpPr>
+        <p:spPr>
+          <a:xfrm>
+            <a:off x="533400" y="457200"/>
+            <a:ext cx="8102599" cy="5803900"/>
+          </a:xfrm>
+          <a:custGeom>
+            <a:avLst/>
+            <a:gdLst>
+              <a:gd name="connsiteX0" fmla="*/ 0 w 8077200"/>
+              <a:gd name="connsiteY0" fmla="*/ 965219 h 5791200"/>
+              <a:gd name="connsiteX1" fmla="*/ 282707 w 8077200"/>
+              <a:gd name="connsiteY1" fmla="*/ 282706 h 5791200"/>
+              <a:gd name="connsiteX2" fmla="*/ 965221 w 8077200"/>
+              <a:gd name="connsiteY2" fmla="*/ 1 h 5791200"/>
+              <a:gd name="connsiteX3" fmla="*/ 7111981 w 8077200"/>
+              <a:gd name="connsiteY3" fmla="*/ 0 h 5791200"/>
+              <a:gd name="connsiteX4" fmla="*/ 7794494 w 8077200"/>
+              <a:gd name="connsiteY4" fmla="*/ 282707 h 5791200"/>
+              <a:gd name="connsiteX5" fmla="*/ 8077199 w 8077200"/>
+              <a:gd name="connsiteY5" fmla="*/ 965221 h 5791200"/>
+              <a:gd name="connsiteX6" fmla="*/ 8077200 w 8077200"/>
+              <a:gd name="connsiteY6" fmla="*/ 4825981 h 5791200"/>
+              <a:gd name="connsiteX7" fmla="*/ 7794494 w 8077200"/>
+              <a:gd name="connsiteY7" fmla="*/ 5508494 h 5791200"/>
+              <a:gd name="connsiteX8" fmla="*/ 7111981 w 8077200"/>
+              <a:gd name="connsiteY8" fmla="*/ 5791200 h 5791200"/>
+              <a:gd name="connsiteX9" fmla="*/ 965219 w 8077200"/>
+              <a:gd name="connsiteY9" fmla="*/ 5791200 h 5791200"/>
+              <a:gd name="connsiteX10" fmla="*/ 282706 w 8077200"/>
+              <a:gd name="connsiteY10" fmla="*/ 5508493 h 5791200"/>
+              <a:gd name="connsiteX11" fmla="*/ 0 w 8077200"/>
+              <a:gd name="connsiteY11" fmla="*/ 4825980 h 5791200"/>
+              <a:gd name="connsiteX12" fmla="*/ 0 w 8077200"/>
+              <a:gd name="connsiteY12" fmla="*/ 965219 h 5791200"/>
+              <a:gd name="connsiteX0" fmla="*/ 0 w 8077200"/>
+              <a:gd name="connsiteY0" fmla="*/ 609600 h 5791200"/>
+              <a:gd name="connsiteX1" fmla="*/ 282707 w 8077200"/>
+              <a:gd name="connsiteY1" fmla="*/ 282706 h 5791200"/>
+              <a:gd name="connsiteX2" fmla="*/ 965221 w 8077200"/>
+              <a:gd name="connsiteY2" fmla="*/ 1 h 5791200"/>
+              <a:gd name="connsiteX3" fmla="*/ 7111981 w 8077200"/>
+              <a:gd name="connsiteY3" fmla="*/ 0 h 5791200"/>
+              <a:gd name="connsiteX4" fmla="*/ 7794494 w 8077200"/>
+              <a:gd name="connsiteY4" fmla="*/ 282707 h 5791200"/>
+              <a:gd name="connsiteX5" fmla="*/ 8077199 w 8077200"/>
+              <a:gd name="connsiteY5" fmla="*/ 965221 h 5791200"/>
+              <a:gd name="connsiteX6" fmla="*/ 8077200 w 8077200"/>
+              <a:gd name="connsiteY6" fmla="*/ 4825981 h 5791200"/>
+              <a:gd name="connsiteX7" fmla="*/ 7794494 w 8077200"/>
+              <a:gd name="connsiteY7" fmla="*/ 5508494 h 5791200"/>
+              <a:gd name="connsiteX8" fmla="*/ 7111981 w 8077200"/>
+              <a:gd name="connsiteY8" fmla="*/ 5791200 h 5791200"/>
+              <a:gd name="connsiteX9" fmla="*/ 965219 w 8077200"/>
+              <a:gd name="connsiteY9" fmla="*/ 5791200 h 5791200"/>
+              <a:gd name="connsiteX10" fmla="*/ 282706 w 8077200"/>
+              <a:gd name="connsiteY10" fmla="*/ 5508493 h 5791200"/>
+              <a:gd name="connsiteX11" fmla="*/ 0 w 8077200"/>
+              <a:gd name="connsiteY11" fmla="*/ 4825980 h 5791200"/>
+              <a:gd name="connsiteX12" fmla="*/ 0 w 8077200"/>
+              <a:gd name="connsiteY12" fmla="*/ 609600 h 5791200"/>
+              <a:gd name="connsiteX0" fmla="*/ 0 w 8077200"/>
+              <a:gd name="connsiteY0" fmla="*/ 609601 h 5791201"/>
+              <a:gd name="connsiteX1" fmla="*/ 282707 w 8077200"/>
+              <a:gd name="connsiteY1" fmla="*/ 282707 h 5791201"/>
+              <a:gd name="connsiteX2" fmla="*/ 609600 w 8077200"/>
+              <a:gd name="connsiteY2" fmla="*/ 1 h 5791201"/>
+              <a:gd name="connsiteX3" fmla="*/ 7111981 w 8077200"/>
+              <a:gd name="connsiteY3" fmla="*/ 1 h 5791201"/>
+              <a:gd name="connsiteX4" fmla="*/ 7794494 w 8077200"/>
+              <a:gd name="connsiteY4" fmla="*/ 282708 h 5791201"/>
+              <a:gd name="connsiteX5" fmla="*/ 8077199 w 8077200"/>
+              <a:gd name="connsiteY5" fmla="*/ 965222 h 5791201"/>
+              <a:gd name="connsiteX6" fmla="*/ 8077200 w 8077200"/>
+              <a:gd name="connsiteY6" fmla="*/ 4825982 h 5791201"/>
+              <a:gd name="connsiteX7" fmla="*/ 7794494 w 8077200"/>
+              <a:gd name="connsiteY7" fmla="*/ 5508495 h 5791201"/>
+              <a:gd name="connsiteX8" fmla="*/ 7111981 w 8077200"/>
+              <a:gd name="connsiteY8" fmla="*/ 5791201 h 5791201"/>
+              <a:gd name="connsiteX9" fmla="*/ 965219 w 8077200"/>
+              <a:gd name="connsiteY9" fmla="*/ 5791201 h 5791201"/>
+              <a:gd name="connsiteX10" fmla="*/ 282706 w 8077200"/>
+              <a:gd name="connsiteY10" fmla="*/ 5508494 h 5791201"/>
+              <a:gd name="connsiteX11" fmla="*/ 0 w 8077200"/>
+              <a:gd name="connsiteY11" fmla="*/ 4825981 h 5791201"/>
+              <a:gd name="connsiteX12" fmla="*/ 0 w 8077200"/>
+              <a:gd name="connsiteY12" fmla="*/ 609601 h 5791201"/>
+              <a:gd name="connsiteX0" fmla="*/ 0 w 8077200"/>
+              <a:gd name="connsiteY0" fmla="*/ 609601 h 5791201"/>
+              <a:gd name="connsiteX1" fmla="*/ 152400 w 8077200"/>
+              <a:gd name="connsiteY1" fmla="*/ 152402 h 5791201"/>
+              <a:gd name="connsiteX2" fmla="*/ 609600 w 8077200"/>
+              <a:gd name="connsiteY2" fmla="*/ 1 h 5791201"/>
+              <a:gd name="connsiteX3" fmla="*/ 7111981 w 8077200"/>
+              <a:gd name="connsiteY3" fmla="*/ 1 h 5791201"/>
+              <a:gd name="connsiteX4" fmla="*/ 7794494 w 8077200"/>
+              <a:gd name="connsiteY4" fmla="*/ 282708 h 5791201"/>
+              <a:gd name="connsiteX5" fmla="*/ 8077199 w 8077200"/>
+              <a:gd name="connsiteY5" fmla="*/ 965222 h 5791201"/>
+              <a:gd name="connsiteX6" fmla="*/ 8077200 w 8077200"/>
+              <a:gd name="connsiteY6" fmla="*/ 4825982 h 5791201"/>
+              <a:gd name="connsiteX7" fmla="*/ 7794494 w 8077200"/>
+              <a:gd name="connsiteY7" fmla="*/ 5508495 h 5791201"/>
+              <a:gd name="connsiteX8" fmla="*/ 7111981 w 8077200"/>
+              <a:gd name="connsiteY8" fmla="*/ 5791201 h 5791201"/>
+              <a:gd name="connsiteX9" fmla="*/ 965219 w 8077200"/>
+              <a:gd name="connsiteY9" fmla="*/ 5791201 h 5791201"/>
+              <a:gd name="connsiteX10" fmla="*/ 282706 w 8077200"/>
+              <a:gd name="connsiteY10" fmla="*/ 5508494 h 5791201"/>
+              <a:gd name="connsiteX11" fmla="*/ 0 w 8077200"/>
+              <a:gd name="connsiteY11" fmla="*/ 4825981 h 5791201"/>
+              <a:gd name="connsiteX12" fmla="*/ 0 w 8077200"/>
+              <a:gd name="connsiteY12" fmla="*/ 609601 h 5791201"/>
+              <a:gd name="connsiteX0" fmla="*/ 0 w 8077200"/>
+              <a:gd name="connsiteY0" fmla="*/ 609600 h 5791200"/>
+              <a:gd name="connsiteX1" fmla="*/ 152400 w 8077200"/>
+              <a:gd name="connsiteY1" fmla="*/ 152401 h 5791200"/>
+              <a:gd name="connsiteX2" fmla="*/ 533400 w 8077200"/>
+              <a:gd name="connsiteY2" fmla="*/ 1 h 5791200"/>
+              <a:gd name="connsiteX3" fmla="*/ 7111981 w 8077200"/>
+              <a:gd name="connsiteY3" fmla="*/ 0 h 5791200"/>
+              <a:gd name="connsiteX4" fmla="*/ 7794494 w 8077200"/>
+              <a:gd name="connsiteY4" fmla="*/ 282707 h 5791200"/>
+              <a:gd name="connsiteX5" fmla="*/ 8077199 w 8077200"/>
+              <a:gd name="connsiteY5" fmla="*/ 965221 h 5791200"/>
+              <a:gd name="connsiteX6" fmla="*/ 8077200 w 8077200"/>
+              <a:gd name="connsiteY6" fmla="*/ 4825981 h 5791200"/>
+              <a:gd name="connsiteX7" fmla="*/ 7794494 w 8077200"/>
+              <a:gd name="connsiteY7" fmla="*/ 5508494 h 5791200"/>
+              <a:gd name="connsiteX8" fmla="*/ 7111981 w 8077200"/>
+              <a:gd name="connsiteY8" fmla="*/ 5791200 h 5791200"/>
+              <a:gd name="connsiteX9" fmla="*/ 965219 w 8077200"/>
+              <a:gd name="connsiteY9" fmla="*/ 5791200 h 5791200"/>
+              <a:gd name="connsiteX10" fmla="*/ 282706 w 8077200"/>
+              <a:gd name="connsiteY10" fmla="*/ 5508493 h 5791200"/>
+              <a:gd name="connsiteX11" fmla="*/ 0 w 8077200"/>
+              <a:gd name="connsiteY11" fmla="*/ 4825980 h 5791200"/>
+              <a:gd name="connsiteX12" fmla="*/ 0 w 8077200"/>
+              <a:gd name="connsiteY12" fmla="*/ 609600 h 5791200"/>
+              <a:gd name="connsiteX0" fmla="*/ 0 w 8077200"/>
+              <a:gd name="connsiteY0" fmla="*/ 533400 h 5791200"/>
+              <a:gd name="connsiteX1" fmla="*/ 152400 w 8077200"/>
+              <a:gd name="connsiteY1" fmla="*/ 152401 h 5791200"/>
+              <a:gd name="connsiteX2" fmla="*/ 533400 w 8077200"/>
+              <a:gd name="connsiteY2" fmla="*/ 1 h 5791200"/>
+              <a:gd name="connsiteX3" fmla="*/ 7111981 w 8077200"/>
+              <a:gd name="connsiteY3" fmla="*/ 0 h 5791200"/>
+              <a:gd name="connsiteX4" fmla="*/ 7794494 w 8077200"/>
+              <a:gd name="connsiteY4" fmla="*/ 282707 h 5791200"/>
+              <a:gd name="connsiteX5" fmla="*/ 8077199 w 8077200"/>
+              <a:gd name="connsiteY5" fmla="*/ 965221 h 5791200"/>
+              <a:gd name="connsiteX6" fmla="*/ 8077200 w 8077200"/>
+              <a:gd name="connsiteY6" fmla="*/ 4825981 h 5791200"/>
+              <a:gd name="connsiteX7" fmla="*/ 7794494 w 8077200"/>
+              <a:gd name="connsiteY7" fmla="*/ 5508494 h 5791200"/>
+              <a:gd name="connsiteX8" fmla="*/ 7111981 w 8077200"/>
+              <a:gd name="connsiteY8" fmla="*/ 5791200 h 5791200"/>
+              <a:gd name="connsiteX9" fmla="*/ 965219 w 8077200"/>
+              <a:gd name="connsiteY9" fmla="*/ 5791200 h 5791200"/>
+              <a:gd name="connsiteX10" fmla="*/ 282706 w 8077200"/>
+              <a:gd name="connsiteY10" fmla="*/ 5508493 h 5791200"/>
+              <a:gd name="connsiteX11" fmla="*/ 0 w 8077200"/>
+              <a:gd name="connsiteY11" fmla="*/ 4825980 h 5791200"/>
+              <a:gd name="connsiteX12" fmla="*/ 0 w 8077200"/>
+              <a:gd name="connsiteY12" fmla="*/ 533400 h 5791200"/>
+              <a:gd name="connsiteX0" fmla="*/ 12700 w 8089900"/>
+              <a:gd name="connsiteY0" fmla="*/ 546100 h 5803900"/>
+              <a:gd name="connsiteX1" fmla="*/ 88900 w 8089900"/>
+              <a:gd name="connsiteY1" fmla="*/ 88900 h 5803900"/>
+              <a:gd name="connsiteX2" fmla="*/ 546100 w 8089900"/>
+              <a:gd name="connsiteY2" fmla="*/ 12701 h 5803900"/>
+              <a:gd name="connsiteX3" fmla="*/ 7124681 w 8089900"/>
+              <a:gd name="connsiteY3" fmla="*/ 12700 h 5803900"/>
+              <a:gd name="connsiteX4" fmla="*/ 7807194 w 8089900"/>
+              <a:gd name="connsiteY4" fmla="*/ 295407 h 5803900"/>
+              <a:gd name="connsiteX5" fmla="*/ 8089899 w 8089900"/>
+              <a:gd name="connsiteY5" fmla="*/ 977921 h 5803900"/>
+              <a:gd name="connsiteX6" fmla="*/ 8089900 w 8089900"/>
+              <a:gd name="connsiteY6" fmla="*/ 4838681 h 5803900"/>
+              <a:gd name="connsiteX7" fmla="*/ 7807194 w 8089900"/>
+              <a:gd name="connsiteY7" fmla="*/ 5521194 h 5803900"/>
+              <a:gd name="connsiteX8" fmla="*/ 7124681 w 8089900"/>
+              <a:gd name="connsiteY8" fmla="*/ 5803900 h 5803900"/>
+              <a:gd name="connsiteX9" fmla="*/ 977919 w 8089900"/>
+              <a:gd name="connsiteY9" fmla="*/ 5803900 h 5803900"/>
+              <a:gd name="connsiteX10" fmla="*/ 295406 w 8089900"/>
+              <a:gd name="connsiteY10" fmla="*/ 5521193 h 5803900"/>
+              <a:gd name="connsiteX11" fmla="*/ 12700 w 8089900"/>
+              <a:gd name="connsiteY11" fmla="*/ 4838680 h 5803900"/>
+              <a:gd name="connsiteX12" fmla="*/ 12700 w 8089900"/>
+              <a:gd name="connsiteY12" fmla="*/ 546100 h 5803900"/>
+              <a:gd name="connsiteX0" fmla="*/ 12700 w 8089900"/>
+              <a:gd name="connsiteY0" fmla="*/ 546100 h 5803900"/>
+              <a:gd name="connsiteX1" fmla="*/ 88900 w 8089900"/>
+              <a:gd name="connsiteY1" fmla="*/ 88900 h 5803900"/>
+              <a:gd name="connsiteX2" fmla="*/ 546100 w 8089900"/>
+              <a:gd name="connsiteY2" fmla="*/ 12701 h 5803900"/>
+              <a:gd name="connsiteX3" fmla="*/ 7124681 w 8089900"/>
+              <a:gd name="connsiteY3" fmla="*/ 12700 h 5803900"/>
+              <a:gd name="connsiteX4" fmla="*/ 7807194 w 8089900"/>
+              <a:gd name="connsiteY4" fmla="*/ 295407 h 5803900"/>
+              <a:gd name="connsiteX5" fmla="*/ 8089899 w 8089900"/>
+              <a:gd name="connsiteY5" fmla="*/ 977921 h 5803900"/>
+              <a:gd name="connsiteX6" fmla="*/ 8089900 w 8089900"/>
+              <a:gd name="connsiteY6" fmla="*/ 4838681 h 5803900"/>
+              <a:gd name="connsiteX7" fmla="*/ 7807194 w 8089900"/>
+              <a:gd name="connsiteY7" fmla="*/ 5521194 h 5803900"/>
+              <a:gd name="connsiteX8" fmla="*/ 7124681 w 8089900"/>
+              <a:gd name="connsiteY8" fmla="*/ 5803900 h 5803900"/>
+              <a:gd name="connsiteX9" fmla="*/ 977919 w 8089900"/>
+              <a:gd name="connsiteY9" fmla="*/ 5803900 h 5803900"/>
+              <a:gd name="connsiteX10" fmla="*/ 295406 w 8089900"/>
+              <a:gd name="connsiteY10" fmla="*/ 5521193 h 5803900"/>
+              <a:gd name="connsiteX11" fmla="*/ 12700 w 8089900"/>
+              <a:gd name="connsiteY11" fmla="*/ 5346700 h 5803900"/>
+              <a:gd name="connsiteX12" fmla="*/ 12700 w 8089900"/>
+              <a:gd name="connsiteY12" fmla="*/ 546100 h 5803900"/>
+              <a:gd name="connsiteX0" fmla="*/ 12700 w 8089900"/>
+              <a:gd name="connsiteY0" fmla="*/ 546100 h 5803900"/>
+              <a:gd name="connsiteX1" fmla="*/ 88900 w 8089900"/>
+              <a:gd name="connsiteY1" fmla="*/ 88900 h 5803900"/>
+              <a:gd name="connsiteX2" fmla="*/ 546100 w 8089900"/>
+              <a:gd name="connsiteY2" fmla="*/ 12701 h 5803900"/>
+              <a:gd name="connsiteX3" fmla="*/ 7124681 w 8089900"/>
+              <a:gd name="connsiteY3" fmla="*/ 12700 h 5803900"/>
+              <a:gd name="connsiteX4" fmla="*/ 7807194 w 8089900"/>
+              <a:gd name="connsiteY4" fmla="*/ 295407 h 5803900"/>
+              <a:gd name="connsiteX5" fmla="*/ 8089899 w 8089900"/>
+              <a:gd name="connsiteY5" fmla="*/ 977921 h 5803900"/>
+              <a:gd name="connsiteX6" fmla="*/ 8089900 w 8089900"/>
+              <a:gd name="connsiteY6" fmla="*/ 4838681 h 5803900"/>
+              <a:gd name="connsiteX7" fmla="*/ 7807194 w 8089900"/>
+              <a:gd name="connsiteY7" fmla="*/ 5521194 h 5803900"/>
+              <a:gd name="connsiteX8" fmla="*/ 7124681 w 8089900"/>
+              <a:gd name="connsiteY8" fmla="*/ 5803900 h 5803900"/>
+              <a:gd name="connsiteX9" fmla="*/ 546100 w 8089900"/>
+              <a:gd name="connsiteY9" fmla="*/ 5803900 h 5803900"/>
+              <a:gd name="connsiteX10" fmla="*/ 295406 w 8089900"/>
+              <a:gd name="connsiteY10" fmla="*/ 5521193 h 5803900"/>
+              <a:gd name="connsiteX11" fmla="*/ 12700 w 8089900"/>
+              <a:gd name="connsiteY11" fmla="*/ 5346700 h 5803900"/>
+              <a:gd name="connsiteX12" fmla="*/ 12700 w 8089900"/>
+              <a:gd name="connsiteY12" fmla="*/ 546100 h 5803900"/>
+              <a:gd name="connsiteX0" fmla="*/ 12700 w 8089900"/>
+              <a:gd name="connsiteY0" fmla="*/ 546100 h 5803900"/>
+              <a:gd name="connsiteX1" fmla="*/ 88900 w 8089900"/>
+              <a:gd name="connsiteY1" fmla="*/ 88900 h 5803900"/>
+              <a:gd name="connsiteX2" fmla="*/ 546100 w 8089900"/>
+              <a:gd name="connsiteY2" fmla="*/ 12701 h 5803900"/>
+              <a:gd name="connsiteX3" fmla="*/ 7124681 w 8089900"/>
+              <a:gd name="connsiteY3" fmla="*/ 12700 h 5803900"/>
+              <a:gd name="connsiteX4" fmla="*/ 7807194 w 8089900"/>
+              <a:gd name="connsiteY4" fmla="*/ 295407 h 5803900"/>
+              <a:gd name="connsiteX5" fmla="*/ 8089899 w 8089900"/>
+              <a:gd name="connsiteY5" fmla="*/ 977921 h 5803900"/>
+              <a:gd name="connsiteX6" fmla="*/ 8089900 w 8089900"/>
+              <a:gd name="connsiteY6" fmla="*/ 4838681 h 5803900"/>
+              <a:gd name="connsiteX7" fmla="*/ 7807194 w 8089900"/>
+              <a:gd name="connsiteY7" fmla="*/ 5521194 h 5803900"/>
+              <a:gd name="connsiteX8" fmla="*/ 7124681 w 8089900"/>
+              <a:gd name="connsiteY8" fmla="*/ 5803900 h 5803900"/>
+              <a:gd name="connsiteX9" fmla="*/ 546100 w 8089900"/>
+              <a:gd name="connsiteY9" fmla="*/ 5803900 h 5803900"/>
+              <a:gd name="connsiteX10" fmla="*/ 88900 w 8089900"/>
+              <a:gd name="connsiteY10" fmla="*/ 5727700 h 5803900"/>
+              <a:gd name="connsiteX11" fmla="*/ 12700 w 8089900"/>
+              <a:gd name="connsiteY11" fmla="*/ 5346700 h 5803900"/>
+              <a:gd name="connsiteX12" fmla="*/ 12700 w 8089900"/>
+              <a:gd name="connsiteY12" fmla="*/ 546100 h 5803900"/>
+              <a:gd name="connsiteX0" fmla="*/ 12700 w 8089900"/>
+              <a:gd name="connsiteY0" fmla="*/ 546100 h 5803900"/>
+              <a:gd name="connsiteX1" fmla="*/ 88900 w 8089900"/>
+              <a:gd name="connsiteY1" fmla="*/ 88900 h 5803900"/>
+              <a:gd name="connsiteX2" fmla="*/ 546100 w 8089900"/>
+              <a:gd name="connsiteY2" fmla="*/ 12701 h 5803900"/>
+              <a:gd name="connsiteX3" fmla="*/ 7556500 w 8089900"/>
+              <a:gd name="connsiteY3" fmla="*/ 12700 h 5803900"/>
+              <a:gd name="connsiteX4" fmla="*/ 7807194 w 8089900"/>
+              <a:gd name="connsiteY4" fmla="*/ 295407 h 5803900"/>
+              <a:gd name="connsiteX5" fmla="*/ 8089899 w 8089900"/>
+              <a:gd name="connsiteY5" fmla="*/ 977921 h 5803900"/>
+              <a:gd name="connsiteX6" fmla="*/ 8089900 w 8089900"/>
+              <a:gd name="connsiteY6" fmla="*/ 4838681 h 5803900"/>
+              <a:gd name="connsiteX7" fmla="*/ 7807194 w 8089900"/>
+              <a:gd name="connsiteY7" fmla="*/ 5521194 h 5803900"/>
+              <a:gd name="connsiteX8" fmla="*/ 7124681 w 8089900"/>
+              <a:gd name="connsiteY8" fmla="*/ 5803900 h 5803900"/>
+              <a:gd name="connsiteX9" fmla="*/ 546100 w 8089900"/>
+              <a:gd name="connsiteY9" fmla="*/ 5803900 h 5803900"/>
+              <a:gd name="connsiteX10" fmla="*/ 88900 w 8089900"/>
+              <a:gd name="connsiteY10" fmla="*/ 5727700 h 5803900"/>
+              <a:gd name="connsiteX11" fmla="*/ 12700 w 8089900"/>
+              <a:gd name="connsiteY11" fmla="*/ 5346700 h 5803900"/>
+              <a:gd name="connsiteX12" fmla="*/ 12700 w 8089900"/>
+              <a:gd name="connsiteY12" fmla="*/ 546100 h 5803900"/>
+              <a:gd name="connsiteX0" fmla="*/ 12700 w 8089901"/>
+              <a:gd name="connsiteY0" fmla="*/ 546100 h 5803900"/>
+              <a:gd name="connsiteX1" fmla="*/ 88900 w 8089901"/>
+              <a:gd name="connsiteY1" fmla="*/ 88900 h 5803900"/>
+              <a:gd name="connsiteX2" fmla="*/ 546100 w 8089901"/>
+              <a:gd name="connsiteY2" fmla="*/ 12701 h 5803900"/>
+              <a:gd name="connsiteX3" fmla="*/ 7556500 w 8089901"/>
+              <a:gd name="connsiteY3" fmla="*/ 12700 h 5803900"/>
+              <a:gd name="connsiteX4" fmla="*/ 7807194 w 8089901"/>
+              <a:gd name="connsiteY4" fmla="*/ 295407 h 5803900"/>
+              <a:gd name="connsiteX5" fmla="*/ 8089900 w 8089901"/>
+              <a:gd name="connsiteY5" fmla="*/ 469900 h 5803900"/>
+              <a:gd name="connsiteX6" fmla="*/ 8089900 w 8089901"/>
+              <a:gd name="connsiteY6" fmla="*/ 4838681 h 5803900"/>
+              <a:gd name="connsiteX7" fmla="*/ 7807194 w 8089901"/>
+              <a:gd name="connsiteY7" fmla="*/ 5521194 h 5803900"/>
+              <a:gd name="connsiteX8" fmla="*/ 7124681 w 8089901"/>
+              <a:gd name="connsiteY8" fmla="*/ 5803900 h 5803900"/>
+              <a:gd name="connsiteX9" fmla="*/ 546100 w 8089901"/>
+              <a:gd name="connsiteY9" fmla="*/ 5803900 h 5803900"/>
+              <a:gd name="connsiteX10" fmla="*/ 88900 w 8089901"/>
+              <a:gd name="connsiteY10" fmla="*/ 5727700 h 5803900"/>
+              <a:gd name="connsiteX11" fmla="*/ 12700 w 8089901"/>
+              <a:gd name="connsiteY11" fmla="*/ 5346700 h 5803900"/>
+              <a:gd name="connsiteX12" fmla="*/ 12700 w 8089901"/>
+              <a:gd name="connsiteY12" fmla="*/ 546100 h 5803900"/>
+              <a:gd name="connsiteX0" fmla="*/ 12700 w 8102600"/>
+              <a:gd name="connsiteY0" fmla="*/ 546100 h 5803900"/>
+              <a:gd name="connsiteX1" fmla="*/ 88900 w 8102600"/>
+              <a:gd name="connsiteY1" fmla="*/ 88900 h 5803900"/>
+              <a:gd name="connsiteX2" fmla="*/ 546100 w 8102600"/>
+              <a:gd name="connsiteY2" fmla="*/ 12701 h 5803900"/>
+              <a:gd name="connsiteX3" fmla="*/ 7556500 w 8102600"/>
+              <a:gd name="connsiteY3" fmla="*/ 12700 h 5803900"/>
+              <a:gd name="connsiteX4" fmla="*/ 8013700 w 8102600"/>
+              <a:gd name="connsiteY4" fmla="*/ 88900 h 5803900"/>
+              <a:gd name="connsiteX5" fmla="*/ 8089900 w 8102600"/>
+              <a:gd name="connsiteY5" fmla="*/ 469900 h 5803900"/>
+              <a:gd name="connsiteX6" fmla="*/ 8089900 w 8102600"/>
+              <a:gd name="connsiteY6" fmla="*/ 4838681 h 5803900"/>
+              <a:gd name="connsiteX7" fmla="*/ 7807194 w 8102600"/>
+              <a:gd name="connsiteY7" fmla="*/ 5521194 h 5803900"/>
+              <a:gd name="connsiteX8" fmla="*/ 7124681 w 8102600"/>
+              <a:gd name="connsiteY8" fmla="*/ 5803900 h 5803900"/>
+              <a:gd name="connsiteX9" fmla="*/ 546100 w 8102600"/>
+              <a:gd name="connsiteY9" fmla="*/ 5803900 h 5803900"/>
+              <a:gd name="connsiteX10" fmla="*/ 88900 w 8102600"/>
+              <a:gd name="connsiteY10" fmla="*/ 5727700 h 5803900"/>
+              <a:gd name="connsiteX11" fmla="*/ 12700 w 8102600"/>
+              <a:gd name="connsiteY11" fmla="*/ 5346700 h 5803900"/>
+              <a:gd name="connsiteX12" fmla="*/ 12700 w 8102600"/>
+              <a:gd name="connsiteY12" fmla="*/ 546100 h 5803900"/>
+              <a:gd name="connsiteX0" fmla="*/ 12700 w 8102600"/>
+              <a:gd name="connsiteY0" fmla="*/ 546100 h 5803900"/>
+              <a:gd name="connsiteX1" fmla="*/ 88900 w 8102600"/>
+              <a:gd name="connsiteY1" fmla="*/ 88900 h 5803900"/>
+              <a:gd name="connsiteX2" fmla="*/ 546100 w 8102600"/>
+              <a:gd name="connsiteY2" fmla="*/ 12701 h 5803900"/>
+              <a:gd name="connsiteX3" fmla="*/ 7556500 w 8102600"/>
+              <a:gd name="connsiteY3" fmla="*/ 12700 h 5803900"/>
+              <a:gd name="connsiteX4" fmla="*/ 8013700 w 8102600"/>
+              <a:gd name="connsiteY4" fmla="*/ 88900 h 5803900"/>
+              <a:gd name="connsiteX5" fmla="*/ 8089899 w 8102600"/>
+              <a:gd name="connsiteY5" fmla="*/ 469900 h 5803900"/>
+              <a:gd name="connsiteX6" fmla="*/ 8089900 w 8102600"/>
+              <a:gd name="connsiteY6" fmla="*/ 4838681 h 5803900"/>
+              <a:gd name="connsiteX7" fmla="*/ 7807194 w 8102600"/>
+              <a:gd name="connsiteY7" fmla="*/ 5521194 h 5803900"/>
+              <a:gd name="connsiteX8" fmla="*/ 7124681 w 8102600"/>
+              <a:gd name="connsiteY8" fmla="*/ 5803900 h 5803900"/>
+              <a:gd name="connsiteX9" fmla="*/ 546100 w 8102600"/>
+              <a:gd name="connsiteY9" fmla="*/ 5803900 h 5803900"/>
+              <a:gd name="connsiteX10" fmla="*/ 88900 w 8102600"/>
+              <a:gd name="connsiteY10" fmla="*/ 5727700 h 5803900"/>
+              <a:gd name="connsiteX11" fmla="*/ 12700 w 8102600"/>
+              <a:gd name="connsiteY11" fmla="*/ 5346700 h 5803900"/>
+              <a:gd name="connsiteX12" fmla="*/ 12700 w 8102600"/>
+              <a:gd name="connsiteY12" fmla="*/ 546100 h 5803900"/>
+              <a:gd name="connsiteX0" fmla="*/ 12700 w 8102599"/>
+              <a:gd name="connsiteY0" fmla="*/ 546100 h 5803900"/>
+              <a:gd name="connsiteX1" fmla="*/ 88900 w 8102599"/>
+              <a:gd name="connsiteY1" fmla="*/ 88900 h 5803900"/>
+              <a:gd name="connsiteX2" fmla="*/ 546100 w 8102599"/>
+              <a:gd name="connsiteY2" fmla="*/ 12701 h 5803900"/>
+              <a:gd name="connsiteX3" fmla="*/ 7556500 w 8102599"/>
+              <a:gd name="connsiteY3" fmla="*/ 12700 h 5803900"/>
+              <a:gd name="connsiteX4" fmla="*/ 8013699 w 8102599"/>
+              <a:gd name="connsiteY4" fmla="*/ 88900 h 5803900"/>
+              <a:gd name="connsiteX5" fmla="*/ 8089899 w 8102599"/>
+              <a:gd name="connsiteY5" fmla="*/ 469900 h 5803900"/>
+              <a:gd name="connsiteX6" fmla="*/ 8089900 w 8102599"/>
+              <a:gd name="connsiteY6" fmla="*/ 4838681 h 5803900"/>
+              <a:gd name="connsiteX7" fmla="*/ 7807194 w 8102599"/>
+              <a:gd name="connsiteY7" fmla="*/ 5521194 h 5803900"/>
+              <a:gd name="connsiteX8" fmla="*/ 7124681 w 8102599"/>
+              <a:gd name="connsiteY8" fmla="*/ 5803900 h 5803900"/>
+              <a:gd name="connsiteX9" fmla="*/ 546100 w 8102599"/>
+              <a:gd name="connsiteY9" fmla="*/ 5803900 h 5803900"/>
+              <a:gd name="connsiteX10" fmla="*/ 88900 w 8102599"/>
+              <a:gd name="connsiteY10" fmla="*/ 5727700 h 5803900"/>
+              <a:gd name="connsiteX11" fmla="*/ 12700 w 8102599"/>
+              <a:gd name="connsiteY11" fmla="*/ 5346700 h 5803900"/>
+              <a:gd name="connsiteX12" fmla="*/ 12700 w 8102599"/>
+              <a:gd name="connsiteY12" fmla="*/ 546100 h 5803900"/>
+              <a:gd name="connsiteX0" fmla="*/ 12700 w 8102599"/>
+              <a:gd name="connsiteY0" fmla="*/ 546100 h 5803900"/>
+              <a:gd name="connsiteX1" fmla="*/ 88900 w 8102599"/>
+              <a:gd name="connsiteY1" fmla="*/ 88900 h 5803900"/>
+              <a:gd name="connsiteX2" fmla="*/ 546100 w 8102599"/>
+              <a:gd name="connsiteY2" fmla="*/ 12701 h 5803900"/>
+              <a:gd name="connsiteX3" fmla="*/ 7556500 w 8102599"/>
+              <a:gd name="connsiteY3" fmla="*/ 12700 h 5803900"/>
+              <a:gd name="connsiteX4" fmla="*/ 8013699 w 8102599"/>
+              <a:gd name="connsiteY4" fmla="*/ 88900 h 5803900"/>
+              <a:gd name="connsiteX5" fmla="*/ 8089899 w 8102599"/>
+              <a:gd name="connsiteY5" fmla="*/ 469900 h 5803900"/>
+              <a:gd name="connsiteX6" fmla="*/ 8089900 w 8102599"/>
+              <a:gd name="connsiteY6" fmla="*/ 5346700 h 5803900"/>
+              <a:gd name="connsiteX7" fmla="*/ 7807194 w 8102599"/>
+              <a:gd name="connsiteY7" fmla="*/ 5521194 h 5803900"/>
+              <a:gd name="connsiteX8" fmla="*/ 7124681 w 8102599"/>
+              <a:gd name="connsiteY8" fmla="*/ 5803900 h 5803900"/>
+              <a:gd name="connsiteX9" fmla="*/ 546100 w 8102599"/>
+              <a:gd name="connsiteY9" fmla="*/ 5803900 h 5803900"/>
+              <a:gd name="connsiteX10" fmla="*/ 88900 w 8102599"/>
+              <a:gd name="connsiteY10" fmla="*/ 5727700 h 5803900"/>
+              <a:gd name="connsiteX11" fmla="*/ 12700 w 8102599"/>
+              <a:gd name="connsiteY11" fmla="*/ 5346700 h 5803900"/>
+              <a:gd name="connsiteX12" fmla="*/ 12700 w 8102599"/>
+              <a:gd name="connsiteY12" fmla="*/ 546100 h 5803900"/>
+              <a:gd name="connsiteX0" fmla="*/ 12700 w 8102599"/>
+              <a:gd name="connsiteY0" fmla="*/ 546100 h 5803900"/>
+              <a:gd name="connsiteX1" fmla="*/ 88900 w 8102599"/>
+              <a:gd name="connsiteY1" fmla="*/ 88900 h 5803900"/>
+              <a:gd name="connsiteX2" fmla="*/ 546100 w 8102599"/>
+              <a:gd name="connsiteY2" fmla="*/ 12701 h 5803900"/>
+              <a:gd name="connsiteX3" fmla="*/ 7556500 w 8102599"/>
+              <a:gd name="connsiteY3" fmla="*/ 12700 h 5803900"/>
+              <a:gd name="connsiteX4" fmla="*/ 8013699 w 8102599"/>
+              <a:gd name="connsiteY4" fmla="*/ 88900 h 5803900"/>
+              <a:gd name="connsiteX5" fmla="*/ 8089899 w 8102599"/>
+              <a:gd name="connsiteY5" fmla="*/ 469900 h 5803900"/>
+              <a:gd name="connsiteX6" fmla="*/ 8089900 w 8102599"/>
+              <a:gd name="connsiteY6" fmla="*/ 5346700 h 5803900"/>
+              <a:gd name="connsiteX7" fmla="*/ 7807194 w 8102599"/>
+              <a:gd name="connsiteY7" fmla="*/ 5521194 h 5803900"/>
+              <a:gd name="connsiteX8" fmla="*/ 7632700 w 8102599"/>
+              <a:gd name="connsiteY8" fmla="*/ 5803900 h 5803900"/>
+              <a:gd name="connsiteX9" fmla="*/ 546100 w 8102599"/>
+              <a:gd name="connsiteY9" fmla="*/ 5803900 h 5803900"/>
+              <a:gd name="connsiteX10" fmla="*/ 88900 w 8102599"/>
+              <a:gd name="connsiteY10" fmla="*/ 5727700 h 5803900"/>
+              <a:gd name="connsiteX11" fmla="*/ 12700 w 8102599"/>
+              <a:gd name="connsiteY11" fmla="*/ 5346700 h 5803900"/>
+              <a:gd name="connsiteX12" fmla="*/ 12700 w 8102599"/>
+              <a:gd name="connsiteY12" fmla="*/ 546100 h 5803900"/>
+              <a:gd name="connsiteX0" fmla="*/ 12700 w 8102599"/>
+              <a:gd name="connsiteY0" fmla="*/ 546100 h 5803900"/>
+              <a:gd name="connsiteX1" fmla="*/ 88900 w 8102599"/>
+              <a:gd name="connsiteY1" fmla="*/ 88900 h 5803900"/>
+              <a:gd name="connsiteX2" fmla="*/ 546100 w 8102599"/>
+              <a:gd name="connsiteY2" fmla="*/ 12701 h 5803900"/>
+              <a:gd name="connsiteX3" fmla="*/ 7556500 w 8102599"/>
+              <a:gd name="connsiteY3" fmla="*/ 12700 h 5803900"/>
+              <a:gd name="connsiteX4" fmla="*/ 8013699 w 8102599"/>
+              <a:gd name="connsiteY4" fmla="*/ 88900 h 5803900"/>
+              <a:gd name="connsiteX5" fmla="*/ 8089899 w 8102599"/>
+              <a:gd name="connsiteY5" fmla="*/ 469900 h 5803900"/>
+              <a:gd name="connsiteX6" fmla="*/ 8089900 w 8102599"/>
+              <a:gd name="connsiteY6" fmla="*/ 5346700 h 5803900"/>
+              <a:gd name="connsiteX7" fmla="*/ 8013700 w 8102599"/>
+              <a:gd name="connsiteY7" fmla="*/ 5727700 h 5803900"/>
+              <a:gd name="connsiteX8" fmla="*/ 7632700 w 8102599"/>
+              <a:gd name="connsiteY8" fmla="*/ 5803900 h 5803900"/>
+              <a:gd name="connsiteX9" fmla="*/ 546100 w 8102599"/>
+              <a:gd name="connsiteY9" fmla="*/ 5803900 h 5803900"/>
+              <a:gd name="connsiteX10" fmla="*/ 88900 w 8102599"/>
+              <a:gd name="connsiteY10" fmla="*/ 5727700 h 5803900"/>
+              <a:gd name="connsiteX11" fmla="*/ 12700 w 8102599"/>
+              <a:gd name="connsiteY11" fmla="*/ 5346700 h 5803900"/>
+              <a:gd name="connsiteX12" fmla="*/ 12700 w 8102599"/>
+              <a:gd name="connsiteY12" fmla="*/ 546100 h 5803900"/>
+            </a:gdLst>
+            <a:ahLst/>
+            <a:cxnLst>
+              <a:cxn ang="0">
+                <a:pos x="connsiteX0" y="connsiteY0"/>
+              </a:cxn>
+              <a:cxn ang="0">
+                <a:pos x="connsiteX1" y="connsiteY1"/>
+              </a:cxn>
+              <a:cxn ang="0">
+                <a:pos x="connsiteX2" y="connsiteY2"/>
+              </a:cxn>
+              <a:cxn ang="0">
+                <a:pos x="connsiteX3" y="connsiteY3"/>
+              </a:cxn>
+              <a:cxn ang="0">
+                <a:pos x="connsiteX4" y="connsiteY4"/>
+              </a:cxn>
+              <a:cxn ang="0">
+                <a:pos x="connsiteX5" y="connsiteY5"/>
+              </a:cxn>
+              <a:cxn ang="0">
+                <a:pos x="connsiteX6" y="connsiteY6"/>
+              </a:cxn>
+              <a:cxn ang="0">
+                <a:pos x="connsiteX7" y="connsiteY7"/>
+              </a:cxn>
+              <a:cxn ang="0">
+                <a:pos x="connsiteX8" y="connsiteY8"/>
+              </a:cxn>
+              <a:cxn ang="0">
+                <a:pos x="connsiteX9" y="connsiteY9"/>
+              </a:cxn>
+              <a:cxn ang="0">
+                <a:pos x="connsiteX10" y="connsiteY10"/>
+              </a:cxn>
+              <a:cxn ang="0">
+                <a:pos x="connsiteX11" y="connsiteY11"/>
+              </a:cxn>
+              <a:cxn ang="0">
+                <a:pos x="connsiteX12" y="connsiteY12"/>
+              </a:cxn>
+            </a:cxnLst>
+            <a:rect l="l" t="t" r="r" b="b"/>
+            <a:pathLst>
+              <a:path w="8102599" h="5803900">
+                <a:moveTo>
+                  <a:pt x="12700" y="546100"/>
+                </a:moveTo>
+                <a:cubicBezTo>
+                  <a:pt x="12700" y="290108"/>
+                  <a:pt x="0" y="177800"/>
+                  <a:pt x="88900" y="88900"/>
+                </a:cubicBezTo>
+                <a:cubicBezTo>
+                  <a:pt x="177800" y="0"/>
+                  <a:pt x="290107" y="12700"/>
+                  <a:pt x="546100" y="12701"/>
+                </a:cubicBezTo>
+                <a:lnTo>
+                  <a:pt x="7556500" y="12700"/>
+                </a:lnTo>
+                <a:cubicBezTo>
+                  <a:pt x="7812492" y="12700"/>
+                  <a:pt x="7924799" y="12700"/>
+                  <a:pt x="8013699" y="88900"/>
+                </a:cubicBezTo>
+                <a:cubicBezTo>
+                  <a:pt x="8102599" y="165100"/>
+                  <a:pt x="8089900" y="213907"/>
+                  <a:pt x="8089899" y="469900"/>
+                </a:cubicBezTo>
+                <a:cubicBezTo>
+                  <a:pt x="8089899" y="1926160"/>
+                  <a:pt x="8089900" y="3890440"/>
+                  <a:pt x="8089900" y="5346700"/>
+                </a:cubicBezTo>
+                <a:cubicBezTo>
+                  <a:pt x="8089900" y="5602692"/>
+                  <a:pt x="8089900" y="5651500"/>
+                  <a:pt x="8013700" y="5727700"/>
+                </a:cubicBezTo>
+                <a:cubicBezTo>
+                  <a:pt x="7937500" y="5803900"/>
+                  <a:pt x="7888692" y="5803900"/>
+                  <a:pt x="7632700" y="5803900"/>
+                </a:cubicBezTo>
+                <a:lnTo>
+                  <a:pt x="546100" y="5803900"/>
+                </a:lnTo>
+                <a:cubicBezTo>
+                  <a:pt x="290108" y="5803900"/>
+                  <a:pt x="177800" y="5803900"/>
+                  <a:pt x="88900" y="5727700"/>
+                </a:cubicBezTo>
+                <a:cubicBezTo>
+                  <a:pt x="0" y="5651500"/>
+                  <a:pt x="12700" y="5602692"/>
+                  <a:pt x="12700" y="5346700"/>
+                </a:cubicBezTo>
+                <a:lnTo>
+                  <a:pt x="12700" y="546100"/>
+                </a:lnTo>
+                <a:close/>
+              </a:path>
+            </a:pathLst>
+          </a:custGeom>
+          <a:gradFill>
+            <a:gsLst>
+              <a:gs pos="0">
+                <a:schemeClr val="bg1">
+                  <a:lumMod val="50000"/>
+                </a:schemeClr>
+              </a:gs>
+              <a:gs pos="39999">
+                <a:schemeClr val="bg1">
+                  <a:lumMod val="65000"/>
+                </a:schemeClr>
+              </a:gs>
+              <a:gs pos="70000">
+                <a:schemeClr val="bg1">
+                  <a:lumMod val="50000"/>
+                  <a:alpha val="73000"/>
+                </a:schemeClr>
+              </a:gs>
+            </a:gsLst>
+            <a:lin ang="5400000" scaled="0"/>
+          </a:gradFill>
+          <a:ln>
+            <a:solidFill>
+              <a:schemeClr val="bg1">
+                <a:lumMod val="75000"/>
+              </a:schemeClr>
+            </a:solidFill>
+          </a:ln>
+        </p:spPr>
+        <p:style>
+          <a:lnRef idx="2">
+            <a:schemeClr val="accent1">
+              <a:shade val="50000"/>
+            </a:schemeClr>
+          </a:lnRef>
+          <a:fillRef idx="1">
+            <a:schemeClr val="accent1"/>
+          </a:fillRef>
+          <a:effectRef idx="0">
+            <a:schemeClr val="accent1"/>
+          </a:effectRef>
+          <a:fontRef idx="minor">
+            <a:schemeClr val="lt1"/>
+          </a:fontRef>
+        </p:style>
+        <p:txBody>
+          <a:bodyPr rtlCol="0" anchor="ctr"/>
+          <a:lstStyle/>
           <a:p>
             <a:pPr fontAlgn="t"/>
             <a:endParaRPr lang="es-AR" b="1" dirty="0" smtClean="0"/>
           </a:p>
           <a:p>
-            <a:pPr fontAlgn="t"/>
-            <a:r>
-              <a:rPr lang="es-AR" b="1" dirty="0" smtClean="0"/>
-              <a:t>Nuestra Visión </a:t>
-            </a:r>
+            <a:pPr algn="ctr"/>
+            <a:endParaRPr lang="es-AR" dirty="0"/>
+          </a:p>
+        </p:txBody>
+      </p:sp>
+      <p:sp>
+        <p:nvSpPr>
+          <p:cNvPr id="6" name="Round Same Side Corner Rectangle 5"/>
+          <p:cNvSpPr/>
+          <p:nvPr/>
+        </p:nvSpPr>
+        <p:spPr>
+          <a:xfrm rot="10800000">
+            <a:off x="1219200" y="544417"/>
+            <a:ext cx="6781800" cy="1741582"/>
+          </a:xfrm>
+          <a:prstGeom prst="round2SameRect">
+            <a:avLst/>
+          </a:prstGeom>
+        </p:spPr>
+        <p:style>
+          <a:lnRef idx="2">
+            <a:schemeClr val="dk1">
+              <a:shade val="50000"/>
+            </a:schemeClr>
+          </a:lnRef>
+          <a:fillRef idx="1">
+            <a:schemeClr val="dk1"/>
+          </a:fillRef>
+          <a:effectRef idx="0">
+            <a:schemeClr val="dk1"/>
+          </a:effectRef>
+          <a:fontRef idx="minor">
+            <a:schemeClr val="lt1"/>
+          </a:fontRef>
+        </p:style>
+        <p:txBody>
+          <a:bodyPr rtlCol="0" anchor="ctr"/>
+          <a:lstStyle/>
+          <a:p>
+            <a:pPr algn="ctr"/>
+            <a:endParaRPr lang="es-AR" dirty="0"/>
+          </a:p>
+        </p:txBody>
+      </p:sp>
+      <p:pic>
+        <p:nvPicPr>
+          <p:cNvPr id="1026" name="Picture 2" descr="E:\U.B.A.Files\Materias\75.45 Taller de Desarrollo de Proyectos I\TP\Trunk\Proyecto\web\site\images\logo.png"/>
+          <p:cNvPicPr>
+            <a:picLocks noChangeAspect="1" noChangeArrowheads="1"/>
+          </p:cNvPicPr>
+          <p:nvPr/>
+        </p:nvPicPr>
+        <p:blipFill>
+          <a:blip r:embed="rId2" cstate="print"/>
+          <a:srcRect/>
+          <a:stretch>
+            <a:fillRect/>
+          </a:stretch>
+        </p:blipFill>
+        <p:spPr bwMode="auto">
+          <a:xfrm>
+            <a:off x="1600200" y="913540"/>
+            <a:ext cx="2640904" cy="762000"/>
+          </a:xfrm>
+          <a:prstGeom prst="rect">
+            <a:avLst/>
+          </a:prstGeom>
+          <a:noFill/>
+        </p:spPr>
+      </p:pic>
+      <p:sp>
+        <p:nvSpPr>
+          <p:cNvPr id="7" name="TextBox 6"/>
+          <p:cNvSpPr txBox="1"/>
+          <p:nvPr/>
+        </p:nvSpPr>
+        <p:spPr>
+          <a:xfrm>
+            <a:off x="4343400" y="1001408"/>
+            <a:ext cx="3180743" cy="307777"/>
+          </a:xfrm>
+          <a:prstGeom prst="rect">
+            <a:avLst/>
+          </a:prstGeom>
+          <a:noFill/>
+        </p:spPr>
+        <p:txBody>
+          <a:bodyPr wrap="none" rtlCol="0">
+            <a:spAutoFit/>
+          </a:bodyPr>
+          <a:lstStyle/>
+          <a:p>
+            <a:r>
+              <a:rPr lang="es-AR" sz="1400" dirty="0" smtClean="0">
+                <a:solidFill>
+                  <a:schemeClr val="bg1">
+                    <a:lumMod val="50000"/>
+                  </a:schemeClr>
+                </a:solidFill>
+              </a:rPr>
+              <a:t>Centralización y análisis de datos</a:t>
+            </a:r>
+            <a:endParaRPr lang="es-AR" sz="1400" dirty="0">
+              <a:solidFill>
+                <a:schemeClr val="bg1">
+                  <a:lumMod val="50000"/>
+                </a:schemeClr>
+              </a:solidFill>
+            </a:endParaRPr>
+          </a:p>
+        </p:txBody>
+      </p:sp>
+      <p:sp>
+        <p:nvSpPr>
+          <p:cNvPr id="14" name="Rectangle 13"/>
+          <p:cNvSpPr/>
+          <p:nvPr/>
+        </p:nvSpPr>
+        <p:spPr>
+          <a:xfrm>
+            <a:off x="1143000" y="2438400"/>
+            <a:ext cx="4953000" cy="1066800"/>
+          </a:xfrm>
+          <a:prstGeom prst="rect">
+            <a:avLst/>
+          </a:prstGeom>
+          <a:noFill/>
+          <a:ln>
+            <a:noFill/>
+          </a:ln>
+        </p:spPr>
+        <p:style>
+          <a:lnRef idx="2">
+            <a:schemeClr val="accent1">
+              <a:shade val="50000"/>
+            </a:schemeClr>
+          </a:lnRef>
+          <a:fillRef idx="1">
+            <a:schemeClr val="accent1"/>
+          </a:fillRef>
+          <a:effectRef idx="0">
+            <a:schemeClr val="accent1"/>
+          </a:effectRef>
+          <a:fontRef idx="minor">
+            <a:schemeClr val="lt1"/>
+          </a:fontRef>
+        </p:style>
+        <p:txBody>
+          <a:bodyPr rtlCol="0" anchor="ctr"/>
+          <a:lstStyle/>
+          <a:p>
+            <a:pPr algn="ctr"/>
+            <a:r>
+              <a:rPr lang="es-AR" sz="4800" b="1" dirty="0" smtClean="0"/>
+              <a:t>Nuestro Equipo</a:t>
+            </a:r>
+            <a:endParaRPr lang="es-AR" sz="4800" b="1" dirty="0" smtClean="0"/>
+          </a:p>
+          <a:p>
+            <a:pPr algn="ctr"/>
+            <a:endParaRPr lang="es-AR" dirty="0"/>
+          </a:p>
+        </p:txBody>
+      </p:sp>
+      <p:pic>
+        <p:nvPicPr>
+          <p:cNvPr id="16386" name="Picture 2" descr="E:\U.B.A.Files\Materias\75.45 Taller de Desarrollo de Proyectos I\TP\Trunk\Proyecto\web\site\images\page2_img3.jpg"/>
+          <p:cNvPicPr>
+            <a:picLocks noChangeAspect="1" noChangeArrowheads="1"/>
+          </p:cNvPicPr>
+          <p:nvPr/>
+        </p:nvPicPr>
+        <p:blipFill>
+          <a:blip r:embed="rId3" cstate="print"/>
+          <a:srcRect/>
+          <a:stretch>
+            <a:fillRect/>
+          </a:stretch>
+        </p:blipFill>
+        <p:spPr bwMode="auto">
+          <a:xfrm>
+            <a:off x="4800600" y="5181600"/>
+            <a:ext cx="742950" cy="742950"/>
+          </a:xfrm>
+          <a:prstGeom prst="rect">
+            <a:avLst/>
+          </a:prstGeom>
+          <a:noFill/>
+        </p:spPr>
+      </p:pic>
+      <p:pic>
+        <p:nvPicPr>
+          <p:cNvPr id="16387" name="Picture 3" descr="E:\U.B.A.Files\Materias\75.45 Taller de Desarrollo de Proyectos I\TP\Trunk\Proyecto\web\site\images\page1_img1.jpg"/>
+          <p:cNvPicPr>
+            <a:picLocks noChangeAspect="1" noChangeArrowheads="1"/>
+          </p:cNvPicPr>
+          <p:nvPr/>
+        </p:nvPicPr>
+        <p:blipFill>
+          <a:blip r:embed="rId4" cstate="print"/>
+          <a:srcRect/>
+          <a:stretch>
+            <a:fillRect/>
+          </a:stretch>
+        </p:blipFill>
+        <p:spPr bwMode="auto">
+          <a:xfrm>
+            <a:off x="1676400" y="3352800"/>
+            <a:ext cx="762000" cy="762000"/>
+          </a:xfrm>
+          <a:prstGeom prst="rect">
+            <a:avLst/>
+          </a:prstGeom>
+          <a:noFill/>
+        </p:spPr>
+      </p:pic>
+      <p:pic>
+        <p:nvPicPr>
+          <p:cNvPr id="16388" name="Picture 4" descr="E:\U.B.A.Files\Materias\75.45 Taller de Desarrollo de Proyectos I\TP\Trunk\Proyecto\web\site\images\page1_img2.jpg"/>
+          <p:cNvPicPr>
+            <a:picLocks noChangeAspect="1" noChangeArrowheads="1"/>
+          </p:cNvPicPr>
+          <p:nvPr/>
+        </p:nvPicPr>
+        <p:blipFill>
+          <a:blip r:embed="rId5" cstate="print"/>
+          <a:srcRect/>
+          <a:stretch>
+            <a:fillRect/>
+          </a:stretch>
+        </p:blipFill>
+        <p:spPr bwMode="auto">
+          <a:xfrm>
+            <a:off x="1676400" y="4267200"/>
+            <a:ext cx="762000" cy="762000"/>
+          </a:xfrm>
+          <a:prstGeom prst="rect">
+            <a:avLst/>
+          </a:prstGeom>
+          <a:noFill/>
+        </p:spPr>
+      </p:pic>
+      <p:pic>
+        <p:nvPicPr>
+          <p:cNvPr id="16389" name="Picture 5" descr="E:\U.B.A.Files\Materias\75.45 Taller de Desarrollo de Proyectos I\TP\Trunk\Proyecto\web\site\images\page1_img3.jpg"/>
+          <p:cNvPicPr>
+            <a:picLocks noChangeAspect="1" noChangeArrowheads="1"/>
+          </p:cNvPicPr>
+          <p:nvPr/>
+        </p:nvPicPr>
+        <p:blipFill>
+          <a:blip r:embed="rId6" cstate="print"/>
+          <a:srcRect/>
+          <a:stretch>
+            <a:fillRect/>
+          </a:stretch>
+        </p:blipFill>
+        <p:spPr bwMode="auto">
+          <a:xfrm>
+            <a:off x="1676400" y="5181600"/>
+            <a:ext cx="762000" cy="762000"/>
+          </a:xfrm>
+          <a:prstGeom prst="rect">
+            <a:avLst/>
+          </a:prstGeom>
+          <a:noFill/>
+        </p:spPr>
+      </p:pic>
+      <p:pic>
+        <p:nvPicPr>
+          <p:cNvPr id="16390" name="Picture 6" descr="E:\U.B.A.Files\Materias\75.45 Taller de Desarrollo de Proyectos I\TP\Trunk\Proyecto\web\site\images\page2_img1.jpg"/>
+          <p:cNvPicPr>
+            <a:picLocks noChangeAspect="1" noChangeArrowheads="1"/>
+          </p:cNvPicPr>
+          <p:nvPr/>
+        </p:nvPicPr>
+        <p:blipFill>
+          <a:blip r:embed="rId7" cstate="print"/>
+          <a:srcRect/>
+          <a:stretch>
+            <a:fillRect/>
+          </a:stretch>
+        </p:blipFill>
+        <p:spPr bwMode="auto">
+          <a:xfrm>
+            <a:off x="4800600" y="3352800"/>
+            <a:ext cx="742950" cy="742950"/>
+          </a:xfrm>
+          <a:prstGeom prst="rect">
+            <a:avLst/>
+          </a:prstGeom>
+          <a:noFill/>
+        </p:spPr>
+      </p:pic>
+      <p:pic>
+        <p:nvPicPr>
+          <p:cNvPr id="16391" name="Picture 7" descr="E:\U.B.A.Files\Materias\75.45 Taller de Desarrollo de Proyectos I\TP\Trunk\Proyecto\web\site\images\page2_img2.jpg"/>
+          <p:cNvPicPr>
+            <a:picLocks noChangeAspect="1" noChangeArrowheads="1"/>
+          </p:cNvPicPr>
+          <p:nvPr/>
+        </p:nvPicPr>
+        <p:blipFill>
+          <a:blip r:embed="rId8" cstate="print"/>
+          <a:srcRect/>
+          <a:stretch>
+            <a:fillRect/>
+          </a:stretch>
+        </p:blipFill>
+        <p:spPr bwMode="auto">
+          <a:xfrm>
+            <a:off x="4800600" y="4267200"/>
+            <a:ext cx="742950" cy="742950"/>
+          </a:xfrm>
+          <a:prstGeom prst="rect">
+            <a:avLst/>
+          </a:prstGeom>
+          <a:noFill/>
+        </p:spPr>
+      </p:pic>
+      <p:sp>
+        <p:nvSpPr>
+          <p:cNvPr id="20" name="TextBox 19"/>
+          <p:cNvSpPr txBox="1"/>
+          <p:nvPr/>
+        </p:nvSpPr>
+        <p:spPr>
+          <a:xfrm>
+            <a:off x="2438400" y="3276600"/>
+            <a:ext cx="2362200" cy="923330"/>
+          </a:xfrm>
+          <a:prstGeom prst="rect">
+            <a:avLst/>
+          </a:prstGeom>
+          <a:noFill/>
+        </p:spPr>
+        <p:txBody>
+          <a:bodyPr wrap="square" rtlCol="0">
+            <a:spAutoFit/>
+          </a:bodyPr>
+          <a:lstStyle/>
+          <a:p>
             <a:r>
               <a:rPr lang="es-AR" dirty="0" smtClean="0"/>
-              <a:t>es la de proveer informes confiables y fidedignos que los cuales nuestros clientes minimicen los riesgos en la toma de decisiones.</a:t>
-            </a:r>
-          </a:p>
-          <a:p>
-            <a:pPr fontAlgn="t"/>
-            <a:endParaRPr lang="es-AR" dirty="0" smtClean="0"/>
-          </a:p>
-          <a:p>
-            <a:pPr fontAlgn="t"/>
-            <a:r>
-              <a:rPr lang="es-AR" b="1" dirty="0" smtClean="0"/>
-              <a:t>Nuestros Valores</a:t>
+              <a:t>Ramiro Romero </a:t>
+            </a:r>
+            <a:br>
+              <a:rPr lang="es-AR" dirty="0" smtClean="0"/>
+            </a:br>
+            <a:r>
+              <a:rPr lang="es-AR" dirty="0" smtClean="0"/>
+              <a:t>Actuario, especialista en </a:t>
+            </a:r>
+            <a:r>
+              <a:rPr lang="es-AR" dirty="0" smtClean="0"/>
+              <a:t>seguros.</a:t>
+            </a:r>
+            <a:endParaRPr lang="es-AR" dirty="0"/>
+          </a:p>
+        </p:txBody>
+      </p:sp>
+      <p:sp>
+        <p:nvSpPr>
+          <p:cNvPr id="23" name="TextBox 22"/>
+          <p:cNvSpPr txBox="1"/>
+          <p:nvPr/>
+        </p:nvSpPr>
+        <p:spPr>
+          <a:xfrm>
+            <a:off x="2514600" y="4191000"/>
+            <a:ext cx="1981200" cy="923330"/>
+          </a:xfrm>
+          <a:prstGeom prst="rect">
+            <a:avLst/>
+          </a:prstGeom>
+          <a:noFill/>
+        </p:spPr>
+        <p:txBody>
+          <a:bodyPr wrap="square" rtlCol="0">
+            <a:spAutoFit/>
+          </a:bodyPr>
+          <a:lstStyle/>
+          <a:p>
+            <a:r>
+              <a:rPr lang="es-AR" dirty="0" smtClean="0"/>
+              <a:t>Florencia Pereira</a:t>
+            </a:r>
+            <a:br>
+              <a:rPr lang="es-AR" dirty="0" smtClean="0"/>
+            </a:br>
+            <a:r>
+              <a:rPr lang="es-AR" dirty="0" smtClean="0"/>
+              <a:t>Analista de riesgos financieros.</a:t>
+            </a:r>
+            <a:endParaRPr lang="es-AR" dirty="0"/>
+          </a:p>
+        </p:txBody>
+      </p:sp>
+      <p:sp>
+        <p:nvSpPr>
+          <p:cNvPr id="24" name="TextBox 23"/>
+          <p:cNvSpPr txBox="1"/>
+          <p:nvPr/>
+        </p:nvSpPr>
+        <p:spPr>
+          <a:xfrm>
+            <a:off x="2514600" y="5105400"/>
+            <a:ext cx="2285999" cy="923330"/>
+          </a:xfrm>
+          <a:prstGeom prst="rect">
+            <a:avLst/>
+          </a:prstGeom>
+          <a:noFill/>
+        </p:spPr>
+        <p:txBody>
+          <a:bodyPr wrap="square" rtlCol="0">
+            <a:spAutoFit/>
+          </a:bodyPr>
+          <a:lstStyle/>
+          <a:p>
+            <a:r>
+              <a:rPr lang="es-AR" dirty="0" smtClean="0"/>
+              <a:t>Darío </a:t>
+            </a:r>
+            <a:r>
+              <a:rPr lang="es-AR" dirty="0" err="1" smtClean="0"/>
+              <a:t>Perez</a:t>
             </a:r>
             <a:r>
               <a:rPr lang="es-AR" dirty="0" smtClean="0"/>
@@ -6858,23 +8213,3362 @@
             </a:r>
             <a:r>
               <a:rPr lang="es-AR" dirty="0" err="1" smtClean="0"/>
-              <a:t>asdasdasfdgs</a:t>
+              <a:t>Staltari</a:t>
             </a:r>
             <a:r>
               <a:rPr lang="es-AR" dirty="0" smtClean="0"/>
-              <a:t> </a:t>
-            </a:r>
-            <a:r>
-              <a:rPr lang="es-AR" dirty="0" err="1" smtClean="0"/>
-              <a:t>afasdf</a:t>
-            </a:r>
-            <a:endParaRPr lang="es-AR" dirty="0" smtClean="0"/>
-          </a:p>
-          <a:p>
+              <a:t> </a:t>
+            </a:r>
+            <a:br>
+              <a:rPr lang="es-AR" dirty="0" smtClean="0"/>
+            </a:br>
+            <a:r>
+              <a:rPr lang="es-AR" dirty="0" smtClean="0"/>
+              <a:t>Ingeniero, especialista en </a:t>
+            </a:r>
+            <a:r>
+              <a:rPr lang="es-AR" dirty="0" smtClean="0"/>
+              <a:t>seguridad.</a:t>
+            </a:r>
             <a:endParaRPr lang="es-AR" dirty="0"/>
           </a:p>
         </p:txBody>
       </p:sp>
+      <p:sp>
+        <p:nvSpPr>
+          <p:cNvPr id="25" name="TextBox 24"/>
+          <p:cNvSpPr txBox="1"/>
+          <p:nvPr/>
+        </p:nvSpPr>
+        <p:spPr>
+          <a:xfrm>
+            <a:off x="5562600" y="3276600"/>
+            <a:ext cx="2246705" cy="646331"/>
+          </a:xfrm>
+          <a:prstGeom prst="rect">
+            <a:avLst/>
+          </a:prstGeom>
+          <a:noFill/>
+        </p:spPr>
+        <p:txBody>
+          <a:bodyPr wrap="none" rtlCol="0">
+            <a:spAutoFit/>
+          </a:bodyPr>
+          <a:lstStyle/>
+          <a:p>
+            <a:r>
+              <a:rPr lang="es-AR" dirty="0" smtClean="0"/>
+              <a:t>Adriana </a:t>
+            </a:r>
+            <a:r>
+              <a:rPr lang="es-AR" dirty="0" err="1" smtClean="0"/>
+              <a:t>Cheloti</a:t>
+            </a:r>
+            <a:endParaRPr lang="es-AR" dirty="0" smtClean="0"/>
+          </a:p>
+          <a:p>
+            <a:r>
+              <a:rPr lang="es-AR" dirty="0" smtClean="0"/>
+              <a:t>Ingeniera en Software</a:t>
+            </a:r>
+            <a:endParaRPr lang="es-AR" dirty="0"/>
+          </a:p>
+        </p:txBody>
+      </p:sp>
+      <p:sp>
+        <p:nvSpPr>
+          <p:cNvPr id="26" name="TextBox 25"/>
+          <p:cNvSpPr txBox="1"/>
+          <p:nvPr/>
+        </p:nvSpPr>
+        <p:spPr>
+          <a:xfrm>
+            <a:off x="5562600" y="4191000"/>
+            <a:ext cx="2150910" cy="646331"/>
+          </a:xfrm>
+          <a:prstGeom prst="rect">
+            <a:avLst/>
+          </a:prstGeom>
+          <a:noFill/>
+        </p:spPr>
+        <p:txBody>
+          <a:bodyPr wrap="none" rtlCol="0">
+            <a:spAutoFit/>
+          </a:bodyPr>
+          <a:lstStyle/>
+          <a:p>
+            <a:r>
+              <a:rPr lang="es-AR" dirty="0" smtClean="0"/>
+              <a:t>Raúl De Roovers</a:t>
+            </a:r>
+          </a:p>
+          <a:p>
+            <a:r>
+              <a:rPr lang="es-AR" dirty="0" smtClean="0"/>
+              <a:t>Consultor de riesgos.</a:t>
+            </a:r>
+            <a:endParaRPr lang="es-AR" dirty="0"/>
+          </a:p>
+        </p:txBody>
+      </p:sp>
+      <p:sp>
+        <p:nvSpPr>
+          <p:cNvPr id="27" name="TextBox 26"/>
+          <p:cNvSpPr txBox="1"/>
+          <p:nvPr/>
+        </p:nvSpPr>
+        <p:spPr>
+          <a:xfrm>
+            <a:off x="5562600" y="5105400"/>
+            <a:ext cx="2286000" cy="923330"/>
+          </a:xfrm>
+          <a:prstGeom prst="rect">
+            <a:avLst/>
+          </a:prstGeom>
+          <a:noFill/>
+        </p:spPr>
+        <p:txBody>
+          <a:bodyPr wrap="square" rtlCol="0">
+            <a:spAutoFit/>
+          </a:bodyPr>
+          <a:lstStyle/>
+          <a:p>
+            <a:r>
+              <a:rPr lang="es-AR" dirty="0" smtClean="0"/>
+              <a:t>Martín </a:t>
+            </a:r>
+            <a:r>
+              <a:rPr lang="es-AR" dirty="0" err="1" smtClean="0"/>
+              <a:t>Zucchiatti</a:t>
+            </a:r>
+            <a:endParaRPr lang="es-AR" dirty="0" smtClean="0"/>
+          </a:p>
+          <a:p>
+            <a:r>
+              <a:rPr lang="es-AR" dirty="0" smtClean="0"/>
+              <a:t>Analista de riesgos automovilísticos</a:t>
+            </a:r>
+            <a:endParaRPr lang="es-AR" dirty="0"/>
+          </a:p>
+        </p:txBody>
+      </p:sp>
+    </p:spTree>
+  </p:cSld>
+  <p:clrMapOvr>
+    <a:masterClrMapping/>
+  </p:clrMapOvr>
+</p:sld>
+</file>
+
+<file path=ppt/slides/slide5.xml><?xml version="1.0" encoding="utf-8"?>
+<p:sld xmlns:a="http://schemas.openxmlformats.org/drawingml/2006/main" xmlns:r="http://schemas.openxmlformats.org/officeDocument/2006/relationships" xmlns:p="http://schemas.openxmlformats.org/presentationml/2006/main">
+  <p:cSld>
+    <p:bg>
+      <p:bgPr shadeToTitle="1">
+        <a:solidFill>
+          <a:schemeClr val="bg1">
+            <a:lumMod val="50000"/>
+          </a:schemeClr>
+        </a:solidFill>
+        <a:effectLst/>
+      </p:bgPr>
+    </p:bg>
+    <p:spTree>
+      <p:nvGrpSpPr>
+        <p:cNvPr id="1" name=""/>
+        <p:cNvGrpSpPr/>
+        <p:nvPr/>
+      </p:nvGrpSpPr>
+      <p:grpSpPr>
+        <a:xfrm>
+          <a:off x="0" y="0"/>
+          <a:ext cx="0" cy="0"/>
+          <a:chOff x="0" y="0"/>
+          <a:chExt cx="0" cy="0"/>
+        </a:xfrm>
+      </p:grpSpPr>
+      <p:grpSp>
+        <p:nvGrpSpPr>
+          <p:cNvPr id="2" name="Group 22"/>
+          <p:cNvGrpSpPr/>
+          <p:nvPr/>
+        </p:nvGrpSpPr>
+        <p:grpSpPr>
+          <a:xfrm>
+            <a:off x="304800" y="304800"/>
+            <a:ext cx="8534400" cy="6248400"/>
+            <a:chOff x="304800" y="304800"/>
+            <a:chExt cx="8534400" cy="6248400"/>
+          </a:xfrm>
+          <a:solidFill>
+            <a:schemeClr val="bg1">
+              <a:lumMod val="85000"/>
+            </a:schemeClr>
+          </a:solidFill>
+        </p:grpSpPr>
+        <p:sp>
+          <p:nvSpPr>
+            <p:cNvPr id="18" name="Rounded Rectangle 17"/>
+            <p:cNvSpPr/>
+            <p:nvPr/>
+          </p:nvSpPr>
+          <p:spPr>
+            <a:xfrm>
+              <a:off x="304800" y="304800"/>
+              <a:ext cx="8534400" cy="6248400"/>
+            </a:xfrm>
+            <a:prstGeom prst="roundRect">
+              <a:avLst/>
+            </a:prstGeom>
+            <a:grpFill/>
+            <a:ln>
+              <a:noFill/>
+            </a:ln>
+          </p:spPr>
+          <p:style>
+            <a:lnRef idx="2">
+              <a:schemeClr val="accent1">
+                <a:shade val="50000"/>
+              </a:schemeClr>
+            </a:lnRef>
+            <a:fillRef idx="1">
+              <a:schemeClr val="accent1"/>
+            </a:fillRef>
+            <a:effectRef idx="0">
+              <a:schemeClr val="accent1"/>
+            </a:effectRef>
+            <a:fontRef idx="minor">
+              <a:schemeClr val="lt1"/>
+            </a:fontRef>
+          </p:style>
+          <p:txBody>
+            <a:bodyPr rtlCol="0" anchor="ctr"/>
+            <a:lstStyle/>
+            <a:p>
+              <a:pPr algn="ctr"/>
+              <a:endParaRPr lang="es-AR"/>
+            </a:p>
+          </p:txBody>
+        </p:sp>
+        <p:sp>
+          <p:nvSpPr>
+            <p:cNvPr id="22" name="Rounded Rectangle 21"/>
+            <p:cNvSpPr/>
+            <p:nvPr/>
+          </p:nvSpPr>
+          <p:spPr>
+            <a:xfrm>
+              <a:off x="7086600" y="304800"/>
+              <a:ext cx="1752600" cy="1752600"/>
+            </a:xfrm>
+            <a:prstGeom prst="roundRect">
+              <a:avLst/>
+            </a:prstGeom>
+            <a:grpFill/>
+            <a:ln>
+              <a:noFill/>
+            </a:ln>
+          </p:spPr>
+          <p:style>
+            <a:lnRef idx="2">
+              <a:schemeClr val="accent1">
+                <a:shade val="50000"/>
+              </a:schemeClr>
+            </a:lnRef>
+            <a:fillRef idx="1">
+              <a:schemeClr val="accent1"/>
+            </a:fillRef>
+            <a:effectRef idx="0">
+              <a:schemeClr val="accent1"/>
+            </a:effectRef>
+            <a:fontRef idx="minor">
+              <a:schemeClr val="lt1"/>
+            </a:fontRef>
+          </p:style>
+          <p:txBody>
+            <a:bodyPr rtlCol="0" anchor="ctr"/>
+            <a:lstStyle/>
+            <a:p>
+              <a:pPr algn="ctr"/>
+              <a:endParaRPr lang="es-AR"/>
+            </a:p>
+          </p:txBody>
+        </p:sp>
+        <p:sp>
+          <p:nvSpPr>
+            <p:cNvPr id="21" name="Rounded Rectangle 20"/>
+            <p:cNvSpPr/>
+            <p:nvPr/>
+          </p:nvSpPr>
+          <p:spPr>
+            <a:xfrm>
+              <a:off x="304800" y="304800"/>
+              <a:ext cx="1752600" cy="1752600"/>
+            </a:xfrm>
+            <a:prstGeom prst="roundRect">
+              <a:avLst/>
+            </a:prstGeom>
+            <a:grpFill/>
+            <a:ln>
+              <a:noFill/>
+            </a:ln>
+          </p:spPr>
+          <p:style>
+            <a:lnRef idx="2">
+              <a:schemeClr val="accent1">
+                <a:shade val="50000"/>
+              </a:schemeClr>
+            </a:lnRef>
+            <a:fillRef idx="1">
+              <a:schemeClr val="accent1"/>
+            </a:fillRef>
+            <a:effectRef idx="0">
+              <a:schemeClr val="accent1"/>
+            </a:effectRef>
+            <a:fontRef idx="minor">
+              <a:schemeClr val="lt1"/>
+            </a:fontRef>
+          </p:style>
+          <p:txBody>
+            <a:bodyPr rtlCol="0" anchor="ctr"/>
+            <a:lstStyle/>
+            <a:p>
+              <a:pPr algn="ctr"/>
+              <a:endParaRPr lang="es-AR"/>
+            </a:p>
+          </p:txBody>
+        </p:sp>
+        <p:sp>
+          <p:nvSpPr>
+            <p:cNvPr id="17" name="Rounded Rectangle 16"/>
+            <p:cNvSpPr/>
+            <p:nvPr/>
+          </p:nvSpPr>
+          <p:spPr>
+            <a:xfrm>
+              <a:off x="304800" y="4800600"/>
+              <a:ext cx="1752600" cy="1752600"/>
+            </a:xfrm>
+            <a:prstGeom prst="roundRect">
+              <a:avLst/>
+            </a:prstGeom>
+            <a:grpFill/>
+            <a:ln>
+              <a:noFill/>
+            </a:ln>
+          </p:spPr>
+          <p:style>
+            <a:lnRef idx="2">
+              <a:schemeClr val="accent1">
+                <a:shade val="50000"/>
+              </a:schemeClr>
+            </a:lnRef>
+            <a:fillRef idx="1">
+              <a:schemeClr val="accent1"/>
+            </a:fillRef>
+            <a:effectRef idx="0">
+              <a:schemeClr val="accent1"/>
+            </a:effectRef>
+            <a:fontRef idx="minor">
+              <a:schemeClr val="lt1"/>
+            </a:fontRef>
+          </p:style>
+          <p:txBody>
+            <a:bodyPr rtlCol="0" anchor="ctr"/>
+            <a:lstStyle/>
+            <a:p>
+              <a:pPr algn="ctr"/>
+              <a:endParaRPr lang="es-AR"/>
+            </a:p>
+          </p:txBody>
+        </p:sp>
+        <p:sp>
+          <p:nvSpPr>
+            <p:cNvPr id="19" name="Rounded Rectangle 18"/>
+            <p:cNvSpPr/>
+            <p:nvPr/>
+          </p:nvSpPr>
+          <p:spPr>
+            <a:xfrm>
+              <a:off x="7086600" y="4800600"/>
+              <a:ext cx="1752600" cy="1752600"/>
+            </a:xfrm>
+            <a:prstGeom prst="roundRect">
+              <a:avLst/>
+            </a:prstGeom>
+            <a:grpFill/>
+            <a:ln>
+              <a:noFill/>
+            </a:ln>
+          </p:spPr>
+          <p:style>
+            <a:lnRef idx="2">
+              <a:schemeClr val="accent1">
+                <a:shade val="50000"/>
+              </a:schemeClr>
+            </a:lnRef>
+            <a:fillRef idx="1">
+              <a:schemeClr val="accent1"/>
+            </a:fillRef>
+            <a:effectRef idx="0">
+              <a:schemeClr val="accent1"/>
+            </a:effectRef>
+            <a:fontRef idx="minor">
+              <a:schemeClr val="lt1"/>
+            </a:fontRef>
+          </p:style>
+          <p:txBody>
+            <a:bodyPr rtlCol="0" anchor="ctr"/>
+            <a:lstStyle/>
+            <a:p>
+              <a:pPr algn="ctr"/>
+              <a:endParaRPr lang="es-AR"/>
+            </a:p>
+          </p:txBody>
+        </p:sp>
+      </p:grpSp>
+      <p:sp>
+        <p:nvSpPr>
+          <p:cNvPr id="40" name="Freeform 39"/>
+          <p:cNvSpPr/>
+          <p:nvPr/>
+        </p:nvSpPr>
+        <p:spPr>
+          <a:xfrm>
+            <a:off x="533400" y="457200"/>
+            <a:ext cx="8102599" cy="5803900"/>
+          </a:xfrm>
+          <a:custGeom>
+            <a:avLst/>
+            <a:gdLst>
+              <a:gd name="connsiteX0" fmla="*/ 0 w 8077200"/>
+              <a:gd name="connsiteY0" fmla="*/ 965219 h 5791200"/>
+              <a:gd name="connsiteX1" fmla="*/ 282707 w 8077200"/>
+              <a:gd name="connsiteY1" fmla="*/ 282706 h 5791200"/>
+              <a:gd name="connsiteX2" fmla="*/ 965221 w 8077200"/>
+              <a:gd name="connsiteY2" fmla="*/ 1 h 5791200"/>
+              <a:gd name="connsiteX3" fmla="*/ 7111981 w 8077200"/>
+              <a:gd name="connsiteY3" fmla="*/ 0 h 5791200"/>
+              <a:gd name="connsiteX4" fmla="*/ 7794494 w 8077200"/>
+              <a:gd name="connsiteY4" fmla="*/ 282707 h 5791200"/>
+              <a:gd name="connsiteX5" fmla="*/ 8077199 w 8077200"/>
+              <a:gd name="connsiteY5" fmla="*/ 965221 h 5791200"/>
+              <a:gd name="connsiteX6" fmla="*/ 8077200 w 8077200"/>
+              <a:gd name="connsiteY6" fmla="*/ 4825981 h 5791200"/>
+              <a:gd name="connsiteX7" fmla="*/ 7794494 w 8077200"/>
+              <a:gd name="connsiteY7" fmla="*/ 5508494 h 5791200"/>
+              <a:gd name="connsiteX8" fmla="*/ 7111981 w 8077200"/>
+              <a:gd name="connsiteY8" fmla="*/ 5791200 h 5791200"/>
+              <a:gd name="connsiteX9" fmla="*/ 965219 w 8077200"/>
+              <a:gd name="connsiteY9" fmla="*/ 5791200 h 5791200"/>
+              <a:gd name="connsiteX10" fmla="*/ 282706 w 8077200"/>
+              <a:gd name="connsiteY10" fmla="*/ 5508493 h 5791200"/>
+              <a:gd name="connsiteX11" fmla="*/ 0 w 8077200"/>
+              <a:gd name="connsiteY11" fmla="*/ 4825980 h 5791200"/>
+              <a:gd name="connsiteX12" fmla="*/ 0 w 8077200"/>
+              <a:gd name="connsiteY12" fmla="*/ 965219 h 5791200"/>
+              <a:gd name="connsiteX0" fmla="*/ 0 w 8077200"/>
+              <a:gd name="connsiteY0" fmla="*/ 609600 h 5791200"/>
+              <a:gd name="connsiteX1" fmla="*/ 282707 w 8077200"/>
+              <a:gd name="connsiteY1" fmla="*/ 282706 h 5791200"/>
+              <a:gd name="connsiteX2" fmla="*/ 965221 w 8077200"/>
+              <a:gd name="connsiteY2" fmla="*/ 1 h 5791200"/>
+              <a:gd name="connsiteX3" fmla="*/ 7111981 w 8077200"/>
+              <a:gd name="connsiteY3" fmla="*/ 0 h 5791200"/>
+              <a:gd name="connsiteX4" fmla="*/ 7794494 w 8077200"/>
+              <a:gd name="connsiteY4" fmla="*/ 282707 h 5791200"/>
+              <a:gd name="connsiteX5" fmla="*/ 8077199 w 8077200"/>
+              <a:gd name="connsiteY5" fmla="*/ 965221 h 5791200"/>
+              <a:gd name="connsiteX6" fmla="*/ 8077200 w 8077200"/>
+              <a:gd name="connsiteY6" fmla="*/ 4825981 h 5791200"/>
+              <a:gd name="connsiteX7" fmla="*/ 7794494 w 8077200"/>
+              <a:gd name="connsiteY7" fmla="*/ 5508494 h 5791200"/>
+              <a:gd name="connsiteX8" fmla="*/ 7111981 w 8077200"/>
+              <a:gd name="connsiteY8" fmla="*/ 5791200 h 5791200"/>
+              <a:gd name="connsiteX9" fmla="*/ 965219 w 8077200"/>
+              <a:gd name="connsiteY9" fmla="*/ 5791200 h 5791200"/>
+              <a:gd name="connsiteX10" fmla="*/ 282706 w 8077200"/>
+              <a:gd name="connsiteY10" fmla="*/ 5508493 h 5791200"/>
+              <a:gd name="connsiteX11" fmla="*/ 0 w 8077200"/>
+              <a:gd name="connsiteY11" fmla="*/ 4825980 h 5791200"/>
+              <a:gd name="connsiteX12" fmla="*/ 0 w 8077200"/>
+              <a:gd name="connsiteY12" fmla="*/ 609600 h 5791200"/>
+              <a:gd name="connsiteX0" fmla="*/ 0 w 8077200"/>
+              <a:gd name="connsiteY0" fmla="*/ 609601 h 5791201"/>
+              <a:gd name="connsiteX1" fmla="*/ 282707 w 8077200"/>
+              <a:gd name="connsiteY1" fmla="*/ 282707 h 5791201"/>
+              <a:gd name="connsiteX2" fmla="*/ 609600 w 8077200"/>
+              <a:gd name="connsiteY2" fmla="*/ 1 h 5791201"/>
+              <a:gd name="connsiteX3" fmla="*/ 7111981 w 8077200"/>
+              <a:gd name="connsiteY3" fmla="*/ 1 h 5791201"/>
+              <a:gd name="connsiteX4" fmla="*/ 7794494 w 8077200"/>
+              <a:gd name="connsiteY4" fmla="*/ 282708 h 5791201"/>
+              <a:gd name="connsiteX5" fmla="*/ 8077199 w 8077200"/>
+              <a:gd name="connsiteY5" fmla="*/ 965222 h 5791201"/>
+              <a:gd name="connsiteX6" fmla="*/ 8077200 w 8077200"/>
+              <a:gd name="connsiteY6" fmla="*/ 4825982 h 5791201"/>
+              <a:gd name="connsiteX7" fmla="*/ 7794494 w 8077200"/>
+              <a:gd name="connsiteY7" fmla="*/ 5508495 h 5791201"/>
+              <a:gd name="connsiteX8" fmla="*/ 7111981 w 8077200"/>
+              <a:gd name="connsiteY8" fmla="*/ 5791201 h 5791201"/>
+              <a:gd name="connsiteX9" fmla="*/ 965219 w 8077200"/>
+              <a:gd name="connsiteY9" fmla="*/ 5791201 h 5791201"/>
+              <a:gd name="connsiteX10" fmla="*/ 282706 w 8077200"/>
+              <a:gd name="connsiteY10" fmla="*/ 5508494 h 5791201"/>
+              <a:gd name="connsiteX11" fmla="*/ 0 w 8077200"/>
+              <a:gd name="connsiteY11" fmla="*/ 4825981 h 5791201"/>
+              <a:gd name="connsiteX12" fmla="*/ 0 w 8077200"/>
+              <a:gd name="connsiteY12" fmla="*/ 609601 h 5791201"/>
+              <a:gd name="connsiteX0" fmla="*/ 0 w 8077200"/>
+              <a:gd name="connsiteY0" fmla="*/ 609601 h 5791201"/>
+              <a:gd name="connsiteX1" fmla="*/ 152400 w 8077200"/>
+              <a:gd name="connsiteY1" fmla="*/ 152402 h 5791201"/>
+              <a:gd name="connsiteX2" fmla="*/ 609600 w 8077200"/>
+              <a:gd name="connsiteY2" fmla="*/ 1 h 5791201"/>
+              <a:gd name="connsiteX3" fmla="*/ 7111981 w 8077200"/>
+              <a:gd name="connsiteY3" fmla="*/ 1 h 5791201"/>
+              <a:gd name="connsiteX4" fmla="*/ 7794494 w 8077200"/>
+              <a:gd name="connsiteY4" fmla="*/ 282708 h 5791201"/>
+              <a:gd name="connsiteX5" fmla="*/ 8077199 w 8077200"/>
+              <a:gd name="connsiteY5" fmla="*/ 965222 h 5791201"/>
+              <a:gd name="connsiteX6" fmla="*/ 8077200 w 8077200"/>
+              <a:gd name="connsiteY6" fmla="*/ 4825982 h 5791201"/>
+              <a:gd name="connsiteX7" fmla="*/ 7794494 w 8077200"/>
+              <a:gd name="connsiteY7" fmla="*/ 5508495 h 5791201"/>
+              <a:gd name="connsiteX8" fmla="*/ 7111981 w 8077200"/>
+              <a:gd name="connsiteY8" fmla="*/ 5791201 h 5791201"/>
+              <a:gd name="connsiteX9" fmla="*/ 965219 w 8077200"/>
+              <a:gd name="connsiteY9" fmla="*/ 5791201 h 5791201"/>
+              <a:gd name="connsiteX10" fmla="*/ 282706 w 8077200"/>
+              <a:gd name="connsiteY10" fmla="*/ 5508494 h 5791201"/>
+              <a:gd name="connsiteX11" fmla="*/ 0 w 8077200"/>
+              <a:gd name="connsiteY11" fmla="*/ 4825981 h 5791201"/>
+              <a:gd name="connsiteX12" fmla="*/ 0 w 8077200"/>
+              <a:gd name="connsiteY12" fmla="*/ 609601 h 5791201"/>
+              <a:gd name="connsiteX0" fmla="*/ 0 w 8077200"/>
+              <a:gd name="connsiteY0" fmla="*/ 609600 h 5791200"/>
+              <a:gd name="connsiteX1" fmla="*/ 152400 w 8077200"/>
+              <a:gd name="connsiteY1" fmla="*/ 152401 h 5791200"/>
+              <a:gd name="connsiteX2" fmla="*/ 533400 w 8077200"/>
+              <a:gd name="connsiteY2" fmla="*/ 1 h 5791200"/>
+              <a:gd name="connsiteX3" fmla="*/ 7111981 w 8077200"/>
+              <a:gd name="connsiteY3" fmla="*/ 0 h 5791200"/>
+              <a:gd name="connsiteX4" fmla="*/ 7794494 w 8077200"/>
+              <a:gd name="connsiteY4" fmla="*/ 282707 h 5791200"/>
+              <a:gd name="connsiteX5" fmla="*/ 8077199 w 8077200"/>
+              <a:gd name="connsiteY5" fmla="*/ 965221 h 5791200"/>
+              <a:gd name="connsiteX6" fmla="*/ 8077200 w 8077200"/>
+              <a:gd name="connsiteY6" fmla="*/ 4825981 h 5791200"/>
+              <a:gd name="connsiteX7" fmla="*/ 7794494 w 8077200"/>
+              <a:gd name="connsiteY7" fmla="*/ 5508494 h 5791200"/>
+              <a:gd name="connsiteX8" fmla="*/ 7111981 w 8077200"/>
+              <a:gd name="connsiteY8" fmla="*/ 5791200 h 5791200"/>
+              <a:gd name="connsiteX9" fmla="*/ 965219 w 8077200"/>
+              <a:gd name="connsiteY9" fmla="*/ 5791200 h 5791200"/>
+              <a:gd name="connsiteX10" fmla="*/ 282706 w 8077200"/>
+              <a:gd name="connsiteY10" fmla="*/ 5508493 h 5791200"/>
+              <a:gd name="connsiteX11" fmla="*/ 0 w 8077200"/>
+              <a:gd name="connsiteY11" fmla="*/ 4825980 h 5791200"/>
+              <a:gd name="connsiteX12" fmla="*/ 0 w 8077200"/>
+              <a:gd name="connsiteY12" fmla="*/ 609600 h 5791200"/>
+              <a:gd name="connsiteX0" fmla="*/ 0 w 8077200"/>
+              <a:gd name="connsiteY0" fmla="*/ 533400 h 5791200"/>
+              <a:gd name="connsiteX1" fmla="*/ 152400 w 8077200"/>
+              <a:gd name="connsiteY1" fmla="*/ 152401 h 5791200"/>
+              <a:gd name="connsiteX2" fmla="*/ 533400 w 8077200"/>
+              <a:gd name="connsiteY2" fmla="*/ 1 h 5791200"/>
+              <a:gd name="connsiteX3" fmla="*/ 7111981 w 8077200"/>
+              <a:gd name="connsiteY3" fmla="*/ 0 h 5791200"/>
+              <a:gd name="connsiteX4" fmla="*/ 7794494 w 8077200"/>
+              <a:gd name="connsiteY4" fmla="*/ 282707 h 5791200"/>
+              <a:gd name="connsiteX5" fmla="*/ 8077199 w 8077200"/>
+              <a:gd name="connsiteY5" fmla="*/ 965221 h 5791200"/>
+              <a:gd name="connsiteX6" fmla="*/ 8077200 w 8077200"/>
+              <a:gd name="connsiteY6" fmla="*/ 4825981 h 5791200"/>
+              <a:gd name="connsiteX7" fmla="*/ 7794494 w 8077200"/>
+              <a:gd name="connsiteY7" fmla="*/ 5508494 h 5791200"/>
+              <a:gd name="connsiteX8" fmla="*/ 7111981 w 8077200"/>
+              <a:gd name="connsiteY8" fmla="*/ 5791200 h 5791200"/>
+              <a:gd name="connsiteX9" fmla="*/ 965219 w 8077200"/>
+              <a:gd name="connsiteY9" fmla="*/ 5791200 h 5791200"/>
+              <a:gd name="connsiteX10" fmla="*/ 282706 w 8077200"/>
+              <a:gd name="connsiteY10" fmla="*/ 5508493 h 5791200"/>
+              <a:gd name="connsiteX11" fmla="*/ 0 w 8077200"/>
+              <a:gd name="connsiteY11" fmla="*/ 4825980 h 5791200"/>
+              <a:gd name="connsiteX12" fmla="*/ 0 w 8077200"/>
+              <a:gd name="connsiteY12" fmla="*/ 533400 h 5791200"/>
+              <a:gd name="connsiteX0" fmla="*/ 12700 w 8089900"/>
+              <a:gd name="connsiteY0" fmla="*/ 546100 h 5803900"/>
+              <a:gd name="connsiteX1" fmla="*/ 88900 w 8089900"/>
+              <a:gd name="connsiteY1" fmla="*/ 88900 h 5803900"/>
+              <a:gd name="connsiteX2" fmla="*/ 546100 w 8089900"/>
+              <a:gd name="connsiteY2" fmla="*/ 12701 h 5803900"/>
+              <a:gd name="connsiteX3" fmla="*/ 7124681 w 8089900"/>
+              <a:gd name="connsiteY3" fmla="*/ 12700 h 5803900"/>
+              <a:gd name="connsiteX4" fmla="*/ 7807194 w 8089900"/>
+              <a:gd name="connsiteY4" fmla="*/ 295407 h 5803900"/>
+              <a:gd name="connsiteX5" fmla="*/ 8089899 w 8089900"/>
+              <a:gd name="connsiteY5" fmla="*/ 977921 h 5803900"/>
+              <a:gd name="connsiteX6" fmla="*/ 8089900 w 8089900"/>
+              <a:gd name="connsiteY6" fmla="*/ 4838681 h 5803900"/>
+              <a:gd name="connsiteX7" fmla="*/ 7807194 w 8089900"/>
+              <a:gd name="connsiteY7" fmla="*/ 5521194 h 5803900"/>
+              <a:gd name="connsiteX8" fmla="*/ 7124681 w 8089900"/>
+              <a:gd name="connsiteY8" fmla="*/ 5803900 h 5803900"/>
+              <a:gd name="connsiteX9" fmla="*/ 977919 w 8089900"/>
+              <a:gd name="connsiteY9" fmla="*/ 5803900 h 5803900"/>
+              <a:gd name="connsiteX10" fmla="*/ 295406 w 8089900"/>
+              <a:gd name="connsiteY10" fmla="*/ 5521193 h 5803900"/>
+              <a:gd name="connsiteX11" fmla="*/ 12700 w 8089900"/>
+              <a:gd name="connsiteY11" fmla="*/ 4838680 h 5803900"/>
+              <a:gd name="connsiteX12" fmla="*/ 12700 w 8089900"/>
+              <a:gd name="connsiteY12" fmla="*/ 546100 h 5803900"/>
+              <a:gd name="connsiteX0" fmla="*/ 12700 w 8089900"/>
+              <a:gd name="connsiteY0" fmla="*/ 546100 h 5803900"/>
+              <a:gd name="connsiteX1" fmla="*/ 88900 w 8089900"/>
+              <a:gd name="connsiteY1" fmla="*/ 88900 h 5803900"/>
+              <a:gd name="connsiteX2" fmla="*/ 546100 w 8089900"/>
+              <a:gd name="connsiteY2" fmla="*/ 12701 h 5803900"/>
+              <a:gd name="connsiteX3" fmla="*/ 7124681 w 8089900"/>
+              <a:gd name="connsiteY3" fmla="*/ 12700 h 5803900"/>
+              <a:gd name="connsiteX4" fmla="*/ 7807194 w 8089900"/>
+              <a:gd name="connsiteY4" fmla="*/ 295407 h 5803900"/>
+              <a:gd name="connsiteX5" fmla="*/ 8089899 w 8089900"/>
+              <a:gd name="connsiteY5" fmla="*/ 977921 h 5803900"/>
+              <a:gd name="connsiteX6" fmla="*/ 8089900 w 8089900"/>
+              <a:gd name="connsiteY6" fmla="*/ 4838681 h 5803900"/>
+              <a:gd name="connsiteX7" fmla="*/ 7807194 w 8089900"/>
+              <a:gd name="connsiteY7" fmla="*/ 5521194 h 5803900"/>
+              <a:gd name="connsiteX8" fmla="*/ 7124681 w 8089900"/>
+              <a:gd name="connsiteY8" fmla="*/ 5803900 h 5803900"/>
+              <a:gd name="connsiteX9" fmla="*/ 977919 w 8089900"/>
+              <a:gd name="connsiteY9" fmla="*/ 5803900 h 5803900"/>
+              <a:gd name="connsiteX10" fmla="*/ 295406 w 8089900"/>
+              <a:gd name="connsiteY10" fmla="*/ 5521193 h 5803900"/>
+              <a:gd name="connsiteX11" fmla="*/ 12700 w 8089900"/>
+              <a:gd name="connsiteY11" fmla="*/ 5346700 h 5803900"/>
+              <a:gd name="connsiteX12" fmla="*/ 12700 w 8089900"/>
+              <a:gd name="connsiteY12" fmla="*/ 546100 h 5803900"/>
+              <a:gd name="connsiteX0" fmla="*/ 12700 w 8089900"/>
+              <a:gd name="connsiteY0" fmla="*/ 546100 h 5803900"/>
+              <a:gd name="connsiteX1" fmla="*/ 88900 w 8089900"/>
+              <a:gd name="connsiteY1" fmla="*/ 88900 h 5803900"/>
+              <a:gd name="connsiteX2" fmla="*/ 546100 w 8089900"/>
+              <a:gd name="connsiteY2" fmla="*/ 12701 h 5803900"/>
+              <a:gd name="connsiteX3" fmla="*/ 7124681 w 8089900"/>
+              <a:gd name="connsiteY3" fmla="*/ 12700 h 5803900"/>
+              <a:gd name="connsiteX4" fmla="*/ 7807194 w 8089900"/>
+              <a:gd name="connsiteY4" fmla="*/ 295407 h 5803900"/>
+              <a:gd name="connsiteX5" fmla="*/ 8089899 w 8089900"/>
+              <a:gd name="connsiteY5" fmla="*/ 977921 h 5803900"/>
+              <a:gd name="connsiteX6" fmla="*/ 8089900 w 8089900"/>
+              <a:gd name="connsiteY6" fmla="*/ 4838681 h 5803900"/>
+              <a:gd name="connsiteX7" fmla="*/ 7807194 w 8089900"/>
+              <a:gd name="connsiteY7" fmla="*/ 5521194 h 5803900"/>
+              <a:gd name="connsiteX8" fmla="*/ 7124681 w 8089900"/>
+              <a:gd name="connsiteY8" fmla="*/ 5803900 h 5803900"/>
+              <a:gd name="connsiteX9" fmla="*/ 546100 w 8089900"/>
+              <a:gd name="connsiteY9" fmla="*/ 5803900 h 5803900"/>
+              <a:gd name="connsiteX10" fmla="*/ 295406 w 8089900"/>
+              <a:gd name="connsiteY10" fmla="*/ 5521193 h 5803900"/>
+              <a:gd name="connsiteX11" fmla="*/ 12700 w 8089900"/>
+              <a:gd name="connsiteY11" fmla="*/ 5346700 h 5803900"/>
+              <a:gd name="connsiteX12" fmla="*/ 12700 w 8089900"/>
+              <a:gd name="connsiteY12" fmla="*/ 546100 h 5803900"/>
+              <a:gd name="connsiteX0" fmla="*/ 12700 w 8089900"/>
+              <a:gd name="connsiteY0" fmla="*/ 546100 h 5803900"/>
+              <a:gd name="connsiteX1" fmla="*/ 88900 w 8089900"/>
+              <a:gd name="connsiteY1" fmla="*/ 88900 h 5803900"/>
+              <a:gd name="connsiteX2" fmla="*/ 546100 w 8089900"/>
+              <a:gd name="connsiteY2" fmla="*/ 12701 h 5803900"/>
+              <a:gd name="connsiteX3" fmla="*/ 7124681 w 8089900"/>
+              <a:gd name="connsiteY3" fmla="*/ 12700 h 5803900"/>
+              <a:gd name="connsiteX4" fmla="*/ 7807194 w 8089900"/>
+              <a:gd name="connsiteY4" fmla="*/ 295407 h 5803900"/>
+              <a:gd name="connsiteX5" fmla="*/ 8089899 w 8089900"/>
+              <a:gd name="connsiteY5" fmla="*/ 977921 h 5803900"/>
+              <a:gd name="connsiteX6" fmla="*/ 8089900 w 8089900"/>
+              <a:gd name="connsiteY6" fmla="*/ 4838681 h 5803900"/>
+              <a:gd name="connsiteX7" fmla="*/ 7807194 w 8089900"/>
+              <a:gd name="connsiteY7" fmla="*/ 5521194 h 5803900"/>
+              <a:gd name="connsiteX8" fmla="*/ 7124681 w 8089900"/>
+              <a:gd name="connsiteY8" fmla="*/ 5803900 h 5803900"/>
+              <a:gd name="connsiteX9" fmla="*/ 546100 w 8089900"/>
+              <a:gd name="connsiteY9" fmla="*/ 5803900 h 5803900"/>
+              <a:gd name="connsiteX10" fmla="*/ 88900 w 8089900"/>
+              <a:gd name="connsiteY10" fmla="*/ 5727700 h 5803900"/>
+              <a:gd name="connsiteX11" fmla="*/ 12700 w 8089900"/>
+              <a:gd name="connsiteY11" fmla="*/ 5346700 h 5803900"/>
+              <a:gd name="connsiteX12" fmla="*/ 12700 w 8089900"/>
+              <a:gd name="connsiteY12" fmla="*/ 546100 h 5803900"/>
+              <a:gd name="connsiteX0" fmla="*/ 12700 w 8089900"/>
+              <a:gd name="connsiteY0" fmla="*/ 546100 h 5803900"/>
+              <a:gd name="connsiteX1" fmla="*/ 88900 w 8089900"/>
+              <a:gd name="connsiteY1" fmla="*/ 88900 h 5803900"/>
+              <a:gd name="connsiteX2" fmla="*/ 546100 w 8089900"/>
+              <a:gd name="connsiteY2" fmla="*/ 12701 h 5803900"/>
+              <a:gd name="connsiteX3" fmla="*/ 7556500 w 8089900"/>
+              <a:gd name="connsiteY3" fmla="*/ 12700 h 5803900"/>
+              <a:gd name="connsiteX4" fmla="*/ 7807194 w 8089900"/>
+              <a:gd name="connsiteY4" fmla="*/ 295407 h 5803900"/>
+              <a:gd name="connsiteX5" fmla="*/ 8089899 w 8089900"/>
+              <a:gd name="connsiteY5" fmla="*/ 977921 h 5803900"/>
+              <a:gd name="connsiteX6" fmla="*/ 8089900 w 8089900"/>
+              <a:gd name="connsiteY6" fmla="*/ 4838681 h 5803900"/>
+              <a:gd name="connsiteX7" fmla="*/ 7807194 w 8089900"/>
+              <a:gd name="connsiteY7" fmla="*/ 5521194 h 5803900"/>
+              <a:gd name="connsiteX8" fmla="*/ 7124681 w 8089900"/>
+              <a:gd name="connsiteY8" fmla="*/ 5803900 h 5803900"/>
+              <a:gd name="connsiteX9" fmla="*/ 546100 w 8089900"/>
+              <a:gd name="connsiteY9" fmla="*/ 5803900 h 5803900"/>
+              <a:gd name="connsiteX10" fmla="*/ 88900 w 8089900"/>
+              <a:gd name="connsiteY10" fmla="*/ 5727700 h 5803900"/>
+              <a:gd name="connsiteX11" fmla="*/ 12700 w 8089900"/>
+              <a:gd name="connsiteY11" fmla="*/ 5346700 h 5803900"/>
+              <a:gd name="connsiteX12" fmla="*/ 12700 w 8089900"/>
+              <a:gd name="connsiteY12" fmla="*/ 546100 h 5803900"/>
+              <a:gd name="connsiteX0" fmla="*/ 12700 w 8089901"/>
+              <a:gd name="connsiteY0" fmla="*/ 546100 h 5803900"/>
+              <a:gd name="connsiteX1" fmla="*/ 88900 w 8089901"/>
+              <a:gd name="connsiteY1" fmla="*/ 88900 h 5803900"/>
+              <a:gd name="connsiteX2" fmla="*/ 546100 w 8089901"/>
+              <a:gd name="connsiteY2" fmla="*/ 12701 h 5803900"/>
+              <a:gd name="connsiteX3" fmla="*/ 7556500 w 8089901"/>
+              <a:gd name="connsiteY3" fmla="*/ 12700 h 5803900"/>
+              <a:gd name="connsiteX4" fmla="*/ 7807194 w 8089901"/>
+              <a:gd name="connsiteY4" fmla="*/ 295407 h 5803900"/>
+              <a:gd name="connsiteX5" fmla="*/ 8089900 w 8089901"/>
+              <a:gd name="connsiteY5" fmla="*/ 469900 h 5803900"/>
+              <a:gd name="connsiteX6" fmla="*/ 8089900 w 8089901"/>
+              <a:gd name="connsiteY6" fmla="*/ 4838681 h 5803900"/>
+              <a:gd name="connsiteX7" fmla="*/ 7807194 w 8089901"/>
+              <a:gd name="connsiteY7" fmla="*/ 5521194 h 5803900"/>
+              <a:gd name="connsiteX8" fmla="*/ 7124681 w 8089901"/>
+              <a:gd name="connsiteY8" fmla="*/ 5803900 h 5803900"/>
+              <a:gd name="connsiteX9" fmla="*/ 546100 w 8089901"/>
+              <a:gd name="connsiteY9" fmla="*/ 5803900 h 5803900"/>
+              <a:gd name="connsiteX10" fmla="*/ 88900 w 8089901"/>
+              <a:gd name="connsiteY10" fmla="*/ 5727700 h 5803900"/>
+              <a:gd name="connsiteX11" fmla="*/ 12700 w 8089901"/>
+              <a:gd name="connsiteY11" fmla="*/ 5346700 h 5803900"/>
+              <a:gd name="connsiteX12" fmla="*/ 12700 w 8089901"/>
+              <a:gd name="connsiteY12" fmla="*/ 546100 h 5803900"/>
+              <a:gd name="connsiteX0" fmla="*/ 12700 w 8102600"/>
+              <a:gd name="connsiteY0" fmla="*/ 546100 h 5803900"/>
+              <a:gd name="connsiteX1" fmla="*/ 88900 w 8102600"/>
+              <a:gd name="connsiteY1" fmla="*/ 88900 h 5803900"/>
+              <a:gd name="connsiteX2" fmla="*/ 546100 w 8102600"/>
+              <a:gd name="connsiteY2" fmla="*/ 12701 h 5803900"/>
+              <a:gd name="connsiteX3" fmla="*/ 7556500 w 8102600"/>
+              <a:gd name="connsiteY3" fmla="*/ 12700 h 5803900"/>
+              <a:gd name="connsiteX4" fmla="*/ 8013700 w 8102600"/>
+              <a:gd name="connsiteY4" fmla="*/ 88900 h 5803900"/>
+              <a:gd name="connsiteX5" fmla="*/ 8089900 w 8102600"/>
+              <a:gd name="connsiteY5" fmla="*/ 469900 h 5803900"/>
+              <a:gd name="connsiteX6" fmla="*/ 8089900 w 8102600"/>
+              <a:gd name="connsiteY6" fmla="*/ 4838681 h 5803900"/>
+              <a:gd name="connsiteX7" fmla="*/ 7807194 w 8102600"/>
+              <a:gd name="connsiteY7" fmla="*/ 5521194 h 5803900"/>
+              <a:gd name="connsiteX8" fmla="*/ 7124681 w 8102600"/>
+              <a:gd name="connsiteY8" fmla="*/ 5803900 h 5803900"/>
+              <a:gd name="connsiteX9" fmla="*/ 546100 w 8102600"/>
+              <a:gd name="connsiteY9" fmla="*/ 5803900 h 5803900"/>
+              <a:gd name="connsiteX10" fmla="*/ 88900 w 8102600"/>
+              <a:gd name="connsiteY10" fmla="*/ 5727700 h 5803900"/>
+              <a:gd name="connsiteX11" fmla="*/ 12700 w 8102600"/>
+              <a:gd name="connsiteY11" fmla="*/ 5346700 h 5803900"/>
+              <a:gd name="connsiteX12" fmla="*/ 12700 w 8102600"/>
+              <a:gd name="connsiteY12" fmla="*/ 546100 h 5803900"/>
+              <a:gd name="connsiteX0" fmla="*/ 12700 w 8102600"/>
+              <a:gd name="connsiteY0" fmla="*/ 546100 h 5803900"/>
+              <a:gd name="connsiteX1" fmla="*/ 88900 w 8102600"/>
+              <a:gd name="connsiteY1" fmla="*/ 88900 h 5803900"/>
+              <a:gd name="connsiteX2" fmla="*/ 546100 w 8102600"/>
+              <a:gd name="connsiteY2" fmla="*/ 12701 h 5803900"/>
+              <a:gd name="connsiteX3" fmla="*/ 7556500 w 8102600"/>
+              <a:gd name="connsiteY3" fmla="*/ 12700 h 5803900"/>
+              <a:gd name="connsiteX4" fmla="*/ 8013700 w 8102600"/>
+              <a:gd name="connsiteY4" fmla="*/ 88900 h 5803900"/>
+              <a:gd name="connsiteX5" fmla="*/ 8089899 w 8102600"/>
+              <a:gd name="connsiteY5" fmla="*/ 469900 h 5803900"/>
+              <a:gd name="connsiteX6" fmla="*/ 8089900 w 8102600"/>
+              <a:gd name="connsiteY6" fmla="*/ 4838681 h 5803900"/>
+              <a:gd name="connsiteX7" fmla="*/ 7807194 w 8102600"/>
+              <a:gd name="connsiteY7" fmla="*/ 5521194 h 5803900"/>
+              <a:gd name="connsiteX8" fmla="*/ 7124681 w 8102600"/>
+              <a:gd name="connsiteY8" fmla="*/ 5803900 h 5803900"/>
+              <a:gd name="connsiteX9" fmla="*/ 546100 w 8102600"/>
+              <a:gd name="connsiteY9" fmla="*/ 5803900 h 5803900"/>
+              <a:gd name="connsiteX10" fmla="*/ 88900 w 8102600"/>
+              <a:gd name="connsiteY10" fmla="*/ 5727700 h 5803900"/>
+              <a:gd name="connsiteX11" fmla="*/ 12700 w 8102600"/>
+              <a:gd name="connsiteY11" fmla="*/ 5346700 h 5803900"/>
+              <a:gd name="connsiteX12" fmla="*/ 12700 w 8102600"/>
+              <a:gd name="connsiteY12" fmla="*/ 546100 h 5803900"/>
+              <a:gd name="connsiteX0" fmla="*/ 12700 w 8102599"/>
+              <a:gd name="connsiteY0" fmla="*/ 546100 h 5803900"/>
+              <a:gd name="connsiteX1" fmla="*/ 88900 w 8102599"/>
+              <a:gd name="connsiteY1" fmla="*/ 88900 h 5803900"/>
+              <a:gd name="connsiteX2" fmla="*/ 546100 w 8102599"/>
+              <a:gd name="connsiteY2" fmla="*/ 12701 h 5803900"/>
+              <a:gd name="connsiteX3" fmla="*/ 7556500 w 8102599"/>
+              <a:gd name="connsiteY3" fmla="*/ 12700 h 5803900"/>
+              <a:gd name="connsiteX4" fmla="*/ 8013699 w 8102599"/>
+              <a:gd name="connsiteY4" fmla="*/ 88900 h 5803900"/>
+              <a:gd name="connsiteX5" fmla="*/ 8089899 w 8102599"/>
+              <a:gd name="connsiteY5" fmla="*/ 469900 h 5803900"/>
+              <a:gd name="connsiteX6" fmla="*/ 8089900 w 8102599"/>
+              <a:gd name="connsiteY6" fmla="*/ 4838681 h 5803900"/>
+              <a:gd name="connsiteX7" fmla="*/ 7807194 w 8102599"/>
+              <a:gd name="connsiteY7" fmla="*/ 5521194 h 5803900"/>
+              <a:gd name="connsiteX8" fmla="*/ 7124681 w 8102599"/>
+              <a:gd name="connsiteY8" fmla="*/ 5803900 h 5803900"/>
+              <a:gd name="connsiteX9" fmla="*/ 546100 w 8102599"/>
+              <a:gd name="connsiteY9" fmla="*/ 5803900 h 5803900"/>
+              <a:gd name="connsiteX10" fmla="*/ 88900 w 8102599"/>
+              <a:gd name="connsiteY10" fmla="*/ 5727700 h 5803900"/>
+              <a:gd name="connsiteX11" fmla="*/ 12700 w 8102599"/>
+              <a:gd name="connsiteY11" fmla="*/ 5346700 h 5803900"/>
+              <a:gd name="connsiteX12" fmla="*/ 12700 w 8102599"/>
+              <a:gd name="connsiteY12" fmla="*/ 546100 h 5803900"/>
+              <a:gd name="connsiteX0" fmla="*/ 12700 w 8102599"/>
+              <a:gd name="connsiteY0" fmla="*/ 546100 h 5803900"/>
+              <a:gd name="connsiteX1" fmla="*/ 88900 w 8102599"/>
+              <a:gd name="connsiteY1" fmla="*/ 88900 h 5803900"/>
+              <a:gd name="connsiteX2" fmla="*/ 546100 w 8102599"/>
+              <a:gd name="connsiteY2" fmla="*/ 12701 h 5803900"/>
+              <a:gd name="connsiteX3" fmla="*/ 7556500 w 8102599"/>
+              <a:gd name="connsiteY3" fmla="*/ 12700 h 5803900"/>
+              <a:gd name="connsiteX4" fmla="*/ 8013699 w 8102599"/>
+              <a:gd name="connsiteY4" fmla="*/ 88900 h 5803900"/>
+              <a:gd name="connsiteX5" fmla="*/ 8089899 w 8102599"/>
+              <a:gd name="connsiteY5" fmla="*/ 469900 h 5803900"/>
+              <a:gd name="connsiteX6" fmla="*/ 8089900 w 8102599"/>
+              <a:gd name="connsiteY6" fmla="*/ 5346700 h 5803900"/>
+              <a:gd name="connsiteX7" fmla="*/ 7807194 w 8102599"/>
+              <a:gd name="connsiteY7" fmla="*/ 5521194 h 5803900"/>
+              <a:gd name="connsiteX8" fmla="*/ 7124681 w 8102599"/>
+              <a:gd name="connsiteY8" fmla="*/ 5803900 h 5803900"/>
+              <a:gd name="connsiteX9" fmla="*/ 546100 w 8102599"/>
+              <a:gd name="connsiteY9" fmla="*/ 5803900 h 5803900"/>
+              <a:gd name="connsiteX10" fmla="*/ 88900 w 8102599"/>
+              <a:gd name="connsiteY10" fmla="*/ 5727700 h 5803900"/>
+              <a:gd name="connsiteX11" fmla="*/ 12700 w 8102599"/>
+              <a:gd name="connsiteY11" fmla="*/ 5346700 h 5803900"/>
+              <a:gd name="connsiteX12" fmla="*/ 12700 w 8102599"/>
+              <a:gd name="connsiteY12" fmla="*/ 546100 h 5803900"/>
+              <a:gd name="connsiteX0" fmla="*/ 12700 w 8102599"/>
+              <a:gd name="connsiteY0" fmla="*/ 546100 h 5803900"/>
+              <a:gd name="connsiteX1" fmla="*/ 88900 w 8102599"/>
+              <a:gd name="connsiteY1" fmla="*/ 88900 h 5803900"/>
+              <a:gd name="connsiteX2" fmla="*/ 546100 w 8102599"/>
+              <a:gd name="connsiteY2" fmla="*/ 12701 h 5803900"/>
+              <a:gd name="connsiteX3" fmla="*/ 7556500 w 8102599"/>
+              <a:gd name="connsiteY3" fmla="*/ 12700 h 5803900"/>
+              <a:gd name="connsiteX4" fmla="*/ 8013699 w 8102599"/>
+              <a:gd name="connsiteY4" fmla="*/ 88900 h 5803900"/>
+              <a:gd name="connsiteX5" fmla="*/ 8089899 w 8102599"/>
+              <a:gd name="connsiteY5" fmla="*/ 469900 h 5803900"/>
+              <a:gd name="connsiteX6" fmla="*/ 8089900 w 8102599"/>
+              <a:gd name="connsiteY6" fmla="*/ 5346700 h 5803900"/>
+              <a:gd name="connsiteX7" fmla="*/ 7807194 w 8102599"/>
+              <a:gd name="connsiteY7" fmla="*/ 5521194 h 5803900"/>
+              <a:gd name="connsiteX8" fmla="*/ 7632700 w 8102599"/>
+              <a:gd name="connsiteY8" fmla="*/ 5803900 h 5803900"/>
+              <a:gd name="connsiteX9" fmla="*/ 546100 w 8102599"/>
+              <a:gd name="connsiteY9" fmla="*/ 5803900 h 5803900"/>
+              <a:gd name="connsiteX10" fmla="*/ 88900 w 8102599"/>
+              <a:gd name="connsiteY10" fmla="*/ 5727700 h 5803900"/>
+              <a:gd name="connsiteX11" fmla="*/ 12700 w 8102599"/>
+              <a:gd name="connsiteY11" fmla="*/ 5346700 h 5803900"/>
+              <a:gd name="connsiteX12" fmla="*/ 12700 w 8102599"/>
+              <a:gd name="connsiteY12" fmla="*/ 546100 h 5803900"/>
+              <a:gd name="connsiteX0" fmla="*/ 12700 w 8102599"/>
+              <a:gd name="connsiteY0" fmla="*/ 546100 h 5803900"/>
+              <a:gd name="connsiteX1" fmla="*/ 88900 w 8102599"/>
+              <a:gd name="connsiteY1" fmla="*/ 88900 h 5803900"/>
+              <a:gd name="connsiteX2" fmla="*/ 546100 w 8102599"/>
+              <a:gd name="connsiteY2" fmla="*/ 12701 h 5803900"/>
+              <a:gd name="connsiteX3" fmla="*/ 7556500 w 8102599"/>
+              <a:gd name="connsiteY3" fmla="*/ 12700 h 5803900"/>
+              <a:gd name="connsiteX4" fmla="*/ 8013699 w 8102599"/>
+              <a:gd name="connsiteY4" fmla="*/ 88900 h 5803900"/>
+              <a:gd name="connsiteX5" fmla="*/ 8089899 w 8102599"/>
+              <a:gd name="connsiteY5" fmla="*/ 469900 h 5803900"/>
+              <a:gd name="connsiteX6" fmla="*/ 8089900 w 8102599"/>
+              <a:gd name="connsiteY6" fmla="*/ 5346700 h 5803900"/>
+              <a:gd name="connsiteX7" fmla="*/ 8013700 w 8102599"/>
+              <a:gd name="connsiteY7" fmla="*/ 5727700 h 5803900"/>
+              <a:gd name="connsiteX8" fmla="*/ 7632700 w 8102599"/>
+              <a:gd name="connsiteY8" fmla="*/ 5803900 h 5803900"/>
+              <a:gd name="connsiteX9" fmla="*/ 546100 w 8102599"/>
+              <a:gd name="connsiteY9" fmla="*/ 5803900 h 5803900"/>
+              <a:gd name="connsiteX10" fmla="*/ 88900 w 8102599"/>
+              <a:gd name="connsiteY10" fmla="*/ 5727700 h 5803900"/>
+              <a:gd name="connsiteX11" fmla="*/ 12700 w 8102599"/>
+              <a:gd name="connsiteY11" fmla="*/ 5346700 h 5803900"/>
+              <a:gd name="connsiteX12" fmla="*/ 12700 w 8102599"/>
+              <a:gd name="connsiteY12" fmla="*/ 546100 h 5803900"/>
+            </a:gdLst>
+            <a:ahLst/>
+            <a:cxnLst>
+              <a:cxn ang="0">
+                <a:pos x="connsiteX0" y="connsiteY0"/>
+              </a:cxn>
+              <a:cxn ang="0">
+                <a:pos x="connsiteX1" y="connsiteY1"/>
+              </a:cxn>
+              <a:cxn ang="0">
+                <a:pos x="connsiteX2" y="connsiteY2"/>
+              </a:cxn>
+              <a:cxn ang="0">
+                <a:pos x="connsiteX3" y="connsiteY3"/>
+              </a:cxn>
+              <a:cxn ang="0">
+                <a:pos x="connsiteX4" y="connsiteY4"/>
+              </a:cxn>
+              <a:cxn ang="0">
+                <a:pos x="connsiteX5" y="connsiteY5"/>
+              </a:cxn>
+              <a:cxn ang="0">
+                <a:pos x="connsiteX6" y="connsiteY6"/>
+              </a:cxn>
+              <a:cxn ang="0">
+                <a:pos x="connsiteX7" y="connsiteY7"/>
+              </a:cxn>
+              <a:cxn ang="0">
+                <a:pos x="connsiteX8" y="connsiteY8"/>
+              </a:cxn>
+              <a:cxn ang="0">
+                <a:pos x="connsiteX9" y="connsiteY9"/>
+              </a:cxn>
+              <a:cxn ang="0">
+                <a:pos x="connsiteX10" y="connsiteY10"/>
+              </a:cxn>
+              <a:cxn ang="0">
+                <a:pos x="connsiteX11" y="connsiteY11"/>
+              </a:cxn>
+              <a:cxn ang="0">
+                <a:pos x="connsiteX12" y="connsiteY12"/>
+              </a:cxn>
+            </a:cxnLst>
+            <a:rect l="l" t="t" r="r" b="b"/>
+            <a:pathLst>
+              <a:path w="8102599" h="5803900">
+                <a:moveTo>
+                  <a:pt x="12700" y="546100"/>
+                </a:moveTo>
+                <a:cubicBezTo>
+                  <a:pt x="12700" y="290108"/>
+                  <a:pt x="0" y="177800"/>
+                  <a:pt x="88900" y="88900"/>
+                </a:cubicBezTo>
+                <a:cubicBezTo>
+                  <a:pt x="177800" y="0"/>
+                  <a:pt x="290107" y="12700"/>
+                  <a:pt x="546100" y="12701"/>
+                </a:cubicBezTo>
+                <a:lnTo>
+                  <a:pt x="7556500" y="12700"/>
+                </a:lnTo>
+                <a:cubicBezTo>
+                  <a:pt x="7812492" y="12700"/>
+                  <a:pt x="7924799" y="12700"/>
+                  <a:pt x="8013699" y="88900"/>
+                </a:cubicBezTo>
+                <a:cubicBezTo>
+                  <a:pt x="8102599" y="165100"/>
+                  <a:pt x="8089900" y="213907"/>
+                  <a:pt x="8089899" y="469900"/>
+                </a:cubicBezTo>
+                <a:cubicBezTo>
+                  <a:pt x="8089899" y="1926160"/>
+                  <a:pt x="8089900" y="3890440"/>
+                  <a:pt x="8089900" y="5346700"/>
+                </a:cubicBezTo>
+                <a:cubicBezTo>
+                  <a:pt x="8089900" y="5602692"/>
+                  <a:pt x="8089900" y="5651500"/>
+                  <a:pt x="8013700" y="5727700"/>
+                </a:cubicBezTo>
+                <a:cubicBezTo>
+                  <a:pt x="7937500" y="5803900"/>
+                  <a:pt x="7888692" y="5803900"/>
+                  <a:pt x="7632700" y="5803900"/>
+                </a:cubicBezTo>
+                <a:lnTo>
+                  <a:pt x="546100" y="5803900"/>
+                </a:lnTo>
+                <a:cubicBezTo>
+                  <a:pt x="290108" y="5803900"/>
+                  <a:pt x="177800" y="5803900"/>
+                  <a:pt x="88900" y="5727700"/>
+                </a:cubicBezTo>
+                <a:cubicBezTo>
+                  <a:pt x="0" y="5651500"/>
+                  <a:pt x="12700" y="5602692"/>
+                  <a:pt x="12700" y="5346700"/>
+                </a:cubicBezTo>
+                <a:lnTo>
+                  <a:pt x="12700" y="546100"/>
+                </a:lnTo>
+                <a:close/>
+              </a:path>
+            </a:pathLst>
+          </a:custGeom>
+          <a:gradFill>
+            <a:gsLst>
+              <a:gs pos="0">
+                <a:schemeClr val="bg1">
+                  <a:lumMod val="50000"/>
+                </a:schemeClr>
+              </a:gs>
+              <a:gs pos="39999">
+                <a:schemeClr val="bg1">
+                  <a:lumMod val="65000"/>
+                </a:schemeClr>
+              </a:gs>
+              <a:gs pos="70000">
+                <a:schemeClr val="bg1">
+                  <a:lumMod val="50000"/>
+                  <a:alpha val="73000"/>
+                </a:schemeClr>
+              </a:gs>
+            </a:gsLst>
+            <a:lin ang="5400000" scaled="0"/>
+          </a:gradFill>
+          <a:ln>
+            <a:solidFill>
+              <a:schemeClr val="bg1">
+                <a:lumMod val="75000"/>
+              </a:schemeClr>
+            </a:solidFill>
+          </a:ln>
+        </p:spPr>
+        <p:style>
+          <a:lnRef idx="2">
+            <a:schemeClr val="accent1">
+              <a:shade val="50000"/>
+            </a:schemeClr>
+          </a:lnRef>
+          <a:fillRef idx="1">
+            <a:schemeClr val="accent1"/>
+          </a:fillRef>
+          <a:effectRef idx="0">
+            <a:schemeClr val="accent1"/>
+          </a:effectRef>
+          <a:fontRef idx="minor">
+            <a:schemeClr val="lt1"/>
+          </a:fontRef>
+        </p:style>
+        <p:txBody>
+          <a:bodyPr rtlCol="0" anchor="ctr"/>
+          <a:lstStyle/>
+          <a:p>
+            <a:pPr fontAlgn="t"/>
+            <a:endParaRPr lang="es-AR" b="1" dirty="0" smtClean="0"/>
+          </a:p>
+          <a:p>
+            <a:pPr algn="ctr"/>
+            <a:endParaRPr lang="es-AR" dirty="0"/>
+          </a:p>
+        </p:txBody>
+      </p:sp>
+      <p:sp>
+        <p:nvSpPr>
+          <p:cNvPr id="6" name="Round Same Side Corner Rectangle 5"/>
+          <p:cNvSpPr/>
+          <p:nvPr/>
+        </p:nvSpPr>
+        <p:spPr>
+          <a:xfrm rot="10800000">
+            <a:off x="1219200" y="544417"/>
+            <a:ext cx="6781800" cy="1741582"/>
+          </a:xfrm>
+          <a:prstGeom prst="round2SameRect">
+            <a:avLst/>
+          </a:prstGeom>
+        </p:spPr>
+        <p:style>
+          <a:lnRef idx="2">
+            <a:schemeClr val="dk1">
+              <a:shade val="50000"/>
+            </a:schemeClr>
+          </a:lnRef>
+          <a:fillRef idx="1">
+            <a:schemeClr val="dk1"/>
+          </a:fillRef>
+          <a:effectRef idx="0">
+            <a:schemeClr val="dk1"/>
+          </a:effectRef>
+          <a:fontRef idx="minor">
+            <a:schemeClr val="lt1"/>
+          </a:fontRef>
+        </p:style>
+        <p:txBody>
+          <a:bodyPr rtlCol="0" anchor="ctr"/>
+          <a:lstStyle/>
+          <a:p>
+            <a:pPr algn="ctr"/>
+            <a:endParaRPr lang="es-AR" dirty="0"/>
+          </a:p>
+        </p:txBody>
+      </p:sp>
+      <p:pic>
+        <p:nvPicPr>
+          <p:cNvPr id="1026" name="Picture 2" descr="E:\U.B.A.Files\Materias\75.45 Taller de Desarrollo de Proyectos I\TP\Trunk\Proyecto\web\site\images\logo.png"/>
+          <p:cNvPicPr>
+            <a:picLocks noChangeAspect="1" noChangeArrowheads="1"/>
+          </p:cNvPicPr>
+          <p:nvPr/>
+        </p:nvPicPr>
+        <p:blipFill>
+          <a:blip r:embed="rId2" cstate="print"/>
+          <a:srcRect/>
+          <a:stretch>
+            <a:fillRect/>
+          </a:stretch>
+        </p:blipFill>
+        <p:spPr bwMode="auto">
+          <a:xfrm>
+            <a:off x="1600200" y="913540"/>
+            <a:ext cx="2640904" cy="762000"/>
+          </a:xfrm>
+          <a:prstGeom prst="rect">
+            <a:avLst/>
+          </a:prstGeom>
+          <a:noFill/>
+        </p:spPr>
+      </p:pic>
+      <p:sp>
+        <p:nvSpPr>
+          <p:cNvPr id="7" name="TextBox 6"/>
+          <p:cNvSpPr txBox="1"/>
+          <p:nvPr/>
+        </p:nvSpPr>
+        <p:spPr>
+          <a:xfrm>
+            <a:off x="4343400" y="1001408"/>
+            <a:ext cx="3180743" cy="307777"/>
+          </a:xfrm>
+          <a:prstGeom prst="rect">
+            <a:avLst/>
+          </a:prstGeom>
+          <a:noFill/>
+        </p:spPr>
+        <p:txBody>
+          <a:bodyPr wrap="none" rtlCol="0">
+            <a:spAutoFit/>
+          </a:bodyPr>
+          <a:lstStyle/>
+          <a:p>
+            <a:r>
+              <a:rPr lang="es-AR" sz="1400" dirty="0" smtClean="0">
+                <a:solidFill>
+                  <a:schemeClr val="bg1">
+                    <a:lumMod val="50000"/>
+                  </a:schemeClr>
+                </a:solidFill>
+              </a:rPr>
+              <a:t>Centralización y análisis de datos</a:t>
+            </a:r>
+            <a:endParaRPr lang="es-AR" sz="1400" dirty="0">
+              <a:solidFill>
+                <a:schemeClr val="bg1">
+                  <a:lumMod val="50000"/>
+                </a:schemeClr>
+              </a:solidFill>
+            </a:endParaRPr>
+          </a:p>
+        </p:txBody>
+      </p:sp>
+      <p:sp>
+        <p:nvSpPr>
+          <p:cNvPr id="14" name="Rectangle 13"/>
+          <p:cNvSpPr/>
+          <p:nvPr/>
+        </p:nvSpPr>
+        <p:spPr>
+          <a:xfrm>
+            <a:off x="381000" y="2438400"/>
+            <a:ext cx="8458200" cy="1066800"/>
+          </a:xfrm>
+          <a:prstGeom prst="rect">
+            <a:avLst/>
+          </a:prstGeom>
+          <a:noFill/>
+          <a:ln>
+            <a:noFill/>
+          </a:ln>
+        </p:spPr>
+        <p:style>
+          <a:lnRef idx="2">
+            <a:schemeClr val="accent1">
+              <a:shade val="50000"/>
+            </a:schemeClr>
+          </a:lnRef>
+          <a:fillRef idx="1">
+            <a:schemeClr val="accent1"/>
+          </a:fillRef>
+          <a:effectRef idx="0">
+            <a:schemeClr val="accent1"/>
+          </a:effectRef>
+          <a:fontRef idx="minor">
+            <a:schemeClr val="lt1"/>
+          </a:fontRef>
+        </p:style>
+        <p:txBody>
+          <a:bodyPr rtlCol="0" anchor="ctr"/>
+          <a:lstStyle/>
+          <a:p>
+            <a:pPr algn="ctr"/>
+            <a:r>
+              <a:rPr lang="es-AR" sz="4800" b="1" dirty="0" smtClean="0"/>
+              <a:t>SVE </a:t>
+            </a:r>
+            <a:r>
+              <a:rPr lang="es-AR" sz="3600" b="1" dirty="0" smtClean="0"/>
+              <a:t>– </a:t>
+            </a:r>
+            <a:r>
+              <a:rPr lang="es-AR" sz="3600" b="1" dirty="0" err="1" smtClean="0"/>
+              <a:t>Scoring</a:t>
+            </a:r>
+            <a:r>
+              <a:rPr lang="es-AR" sz="3600" b="1" dirty="0" smtClean="0"/>
+              <a:t> Vehicular Estadístico</a:t>
+            </a:r>
+            <a:endParaRPr lang="es-AR" sz="1200" dirty="0"/>
+          </a:p>
+        </p:txBody>
+      </p:sp>
+      <p:sp>
+        <p:nvSpPr>
+          <p:cNvPr id="28" name="TextBox 27"/>
+          <p:cNvSpPr txBox="1"/>
+          <p:nvPr/>
+        </p:nvSpPr>
+        <p:spPr>
+          <a:xfrm>
+            <a:off x="914400" y="3352800"/>
+            <a:ext cx="7696200" cy="2631490"/>
+          </a:xfrm>
+          <a:prstGeom prst="rect">
+            <a:avLst/>
+          </a:prstGeom>
+          <a:noFill/>
+        </p:spPr>
+        <p:txBody>
+          <a:bodyPr wrap="square" rtlCol="0">
+            <a:spAutoFit/>
+          </a:bodyPr>
+          <a:lstStyle/>
+          <a:p>
+            <a:pPr algn="ctr" fontAlgn="t">
+              <a:lnSpc>
+                <a:spcPct val="150000"/>
+              </a:lnSpc>
+              <a:buClr>
+                <a:schemeClr val="bg1">
+                  <a:lumMod val="85000"/>
+                </a:schemeClr>
+              </a:buClr>
+              <a:buFont typeface="Wingdings" pitchFamily="2" charset="2"/>
+              <a:buChar char="v"/>
+            </a:pPr>
+            <a:r>
+              <a:rPr lang="es-AR" sz="2200" dirty="0" smtClean="0"/>
+              <a:t> </a:t>
+            </a:r>
+            <a:r>
+              <a:rPr lang="es-AR" sz="2200" dirty="0" smtClean="0">
+                <a:solidFill>
+                  <a:schemeClr val="bg1"/>
+                </a:solidFill>
+              </a:rPr>
+              <a:t>La </a:t>
+            </a:r>
+            <a:r>
+              <a:rPr lang="es-AR" sz="2200" dirty="0" smtClean="0">
+                <a:solidFill>
+                  <a:schemeClr val="bg1"/>
+                </a:solidFill>
+              </a:rPr>
+              <a:t>forma más eficiente de transformar </a:t>
+            </a:r>
+            <a:r>
+              <a:rPr lang="es-AR" sz="2200" dirty="0" smtClean="0">
+                <a:solidFill>
+                  <a:schemeClr val="bg1"/>
+                </a:solidFill>
+              </a:rPr>
+              <a:t>datos </a:t>
+            </a:r>
+            <a:r>
+              <a:rPr lang="es-AR" sz="2200" dirty="0" smtClean="0">
+                <a:solidFill>
+                  <a:schemeClr val="bg1"/>
+                </a:solidFill>
+              </a:rPr>
+              <a:t>en </a:t>
+            </a:r>
+            <a:r>
+              <a:rPr lang="es-AR" sz="2200" dirty="0" smtClean="0">
+                <a:solidFill>
+                  <a:schemeClr val="bg1"/>
+                </a:solidFill>
+              </a:rPr>
+              <a:t>información;</a:t>
+            </a:r>
+          </a:p>
+          <a:p>
+            <a:pPr algn="ctr" fontAlgn="t">
+              <a:lnSpc>
+                <a:spcPct val="150000"/>
+              </a:lnSpc>
+              <a:buClr>
+                <a:schemeClr val="bg1">
+                  <a:lumMod val="85000"/>
+                </a:schemeClr>
+              </a:buClr>
+              <a:buFont typeface="Wingdings" pitchFamily="2" charset="2"/>
+              <a:buChar char="v"/>
+            </a:pPr>
+            <a:r>
+              <a:rPr lang="es-AR" sz="2200" dirty="0" smtClean="0">
+                <a:solidFill>
+                  <a:schemeClr val="bg1"/>
+                </a:solidFill>
+              </a:rPr>
+              <a:t> Diversas </a:t>
+            </a:r>
+            <a:r>
+              <a:rPr lang="es-AR" sz="2200" dirty="0" smtClean="0">
+                <a:solidFill>
+                  <a:schemeClr val="bg1"/>
+                </a:solidFill>
+              </a:rPr>
+              <a:t>fuentes </a:t>
+            </a:r>
+            <a:r>
+              <a:rPr lang="es-AR" sz="2200" dirty="0" smtClean="0">
+                <a:solidFill>
+                  <a:schemeClr val="bg1"/>
+                </a:solidFill>
+              </a:rPr>
+              <a:t>de datos son integradas </a:t>
+            </a:r>
+            <a:r>
+              <a:rPr lang="es-AR" sz="2200" dirty="0" smtClean="0">
+                <a:solidFill>
+                  <a:schemeClr val="bg1"/>
+                </a:solidFill>
+              </a:rPr>
+              <a:t>en una única </a:t>
+            </a:r>
+            <a:r>
+              <a:rPr lang="es-AR" sz="2200" dirty="0" smtClean="0">
+                <a:solidFill>
+                  <a:schemeClr val="bg1"/>
+                </a:solidFill>
+              </a:rPr>
+              <a:t>base;</a:t>
+            </a:r>
+          </a:p>
+          <a:p>
+            <a:pPr algn="ctr" fontAlgn="t">
+              <a:lnSpc>
+                <a:spcPct val="150000"/>
+              </a:lnSpc>
+              <a:buClr>
+                <a:schemeClr val="bg1">
+                  <a:lumMod val="85000"/>
+                </a:schemeClr>
+              </a:buClr>
+              <a:buFont typeface="Wingdings" pitchFamily="2" charset="2"/>
+              <a:buChar char="v"/>
+            </a:pPr>
+            <a:r>
+              <a:rPr lang="es-AR" sz="2200" dirty="0" smtClean="0">
+                <a:solidFill>
+                  <a:schemeClr val="bg1"/>
+                </a:solidFill>
+              </a:rPr>
+              <a:t> Información </a:t>
+            </a:r>
+            <a:r>
+              <a:rPr lang="es-AR" sz="2200" dirty="0" smtClean="0">
+                <a:solidFill>
+                  <a:schemeClr val="bg1"/>
+                </a:solidFill>
+              </a:rPr>
+              <a:t>relevante y </a:t>
+            </a:r>
+            <a:r>
+              <a:rPr lang="es-AR" sz="2200" dirty="0" smtClean="0">
+                <a:solidFill>
+                  <a:schemeClr val="bg1"/>
+                </a:solidFill>
+              </a:rPr>
+              <a:t>actualizada;</a:t>
+            </a:r>
+          </a:p>
+          <a:p>
+            <a:pPr algn="ctr" fontAlgn="t">
+              <a:lnSpc>
+                <a:spcPct val="150000"/>
+              </a:lnSpc>
+              <a:buClr>
+                <a:schemeClr val="bg1">
+                  <a:lumMod val="85000"/>
+                </a:schemeClr>
+              </a:buClr>
+              <a:buFont typeface="Wingdings" pitchFamily="2" charset="2"/>
+              <a:buChar char="v"/>
+            </a:pPr>
+            <a:r>
+              <a:rPr lang="es-AR" sz="2200" dirty="0" smtClean="0">
+                <a:solidFill>
+                  <a:schemeClr val="bg1"/>
+                </a:solidFill>
+              </a:rPr>
+              <a:t> Amplia gama de factores considerados;</a:t>
+            </a:r>
+            <a:endParaRPr lang="es-AR" sz="2200" dirty="0" smtClean="0">
+              <a:solidFill>
+                <a:schemeClr val="bg1"/>
+              </a:solidFill>
+            </a:endParaRPr>
+          </a:p>
+          <a:p>
+            <a:pPr algn="ctr" fontAlgn="t">
+              <a:lnSpc>
+                <a:spcPct val="150000"/>
+              </a:lnSpc>
+              <a:buClr>
+                <a:schemeClr val="bg1">
+                  <a:lumMod val="85000"/>
+                </a:schemeClr>
+              </a:buClr>
+              <a:buFont typeface="Wingdings" pitchFamily="2" charset="2"/>
+              <a:buChar char="v"/>
+            </a:pPr>
+            <a:r>
+              <a:rPr lang="es-AR" sz="2200" dirty="0" smtClean="0">
+                <a:solidFill>
+                  <a:schemeClr val="bg1"/>
+                </a:solidFill>
+              </a:rPr>
+              <a:t> Informes detallados de niveles de riesgo.</a:t>
+            </a:r>
+            <a:endParaRPr lang="es-AR" sz="2200" dirty="0">
+              <a:solidFill>
+                <a:schemeClr val="bg1"/>
+              </a:solidFill>
+            </a:endParaRPr>
+          </a:p>
+        </p:txBody>
+      </p:sp>
+    </p:spTree>
+  </p:cSld>
+  <p:clrMapOvr>
+    <a:masterClrMapping/>
+  </p:clrMapOvr>
+</p:sld>
+</file>
+
+<file path=ppt/slides/slide6.xml><?xml version="1.0" encoding="utf-8"?>
+<p:sld xmlns:a="http://schemas.openxmlformats.org/drawingml/2006/main" xmlns:r="http://schemas.openxmlformats.org/officeDocument/2006/relationships" xmlns:p="http://schemas.openxmlformats.org/presentationml/2006/main">
+  <p:cSld>
+    <p:bg>
+      <p:bgPr shadeToTitle="1">
+        <a:solidFill>
+          <a:schemeClr val="bg1">
+            <a:lumMod val="50000"/>
+          </a:schemeClr>
+        </a:solidFill>
+        <a:effectLst/>
+      </p:bgPr>
+    </p:bg>
+    <p:spTree>
+      <p:nvGrpSpPr>
+        <p:cNvPr id="1" name=""/>
+        <p:cNvGrpSpPr/>
+        <p:nvPr/>
+      </p:nvGrpSpPr>
+      <p:grpSpPr>
+        <a:xfrm>
+          <a:off x="0" y="0"/>
+          <a:ext cx="0" cy="0"/>
+          <a:chOff x="0" y="0"/>
+          <a:chExt cx="0" cy="0"/>
+        </a:xfrm>
+      </p:grpSpPr>
+      <p:grpSp>
+        <p:nvGrpSpPr>
+          <p:cNvPr id="2" name="Group 22"/>
+          <p:cNvGrpSpPr/>
+          <p:nvPr/>
+        </p:nvGrpSpPr>
+        <p:grpSpPr>
+          <a:xfrm>
+            <a:off x="304800" y="304800"/>
+            <a:ext cx="8534400" cy="6248400"/>
+            <a:chOff x="304800" y="304800"/>
+            <a:chExt cx="8534400" cy="6248400"/>
+          </a:xfrm>
+          <a:solidFill>
+            <a:schemeClr val="bg1">
+              <a:lumMod val="85000"/>
+            </a:schemeClr>
+          </a:solidFill>
+        </p:grpSpPr>
+        <p:sp>
+          <p:nvSpPr>
+            <p:cNvPr id="18" name="Rounded Rectangle 17"/>
+            <p:cNvSpPr/>
+            <p:nvPr/>
+          </p:nvSpPr>
+          <p:spPr>
+            <a:xfrm>
+              <a:off x="304800" y="304800"/>
+              <a:ext cx="8534400" cy="6248400"/>
+            </a:xfrm>
+            <a:prstGeom prst="roundRect">
+              <a:avLst/>
+            </a:prstGeom>
+            <a:grpFill/>
+            <a:ln>
+              <a:noFill/>
+            </a:ln>
+          </p:spPr>
+          <p:style>
+            <a:lnRef idx="2">
+              <a:schemeClr val="accent1">
+                <a:shade val="50000"/>
+              </a:schemeClr>
+            </a:lnRef>
+            <a:fillRef idx="1">
+              <a:schemeClr val="accent1"/>
+            </a:fillRef>
+            <a:effectRef idx="0">
+              <a:schemeClr val="accent1"/>
+            </a:effectRef>
+            <a:fontRef idx="minor">
+              <a:schemeClr val="lt1"/>
+            </a:fontRef>
+          </p:style>
+          <p:txBody>
+            <a:bodyPr rtlCol="0" anchor="ctr"/>
+            <a:lstStyle/>
+            <a:p>
+              <a:pPr algn="ctr"/>
+              <a:endParaRPr lang="es-AR"/>
+            </a:p>
+          </p:txBody>
+        </p:sp>
+        <p:sp>
+          <p:nvSpPr>
+            <p:cNvPr id="22" name="Rounded Rectangle 21"/>
+            <p:cNvSpPr/>
+            <p:nvPr/>
+          </p:nvSpPr>
+          <p:spPr>
+            <a:xfrm>
+              <a:off x="7086600" y="304800"/>
+              <a:ext cx="1752600" cy="1752600"/>
+            </a:xfrm>
+            <a:prstGeom prst="roundRect">
+              <a:avLst/>
+            </a:prstGeom>
+            <a:grpFill/>
+            <a:ln>
+              <a:noFill/>
+            </a:ln>
+          </p:spPr>
+          <p:style>
+            <a:lnRef idx="2">
+              <a:schemeClr val="accent1">
+                <a:shade val="50000"/>
+              </a:schemeClr>
+            </a:lnRef>
+            <a:fillRef idx="1">
+              <a:schemeClr val="accent1"/>
+            </a:fillRef>
+            <a:effectRef idx="0">
+              <a:schemeClr val="accent1"/>
+            </a:effectRef>
+            <a:fontRef idx="minor">
+              <a:schemeClr val="lt1"/>
+            </a:fontRef>
+          </p:style>
+          <p:txBody>
+            <a:bodyPr rtlCol="0" anchor="ctr"/>
+            <a:lstStyle/>
+            <a:p>
+              <a:pPr algn="ctr"/>
+              <a:endParaRPr lang="es-AR"/>
+            </a:p>
+          </p:txBody>
+        </p:sp>
+        <p:sp>
+          <p:nvSpPr>
+            <p:cNvPr id="21" name="Rounded Rectangle 20"/>
+            <p:cNvSpPr/>
+            <p:nvPr/>
+          </p:nvSpPr>
+          <p:spPr>
+            <a:xfrm>
+              <a:off x="304800" y="304800"/>
+              <a:ext cx="1752600" cy="1752600"/>
+            </a:xfrm>
+            <a:prstGeom prst="roundRect">
+              <a:avLst/>
+            </a:prstGeom>
+            <a:grpFill/>
+            <a:ln>
+              <a:noFill/>
+            </a:ln>
+          </p:spPr>
+          <p:style>
+            <a:lnRef idx="2">
+              <a:schemeClr val="accent1">
+                <a:shade val="50000"/>
+              </a:schemeClr>
+            </a:lnRef>
+            <a:fillRef idx="1">
+              <a:schemeClr val="accent1"/>
+            </a:fillRef>
+            <a:effectRef idx="0">
+              <a:schemeClr val="accent1"/>
+            </a:effectRef>
+            <a:fontRef idx="minor">
+              <a:schemeClr val="lt1"/>
+            </a:fontRef>
+          </p:style>
+          <p:txBody>
+            <a:bodyPr rtlCol="0" anchor="ctr"/>
+            <a:lstStyle/>
+            <a:p>
+              <a:pPr algn="ctr"/>
+              <a:endParaRPr lang="es-AR"/>
+            </a:p>
+          </p:txBody>
+        </p:sp>
+        <p:sp>
+          <p:nvSpPr>
+            <p:cNvPr id="17" name="Rounded Rectangle 16"/>
+            <p:cNvSpPr/>
+            <p:nvPr/>
+          </p:nvSpPr>
+          <p:spPr>
+            <a:xfrm>
+              <a:off x="304800" y="4800600"/>
+              <a:ext cx="1752600" cy="1752600"/>
+            </a:xfrm>
+            <a:prstGeom prst="roundRect">
+              <a:avLst/>
+            </a:prstGeom>
+            <a:grpFill/>
+            <a:ln>
+              <a:noFill/>
+            </a:ln>
+          </p:spPr>
+          <p:style>
+            <a:lnRef idx="2">
+              <a:schemeClr val="accent1">
+                <a:shade val="50000"/>
+              </a:schemeClr>
+            </a:lnRef>
+            <a:fillRef idx="1">
+              <a:schemeClr val="accent1"/>
+            </a:fillRef>
+            <a:effectRef idx="0">
+              <a:schemeClr val="accent1"/>
+            </a:effectRef>
+            <a:fontRef idx="minor">
+              <a:schemeClr val="lt1"/>
+            </a:fontRef>
+          </p:style>
+          <p:txBody>
+            <a:bodyPr rtlCol="0" anchor="ctr"/>
+            <a:lstStyle/>
+            <a:p>
+              <a:pPr algn="ctr"/>
+              <a:endParaRPr lang="es-AR"/>
+            </a:p>
+          </p:txBody>
+        </p:sp>
+        <p:sp>
+          <p:nvSpPr>
+            <p:cNvPr id="19" name="Rounded Rectangle 18"/>
+            <p:cNvSpPr/>
+            <p:nvPr/>
+          </p:nvSpPr>
+          <p:spPr>
+            <a:xfrm>
+              <a:off x="7086600" y="4800600"/>
+              <a:ext cx="1752600" cy="1752600"/>
+            </a:xfrm>
+            <a:prstGeom prst="roundRect">
+              <a:avLst/>
+            </a:prstGeom>
+            <a:grpFill/>
+            <a:ln>
+              <a:noFill/>
+            </a:ln>
+          </p:spPr>
+          <p:style>
+            <a:lnRef idx="2">
+              <a:schemeClr val="accent1">
+                <a:shade val="50000"/>
+              </a:schemeClr>
+            </a:lnRef>
+            <a:fillRef idx="1">
+              <a:schemeClr val="accent1"/>
+            </a:fillRef>
+            <a:effectRef idx="0">
+              <a:schemeClr val="accent1"/>
+            </a:effectRef>
+            <a:fontRef idx="minor">
+              <a:schemeClr val="lt1"/>
+            </a:fontRef>
+          </p:style>
+          <p:txBody>
+            <a:bodyPr rtlCol="0" anchor="ctr"/>
+            <a:lstStyle/>
+            <a:p>
+              <a:pPr algn="ctr"/>
+              <a:endParaRPr lang="es-AR"/>
+            </a:p>
+          </p:txBody>
+        </p:sp>
+      </p:grpSp>
+      <p:sp>
+        <p:nvSpPr>
+          <p:cNvPr id="40" name="Freeform 39"/>
+          <p:cNvSpPr/>
+          <p:nvPr/>
+        </p:nvSpPr>
+        <p:spPr>
+          <a:xfrm>
+            <a:off x="533400" y="457200"/>
+            <a:ext cx="8102599" cy="5803900"/>
+          </a:xfrm>
+          <a:custGeom>
+            <a:avLst/>
+            <a:gdLst>
+              <a:gd name="connsiteX0" fmla="*/ 0 w 8077200"/>
+              <a:gd name="connsiteY0" fmla="*/ 965219 h 5791200"/>
+              <a:gd name="connsiteX1" fmla="*/ 282707 w 8077200"/>
+              <a:gd name="connsiteY1" fmla="*/ 282706 h 5791200"/>
+              <a:gd name="connsiteX2" fmla="*/ 965221 w 8077200"/>
+              <a:gd name="connsiteY2" fmla="*/ 1 h 5791200"/>
+              <a:gd name="connsiteX3" fmla="*/ 7111981 w 8077200"/>
+              <a:gd name="connsiteY3" fmla="*/ 0 h 5791200"/>
+              <a:gd name="connsiteX4" fmla="*/ 7794494 w 8077200"/>
+              <a:gd name="connsiteY4" fmla="*/ 282707 h 5791200"/>
+              <a:gd name="connsiteX5" fmla="*/ 8077199 w 8077200"/>
+              <a:gd name="connsiteY5" fmla="*/ 965221 h 5791200"/>
+              <a:gd name="connsiteX6" fmla="*/ 8077200 w 8077200"/>
+              <a:gd name="connsiteY6" fmla="*/ 4825981 h 5791200"/>
+              <a:gd name="connsiteX7" fmla="*/ 7794494 w 8077200"/>
+              <a:gd name="connsiteY7" fmla="*/ 5508494 h 5791200"/>
+              <a:gd name="connsiteX8" fmla="*/ 7111981 w 8077200"/>
+              <a:gd name="connsiteY8" fmla="*/ 5791200 h 5791200"/>
+              <a:gd name="connsiteX9" fmla="*/ 965219 w 8077200"/>
+              <a:gd name="connsiteY9" fmla="*/ 5791200 h 5791200"/>
+              <a:gd name="connsiteX10" fmla="*/ 282706 w 8077200"/>
+              <a:gd name="connsiteY10" fmla="*/ 5508493 h 5791200"/>
+              <a:gd name="connsiteX11" fmla="*/ 0 w 8077200"/>
+              <a:gd name="connsiteY11" fmla="*/ 4825980 h 5791200"/>
+              <a:gd name="connsiteX12" fmla="*/ 0 w 8077200"/>
+              <a:gd name="connsiteY12" fmla="*/ 965219 h 5791200"/>
+              <a:gd name="connsiteX0" fmla="*/ 0 w 8077200"/>
+              <a:gd name="connsiteY0" fmla="*/ 609600 h 5791200"/>
+              <a:gd name="connsiteX1" fmla="*/ 282707 w 8077200"/>
+              <a:gd name="connsiteY1" fmla="*/ 282706 h 5791200"/>
+              <a:gd name="connsiteX2" fmla="*/ 965221 w 8077200"/>
+              <a:gd name="connsiteY2" fmla="*/ 1 h 5791200"/>
+              <a:gd name="connsiteX3" fmla="*/ 7111981 w 8077200"/>
+              <a:gd name="connsiteY3" fmla="*/ 0 h 5791200"/>
+              <a:gd name="connsiteX4" fmla="*/ 7794494 w 8077200"/>
+              <a:gd name="connsiteY4" fmla="*/ 282707 h 5791200"/>
+              <a:gd name="connsiteX5" fmla="*/ 8077199 w 8077200"/>
+              <a:gd name="connsiteY5" fmla="*/ 965221 h 5791200"/>
+              <a:gd name="connsiteX6" fmla="*/ 8077200 w 8077200"/>
+              <a:gd name="connsiteY6" fmla="*/ 4825981 h 5791200"/>
+              <a:gd name="connsiteX7" fmla="*/ 7794494 w 8077200"/>
+              <a:gd name="connsiteY7" fmla="*/ 5508494 h 5791200"/>
+              <a:gd name="connsiteX8" fmla="*/ 7111981 w 8077200"/>
+              <a:gd name="connsiteY8" fmla="*/ 5791200 h 5791200"/>
+              <a:gd name="connsiteX9" fmla="*/ 965219 w 8077200"/>
+              <a:gd name="connsiteY9" fmla="*/ 5791200 h 5791200"/>
+              <a:gd name="connsiteX10" fmla="*/ 282706 w 8077200"/>
+              <a:gd name="connsiteY10" fmla="*/ 5508493 h 5791200"/>
+              <a:gd name="connsiteX11" fmla="*/ 0 w 8077200"/>
+              <a:gd name="connsiteY11" fmla="*/ 4825980 h 5791200"/>
+              <a:gd name="connsiteX12" fmla="*/ 0 w 8077200"/>
+              <a:gd name="connsiteY12" fmla="*/ 609600 h 5791200"/>
+              <a:gd name="connsiteX0" fmla="*/ 0 w 8077200"/>
+              <a:gd name="connsiteY0" fmla="*/ 609601 h 5791201"/>
+              <a:gd name="connsiteX1" fmla="*/ 282707 w 8077200"/>
+              <a:gd name="connsiteY1" fmla="*/ 282707 h 5791201"/>
+              <a:gd name="connsiteX2" fmla="*/ 609600 w 8077200"/>
+              <a:gd name="connsiteY2" fmla="*/ 1 h 5791201"/>
+              <a:gd name="connsiteX3" fmla="*/ 7111981 w 8077200"/>
+              <a:gd name="connsiteY3" fmla="*/ 1 h 5791201"/>
+              <a:gd name="connsiteX4" fmla="*/ 7794494 w 8077200"/>
+              <a:gd name="connsiteY4" fmla="*/ 282708 h 5791201"/>
+              <a:gd name="connsiteX5" fmla="*/ 8077199 w 8077200"/>
+              <a:gd name="connsiteY5" fmla="*/ 965222 h 5791201"/>
+              <a:gd name="connsiteX6" fmla="*/ 8077200 w 8077200"/>
+              <a:gd name="connsiteY6" fmla="*/ 4825982 h 5791201"/>
+              <a:gd name="connsiteX7" fmla="*/ 7794494 w 8077200"/>
+              <a:gd name="connsiteY7" fmla="*/ 5508495 h 5791201"/>
+              <a:gd name="connsiteX8" fmla="*/ 7111981 w 8077200"/>
+              <a:gd name="connsiteY8" fmla="*/ 5791201 h 5791201"/>
+              <a:gd name="connsiteX9" fmla="*/ 965219 w 8077200"/>
+              <a:gd name="connsiteY9" fmla="*/ 5791201 h 5791201"/>
+              <a:gd name="connsiteX10" fmla="*/ 282706 w 8077200"/>
+              <a:gd name="connsiteY10" fmla="*/ 5508494 h 5791201"/>
+              <a:gd name="connsiteX11" fmla="*/ 0 w 8077200"/>
+              <a:gd name="connsiteY11" fmla="*/ 4825981 h 5791201"/>
+              <a:gd name="connsiteX12" fmla="*/ 0 w 8077200"/>
+              <a:gd name="connsiteY12" fmla="*/ 609601 h 5791201"/>
+              <a:gd name="connsiteX0" fmla="*/ 0 w 8077200"/>
+              <a:gd name="connsiteY0" fmla="*/ 609601 h 5791201"/>
+              <a:gd name="connsiteX1" fmla="*/ 152400 w 8077200"/>
+              <a:gd name="connsiteY1" fmla="*/ 152402 h 5791201"/>
+              <a:gd name="connsiteX2" fmla="*/ 609600 w 8077200"/>
+              <a:gd name="connsiteY2" fmla="*/ 1 h 5791201"/>
+              <a:gd name="connsiteX3" fmla="*/ 7111981 w 8077200"/>
+              <a:gd name="connsiteY3" fmla="*/ 1 h 5791201"/>
+              <a:gd name="connsiteX4" fmla="*/ 7794494 w 8077200"/>
+              <a:gd name="connsiteY4" fmla="*/ 282708 h 5791201"/>
+              <a:gd name="connsiteX5" fmla="*/ 8077199 w 8077200"/>
+              <a:gd name="connsiteY5" fmla="*/ 965222 h 5791201"/>
+              <a:gd name="connsiteX6" fmla="*/ 8077200 w 8077200"/>
+              <a:gd name="connsiteY6" fmla="*/ 4825982 h 5791201"/>
+              <a:gd name="connsiteX7" fmla="*/ 7794494 w 8077200"/>
+              <a:gd name="connsiteY7" fmla="*/ 5508495 h 5791201"/>
+              <a:gd name="connsiteX8" fmla="*/ 7111981 w 8077200"/>
+              <a:gd name="connsiteY8" fmla="*/ 5791201 h 5791201"/>
+              <a:gd name="connsiteX9" fmla="*/ 965219 w 8077200"/>
+              <a:gd name="connsiteY9" fmla="*/ 5791201 h 5791201"/>
+              <a:gd name="connsiteX10" fmla="*/ 282706 w 8077200"/>
+              <a:gd name="connsiteY10" fmla="*/ 5508494 h 5791201"/>
+              <a:gd name="connsiteX11" fmla="*/ 0 w 8077200"/>
+              <a:gd name="connsiteY11" fmla="*/ 4825981 h 5791201"/>
+              <a:gd name="connsiteX12" fmla="*/ 0 w 8077200"/>
+              <a:gd name="connsiteY12" fmla="*/ 609601 h 5791201"/>
+              <a:gd name="connsiteX0" fmla="*/ 0 w 8077200"/>
+              <a:gd name="connsiteY0" fmla="*/ 609600 h 5791200"/>
+              <a:gd name="connsiteX1" fmla="*/ 152400 w 8077200"/>
+              <a:gd name="connsiteY1" fmla="*/ 152401 h 5791200"/>
+              <a:gd name="connsiteX2" fmla="*/ 533400 w 8077200"/>
+              <a:gd name="connsiteY2" fmla="*/ 1 h 5791200"/>
+              <a:gd name="connsiteX3" fmla="*/ 7111981 w 8077200"/>
+              <a:gd name="connsiteY3" fmla="*/ 0 h 5791200"/>
+              <a:gd name="connsiteX4" fmla="*/ 7794494 w 8077200"/>
+              <a:gd name="connsiteY4" fmla="*/ 282707 h 5791200"/>
+              <a:gd name="connsiteX5" fmla="*/ 8077199 w 8077200"/>
+              <a:gd name="connsiteY5" fmla="*/ 965221 h 5791200"/>
+              <a:gd name="connsiteX6" fmla="*/ 8077200 w 8077200"/>
+              <a:gd name="connsiteY6" fmla="*/ 4825981 h 5791200"/>
+              <a:gd name="connsiteX7" fmla="*/ 7794494 w 8077200"/>
+              <a:gd name="connsiteY7" fmla="*/ 5508494 h 5791200"/>
+              <a:gd name="connsiteX8" fmla="*/ 7111981 w 8077200"/>
+              <a:gd name="connsiteY8" fmla="*/ 5791200 h 5791200"/>
+              <a:gd name="connsiteX9" fmla="*/ 965219 w 8077200"/>
+              <a:gd name="connsiteY9" fmla="*/ 5791200 h 5791200"/>
+              <a:gd name="connsiteX10" fmla="*/ 282706 w 8077200"/>
+              <a:gd name="connsiteY10" fmla="*/ 5508493 h 5791200"/>
+              <a:gd name="connsiteX11" fmla="*/ 0 w 8077200"/>
+              <a:gd name="connsiteY11" fmla="*/ 4825980 h 5791200"/>
+              <a:gd name="connsiteX12" fmla="*/ 0 w 8077200"/>
+              <a:gd name="connsiteY12" fmla="*/ 609600 h 5791200"/>
+              <a:gd name="connsiteX0" fmla="*/ 0 w 8077200"/>
+              <a:gd name="connsiteY0" fmla="*/ 533400 h 5791200"/>
+              <a:gd name="connsiteX1" fmla="*/ 152400 w 8077200"/>
+              <a:gd name="connsiteY1" fmla="*/ 152401 h 5791200"/>
+              <a:gd name="connsiteX2" fmla="*/ 533400 w 8077200"/>
+              <a:gd name="connsiteY2" fmla="*/ 1 h 5791200"/>
+              <a:gd name="connsiteX3" fmla="*/ 7111981 w 8077200"/>
+              <a:gd name="connsiteY3" fmla="*/ 0 h 5791200"/>
+              <a:gd name="connsiteX4" fmla="*/ 7794494 w 8077200"/>
+              <a:gd name="connsiteY4" fmla="*/ 282707 h 5791200"/>
+              <a:gd name="connsiteX5" fmla="*/ 8077199 w 8077200"/>
+              <a:gd name="connsiteY5" fmla="*/ 965221 h 5791200"/>
+              <a:gd name="connsiteX6" fmla="*/ 8077200 w 8077200"/>
+              <a:gd name="connsiteY6" fmla="*/ 4825981 h 5791200"/>
+              <a:gd name="connsiteX7" fmla="*/ 7794494 w 8077200"/>
+              <a:gd name="connsiteY7" fmla="*/ 5508494 h 5791200"/>
+              <a:gd name="connsiteX8" fmla="*/ 7111981 w 8077200"/>
+              <a:gd name="connsiteY8" fmla="*/ 5791200 h 5791200"/>
+              <a:gd name="connsiteX9" fmla="*/ 965219 w 8077200"/>
+              <a:gd name="connsiteY9" fmla="*/ 5791200 h 5791200"/>
+              <a:gd name="connsiteX10" fmla="*/ 282706 w 8077200"/>
+              <a:gd name="connsiteY10" fmla="*/ 5508493 h 5791200"/>
+              <a:gd name="connsiteX11" fmla="*/ 0 w 8077200"/>
+              <a:gd name="connsiteY11" fmla="*/ 4825980 h 5791200"/>
+              <a:gd name="connsiteX12" fmla="*/ 0 w 8077200"/>
+              <a:gd name="connsiteY12" fmla="*/ 533400 h 5791200"/>
+              <a:gd name="connsiteX0" fmla="*/ 12700 w 8089900"/>
+              <a:gd name="connsiteY0" fmla="*/ 546100 h 5803900"/>
+              <a:gd name="connsiteX1" fmla="*/ 88900 w 8089900"/>
+              <a:gd name="connsiteY1" fmla="*/ 88900 h 5803900"/>
+              <a:gd name="connsiteX2" fmla="*/ 546100 w 8089900"/>
+              <a:gd name="connsiteY2" fmla="*/ 12701 h 5803900"/>
+              <a:gd name="connsiteX3" fmla="*/ 7124681 w 8089900"/>
+              <a:gd name="connsiteY3" fmla="*/ 12700 h 5803900"/>
+              <a:gd name="connsiteX4" fmla="*/ 7807194 w 8089900"/>
+              <a:gd name="connsiteY4" fmla="*/ 295407 h 5803900"/>
+              <a:gd name="connsiteX5" fmla="*/ 8089899 w 8089900"/>
+              <a:gd name="connsiteY5" fmla="*/ 977921 h 5803900"/>
+              <a:gd name="connsiteX6" fmla="*/ 8089900 w 8089900"/>
+              <a:gd name="connsiteY6" fmla="*/ 4838681 h 5803900"/>
+              <a:gd name="connsiteX7" fmla="*/ 7807194 w 8089900"/>
+              <a:gd name="connsiteY7" fmla="*/ 5521194 h 5803900"/>
+              <a:gd name="connsiteX8" fmla="*/ 7124681 w 8089900"/>
+              <a:gd name="connsiteY8" fmla="*/ 5803900 h 5803900"/>
+              <a:gd name="connsiteX9" fmla="*/ 977919 w 8089900"/>
+              <a:gd name="connsiteY9" fmla="*/ 5803900 h 5803900"/>
+              <a:gd name="connsiteX10" fmla="*/ 295406 w 8089900"/>
+              <a:gd name="connsiteY10" fmla="*/ 5521193 h 5803900"/>
+              <a:gd name="connsiteX11" fmla="*/ 12700 w 8089900"/>
+              <a:gd name="connsiteY11" fmla="*/ 4838680 h 5803900"/>
+              <a:gd name="connsiteX12" fmla="*/ 12700 w 8089900"/>
+              <a:gd name="connsiteY12" fmla="*/ 546100 h 5803900"/>
+              <a:gd name="connsiteX0" fmla="*/ 12700 w 8089900"/>
+              <a:gd name="connsiteY0" fmla="*/ 546100 h 5803900"/>
+              <a:gd name="connsiteX1" fmla="*/ 88900 w 8089900"/>
+              <a:gd name="connsiteY1" fmla="*/ 88900 h 5803900"/>
+              <a:gd name="connsiteX2" fmla="*/ 546100 w 8089900"/>
+              <a:gd name="connsiteY2" fmla="*/ 12701 h 5803900"/>
+              <a:gd name="connsiteX3" fmla="*/ 7124681 w 8089900"/>
+              <a:gd name="connsiteY3" fmla="*/ 12700 h 5803900"/>
+              <a:gd name="connsiteX4" fmla="*/ 7807194 w 8089900"/>
+              <a:gd name="connsiteY4" fmla="*/ 295407 h 5803900"/>
+              <a:gd name="connsiteX5" fmla="*/ 8089899 w 8089900"/>
+              <a:gd name="connsiteY5" fmla="*/ 977921 h 5803900"/>
+              <a:gd name="connsiteX6" fmla="*/ 8089900 w 8089900"/>
+              <a:gd name="connsiteY6" fmla="*/ 4838681 h 5803900"/>
+              <a:gd name="connsiteX7" fmla="*/ 7807194 w 8089900"/>
+              <a:gd name="connsiteY7" fmla="*/ 5521194 h 5803900"/>
+              <a:gd name="connsiteX8" fmla="*/ 7124681 w 8089900"/>
+              <a:gd name="connsiteY8" fmla="*/ 5803900 h 5803900"/>
+              <a:gd name="connsiteX9" fmla="*/ 977919 w 8089900"/>
+              <a:gd name="connsiteY9" fmla="*/ 5803900 h 5803900"/>
+              <a:gd name="connsiteX10" fmla="*/ 295406 w 8089900"/>
+              <a:gd name="connsiteY10" fmla="*/ 5521193 h 5803900"/>
+              <a:gd name="connsiteX11" fmla="*/ 12700 w 8089900"/>
+              <a:gd name="connsiteY11" fmla="*/ 5346700 h 5803900"/>
+              <a:gd name="connsiteX12" fmla="*/ 12700 w 8089900"/>
+              <a:gd name="connsiteY12" fmla="*/ 546100 h 5803900"/>
+              <a:gd name="connsiteX0" fmla="*/ 12700 w 8089900"/>
+              <a:gd name="connsiteY0" fmla="*/ 546100 h 5803900"/>
+              <a:gd name="connsiteX1" fmla="*/ 88900 w 8089900"/>
+              <a:gd name="connsiteY1" fmla="*/ 88900 h 5803900"/>
+              <a:gd name="connsiteX2" fmla="*/ 546100 w 8089900"/>
+              <a:gd name="connsiteY2" fmla="*/ 12701 h 5803900"/>
+              <a:gd name="connsiteX3" fmla="*/ 7124681 w 8089900"/>
+              <a:gd name="connsiteY3" fmla="*/ 12700 h 5803900"/>
+              <a:gd name="connsiteX4" fmla="*/ 7807194 w 8089900"/>
+              <a:gd name="connsiteY4" fmla="*/ 295407 h 5803900"/>
+              <a:gd name="connsiteX5" fmla="*/ 8089899 w 8089900"/>
+              <a:gd name="connsiteY5" fmla="*/ 977921 h 5803900"/>
+              <a:gd name="connsiteX6" fmla="*/ 8089900 w 8089900"/>
+              <a:gd name="connsiteY6" fmla="*/ 4838681 h 5803900"/>
+              <a:gd name="connsiteX7" fmla="*/ 7807194 w 8089900"/>
+              <a:gd name="connsiteY7" fmla="*/ 5521194 h 5803900"/>
+              <a:gd name="connsiteX8" fmla="*/ 7124681 w 8089900"/>
+              <a:gd name="connsiteY8" fmla="*/ 5803900 h 5803900"/>
+              <a:gd name="connsiteX9" fmla="*/ 546100 w 8089900"/>
+              <a:gd name="connsiteY9" fmla="*/ 5803900 h 5803900"/>
+              <a:gd name="connsiteX10" fmla="*/ 295406 w 8089900"/>
+              <a:gd name="connsiteY10" fmla="*/ 5521193 h 5803900"/>
+              <a:gd name="connsiteX11" fmla="*/ 12700 w 8089900"/>
+              <a:gd name="connsiteY11" fmla="*/ 5346700 h 5803900"/>
+              <a:gd name="connsiteX12" fmla="*/ 12700 w 8089900"/>
+              <a:gd name="connsiteY12" fmla="*/ 546100 h 5803900"/>
+              <a:gd name="connsiteX0" fmla="*/ 12700 w 8089900"/>
+              <a:gd name="connsiteY0" fmla="*/ 546100 h 5803900"/>
+              <a:gd name="connsiteX1" fmla="*/ 88900 w 8089900"/>
+              <a:gd name="connsiteY1" fmla="*/ 88900 h 5803900"/>
+              <a:gd name="connsiteX2" fmla="*/ 546100 w 8089900"/>
+              <a:gd name="connsiteY2" fmla="*/ 12701 h 5803900"/>
+              <a:gd name="connsiteX3" fmla="*/ 7124681 w 8089900"/>
+              <a:gd name="connsiteY3" fmla="*/ 12700 h 5803900"/>
+              <a:gd name="connsiteX4" fmla="*/ 7807194 w 8089900"/>
+              <a:gd name="connsiteY4" fmla="*/ 295407 h 5803900"/>
+              <a:gd name="connsiteX5" fmla="*/ 8089899 w 8089900"/>
+              <a:gd name="connsiteY5" fmla="*/ 977921 h 5803900"/>
+              <a:gd name="connsiteX6" fmla="*/ 8089900 w 8089900"/>
+              <a:gd name="connsiteY6" fmla="*/ 4838681 h 5803900"/>
+              <a:gd name="connsiteX7" fmla="*/ 7807194 w 8089900"/>
+              <a:gd name="connsiteY7" fmla="*/ 5521194 h 5803900"/>
+              <a:gd name="connsiteX8" fmla="*/ 7124681 w 8089900"/>
+              <a:gd name="connsiteY8" fmla="*/ 5803900 h 5803900"/>
+              <a:gd name="connsiteX9" fmla="*/ 546100 w 8089900"/>
+              <a:gd name="connsiteY9" fmla="*/ 5803900 h 5803900"/>
+              <a:gd name="connsiteX10" fmla="*/ 88900 w 8089900"/>
+              <a:gd name="connsiteY10" fmla="*/ 5727700 h 5803900"/>
+              <a:gd name="connsiteX11" fmla="*/ 12700 w 8089900"/>
+              <a:gd name="connsiteY11" fmla="*/ 5346700 h 5803900"/>
+              <a:gd name="connsiteX12" fmla="*/ 12700 w 8089900"/>
+              <a:gd name="connsiteY12" fmla="*/ 546100 h 5803900"/>
+              <a:gd name="connsiteX0" fmla="*/ 12700 w 8089900"/>
+              <a:gd name="connsiteY0" fmla="*/ 546100 h 5803900"/>
+              <a:gd name="connsiteX1" fmla="*/ 88900 w 8089900"/>
+              <a:gd name="connsiteY1" fmla="*/ 88900 h 5803900"/>
+              <a:gd name="connsiteX2" fmla="*/ 546100 w 8089900"/>
+              <a:gd name="connsiteY2" fmla="*/ 12701 h 5803900"/>
+              <a:gd name="connsiteX3" fmla="*/ 7556500 w 8089900"/>
+              <a:gd name="connsiteY3" fmla="*/ 12700 h 5803900"/>
+              <a:gd name="connsiteX4" fmla="*/ 7807194 w 8089900"/>
+              <a:gd name="connsiteY4" fmla="*/ 295407 h 5803900"/>
+              <a:gd name="connsiteX5" fmla="*/ 8089899 w 8089900"/>
+              <a:gd name="connsiteY5" fmla="*/ 977921 h 5803900"/>
+              <a:gd name="connsiteX6" fmla="*/ 8089900 w 8089900"/>
+              <a:gd name="connsiteY6" fmla="*/ 4838681 h 5803900"/>
+              <a:gd name="connsiteX7" fmla="*/ 7807194 w 8089900"/>
+              <a:gd name="connsiteY7" fmla="*/ 5521194 h 5803900"/>
+              <a:gd name="connsiteX8" fmla="*/ 7124681 w 8089900"/>
+              <a:gd name="connsiteY8" fmla="*/ 5803900 h 5803900"/>
+              <a:gd name="connsiteX9" fmla="*/ 546100 w 8089900"/>
+              <a:gd name="connsiteY9" fmla="*/ 5803900 h 5803900"/>
+              <a:gd name="connsiteX10" fmla="*/ 88900 w 8089900"/>
+              <a:gd name="connsiteY10" fmla="*/ 5727700 h 5803900"/>
+              <a:gd name="connsiteX11" fmla="*/ 12700 w 8089900"/>
+              <a:gd name="connsiteY11" fmla="*/ 5346700 h 5803900"/>
+              <a:gd name="connsiteX12" fmla="*/ 12700 w 8089900"/>
+              <a:gd name="connsiteY12" fmla="*/ 546100 h 5803900"/>
+              <a:gd name="connsiteX0" fmla="*/ 12700 w 8089901"/>
+              <a:gd name="connsiteY0" fmla="*/ 546100 h 5803900"/>
+              <a:gd name="connsiteX1" fmla="*/ 88900 w 8089901"/>
+              <a:gd name="connsiteY1" fmla="*/ 88900 h 5803900"/>
+              <a:gd name="connsiteX2" fmla="*/ 546100 w 8089901"/>
+              <a:gd name="connsiteY2" fmla="*/ 12701 h 5803900"/>
+              <a:gd name="connsiteX3" fmla="*/ 7556500 w 8089901"/>
+              <a:gd name="connsiteY3" fmla="*/ 12700 h 5803900"/>
+              <a:gd name="connsiteX4" fmla="*/ 7807194 w 8089901"/>
+              <a:gd name="connsiteY4" fmla="*/ 295407 h 5803900"/>
+              <a:gd name="connsiteX5" fmla="*/ 8089900 w 8089901"/>
+              <a:gd name="connsiteY5" fmla="*/ 469900 h 5803900"/>
+              <a:gd name="connsiteX6" fmla="*/ 8089900 w 8089901"/>
+              <a:gd name="connsiteY6" fmla="*/ 4838681 h 5803900"/>
+              <a:gd name="connsiteX7" fmla="*/ 7807194 w 8089901"/>
+              <a:gd name="connsiteY7" fmla="*/ 5521194 h 5803900"/>
+              <a:gd name="connsiteX8" fmla="*/ 7124681 w 8089901"/>
+              <a:gd name="connsiteY8" fmla="*/ 5803900 h 5803900"/>
+              <a:gd name="connsiteX9" fmla="*/ 546100 w 8089901"/>
+              <a:gd name="connsiteY9" fmla="*/ 5803900 h 5803900"/>
+              <a:gd name="connsiteX10" fmla="*/ 88900 w 8089901"/>
+              <a:gd name="connsiteY10" fmla="*/ 5727700 h 5803900"/>
+              <a:gd name="connsiteX11" fmla="*/ 12700 w 8089901"/>
+              <a:gd name="connsiteY11" fmla="*/ 5346700 h 5803900"/>
+              <a:gd name="connsiteX12" fmla="*/ 12700 w 8089901"/>
+              <a:gd name="connsiteY12" fmla="*/ 546100 h 5803900"/>
+              <a:gd name="connsiteX0" fmla="*/ 12700 w 8102600"/>
+              <a:gd name="connsiteY0" fmla="*/ 546100 h 5803900"/>
+              <a:gd name="connsiteX1" fmla="*/ 88900 w 8102600"/>
+              <a:gd name="connsiteY1" fmla="*/ 88900 h 5803900"/>
+              <a:gd name="connsiteX2" fmla="*/ 546100 w 8102600"/>
+              <a:gd name="connsiteY2" fmla="*/ 12701 h 5803900"/>
+              <a:gd name="connsiteX3" fmla="*/ 7556500 w 8102600"/>
+              <a:gd name="connsiteY3" fmla="*/ 12700 h 5803900"/>
+              <a:gd name="connsiteX4" fmla="*/ 8013700 w 8102600"/>
+              <a:gd name="connsiteY4" fmla="*/ 88900 h 5803900"/>
+              <a:gd name="connsiteX5" fmla="*/ 8089900 w 8102600"/>
+              <a:gd name="connsiteY5" fmla="*/ 469900 h 5803900"/>
+              <a:gd name="connsiteX6" fmla="*/ 8089900 w 8102600"/>
+              <a:gd name="connsiteY6" fmla="*/ 4838681 h 5803900"/>
+              <a:gd name="connsiteX7" fmla="*/ 7807194 w 8102600"/>
+              <a:gd name="connsiteY7" fmla="*/ 5521194 h 5803900"/>
+              <a:gd name="connsiteX8" fmla="*/ 7124681 w 8102600"/>
+              <a:gd name="connsiteY8" fmla="*/ 5803900 h 5803900"/>
+              <a:gd name="connsiteX9" fmla="*/ 546100 w 8102600"/>
+              <a:gd name="connsiteY9" fmla="*/ 5803900 h 5803900"/>
+              <a:gd name="connsiteX10" fmla="*/ 88900 w 8102600"/>
+              <a:gd name="connsiteY10" fmla="*/ 5727700 h 5803900"/>
+              <a:gd name="connsiteX11" fmla="*/ 12700 w 8102600"/>
+              <a:gd name="connsiteY11" fmla="*/ 5346700 h 5803900"/>
+              <a:gd name="connsiteX12" fmla="*/ 12700 w 8102600"/>
+              <a:gd name="connsiteY12" fmla="*/ 546100 h 5803900"/>
+              <a:gd name="connsiteX0" fmla="*/ 12700 w 8102600"/>
+              <a:gd name="connsiteY0" fmla="*/ 546100 h 5803900"/>
+              <a:gd name="connsiteX1" fmla="*/ 88900 w 8102600"/>
+              <a:gd name="connsiteY1" fmla="*/ 88900 h 5803900"/>
+              <a:gd name="connsiteX2" fmla="*/ 546100 w 8102600"/>
+              <a:gd name="connsiteY2" fmla="*/ 12701 h 5803900"/>
+              <a:gd name="connsiteX3" fmla="*/ 7556500 w 8102600"/>
+              <a:gd name="connsiteY3" fmla="*/ 12700 h 5803900"/>
+              <a:gd name="connsiteX4" fmla="*/ 8013700 w 8102600"/>
+              <a:gd name="connsiteY4" fmla="*/ 88900 h 5803900"/>
+              <a:gd name="connsiteX5" fmla="*/ 8089899 w 8102600"/>
+              <a:gd name="connsiteY5" fmla="*/ 469900 h 5803900"/>
+              <a:gd name="connsiteX6" fmla="*/ 8089900 w 8102600"/>
+              <a:gd name="connsiteY6" fmla="*/ 4838681 h 5803900"/>
+              <a:gd name="connsiteX7" fmla="*/ 7807194 w 8102600"/>
+              <a:gd name="connsiteY7" fmla="*/ 5521194 h 5803900"/>
+              <a:gd name="connsiteX8" fmla="*/ 7124681 w 8102600"/>
+              <a:gd name="connsiteY8" fmla="*/ 5803900 h 5803900"/>
+              <a:gd name="connsiteX9" fmla="*/ 546100 w 8102600"/>
+              <a:gd name="connsiteY9" fmla="*/ 5803900 h 5803900"/>
+              <a:gd name="connsiteX10" fmla="*/ 88900 w 8102600"/>
+              <a:gd name="connsiteY10" fmla="*/ 5727700 h 5803900"/>
+              <a:gd name="connsiteX11" fmla="*/ 12700 w 8102600"/>
+              <a:gd name="connsiteY11" fmla="*/ 5346700 h 5803900"/>
+              <a:gd name="connsiteX12" fmla="*/ 12700 w 8102600"/>
+              <a:gd name="connsiteY12" fmla="*/ 546100 h 5803900"/>
+              <a:gd name="connsiteX0" fmla="*/ 12700 w 8102599"/>
+              <a:gd name="connsiteY0" fmla="*/ 546100 h 5803900"/>
+              <a:gd name="connsiteX1" fmla="*/ 88900 w 8102599"/>
+              <a:gd name="connsiteY1" fmla="*/ 88900 h 5803900"/>
+              <a:gd name="connsiteX2" fmla="*/ 546100 w 8102599"/>
+              <a:gd name="connsiteY2" fmla="*/ 12701 h 5803900"/>
+              <a:gd name="connsiteX3" fmla="*/ 7556500 w 8102599"/>
+              <a:gd name="connsiteY3" fmla="*/ 12700 h 5803900"/>
+              <a:gd name="connsiteX4" fmla="*/ 8013699 w 8102599"/>
+              <a:gd name="connsiteY4" fmla="*/ 88900 h 5803900"/>
+              <a:gd name="connsiteX5" fmla="*/ 8089899 w 8102599"/>
+              <a:gd name="connsiteY5" fmla="*/ 469900 h 5803900"/>
+              <a:gd name="connsiteX6" fmla="*/ 8089900 w 8102599"/>
+              <a:gd name="connsiteY6" fmla="*/ 4838681 h 5803900"/>
+              <a:gd name="connsiteX7" fmla="*/ 7807194 w 8102599"/>
+              <a:gd name="connsiteY7" fmla="*/ 5521194 h 5803900"/>
+              <a:gd name="connsiteX8" fmla="*/ 7124681 w 8102599"/>
+              <a:gd name="connsiteY8" fmla="*/ 5803900 h 5803900"/>
+              <a:gd name="connsiteX9" fmla="*/ 546100 w 8102599"/>
+              <a:gd name="connsiteY9" fmla="*/ 5803900 h 5803900"/>
+              <a:gd name="connsiteX10" fmla="*/ 88900 w 8102599"/>
+              <a:gd name="connsiteY10" fmla="*/ 5727700 h 5803900"/>
+              <a:gd name="connsiteX11" fmla="*/ 12700 w 8102599"/>
+              <a:gd name="connsiteY11" fmla="*/ 5346700 h 5803900"/>
+              <a:gd name="connsiteX12" fmla="*/ 12700 w 8102599"/>
+              <a:gd name="connsiteY12" fmla="*/ 546100 h 5803900"/>
+              <a:gd name="connsiteX0" fmla="*/ 12700 w 8102599"/>
+              <a:gd name="connsiteY0" fmla="*/ 546100 h 5803900"/>
+              <a:gd name="connsiteX1" fmla="*/ 88900 w 8102599"/>
+              <a:gd name="connsiteY1" fmla="*/ 88900 h 5803900"/>
+              <a:gd name="connsiteX2" fmla="*/ 546100 w 8102599"/>
+              <a:gd name="connsiteY2" fmla="*/ 12701 h 5803900"/>
+              <a:gd name="connsiteX3" fmla="*/ 7556500 w 8102599"/>
+              <a:gd name="connsiteY3" fmla="*/ 12700 h 5803900"/>
+              <a:gd name="connsiteX4" fmla="*/ 8013699 w 8102599"/>
+              <a:gd name="connsiteY4" fmla="*/ 88900 h 5803900"/>
+              <a:gd name="connsiteX5" fmla="*/ 8089899 w 8102599"/>
+              <a:gd name="connsiteY5" fmla="*/ 469900 h 5803900"/>
+              <a:gd name="connsiteX6" fmla="*/ 8089900 w 8102599"/>
+              <a:gd name="connsiteY6" fmla="*/ 5346700 h 5803900"/>
+              <a:gd name="connsiteX7" fmla="*/ 7807194 w 8102599"/>
+              <a:gd name="connsiteY7" fmla="*/ 5521194 h 5803900"/>
+              <a:gd name="connsiteX8" fmla="*/ 7124681 w 8102599"/>
+              <a:gd name="connsiteY8" fmla="*/ 5803900 h 5803900"/>
+              <a:gd name="connsiteX9" fmla="*/ 546100 w 8102599"/>
+              <a:gd name="connsiteY9" fmla="*/ 5803900 h 5803900"/>
+              <a:gd name="connsiteX10" fmla="*/ 88900 w 8102599"/>
+              <a:gd name="connsiteY10" fmla="*/ 5727700 h 5803900"/>
+              <a:gd name="connsiteX11" fmla="*/ 12700 w 8102599"/>
+              <a:gd name="connsiteY11" fmla="*/ 5346700 h 5803900"/>
+              <a:gd name="connsiteX12" fmla="*/ 12700 w 8102599"/>
+              <a:gd name="connsiteY12" fmla="*/ 546100 h 5803900"/>
+              <a:gd name="connsiteX0" fmla="*/ 12700 w 8102599"/>
+              <a:gd name="connsiteY0" fmla="*/ 546100 h 5803900"/>
+              <a:gd name="connsiteX1" fmla="*/ 88900 w 8102599"/>
+              <a:gd name="connsiteY1" fmla="*/ 88900 h 5803900"/>
+              <a:gd name="connsiteX2" fmla="*/ 546100 w 8102599"/>
+              <a:gd name="connsiteY2" fmla="*/ 12701 h 5803900"/>
+              <a:gd name="connsiteX3" fmla="*/ 7556500 w 8102599"/>
+              <a:gd name="connsiteY3" fmla="*/ 12700 h 5803900"/>
+              <a:gd name="connsiteX4" fmla="*/ 8013699 w 8102599"/>
+              <a:gd name="connsiteY4" fmla="*/ 88900 h 5803900"/>
+              <a:gd name="connsiteX5" fmla="*/ 8089899 w 8102599"/>
+              <a:gd name="connsiteY5" fmla="*/ 469900 h 5803900"/>
+              <a:gd name="connsiteX6" fmla="*/ 8089900 w 8102599"/>
+              <a:gd name="connsiteY6" fmla="*/ 5346700 h 5803900"/>
+              <a:gd name="connsiteX7" fmla="*/ 7807194 w 8102599"/>
+              <a:gd name="connsiteY7" fmla="*/ 5521194 h 5803900"/>
+              <a:gd name="connsiteX8" fmla="*/ 7632700 w 8102599"/>
+              <a:gd name="connsiteY8" fmla="*/ 5803900 h 5803900"/>
+              <a:gd name="connsiteX9" fmla="*/ 546100 w 8102599"/>
+              <a:gd name="connsiteY9" fmla="*/ 5803900 h 5803900"/>
+              <a:gd name="connsiteX10" fmla="*/ 88900 w 8102599"/>
+              <a:gd name="connsiteY10" fmla="*/ 5727700 h 5803900"/>
+              <a:gd name="connsiteX11" fmla="*/ 12700 w 8102599"/>
+              <a:gd name="connsiteY11" fmla="*/ 5346700 h 5803900"/>
+              <a:gd name="connsiteX12" fmla="*/ 12700 w 8102599"/>
+              <a:gd name="connsiteY12" fmla="*/ 546100 h 5803900"/>
+              <a:gd name="connsiteX0" fmla="*/ 12700 w 8102599"/>
+              <a:gd name="connsiteY0" fmla="*/ 546100 h 5803900"/>
+              <a:gd name="connsiteX1" fmla="*/ 88900 w 8102599"/>
+              <a:gd name="connsiteY1" fmla="*/ 88900 h 5803900"/>
+              <a:gd name="connsiteX2" fmla="*/ 546100 w 8102599"/>
+              <a:gd name="connsiteY2" fmla="*/ 12701 h 5803900"/>
+              <a:gd name="connsiteX3" fmla="*/ 7556500 w 8102599"/>
+              <a:gd name="connsiteY3" fmla="*/ 12700 h 5803900"/>
+              <a:gd name="connsiteX4" fmla="*/ 8013699 w 8102599"/>
+              <a:gd name="connsiteY4" fmla="*/ 88900 h 5803900"/>
+              <a:gd name="connsiteX5" fmla="*/ 8089899 w 8102599"/>
+              <a:gd name="connsiteY5" fmla="*/ 469900 h 5803900"/>
+              <a:gd name="connsiteX6" fmla="*/ 8089900 w 8102599"/>
+              <a:gd name="connsiteY6" fmla="*/ 5346700 h 5803900"/>
+              <a:gd name="connsiteX7" fmla="*/ 8013700 w 8102599"/>
+              <a:gd name="connsiteY7" fmla="*/ 5727700 h 5803900"/>
+              <a:gd name="connsiteX8" fmla="*/ 7632700 w 8102599"/>
+              <a:gd name="connsiteY8" fmla="*/ 5803900 h 5803900"/>
+              <a:gd name="connsiteX9" fmla="*/ 546100 w 8102599"/>
+              <a:gd name="connsiteY9" fmla="*/ 5803900 h 5803900"/>
+              <a:gd name="connsiteX10" fmla="*/ 88900 w 8102599"/>
+              <a:gd name="connsiteY10" fmla="*/ 5727700 h 5803900"/>
+              <a:gd name="connsiteX11" fmla="*/ 12700 w 8102599"/>
+              <a:gd name="connsiteY11" fmla="*/ 5346700 h 5803900"/>
+              <a:gd name="connsiteX12" fmla="*/ 12700 w 8102599"/>
+              <a:gd name="connsiteY12" fmla="*/ 546100 h 5803900"/>
+            </a:gdLst>
+            <a:ahLst/>
+            <a:cxnLst>
+              <a:cxn ang="0">
+                <a:pos x="connsiteX0" y="connsiteY0"/>
+              </a:cxn>
+              <a:cxn ang="0">
+                <a:pos x="connsiteX1" y="connsiteY1"/>
+              </a:cxn>
+              <a:cxn ang="0">
+                <a:pos x="connsiteX2" y="connsiteY2"/>
+              </a:cxn>
+              <a:cxn ang="0">
+                <a:pos x="connsiteX3" y="connsiteY3"/>
+              </a:cxn>
+              <a:cxn ang="0">
+                <a:pos x="connsiteX4" y="connsiteY4"/>
+              </a:cxn>
+              <a:cxn ang="0">
+                <a:pos x="connsiteX5" y="connsiteY5"/>
+              </a:cxn>
+              <a:cxn ang="0">
+                <a:pos x="connsiteX6" y="connsiteY6"/>
+              </a:cxn>
+              <a:cxn ang="0">
+                <a:pos x="connsiteX7" y="connsiteY7"/>
+              </a:cxn>
+              <a:cxn ang="0">
+                <a:pos x="connsiteX8" y="connsiteY8"/>
+              </a:cxn>
+              <a:cxn ang="0">
+                <a:pos x="connsiteX9" y="connsiteY9"/>
+              </a:cxn>
+              <a:cxn ang="0">
+                <a:pos x="connsiteX10" y="connsiteY10"/>
+              </a:cxn>
+              <a:cxn ang="0">
+                <a:pos x="connsiteX11" y="connsiteY11"/>
+              </a:cxn>
+              <a:cxn ang="0">
+                <a:pos x="connsiteX12" y="connsiteY12"/>
+              </a:cxn>
+            </a:cxnLst>
+            <a:rect l="l" t="t" r="r" b="b"/>
+            <a:pathLst>
+              <a:path w="8102599" h="5803900">
+                <a:moveTo>
+                  <a:pt x="12700" y="546100"/>
+                </a:moveTo>
+                <a:cubicBezTo>
+                  <a:pt x="12700" y="290108"/>
+                  <a:pt x="0" y="177800"/>
+                  <a:pt x="88900" y="88900"/>
+                </a:cubicBezTo>
+                <a:cubicBezTo>
+                  <a:pt x="177800" y="0"/>
+                  <a:pt x="290107" y="12700"/>
+                  <a:pt x="546100" y="12701"/>
+                </a:cubicBezTo>
+                <a:lnTo>
+                  <a:pt x="7556500" y="12700"/>
+                </a:lnTo>
+                <a:cubicBezTo>
+                  <a:pt x="7812492" y="12700"/>
+                  <a:pt x="7924799" y="12700"/>
+                  <a:pt x="8013699" y="88900"/>
+                </a:cubicBezTo>
+                <a:cubicBezTo>
+                  <a:pt x="8102599" y="165100"/>
+                  <a:pt x="8089900" y="213907"/>
+                  <a:pt x="8089899" y="469900"/>
+                </a:cubicBezTo>
+                <a:cubicBezTo>
+                  <a:pt x="8089899" y="1926160"/>
+                  <a:pt x="8089900" y="3890440"/>
+                  <a:pt x="8089900" y="5346700"/>
+                </a:cubicBezTo>
+                <a:cubicBezTo>
+                  <a:pt x="8089900" y="5602692"/>
+                  <a:pt x="8089900" y="5651500"/>
+                  <a:pt x="8013700" y="5727700"/>
+                </a:cubicBezTo>
+                <a:cubicBezTo>
+                  <a:pt x="7937500" y="5803900"/>
+                  <a:pt x="7888692" y="5803900"/>
+                  <a:pt x="7632700" y="5803900"/>
+                </a:cubicBezTo>
+                <a:lnTo>
+                  <a:pt x="546100" y="5803900"/>
+                </a:lnTo>
+                <a:cubicBezTo>
+                  <a:pt x="290108" y="5803900"/>
+                  <a:pt x="177800" y="5803900"/>
+                  <a:pt x="88900" y="5727700"/>
+                </a:cubicBezTo>
+                <a:cubicBezTo>
+                  <a:pt x="0" y="5651500"/>
+                  <a:pt x="12700" y="5602692"/>
+                  <a:pt x="12700" y="5346700"/>
+                </a:cubicBezTo>
+                <a:lnTo>
+                  <a:pt x="12700" y="546100"/>
+                </a:lnTo>
+                <a:close/>
+              </a:path>
+            </a:pathLst>
+          </a:custGeom>
+          <a:gradFill>
+            <a:gsLst>
+              <a:gs pos="0">
+                <a:schemeClr val="bg1">
+                  <a:lumMod val="50000"/>
+                </a:schemeClr>
+              </a:gs>
+              <a:gs pos="39999">
+                <a:schemeClr val="bg1">
+                  <a:lumMod val="65000"/>
+                </a:schemeClr>
+              </a:gs>
+              <a:gs pos="70000">
+                <a:schemeClr val="bg1">
+                  <a:lumMod val="50000"/>
+                  <a:alpha val="73000"/>
+                </a:schemeClr>
+              </a:gs>
+            </a:gsLst>
+            <a:lin ang="5400000" scaled="0"/>
+          </a:gradFill>
+          <a:ln>
+            <a:solidFill>
+              <a:schemeClr val="bg1">
+                <a:lumMod val="75000"/>
+              </a:schemeClr>
+            </a:solidFill>
+          </a:ln>
+        </p:spPr>
+        <p:style>
+          <a:lnRef idx="2">
+            <a:schemeClr val="accent1">
+              <a:shade val="50000"/>
+            </a:schemeClr>
+          </a:lnRef>
+          <a:fillRef idx="1">
+            <a:schemeClr val="accent1"/>
+          </a:fillRef>
+          <a:effectRef idx="0">
+            <a:schemeClr val="accent1"/>
+          </a:effectRef>
+          <a:fontRef idx="minor">
+            <a:schemeClr val="lt1"/>
+          </a:fontRef>
+        </p:style>
+        <p:txBody>
+          <a:bodyPr rtlCol="0" anchor="ctr"/>
+          <a:lstStyle/>
+          <a:p>
+            <a:pPr fontAlgn="t"/>
+            <a:endParaRPr lang="es-AR" b="1" dirty="0" smtClean="0"/>
+          </a:p>
+          <a:p>
+            <a:pPr algn="ctr"/>
+            <a:endParaRPr lang="es-AR" dirty="0"/>
+          </a:p>
+        </p:txBody>
+      </p:sp>
+      <p:sp>
+        <p:nvSpPr>
+          <p:cNvPr id="6" name="Round Same Side Corner Rectangle 5"/>
+          <p:cNvSpPr/>
+          <p:nvPr/>
+        </p:nvSpPr>
+        <p:spPr>
+          <a:xfrm rot="10800000">
+            <a:off x="1219200" y="544417"/>
+            <a:ext cx="6781800" cy="1741582"/>
+          </a:xfrm>
+          <a:prstGeom prst="round2SameRect">
+            <a:avLst/>
+          </a:prstGeom>
+        </p:spPr>
+        <p:style>
+          <a:lnRef idx="2">
+            <a:schemeClr val="dk1">
+              <a:shade val="50000"/>
+            </a:schemeClr>
+          </a:lnRef>
+          <a:fillRef idx="1">
+            <a:schemeClr val="dk1"/>
+          </a:fillRef>
+          <a:effectRef idx="0">
+            <a:schemeClr val="dk1"/>
+          </a:effectRef>
+          <a:fontRef idx="minor">
+            <a:schemeClr val="lt1"/>
+          </a:fontRef>
+        </p:style>
+        <p:txBody>
+          <a:bodyPr rtlCol="0" anchor="ctr"/>
+          <a:lstStyle/>
+          <a:p>
+            <a:pPr algn="ctr"/>
+            <a:endParaRPr lang="es-AR" dirty="0"/>
+          </a:p>
+        </p:txBody>
+      </p:sp>
+      <p:pic>
+        <p:nvPicPr>
+          <p:cNvPr id="1026" name="Picture 2" descr="E:\U.B.A.Files\Materias\75.45 Taller de Desarrollo de Proyectos I\TP\Trunk\Proyecto\web\site\images\logo.png"/>
+          <p:cNvPicPr>
+            <a:picLocks noChangeAspect="1" noChangeArrowheads="1"/>
+          </p:cNvPicPr>
+          <p:nvPr/>
+        </p:nvPicPr>
+        <p:blipFill>
+          <a:blip r:embed="rId2" cstate="print"/>
+          <a:srcRect/>
+          <a:stretch>
+            <a:fillRect/>
+          </a:stretch>
+        </p:blipFill>
+        <p:spPr bwMode="auto">
+          <a:xfrm>
+            <a:off x="1600200" y="913540"/>
+            <a:ext cx="2640904" cy="762000"/>
+          </a:xfrm>
+          <a:prstGeom prst="rect">
+            <a:avLst/>
+          </a:prstGeom>
+          <a:noFill/>
+        </p:spPr>
+      </p:pic>
+      <p:sp>
+        <p:nvSpPr>
+          <p:cNvPr id="7" name="TextBox 6"/>
+          <p:cNvSpPr txBox="1"/>
+          <p:nvPr/>
+        </p:nvSpPr>
+        <p:spPr>
+          <a:xfrm>
+            <a:off x="4343400" y="1001408"/>
+            <a:ext cx="3180743" cy="307777"/>
+          </a:xfrm>
+          <a:prstGeom prst="rect">
+            <a:avLst/>
+          </a:prstGeom>
+          <a:noFill/>
+        </p:spPr>
+        <p:txBody>
+          <a:bodyPr wrap="none" rtlCol="0">
+            <a:spAutoFit/>
+          </a:bodyPr>
+          <a:lstStyle/>
+          <a:p>
+            <a:r>
+              <a:rPr lang="es-AR" sz="1400" dirty="0" smtClean="0">
+                <a:solidFill>
+                  <a:schemeClr val="bg1">
+                    <a:lumMod val="50000"/>
+                  </a:schemeClr>
+                </a:solidFill>
+              </a:rPr>
+              <a:t>Centralización y análisis de datos</a:t>
+            </a:r>
+            <a:endParaRPr lang="es-AR" sz="1400" dirty="0">
+              <a:solidFill>
+                <a:schemeClr val="bg1">
+                  <a:lumMod val="50000"/>
+                </a:schemeClr>
+              </a:solidFill>
+            </a:endParaRPr>
+          </a:p>
+        </p:txBody>
+      </p:sp>
+      <p:sp>
+        <p:nvSpPr>
+          <p:cNvPr id="14" name="Rectangle 13"/>
+          <p:cNvSpPr/>
+          <p:nvPr/>
+        </p:nvSpPr>
+        <p:spPr>
+          <a:xfrm>
+            <a:off x="381000" y="2133600"/>
+            <a:ext cx="8458200" cy="1066800"/>
+          </a:xfrm>
+          <a:prstGeom prst="rect">
+            <a:avLst/>
+          </a:prstGeom>
+          <a:noFill/>
+          <a:ln>
+            <a:noFill/>
+          </a:ln>
+        </p:spPr>
+        <p:style>
+          <a:lnRef idx="2">
+            <a:schemeClr val="accent1">
+              <a:shade val="50000"/>
+            </a:schemeClr>
+          </a:lnRef>
+          <a:fillRef idx="1">
+            <a:schemeClr val="accent1"/>
+          </a:fillRef>
+          <a:effectRef idx="0">
+            <a:schemeClr val="accent1"/>
+          </a:effectRef>
+          <a:fontRef idx="minor">
+            <a:schemeClr val="lt1"/>
+          </a:fontRef>
+        </p:style>
+        <p:txBody>
+          <a:bodyPr rtlCol="0" anchor="ctr"/>
+          <a:lstStyle/>
+          <a:p>
+            <a:pPr algn="ctr"/>
+            <a:r>
+              <a:rPr lang="es-AR" sz="4800" b="1" dirty="0" smtClean="0"/>
+              <a:t>SVE </a:t>
+            </a:r>
+            <a:r>
+              <a:rPr lang="es-AR" sz="3600" b="1" dirty="0" smtClean="0"/>
+              <a:t>– </a:t>
+            </a:r>
+            <a:r>
+              <a:rPr lang="es-AR" sz="3600" b="1" dirty="0" err="1" smtClean="0"/>
+              <a:t>Scoring</a:t>
+            </a:r>
+            <a:r>
+              <a:rPr lang="es-AR" sz="3600" b="1" dirty="0" smtClean="0"/>
+              <a:t> Vehicular Estadístico</a:t>
+            </a:r>
+            <a:endParaRPr lang="es-AR" sz="1200" dirty="0"/>
+          </a:p>
+        </p:txBody>
+      </p:sp>
+      <p:sp>
+        <p:nvSpPr>
+          <p:cNvPr id="33" name="Rounded Rectangle 32"/>
+          <p:cNvSpPr/>
+          <p:nvPr/>
+        </p:nvSpPr>
+        <p:spPr>
+          <a:xfrm>
+            <a:off x="1219200" y="3200400"/>
+            <a:ext cx="1371600" cy="990600"/>
+          </a:xfrm>
+          <a:prstGeom prst="roundRect">
+            <a:avLst/>
+          </a:prstGeom>
+        </p:spPr>
+        <p:style>
+          <a:lnRef idx="2">
+            <a:schemeClr val="accent1">
+              <a:shade val="50000"/>
+            </a:schemeClr>
+          </a:lnRef>
+          <a:fillRef idx="1">
+            <a:schemeClr val="accent1"/>
+          </a:fillRef>
+          <a:effectRef idx="0">
+            <a:schemeClr val="accent1"/>
+          </a:effectRef>
+          <a:fontRef idx="minor">
+            <a:schemeClr val="lt1"/>
+          </a:fontRef>
+        </p:style>
+        <p:txBody>
+          <a:bodyPr rtlCol="0" anchor="ctr"/>
+          <a:lstStyle/>
+          <a:p>
+            <a:pPr algn="ctr"/>
+            <a:r>
+              <a:rPr lang="es-AR" sz="1600" dirty="0" smtClean="0"/>
+              <a:t>Conductores y vehículos</a:t>
+            </a:r>
+            <a:endParaRPr lang="es-AR" sz="1600" dirty="0"/>
+          </a:p>
+        </p:txBody>
+      </p:sp>
+      <p:sp>
+        <p:nvSpPr>
+          <p:cNvPr id="34" name="Rounded Rectangle 33"/>
+          <p:cNvSpPr/>
+          <p:nvPr/>
+        </p:nvSpPr>
+        <p:spPr>
+          <a:xfrm>
+            <a:off x="1219200" y="4648200"/>
+            <a:ext cx="1371600" cy="1412175"/>
+          </a:xfrm>
+          <a:prstGeom prst="roundRect">
+            <a:avLst/>
+          </a:prstGeom>
+        </p:spPr>
+        <p:style>
+          <a:lnRef idx="2">
+            <a:schemeClr val="accent1">
+              <a:shade val="50000"/>
+            </a:schemeClr>
+          </a:lnRef>
+          <a:fillRef idx="1">
+            <a:schemeClr val="accent1"/>
+          </a:fillRef>
+          <a:effectRef idx="0">
+            <a:schemeClr val="accent1"/>
+          </a:effectRef>
+          <a:fontRef idx="minor">
+            <a:schemeClr val="lt1"/>
+          </a:fontRef>
+        </p:style>
+        <p:txBody>
+          <a:bodyPr rtlCol="0" anchor="ctr"/>
+          <a:lstStyle/>
+          <a:p>
+            <a:pPr algn="ctr"/>
+            <a:r>
+              <a:rPr lang="es-AR" sz="1600" dirty="0" smtClean="0"/>
+              <a:t>Fuentes publicas  y privadas</a:t>
+            </a:r>
+            <a:endParaRPr lang="es-AR" sz="1600" dirty="0"/>
+          </a:p>
+        </p:txBody>
+      </p:sp>
+      <p:sp>
+        <p:nvSpPr>
+          <p:cNvPr id="78" name="Rounded Rectangle 77"/>
+          <p:cNvSpPr/>
+          <p:nvPr/>
+        </p:nvSpPr>
+        <p:spPr>
+          <a:xfrm>
+            <a:off x="3200400" y="2971800"/>
+            <a:ext cx="2590800" cy="3124200"/>
+          </a:xfrm>
+          <a:prstGeom prst="roundRect">
+            <a:avLst/>
+          </a:prstGeom>
+        </p:spPr>
+        <p:style>
+          <a:lnRef idx="2">
+            <a:schemeClr val="accent1">
+              <a:shade val="50000"/>
+            </a:schemeClr>
+          </a:lnRef>
+          <a:fillRef idx="1">
+            <a:schemeClr val="accent1"/>
+          </a:fillRef>
+          <a:effectRef idx="0">
+            <a:schemeClr val="accent1"/>
+          </a:effectRef>
+          <a:fontRef idx="minor">
+            <a:schemeClr val="lt1"/>
+          </a:fontRef>
+        </p:style>
+        <p:txBody>
+          <a:bodyPr rtlCol="0" anchor="ctr"/>
+          <a:lstStyle/>
+          <a:p>
+            <a:pPr algn="ctr"/>
+            <a:endParaRPr lang="es-AR"/>
+          </a:p>
+        </p:txBody>
+      </p:sp>
+      <p:sp>
+        <p:nvSpPr>
+          <p:cNvPr id="35" name="Rounded Rectangle 34"/>
+          <p:cNvSpPr/>
+          <p:nvPr/>
+        </p:nvSpPr>
+        <p:spPr>
+          <a:xfrm>
+            <a:off x="3733800" y="3200400"/>
+            <a:ext cx="1600200" cy="609600"/>
+          </a:xfrm>
+          <a:prstGeom prst="roundRect">
+            <a:avLst/>
+          </a:prstGeom>
+        </p:spPr>
+        <p:style>
+          <a:lnRef idx="2">
+            <a:schemeClr val="accent1">
+              <a:shade val="50000"/>
+            </a:schemeClr>
+          </a:lnRef>
+          <a:fillRef idx="1">
+            <a:schemeClr val="accent1"/>
+          </a:fillRef>
+          <a:effectRef idx="0">
+            <a:schemeClr val="accent1"/>
+          </a:effectRef>
+          <a:fontRef idx="minor">
+            <a:schemeClr val="lt1"/>
+          </a:fontRef>
+        </p:style>
+        <p:txBody>
+          <a:bodyPr rtlCol="0" anchor="ctr"/>
+          <a:lstStyle/>
+          <a:p>
+            <a:r>
+              <a:rPr lang="es-AR" dirty="0" smtClean="0"/>
+              <a:t>    Perfil</a:t>
+            </a:r>
+            <a:endParaRPr lang="es-AR" dirty="0"/>
+          </a:p>
+        </p:txBody>
+      </p:sp>
+      <p:sp>
+        <p:nvSpPr>
+          <p:cNvPr id="36" name="Rounded Rectangle 35"/>
+          <p:cNvSpPr/>
+          <p:nvPr/>
+        </p:nvSpPr>
+        <p:spPr>
+          <a:xfrm>
+            <a:off x="3733800" y="5334000"/>
+            <a:ext cx="1600200" cy="609600"/>
+          </a:xfrm>
+          <a:prstGeom prst="roundRect">
+            <a:avLst/>
+          </a:prstGeom>
+        </p:spPr>
+        <p:style>
+          <a:lnRef idx="2">
+            <a:schemeClr val="accent1">
+              <a:shade val="50000"/>
+            </a:schemeClr>
+          </a:lnRef>
+          <a:fillRef idx="1">
+            <a:schemeClr val="accent1"/>
+          </a:fillRef>
+          <a:effectRef idx="0">
+            <a:schemeClr val="accent1"/>
+          </a:effectRef>
+          <a:fontRef idx="minor">
+            <a:schemeClr val="lt1"/>
+          </a:fontRef>
+        </p:style>
+        <p:txBody>
+          <a:bodyPr rtlCol="0" anchor="ctr"/>
+          <a:lstStyle/>
+          <a:p>
+            <a:pPr algn="ctr"/>
+            <a:r>
+              <a:rPr lang="es-AR" dirty="0" smtClean="0"/>
+              <a:t>Antecedentes</a:t>
+            </a:r>
+            <a:endParaRPr lang="es-AR" dirty="0"/>
+          </a:p>
+        </p:txBody>
+      </p:sp>
+      <p:sp>
+        <p:nvSpPr>
+          <p:cNvPr id="37" name="Rounded Rectangle 36"/>
+          <p:cNvSpPr/>
+          <p:nvPr/>
+        </p:nvSpPr>
+        <p:spPr>
+          <a:xfrm>
+            <a:off x="3505200" y="4267200"/>
+            <a:ext cx="1905000" cy="609600"/>
+          </a:xfrm>
+          <a:prstGeom prst="roundRect">
+            <a:avLst/>
+          </a:prstGeom>
+        </p:spPr>
+        <p:style>
+          <a:lnRef idx="2">
+            <a:schemeClr val="accent1">
+              <a:shade val="50000"/>
+            </a:schemeClr>
+          </a:lnRef>
+          <a:fillRef idx="1">
+            <a:schemeClr val="accent1"/>
+          </a:fillRef>
+          <a:effectRef idx="0">
+            <a:schemeClr val="accent1"/>
+          </a:effectRef>
+          <a:fontRef idx="minor">
+            <a:schemeClr val="lt1"/>
+          </a:fontRef>
+        </p:style>
+        <p:txBody>
+          <a:bodyPr rtlCol="0" anchor="ctr"/>
+          <a:lstStyle/>
+          <a:p>
+            <a:r>
+              <a:rPr lang="es-AR" dirty="0" smtClean="0"/>
+              <a:t>Análisis experto</a:t>
+            </a:r>
+            <a:endParaRPr lang="es-AR" dirty="0"/>
+          </a:p>
+        </p:txBody>
+      </p:sp>
+      <p:sp>
+        <p:nvSpPr>
+          <p:cNvPr id="38" name="Rounded Rectangle 37"/>
+          <p:cNvSpPr/>
+          <p:nvPr/>
+        </p:nvSpPr>
+        <p:spPr>
+          <a:xfrm>
+            <a:off x="6172200" y="3200400"/>
+            <a:ext cx="1905000" cy="2743200"/>
+          </a:xfrm>
+          <a:prstGeom prst="roundRect">
+            <a:avLst/>
+          </a:prstGeom>
+        </p:spPr>
+        <p:style>
+          <a:lnRef idx="2">
+            <a:schemeClr val="accent1">
+              <a:shade val="50000"/>
+            </a:schemeClr>
+          </a:lnRef>
+          <a:fillRef idx="1">
+            <a:schemeClr val="accent1"/>
+          </a:fillRef>
+          <a:effectRef idx="0">
+            <a:schemeClr val="accent1"/>
+          </a:effectRef>
+          <a:fontRef idx="minor">
+            <a:schemeClr val="lt1"/>
+          </a:fontRef>
+        </p:style>
+        <p:txBody>
+          <a:bodyPr rtlCol="0" anchor="t"/>
+          <a:lstStyle/>
+          <a:p>
+            <a:pPr algn="ctr"/>
+            <a:r>
+              <a:rPr lang="es-AR" dirty="0" smtClean="0"/>
+              <a:t>Informe de riesgos</a:t>
+            </a:r>
+            <a:endParaRPr lang="es-AR" dirty="0"/>
+          </a:p>
+        </p:txBody>
+      </p:sp>
+      <p:cxnSp>
+        <p:nvCxnSpPr>
+          <p:cNvPr id="41" name="Straight Arrow Connector 40"/>
+          <p:cNvCxnSpPr>
+            <a:stCxn id="33" idx="3"/>
+            <a:endCxn id="35" idx="1"/>
+          </p:cNvCxnSpPr>
+          <p:nvPr/>
+        </p:nvCxnSpPr>
+        <p:spPr>
+          <a:xfrm flipV="1">
+            <a:off x="2590800" y="3505200"/>
+            <a:ext cx="1143000" cy="190500"/>
+          </a:xfrm>
+          <a:prstGeom prst="straightConnector1">
+            <a:avLst/>
+          </a:prstGeom>
+          <a:ln>
+            <a:solidFill>
+              <a:schemeClr val="bg1"/>
+            </a:solidFill>
+            <a:tailEnd type="arrow"/>
+          </a:ln>
+        </p:spPr>
+        <p:style>
+          <a:lnRef idx="3">
+            <a:schemeClr val="accent1"/>
+          </a:lnRef>
+          <a:fillRef idx="0">
+            <a:schemeClr val="accent1"/>
+          </a:fillRef>
+          <a:effectRef idx="2">
+            <a:schemeClr val="accent1"/>
+          </a:effectRef>
+          <a:fontRef idx="minor">
+            <a:schemeClr val="tx1"/>
+          </a:fontRef>
+        </p:style>
+      </p:cxnSp>
+      <p:cxnSp>
+        <p:nvCxnSpPr>
+          <p:cNvPr id="43" name="Straight Arrow Connector 42"/>
+          <p:cNvCxnSpPr>
+            <a:stCxn id="34" idx="3"/>
+            <a:endCxn id="36" idx="1"/>
+          </p:cNvCxnSpPr>
+          <p:nvPr/>
+        </p:nvCxnSpPr>
+        <p:spPr>
+          <a:xfrm>
+            <a:off x="2590800" y="5354288"/>
+            <a:ext cx="1143000" cy="284512"/>
+          </a:xfrm>
+          <a:prstGeom prst="straightConnector1">
+            <a:avLst/>
+          </a:prstGeom>
+          <a:ln>
+            <a:solidFill>
+              <a:schemeClr val="bg1"/>
+            </a:solidFill>
+            <a:tailEnd type="arrow"/>
+          </a:ln>
+        </p:spPr>
+        <p:style>
+          <a:lnRef idx="3">
+            <a:schemeClr val="accent1"/>
+          </a:lnRef>
+          <a:fillRef idx="0">
+            <a:schemeClr val="accent1"/>
+          </a:fillRef>
+          <a:effectRef idx="2">
+            <a:schemeClr val="accent1"/>
+          </a:effectRef>
+          <a:fontRef idx="minor">
+            <a:schemeClr val="tx1"/>
+          </a:fontRef>
+        </p:style>
+      </p:cxnSp>
+      <p:sp>
+        <p:nvSpPr>
+          <p:cNvPr id="57" name="Cross 56"/>
+          <p:cNvSpPr/>
+          <p:nvPr/>
+        </p:nvSpPr>
+        <p:spPr>
+          <a:xfrm>
+            <a:off x="4343400" y="3886200"/>
+            <a:ext cx="304800" cy="304800"/>
+          </a:xfrm>
+          <a:prstGeom prst="plus">
+            <a:avLst/>
+          </a:prstGeom>
+          <a:solidFill>
+            <a:schemeClr val="bg1">
+              <a:lumMod val="85000"/>
+            </a:schemeClr>
+          </a:solidFill>
+          <a:ln>
+            <a:solidFill>
+              <a:schemeClr val="bg1"/>
+            </a:solidFill>
+          </a:ln>
+        </p:spPr>
+        <p:style>
+          <a:lnRef idx="2">
+            <a:schemeClr val="accent1">
+              <a:shade val="50000"/>
+            </a:schemeClr>
+          </a:lnRef>
+          <a:fillRef idx="1">
+            <a:schemeClr val="accent1"/>
+          </a:fillRef>
+          <a:effectRef idx="0">
+            <a:schemeClr val="accent1"/>
+          </a:effectRef>
+          <a:fontRef idx="minor">
+            <a:schemeClr val="lt1"/>
+          </a:fontRef>
+        </p:style>
+        <p:txBody>
+          <a:bodyPr rtlCol="0" anchor="ctr"/>
+          <a:lstStyle/>
+          <a:p>
+            <a:pPr algn="ctr"/>
+            <a:endParaRPr lang="es-AR"/>
+          </a:p>
+        </p:txBody>
+      </p:sp>
+      <p:sp>
+        <p:nvSpPr>
+          <p:cNvPr id="58" name="Cross 57"/>
+          <p:cNvSpPr/>
+          <p:nvPr/>
+        </p:nvSpPr>
+        <p:spPr>
+          <a:xfrm>
+            <a:off x="4343400" y="4953000"/>
+            <a:ext cx="304800" cy="304800"/>
+          </a:xfrm>
+          <a:prstGeom prst="plus">
+            <a:avLst/>
+          </a:prstGeom>
+          <a:solidFill>
+            <a:schemeClr val="bg1">
+              <a:lumMod val="85000"/>
+            </a:schemeClr>
+          </a:solidFill>
+          <a:ln>
+            <a:solidFill>
+              <a:schemeClr val="bg1"/>
+            </a:solidFill>
+          </a:ln>
+        </p:spPr>
+        <p:style>
+          <a:lnRef idx="2">
+            <a:schemeClr val="accent1">
+              <a:shade val="50000"/>
+            </a:schemeClr>
+          </a:lnRef>
+          <a:fillRef idx="1">
+            <a:schemeClr val="accent1"/>
+          </a:fillRef>
+          <a:effectRef idx="0">
+            <a:schemeClr val="accent1"/>
+          </a:effectRef>
+          <a:fontRef idx="minor">
+            <a:schemeClr val="lt1"/>
+          </a:fontRef>
+        </p:style>
+        <p:txBody>
+          <a:bodyPr rtlCol="0" anchor="ctr"/>
+          <a:lstStyle/>
+          <a:p>
+            <a:pPr algn="ctr"/>
+            <a:endParaRPr lang="es-AR"/>
+          </a:p>
+        </p:txBody>
+      </p:sp>
+      <p:pic>
+        <p:nvPicPr>
+          <p:cNvPr id="17410" name="Picture 2" descr="C:\Users\Jerico\Desktop\1197115544208915882acspike_male_user_icon.svg.hi.png"/>
+          <p:cNvPicPr>
+            <a:picLocks noChangeAspect="1" noChangeArrowheads="1"/>
+          </p:cNvPicPr>
+          <p:nvPr/>
+        </p:nvPicPr>
+        <p:blipFill>
+          <a:blip r:embed="rId3" cstate="print"/>
+          <a:srcRect/>
+          <a:stretch>
+            <a:fillRect/>
+          </a:stretch>
+        </p:blipFill>
+        <p:spPr bwMode="auto">
+          <a:xfrm>
+            <a:off x="3810000" y="3276600"/>
+            <a:ext cx="457869" cy="434975"/>
+          </a:xfrm>
+          <a:prstGeom prst="rect">
+            <a:avLst/>
+          </a:prstGeom>
+          <a:noFill/>
+        </p:spPr>
+      </p:pic>
+      <p:pic>
+        <p:nvPicPr>
+          <p:cNvPr id="17411" name="Picture 3" descr="C:\Users\Jerico\Desktop\investigador1.jpg"/>
+          <p:cNvPicPr>
+            <a:picLocks noChangeAspect="1" noChangeArrowheads="1"/>
+          </p:cNvPicPr>
+          <p:nvPr/>
+        </p:nvPicPr>
+        <p:blipFill>
+          <a:blip r:embed="rId4" cstate="print">
+            <a:clrChange>
+              <a:clrFrom>
+                <a:srgbClr val="FFFFFF"/>
+              </a:clrFrom>
+              <a:clrTo>
+                <a:srgbClr val="FFFFFF">
+                  <a:alpha val="0"/>
+                </a:srgbClr>
+              </a:clrTo>
+            </a:clrChange>
+          </a:blip>
+          <a:srcRect/>
+          <a:stretch>
+            <a:fillRect/>
+          </a:stretch>
+        </p:blipFill>
+        <p:spPr bwMode="auto">
+          <a:xfrm>
+            <a:off x="3429000" y="5181600"/>
+            <a:ext cx="899160" cy="709863"/>
+          </a:xfrm>
+          <a:prstGeom prst="rect">
+            <a:avLst/>
+          </a:prstGeom>
+          <a:noFill/>
+        </p:spPr>
+      </p:pic>
+      <p:pic>
+        <p:nvPicPr>
+          <p:cNvPr id="17412" name="Picture 4" descr="C:\Users\Jerico\Desktop\concepto-de-analisis.jpg"/>
+          <p:cNvPicPr>
+            <a:picLocks noChangeAspect="1" noChangeArrowheads="1"/>
+          </p:cNvPicPr>
+          <p:nvPr/>
+        </p:nvPicPr>
+        <p:blipFill>
+          <a:blip r:embed="rId5" cstate="print"/>
+          <a:srcRect/>
+          <a:stretch>
+            <a:fillRect/>
+          </a:stretch>
+        </p:blipFill>
+        <p:spPr bwMode="auto">
+          <a:xfrm>
+            <a:off x="5105400" y="4191000"/>
+            <a:ext cx="533400" cy="720864"/>
+          </a:xfrm>
+          <a:prstGeom prst="rect">
+            <a:avLst/>
+          </a:prstGeom>
+          <a:noFill/>
+        </p:spPr>
+      </p:pic>
+      <p:pic>
+        <p:nvPicPr>
+          <p:cNvPr id="17413" name="Picture 5" descr="C:\Users\Jerico\Desktop\b_open_port_reports.gif"/>
+          <p:cNvPicPr>
+            <a:picLocks noChangeAspect="1" noChangeArrowheads="1"/>
+          </p:cNvPicPr>
+          <p:nvPr/>
+        </p:nvPicPr>
+        <p:blipFill>
+          <a:blip r:embed="rId6" cstate="print"/>
+          <a:srcRect/>
+          <a:stretch>
+            <a:fillRect/>
+          </a:stretch>
+        </p:blipFill>
+        <p:spPr bwMode="auto">
+          <a:xfrm>
+            <a:off x="6400800" y="3962400"/>
+            <a:ext cx="1524000" cy="1843872"/>
+          </a:xfrm>
+          <a:prstGeom prst="rect">
+            <a:avLst/>
+          </a:prstGeom>
+          <a:noFill/>
+        </p:spPr>
+      </p:pic>
+      <p:pic>
+        <p:nvPicPr>
+          <p:cNvPr id="17414" name="Picture 6" descr="C:\Users\Jerico\Desktop\Informacion Publica.jpg"/>
+          <p:cNvPicPr>
+            <a:picLocks noChangeAspect="1" noChangeArrowheads="1"/>
+          </p:cNvPicPr>
+          <p:nvPr/>
+        </p:nvPicPr>
+        <p:blipFill>
+          <a:blip r:embed="rId7" cstate="print"/>
+          <a:srcRect/>
+          <a:stretch>
+            <a:fillRect/>
+          </a:stretch>
+        </p:blipFill>
+        <p:spPr bwMode="auto">
+          <a:xfrm>
+            <a:off x="762000" y="4648200"/>
+            <a:ext cx="638175" cy="638175"/>
+          </a:xfrm>
+          <a:prstGeom prst="rect">
+            <a:avLst/>
+          </a:prstGeom>
+          <a:noFill/>
+        </p:spPr>
+      </p:pic>
+      <p:pic>
+        <p:nvPicPr>
+          <p:cNvPr id="17415" name="Picture 7" descr="C:\Users\Jerico\Desktop\informacion privada.jpg"/>
+          <p:cNvPicPr>
+            <a:picLocks noChangeAspect="1" noChangeArrowheads="1"/>
+          </p:cNvPicPr>
+          <p:nvPr/>
+        </p:nvPicPr>
+        <p:blipFill>
+          <a:blip r:embed="rId8" cstate="print">
+            <a:clrChange>
+              <a:clrFrom>
+                <a:srgbClr val="FFFFFF"/>
+              </a:clrFrom>
+              <a:clrTo>
+                <a:srgbClr val="FFFFFF">
+                  <a:alpha val="0"/>
+                </a:srgbClr>
+              </a:clrTo>
+            </a:clrChange>
+          </a:blip>
+          <a:srcRect/>
+          <a:stretch>
+            <a:fillRect/>
+          </a:stretch>
+        </p:blipFill>
+        <p:spPr bwMode="auto">
+          <a:xfrm>
+            <a:off x="2133600" y="5410200"/>
+            <a:ext cx="1168400" cy="930504"/>
+          </a:xfrm>
+          <a:prstGeom prst="rect">
+            <a:avLst/>
+          </a:prstGeom>
+          <a:noFill/>
+        </p:spPr>
+      </p:pic>
+      <p:pic>
+        <p:nvPicPr>
+          <p:cNvPr id="17416" name="Picture 8" descr="C:\Users\Jerico\Desktop\risk.jpg"/>
+          <p:cNvPicPr>
+            <a:picLocks noChangeAspect="1" noChangeArrowheads="1"/>
+          </p:cNvPicPr>
+          <p:nvPr/>
+        </p:nvPicPr>
+        <p:blipFill>
+          <a:blip r:embed="rId9" cstate="print">
+            <a:clrChange>
+              <a:clrFrom>
+                <a:srgbClr val="FFFFFF"/>
+              </a:clrFrom>
+              <a:clrTo>
+                <a:srgbClr val="FFFFFF">
+                  <a:alpha val="0"/>
+                </a:srgbClr>
+              </a:clrTo>
+            </a:clrChange>
+          </a:blip>
+          <a:srcRect/>
+          <a:stretch>
+            <a:fillRect/>
+          </a:stretch>
+        </p:blipFill>
+        <p:spPr bwMode="auto">
+          <a:xfrm>
+            <a:off x="6400800" y="4495800"/>
+            <a:ext cx="1299143" cy="1295400"/>
+          </a:xfrm>
+          <a:prstGeom prst="rect">
+            <a:avLst/>
+          </a:prstGeom>
+          <a:noFill/>
+        </p:spPr>
+      </p:pic>
+      <p:pic>
+        <p:nvPicPr>
+          <p:cNvPr id="17417" name="Picture 9" descr="C:\Users\Jerico\Desktop\F1giancarlofisichellahelmet.jpg"/>
+          <p:cNvPicPr>
+            <a:picLocks noChangeAspect="1" noChangeArrowheads="1"/>
+          </p:cNvPicPr>
+          <p:nvPr/>
+        </p:nvPicPr>
+        <p:blipFill>
+          <a:blip r:embed="rId10" cstate="print">
+            <a:clrChange>
+              <a:clrFrom>
+                <a:srgbClr val="FBF6FC"/>
+              </a:clrFrom>
+              <a:clrTo>
+                <a:srgbClr val="FBF6FC">
+                  <a:alpha val="0"/>
+                </a:srgbClr>
+              </a:clrTo>
+            </a:clrChange>
+          </a:blip>
+          <a:srcRect/>
+          <a:stretch>
+            <a:fillRect/>
+          </a:stretch>
+        </p:blipFill>
+        <p:spPr bwMode="auto">
+          <a:xfrm>
+            <a:off x="838200" y="2895600"/>
+            <a:ext cx="685800" cy="681990"/>
+          </a:xfrm>
+          <a:prstGeom prst="rect">
+            <a:avLst/>
+          </a:prstGeom>
+          <a:noFill/>
+        </p:spPr>
+      </p:pic>
+      <p:pic>
+        <p:nvPicPr>
+          <p:cNvPr id="17418" name="Picture 10" descr="C:\Users\Jerico\Desktop\car.jpg"/>
+          <p:cNvPicPr>
+            <a:picLocks noChangeAspect="1" noChangeArrowheads="1"/>
+          </p:cNvPicPr>
+          <p:nvPr/>
+        </p:nvPicPr>
+        <p:blipFill>
+          <a:blip r:embed="rId11" cstate="print">
+            <a:clrChange>
+              <a:clrFrom>
+                <a:srgbClr val="FFFFFF"/>
+              </a:clrFrom>
+              <a:clrTo>
+                <a:srgbClr val="FFFFFF">
+                  <a:alpha val="0"/>
+                </a:srgbClr>
+              </a:clrTo>
+            </a:clrChange>
+          </a:blip>
+          <a:srcRect/>
+          <a:stretch>
+            <a:fillRect/>
+          </a:stretch>
+        </p:blipFill>
+        <p:spPr bwMode="auto">
+          <a:xfrm>
+            <a:off x="1752600" y="3733800"/>
+            <a:ext cx="1237013" cy="952500"/>
+          </a:xfrm>
+          <a:prstGeom prst="rect">
+            <a:avLst/>
+          </a:prstGeom>
+          <a:noFill/>
+        </p:spPr>
+      </p:pic>
+      <p:cxnSp>
+        <p:nvCxnSpPr>
+          <p:cNvPr id="81" name="Straight Arrow Connector 80"/>
+          <p:cNvCxnSpPr>
+            <a:stCxn id="78" idx="3"/>
+            <a:endCxn id="38" idx="1"/>
+          </p:cNvCxnSpPr>
+          <p:nvPr/>
+        </p:nvCxnSpPr>
+        <p:spPr>
+          <a:xfrm>
+            <a:off x="5791200" y="4533900"/>
+            <a:ext cx="381000" cy="38100"/>
+          </a:xfrm>
+          <a:prstGeom prst="straightConnector1">
+            <a:avLst/>
+          </a:prstGeom>
+          <a:ln cmpd="dbl">
+            <a:solidFill>
+              <a:schemeClr val="bg1">
+                <a:lumMod val="95000"/>
+              </a:schemeClr>
+            </a:solidFill>
+            <a:tailEnd type="arrow"/>
+          </a:ln>
+        </p:spPr>
+        <p:style>
+          <a:lnRef idx="3">
+            <a:schemeClr val="accent1"/>
+          </a:lnRef>
+          <a:fillRef idx="0">
+            <a:schemeClr val="accent1"/>
+          </a:fillRef>
+          <a:effectRef idx="2">
+            <a:schemeClr val="accent1"/>
+          </a:effectRef>
+          <a:fontRef idx="minor">
+            <a:schemeClr val="tx1"/>
+          </a:fontRef>
+        </p:style>
+      </p:cxnSp>
     </p:spTree>
   </p:cSld>
   <p:clrMapOvr>

--- a/Presentacion/Comercial/Presentacion Comercial.pptx
+++ b/Presentacion/Comercial/Presentacion Comercial.pptx
@@ -4,6 +4,9 @@
   <p:sldMasterIdLst>
     <p:sldMasterId id="2147484416" r:id="rId1"/>
   </p:sldMasterIdLst>
+  <p:notesMasterIdLst>
+    <p:notesMasterId r:id="rId12"/>
+  </p:notesMasterIdLst>
   <p:sldIdLst>
     <p:sldId id="256" r:id="rId2"/>
     <p:sldId id="257" r:id="rId3"/>
@@ -11,6 +14,10 @@
     <p:sldId id="259" r:id="rId5"/>
     <p:sldId id="260" r:id="rId6"/>
     <p:sldId id="261" r:id="rId7"/>
+    <p:sldId id="263" r:id="rId8"/>
+    <p:sldId id="264" r:id="rId9"/>
+    <p:sldId id="262" r:id="rId10"/>
+    <p:sldId id="265" r:id="rId11"/>
   </p:sldIdLst>
   <p:sldSz cx="9144000" cy="6858000" type="screen4x3"/>
   <p:notesSz cx="6858000" cy="9144000"/>
@@ -110,6 +117,515 @@
     </a:lvl9pPr>
   </p:defaultTextStyle>
 </p:presentation>
+</file>
+
+<file path=ppt/notesMasters/notesMaster1.xml><?xml version="1.0" encoding="utf-8"?>
+<p:notesMaster xmlns:a="http://schemas.openxmlformats.org/drawingml/2006/main" xmlns:r="http://schemas.openxmlformats.org/officeDocument/2006/relationships" xmlns:p="http://schemas.openxmlformats.org/presentationml/2006/main">
+  <p:cSld>
+    <p:bg>
+      <p:bgRef idx="1001">
+        <a:schemeClr val="bg1"/>
+      </p:bgRef>
+    </p:bg>
+    <p:spTree>
+      <p:nvGrpSpPr>
+        <p:cNvPr id="1" name=""/>
+        <p:cNvGrpSpPr/>
+        <p:nvPr/>
+      </p:nvGrpSpPr>
+      <p:grpSpPr>
+        <a:xfrm>
+          <a:off x="0" y="0"/>
+          <a:ext cx="0" cy="0"/>
+          <a:chOff x="0" y="0"/>
+          <a:chExt cx="0" cy="0"/>
+        </a:xfrm>
+      </p:grpSpPr>
+      <p:sp>
+        <p:nvSpPr>
+          <p:cNvPr id="2" name="Header Placeholder 1"/>
+          <p:cNvSpPr>
+            <a:spLocks noGrp="1"/>
+          </p:cNvSpPr>
+          <p:nvPr>
+            <p:ph type="hdr" sz="quarter"/>
+          </p:nvPr>
+        </p:nvSpPr>
+        <p:spPr>
+          <a:xfrm>
+            <a:off x="0" y="0"/>
+            <a:ext cx="2971800" cy="457200"/>
+          </a:xfrm>
+          <a:prstGeom prst="rect">
+            <a:avLst/>
+          </a:prstGeom>
+        </p:spPr>
+        <p:txBody>
+          <a:bodyPr vert="horz" lIns="91440" tIns="45720" rIns="91440" bIns="45720" rtlCol="0"/>
+          <a:lstStyle>
+            <a:lvl1pPr algn="l">
+              <a:defRPr sz="1200"/>
+            </a:lvl1pPr>
+          </a:lstStyle>
+          <a:p>
+            <a:endParaRPr lang="es-AR"/>
+          </a:p>
+        </p:txBody>
+      </p:sp>
+      <p:sp>
+        <p:nvSpPr>
+          <p:cNvPr id="3" name="Date Placeholder 2"/>
+          <p:cNvSpPr>
+            <a:spLocks noGrp="1"/>
+          </p:cNvSpPr>
+          <p:nvPr>
+            <p:ph type="dt" idx="1"/>
+          </p:nvPr>
+        </p:nvSpPr>
+        <p:spPr>
+          <a:xfrm>
+            <a:off x="3884613" y="0"/>
+            <a:ext cx="2971800" cy="457200"/>
+          </a:xfrm>
+          <a:prstGeom prst="rect">
+            <a:avLst/>
+          </a:prstGeom>
+        </p:spPr>
+        <p:txBody>
+          <a:bodyPr vert="horz" lIns="91440" tIns="45720" rIns="91440" bIns="45720" rtlCol="0"/>
+          <a:lstStyle>
+            <a:lvl1pPr algn="r">
+              <a:defRPr sz="1200"/>
+            </a:lvl1pPr>
+          </a:lstStyle>
+          <a:p>
+            <a:fld id="{9763C9BB-72E2-4283-8DE8-50E875797B7C}" type="datetimeFigureOut">
+              <a:rPr lang="es-AR" smtClean="0"/>
+              <a:t>20/06/2011</a:t>
+            </a:fld>
+            <a:endParaRPr lang="es-AR"/>
+          </a:p>
+        </p:txBody>
+      </p:sp>
+      <p:sp>
+        <p:nvSpPr>
+          <p:cNvPr id="4" name="Slide Image Placeholder 3"/>
+          <p:cNvSpPr>
+            <a:spLocks noGrp="1" noRot="1" noChangeAspect="1"/>
+          </p:cNvSpPr>
+          <p:nvPr>
+            <p:ph type="sldImg" idx="2"/>
+          </p:nvPr>
+        </p:nvSpPr>
+        <p:spPr>
+          <a:xfrm>
+            <a:off x="1143000" y="685800"/>
+            <a:ext cx="4572000" cy="3429000"/>
+          </a:xfrm>
+          <a:prstGeom prst="rect">
+            <a:avLst/>
+          </a:prstGeom>
+          <a:noFill/>
+          <a:ln w="12700">
+            <a:solidFill>
+              <a:prstClr val="black"/>
+            </a:solidFill>
+          </a:ln>
+        </p:spPr>
+        <p:txBody>
+          <a:bodyPr vert="horz" lIns="91440" tIns="45720" rIns="91440" bIns="45720" rtlCol="0" anchor="ctr"/>
+          <a:lstStyle/>
+          <a:p>
+            <a:endParaRPr lang="es-AR"/>
+          </a:p>
+        </p:txBody>
+      </p:sp>
+      <p:sp>
+        <p:nvSpPr>
+          <p:cNvPr id="5" name="Notes Placeholder 4"/>
+          <p:cNvSpPr>
+            <a:spLocks noGrp="1"/>
+          </p:cNvSpPr>
+          <p:nvPr>
+            <p:ph type="body" sz="quarter" idx="3"/>
+          </p:nvPr>
+        </p:nvSpPr>
+        <p:spPr>
+          <a:xfrm>
+            <a:off x="685800" y="4343400"/>
+            <a:ext cx="5486400" cy="4114800"/>
+          </a:xfrm>
+          <a:prstGeom prst="rect">
+            <a:avLst/>
+          </a:prstGeom>
+        </p:spPr>
+        <p:txBody>
+          <a:bodyPr vert="horz" lIns="91440" tIns="45720" rIns="91440" bIns="45720" rtlCol="0">
+            <a:normAutofit/>
+          </a:bodyPr>
+          <a:lstStyle/>
+          <a:p>
+            <a:pPr lvl="0"/>
+            <a:r>
+              <a:rPr lang="en-US" smtClean="0"/>
+              <a:t>Click to edit Master text styles</a:t>
+            </a:r>
+          </a:p>
+          <a:p>
+            <a:pPr lvl="1"/>
+            <a:r>
+              <a:rPr lang="en-US" smtClean="0"/>
+              <a:t>Second level</a:t>
+            </a:r>
+          </a:p>
+          <a:p>
+            <a:pPr lvl="2"/>
+            <a:r>
+              <a:rPr lang="en-US" smtClean="0"/>
+              <a:t>Third level</a:t>
+            </a:r>
+          </a:p>
+          <a:p>
+            <a:pPr lvl="3"/>
+            <a:r>
+              <a:rPr lang="en-US" smtClean="0"/>
+              <a:t>Fourth level</a:t>
+            </a:r>
+          </a:p>
+          <a:p>
+            <a:pPr lvl="4"/>
+            <a:r>
+              <a:rPr lang="en-US" smtClean="0"/>
+              <a:t>Fifth level</a:t>
+            </a:r>
+            <a:endParaRPr lang="es-AR"/>
+          </a:p>
+        </p:txBody>
+      </p:sp>
+      <p:sp>
+        <p:nvSpPr>
+          <p:cNvPr id="6" name="Footer Placeholder 5"/>
+          <p:cNvSpPr>
+            <a:spLocks noGrp="1"/>
+          </p:cNvSpPr>
+          <p:nvPr>
+            <p:ph type="ftr" sz="quarter" idx="4"/>
+          </p:nvPr>
+        </p:nvSpPr>
+        <p:spPr>
+          <a:xfrm>
+            <a:off x="0" y="8685213"/>
+            <a:ext cx="2971800" cy="457200"/>
+          </a:xfrm>
+          <a:prstGeom prst="rect">
+            <a:avLst/>
+          </a:prstGeom>
+        </p:spPr>
+        <p:txBody>
+          <a:bodyPr vert="horz" lIns="91440" tIns="45720" rIns="91440" bIns="45720" rtlCol="0" anchor="b"/>
+          <a:lstStyle>
+            <a:lvl1pPr algn="l">
+              <a:defRPr sz="1200"/>
+            </a:lvl1pPr>
+          </a:lstStyle>
+          <a:p>
+            <a:endParaRPr lang="es-AR"/>
+          </a:p>
+        </p:txBody>
+      </p:sp>
+      <p:sp>
+        <p:nvSpPr>
+          <p:cNvPr id="7" name="Slide Number Placeholder 6"/>
+          <p:cNvSpPr>
+            <a:spLocks noGrp="1"/>
+          </p:cNvSpPr>
+          <p:nvPr>
+            <p:ph type="sldNum" sz="quarter" idx="5"/>
+          </p:nvPr>
+        </p:nvSpPr>
+        <p:spPr>
+          <a:xfrm>
+            <a:off x="3884613" y="8685213"/>
+            <a:ext cx="2971800" cy="457200"/>
+          </a:xfrm>
+          <a:prstGeom prst="rect">
+            <a:avLst/>
+          </a:prstGeom>
+        </p:spPr>
+        <p:txBody>
+          <a:bodyPr vert="horz" lIns="91440" tIns="45720" rIns="91440" bIns="45720" rtlCol="0" anchor="b"/>
+          <a:lstStyle>
+            <a:lvl1pPr algn="r">
+              <a:defRPr sz="1200"/>
+            </a:lvl1pPr>
+          </a:lstStyle>
+          <a:p>
+            <a:fld id="{5ACEBAAB-EBB8-473E-9B6D-9EEDF5A7888A}" type="slidenum">
+              <a:rPr lang="es-AR" smtClean="0"/>
+              <a:t>‹#›</a:t>
+            </a:fld>
+            <a:endParaRPr lang="es-AR"/>
+          </a:p>
+        </p:txBody>
+      </p:sp>
+    </p:spTree>
+  </p:cSld>
+  <p:clrMap bg1="lt1" tx1="dk1" bg2="lt2" tx2="dk2" accent1="accent1" accent2="accent2" accent3="accent3" accent4="accent4" accent5="accent5" accent6="accent6" hlink="hlink" folHlink="folHlink"/>
+  <p:notesStyle>
+    <a:lvl1pPr marL="0" algn="l" defTabSz="914400" rtl="0" eaLnBrk="1" latinLnBrk="0" hangingPunct="1">
+      <a:defRPr sz="1200" kern="1200">
+        <a:solidFill>
+          <a:schemeClr val="tx1"/>
+        </a:solidFill>
+        <a:latin typeface="+mn-lt"/>
+        <a:ea typeface="+mn-ea"/>
+        <a:cs typeface="+mn-cs"/>
+      </a:defRPr>
+    </a:lvl1pPr>
+    <a:lvl2pPr marL="457200" algn="l" defTabSz="914400" rtl="0" eaLnBrk="1" latinLnBrk="0" hangingPunct="1">
+      <a:defRPr sz="1200" kern="1200">
+        <a:solidFill>
+          <a:schemeClr val="tx1"/>
+        </a:solidFill>
+        <a:latin typeface="+mn-lt"/>
+        <a:ea typeface="+mn-ea"/>
+        <a:cs typeface="+mn-cs"/>
+      </a:defRPr>
+    </a:lvl2pPr>
+    <a:lvl3pPr marL="914400" algn="l" defTabSz="914400" rtl="0" eaLnBrk="1" latinLnBrk="0" hangingPunct="1">
+      <a:defRPr sz="1200" kern="1200">
+        <a:solidFill>
+          <a:schemeClr val="tx1"/>
+        </a:solidFill>
+        <a:latin typeface="+mn-lt"/>
+        <a:ea typeface="+mn-ea"/>
+        <a:cs typeface="+mn-cs"/>
+      </a:defRPr>
+    </a:lvl3pPr>
+    <a:lvl4pPr marL="1371600" algn="l" defTabSz="914400" rtl="0" eaLnBrk="1" latinLnBrk="0" hangingPunct="1">
+      <a:defRPr sz="1200" kern="1200">
+        <a:solidFill>
+          <a:schemeClr val="tx1"/>
+        </a:solidFill>
+        <a:latin typeface="+mn-lt"/>
+        <a:ea typeface="+mn-ea"/>
+        <a:cs typeface="+mn-cs"/>
+      </a:defRPr>
+    </a:lvl4pPr>
+    <a:lvl5pPr marL="1828800" algn="l" defTabSz="914400" rtl="0" eaLnBrk="1" latinLnBrk="0" hangingPunct="1">
+      <a:defRPr sz="1200" kern="1200">
+        <a:solidFill>
+          <a:schemeClr val="tx1"/>
+        </a:solidFill>
+        <a:latin typeface="+mn-lt"/>
+        <a:ea typeface="+mn-ea"/>
+        <a:cs typeface="+mn-cs"/>
+      </a:defRPr>
+    </a:lvl5pPr>
+    <a:lvl6pPr marL="2286000" algn="l" defTabSz="914400" rtl="0" eaLnBrk="1" latinLnBrk="0" hangingPunct="1">
+      <a:defRPr sz="1200" kern="1200">
+        <a:solidFill>
+          <a:schemeClr val="tx1"/>
+        </a:solidFill>
+        <a:latin typeface="+mn-lt"/>
+        <a:ea typeface="+mn-ea"/>
+        <a:cs typeface="+mn-cs"/>
+      </a:defRPr>
+    </a:lvl6pPr>
+    <a:lvl7pPr marL="2743200" algn="l" defTabSz="914400" rtl="0" eaLnBrk="1" latinLnBrk="0" hangingPunct="1">
+      <a:defRPr sz="1200" kern="1200">
+        <a:solidFill>
+          <a:schemeClr val="tx1"/>
+        </a:solidFill>
+        <a:latin typeface="+mn-lt"/>
+        <a:ea typeface="+mn-ea"/>
+        <a:cs typeface="+mn-cs"/>
+      </a:defRPr>
+    </a:lvl7pPr>
+    <a:lvl8pPr marL="3200400" algn="l" defTabSz="914400" rtl="0" eaLnBrk="1" latinLnBrk="0" hangingPunct="1">
+      <a:defRPr sz="1200" kern="1200">
+        <a:solidFill>
+          <a:schemeClr val="tx1"/>
+        </a:solidFill>
+        <a:latin typeface="+mn-lt"/>
+        <a:ea typeface="+mn-ea"/>
+        <a:cs typeface="+mn-cs"/>
+      </a:defRPr>
+    </a:lvl8pPr>
+    <a:lvl9pPr marL="3657600" algn="l" defTabSz="914400" rtl="0" eaLnBrk="1" latinLnBrk="0" hangingPunct="1">
+      <a:defRPr sz="1200" kern="1200">
+        <a:solidFill>
+          <a:schemeClr val="tx1"/>
+        </a:solidFill>
+        <a:latin typeface="+mn-lt"/>
+        <a:ea typeface="+mn-ea"/>
+        <a:cs typeface="+mn-cs"/>
+      </a:defRPr>
+    </a:lvl9pPr>
+  </p:notesStyle>
+</p:notesMaster>
+</file>
+
+<file path=ppt/notesSlides/notesSlide1.xml><?xml version="1.0" encoding="utf-8"?>
+<p:notes xmlns:a="http://schemas.openxmlformats.org/drawingml/2006/main" xmlns:r="http://schemas.openxmlformats.org/officeDocument/2006/relationships" xmlns:p="http://schemas.openxmlformats.org/presentationml/2006/main">
+  <p:cSld>
+    <p:spTree>
+      <p:nvGrpSpPr>
+        <p:cNvPr id="1" name=""/>
+        <p:cNvGrpSpPr/>
+        <p:nvPr/>
+      </p:nvGrpSpPr>
+      <p:grpSpPr>
+        <a:xfrm>
+          <a:off x="0" y="0"/>
+          <a:ext cx="0" cy="0"/>
+          <a:chOff x="0" y="0"/>
+          <a:chExt cx="0" cy="0"/>
+        </a:xfrm>
+      </p:grpSpPr>
+      <p:sp>
+        <p:nvSpPr>
+          <p:cNvPr id="2" name="Slide Image Placeholder 1"/>
+          <p:cNvSpPr>
+            <a:spLocks noGrp="1" noRot="1" noChangeAspect="1"/>
+          </p:cNvSpPr>
+          <p:nvPr>
+            <p:ph type="sldImg"/>
+          </p:nvPr>
+        </p:nvSpPr>
+        <p:spPr/>
+      </p:sp>
+      <p:sp>
+        <p:nvSpPr>
+          <p:cNvPr id="3" name="Notes Placeholder 2"/>
+          <p:cNvSpPr>
+            <a:spLocks noGrp="1"/>
+          </p:cNvSpPr>
+          <p:nvPr>
+            <p:ph type="body" idx="1"/>
+          </p:nvPr>
+        </p:nvSpPr>
+        <p:spPr/>
+        <p:txBody>
+          <a:bodyPr>
+            <a:normAutofit/>
+          </a:bodyPr>
+          <a:lstStyle/>
+          <a:p>
+            <a:endParaRPr lang="es-AR" dirty="0"/>
+          </a:p>
+        </p:txBody>
+      </p:sp>
+      <p:sp>
+        <p:nvSpPr>
+          <p:cNvPr id="4" name="Slide Number Placeholder 3"/>
+          <p:cNvSpPr>
+            <a:spLocks noGrp="1"/>
+          </p:cNvSpPr>
+          <p:nvPr>
+            <p:ph type="sldNum" sz="quarter" idx="10"/>
+          </p:nvPr>
+        </p:nvSpPr>
+        <p:spPr/>
+        <p:txBody>
+          <a:bodyPr/>
+          <a:lstStyle/>
+          <a:p>
+            <a:fld id="{5ACEBAAB-EBB8-473E-9B6D-9EEDF5A7888A}" type="slidenum">
+              <a:rPr lang="es-AR" smtClean="0"/>
+              <a:t>9</a:t>
+            </a:fld>
+            <a:endParaRPr lang="es-AR"/>
+          </a:p>
+        </p:txBody>
+      </p:sp>
+    </p:spTree>
+  </p:cSld>
+  <p:clrMapOvr>
+    <a:masterClrMapping/>
+  </p:clrMapOvr>
+</p:notes>
+</file>
+
+<file path=ppt/notesSlides/notesSlide2.xml><?xml version="1.0" encoding="utf-8"?>
+<p:notes xmlns:a="http://schemas.openxmlformats.org/drawingml/2006/main" xmlns:r="http://schemas.openxmlformats.org/officeDocument/2006/relationships" xmlns:p="http://schemas.openxmlformats.org/presentationml/2006/main">
+  <p:cSld>
+    <p:spTree>
+      <p:nvGrpSpPr>
+        <p:cNvPr id="1" name=""/>
+        <p:cNvGrpSpPr/>
+        <p:nvPr/>
+      </p:nvGrpSpPr>
+      <p:grpSpPr>
+        <a:xfrm>
+          <a:off x="0" y="0"/>
+          <a:ext cx="0" cy="0"/>
+          <a:chOff x="0" y="0"/>
+          <a:chExt cx="0" cy="0"/>
+        </a:xfrm>
+      </p:grpSpPr>
+      <p:sp>
+        <p:nvSpPr>
+          <p:cNvPr id="2" name="Slide Image Placeholder 1"/>
+          <p:cNvSpPr>
+            <a:spLocks noGrp="1" noRot="1" noChangeAspect="1"/>
+          </p:cNvSpPr>
+          <p:nvPr>
+            <p:ph type="sldImg"/>
+          </p:nvPr>
+        </p:nvSpPr>
+        <p:spPr/>
+      </p:sp>
+      <p:sp>
+        <p:nvSpPr>
+          <p:cNvPr id="3" name="Notes Placeholder 2"/>
+          <p:cNvSpPr>
+            <a:spLocks noGrp="1"/>
+          </p:cNvSpPr>
+          <p:nvPr>
+            <p:ph type="body" idx="1"/>
+          </p:nvPr>
+        </p:nvSpPr>
+        <p:spPr/>
+        <p:txBody>
+          <a:bodyPr>
+            <a:normAutofit/>
+          </a:bodyPr>
+          <a:lstStyle/>
+          <a:p>
+            <a:endParaRPr lang="es-AR" dirty="0"/>
+          </a:p>
+        </p:txBody>
+      </p:sp>
+      <p:sp>
+        <p:nvSpPr>
+          <p:cNvPr id="4" name="Slide Number Placeholder 3"/>
+          <p:cNvSpPr>
+            <a:spLocks noGrp="1"/>
+          </p:cNvSpPr>
+          <p:nvPr>
+            <p:ph type="sldNum" sz="quarter" idx="10"/>
+          </p:nvPr>
+        </p:nvSpPr>
+        <p:spPr/>
+        <p:txBody>
+          <a:bodyPr/>
+          <a:lstStyle/>
+          <a:p>
+            <a:fld id="{5ACEBAAB-EBB8-473E-9B6D-9EEDF5A7888A}" type="slidenum">
+              <a:rPr lang="es-AR" smtClean="0"/>
+              <a:t>10</a:t>
+            </a:fld>
+            <a:endParaRPr lang="es-AR"/>
+          </a:p>
+        </p:txBody>
+      </p:sp>
+    </p:spTree>
+  </p:cSld>
+  <p:clrMapOvr>
+    <a:masterClrMapping/>
+  </p:clrMapOvr>
+</p:notes>
 </file>
 
 <file path=ppt/slideLayouts/slideLayout1.xml><?xml version="1.0" encoding="utf-8"?>
@@ -294,7 +810,7 @@
             <a:fld id="{1D8BD707-D9CF-40AE-B4C6-C98DA3205C09}" type="datetimeFigureOut">
               <a:rPr lang="en-US" smtClean="0"/>
               <a:pPr/>
-              <a:t>6/18/2011</a:t>
+              <a:t>6/20/2011</a:t>
             </a:fld>
             <a:endParaRPr lang="en-US"/>
           </a:p>
@@ -461,7 +977,7 @@
             <a:fld id="{1D8BD707-D9CF-40AE-B4C6-C98DA3205C09}" type="datetimeFigureOut">
               <a:rPr lang="en-US" smtClean="0"/>
               <a:pPr/>
-              <a:t>6/18/2011</a:t>
+              <a:t>6/20/2011</a:t>
             </a:fld>
             <a:endParaRPr lang="en-US"/>
           </a:p>
@@ -638,7 +1154,7 @@
             <a:fld id="{1D8BD707-D9CF-40AE-B4C6-C98DA3205C09}" type="datetimeFigureOut">
               <a:rPr lang="en-US" smtClean="0"/>
               <a:pPr/>
-              <a:t>6/18/2011</a:t>
+              <a:t>6/20/2011</a:t>
             </a:fld>
             <a:endParaRPr lang="en-US"/>
           </a:p>
@@ -805,7 +1321,7 @@
             <a:fld id="{1D8BD707-D9CF-40AE-B4C6-C98DA3205C09}" type="datetimeFigureOut">
               <a:rPr lang="en-US" smtClean="0"/>
               <a:pPr/>
-              <a:t>6/18/2011</a:t>
+              <a:t>6/20/2011</a:t>
             </a:fld>
             <a:endParaRPr lang="en-US"/>
           </a:p>
@@ -1048,7 +1564,7 @@
             <a:fld id="{1D8BD707-D9CF-40AE-B4C6-C98DA3205C09}" type="datetimeFigureOut">
               <a:rPr lang="en-US" smtClean="0"/>
               <a:pPr/>
-              <a:t>6/18/2011</a:t>
+              <a:t>6/20/2011</a:t>
             </a:fld>
             <a:endParaRPr lang="en-US"/>
           </a:p>
@@ -1333,7 +1849,7 @@
             <a:fld id="{1D8BD707-D9CF-40AE-B4C6-C98DA3205C09}" type="datetimeFigureOut">
               <a:rPr lang="en-US" smtClean="0"/>
               <a:pPr/>
-              <a:t>6/18/2011</a:t>
+              <a:t>6/20/2011</a:t>
             </a:fld>
             <a:endParaRPr lang="en-US"/>
           </a:p>
@@ -1752,7 +2268,7 @@
             <a:fld id="{1D8BD707-D9CF-40AE-B4C6-C98DA3205C09}" type="datetimeFigureOut">
               <a:rPr lang="en-US" smtClean="0"/>
               <a:pPr/>
-              <a:t>6/18/2011</a:t>
+              <a:t>6/20/2011</a:t>
             </a:fld>
             <a:endParaRPr lang="en-US"/>
           </a:p>
@@ -1867,7 +2383,7 @@
             <a:fld id="{1D8BD707-D9CF-40AE-B4C6-C98DA3205C09}" type="datetimeFigureOut">
               <a:rPr lang="en-US" smtClean="0"/>
               <a:pPr/>
-              <a:t>6/18/2011</a:t>
+              <a:t>6/20/2011</a:t>
             </a:fld>
             <a:endParaRPr lang="en-US"/>
           </a:p>
@@ -1959,7 +2475,7 @@
             <a:fld id="{1D8BD707-D9CF-40AE-B4C6-C98DA3205C09}" type="datetimeFigureOut">
               <a:rPr lang="en-US" smtClean="0"/>
               <a:pPr/>
-              <a:t>6/18/2011</a:t>
+              <a:t>6/20/2011</a:t>
             </a:fld>
             <a:endParaRPr lang="en-US"/>
           </a:p>
@@ -2233,7 +2749,7 @@
             <a:fld id="{1D8BD707-D9CF-40AE-B4C6-C98DA3205C09}" type="datetimeFigureOut">
               <a:rPr lang="en-US" smtClean="0"/>
               <a:pPr/>
-              <a:t>6/18/2011</a:t>
+              <a:t>6/20/2011</a:t>
             </a:fld>
             <a:endParaRPr lang="en-US"/>
           </a:p>
@@ -2483,7 +2999,7 @@
             <a:fld id="{1D8BD707-D9CF-40AE-B4C6-C98DA3205C09}" type="datetimeFigureOut">
               <a:rPr lang="en-US" smtClean="0"/>
               <a:pPr/>
-              <a:t>6/18/2011</a:t>
+              <a:t>6/20/2011</a:t>
             </a:fld>
             <a:endParaRPr lang="en-US"/>
           </a:p>
@@ -2693,7 +3209,7 @@
             <a:fld id="{1D8BD707-D9CF-40AE-B4C6-C98DA3205C09}" type="datetimeFigureOut">
               <a:rPr lang="en-US" smtClean="0"/>
               <a:pPr/>
-              <a:t>6/18/2011</a:t>
+              <a:t>6/20/2011</a:t>
             </a:fld>
             <a:endParaRPr lang="en-US"/>
           </a:p>
@@ -3965,8 +4481,8 @@
         </p:nvSpPr>
         <p:spPr>
           <a:xfrm rot="10800000">
-            <a:off x="1219200" y="544417"/>
-            <a:ext cx="6781800" cy="1741582"/>
+            <a:off x="1295400" y="544415"/>
+            <a:ext cx="6553200" cy="903384"/>
           </a:xfrm>
           <a:prstGeom prst="round2SameRect">
             <a:avLst/>
@@ -4014,7 +4530,7 @@
         </p:blipFill>
         <p:spPr bwMode="auto">
           <a:xfrm>
-            <a:off x="1600200" y="913540"/>
+            <a:off x="1600200" y="609600"/>
             <a:ext cx="2640904" cy="762000"/>
           </a:xfrm>
           <a:prstGeom prst="rect">
@@ -4031,7 +4547,7 @@
         </p:nvSpPr>
         <p:spPr>
           <a:xfrm>
-            <a:off x="4343400" y="1001408"/>
+            <a:off x="4515457" y="685800"/>
             <a:ext cx="3180743" cy="307777"/>
           </a:xfrm>
           <a:prstGeom prst="rect">
@@ -4389,6 +4905,1121 @@
               </a:rPr>
               <a:t>SVE</a:t>
             </a:r>
+          </a:p>
+        </p:txBody>
+      </p:sp>
+    </p:spTree>
+  </p:cSld>
+  <p:clrMapOvr>
+    <a:masterClrMapping/>
+  </p:clrMapOvr>
+  <p:timing>
+    <p:tnLst>
+      <p:par>
+        <p:cTn id="1" dur="indefinite" restart="never" nodeType="tmRoot"/>
+      </p:par>
+    </p:tnLst>
+  </p:timing>
+</p:sld>
+</file>
+
+<file path=ppt/slides/slide10.xml><?xml version="1.0" encoding="utf-8"?>
+<p:sld xmlns:a="http://schemas.openxmlformats.org/drawingml/2006/main" xmlns:r="http://schemas.openxmlformats.org/officeDocument/2006/relationships" xmlns:p="http://schemas.openxmlformats.org/presentationml/2006/main">
+  <p:cSld>
+    <p:bg>
+      <p:bgPr>
+        <a:solidFill>
+          <a:schemeClr val="bg1">
+            <a:lumMod val="50000"/>
+          </a:schemeClr>
+        </a:solidFill>
+        <a:effectLst/>
+      </p:bgPr>
+    </p:bg>
+    <p:spTree>
+      <p:nvGrpSpPr>
+        <p:cNvPr id="1" name=""/>
+        <p:cNvGrpSpPr/>
+        <p:nvPr/>
+      </p:nvGrpSpPr>
+      <p:grpSpPr>
+        <a:xfrm>
+          <a:off x="0" y="0"/>
+          <a:ext cx="0" cy="0"/>
+          <a:chOff x="0" y="0"/>
+          <a:chExt cx="0" cy="0"/>
+        </a:xfrm>
+      </p:grpSpPr>
+      <p:grpSp>
+        <p:nvGrpSpPr>
+          <p:cNvPr id="2" name="Group 22"/>
+          <p:cNvGrpSpPr/>
+          <p:nvPr/>
+        </p:nvGrpSpPr>
+        <p:grpSpPr>
+          <a:xfrm>
+            <a:off x="304800" y="304800"/>
+            <a:ext cx="8534400" cy="6248400"/>
+            <a:chOff x="304800" y="304800"/>
+            <a:chExt cx="8534400" cy="6248400"/>
+          </a:xfrm>
+          <a:solidFill>
+            <a:schemeClr val="bg1">
+              <a:lumMod val="85000"/>
+            </a:schemeClr>
+          </a:solidFill>
+        </p:grpSpPr>
+        <p:sp>
+          <p:nvSpPr>
+            <p:cNvPr id="4" name="Rounded Rectangle 3"/>
+            <p:cNvSpPr/>
+            <p:nvPr/>
+          </p:nvSpPr>
+          <p:spPr>
+            <a:xfrm>
+              <a:off x="304800" y="304800"/>
+              <a:ext cx="8534400" cy="6248400"/>
+            </a:xfrm>
+            <a:prstGeom prst="roundRect">
+              <a:avLst/>
+            </a:prstGeom>
+            <a:grpFill/>
+            <a:ln>
+              <a:noFill/>
+            </a:ln>
+          </p:spPr>
+          <p:style>
+            <a:lnRef idx="2">
+              <a:schemeClr val="accent1">
+                <a:shade val="50000"/>
+              </a:schemeClr>
+            </a:lnRef>
+            <a:fillRef idx="1">
+              <a:schemeClr val="accent1"/>
+            </a:fillRef>
+            <a:effectRef idx="0">
+              <a:schemeClr val="accent1"/>
+            </a:effectRef>
+            <a:fontRef idx="minor">
+              <a:schemeClr val="lt1"/>
+            </a:fontRef>
+          </p:style>
+          <p:txBody>
+            <a:bodyPr rtlCol="0" anchor="ctr"/>
+            <a:lstStyle/>
+            <a:p>
+              <a:pPr algn="ctr"/>
+              <a:endParaRPr lang="es-AR"/>
+            </a:p>
+          </p:txBody>
+        </p:sp>
+        <p:sp>
+          <p:nvSpPr>
+            <p:cNvPr id="5" name="Rounded Rectangle 4"/>
+            <p:cNvSpPr/>
+            <p:nvPr/>
+          </p:nvSpPr>
+          <p:spPr>
+            <a:xfrm>
+              <a:off x="7086600" y="304800"/>
+              <a:ext cx="1752600" cy="1752600"/>
+            </a:xfrm>
+            <a:prstGeom prst="roundRect">
+              <a:avLst/>
+            </a:prstGeom>
+            <a:grpFill/>
+            <a:ln>
+              <a:noFill/>
+            </a:ln>
+          </p:spPr>
+          <p:style>
+            <a:lnRef idx="2">
+              <a:schemeClr val="accent1">
+                <a:shade val="50000"/>
+              </a:schemeClr>
+            </a:lnRef>
+            <a:fillRef idx="1">
+              <a:schemeClr val="accent1"/>
+            </a:fillRef>
+            <a:effectRef idx="0">
+              <a:schemeClr val="accent1"/>
+            </a:effectRef>
+            <a:fontRef idx="minor">
+              <a:schemeClr val="lt1"/>
+            </a:fontRef>
+          </p:style>
+          <p:txBody>
+            <a:bodyPr rtlCol="0" anchor="ctr"/>
+            <a:lstStyle/>
+            <a:p>
+              <a:pPr algn="ctr"/>
+              <a:endParaRPr lang="es-AR"/>
+            </a:p>
+          </p:txBody>
+        </p:sp>
+        <p:sp>
+          <p:nvSpPr>
+            <p:cNvPr id="6" name="Rounded Rectangle 5"/>
+            <p:cNvSpPr/>
+            <p:nvPr/>
+          </p:nvSpPr>
+          <p:spPr>
+            <a:xfrm>
+              <a:off x="304800" y="304800"/>
+              <a:ext cx="1752600" cy="1752600"/>
+            </a:xfrm>
+            <a:prstGeom prst="roundRect">
+              <a:avLst/>
+            </a:prstGeom>
+            <a:grpFill/>
+            <a:ln>
+              <a:noFill/>
+            </a:ln>
+          </p:spPr>
+          <p:style>
+            <a:lnRef idx="2">
+              <a:schemeClr val="accent1">
+                <a:shade val="50000"/>
+              </a:schemeClr>
+            </a:lnRef>
+            <a:fillRef idx="1">
+              <a:schemeClr val="accent1"/>
+            </a:fillRef>
+            <a:effectRef idx="0">
+              <a:schemeClr val="accent1"/>
+            </a:effectRef>
+            <a:fontRef idx="minor">
+              <a:schemeClr val="lt1"/>
+            </a:fontRef>
+          </p:style>
+          <p:txBody>
+            <a:bodyPr rtlCol="0" anchor="ctr"/>
+            <a:lstStyle/>
+            <a:p>
+              <a:pPr algn="ctr"/>
+              <a:endParaRPr lang="es-AR"/>
+            </a:p>
+          </p:txBody>
+        </p:sp>
+        <p:sp>
+          <p:nvSpPr>
+            <p:cNvPr id="7" name="Rounded Rectangle 6"/>
+            <p:cNvSpPr/>
+            <p:nvPr/>
+          </p:nvSpPr>
+          <p:spPr>
+            <a:xfrm>
+              <a:off x="304800" y="4800600"/>
+              <a:ext cx="1752600" cy="1752600"/>
+            </a:xfrm>
+            <a:prstGeom prst="roundRect">
+              <a:avLst/>
+            </a:prstGeom>
+            <a:grpFill/>
+            <a:ln>
+              <a:noFill/>
+            </a:ln>
+          </p:spPr>
+          <p:style>
+            <a:lnRef idx="2">
+              <a:schemeClr val="accent1">
+                <a:shade val="50000"/>
+              </a:schemeClr>
+            </a:lnRef>
+            <a:fillRef idx="1">
+              <a:schemeClr val="accent1"/>
+            </a:fillRef>
+            <a:effectRef idx="0">
+              <a:schemeClr val="accent1"/>
+            </a:effectRef>
+            <a:fontRef idx="minor">
+              <a:schemeClr val="lt1"/>
+            </a:fontRef>
+          </p:style>
+          <p:txBody>
+            <a:bodyPr rtlCol="0" anchor="ctr"/>
+            <a:lstStyle/>
+            <a:p>
+              <a:pPr algn="ctr"/>
+              <a:endParaRPr lang="es-AR"/>
+            </a:p>
+          </p:txBody>
+        </p:sp>
+        <p:sp>
+          <p:nvSpPr>
+            <p:cNvPr id="8" name="Rounded Rectangle 7"/>
+            <p:cNvSpPr/>
+            <p:nvPr/>
+          </p:nvSpPr>
+          <p:spPr>
+            <a:xfrm>
+              <a:off x="7086600" y="4800600"/>
+              <a:ext cx="1752600" cy="1752600"/>
+            </a:xfrm>
+            <a:prstGeom prst="roundRect">
+              <a:avLst/>
+            </a:prstGeom>
+            <a:grpFill/>
+            <a:ln>
+              <a:noFill/>
+            </a:ln>
+          </p:spPr>
+          <p:style>
+            <a:lnRef idx="2">
+              <a:schemeClr val="accent1">
+                <a:shade val="50000"/>
+              </a:schemeClr>
+            </a:lnRef>
+            <a:fillRef idx="1">
+              <a:schemeClr val="accent1"/>
+            </a:fillRef>
+            <a:effectRef idx="0">
+              <a:schemeClr val="accent1"/>
+            </a:effectRef>
+            <a:fontRef idx="minor">
+              <a:schemeClr val="lt1"/>
+            </a:fontRef>
+          </p:style>
+          <p:txBody>
+            <a:bodyPr rtlCol="0" anchor="ctr"/>
+            <a:lstStyle/>
+            <a:p>
+              <a:pPr algn="ctr"/>
+              <a:endParaRPr lang="es-AR"/>
+            </a:p>
+          </p:txBody>
+        </p:sp>
+      </p:grpSp>
+      <p:sp>
+        <p:nvSpPr>
+          <p:cNvPr id="9" name="Freeform 8"/>
+          <p:cNvSpPr/>
+          <p:nvPr/>
+        </p:nvSpPr>
+        <p:spPr>
+          <a:xfrm>
+            <a:off x="533400" y="457200"/>
+            <a:ext cx="8102599" cy="5803900"/>
+          </a:xfrm>
+          <a:custGeom>
+            <a:avLst/>
+            <a:gdLst>
+              <a:gd name="connsiteX0" fmla="*/ 0 w 8077200"/>
+              <a:gd name="connsiteY0" fmla="*/ 965219 h 5791200"/>
+              <a:gd name="connsiteX1" fmla="*/ 282707 w 8077200"/>
+              <a:gd name="connsiteY1" fmla="*/ 282706 h 5791200"/>
+              <a:gd name="connsiteX2" fmla="*/ 965221 w 8077200"/>
+              <a:gd name="connsiteY2" fmla="*/ 1 h 5791200"/>
+              <a:gd name="connsiteX3" fmla="*/ 7111981 w 8077200"/>
+              <a:gd name="connsiteY3" fmla="*/ 0 h 5791200"/>
+              <a:gd name="connsiteX4" fmla="*/ 7794494 w 8077200"/>
+              <a:gd name="connsiteY4" fmla="*/ 282707 h 5791200"/>
+              <a:gd name="connsiteX5" fmla="*/ 8077199 w 8077200"/>
+              <a:gd name="connsiteY5" fmla="*/ 965221 h 5791200"/>
+              <a:gd name="connsiteX6" fmla="*/ 8077200 w 8077200"/>
+              <a:gd name="connsiteY6" fmla="*/ 4825981 h 5791200"/>
+              <a:gd name="connsiteX7" fmla="*/ 7794494 w 8077200"/>
+              <a:gd name="connsiteY7" fmla="*/ 5508494 h 5791200"/>
+              <a:gd name="connsiteX8" fmla="*/ 7111981 w 8077200"/>
+              <a:gd name="connsiteY8" fmla="*/ 5791200 h 5791200"/>
+              <a:gd name="connsiteX9" fmla="*/ 965219 w 8077200"/>
+              <a:gd name="connsiteY9" fmla="*/ 5791200 h 5791200"/>
+              <a:gd name="connsiteX10" fmla="*/ 282706 w 8077200"/>
+              <a:gd name="connsiteY10" fmla="*/ 5508493 h 5791200"/>
+              <a:gd name="connsiteX11" fmla="*/ 0 w 8077200"/>
+              <a:gd name="connsiteY11" fmla="*/ 4825980 h 5791200"/>
+              <a:gd name="connsiteX12" fmla="*/ 0 w 8077200"/>
+              <a:gd name="connsiteY12" fmla="*/ 965219 h 5791200"/>
+              <a:gd name="connsiteX0" fmla="*/ 0 w 8077200"/>
+              <a:gd name="connsiteY0" fmla="*/ 609600 h 5791200"/>
+              <a:gd name="connsiteX1" fmla="*/ 282707 w 8077200"/>
+              <a:gd name="connsiteY1" fmla="*/ 282706 h 5791200"/>
+              <a:gd name="connsiteX2" fmla="*/ 965221 w 8077200"/>
+              <a:gd name="connsiteY2" fmla="*/ 1 h 5791200"/>
+              <a:gd name="connsiteX3" fmla="*/ 7111981 w 8077200"/>
+              <a:gd name="connsiteY3" fmla="*/ 0 h 5791200"/>
+              <a:gd name="connsiteX4" fmla="*/ 7794494 w 8077200"/>
+              <a:gd name="connsiteY4" fmla="*/ 282707 h 5791200"/>
+              <a:gd name="connsiteX5" fmla="*/ 8077199 w 8077200"/>
+              <a:gd name="connsiteY5" fmla="*/ 965221 h 5791200"/>
+              <a:gd name="connsiteX6" fmla="*/ 8077200 w 8077200"/>
+              <a:gd name="connsiteY6" fmla="*/ 4825981 h 5791200"/>
+              <a:gd name="connsiteX7" fmla="*/ 7794494 w 8077200"/>
+              <a:gd name="connsiteY7" fmla="*/ 5508494 h 5791200"/>
+              <a:gd name="connsiteX8" fmla="*/ 7111981 w 8077200"/>
+              <a:gd name="connsiteY8" fmla="*/ 5791200 h 5791200"/>
+              <a:gd name="connsiteX9" fmla="*/ 965219 w 8077200"/>
+              <a:gd name="connsiteY9" fmla="*/ 5791200 h 5791200"/>
+              <a:gd name="connsiteX10" fmla="*/ 282706 w 8077200"/>
+              <a:gd name="connsiteY10" fmla="*/ 5508493 h 5791200"/>
+              <a:gd name="connsiteX11" fmla="*/ 0 w 8077200"/>
+              <a:gd name="connsiteY11" fmla="*/ 4825980 h 5791200"/>
+              <a:gd name="connsiteX12" fmla="*/ 0 w 8077200"/>
+              <a:gd name="connsiteY12" fmla="*/ 609600 h 5791200"/>
+              <a:gd name="connsiteX0" fmla="*/ 0 w 8077200"/>
+              <a:gd name="connsiteY0" fmla="*/ 609601 h 5791201"/>
+              <a:gd name="connsiteX1" fmla="*/ 282707 w 8077200"/>
+              <a:gd name="connsiteY1" fmla="*/ 282707 h 5791201"/>
+              <a:gd name="connsiteX2" fmla="*/ 609600 w 8077200"/>
+              <a:gd name="connsiteY2" fmla="*/ 1 h 5791201"/>
+              <a:gd name="connsiteX3" fmla="*/ 7111981 w 8077200"/>
+              <a:gd name="connsiteY3" fmla="*/ 1 h 5791201"/>
+              <a:gd name="connsiteX4" fmla="*/ 7794494 w 8077200"/>
+              <a:gd name="connsiteY4" fmla="*/ 282708 h 5791201"/>
+              <a:gd name="connsiteX5" fmla="*/ 8077199 w 8077200"/>
+              <a:gd name="connsiteY5" fmla="*/ 965222 h 5791201"/>
+              <a:gd name="connsiteX6" fmla="*/ 8077200 w 8077200"/>
+              <a:gd name="connsiteY6" fmla="*/ 4825982 h 5791201"/>
+              <a:gd name="connsiteX7" fmla="*/ 7794494 w 8077200"/>
+              <a:gd name="connsiteY7" fmla="*/ 5508495 h 5791201"/>
+              <a:gd name="connsiteX8" fmla="*/ 7111981 w 8077200"/>
+              <a:gd name="connsiteY8" fmla="*/ 5791201 h 5791201"/>
+              <a:gd name="connsiteX9" fmla="*/ 965219 w 8077200"/>
+              <a:gd name="connsiteY9" fmla="*/ 5791201 h 5791201"/>
+              <a:gd name="connsiteX10" fmla="*/ 282706 w 8077200"/>
+              <a:gd name="connsiteY10" fmla="*/ 5508494 h 5791201"/>
+              <a:gd name="connsiteX11" fmla="*/ 0 w 8077200"/>
+              <a:gd name="connsiteY11" fmla="*/ 4825981 h 5791201"/>
+              <a:gd name="connsiteX12" fmla="*/ 0 w 8077200"/>
+              <a:gd name="connsiteY12" fmla="*/ 609601 h 5791201"/>
+              <a:gd name="connsiteX0" fmla="*/ 0 w 8077200"/>
+              <a:gd name="connsiteY0" fmla="*/ 609601 h 5791201"/>
+              <a:gd name="connsiteX1" fmla="*/ 152400 w 8077200"/>
+              <a:gd name="connsiteY1" fmla="*/ 152402 h 5791201"/>
+              <a:gd name="connsiteX2" fmla="*/ 609600 w 8077200"/>
+              <a:gd name="connsiteY2" fmla="*/ 1 h 5791201"/>
+              <a:gd name="connsiteX3" fmla="*/ 7111981 w 8077200"/>
+              <a:gd name="connsiteY3" fmla="*/ 1 h 5791201"/>
+              <a:gd name="connsiteX4" fmla="*/ 7794494 w 8077200"/>
+              <a:gd name="connsiteY4" fmla="*/ 282708 h 5791201"/>
+              <a:gd name="connsiteX5" fmla="*/ 8077199 w 8077200"/>
+              <a:gd name="connsiteY5" fmla="*/ 965222 h 5791201"/>
+              <a:gd name="connsiteX6" fmla="*/ 8077200 w 8077200"/>
+              <a:gd name="connsiteY6" fmla="*/ 4825982 h 5791201"/>
+              <a:gd name="connsiteX7" fmla="*/ 7794494 w 8077200"/>
+              <a:gd name="connsiteY7" fmla="*/ 5508495 h 5791201"/>
+              <a:gd name="connsiteX8" fmla="*/ 7111981 w 8077200"/>
+              <a:gd name="connsiteY8" fmla="*/ 5791201 h 5791201"/>
+              <a:gd name="connsiteX9" fmla="*/ 965219 w 8077200"/>
+              <a:gd name="connsiteY9" fmla="*/ 5791201 h 5791201"/>
+              <a:gd name="connsiteX10" fmla="*/ 282706 w 8077200"/>
+              <a:gd name="connsiteY10" fmla="*/ 5508494 h 5791201"/>
+              <a:gd name="connsiteX11" fmla="*/ 0 w 8077200"/>
+              <a:gd name="connsiteY11" fmla="*/ 4825981 h 5791201"/>
+              <a:gd name="connsiteX12" fmla="*/ 0 w 8077200"/>
+              <a:gd name="connsiteY12" fmla="*/ 609601 h 5791201"/>
+              <a:gd name="connsiteX0" fmla="*/ 0 w 8077200"/>
+              <a:gd name="connsiteY0" fmla="*/ 609600 h 5791200"/>
+              <a:gd name="connsiteX1" fmla="*/ 152400 w 8077200"/>
+              <a:gd name="connsiteY1" fmla="*/ 152401 h 5791200"/>
+              <a:gd name="connsiteX2" fmla="*/ 533400 w 8077200"/>
+              <a:gd name="connsiteY2" fmla="*/ 1 h 5791200"/>
+              <a:gd name="connsiteX3" fmla="*/ 7111981 w 8077200"/>
+              <a:gd name="connsiteY3" fmla="*/ 0 h 5791200"/>
+              <a:gd name="connsiteX4" fmla="*/ 7794494 w 8077200"/>
+              <a:gd name="connsiteY4" fmla="*/ 282707 h 5791200"/>
+              <a:gd name="connsiteX5" fmla="*/ 8077199 w 8077200"/>
+              <a:gd name="connsiteY5" fmla="*/ 965221 h 5791200"/>
+              <a:gd name="connsiteX6" fmla="*/ 8077200 w 8077200"/>
+              <a:gd name="connsiteY6" fmla="*/ 4825981 h 5791200"/>
+              <a:gd name="connsiteX7" fmla="*/ 7794494 w 8077200"/>
+              <a:gd name="connsiteY7" fmla="*/ 5508494 h 5791200"/>
+              <a:gd name="connsiteX8" fmla="*/ 7111981 w 8077200"/>
+              <a:gd name="connsiteY8" fmla="*/ 5791200 h 5791200"/>
+              <a:gd name="connsiteX9" fmla="*/ 965219 w 8077200"/>
+              <a:gd name="connsiteY9" fmla="*/ 5791200 h 5791200"/>
+              <a:gd name="connsiteX10" fmla="*/ 282706 w 8077200"/>
+              <a:gd name="connsiteY10" fmla="*/ 5508493 h 5791200"/>
+              <a:gd name="connsiteX11" fmla="*/ 0 w 8077200"/>
+              <a:gd name="connsiteY11" fmla="*/ 4825980 h 5791200"/>
+              <a:gd name="connsiteX12" fmla="*/ 0 w 8077200"/>
+              <a:gd name="connsiteY12" fmla="*/ 609600 h 5791200"/>
+              <a:gd name="connsiteX0" fmla="*/ 0 w 8077200"/>
+              <a:gd name="connsiteY0" fmla="*/ 533400 h 5791200"/>
+              <a:gd name="connsiteX1" fmla="*/ 152400 w 8077200"/>
+              <a:gd name="connsiteY1" fmla="*/ 152401 h 5791200"/>
+              <a:gd name="connsiteX2" fmla="*/ 533400 w 8077200"/>
+              <a:gd name="connsiteY2" fmla="*/ 1 h 5791200"/>
+              <a:gd name="connsiteX3" fmla="*/ 7111981 w 8077200"/>
+              <a:gd name="connsiteY3" fmla="*/ 0 h 5791200"/>
+              <a:gd name="connsiteX4" fmla="*/ 7794494 w 8077200"/>
+              <a:gd name="connsiteY4" fmla="*/ 282707 h 5791200"/>
+              <a:gd name="connsiteX5" fmla="*/ 8077199 w 8077200"/>
+              <a:gd name="connsiteY5" fmla="*/ 965221 h 5791200"/>
+              <a:gd name="connsiteX6" fmla="*/ 8077200 w 8077200"/>
+              <a:gd name="connsiteY6" fmla="*/ 4825981 h 5791200"/>
+              <a:gd name="connsiteX7" fmla="*/ 7794494 w 8077200"/>
+              <a:gd name="connsiteY7" fmla="*/ 5508494 h 5791200"/>
+              <a:gd name="connsiteX8" fmla="*/ 7111981 w 8077200"/>
+              <a:gd name="connsiteY8" fmla="*/ 5791200 h 5791200"/>
+              <a:gd name="connsiteX9" fmla="*/ 965219 w 8077200"/>
+              <a:gd name="connsiteY9" fmla="*/ 5791200 h 5791200"/>
+              <a:gd name="connsiteX10" fmla="*/ 282706 w 8077200"/>
+              <a:gd name="connsiteY10" fmla="*/ 5508493 h 5791200"/>
+              <a:gd name="connsiteX11" fmla="*/ 0 w 8077200"/>
+              <a:gd name="connsiteY11" fmla="*/ 4825980 h 5791200"/>
+              <a:gd name="connsiteX12" fmla="*/ 0 w 8077200"/>
+              <a:gd name="connsiteY12" fmla="*/ 533400 h 5791200"/>
+              <a:gd name="connsiteX0" fmla="*/ 12700 w 8089900"/>
+              <a:gd name="connsiteY0" fmla="*/ 546100 h 5803900"/>
+              <a:gd name="connsiteX1" fmla="*/ 88900 w 8089900"/>
+              <a:gd name="connsiteY1" fmla="*/ 88900 h 5803900"/>
+              <a:gd name="connsiteX2" fmla="*/ 546100 w 8089900"/>
+              <a:gd name="connsiteY2" fmla="*/ 12701 h 5803900"/>
+              <a:gd name="connsiteX3" fmla="*/ 7124681 w 8089900"/>
+              <a:gd name="connsiteY3" fmla="*/ 12700 h 5803900"/>
+              <a:gd name="connsiteX4" fmla="*/ 7807194 w 8089900"/>
+              <a:gd name="connsiteY4" fmla="*/ 295407 h 5803900"/>
+              <a:gd name="connsiteX5" fmla="*/ 8089899 w 8089900"/>
+              <a:gd name="connsiteY5" fmla="*/ 977921 h 5803900"/>
+              <a:gd name="connsiteX6" fmla="*/ 8089900 w 8089900"/>
+              <a:gd name="connsiteY6" fmla="*/ 4838681 h 5803900"/>
+              <a:gd name="connsiteX7" fmla="*/ 7807194 w 8089900"/>
+              <a:gd name="connsiteY7" fmla="*/ 5521194 h 5803900"/>
+              <a:gd name="connsiteX8" fmla="*/ 7124681 w 8089900"/>
+              <a:gd name="connsiteY8" fmla="*/ 5803900 h 5803900"/>
+              <a:gd name="connsiteX9" fmla="*/ 977919 w 8089900"/>
+              <a:gd name="connsiteY9" fmla="*/ 5803900 h 5803900"/>
+              <a:gd name="connsiteX10" fmla="*/ 295406 w 8089900"/>
+              <a:gd name="connsiteY10" fmla="*/ 5521193 h 5803900"/>
+              <a:gd name="connsiteX11" fmla="*/ 12700 w 8089900"/>
+              <a:gd name="connsiteY11" fmla="*/ 4838680 h 5803900"/>
+              <a:gd name="connsiteX12" fmla="*/ 12700 w 8089900"/>
+              <a:gd name="connsiteY12" fmla="*/ 546100 h 5803900"/>
+              <a:gd name="connsiteX0" fmla="*/ 12700 w 8089900"/>
+              <a:gd name="connsiteY0" fmla="*/ 546100 h 5803900"/>
+              <a:gd name="connsiteX1" fmla="*/ 88900 w 8089900"/>
+              <a:gd name="connsiteY1" fmla="*/ 88900 h 5803900"/>
+              <a:gd name="connsiteX2" fmla="*/ 546100 w 8089900"/>
+              <a:gd name="connsiteY2" fmla="*/ 12701 h 5803900"/>
+              <a:gd name="connsiteX3" fmla="*/ 7124681 w 8089900"/>
+              <a:gd name="connsiteY3" fmla="*/ 12700 h 5803900"/>
+              <a:gd name="connsiteX4" fmla="*/ 7807194 w 8089900"/>
+              <a:gd name="connsiteY4" fmla="*/ 295407 h 5803900"/>
+              <a:gd name="connsiteX5" fmla="*/ 8089899 w 8089900"/>
+              <a:gd name="connsiteY5" fmla="*/ 977921 h 5803900"/>
+              <a:gd name="connsiteX6" fmla="*/ 8089900 w 8089900"/>
+              <a:gd name="connsiteY6" fmla="*/ 4838681 h 5803900"/>
+              <a:gd name="connsiteX7" fmla="*/ 7807194 w 8089900"/>
+              <a:gd name="connsiteY7" fmla="*/ 5521194 h 5803900"/>
+              <a:gd name="connsiteX8" fmla="*/ 7124681 w 8089900"/>
+              <a:gd name="connsiteY8" fmla="*/ 5803900 h 5803900"/>
+              <a:gd name="connsiteX9" fmla="*/ 977919 w 8089900"/>
+              <a:gd name="connsiteY9" fmla="*/ 5803900 h 5803900"/>
+              <a:gd name="connsiteX10" fmla="*/ 295406 w 8089900"/>
+              <a:gd name="connsiteY10" fmla="*/ 5521193 h 5803900"/>
+              <a:gd name="connsiteX11" fmla="*/ 12700 w 8089900"/>
+              <a:gd name="connsiteY11" fmla="*/ 5346700 h 5803900"/>
+              <a:gd name="connsiteX12" fmla="*/ 12700 w 8089900"/>
+              <a:gd name="connsiteY12" fmla="*/ 546100 h 5803900"/>
+              <a:gd name="connsiteX0" fmla="*/ 12700 w 8089900"/>
+              <a:gd name="connsiteY0" fmla="*/ 546100 h 5803900"/>
+              <a:gd name="connsiteX1" fmla="*/ 88900 w 8089900"/>
+              <a:gd name="connsiteY1" fmla="*/ 88900 h 5803900"/>
+              <a:gd name="connsiteX2" fmla="*/ 546100 w 8089900"/>
+              <a:gd name="connsiteY2" fmla="*/ 12701 h 5803900"/>
+              <a:gd name="connsiteX3" fmla="*/ 7124681 w 8089900"/>
+              <a:gd name="connsiteY3" fmla="*/ 12700 h 5803900"/>
+              <a:gd name="connsiteX4" fmla="*/ 7807194 w 8089900"/>
+              <a:gd name="connsiteY4" fmla="*/ 295407 h 5803900"/>
+              <a:gd name="connsiteX5" fmla="*/ 8089899 w 8089900"/>
+              <a:gd name="connsiteY5" fmla="*/ 977921 h 5803900"/>
+              <a:gd name="connsiteX6" fmla="*/ 8089900 w 8089900"/>
+              <a:gd name="connsiteY6" fmla="*/ 4838681 h 5803900"/>
+              <a:gd name="connsiteX7" fmla="*/ 7807194 w 8089900"/>
+              <a:gd name="connsiteY7" fmla="*/ 5521194 h 5803900"/>
+              <a:gd name="connsiteX8" fmla="*/ 7124681 w 8089900"/>
+              <a:gd name="connsiteY8" fmla="*/ 5803900 h 5803900"/>
+              <a:gd name="connsiteX9" fmla="*/ 546100 w 8089900"/>
+              <a:gd name="connsiteY9" fmla="*/ 5803900 h 5803900"/>
+              <a:gd name="connsiteX10" fmla="*/ 295406 w 8089900"/>
+              <a:gd name="connsiteY10" fmla="*/ 5521193 h 5803900"/>
+              <a:gd name="connsiteX11" fmla="*/ 12700 w 8089900"/>
+              <a:gd name="connsiteY11" fmla="*/ 5346700 h 5803900"/>
+              <a:gd name="connsiteX12" fmla="*/ 12700 w 8089900"/>
+              <a:gd name="connsiteY12" fmla="*/ 546100 h 5803900"/>
+              <a:gd name="connsiteX0" fmla="*/ 12700 w 8089900"/>
+              <a:gd name="connsiteY0" fmla="*/ 546100 h 5803900"/>
+              <a:gd name="connsiteX1" fmla="*/ 88900 w 8089900"/>
+              <a:gd name="connsiteY1" fmla="*/ 88900 h 5803900"/>
+              <a:gd name="connsiteX2" fmla="*/ 546100 w 8089900"/>
+              <a:gd name="connsiteY2" fmla="*/ 12701 h 5803900"/>
+              <a:gd name="connsiteX3" fmla="*/ 7124681 w 8089900"/>
+              <a:gd name="connsiteY3" fmla="*/ 12700 h 5803900"/>
+              <a:gd name="connsiteX4" fmla="*/ 7807194 w 8089900"/>
+              <a:gd name="connsiteY4" fmla="*/ 295407 h 5803900"/>
+              <a:gd name="connsiteX5" fmla="*/ 8089899 w 8089900"/>
+              <a:gd name="connsiteY5" fmla="*/ 977921 h 5803900"/>
+              <a:gd name="connsiteX6" fmla="*/ 8089900 w 8089900"/>
+              <a:gd name="connsiteY6" fmla="*/ 4838681 h 5803900"/>
+              <a:gd name="connsiteX7" fmla="*/ 7807194 w 8089900"/>
+              <a:gd name="connsiteY7" fmla="*/ 5521194 h 5803900"/>
+              <a:gd name="connsiteX8" fmla="*/ 7124681 w 8089900"/>
+              <a:gd name="connsiteY8" fmla="*/ 5803900 h 5803900"/>
+              <a:gd name="connsiteX9" fmla="*/ 546100 w 8089900"/>
+              <a:gd name="connsiteY9" fmla="*/ 5803900 h 5803900"/>
+              <a:gd name="connsiteX10" fmla="*/ 88900 w 8089900"/>
+              <a:gd name="connsiteY10" fmla="*/ 5727700 h 5803900"/>
+              <a:gd name="connsiteX11" fmla="*/ 12700 w 8089900"/>
+              <a:gd name="connsiteY11" fmla="*/ 5346700 h 5803900"/>
+              <a:gd name="connsiteX12" fmla="*/ 12700 w 8089900"/>
+              <a:gd name="connsiteY12" fmla="*/ 546100 h 5803900"/>
+              <a:gd name="connsiteX0" fmla="*/ 12700 w 8089900"/>
+              <a:gd name="connsiteY0" fmla="*/ 546100 h 5803900"/>
+              <a:gd name="connsiteX1" fmla="*/ 88900 w 8089900"/>
+              <a:gd name="connsiteY1" fmla="*/ 88900 h 5803900"/>
+              <a:gd name="connsiteX2" fmla="*/ 546100 w 8089900"/>
+              <a:gd name="connsiteY2" fmla="*/ 12701 h 5803900"/>
+              <a:gd name="connsiteX3" fmla="*/ 7556500 w 8089900"/>
+              <a:gd name="connsiteY3" fmla="*/ 12700 h 5803900"/>
+              <a:gd name="connsiteX4" fmla="*/ 7807194 w 8089900"/>
+              <a:gd name="connsiteY4" fmla="*/ 295407 h 5803900"/>
+              <a:gd name="connsiteX5" fmla="*/ 8089899 w 8089900"/>
+              <a:gd name="connsiteY5" fmla="*/ 977921 h 5803900"/>
+              <a:gd name="connsiteX6" fmla="*/ 8089900 w 8089900"/>
+              <a:gd name="connsiteY6" fmla="*/ 4838681 h 5803900"/>
+              <a:gd name="connsiteX7" fmla="*/ 7807194 w 8089900"/>
+              <a:gd name="connsiteY7" fmla="*/ 5521194 h 5803900"/>
+              <a:gd name="connsiteX8" fmla="*/ 7124681 w 8089900"/>
+              <a:gd name="connsiteY8" fmla="*/ 5803900 h 5803900"/>
+              <a:gd name="connsiteX9" fmla="*/ 546100 w 8089900"/>
+              <a:gd name="connsiteY9" fmla="*/ 5803900 h 5803900"/>
+              <a:gd name="connsiteX10" fmla="*/ 88900 w 8089900"/>
+              <a:gd name="connsiteY10" fmla="*/ 5727700 h 5803900"/>
+              <a:gd name="connsiteX11" fmla="*/ 12700 w 8089900"/>
+              <a:gd name="connsiteY11" fmla="*/ 5346700 h 5803900"/>
+              <a:gd name="connsiteX12" fmla="*/ 12700 w 8089900"/>
+              <a:gd name="connsiteY12" fmla="*/ 546100 h 5803900"/>
+              <a:gd name="connsiteX0" fmla="*/ 12700 w 8089901"/>
+              <a:gd name="connsiteY0" fmla="*/ 546100 h 5803900"/>
+              <a:gd name="connsiteX1" fmla="*/ 88900 w 8089901"/>
+              <a:gd name="connsiteY1" fmla="*/ 88900 h 5803900"/>
+              <a:gd name="connsiteX2" fmla="*/ 546100 w 8089901"/>
+              <a:gd name="connsiteY2" fmla="*/ 12701 h 5803900"/>
+              <a:gd name="connsiteX3" fmla="*/ 7556500 w 8089901"/>
+              <a:gd name="connsiteY3" fmla="*/ 12700 h 5803900"/>
+              <a:gd name="connsiteX4" fmla="*/ 7807194 w 8089901"/>
+              <a:gd name="connsiteY4" fmla="*/ 295407 h 5803900"/>
+              <a:gd name="connsiteX5" fmla="*/ 8089900 w 8089901"/>
+              <a:gd name="connsiteY5" fmla="*/ 469900 h 5803900"/>
+              <a:gd name="connsiteX6" fmla="*/ 8089900 w 8089901"/>
+              <a:gd name="connsiteY6" fmla="*/ 4838681 h 5803900"/>
+              <a:gd name="connsiteX7" fmla="*/ 7807194 w 8089901"/>
+              <a:gd name="connsiteY7" fmla="*/ 5521194 h 5803900"/>
+              <a:gd name="connsiteX8" fmla="*/ 7124681 w 8089901"/>
+              <a:gd name="connsiteY8" fmla="*/ 5803900 h 5803900"/>
+              <a:gd name="connsiteX9" fmla="*/ 546100 w 8089901"/>
+              <a:gd name="connsiteY9" fmla="*/ 5803900 h 5803900"/>
+              <a:gd name="connsiteX10" fmla="*/ 88900 w 8089901"/>
+              <a:gd name="connsiteY10" fmla="*/ 5727700 h 5803900"/>
+              <a:gd name="connsiteX11" fmla="*/ 12700 w 8089901"/>
+              <a:gd name="connsiteY11" fmla="*/ 5346700 h 5803900"/>
+              <a:gd name="connsiteX12" fmla="*/ 12700 w 8089901"/>
+              <a:gd name="connsiteY12" fmla="*/ 546100 h 5803900"/>
+              <a:gd name="connsiteX0" fmla="*/ 12700 w 8102600"/>
+              <a:gd name="connsiteY0" fmla="*/ 546100 h 5803900"/>
+              <a:gd name="connsiteX1" fmla="*/ 88900 w 8102600"/>
+              <a:gd name="connsiteY1" fmla="*/ 88900 h 5803900"/>
+              <a:gd name="connsiteX2" fmla="*/ 546100 w 8102600"/>
+              <a:gd name="connsiteY2" fmla="*/ 12701 h 5803900"/>
+              <a:gd name="connsiteX3" fmla="*/ 7556500 w 8102600"/>
+              <a:gd name="connsiteY3" fmla="*/ 12700 h 5803900"/>
+              <a:gd name="connsiteX4" fmla="*/ 8013700 w 8102600"/>
+              <a:gd name="connsiteY4" fmla="*/ 88900 h 5803900"/>
+              <a:gd name="connsiteX5" fmla="*/ 8089900 w 8102600"/>
+              <a:gd name="connsiteY5" fmla="*/ 469900 h 5803900"/>
+              <a:gd name="connsiteX6" fmla="*/ 8089900 w 8102600"/>
+              <a:gd name="connsiteY6" fmla="*/ 4838681 h 5803900"/>
+              <a:gd name="connsiteX7" fmla="*/ 7807194 w 8102600"/>
+              <a:gd name="connsiteY7" fmla="*/ 5521194 h 5803900"/>
+              <a:gd name="connsiteX8" fmla="*/ 7124681 w 8102600"/>
+              <a:gd name="connsiteY8" fmla="*/ 5803900 h 5803900"/>
+              <a:gd name="connsiteX9" fmla="*/ 546100 w 8102600"/>
+              <a:gd name="connsiteY9" fmla="*/ 5803900 h 5803900"/>
+              <a:gd name="connsiteX10" fmla="*/ 88900 w 8102600"/>
+              <a:gd name="connsiteY10" fmla="*/ 5727700 h 5803900"/>
+              <a:gd name="connsiteX11" fmla="*/ 12700 w 8102600"/>
+              <a:gd name="connsiteY11" fmla="*/ 5346700 h 5803900"/>
+              <a:gd name="connsiteX12" fmla="*/ 12700 w 8102600"/>
+              <a:gd name="connsiteY12" fmla="*/ 546100 h 5803900"/>
+              <a:gd name="connsiteX0" fmla="*/ 12700 w 8102600"/>
+              <a:gd name="connsiteY0" fmla="*/ 546100 h 5803900"/>
+              <a:gd name="connsiteX1" fmla="*/ 88900 w 8102600"/>
+              <a:gd name="connsiteY1" fmla="*/ 88900 h 5803900"/>
+              <a:gd name="connsiteX2" fmla="*/ 546100 w 8102600"/>
+              <a:gd name="connsiteY2" fmla="*/ 12701 h 5803900"/>
+              <a:gd name="connsiteX3" fmla="*/ 7556500 w 8102600"/>
+              <a:gd name="connsiteY3" fmla="*/ 12700 h 5803900"/>
+              <a:gd name="connsiteX4" fmla="*/ 8013700 w 8102600"/>
+              <a:gd name="connsiteY4" fmla="*/ 88900 h 5803900"/>
+              <a:gd name="connsiteX5" fmla="*/ 8089899 w 8102600"/>
+              <a:gd name="connsiteY5" fmla="*/ 469900 h 5803900"/>
+              <a:gd name="connsiteX6" fmla="*/ 8089900 w 8102600"/>
+              <a:gd name="connsiteY6" fmla="*/ 4838681 h 5803900"/>
+              <a:gd name="connsiteX7" fmla="*/ 7807194 w 8102600"/>
+              <a:gd name="connsiteY7" fmla="*/ 5521194 h 5803900"/>
+              <a:gd name="connsiteX8" fmla="*/ 7124681 w 8102600"/>
+              <a:gd name="connsiteY8" fmla="*/ 5803900 h 5803900"/>
+              <a:gd name="connsiteX9" fmla="*/ 546100 w 8102600"/>
+              <a:gd name="connsiteY9" fmla="*/ 5803900 h 5803900"/>
+              <a:gd name="connsiteX10" fmla="*/ 88900 w 8102600"/>
+              <a:gd name="connsiteY10" fmla="*/ 5727700 h 5803900"/>
+              <a:gd name="connsiteX11" fmla="*/ 12700 w 8102600"/>
+              <a:gd name="connsiteY11" fmla="*/ 5346700 h 5803900"/>
+              <a:gd name="connsiteX12" fmla="*/ 12700 w 8102600"/>
+              <a:gd name="connsiteY12" fmla="*/ 546100 h 5803900"/>
+              <a:gd name="connsiteX0" fmla="*/ 12700 w 8102599"/>
+              <a:gd name="connsiteY0" fmla="*/ 546100 h 5803900"/>
+              <a:gd name="connsiteX1" fmla="*/ 88900 w 8102599"/>
+              <a:gd name="connsiteY1" fmla="*/ 88900 h 5803900"/>
+              <a:gd name="connsiteX2" fmla="*/ 546100 w 8102599"/>
+              <a:gd name="connsiteY2" fmla="*/ 12701 h 5803900"/>
+              <a:gd name="connsiteX3" fmla="*/ 7556500 w 8102599"/>
+              <a:gd name="connsiteY3" fmla="*/ 12700 h 5803900"/>
+              <a:gd name="connsiteX4" fmla="*/ 8013699 w 8102599"/>
+              <a:gd name="connsiteY4" fmla="*/ 88900 h 5803900"/>
+              <a:gd name="connsiteX5" fmla="*/ 8089899 w 8102599"/>
+              <a:gd name="connsiteY5" fmla="*/ 469900 h 5803900"/>
+              <a:gd name="connsiteX6" fmla="*/ 8089900 w 8102599"/>
+              <a:gd name="connsiteY6" fmla="*/ 4838681 h 5803900"/>
+              <a:gd name="connsiteX7" fmla="*/ 7807194 w 8102599"/>
+              <a:gd name="connsiteY7" fmla="*/ 5521194 h 5803900"/>
+              <a:gd name="connsiteX8" fmla="*/ 7124681 w 8102599"/>
+              <a:gd name="connsiteY8" fmla="*/ 5803900 h 5803900"/>
+              <a:gd name="connsiteX9" fmla="*/ 546100 w 8102599"/>
+              <a:gd name="connsiteY9" fmla="*/ 5803900 h 5803900"/>
+              <a:gd name="connsiteX10" fmla="*/ 88900 w 8102599"/>
+              <a:gd name="connsiteY10" fmla="*/ 5727700 h 5803900"/>
+              <a:gd name="connsiteX11" fmla="*/ 12700 w 8102599"/>
+              <a:gd name="connsiteY11" fmla="*/ 5346700 h 5803900"/>
+              <a:gd name="connsiteX12" fmla="*/ 12700 w 8102599"/>
+              <a:gd name="connsiteY12" fmla="*/ 546100 h 5803900"/>
+              <a:gd name="connsiteX0" fmla="*/ 12700 w 8102599"/>
+              <a:gd name="connsiteY0" fmla="*/ 546100 h 5803900"/>
+              <a:gd name="connsiteX1" fmla="*/ 88900 w 8102599"/>
+              <a:gd name="connsiteY1" fmla="*/ 88900 h 5803900"/>
+              <a:gd name="connsiteX2" fmla="*/ 546100 w 8102599"/>
+              <a:gd name="connsiteY2" fmla="*/ 12701 h 5803900"/>
+              <a:gd name="connsiteX3" fmla="*/ 7556500 w 8102599"/>
+              <a:gd name="connsiteY3" fmla="*/ 12700 h 5803900"/>
+              <a:gd name="connsiteX4" fmla="*/ 8013699 w 8102599"/>
+              <a:gd name="connsiteY4" fmla="*/ 88900 h 5803900"/>
+              <a:gd name="connsiteX5" fmla="*/ 8089899 w 8102599"/>
+              <a:gd name="connsiteY5" fmla="*/ 469900 h 5803900"/>
+              <a:gd name="connsiteX6" fmla="*/ 8089900 w 8102599"/>
+              <a:gd name="connsiteY6" fmla="*/ 5346700 h 5803900"/>
+              <a:gd name="connsiteX7" fmla="*/ 7807194 w 8102599"/>
+              <a:gd name="connsiteY7" fmla="*/ 5521194 h 5803900"/>
+              <a:gd name="connsiteX8" fmla="*/ 7124681 w 8102599"/>
+              <a:gd name="connsiteY8" fmla="*/ 5803900 h 5803900"/>
+              <a:gd name="connsiteX9" fmla="*/ 546100 w 8102599"/>
+              <a:gd name="connsiteY9" fmla="*/ 5803900 h 5803900"/>
+              <a:gd name="connsiteX10" fmla="*/ 88900 w 8102599"/>
+              <a:gd name="connsiteY10" fmla="*/ 5727700 h 5803900"/>
+              <a:gd name="connsiteX11" fmla="*/ 12700 w 8102599"/>
+              <a:gd name="connsiteY11" fmla="*/ 5346700 h 5803900"/>
+              <a:gd name="connsiteX12" fmla="*/ 12700 w 8102599"/>
+              <a:gd name="connsiteY12" fmla="*/ 546100 h 5803900"/>
+              <a:gd name="connsiteX0" fmla="*/ 12700 w 8102599"/>
+              <a:gd name="connsiteY0" fmla="*/ 546100 h 5803900"/>
+              <a:gd name="connsiteX1" fmla="*/ 88900 w 8102599"/>
+              <a:gd name="connsiteY1" fmla="*/ 88900 h 5803900"/>
+              <a:gd name="connsiteX2" fmla="*/ 546100 w 8102599"/>
+              <a:gd name="connsiteY2" fmla="*/ 12701 h 5803900"/>
+              <a:gd name="connsiteX3" fmla="*/ 7556500 w 8102599"/>
+              <a:gd name="connsiteY3" fmla="*/ 12700 h 5803900"/>
+              <a:gd name="connsiteX4" fmla="*/ 8013699 w 8102599"/>
+              <a:gd name="connsiteY4" fmla="*/ 88900 h 5803900"/>
+              <a:gd name="connsiteX5" fmla="*/ 8089899 w 8102599"/>
+              <a:gd name="connsiteY5" fmla="*/ 469900 h 5803900"/>
+              <a:gd name="connsiteX6" fmla="*/ 8089900 w 8102599"/>
+              <a:gd name="connsiteY6" fmla="*/ 5346700 h 5803900"/>
+              <a:gd name="connsiteX7" fmla="*/ 7807194 w 8102599"/>
+              <a:gd name="connsiteY7" fmla="*/ 5521194 h 5803900"/>
+              <a:gd name="connsiteX8" fmla="*/ 7632700 w 8102599"/>
+              <a:gd name="connsiteY8" fmla="*/ 5803900 h 5803900"/>
+              <a:gd name="connsiteX9" fmla="*/ 546100 w 8102599"/>
+              <a:gd name="connsiteY9" fmla="*/ 5803900 h 5803900"/>
+              <a:gd name="connsiteX10" fmla="*/ 88900 w 8102599"/>
+              <a:gd name="connsiteY10" fmla="*/ 5727700 h 5803900"/>
+              <a:gd name="connsiteX11" fmla="*/ 12700 w 8102599"/>
+              <a:gd name="connsiteY11" fmla="*/ 5346700 h 5803900"/>
+              <a:gd name="connsiteX12" fmla="*/ 12700 w 8102599"/>
+              <a:gd name="connsiteY12" fmla="*/ 546100 h 5803900"/>
+              <a:gd name="connsiteX0" fmla="*/ 12700 w 8102599"/>
+              <a:gd name="connsiteY0" fmla="*/ 546100 h 5803900"/>
+              <a:gd name="connsiteX1" fmla="*/ 88900 w 8102599"/>
+              <a:gd name="connsiteY1" fmla="*/ 88900 h 5803900"/>
+              <a:gd name="connsiteX2" fmla="*/ 546100 w 8102599"/>
+              <a:gd name="connsiteY2" fmla="*/ 12701 h 5803900"/>
+              <a:gd name="connsiteX3" fmla="*/ 7556500 w 8102599"/>
+              <a:gd name="connsiteY3" fmla="*/ 12700 h 5803900"/>
+              <a:gd name="connsiteX4" fmla="*/ 8013699 w 8102599"/>
+              <a:gd name="connsiteY4" fmla="*/ 88900 h 5803900"/>
+              <a:gd name="connsiteX5" fmla="*/ 8089899 w 8102599"/>
+              <a:gd name="connsiteY5" fmla="*/ 469900 h 5803900"/>
+              <a:gd name="connsiteX6" fmla="*/ 8089900 w 8102599"/>
+              <a:gd name="connsiteY6" fmla="*/ 5346700 h 5803900"/>
+              <a:gd name="connsiteX7" fmla="*/ 8013700 w 8102599"/>
+              <a:gd name="connsiteY7" fmla="*/ 5727700 h 5803900"/>
+              <a:gd name="connsiteX8" fmla="*/ 7632700 w 8102599"/>
+              <a:gd name="connsiteY8" fmla="*/ 5803900 h 5803900"/>
+              <a:gd name="connsiteX9" fmla="*/ 546100 w 8102599"/>
+              <a:gd name="connsiteY9" fmla="*/ 5803900 h 5803900"/>
+              <a:gd name="connsiteX10" fmla="*/ 88900 w 8102599"/>
+              <a:gd name="connsiteY10" fmla="*/ 5727700 h 5803900"/>
+              <a:gd name="connsiteX11" fmla="*/ 12700 w 8102599"/>
+              <a:gd name="connsiteY11" fmla="*/ 5346700 h 5803900"/>
+              <a:gd name="connsiteX12" fmla="*/ 12700 w 8102599"/>
+              <a:gd name="connsiteY12" fmla="*/ 546100 h 5803900"/>
+            </a:gdLst>
+            <a:ahLst/>
+            <a:cxnLst>
+              <a:cxn ang="0">
+                <a:pos x="connsiteX0" y="connsiteY0"/>
+              </a:cxn>
+              <a:cxn ang="0">
+                <a:pos x="connsiteX1" y="connsiteY1"/>
+              </a:cxn>
+              <a:cxn ang="0">
+                <a:pos x="connsiteX2" y="connsiteY2"/>
+              </a:cxn>
+              <a:cxn ang="0">
+                <a:pos x="connsiteX3" y="connsiteY3"/>
+              </a:cxn>
+              <a:cxn ang="0">
+                <a:pos x="connsiteX4" y="connsiteY4"/>
+              </a:cxn>
+              <a:cxn ang="0">
+                <a:pos x="connsiteX5" y="connsiteY5"/>
+              </a:cxn>
+              <a:cxn ang="0">
+                <a:pos x="connsiteX6" y="connsiteY6"/>
+              </a:cxn>
+              <a:cxn ang="0">
+                <a:pos x="connsiteX7" y="connsiteY7"/>
+              </a:cxn>
+              <a:cxn ang="0">
+                <a:pos x="connsiteX8" y="connsiteY8"/>
+              </a:cxn>
+              <a:cxn ang="0">
+                <a:pos x="connsiteX9" y="connsiteY9"/>
+              </a:cxn>
+              <a:cxn ang="0">
+                <a:pos x="connsiteX10" y="connsiteY10"/>
+              </a:cxn>
+              <a:cxn ang="0">
+                <a:pos x="connsiteX11" y="connsiteY11"/>
+              </a:cxn>
+              <a:cxn ang="0">
+                <a:pos x="connsiteX12" y="connsiteY12"/>
+              </a:cxn>
+            </a:cxnLst>
+            <a:rect l="l" t="t" r="r" b="b"/>
+            <a:pathLst>
+              <a:path w="8102599" h="5803900">
+                <a:moveTo>
+                  <a:pt x="12700" y="546100"/>
+                </a:moveTo>
+                <a:cubicBezTo>
+                  <a:pt x="12700" y="290108"/>
+                  <a:pt x="0" y="177800"/>
+                  <a:pt x="88900" y="88900"/>
+                </a:cubicBezTo>
+                <a:cubicBezTo>
+                  <a:pt x="177800" y="0"/>
+                  <a:pt x="290107" y="12700"/>
+                  <a:pt x="546100" y="12701"/>
+                </a:cubicBezTo>
+                <a:lnTo>
+                  <a:pt x="7556500" y="12700"/>
+                </a:lnTo>
+                <a:cubicBezTo>
+                  <a:pt x="7812492" y="12700"/>
+                  <a:pt x="7924799" y="12700"/>
+                  <a:pt x="8013699" y="88900"/>
+                </a:cubicBezTo>
+                <a:cubicBezTo>
+                  <a:pt x="8102599" y="165100"/>
+                  <a:pt x="8089900" y="213907"/>
+                  <a:pt x="8089899" y="469900"/>
+                </a:cubicBezTo>
+                <a:cubicBezTo>
+                  <a:pt x="8089899" y="1926160"/>
+                  <a:pt x="8089900" y="3890440"/>
+                  <a:pt x="8089900" y="5346700"/>
+                </a:cubicBezTo>
+                <a:cubicBezTo>
+                  <a:pt x="8089900" y="5602692"/>
+                  <a:pt x="8089900" y="5651500"/>
+                  <a:pt x="8013700" y="5727700"/>
+                </a:cubicBezTo>
+                <a:cubicBezTo>
+                  <a:pt x="7937500" y="5803900"/>
+                  <a:pt x="7888692" y="5803900"/>
+                  <a:pt x="7632700" y="5803900"/>
+                </a:cubicBezTo>
+                <a:lnTo>
+                  <a:pt x="546100" y="5803900"/>
+                </a:lnTo>
+                <a:cubicBezTo>
+                  <a:pt x="290108" y="5803900"/>
+                  <a:pt x="177800" y="5803900"/>
+                  <a:pt x="88900" y="5727700"/>
+                </a:cubicBezTo>
+                <a:cubicBezTo>
+                  <a:pt x="0" y="5651500"/>
+                  <a:pt x="12700" y="5602692"/>
+                  <a:pt x="12700" y="5346700"/>
+                </a:cubicBezTo>
+                <a:lnTo>
+                  <a:pt x="12700" y="546100"/>
+                </a:lnTo>
+                <a:close/>
+              </a:path>
+            </a:pathLst>
+          </a:custGeom>
+          <a:gradFill>
+            <a:gsLst>
+              <a:gs pos="0">
+                <a:schemeClr val="bg1">
+                  <a:lumMod val="50000"/>
+                </a:schemeClr>
+              </a:gs>
+              <a:gs pos="39999">
+                <a:schemeClr val="bg1">
+                  <a:lumMod val="65000"/>
+                </a:schemeClr>
+              </a:gs>
+              <a:gs pos="70000">
+                <a:schemeClr val="bg1">
+                  <a:lumMod val="50000"/>
+                  <a:alpha val="73000"/>
+                </a:schemeClr>
+              </a:gs>
+            </a:gsLst>
+            <a:lin ang="5400000" scaled="0"/>
+          </a:gradFill>
+          <a:ln>
+            <a:solidFill>
+              <a:schemeClr val="bg1">
+                <a:lumMod val="75000"/>
+              </a:schemeClr>
+            </a:solidFill>
+          </a:ln>
+        </p:spPr>
+        <p:style>
+          <a:lnRef idx="2">
+            <a:schemeClr val="accent1">
+              <a:shade val="50000"/>
+            </a:schemeClr>
+          </a:lnRef>
+          <a:fillRef idx="1">
+            <a:schemeClr val="accent1"/>
+          </a:fillRef>
+          <a:effectRef idx="0">
+            <a:schemeClr val="accent1"/>
+          </a:effectRef>
+          <a:fontRef idx="minor">
+            <a:schemeClr val="lt1"/>
+          </a:fontRef>
+        </p:style>
+        <p:txBody>
+          <a:bodyPr rtlCol="0" anchor="ctr"/>
+          <a:lstStyle/>
+          <a:p>
+            <a:pPr fontAlgn="t"/>
+            <a:endParaRPr lang="es-AR" b="1" dirty="0" smtClean="0"/>
+          </a:p>
+          <a:p>
+            <a:pPr algn="ctr"/>
+            <a:endParaRPr lang="es-AR" dirty="0"/>
+          </a:p>
+        </p:txBody>
+      </p:sp>
+      <p:sp>
+        <p:nvSpPr>
+          <p:cNvPr id="10" name="Round Same Side Corner Rectangle 9"/>
+          <p:cNvSpPr/>
+          <p:nvPr/>
+        </p:nvSpPr>
+        <p:spPr>
+          <a:xfrm rot="10800000">
+            <a:off x="1219200" y="544417"/>
+            <a:ext cx="6781800" cy="1741582"/>
+          </a:xfrm>
+          <a:prstGeom prst="round2SameRect">
+            <a:avLst/>
+          </a:prstGeom>
+        </p:spPr>
+        <p:style>
+          <a:lnRef idx="2">
+            <a:schemeClr val="dk1">
+              <a:shade val="50000"/>
+            </a:schemeClr>
+          </a:lnRef>
+          <a:fillRef idx="1">
+            <a:schemeClr val="dk1"/>
+          </a:fillRef>
+          <a:effectRef idx="0">
+            <a:schemeClr val="dk1"/>
+          </a:effectRef>
+          <a:fontRef idx="minor">
+            <a:schemeClr val="lt1"/>
+          </a:fontRef>
+        </p:style>
+        <p:txBody>
+          <a:bodyPr rtlCol="0" anchor="ctr"/>
+          <a:lstStyle/>
+          <a:p>
+            <a:pPr algn="ctr"/>
+            <a:endParaRPr lang="es-AR" dirty="0"/>
+          </a:p>
+        </p:txBody>
+      </p:sp>
+      <p:pic>
+        <p:nvPicPr>
+          <p:cNvPr id="11" name="Picture 2" descr="E:\U.B.A.Files\Materias\75.45 Taller de Desarrollo de Proyectos I\TP\Trunk\Proyecto\web\site\images\logo.png"/>
+          <p:cNvPicPr>
+            <a:picLocks noChangeAspect="1" noChangeArrowheads="1"/>
+          </p:cNvPicPr>
+          <p:nvPr/>
+        </p:nvPicPr>
+        <p:blipFill>
+          <a:blip r:embed="rId3" cstate="print"/>
+          <a:srcRect/>
+          <a:stretch>
+            <a:fillRect/>
+          </a:stretch>
+        </p:blipFill>
+        <p:spPr bwMode="auto">
+          <a:xfrm>
+            <a:off x="1600200" y="913540"/>
+            <a:ext cx="2640904" cy="762000"/>
+          </a:xfrm>
+          <a:prstGeom prst="rect">
+            <a:avLst/>
+          </a:prstGeom>
+          <a:noFill/>
+        </p:spPr>
+      </p:pic>
+      <p:sp>
+        <p:nvSpPr>
+          <p:cNvPr id="12" name="TextBox 11"/>
+          <p:cNvSpPr txBox="1"/>
+          <p:nvPr/>
+        </p:nvSpPr>
+        <p:spPr>
+          <a:xfrm>
+            <a:off x="4343400" y="1001408"/>
+            <a:ext cx="3180743" cy="307777"/>
+          </a:xfrm>
+          <a:prstGeom prst="rect">
+            <a:avLst/>
+          </a:prstGeom>
+          <a:noFill/>
+        </p:spPr>
+        <p:txBody>
+          <a:bodyPr wrap="none" rtlCol="0">
+            <a:spAutoFit/>
+          </a:bodyPr>
+          <a:lstStyle/>
+          <a:p>
+            <a:r>
+              <a:rPr lang="es-AR" sz="1400" dirty="0" smtClean="0">
+                <a:solidFill>
+                  <a:schemeClr val="bg1">
+                    <a:lumMod val="50000"/>
+                  </a:schemeClr>
+                </a:solidFill>
+              </a:rPr>
+              <a:t>Centralización y análisis de datos</a:t>
+            </a:r>
+            <a:endParaRPr lang="es-AR" sz="1400" dirty="0">
+              <a:solidFill>
+                <a:schemeClr val="bg1">
+                  <a:lumMod val="50000"/>
+                </a:schemeClr>
+              </a:solidFill>
+            </a:endParaRPr>
+          </a:p>
+        </p:txBody>
+      </p:sp>
+      <p:sp>
+        <p:nvSpPr>
+          <p:cNvPr id="13" name="Rectangle 12"/>
+          <p:cNvSpPr/>
+          <p:nvPr/>
+        </p:nvSpPr>
+        <p:spPr>
+          <a:xfrm>
+            <a:off x="1143000" y="2218184"/>
+            <a:ext cx="6669360" cy="1066800"/>
+          </a:xfrm>
+          <a:prstGeom prst="rect">
+            <a:avLst/>
+          </a:prstGeom>
+          <a:noFill/>
+          <a:ln>
+            <a:noFill/>
+          </a:ln>
+        </p:spPr>
+        <p:style>
+          <a:lnRef idx="2">
+            <a:schemeClr val="accent1">
+              <a:shade val="50000"/>
+            </a:schemeClr>
+          </a:lnRef>
+          <a:fillRef idx="1">
+            <a:schemeClr val="accent1"/>
+          </a:fillRef>
+          <a:effectRef idx="0">
+            <a:schemeClr val="accent1"/>
+          </a:effectRef>
+          <a:fontRef idx="minor">
+            <a:schemeClr val="lt1"/>
+          </a:fontRef>
+        </p:style>
+        <p:txBody>
+          <a:bodyPr rtlCol="0" anchor="ctr"/>
+          <a:lstStyle/>
+          <a:p>
+            <a:pPr algn="ctr"/>
+            <a:r>
+              <a:rPr lang="es-AR" sz="4800" b="1" dirty="0" smtClean="0"/>
+              <a:t>Contacto y Contratación</a:t>
+            </a:r>
+            <a:endParaRPr lang="es-AR" dirty="0"/>
+          </a:p>
+        </p:txBody>
+      </p:sp>
+      <p:sp>
+        <p:nvSpPr>
+          <p:cNvPr id="14" name="TextBox 13"/>
+          <p:cNvSpPr txBox="1"/>
+          <p:nvPr/>
+        </p:nvSpPr>
+        <p:spPr>
+          <a:xfrm>
+            <a:off x="2514600" y="3276600"/>
+            <a:ext cx="3733800" cy="523220"/>
+          </a:xfrm>
+          <a:prstGeom prst="rect">
+            <a:avLst/>
+          </a:prstGeom>
+          <a:noFill/>
+        </p:spPr>
+        <p:txBody>
+          <a:bodyPr wrap="square" rtlCol="0">
+            <a:spAutoFit/>
+          </a:bodyPr>
+          <a:lstStyle/>
+          <a:p>
+            <a:endParaRPr lang="es-AR" sz="2800" i="1" dirty="0">
+              <a:solidFill>
+                <a:schemeClr val="bg1"/>
+              </a:solidFill>
+            </a:endParaRPr>
           </a:p>
         </p:txBody>
       </p:sp>
@@ -5720,6 +7351,13 @@
   <p:clrMapOvr>
     <a:masterClrMapping/>
   </p:clrMapOvr>
+  <p:timing>
+    <p:tnLst>
+      <p:par>
+        <p:cTn id="1" dur="indefinite" restart="never" nodeType="tmRoot"/>
+      </p:par>
+    </p:tnLst>
+  </p:timing>
 </p:sld>
 </file>
 
@@ -6836,21 +8474,8 @@
                   <a:schemeClr val="bg1"/>
                 </a:solidFill>
               </a:rPr>
-              <a:t> </a:t>
+              <a:t> comprenden la integridad y honestidad en los negocios, la constante búsqueda del perfeccionamiento, la adaptabilidad, pro actividad e innovación.</a:t>
             </a:r>
-            <a:r>
-              <a:rPr lang="es-AR" sz="2000" dirty="0" smtClean="0">
-                <a:solidFill>
-                  <a:schemeClr val="bg1"/>
-                </a:solidFill>
-              </a:rPr>
-              <a:t>comprenden la integridad y honestidad en los negocios, la constante búsqueda del perfeccionamiento, la adaptabilidad, pro actividad e innovación.</a:t>
-            </a:r>
-            <a:endParaRPr lang="es-AR" sz="2000" dirty="0" smtClean="0">
-              <a:solidFill>
-                <a:schemeClr val="bg1"/>
-              </a:solidFill>
-            </a:endParaRPr>
           </a:p>
           <a:p>
             <a:endParaRPr lang="es-AR" sz="2000" dirty="0">
@@ -7935,7 +9560,6 @@
               <a:rPr lang="es-AR" sz="4800" b="1" dirty="0" smtClean="0"/>
               <a:t>Nuestro Equipo</a:t>
             </a:r>
-            <a:endParaRPr lang="es-AR" sz="4800" b="1" dirty="0" smtClean="0"/>
           </a:p>
           <a:p>
             <a:pPr algn="ctr"/>
@@ -8130,11 +9754,7 @@
             </a:br>
             <a:r>
               <a:rPr lang="es-AR" dirty="0" smtClean="0"/>
-              <a:t>Actuario, especialista en </a:t>
-            </a:r>
-            <a:r>
-              <a:rPr lang="es-AR" dirty="0" smtClean="0"/>
-              <a:t>seguros.</a:t>
+              <a:t>Actuario, especialista en seguros.</a:t>
             </a:r>
             <a:endParaRPr lang="es-AR" dirty="0"/>
           </a:p>
@@ -8224,11 +9844,7 @@
             </a:br>
             <a:r>
               <a:rPr lang="es-AR" dirty="0" smtClean="0"/>
-              <a:t>Ingeniero, especialista en </a:t>
-            </a:r>
-            <a:r>
-              <a:rPr lang="es-AR" dirty="0" smtClean="0"/>
-              <a:t>seguridad.</a:t>
+              <a:t>Ingeniero, especialista en seguridad.</a:t>
             </a:r>
             <a:endParaRPr lang="es-AR" dirty="0"/>
           </a:p>
@@ -9486,39 +11102,7 @@
                   <a:schemeClr val="bg1"/>
                 </a:solidFill>
               </a:rPr>
-              <a:t>La </a:t>
-            </a:r>
-            <a:r>
-              <a:rPr lang="es-AR" sz="2200" dirty="0" smtClean="0">
-                <a:solidFill>
-                  <a:schemeClr val="bg1"/>
-                </a:solidFill>
-              </a:rPr>
-              <a:t>forma más eficiente de transformar </a:t>
-            </a:r>
-            <a:r>
-              <a:rPr lang="es-AR" sz="2200" dirty="0" smtClean="0">
-                <a:solidFill>
-                  <a:schemeClr val="bg1"/>
-                </a:solidFill>
-              </a:rPr>
-              <a:t>datos </a:t>
-            </a:r>
-            <a:r>
-              <a:rPr lang="es-AR" sz="2200" dirty="0" smtClean="0">
-                <a:solidFill>
-                  <a:schemeClr val="bg1"/>
-                </a:solidFill>
-              </a:rPr>
-              <a:t>en </a:t>
-            </a:r>
-            <a:r>
-              <a:rPr lang="es-AR" sz="2200" dirty="0" smtClean="0">
-                <a:solidFill>
-                  <a:schemeClr val="bg1"/>
-                </a:solidFill>
-              </a:rPr>
-              <a:t>información;</a:t>
+              <a:t>La forma más eficiente de transformar datos en información;</a:t>
             </a:r>
           </a:p>
           <a:p>
@@ -9540,39 +11124,7 @@
                   <a:schemeClr val="bg1"/>
                 </a:solidFill>
               </a:rPr>
-              <a:t> Diversas </a:t>
-            </a:r>
-            <a:r>
-              <a:rPr lang="es-AR" sz="2200" dirty="0" smtClean="0">
-                <a:solidFill>
-                  <a:schemeClr val="bg1"/>
-                </a:solidFill>
-              </a:rPr>
-              <a:t>fuentes </a:t>
-            </a:r>
-            <a:r>
-              <a:rPr lang="es-AR" sz="2200" dirty="0" smtClean="0">
-                <a:solidFill>
-                  <a:schemeClr val="bg1"/>
-                </a:solidFill>
-              </a:rPr>
-              <a:t>de datos son integradas </a:t>
-            </a:r>
-            <a:r>
-              <a:rPr lang="es-AR" sz="2200" dirty="0" smtClean="0">
-                <a:solidFill>
-                  <a:schemeClr val="bg1"/>
-                </a:solidFill>
-              </a:rPr>
-              <a:t>en una única </a:t>
-            </a:r>
-            <a:r>
-              <a:rPr lang="es-AR" sz="2200" dirty="0" smtClean="0">
-                <a:solidFill>
-                  <a:schemeClr val="bg1"/>
-                </a:solidFill>
-              </a:rPr>
-              <a:t>base;</a:t>
+              <a:t> Diversas fuentes de datos son integradas en una única base;</a:t>
             </a:r>
           </a:p>
           <a:p>
@@ -9594,23 +11146,7 @@
                   <a:schemeClr val="bg1"/>
                 </a:solidFill>
               </a:rPr>
-              <a:t> Información </a:t>
-            </a:r>
-            <a:r>
-              <a:rPr lang="es-AR" sz="2200" dirty="0" smtClean="0">
-                <a:solidFill>
-                  <a:schemeClr val="bg1"/>
-                </a:solidFill>
-              </a:rPr>
-              <a:t>relevante y </a:t>
-            </a:r>
-            <a:r>
-              <a:rPr lang="es-AR" sz="2200" dirty="0" smtClean="0">
-                <a:solidFill>
-                  <a:schemeClr val="bg1"/>
-                </a:solidFill>
-              </a:rPr>
-              <a:t>actualizada;</a:t>
+              <a:t> Información relevante y actualizada;</a:t>
             </a:r>
           </a:p>
           <a:p>
@@ -9634,11 +11170,6 @@
               </a:rPr>
               <a:t> Amplia gama de factores considerados;</a:t>
             </a:r>
-            <a:endParaRPr lang="es-AR" sz="2200" dirty="0" smtClean="0">
-              <a:solidFill>
-                <a:schemeClr val="bg1"/>
-              </a:solidFill>
-            </a:endParaRPr>
           </a:p>
           <a:p>
             <a:pPr algn="ctr" fontAlgn="t">
@@ -10924,7 +12455,7 @@
           <a:p>
             <a:r>
               <a:rPr lang="es-AR" dirty="0" smtClean="0"/>
-              <a:t>    Perfil</a:t>
+              <a:t>          Perfil</a:t>
             </a:r>
             <a:endParaRPr lang="es-AR" dirty="0"/>
           </a:p>
@@ -10938,8 +12469,8 @@
         </p:nvSpPr>
         <p:spPr>
           <a:xfrm>
-            <a:off x="3733800" y="5334000"/>
-            <a:ext cx="1600200" cy="609600"/>
+            <a:off x="3581400" y="5334000"/>
+            <a:ext cx="1905000" cy="609600"/>
           </a:xfrm>
           <a:prstGeom prst="roundRect">
             <a:avLst/>
@@ -10968,7 +12499,7 @@
             <a:pPr algn="ctr"/>
             <a:r>
               <a:rPr lang="es-AR" dirty="0" smtClean="0"/>
-              <a:t>Antecedentes</a:t>
+              <a:t>     Antecedentes</a:t>
             </a:r>
             <a:endParaRPr lang="es-AR" dirty="0"/>
           </a:p>
@@ -11112,7 +12643,7 @@
         <p:spPr>
           <a:xfrm>
             <a:off x="2590800" y="5354288"/>
-            <a:ext cx="1143000" cy="284512"/>
+            <a:ext cx="990600" cy="284512"/>
           </a:xfrm>
           <a:prstGeom prst="straightConnector1">
             <a:avLst/>
@@ -11293,7 +12824,7 @@
         </p:blipFill>
         <p:spPr bwMode="auto">
           <a:xfrm>
-            <a:off x="3429000" y="5181600"/>
+            <a:off x="3352800" y="5181600"/>
             <a:ext cx="899160" cy="709863"/>
           </a:xfrm>
           <a:prstGeom prst="rect">
@@ -11519,7 +13050,7 @@
         </p:blipFill>
         <p:spPr bwMode="auto">
           <a:xfrm>
-            <a:off x="1752600" y="3733800"/>
+            <a:off x="1963387" y="3733800"/>
             <a:ext cx="1237013" cy="952500"/>
           </a:xfrm>
           <a:prstGeom prst="rect">
@@ -11569,6 +13100,3855 @@
           </a:fontRef>
         </p:style>
       </p:cxnSp>
+    </p:spTree>
+  </p:cSld>
+  <p:clrMapOvr>
+    <a:masterClrMapping/>
+  </p:clrMapOvr>
+</p:sld>
+</file>
+
+<file path=ppt/slides/slide7.xml><?xml version="1.0" encoding="utf-8"?>
+<p:sld xmlns:a="http://schemas.openxmlformats.org/drawingml/2006/main" xmlns:r="http://schemas.openxmlformats.org/officeDocument/2006/relationships" xmlns:p="http://schemas.openxmlformats.org/presentationml/2006/main">
+  <p:cSld>
+    <p:bg>
+      <p:bgPr shadeToTitle="1">
+        <a:solidFill>
+          <a:schemeClr val="bg1">
+            <a:lumMod val="50000"/>
+          </a:schemeClr>
+        </a:solidFill>
+        <a:effectLst/>
+      </p:bgPr>
+    </p:bg>
+    <p:spTree>
+      <p:nvGrpSpPr>
+        <p:cNvPr id="1" name=""/>
+        <p:cNvGrpSpPr/>
+        <p:nvPr/>
+      </p:nvGrpSpPr>
+      <p:grpSpPr>
+        <a:xfrm>
+          <a:off x="0" y="0"/>
+          <a:ext cx="0" cy="0"/>
+          <a:chOff x="0" y="0"/>
+          <a:chExt cx="0" cy="0"/>
+        </a:xfrm>
+      </p:grpSpPr>
+      <p:grpSp>
+        <p:nvGrpSpPr>
+          <p:cNvPr id="2" name="Group 22"/>
+          <p:cNvGrpSpPr/>
+          <p:nvPr/>
+        </p:nvGrpSpPr>
+        <p:grpSpPr>
+          <a:xfrm>
+            <a:off x="304800" y="304800"/>
+            <a:ext cx="8534400" cy="6248400"/>
+            <a:chOff x="304800" y="304800"/>
+            <a:chExt cx="8534400" cy="6248400"/>
+          </a:xfrm>
+          <a:solidFill>
+            <a:schemeClr val="bg1">
+              <a:lumMod val="85000"/>
+            </a:schemeClr>
+          </a:solidFill>
+        </p:grpSpPr>
+        <p:sp>
+          <p:nvSpPr>
+            <p:cNvPr id="18" name="Rounded Rectangle 17"/>
+            <p:cNvSpPr/>
+            <p:nvPr/>
+          </p:nvSpPr>
+          <p:spPr>
+            <a:xfrm>
+              <a:off x="304800" y="304800"/>
+              <a:ext cx="8534400" cy="6248400"/>
+            </a:xfrm>
+            <a:prstGeom prst="roundRect">
+              <a:avLst/>
+            </a:prstGeom>
+            <a:grpFill/>
+            <a:ln>
+              <a:noFill/>
+            </a:ln>
+          </p:spPr>
+          <p:style>
+            <a:lnRef idx="2">
+              <a:schemeClr val="accent1">
+                <a:shade val="50000"/>
+              </a:schemeClr>
+            </a:lnRef>
+            <a:fillRef idx="1">
+              <a:schemeClr val="accent1"/>
+            </a:fillRef>
+            <a:effectRef idx="0">
+              <a:schemeClr val="accent1"/>
+            </a:effectRef>
+            <a:fontRef idx="minor">
+              <a:schemeClr val="lt1"/>
+            </a:fontRef>
+          </p:style>
+          <p:txBody>
+            <a:bodyPr rtlCol="0" anchor="ctr"/>
+            <a:lstStyle/>
+            <a:p>
+              <a:pPr algn="ctr"/>
+              <a:endParaRPr lang="es-AR"/>
+            </a:p>
+          </p:txBody>
+        </p:sp>
+        <p:sp>
+          <p:nvSpPr>
+            <p:cNvPr id="22" name="Rounded Rectangle 21"/>
+            <p:cNvSpPr/>
+            <p:nvPr/>
+          </p:nvSpPr>
+          <p:spPr>
+            <a:xfrm>
+              <a:off x="7086600" y="304800"/>
+              <a:ext cx="1752600" cy="1752600"/>
+            </a:xfrm>
+            <a:prstGeom prst="roundRect">
+              <a:avLst/>
+            </a:prstGeom>
+            <a:grpFill/>
+            <a:ln>
+              <a:noFill/>
+            </a:ln>
+          </p:spPr>
+          <p:style>
+            <a:lnRef idx="2">
+              <a:schemeClr val="accent1">
+                <a:shade val="50000"/>
+              </a:schemeClr>
+            </a:lnRef>
+            <a:fillRef idx="1">
+              <a:schemeClr val="accent1"/>
+            </a:fillRef>
+            <a:effectRef idx="0">
+              <a:schemeClr val="accent1"/>
+            </a:effectRef>
+            <a:fontRef idx="minor">
+              <a:schemeClr val="lt1"/>
+            </a:fontRef>
+          </p:style>
+          <p:txBody>
+            <a:bodyPr rtlCol="0" anchor="ctr"/>
+            <a:lstStyle/>
+            <a:p>
+              <a:pPr algn="ctr"/>
+              <a:endParaRPr lang="es-AR"/>
+            </a:p>
+          </p:txBody>
+        </p:sp>
+        <p:sp>
+          <p:nvSpPr>
+            <p:cNvPr id="21" name="Rounded Rectangle 20"/>
+            <p:cNvSpPr/>
+            <p:nvPr/>
+          </p:nvSpPr>
+          <p:spPr>
+            <a:xfrm>
+              <a:off x="304800" y="304800"/>
+              <a:ext cx="1752600" cy="1752600"/>
+            </a:xfrm>
+            <a:prstGeom prst="roundRect">
+              <a:avLst/>
+            </a:prstGeom>
+            <a:grpFill/>
+            <a:ln>
+              <a:noFill/>
+            </a:ln>
+          </p:spPr>
+          <p:style>
+            <a:lnRef idx="2">
+              <a:schemeClr val="accent1">
+                <a:shade val="50000"/>
+              </a:schemeClr>
+            </a:lnRef>
+            <a:fillRef idx="1">
+              <a:schemeClr val="accent1"/>
+            </a:fillRef>
+            <a:effectRef idx="0">
+              <a:schemeClr val="accent1"/>
+            </a:effectRef>
+            <a:fontRef idx="minor">
+              <a:schemeClr val="lt1"/>
+            </a:fontRef>
+          </p:style>
+          <p:txBody>
+            <a:bodyPr rtlCol="0" anchor="ctr"/>
+            <a:lstStyle/>
+            <a:p>
+              <a:pPr algn="ctr"/>
+              <a:endParaRPr lang="es-AR"/>
+            </a:p>
+          </p:txBody>
+        </p:sp>
+        <p:sp>
+          <p:nvSpPr>
+            <p:cNvPr id="17" name="Rounded Rectangle 16"/>
+            <p:cNvSpPr/>
+            <p:nvPr/>
+          </p:nvSpPr>
+          <p:spPr>
+            <a:xfrm>
+              <a:off x="304800" y="4800600"/>
+              <a:ext cx="1752600" cy="1752600"/>
+            </a:xfrm>
+            <a:prstGeom prst="roundRect">
+              <a:avLst/>
+            </a:prstGeom>
+            <a:grpFill/>
+            <a:ln>
+              <a:noFill/>
+            </a:ln>
+          </p:spPr>
+          <p:style>
+            <a:lnRef idx="2">
+              <a:schemeClr val="accent1">
+                <a:shade val="50000"/>
+              </a:schemeClr>
+            </a:lnRef>
+            <a:fillRef idx="1">
+              <a:schemeClr val="accent1"/>
+            </a:fillRef>
+            <a:effectRef idx="0">
+              <a:schemeClr val="accent1"/>
+            </a:effectRef>
+            <a:fontRef idx="minor">
+              <a:schemeClr val="lt1"/>
+            </a:fontRef>
+          </p:style>
+          <p:txBody>
+            <a:bodyPr rtlCol="0" anchor="ctr"/>
+            <a:lstStyle/>
+            <a:p>
+              <a:pPr algn="ctr"/>
+              <a:endParaRPr lang="es-AR"/>
+            </a:p>
+          </p:txBody>
+        </p:sp>
+        <p:sp>
+          <p:nvSpPr>
+            <p:cNvPr id="19" name="Rounded Rectangle 18"/>
+            <p:cNvSpPr/>
+            <p:nvPr/>
+          </p:nvSpPr>
+          <p:spPr>
+            <a:xfrm>
+              <a:off x="7086600" y="4800600"/>
+              <a:ext cx="1752600" cy="1752600"/>
+            </a:xfrm>
+            <a:prstGeom prst="roundRect">
+              <a:avLst/>
+            </a:prstGeom>
+            <a:grpFill/>
+            <a:ln>
+              <a:noFill/>
+            </a:ln>
+          </p:spPr>
+          <p:style>
+            <a:lnRef idx="2">
+              <a:schemeClr val="accent1">
+                <a:shade val="50000"/>
+              </a:schemeClr>
+            </a:lnRef>
+            <a:fillRef idx="1">
+              <a:schemeClr val="accent1"/>
+            </a:fillRef>
+            <a:effectRef idx="0">
+              <a:schemeClr val="accent1"/>
+            </a:effectRef>
+            <a:fontRef idx="minor">
+              <a:schemeClr val="lt1"/>
+            </a:fontRef>
+          </p:style>
+          <p:txBody>
+            <a:bodyPr rtlCol="0" anchor="ctr"/>
+            <a:lstStyle/>
+            <a:p>
+              <a:pPr algn="ctr"/>
+              <a:endParaRPr lang="es-AR"/>
+            </a:p>
+          </p:txBody>
+        </p:sp>
+      </p:grpSp>
+      <p:sp>
+        <p:nvSpPr>
+          <p:cNvPr id="40" name="Freeform 39"/>
+          <p:cNvSpPr/>
+          <p:nvPr/>
+        </p:nvSpPr>
+        <p:spPr>
+          <a:xfrm>
+            <a:off x="533400" y="457200"/>
+            <a:ext cx="8102599" cy="5803900"/>
+          </a:xfrm>
+          <a:custGeom>
+            <a:avLst/>
+            <a:gdLst>
+              <a:gd name="connsiteX0" fmla="*/ 0 w 8077200"/>
+              <a:gd name="connsiteY0" fmla="*/ 965219 h 5791200"/>
+              <a:gd name="connsiteX1" fmla="*/ 282707 w 8077200"/>
+              <a:gd name="connsiteY1" fmla="*/ 282706 h 5791200"/>
+              <a:gd name="connsiteX2" fmla="*/ 965221 w 8077200"/>
+              <a:gd name="connsiteY2" fmla="*/ 1 h 5791200"/>
+              <a:gd name="connsiteX3" fmla="*/ 7111981 w 8077200"/>
+              <a:gd name="connsiteY3" fmla="*/ 0 h 5791200"/>
+              <a:gd name="connsiteX4" fmla="*/ 7794494 w 8077200"/>
+              <a:gd name="connsiteY4" fmla="*/ 282707 h 5791200"/>
+              <a:gd name="connsiteX5" fmla="*/ 8077199 w 8077200"/>
+              <a:gd name="connsiteY5" fmla="*/ 965221 h 5791200"/>
+              <a:gd name="connsiteX6" fmla="*/ 8077200 w 8077200"/>
+              <a:gd name="connsiteY6" fmla="*/ 4825981 h 5791200"/>
+              <a:gd name="connsiteX7" fmla="*/ 7794494 w 8077200"/>
+              <a:gd name="connsiteY7" fmla="*/ 5508494 h 5791200"/>
+              <a:gd name="connsiteX8" fmla="*/ 7111981 w 8077200"/>
+              <a:gd name="connsiteY8" fmla="*/ 5791200 h 5791200"/>
+              <a:gd name="connsiteX9" fmla="*/ 965219 w 8077200"/>
+              <a:gd name="connsiteY9" fmla="*/ 5791200 h 5791200"/>
+              <a:gd name="connsiteX10" fmla="*/ 282706 w 8077200"/>
+              <a:gd name="connsiteY10" fmla="*/ 5508493 h 5791200"/>
+              <a:gd name="connsiteX11" fmla="*/ 0 w 8077200"/>
+              <a:gd name="connsiteY11" fmla="*/ 4825980 h 5791200"/>
+              <a:gd name="connsiteX12" fmla="*/ 0 w 8077200"/>
+              <a:gd name="connsiteY12" fmla="*/ 965219 h 5791200"/>
+              <a:gd name="connsiteX0" fmla="*/ 0 w 8077200"/>
+              <a:gd name="connsiteY0" fmla="*/ 609600 h 5791200"/>
+              <a:gd name="connsiteX1" fmla="*/ 282707 w 8077200"/>
+              <a:gd name="connsiteY1" fmla="*/ 282706 h 5791200"/>
+              <a:gd name="connsiteX2" fmla="*/ 965221 w 8077200"/>
+              <a:gd name="connsiteY2" fmla="*/ 1 h 5791200"/>
+              <a:gd name="connsiteX3" fmla="*/ 7111981 w 8077200"/>
+              <a:gd name="connsiteY3" fmla="*/ 0 h 5791200"/>
+              <a:gd name="connsiteX4" fmla="*/ 7794494 w 8077200"/>
+              <a:gd name="connsiteY4" fmla="*/ 282707 h 5791200"/>
+              <a:gd name="connsiteX5" fmla="*/ 8077199 w 8077200"/>
+              <a:gd name="connsiteY5" fmla="*/ 965221 h 5791200"/>
+              <a:gd name="connsiteX6" fmla="*/ 8077200 w 8077200"/>
+              <a:gd name="connsiteY6" fmla="*/ 4825981 h 5791200"/>
+              <a:gd name="connsiteX7" fmla="*/ 7794494 w 8077200"/>
+              <a:gd name="connsiteY7" fmla="*/ 5508494 h 5791200"/>
+              <a:gd name="connsiteX8" fmla="*/ 7111981 w 8077200"/>
+              <a:gd name="connsiteY8" fmla="*/ 5791200 h 5791200"/>
+              <a:gd name="connsiteX9" fmla="*/ 965219 w 8077200"/>
+              <a:gd name="connsiteY9" fmla="*/ 5791200 h 5791200"/>
+              <a:gd name="connsiteX10" fmla="*/ 282706 w 8077200"/>
+              <a:gd name="connsiteY10" fmla="*/ 5508493 h 5791200"/>
+              <a:gd name="connsiteX11" fmla="*/ 0 w 8077200"/>
+              <a:gd name="connsiteY11" fmla="*/ 4825980 h 5791200"/>
+              <a:gd name="connsiteX12" fmla="*/ 0 w 8077200"/>
+              <a:gd name="connsiteY12" fmla="*/ 609600 h 5791200"/>
+              <a:gd name="connsiteX0" fmla="*/ 0 w 8077200"/>
+              <a:gd name="connsiteY0" fmla="*/ 609601 h 5791201"/>
+              <a:gd name="connsiteX1" fmla="*/ 282707 w 8077200"/>
+              <a:gd name="connsiteY1" fmla="*/ 282707 h 5791201"/>
+              <a:gd name="connsiteX2" fmla="*/ 609600 w 8077200"/>
+              <a:gd name="connsiteY2" fmla="*/ 1 h 5791201"/>
+              <a:gd name="connsiteX3" fmla="*/ 7111981 w 8077200"/>
+              <a:gd name="connsiteY3" fmla="*/ 1 h 5791201"/>
+              <a:gd name="connsiteX4" fmla="*/ 7794494 w 8077200"/>
+              <a:gd name="connsiteY4" fmla="*/ 282708 h 5791201"/>
+              <a:gd name="connsiteX5" fmla="*/ 8077199 w 8077200"/>
+              <a:gd name="connsiteY5" fmla="*/ 965222 h 5791201"/>
+              <a:gd name="connsiteX6" fmla="*/ 8077200 w 8077200"/>
+              <a:gd name="connsiteY6" fmla="*/ 4825982 h 5791201"/>
+              <a:gd name="connsiteX7" fmla="*/ 7794494 w 8077200"/>
+              <a:gd name="connsiteY7" fmla="*/ 5508495 h 5791201"/>
+              <a:gd name="connsiteX8" fmla="*/ 7111981 w 8077200"/>
+              <a:gd name="connsiteY8" fmla="*/ 5791201 h 5791201"/>
+              <a:gd name="connsiteX9" fmla="*/ 965219 w 8077200"/>
+              <a:gd name="connsiteY9" fmla="*/ 5791201 h 5791201"/>
+              <a:gd name="connsiteX10" fmla="*/ 282706 w 8077200"/>
+              <a:gd name="connsiteY10" fmla="*/ 5508494 h 5791201"/>
+              <a:gd name="connsiteX11" fmla="*/ 0 w 8077200"/>
+              <a:gd name="connsiteY11" fmla="*/ 4825981 h 5791201"/>
+              <a:gd name="connsiteX12" fmla="*/ 0 w 8077200"/>
+              <a:gd name="connsiteY12" fmla="*/ 609601 h 5791201"/>
+              <a:gd name="connsiteX0" fmla="*/ 0 w 8077200"/>
+              <a:gd name="connsiteY0" fmla="*/ 609601 h 5791201"/>
+              <a:gd name="connsiteX1" fmla="*/ 152400 w 8077200"/>
+              <a:gd name="connsiteY1" fmla="*/ 152402 h 5791201"/>
+              <a:gd name="connsiteX2" fmla="*/ 609600 w 8077200"/>
+              <a:gd name="connsiteY2" fmla="*/ 1 h 5791201"/>
+              <a:gd name="connsiteX3" fmla="*/ 7111981 w 8077200"/>
+              <a:gd name="connsiteY3" fmla="*/ 1 h 5791201"/>
+              <a:gd name="connsiteX4" fmla="*/ 7794494 w 8077200"/>
+              <a:gd name="connsiteY4" fmla="*/ 282708 h 5791201"/>
+              <a:gd name="connsiteX5" fmla="*/ 8077199 w 8077200"/>
+              <a:gd name="connsiteY5" fmla="*/ 965222 h 5791201"/>
+              <a:gd name="connsiteX6" fmla="*/ 8077200 w 8077200"/>
+              <a:gd name="connsiteY6" fmla="*/ 4825982 h 5791201"/>
+              <a:gd name="connsiteX7" fmla="*/ 7794494 w 8077200"/>
+              <a:gd name="connsiteY7" fmla="*/ 5508495 h 5791201"/>
+              <a:gd name="connsiteX8" fmla="*/ 7111981 w 8077200"/>
+              <a:gd name="connsiteY8" fmla="*/ 5791201 h 5791201"/>
+              <a:gd name="connsiteX9" fmla="*/ 965219 w 8077200"/>
+              <a:gd name="connsiteY9" fmla="*/ 5791201 h 5791201"/>
+              <a:gd name="connsiteX10" fmla="*/ 282706 w 8077200"/>
+              <a:gd name="connsiteY10" fmla="*/ 5508494 h 5791201"/>
+              <a:gd name="connsiteX11" fmla="*/ 0 w 8077200"/>
+              <a:gd name="connsiteY11" fmla="*/ 4825981 h 5791201"/>
+              <a:gd name="connsiteX12" fmla="*/ 0 w 8077200"/>
+              <a:gd name="connsiteY12" fmla="*/ 609601 h 5791201"/>
+              <a:gd name="connsiteX0" fmla="*/ 0 w 8077200"/>
+              <a:gd name="connsiteY0" fmla="*/ 609600 h 5791200"/>
+              <a:gd name="connsiteX1" fmla="*/ 152400 w 8077200"/>
+              <a:gd name="connsiteY1" fmla="*/ 152401 h 5791200"/>
+              <a:gd name="connsiteX2" fmla="*/ 533400 w 8077200"/>
+              <a:gd name="connsiteY2" fmla="*/ 1 h 5791200"/>
+              <a:gd name="connsiteX3" fmla="*/ 7111981 w 8077200"/>
+              <a:gd name="connsiteY3" fmla="*/ 0 h 5791200"/>
+              <a:gd name="connsiteX4" fmla="*/ 7794494 w 8077200"/>
+              <a:gd name="connsiteY4" fmla="*/ 282707 h 5791200"/>
+              <a:gd name="connsiteX5" fmla="*/ 8077199 w 8077200"/>
+              <a:gd name="connsiteY5" fmla="*/ 965221 h 5791200"/>
+              <a:gd name="connsiteX6" fmla="*/ 8077200 w 8077200"/>
+              <a:gd name="connsiteY6" fmla="*/ 4825981 h 5791200"/>
+              <a:gd name="connsiteX7" fmla="*/ 7794494 w 8077200"/>
+              <a:gd name="connsiteY7" fmla="*/ 5508494 h 5791200"/>
+              <a:gd name="connsiteX8" fmla="*/ 7111981 w 8077200"/>
+              <a:gd name="connsiteY8" fmla="*/ 5791200 h 5791200"/>
+              <a:gd name="connsiteX9" fmla="*/ 965219 w 8077200"/>
+              <a:gd name="connsiteY9" fmla="*/ 5791200 h 5791200"/>
+              <a:gd name="connsiteX10" fmla="*/ 282706 w 8077200"/>
+              <a:gd name="connsiteY10" fmla="*/ 5508493 h 5791200"/>
+              <a:gd name="connsiteX11" fmla="*/ 0 w 8077200"/>
+              <a:gd name="connsiteY11" fmla="*/ 4825980 h 5791200"/>
+              <a:gd name="connsiteX12" fmla="*/ 0 w 8077200"/>
+              <a:gd name="connsiteY12" fmla="*/ 609600 h 5791200"/>
+              <a:gd name="connsiteX0" fmla="*/ 0 w 8077200"/>
+              <a:gd name="connsiteY0" fmla="*/ 533400 h 5791200"/>
+              <a:gd name="connsiteX1" fmla="*/ 152400 w 8077200"/>
+              <a:gd name="connsiteY1" fmla="*/ 152401 h 5791200"/>
+              <a:gd name="connsiteX2" fmla="*/ 533400 w 8077200"/>
+              <a:gd name="connsiteY2" fmla="*/ 1 h 5791200"/>
+              <a:gd name="connsiteX3" fmla="*/ 7111981 w 8077200"/>
+              <a:gd name="connsiteY3" fmla="*/ 0 h 5791200"/>
+              <a:gd name="connsiteX4" fmla="*/ 7794494 w 8077200"/>
+              <a:gd name="connsiteY4" fmla="*/ 282707 h 5791200"/>
+              <a:gd name="connsiteX5" fmla="*/ 8077199 w 8077200"/>
+              <a:gd name="connsiteY5" fmla="*/ 965221 h 5791200"/>
+              <a:gd name="connsiteX6" fmla="*/ 8077200 w 8077200"/>
+              <a:gd name="connsiteY6" fmla="*/ 4825981 h 5791200"/>
+              <a:gd name="connsiteX7" fmla="*/ 7794494 w 8077200"/>
+              <a:gd name="connsiteY7" fmla="*/ 5508494 h 5791200"/>
+              <a:gd name="connsiteX8" fmla="*/ 7111981 w 8077200"/>
+              <a:gd name="connsiteY8" fmla="*/ 5791200 h 5791200"/>
+              <a:gd name="connsiteX9" fmla="*/ 965219 w 8077200"/>
+              <a:gd name="connsiteY9" fmla="*/ 5791200 h 5791200"/>
+              <a:gd name="connsiteX10" fmla="*/ 282706 w 8077200"/>
+              <a:gd name="connsiteY10" fmla="*/ 5508493 h 5791200"/>
+              <a:gd name="connsiteX11" fmla="*/ 0 w 8077200"/>
+              <a:gd name="connsiteY11" fmla="*/ 4825980 h 5791200"/>
+              <a:gd name="connsiteX12" fmla="*/ 0 w 8077200"/>
+              <a:gd name="connsiteY12" fmla="*/ 533400 h 5791200"/>
+              <a:gd name="connsiteX0" fmla="*/ 12700 w 8089900"/>
+              <a:gd name="connsiteY0" fmla="*/ 546100 h 5803900"/>
+              <a:gd name="connsiteX1" fmla="*/ 88900 w 8089900"/>
+              <a:gd name="connsiteY1" fmla="*/ 88900 h 5803900"/>
+              <a:gd name="connsiteX2" fmla="*/ 546100 w 8089900"/>
+              <a:gd name="connsiteY2" fmla="*/ 12701 h 5803900"/>
+              <a:gd name="connsiteX3" fmla="*/ 7124681 w 8089900"/>
+              <a:gd name="connsiteY3" fmla="*/ 12700 h 5803900"/>
+              <a:gd name="connsiteX4" fmla="*/ 7807194 w 8089900"/>
+              <a:gd name="connsiteY4" fmla="*/ 295407 h 5803900"/>
+              <a:gd name="connsiteX5" fmla="*/ 8089899 w 8089900"/>
+              <a:gd name="connsiteY5" fmla="*/ 977921 h 5803900"/>
+              <a:gd name="connsiteX6" fmla="*/ 8089900 w 8089900"/>
+              <a:gd name="connsiteY6" fmla="*/ 4838681 h 5803900"/>
+              <a:gd name="connsiteX7" fmla="*/ 7807194 w 8089900"/>
+              <a:gd name="connsiteY7" fmla="*/ 5521194 h 5803900"/>
+              <a:gd name="connsiteX8" fmla="*/ 7124681 w 8089900"/>
+              <a:gd name="connsiteY8" fmla="*/ 5803900 h 5803900"/>
+              <a:gd name="connsiteX9" fmla="*/ 977919 w 8089900"/>
+              <a:gd name="connsiteY9" fmla="*/ 5803900 h 5803900"/>
+              <a:gd name="connsiteX10" fmla="*/ 295406 w 8089900"/>
+              <a:gd name="connsiteY10" fmla="*/ 5521193 h 5803900"/>
+              <a:gd name="connsiteX11" fmla="*/ 12700 w 8089900"/>
+              <a:gd name="connsiteY11" fmla="*/ 4838680 h 5803900"/>
+              <a:gd name="connsiteX12" fmla="*/ 12700 w 8089900"/>
+              <a:gd name="connsiteY12" fmla="*/ 546100 h 5803900"/>
+              <a:gd name="connsiteX0" fmla="*/ 12700 w 8089900"/>
+              <a:gd name="connsiteY0" fmla="*/ 546100 h 5803900"/>
+              <a:gd name="connsiteX1" fmla="*/ 88900 w 8089900"/>
+              <a:gd name="connsiteY1" fmla="*/ 88900 h 5803900"/>
+              <a:gd name="connsiteX2" fmla="*/ 546100 w 8089900"/>
+              <a:gd name="connsiteY2" fmla="*/ 12701 h 5803900"/>
+              <a:gd name="connsiteX3" fmla="*/ 7124681 w 8089900"/>
+              <a:gd name="connsiteY3" fmla="*/ 12700 h 5803900"/>
+              <a:gd name="connsiteX4" fmla="*/ 7807194 w 8089900"/>
+              <a:gd name="connsiteY4" fmla="*/ 295407 h 5803900"/>
+              <a:gd name="connsiteX5" fmla="*/ 8089899 w 8089900"/>
+              <a:gd name="connsiteY5" fmla="*/ 977921 h 5803900"/>
+              <a:gd name="connsiteX6" fmla="*/ 8089900 w 8089900"/>
+              <a:gd name="connsiteY6" fmla="*/ 4838681 h 5803900"/>
+              <a:gd name="connsiteX7" fmla="*/ 7807194 w 8089900"/>
+              <a:gd name="connsiteY7" fmla="*/ 5521194 h 5803900"/>
+              <a:gd name="connsiteX8" fmla="*/ 7124681 w 8089900"/>
+              <a:gd name="connsiteY8" fmla="*/ 5803900 h 5803900"/>
+              <a:gd name="connsiteX9" fmla="*/ 977919 w 8089900"/>
+              <a:gd name="connsiteY9" fmla="*/ 5803900 h 5803900"/>
+              <a:gd name="connsiteX10" fmla="*/ 295406 w 8089900"/>
+              <a:gd name="connsiteY10" fmla="*/ 5521193 h 5803900"/>
+              <a:gd name="connsiteX11" fmla="*/ 12700 w 8089900"/>
+              <a:gd name="connsiteY11" fmla="*/ 5346700 h 5803900"/>
+              <a:gd name="connsiteX12" fmla="*/ 12700 w 8089900"/>
+              <a:gd name="connsiteY12" fmla="*/ 546100 h 5803900"/>
+              <a:gd name="connsiteX0" fmla="*/ 12700 w 8089900"/>
+              <a:gd name="connsiteY0" fmla="*/ 546100 h 5803900"/>
+              <a:gd name="connsiteX1" fmla="*/ 88900 w 8089900"/>
+              <a:gd name="connsiteY1" fmla="*/ 88900 h 5803900"/>
+              <a:gd name="connsiteX2" fmla="*/ 546100 w 8089900"/>
+              <a:gd name="connsiteY2" fmla="*/ 12701 h 5803900"/>
+              <a:gd name="connsiteX3" fmla="*/ 7124681 w 8089900"/>
+              <a:gd name="connsiteY3" fmla="*/ 12700 h 5803900"/>
+              <a:gd name="connsiteX4" fmla="*/ 7807194 w 8089900"/>
+              <a:gd name="connsiteY4" fmla="*/ 295407 h 5803900"/>
+              <a:gd name="connsiteX5" fmla="*/ 8089899 w 8089900"/>
+              <a:gd name="connsiteY5" fmla="*/ 977921 h 5803900"/>
+              <a:gd name="connsiteX6" fmla="*/ 8089900 w 8089900"/>
+              <a:gd name="connsiteY6" fmla="*/ 4838681 h 5803900"/>
+              <a:gd name="connsiteX7" fmla="*/ 7807194 w 8089900"/>
+              <a:gd name="connsiteY7" fmla="*/ 5521194 h 5803900"/>
+              <a:gd name="connsiteX8" fmla="*/ 7124681 w 8089900"/>
+              <a:gd name="connsiteY8" fmla="*/ 5803900 h 5803900"/>
+              <a:gd name="connsiteX9" fmla="*/ 546100 w 8089900"/>
+              <a:gd name="connsiteY9" fmla="*/ 5803900 h 5803900"/>
+              <a:gd name="connsiteX10" fmla="*/ 295406 w 8089900"/>
+              <a:gd name="connsiteY10" fmla="*/ 5521193 h 5803900"/>
+              <a:gd name="connsiteX11" fmla="*/ 12700 w 8089900"/>
+              <a:gd name="connsiteY11" fmla="*/ 5346700 h 5803900"/>
+              <a:gd name="connsiteX12" fmla="*/ 12700 w 8089900"/>
+              <a:gd name="connsiteY12" fmla="*/ 546100 h 5803900"/>
+              <a:gd name="connsiteX0" fmla="*/ 12700 w 8089900"/>
+              <a:gd name="connsiteY0" fmla="*/ 546100 h 5803900"/>
+              <a:gd name="connsiteX1" fmla="*/ 88900 w 8089900"/>
+              <a:gd name="connsiteY1" fmla="*/ 88900 h 5803900"/>
+              <a:gd name="connsiteX2" fmla="*/ 546100 w 8089900"/>
+              <a:gd name="connsiteY2" fmla="*/ 12701 h 5803900"/>
+              <a:gd name="connsiteX3" fmla="*/ 7124681 w 8089900"/>
+              <a:gd name="connsiteY3" fmla="*/ 12700 h 5803900"/>
+              <a:gd name="connsiteX4" fmla="*/ 7807194 w 8089900"/>
+              <a:gd name="connsiteY4" fmla="*/ 295407 h 5803900"/>
+              <a:gd name="connsiteX5" fmla="*/ 8089899 w 8089900"/>
+              <a:gd name="connsiteY5" fmla="*/ 977921 h 5803900"/>
+              <a:gd name="connsiteX6" fmla="*/ 8089900 w 8089900"/>
+              <a:gd name="connsiteY6" fmla="*/ 4838681 h 5803900"/>
+              <a:gd name="connsiteX7" fmla="*/ 7807194 w 8089900"/>
+              <a:gd name="connsiteY7" fmla="*/ 5521194 h 5803900"/>
+              <a:gd name="connsiteX8" fmla="*/ 7124681 w 8089900"/>
+              <a:gd name="connsiteY8" fmla="*/ 5803900 h 5803900"/>
+              <a:gd name="connsiteX9" fmla="*/ 546100 w 8089900"/>
+              <a:gd name="connsiteY9" fmla="*/ 5803900 h 5803900"/>
+              <a:gd name="connsiteX10" fmla="*/ 88900 w 8089900"/>
+              <a:gd name="connsiteY10" fmla="*/ 5727700 h 5803900"/>
+              <a:gd name="connsiteX11" fmla="*/ 12700 w 8089900"/>
+              <a:gd name="connsiteY11" fmla="*/ 5346700 h 5803900"/>
+              <a:gd name="connsiteX12" fmla="*/ 12700 w 8089900"/>
+              <a:gd name="connsiteY12" fmla="*/ 546100 h 5803900"/>
+              <a:gd name="connsiteX0" fmla="*/ 12700 w 8089900"/>
+              <a:gd name="connsiteY0" fmla="*/ 546100 h 5803900"/>
+              <a:gd name="connsiteX1" fmla="*/ 88900 w 8089900"/>
+              <a:gd name="connsiteY1" fmla="*/ 88900 h 5803900"/>
+              <a:gd name="connsiteX2" fmla="*/ 546100 w 8089900"/>
+              <a:gd name="connsiteY2" fmla="*/ 12701 h 5803900"/>
+              <a:gd name="connsiteX3" fmla="*/ 7556500 w 8089900"/>
+              <a:gd name="connsiteY3" fmla="*/ 12700 h 5803900"/>
+              <a:gd name="connsiteX4" fmla="*/ 7807194 w 8089900"/>
+              <a:gd name="connsiteY4" fmla="*/ 295407 h 5803900"/>
+              <a:gd name="connsiteX5" fmla="*/ 8089899 w 8089900"/>
+              <a:gd name="connsiteY5" fmla="*/ 977921 h 5803900"/>
+              <a:gd name="connsiteX6" fmla="*/ 8089900 w 8089900"/>
+              <a:gd name="connsiteY6" fmla="*/ 4838681 h 5803900"/>
+              <a:gd name="connsiteX7" fmla="*/ 7807194 w 8089900"/>
+              <a:gd name="connsiteY7" fmla="*/ 5521194 h 5803900"/>
+              <a:gd name="connsiteX8" fmla="*/ 7124681 w 8089900"/>
+              <a:gd name="connsiteY8" fmla="*/ 5803900 h 5803900"/>
+              <a:gd name="connsiteX9" fmla="*/ 546100 w 8089900"/>
+              <a:gd name="connsiteY9" fmla="*/ 5803900 h 5803900"/>
+              <a:gd name="connsiteX10" fmla="*/ 88900 w 8089900"/>
+              <a:gd name="connsiteY10" fmla="*/ 5727700 h 5803900"/>
+              <a:gd name="connsiteX11" fmla="*/ 12700 w 8089900"/>
+              <a:gd name="connsiteY11" fmla="*/ 5346700 h 5803900"/>
+              <a:gd name="connsiteX12" fmla="*/ 12700 w 8089900"/>
+              <a:gd name="connsiteY12" fmla="*/ 546100 h 5803900"/>
+              <a:gd name="connsiteX0" fmla="*/ 12700 w 8089901"/>
+              <a:gd name="connsiteY0" fmla="*/ 546100 h 5803900"/>
+              <a:gd name="connsiteX1" fmla="*/ 88900 w 8089901"/>
+              <a:gd name="connsiteY1" fmla="*/ 88900 h 5803900"/>
+              <a:gd name="connsiteX2" fmla="*/ 546100 w 8089901"/>
+              <a:gd name="connsiteY2" fmla="*/ 12701 h 5803900"/>
+              <a:gd name="connsiteX3" fmla="*/ 7556500 w 8089901"/>
+              <a:gd name="connsiteY3" fmla="*/ 12700 h 5803900"/>
+              <a:gd name="connsiteX4" fmla="*/ 7807194 w 8089901"/>
+              <a:gd name="connsiteY4" fmla="*/ 295407 h 5803900"/>
+              <a:gd name="connsiteX5" fmla="*/ 8089900 w 8089901"/>
+              <a:gd name="connsiteY5" fmla="*/ 469900 h 5803900"/>
+              <a:gd name="connsiteX6" fmla="*/ 8089900 w 8089901"/>
+              <a:gd name="connsiteY6" fmla="*/ 4838681 h 5803900"/>
+              <a:gd name="connsiteX7" fmla="*/ 7807194 w 8089901"/>
+              <a:gd name="connsiteY7" fmla="*/ 5521194 h 5803900"/>
+              <a:gd name="connsiteX8" fmla="*/ 7124681 w 8089901"/>
+              <a:gd name="connsiteY8" fmla="*/ 5803900 h 5803900"/>
+              <a:gd name="connsiteX9" fmla="*/ 546100 w 8089901"/>
+              <a:gd name="connsiteY9" fmla="*/ 5803900 h 5803900"/>
+              <a:gd name="connsiteX10" fmla="*/ 88900 w 8089901"/>
+              <a:gd name="connsiteY10" fmla="*/ 5727700 h 5803900"/>
+              <a:gd name="connsiteX11" fmla="*/ 12700 w 8089901"/>
+              <a:gd name="connsiteY11" fmla="*/ 5346700 h 5803900"/>
+              <a:gd name="connsiteX12" fmla="*/ 12700 w 8089901"/>
+              <a:gd name="connsiteY12" fmla="*/ 546100 h 5803900"/>
+              <a:gd name="connsiteX0" fmla="*/ 12700 w 8102600"/>
+              <a:gd name="connsiteY0" fmla="*/ 546100 h 5803900"/>
+              <a:gd name="connsiteX1" fmla="*/ 88900 w 8102600"/>
+              <a:gd name="connsiteY1" fmla="*/ 88900 h 5803900"/>
+              <a:gd name="connsiteX2" fmla="*/ 546100 w 8102600"/>
+              <a:gd name="connsiteY2" fmla="*/ 12701 h 5803900"/>
+              <a:gd name="connsiteX3" fmla="*/ 7556500 w 8102600"/>
+              <a:gd name="connsiteY3" fmla="*/ 12700 h 5803900"/>
+              <a:gd name="connsiteX4" fmla="*/ 8013700 w 8102600"/>
+              <a:gd name="connsiteY4" fmla="*/ 88900 h 5803900"/>
+              <a:gd name="connsiteX5" fmla="*/ 8089900 w 8102600"/>
+              <a:gd name="connsiteY5" fmla="*/ 469900 h 5803900"/>
+              <a:gd name="connsiteX6" fmla="*/ 8089900 w 8102600"/>
+              <a:gd name="connsiteY6" fmla="*/ 4838681 h 5803900"/>
+              <a:gd name="connsiteX7" fmla="*/ 7807194 w 8102600"/>
+              <a:gd name="connsiteY7" fmla="*/ 5521194 h 5803900"/>
+              <a:gd name="connsiteX8" fmla="*/ 7124681 w 8102600"/>
+              <a:gd name="connsiteY8" fmla="*/ 5803900 h 5803900"/>
+              <a:gd name="connsiteX9" fmla="*/ 546100 w 8102600"/>
+              <a:gd name="connsiteY9" fmla="*/ 5803900 h 5803900"/>
+              <a:gd name="connsiteX10" fmla="*/ 88900 w 8102600"/>
+              <a:gd name="connsiteY10" fmla="*/ 5727700 h 5803900"/>
+              <a:gd name="connsiteX11" fmla="*/ 12700 w 8102600"/>
+              <a:gd name="connsiteY11" fmla="*/ 5346700 h 5803900"/>
+              <a:gd name="connsiteX12" fmla="*/ 12700 w 8102600"/>
+              <a:gd name="connsiteY12" fmla="*/ 546100 h 5803900"/>
+              <a:gd name="connsiteX0" fmla="*/ 12700 w 8102600"/>
+              <a:gd name="connsiteY0" fmla="*/ 546100 h 5803900"/>
+              <a:gd name="connsiteX1" fmla="*/ 88900 w 8102600"/>
+              <a:gd name="connsiteY1" fmla="*/ 88900 h 5803900"/>
+              <a:gd name="connsiteX2" fmla="*/ 546100 w 8102600"/>
+              <a:gd name="connsiteY2" fmla="*/ 12701 h 5803900"/>
+              <a:gd name="connsiteX3" fmla="*/ 7556500 w 8102600"/>
+              <a:gd name="connsiteY3" fmla="*/ 12700 h 5803900"/>
+              <a:gd name="connsiteX4" fmla="*/ 8013700 w 8102600"/>
+              <a:gd name="connsiteY4" fmla="*/ 88900 h 5803900"/>
+              <a:gd name="connsiteX5" fmla="*/ 8089899 w 8102600"/>
+              <a:gd name="connsiteY5" fmla="*/ 469900 h 5803900"/>
+              <a:gd name="connsiteX6" fmla="*/ 8089900 w 8102600"/>
+              <a:gd name="connsiteY6" fmla="*/ 4838681 h 5803900"/>
+              <a:gd name="connsiteX7" fmla="*/ 7807194 w 8102600"/>
+              <a:gd name="connsiteY7" fmla="*/ 5521194 h 5803900"/>
+              <a:gd name="connsiteX8" fmla="*/ 7124681 w 8102600"/>
+              <a:gd name="connsiteY8" fmla="*/ 5803900 h 5803900"/>
+              <a:gd name="connsiteX9" fmla="*/ 546100 w 8102600"/>
+              <a:gd name="connsiteY9" fmla="*/ 5803900 h 5803900"/>
+              <a:gd name="connsiteX10" fmla="*/ 88900 w 8102600"/>
+              <a:gd name="connsiteY10" fmla="*/ 5727700 h 5803900"/>
+              <a:gd name="connsiteX11" fmla="*/ 12700 w 8102600"/>
+              <a:gd name="connsiteY11" fmla="*/ 5346700 h 5803900"/>
+              <a:gd name="connsiteX12" fmla="*/ 12700 w 8102600"/>
+              <a:gd name="connsiteY12" fmla="*/ 546100 h 5803900"/>
+              <a:gd name="connsiteX0" fmla="*/ 12700 w 8102599"/>
+              <a:gd name="connsiteY0" fmla="*/ 546100 h 5803900"/>
+              <a:gd name="connsiteX1" fmla="*/ 88900 w 8102599"/>
+              <a:gd name="connsiteY1" fmla="*/ 88900 h 5803900"/>
+              <a:gd name="connsiteX2" fmla="*/ 546100 w 8102599"/>
+              <a:gd name="connsiteY2" fmla="*/ 12701 h 5803900"/>
+              <a:gd name="connsiteX3" fmla="*/ 7556500 w 8102599"/>
+              <a:gd name="connsiteY3" fmla="*/ 12700 h 5803900"/>
+              <a:gd name="connsiteX4" fmla="*/ 8013699 w 8102599"/>
+              <a:gd name="connsiteY4" fmla="*/ 88900 h 5803900"/>
+              <a:gd name="connsiteX5" fmla="*/ 8089899 w 8102599"/>
+              <a:gd name="connsiteY5" fmla="*/ 469900 h 5803900"/>
+              <a:gd name="connsiteX6" fmla="*/ 8089900 w 8102599"/>
+              <a:gd name="connsiteY6" fmla="*/ 4838681 h 5803900"/>
+              <a:gd name="connsiteX7" fmla="*/ 7807194 w 8102599"/>
+              <a:gd name="connsiteY7" fmla="*/ 5521194 h 5803900"/>
+              <a:gd name="connsiteX8" fmla="*/ 7124681 w 8102599"/>
+              <a:gd name="connsiteY8" fmla="*/ 5803900 h 5803900"/>
+              <a:gd name="connsiteX9" fmla="*/ 546100 w 8102599"/>
+              <a:gd name="connsiteY9" fmla="*/ 5803900 h 5803900"/>
+              <a:gd name="connsiteX10" fmla="*/ 88900 w 8102599"/>
+              <a:gd name="connsiteY10" fmla="*/ 5727700 h 5803900"/>
+              <a:gd name="connsiteX11" fmla="*/ 12700 w 8102599"/>
+              <a:gd name="connsiteY11" fmla="*/ 5346700 h 5803900"/>
+              <a:gd name="connsiteX12" fmla="*/ 12700 w 8102599"/>
+              <a:gd name="connsiteY12" fmla="*/ 546100 h 5803900"/>
+              <a:gd name="connsiteX0" fmla="*/ 12700 w 8102599"/>
+              <a:gd name="connsiteY0" fmla="*/ 546100 h 5803900"/>
+              <a:gd name="connsiteX1" fmla="*/ 88900 w 8102599"/>
+              <a:gd name="connsiteY1" fmla="*/ 88900 h 5803900"/>
+              <a:gd name="connsiteX2" fmla="*/ 546100 w 8102599"/>
+              <a:gd name="connsiteY2" fmla="*/ 12701 h 5803900"/>
+              <a:gd name="connsiteX3" fmla="*/ 7556500 w 8102599"/>
+              <a:gd name="connsiteY3" fmla="*/ 12700 h 5803900"/>
+              <a:gd name="connsiteX4" fmla="*/ 8013699 w 8102599"/>
+              <a:gd name="connsiteY4" fmla="*/ 88900 h 5803900"/>
+              <a:gd name="connsiteX5" fmla="*/ 8089899 w 8102599"/>
+              <a:gd name="connsiteY5" fmla="*/ 469900 h 5803900"/>
+              <a:gd name="connsiteX6" fmla="*/ 8089900 w 8102599"/>
+              <a:gd name="connsiteY6" fmla="*/ 5346700 h 5803900"/>
+              <a:gd name="connsiteX7" fmla="*/ 7807194 w 8102599"/>
+              <a:gd name="connsiteY7" fmla="*/ 5521194 h 5803900"/>
+              <a:gd name="connsiteX8" fmla="*/ 7124681 w 8102599"/>
+              <a:gd name="connsiteY8" fmla="*/ 5803900 h 5803900"/>
+              <a:gd name="connsiteX9" fmla="*/ 546100 w 8102599"/>
+              <a:gd name="connsiteY9" fmla="*/ 5803900 h 5803900"/>
+              <a:gd name="connsiteX10" fmla="*/ 88900 w 8102599"/>
+              <a:gd name="connsiteY10" fmla="*/ 5727700 h 5803900"/>
+              <a:gd name="connsiteX11" fmla="*/ 12700 w 8102599"/>
+              <a:gd name="connsiteY11" fmla="*/ 5346700 h 5803900"/>
+              <a:gd name="connsiteX12" fmla="*/ 12700 w 8102599"/>
+              <a:gd name="connsiteY12" fmla="*/ 546100 h 5803900"/>
+              <a:gd name="connsiteX0" fmla="*/ 12700 w 8102599"/>
+              <a:gd name="connsiteY0" fmla="*/ 546100 h 5803900"/>
+              <a:gd name="connsiteX1" fmla="*/ 88900 w 8102599"/>
+              <a:gd name="connsiteY1" fmla="*/ 88900 h 5803900"/>
+              <a:gd name="connsiteX2" fmla="*/ 546100 w 8102599"/>
+              <a:gd name="connsiteY2" fmla="*/ 12701 h 5803900"/>
+              <a:gd name="connsiteX3" fmla="*/ 7556500 w 8102599"/>
+              <a:gd name="connsiteY3" fmla="*/ 12700 h 5803900"/>
+              <a:gd name="connsiteX4" fmla="*/ 8013699 w 8102599"/>
+              <a:gd name="connsiteY4" fmla="*/ 88900 h 5803900"/>
+              <a:gd name="connsiteX5" fmla="*/ 8089899 w 8102599"/>
+              <a:gd name="connsiteY5" fmla="*/ 469900 h 5803900"/>
+              <a:gd name="connsiteX6" fmla="*/ 8089900 w 8102599"/>
+              <a:gd name="connsiteY6" fmla="*/ 5346700 h 5803900"/>
+              <a:gd name="connsiteX7" fmla="*/ 7807194 w 8102599"/>
+              <a:gd name="connsiteY7" fmla="*/ 5521194 h 5803900"/>
+              <a:gd name="connsiteX8" fmla="*/ 7632700 w 8102599"/>
+              <a:gd name="connsiteY8" fmla="*/ 5803900 h 5803900"/>
+              <a:gd name="connsiteX9" fmla="*/ 546100 w 8102599"/>
+              <a:gd name="connsiteY9" fmla="*/ 5803900 h 5803900"/>
+              <a:gd name="connsiteX10" fmla="*/ 88900 w 8102599"/>
+              <a:gd name="connsiteY10" fmla="*/ 5727700 h 5803900"/>
+              <a:gd name="connsiteX11" fmla="*/ 12700 w 8102599"/>
+              <a:gd name="connsiteY11" fmla="*/ 5346700 h 5803900"/>
+              <a:gd name="connsiteX12" fmla="*/ 12700 w 8102599"/>
+              <a:gd name="connsiteY12" fmla="*/ 546100 h 5803900"/>
+              <a:gd name="connsiteX0" fmla="*/ 12700 w 8102599"/>
+              <a:gd name="connsiteY0" fmla="*/ 546100 h 5803900"/>
+              <a:gd name="connsiteX1" fmla="*/ 88900 w 8102599"/>
+              <a:gd name="connsiteY1" fmla="*/ 88900 h 5803900"/>
+              <a:gd name="connsiteX2" fmla="*/ 546100 w 8102599"/>
+              <a:gd name="connsiteY2" fmla="*/ 12701 h 5803900"/>
+              <a:gd name="connsiteX3" fmla="*/ 7556500 w 8102599"/>
+              <a:gd name="connsiteY3" fmla="*/ 12700 h 5803900"/>
+              <a:gd name="connsiteX4" fmla="*/ 8013699 w 8102599"/>
+              <a:gd name="connsiteY4" fmla="*/ 88900 h 5803900"/>
+              <a:gd name="connsiteX5" fmla="*/ 8089899 w 8102599"/>
+              <a:gd name="connsiteY5" fmla="*/ 469900 h 5803900"/>
+              <a:gd name="connsiteX6" fmla="*/ 8089900 w 8102599"/>
+              <a:gd name="connsiteY6" fmla="*/ 5346700 h 5803900"/>
+              <a:gd name="connsiteX7" fmla="*/ 8013700 w 8102599"/>
+              <a:gd name="connsiteY7" fmla="*/ 5727700 h 5803900"/>
+              <a:gd name="connsiteX8" fmla="*/ 7632700 w 8102599"/>
+              <a:gd name="connsiteY8" fmla="*/ 5803900 h 5803900"/>
+              <a:gd name="connsiteX9" fmla="*/ 546100 w 8102599"/>
+              <a:gd name="connsiteY9" fmla="*/ 5803900 h 5803900"/>
+              <a:gd name="connsiteX10" fmla="*/ 88900 w 8102599"/>
+              <a:gd name="connsiteY10" fmla="*/ 5727700 h 5803900"/>
+              <a:gd name="connsiteX11" fmla="*/ 12700 w 8102599"/>
+              <a:gd name="connsiteY11" fmla="*/ 5346700 h 5803900"/>
+              <a:gd name="connsiteX12" fmla="*/ 12700 w 8102599"/>
+              <a:gd name="connsiteY12" fmla="*/ 546100 h 5803900"/>
+            </a:gdLst>
+            <a:ahLst/>
+            <a:cxnLst>
+              <a:cxn ang="0">
+                <a:pos x="connsiteX0" y="connsiteY0"/>
+              </a:cxn>
+              <a:cxn ang="0">
+                <a:pos x="connsiteX1" y="connsiteY1"/>
+              </a:cxn>
+              <a:cxn ang="0">
+                <a:pos x="connsiteX2" y="connsiteY2"/>
+              </a:cxn>
+              <a:cxn ang="0">
+                <a:pos x="connsiteX3" y="connsiteY3"/>
+              </a:cxn>
+              <a:cxn ang="0">
+                <a:pos x="connsiteX4" y="connsiteY4"/>
+              </a:cxn>
+              <a:cxn ang="0">
+                <a:pos x="connsiteX5" y="connsiteY5"/>
+              </a:cxn>
+              <a:cxn ang="0">
+                <a:pos x="connsiteX6" y="connsiteY6"/>
+              </a:cxn>
+              <a:cxn ang="0">
+                <a:pos x="connsiteX7" y="connsiteY7"/>
+              </a:cxn>
+              <a:cxn ang="0">
+                <a:pos x="connsiteX8" y="connsiteY8"/>
+              </a:cxn>
+              <a:cxn ang="0">
+                <a:pos x="connsiteX9" y="connsiteY9"/>
+              </a:cxn>
+              <a:cxn ang="0">
+                <a:pos x="connsiteX10" y="connsiteY10"/>
+              </a:cxn>
+              <a:cxn ang="0">
+                <a:pos x="connsiteX11" y="connsiteY11"/>
+              </a:cxn>
+              <a:cxn ang="0">
+                <a:pos x="connsiteX12" y="connsiteY12"/>
+              </a:cxn>
+            </a:cxnLst>
+            <a:rect l="l" t="t" r="r" b="b"/>
+            <a:pathLst>
+              <a:path w="8102599" h="5803900">
+                <a:moveTo>
+                  <a:pt x="12700" y="546100"/>
+                </a:moveTo>
+                <a:cubicBezTo>
+                  <a:pt x="12700" y="290108"/>
+                  <a:pt x="0" y="177800"/>
+                  <a:pt x="88900" y="88900"/>
+                </a:cubicBezTo>
+                <a:cubicBezTo>
+                  <a:pt x="177800" y="0"/>
+                  <a:pt x="290107" y="12700"/>
+                  <a:pt x="546100" y="12701"/>
+                </a:cubicBezTo>
+                <a:lnTo>
+                  <a:pt x="7556500" y="12700"/>
+                </a:lnTo>
+                <a:cubicBezTo>
+                  <a:pt x="7812492" y="12700"/>
+                  <a:pt x="7924799" y="12700"/>
+                  <a:pt x="8013699" y="88900"/>
+                </a:cubicBezTo>
+                <a:cubicBezTo>
+                  <a:pt x="8102599" y="165100"/>
+                  <a:pt x="8089900" y="213907"/>
+                  <a:pt x="8089899" y="469900"/>
+                </a:cubicBezTo>
+                <a:cubicBezTo>
+                  <a:pt x="8089899" y="1926160"/>
+                  <a:pt x="8089900" y="3890440"/>
+                  <a:pt x="8089900" y="5346700"/>
+                </a:cubicBezTo>
+                <a:cubicBezTo>
+                  <a:pt x="8089900" y="5602692"/>
+                  <a:pt x="8089900" y="5651500"/>
+                  <a:pt x="8013700" y="5727700"/>
+                </a:cubicBezTo>
+                <a:cubicBezTo>
+                  <a:pt x="7937500" y="5803900"/>
+                  <a:pt x="7888692" y="5803900"/>
+                  <a:pt x="7632700" y="5803900"/>
+                </a:cubicBezTo>
+                <a:lnTo>
+                  <a:pt x="546100" y="5803900"/>
+                </a:lnTo>
+                <a:cubicBezTo>
+                  <a:pt x="290108" y="5803900"/>
+                  <a:pt x="177800" y="5803900"/>
+                  <a:pt x="88900" y="5727700"/>
+                </a:cubicBezTo>
+                <a:cubicBezTo>
+                  <a:pt x="0" y="5651500"/>
+                  <a:pt x="12700" y="5602692"/>
+                  <a:pt x="12700" y="5346700"/>
+                </a:cubicBezTo>
+                <a:lnTo>
+                  <a:pt x="12700" y="546100"/>
+                </a:lnTo>
+                <a:close/>
+              </a:path>
+            </a:pathLst>
+          </a:custGeom>
+          <a:gradFill>
+            <a:gsLst>
+              <a:gs pos="0">
+                <a:schemeClr val="bg1">
+                  <a:lumMod val="50000"/>
+                </a:schemeClr>
+              </a:gs>
+              <a:gs pos="39999">
+                <a:schemeClr val="bg1">
+                  <a:lumMod val="65000"/>
+                </a:schemeClr>
+              </a:gs>
+              <a:gs pos="70000">
+                <a:schemeClr val="bg1">
+                  <a:lumMod val="50000"/>
+                  <a:alpha val="73000"/>
+                </a:schemeClr>
+              </a:gs>
+            </a:gsLst>
+            <a:lin ang="5400000" scaled="0"/>
+          </a:gradFill>
+          <a:ln>
+            <a:solidFill>
+              <a:schemeClr val="bg1">
+                <a:lumMod val="75000"/>
+              </a:schemeClr>
+            </a:solidFill>
+          </a:ln>
+        </p:spPr>
+        <p:style>
+          <a:lnRef idx="2">
+            <a:schemeClr val="accent1">
+              <a:shade val="50000"/>
+            </a:schemeClr>
+          </a:lnRef>
+          <a:fillRef idx="1">
+            <a:schemeClr val="accent1"/>
+          </a:fillRef>
+          <a:effectRef idx="0">
+            <a:schemeClr val="accent1"/>
+          </a:effectRef>
+          <a:fontRef idx="minor">
+            <a:schemeClr val="lt1"/>
+          </a:fontRef>
+        </p:style>
+        <p:txBody>
+          <a:bodyPr rtlCol="0" anchor="ctr"/>
+          <a:lstStyle/>
+          <a:p>
+            <a:pPr fontAlgn="t"/>
+            <a:endParaRPr lang="es-AR" b="1" dirty="0" smtClean="0"/>
+          </a:p>
+          <a:p>
+            <a:pPr algn="ctr"/>
+            <a:endParaRPr lang="es-AR" dirty="0"/>
+          </a:p>
+        </p:txBody>
+      </p:sp>
+      <p:sp>
+        <p:nvSpPr>
+          <p:cNvPr id="6" name="Round Same Side Corner Rectangle 5"/>
+          <p:cNvSpPr/>
+          <p:nvPr/>
+        </p:nvSpPr>
+        <p:spPr>
+          <a:xfrm rot="10800000">
+            <a:off x="1219200" y="544417"/>
+            <a:ext cx="6781800" cy="1741582"/>
+          </a:xfrm>
+          <a:prstGeom prst="round2SameRect">
+            <a:avLst/>
+          </a:prstGeom>
+        </p:spPr>
+        <p:style>
+          <a:lnRef idx="2">
+            <a:schemeClr val="dk1">
+              <a:shade val="50000"/>
+            </a:schemeClr>
+          </a:lnRef>
+          <a:fillRef idx="1">
+            <a:schemeClr val="dk1"/>
+          </a:fillRef>
+          <a:effectRef idx="0">
+            <a:schemeClr val="dk1"/>
+          </a:effectRef>
+          <a:fontRef idx="minor">
+            <a:schemeClr val="lt1"/>
+          </a:fontRef>
+        </p:style>
+        <p:txBody>
+          <a:bodyPr rtlCol="0" anchor="ctr"/>
+          <a:lstStyle/>
+          <a:p>
+            <a:pPr algn="ctr"/>
+            <a:endParaRPr lang="es-AR" dirty="0"/>
+          </a:p>
+        </p:txBody>
+      </p:sp>
+      <p:pic>
+        <p:nvPicPr>
+          <p:cNvPr id="1026" name="Picture 2" descr="E:\U.B.A.Files\Materias\75.45 Taller de Desarrollo de Proyectos I\TP\Trunk\Proyecto\web\site\images\logo.png"/>
+          <p:cNvPicPr>
+            <a:picLocks noChangeAspect="1" noChangeArrowheads="1"/>
+          </p:cNvPicPr>
+          <p:nvPr/>
+        </p:nvPicPr>
+        <p:blipFill>
+          <a:blip r:embed="rId2" cstate="print"/>
+          <a:srcRect/>
+          <a:stretch>
+            <a:fillRect/>
+          </a:stretch>
+        </p:blipFill>
+        <p:spPr bwMode="auto">
+          <a:xfrm>
+            <a:off x="1600200" y="913540"/>
+            <a:ext cx="2640904" cy="762000"/>
+          </a:xfrm>
+          <a:prstGeom prst="rect">
+            <a:avLst/>
+          </a:prstGeom>
+          <a:noFill/>
+        </p:spPr>
+      </p:pic>
+      <p:sp>
+        <p:nvSpPr>
+          <p:cNvPr id="7" name="TextBox 6"/>
+          <p:cNvSpPr txBox="1"/>
+          <p:nvPr/>
+        </p:nvSpPr>
+        <p:spPr>
+          <a:xfrm>
+            <a:off x="4343400" y="1001408"/>
+            <a:ext cx="3180743" cy="307777"/>
+          </a:xfrm>
+          <a:prstGeom prst="rect">
+            <a:avLst/>
+          </a:prstGeom>
+          <a:noFill/>
+        </p:spPr>
+        <p:txBody>
+          <a:bodyPr wrap="none" rtlCol="0">
+            <a:spAutoFit/>
+          </a:bodyPr>
+          <a:lstStyle/>
+          <a:p>
+            <a:r>
+              <a:rPr lang="es-AR" sz="1400" dirty="0" smtClean="0">
+                <a:solidFill>
+                  <a:schemeClr val="bg1">
+                    <a:lumMod val="50000"/>
+                  </a:schemeClr>
+                </a:solidFill>
+              </a:rPr>
+              <a:t>Centralización y análisis de datos</a:t>
+            </a:r>
+            <a:endParaRPr lang="es-AR" sz="1400" dirty="0">
+              <a:solidFill>
+                <a:schemeClr val="bg1">
+                  <a:lumMod val="50000"/>
+                </a:schemeClr>
+              </a:solidFill>
+            </a:endParaRPr>
+          </a:p>
+        </p:txBody>
+      </p:sp>
+      <p:sp>
+        <p:nvSpPr>
+          <p:cNvPr id="14" name="Rectangle 13"/>
+          <p:cNvSpPr/>
+          <p:nvPr/>
+        </p:nvSpPr>
+        <p:spPr>
+          <a:xfrm>
+            <a:off x="381000" y="2133600"/>
+            <a:ext cx="8458200" cy="1066800"/>
+          </a:xfrm>
+          <a:prstGeom prst="rect">
+            <a:avLst/>
+          </a:prstGeom>
+          <a:noFill/>
+          <a:ln>
+            <a:noFill/>
+          </a:ln>
+        </p:spPr>
+        <p:style>
+          <a:lnRef idx="2">
+            <a:schemeClr val="accent1">
+              <a:shade val="50000"/>
+            </a:schemeClr>
+          </a:lnRef>
+          <a:fillRef idx="1">
+            <a:schemeClr val="accent1"/>
+          </a:fillRef>
+          <a:effectRef idx="0">
+            <a:schemeClr val="accent1"/>
+          </a:effectRef>
+          <a:fontRef idx="minor">
+            <a:schemeClr val="lt1"/>
+          </a:fontRef>
+        </p:style>
+        <p:txBody>
+          <a:bodyPr rtlCol="0" anchor="ctr"/>
+          <a:lstStyle/>
+          <a:p>
+            <a:pPr algn="ctr"/>
+            <a:r>
+              <a:rPr lang="es-AR" sz="4800" b="1" dirty="0" smtClean="0"/>
+              <a:t>SVE </a:t>
+            </a:r>
+            <a:r>
+              <a:rPr lang="es-AR" sz="3600" b="1" dirty="0" smtClean="0"/>
+              <a:t>– </a:t>
+            </a:r>
+            <a:r>
+              <a:rPr lang="es-AR" sz="3600" b="1" dirty="0" err="1" smtClean="0"/>
+              <a:t>Scoring</a:t>
+            </a:r>
+            <a:r>
+              <a:rPr lang="es-AR" sz="3600" b="1" dirty="0" smtClean="0"/>
+              <a:t> Vehicular Estadístico</a:t>
+            </a:r>
+            <a:endParaRPr lang="es-AR" sz="1200" dirty="0"/>
+          </a:p>
+        </p:txBody>
+      </p:sp>
+      <p:sp>
+        <p:nvSpPr>
+          <p:cNvPr id="39" name="TextBox 38"/>
+          <p:cNvSpPr txBox="1"/>
+          <p:nvPr/>
+        </p:nvSpPr>
+        <p:spPr>
+          <a:xfrm>
+            <a:off x="838200" y="3276600"/>
+            <a:ext cx="7391400" cy="4708981"/>
+          </a:xfrm>
+          <a:prstGeom prst="rect">
+            <a:avLst/>
+          </a:prstGeom>
+          <a:noFill/>
+        </p:spPr>
+        <p:txBody>
+          <a:bodyPr wrap="square" rtlCol="0">
+            <a:spAutoFit/>
+          </a:bodyPr>
+          <a:lstStyle/>
+          <a:p>
+            <a:r>
+              <a:rPr lang="es-AR" sz="6000" dirty="0" smtClean="0">
+                <a:solidFill>
+                  <a:schemeClr val="bg1"/>
+                </a:solidFill>
+              </a:rPr>
+              <a:t>Descripción del producto III </a:t>
+            </a:r>
+            <a:r>
+              <a:rPr lang="es-AR" sz="6000" dirty="0" err="1" smtClean="0">
+                <a:solidFill>
+                  <a:schemeClr val="bg1"/>
+                </a:solidFill>
+              </a:rPr>
+              <a:t>informacion</a:t>
+            </a:r>
+            <a:r>
+              <a:rPr lang="es-AR" sz="6000" dirty="0" smtClean="0">
+                <a:solidFill>
+                  <a:schemeClr val="bg1"/>
+                </a:solidFill>
+              </a:rPr>
+              <a:t> de resultados del perfil generado</a:t>
+            </a:r>
+            <a:endParaRPr lang="es-AR" sz="6000" dirty="0">
+              <a:solidFill>
+                <a:schemeClr val="bg1"/>
+              </a:solidFill>
+            </a:endParaRPr>
+          </a:p>
+        </p:txBody>
+      </p:sp>
+    </p:spTree>
+  </p:cSld>
+  <p:clrMapOvr>
+    <a:masterClrMapping/>
+  </p:clrMapOvr>
+</p:sld>
+</file>
+
+<file path=ppt/slides/slide8.xml><?xml version="1.0" encoding="utf-8"?>
+<p:sld xmlns:a="http://schemas.openxmlformats.org/drawingml/2006/main" xmlns:r="http://schemas.openxmlformats.org/officeDocument/2006/relationships" xmlns:p="http://schemas.openxmlformats.org/presentationml/2006/main">
+  <p:cSld>
+    <p:bg>
+      <p:bgPr shadeToTitle="1">
+        <a:solidFill>
+          <a:schemeClr val="bg1">
+            <a:lumMod val="50000"/>
+          </a:schemeClr>
+        </a:solidFill>
+        <a:effectLst/>
+      </p:bgPr>
+    </p:bg>
+    <p:spTree>
+      <p:nvGrpSpPr>
+        <p:cNvPr id="1" name=""/>
+        <p:cNvGrpSpPr/>
+        <p:nvPr/>
+      </p:nvGrpSpPr>
+      <p:grpSpPr>
+        <a:xfrm>
+          <a:off x="0" y="0"/>
+          <a:ext cx="0" cy="0"/>
+          <a:chOff x="0" y="0"/>
+          <a:chExt cx="0" cy="0"/>
+        </a:xfrm>
+      </p:grpSpPr>
+      <p:grpSp>
+        <p:nvGrpSpPr>
+          <p:cNvPr id="2" name="Group 22"/>
+          <p:cNvGrpSpPr/>
+          <p:nvPr/>
+        </p:nvGrpSpPr>
+        <p:grpSpPr>
+          <a:xfrm>
+            <a:off x="304800" y="304800"/>
+            <a:ext cx="8534400" cy="6248400"/>
+            <a:chOff x="304800" y="304800"/>
+            <a:chExt cx="8534400" cy="6248400"/>
+          </a:xfrm>
+          <a:solidFill>
+            <a:schemeClr val="bg1">
+              <a:lumMod val="85000"/>
+            </a:schemeClr>
+          </a:solidFill>
+        </p:grpSpPr>
+        <p:sp>
+          <p:nvSpPr>
+            <p:cNvPr id="18" name="Rounded Rectangle 17"/>
+            <p:cNvSpPr/>
+            <p:nvPr/>
+          </p:nvSpPr>
+          <p:spPr>
+            <a:xfrm>
+              <a:off x="304800" y="304800"/>
+              <a:ext cx="8534400" cy="6248400"/>
+            </a:xfrm>
+            <a:prstGeom prst="roundRect">
+              <a:avLst/>
+            </a:prstGeom>
+            <a:grpFill/>
+            <a:ln>
+              <a:noFill/>
+            </a:ln>
+          </p:spPr>
+          <p:style>
+            <a:lnRef idx="2">
+              <a:schemeClr val="accent1">
+                <a:shade val="50000"/>
+              </a:schemeClr>
+            </a:lnRef>
+            <a:fillRef idx="1">
+              <a:schemeClr val="accent1"/>
+            </a:fillRef>
+            <a:effectRef idx="0">
+              <a:schemeClr val="accent1"/>
+            </a:effectRef>
+            <a:fontRef idx="minor">
+              <a:schemeClr val="lt1"/>
+            </a:fontRef>
+          </p:style>
+          <p:txBody>
+            <a:bodyPr rtlCol="0" anchor="ctr"/>
+            <a:lstStyle/>
+            <a:p>
+              <a:pPr algn="ctr"/>
+              <a:endParaRPr lang="es-AR"/>
+            </a:p>
+          </p:txBody>
+        </p:sp>
+        <p:sp>
+          <p:nvSpPr>
+            <p:cNvPr id="22" name="Rounded Rectangle 21"/>
+            <p:cNvSpPr/>
+            <p:nvPr/>
+          </p:nvSpPr>
+          <p:spPr>
+            <a:xfrm>
+              <a:off x="7086600" y="304800"/>
+              <a:ext cx="1752600" cy="1752600"/>
+            </a:xfrm>
+            <a:prstGeom prst="roundRect">
+              <a:avLst/>
+            </a:prstGeom>
+            <a:grpFill/>
+            <a:ln>
+              <a:noFill/>
+            </a:ln>
+          </p:spPr>
+          <p:style>
+            <a:lnRef idx="2">
+              <a:schemeClr val="accent1">
+                <a:shade val="50000"/>
+              </a:schemeClr>
+            </a:lnRef>
+            <a:fillRef idx="1">
+              <a:schemeClr val="accent1"/>
+            </a:fillRef>
+            <a:effectRef idx="0">
+              <a:schemeClr val="accent1"/>
+            </a:effectRef>
+            <a:fontRef idx="minor">
+              <a:schemeClr val="lt1"/>
+            </a:fontRef>
+          </p:style>
+          <p:txBody>
+            <a:bodyPr rtlCol="0" anchor="ctr"/>
+            <a:lstStyle/>
+            <a:p>
+              <a:pPr algn="ctr"/>
+              <a:endParaRPr lang="es-AR"/>
+            </a:p>
+          </p:txBody>
+        </p:sp>
+        <p:sp>
+          <p:nvSpPr>
+            <p:cNvPr id="21" name="Rounded Rectangle 20"/>
+            <p:cNvSpPr/>
+            <p:nvPr/>
+          </p:nvSpPr>
+          <p:spPr>
+            <a:xfrm>
+              <a:off x="304800" y="304800"/>
+              <a:ext cx="1752600" cy="1752600"/>
+            </a:xfrm>
+            <a:prstGeom prst="roundRect">
+              <a:avLst/>
+            </a:prstGeom>
+            <a:grpFill/>
+            <a:ln>
+              <a:noFill/>
+            </a:ln>
+          </p:spPr>
+          <p:style>
+            <a:lnRef idx="2">
+              <a:schemeClr val="accent1">
+                <a:shade val="50000"/>
+              </a:schemeClr>
+            </a:lnRef>
+            <a:fillRef idx="1">
+              <a:schemeClr val="accent1"/>
+            </a:fillRef>
+            <a:effectRef idx="0">
+              <a:schemeClr val="accent1"/>
+            </a:effectRef>
+            <a:fontRef idx="minor">
+              <a:schemeClr val="lt1"/>
+            </a:fontRef>
+          </p:style>
+          <p:txBody>
+            <a:bodyPr rtlCol="0" anchor="ctr"/>
+            <a:lstStyle/>
+            <a:p>
+              <a:pPr algn="ctr"/>
+              <a:endParaRPr lang="es-AR"/>
+            </a:p>
+          </p:txBody>
+        </p:sp>
+        <p:sp>
+          <p:nvSpPr>
+            <p:cNvPr id="17" name="Rounded Rectangle 16"/>
+            <p:cNvSpPr/>
+            <p:nvPr/>
+          </p:nvSpPr>
+          <p:spPr>
+            <a:xfrm>
+              <a:off x="304800" y="4800600"/>
+              <a:ext cx="1752600" cy="1752600"/>
+            </a:xfrm>
+            <a:prstGeom prst="roundRect">
+              <a:avLst/>
+            </a:prstGeom>
+            <a:grpFill/>
+            <a:ln>
+              <a:noFill/>
+            </a:ln>
+          </p:spPr>
+          <p:style>
+            <a:lnRef idx="2">
+              <a:schemeClr val="accent1">
+                <a:shade val="50000"/>
+              </a:schemeClr>
+            </a:lnRef>
+            <a:fillRef idx="1">
+              <a:schemeClr val="accent1"/>
+            </a:fillRef>
+            <a:effectRef idx="0">
+              <a:schemeClr val="accent1"/>
+            </a:effectRef>
+            <a:fontRef idx="minor">
+              <a:schemeClr val="lt1"/>
+            </a:fontRef>
+          </p:style>
+          <p:txBody>
+            <a:bodyPr rtlCol="0" anchor="ctr"/>
+            <a:lstStyle/>
+            <a:p>
+              <a:pPr algn="ctr"/>
+              <a:endParaRPr lang="es-AR"/>
+            </a:p>
+          </p:txBody>
+        </p:sp>
+        <p:sp>
+          <p:nvSpPr>
+            <p:cNvPr id="19" name="Rounded Rectangle 18"/>
+            <p:cNvSpPr/>
+            <p:nvPr/>
+          </p:nvSpPr>
+          <p:spPr>
+            <a:xfrm>
+              <a:off x="7086600" y="4800600"/>
+              <a:ext cx="1752600" cy="1752600"/>
+            </a:xfrm>
+            <a:prstGeom prst="roundRect">
+              <a:avLst/>
+            </a:prstGeom>
+            <a:grpFill/>
+            <a:ln>
+              <a:noFill/>
+            </a:ln>
+          </p:spPr>
+          <p:style>
+            <a:lnRef idx="2">
+              <a:schemeClr val="accent1">
+                <a:shade val="50000"/>
+              </a:schemeClr>
+            </a:lnRef>
+            <a:fillRef idx="1">
+              <a:schemeClr val="accent1"/>
+            </a:fillRef>
+            <a:effectRef idx="0">
+              <a:schemeClr val="accent1"/>
+            </a:effectRef>
+            <a:fontRef idx="minor">
+              <a:schemeClr val="lt1"/>
+            </a:fontRef>
+          </p:style>
+          <p:txBody>
+            <a:bodyPr rtlCol="0" anchor="ctr"/>
+            <a:lstStyle/>
+            <a:p>
+              <a:pPr algn="ctr"/>
+              <a:endParaRPr lang="es-AR"/>
+            </a:p>
+          </p:txBody>
+        </p:sp>
+      </p:grpSp>
+      <p:sp>
+        <p:nvSpPr>
+          <p:cNvPr id="40" name="Freeform 39"/>
+          <p:cNvSpPr/>
+          <p:nvPr/>
+        </p:nvSpPr>
+        <p:spPr>
+          <a:xfrm>
+            <a:off x="533400" y="457200"/>
+            <a:ext cx="8102599" cy="5803900"/>
+          </a:xfrm>
+          <a:custGeom>
+            <a:avLst/>
+            <a:gdLst>
+              <a:gd name="connsiteX0" fmla="*/ 0 w 8077200"/>
+              <a:gd name="connsiteY0" fmla="*/ 965219 h 5791200"/>
+              <a:gd name="connsiteX1" fmla="*/ 282707 w 8077200"/>
+              <a:gd name="connsiteY1" fmla="*/ 282706 h 5791200"/>
+              <a:gd name="connsiteX2" fmla="*/ 965221 w 8077200"/>
+              <a:gd name="connsiteY2" fmla="*/ 1 h 5791200"/>
+              <a:gd name="connsiteX3" fmla="*/ 7111981 w 8077200"/>
+              <a:gd name="connsiteY3" fmla="*/ 0 h 5791200"/>
+              <a:gd name="connsiteX4" fmla="*/ 7794494 w 8077200"/>
+              <a:gd name="connsiteY4" fmla="*/ 282707 h 5791200"/>
+              <a:gd name="connsiteX5" fmla="*/ 8077199 w 8077200"/>
+              <a:gd name="connsiteY5" fmla="*/ 965221 h 5791200"/>
+              <a:gd name="connsiteX6" fmla="*/ 8077200 w 8077200"/>
+              <a:gd name="connsiteY6" fmla="*/ 4825981 h 5791200"/>
+              <a:gd name="connsiteX7" fmla="*/ 7794494 w 8077200"/>
+              <a:gd name="connsiteY7" fmla="*/ 5508494 h 5791200"/>
+              <a:gd name="connsiteX8" fmla="*/ 7111981 w 8077200"/>
+              <a:gd name="connsiteY8" fmla="*/ 5791200 h 5791200"/>
+              <a:gd name="connsiteX9" fmla="*/ 965219 w 8077200"/>
+              <a:gd name="connsiteY9" fmla="*/ 5791200 h 5791200"/>
+              <a:gd name="connsiteX10" fmla="*/ 282706 w 8077200"/>
+              <a:gd name="connsiteY10" fmla="*/ 5508493 h 5791200"/>
+              <a:gd name="connsiteX11" fmla="*/ 0 w 8077200"/>
+              <a:gd name="connsiteY11" fmla="*/ 4825980 h 5791200"/>
+              <a:gd name="connsiteX12" fmla="*/ 0 w 8077200"/>
+              <a:gd name="connsiteY12" fmla="*/ 965219 h 5791200"/>
+              <a:gd name="connsiteX0" fmla="*/ 0 w 8077200"/>
+              <a:gd name="connsiteY0" fmla="*/ 609600 h 5791200"/>
+              <a:gd name="connsiteX1" fmla="*/ 282707 w 8077200"/>
+              <a:gd name="connsiteY1" fmla="*/ 282706 h 5791200"/>
+              <a:gd name="connsiteX2" fmla="*/ 965221 w 8077200"/>
+              <a:gd name="connsiteY2" fmla="*/ 1 h 5791200"/>
+              <a:gd name="connsiteX3" fmla="*/ 7111981 w 8077200"/>
+              <a:gd name="connsiteY3" fmla="*/ 0 h 5791200"/>
+              <a:gd name="connsiteX4" fmla="*/ 7794494 w 8077200"/>
+              <a:gd name="connsiteY4" fmla="*/ 282707 h 5791200"/>
+              <a:gd name="connsiteX5" fmla="*/ 8077199 w 8077200"/>
+              <a:gd name="connsiteY5" fmla="*/ 965221 h 5791200"/>
+              <a:gd name="connsiteX6" fmla="*/ 8077200 w 8077200"/>
+              <a:gd name="connsiteY6" fmla="*/ 4825981 h 5791200"/>
+              <a:gd name="connsiteX7" fmla="*/ 7794494 w 8077200"/>
+              <a:gd name="connsiteY7" fmla="*/ 5508494 h 5791200"/>
+              <a:gd name="connsiteX8" fmla="*/ 7111981 w 8077200"/>
+              <a:gd name="connsiteY8" fmla="*/ 5791200 h 5791200"/>
+              <a:gd name="connsiteX9" fmla="*/ 965219 w 8077200"/>
+              <a:gd name="connsiteY9" fmla="*/ 5791200 h 5791200"/>
+              <a:gd name="connsiteX10" fmla="*/ 282706 w 8077200"/>
+              <a:gd name="connsiteY10" fmla="*/ 5508493 h 5791200"/>
+              <a:gd name="connsiteX11" fmla="*/ 0 w 8077200"/>
+              <a:gd name="connsiteY11" fmla="*/ 4825980 h 5791200"/>
+              <a:gd name="connsiteX12" fmla="*/ 0 w 8077200"/>
+              <a:gd name="connsiteY12" fmla="*/ 609600 h 5791200"/>
+              <a:gd name="connsiteX0" fmla="*/ 0 w 8077200"/>
+              <a:gd name="connsiteY0" fmla="*/ 609601 h 5791201"/>
+              <a:gd name="connsiteX1" fmla="*/ 282707 w 8077200"/>
+              <a:gd name="connsiteY1" fmla="*/ 282707 h 5791201"/>
+              <a:gd name="connsiteX2" fmla="*/ 609600 w 8077200"/>
+              <a:gd name="connsiteY2" fmla="*/ 1 h 5791201"/>
+              <a:gd name="connsiteX3" fmla="*/ 7111981 w 8077200"/>
+              <a:gd name="connsiteY3" fmla="*/ 1 h 5791201"/>
+              <a:gd name="connsiteX4" fmla="*/ 7794494 w 8077200"/>
+              <a:gd name="connsiteY4" fmla="*/ 282708 h 5791201"/>
+              <a:gd name="connsiteX5" fmla="*/ 8077199 w 8077200"/>
+              <a:gd name="connsiteY5" fmla="*/ 965222 h 5791201"/>
+              <a:gd name="connsiteX6" fmla="*/ 8077200 w 8077200"/>
+              <a:gd name="connsiteY6" fmla="*/ 4825982 h 5791201"/>
+              <a:gd name="connsiteX7" fmla="*/ 7794494 w 8077200"/>
+              <a:gd name="connsiteY7" fmla="*/ 5508495 h 5791201"/>
+              <a:gd name="connsiteX8" fmla="*/ 7111981 w 8077200"/>
+              <a:gd name="connsiteY8" fmla="*/ 5791201 h 5791201"/>
+              <a:gd name="connsiteX9" fmla="*/ 965219 w 8077200"/>
+              <a:gd name="connsiteY9" fmla="*/ 5791201 h 5791201"/>
+              <a:gd name="connsiteX10" fmla="*/ 282706 w 8077200"/>
+              <a:gd name="connsiteY10" fmla="*/ 5508494 h 5791201"/>
+              <a:gd name="connsiteX11" fmla="*/ 0 w 8077200"/>
+              <a:gd name="connsiteY11" fmla="*/ 4825981 h 5791201"/>
+              <a:gd name="connsiteX12" fmla="*/ 0 w 8077200"/>
+              <a:gd name="connsiteY12" fmla="*/ 609601 h 5791201"/>
+              <a:gd name="connsiteX0" fmla="*/ 0 w 8077200"/>
+              <a:gd name="connsiteY0" fmla="*/ 609601 h 5791201"/>
+              <a:gd name="connsiteX1" fmla="*/ 152400 w 8077200"/>
+              <a:gd name="connsiteY1" fmla="*/ 152402 h 5791201"/>
+              <a:gd name="connsiteX2" fmla="*/ 609600 w 8077200"/>
+              <a:gd name="connsiteY2" fmla="*/ 1 h 5791201"/>
+              <a:gd name="connsiteX3" fmla="*/ 7111981 w 8077200"/>
+              <a:gd name="connsiteY3" fmla="*/ 1 h 5791201"/>
+              <a:gd name="connsiteX4" fmla="*/ 7794494 w 8077200"/>
+              <a:gd name="connsiteY4" fmla="*/ 282708 h 5791201"/>
+              <a:gd name="connsiteX5" fmla="*/ 8077199 w 8077200"/>
+              <a:gd name="connsiteY5" fmla="*/ 965222 h 5791201"/>
+              <a:gd name="connsiteX6" fmla="*/ 8077200 w 8077200"/>
+              <a:gd name="connsiteY6" fmla="*/ 4825982 h 5791201"/>
+              <a:gd name="connsiteX7" fmla="*/ 7794494 w 8077200"/>
+              <a:gd name="connsiteY7" fmla="*/ 5508495 h 5791201"/>
+              <a:gd name="connsiteX8" fmla="*/ 7111981 w 8077200"/>
+              <a:gd name="connsiteY8" fmla="*/ 5791201 h 5791201"/>
+              <a:gd name="connsiteX9" fmla="*/ 965219 w 8077200"/>
+              <a:gd name="connsiteY9" fmla="*/ 5791201 h 5791201"/>
+              <a:gd name="connsiteX10" fmla="*/ 282706 w 8077200"/>
+              <a:gd name="connsiteY10" fmla="*/ 5508494 h 5791201"/>
+              <a:gd name="connsiteX11" fmla="*/ 0 w 8077200"/>
+              <a:gd name="connsiteY11" fmla="*/ 4825981 h 5791201"/>
+              <a:gd name="connsiteX12" fmla="*/ 0 w 8077200"/>
+              <a:gd name="connsiteY12" fmla="*/ 609601 h 5791201"/>
+              <a:gd name="connsiteX0" fmla="*/ 0 w 8077200"/>
+              <a:gd name="connsiteY0" fmla="*/ 609600 h 5791200"/>
+              <a:gd name="connsiteX1" fmla="*/ 152400 w 8077200"/>
+              <a:gd name="connsiteY1" fmla="*/ 152401 h 5791200"/>
+              <a:gd name="connsiteX2" fmla="*/ 533400 w 8077200"/>
+              <a:gd name="connsiteY2" fmla="*/ 1 h 5791200"/>
+              <a:gd name="connsiteX3" fmla="*/ 7111981 w 8077200"/>
+              <a:gd name="connsiteY3" fmla="*/ 0 h 5791200"/>
+              <a:gd name="connsiteX4" fmla="*/ 7794494 w 8077200"/>
+              <a:gd name="connsiteY4" fmla="*/ 282707 h 5791200"/>
+              <a:gd name="connsiteX5" fmla="*/ 8077199 w 8077200"/>
+              <a:gd name="connsiteY5" fmla="*/ 965221 h 5791200"/>
+              <a:gd name="connsiteX6" fmla="*/ 8077200 w 8077200"/>
+              <a:gd name="connsiteY6" fmla="*/ 4825981 h 5791200"/>
+              <a:gd name="connsiteX7" fmla="*/ 7794494 w 8077200"/>
+              <a:gd name="connsiteY7" fmla="*/ 5508494 h 5791200"/>
+              <a:gd name="connsiteX8" fmla="*/ 7111981 w 8077200"/>
+              <a:gd name="connsiteY8" fmla="*/ 5791200 h 5791200"/>
+              <a:gd name="connsiteX9" fmla="*/ 965219 w 8077200"/>
+              <a:gd name="connsiteY9" fmla="*/ 5791200 h 5791200"/>
+              <a:gd name="connsiteX10" fmla="*/ 282706 w 8077200"/>
+              <a:gd name="connsiteY10" fmla="*/ 5508493 h 5791200"/>
+              <a:gd name="connsiteX11" fmla="*/ 0 w 8077200"/>
+              <a:gd name="connsiteY11" fmla="*/ 4825980 h 5791200"/>
+              <a:gd name="connsiteX12" fmla="*/ 0 w 8077200"/>
+              <a:gd name="connsiteY12" fmla="*/ 609600 h 5791200"/>
+              <a:gd name="connsiteX0" fmla="*/ 0 w 8077200"/>
+              <a:gd name="connsiteY0" fmla="*/ 533400 h 5791200"/>
+              <a:gd name="connsiteX1" fmla="*/ 152400 w 8077200"/>
+              <a:gd name="connsiteY1" fmla="*/ 152401 h 5791200"/>
+              <a:gd name="connsiteX2" fmla="*/ 533400 w 8077200"/>
+              <a:gd name="connsiteY2" fmla="*/ 1 h 5791200"/>
+              <a:gd name="connsiteX3" fmla="*/ 7111981 w 8077200"/>
+              <a:gd name="connsiteY3" fmla="*/ 0 h 5791200"/>
+              <a:gd name="connsiteX4" fmla="*/ 7794494 w 8077200"/>
+              <a:gd name="connsiteY4" fmla="*/ 282707 h 5791200"/>
+              <a:gd name="connsiteX5" fmla="*/ 8077199 w 8077200"/>
+              <a:gd name="connsiteY5" fmla="*/ 965221 h 5791200"/>
+              <a:gd name="connsiteX6" fmla="*/ 8077200 w 8077200"/>
+              <a:gd name="connsiteY6" fmla="*/ 4825981 h 5791200"/>
+              <a:gd name="connsiteX7" fmla="*/ 7794494 w 8077200"/>
+              <a:gd name="connsiteY7" fmla="*/ 5508494 h 5791200"/>
+              <a:gd name="connsiteX8" fmla="*/ 7111981 w 8077200"/>
+              <a:gd name="connsiteY8" fmla="*/ 5791200 h 5791200"/>
+              <a:gd name="connsiteX9" fmla="*/ 965219 w 8077200"/>
+              <a:gd name="connsiteY9" fmla="*/ 5791200 h 5791200"/>
+              <a:gd name="connsiteX10" fmla="*/ 282706 w 8077200"/>
+              <a:gd name="connsiteY10" fmla="*/ 5508493 h 5791200"/>
+              <a:gd name="connsiteX11" fmla="*/ 0 w 8077200"/>
+              <a:gd name="connsiteY11" fmla="*/ 4825980 h 5791200"/>
+              <a:gd name="connsiteX12" fmla="*/ 0 w 8077200"/>
+              <a:gd name="connsiteY12" fmla="*/ 533400 h 5791200"/>
+              <a:gd name="connsiteX0" fmla="*/ 12700 w 8089900"/>
+              <a:gd name="connsiteY0" fmla="*/ 546100 h 5803900"/>
+              <a:gd name="connsiteX1" fmla="*/ 88900 w 8089900"/>
+              <a:gd name="connsiteY1" fmla="*/ 88900 h 5803900"/>
+              <a:gd name="connsiteX2" fmla="*/ 546100 w 8089900"/>
+              <a:gd name="connsiteY2" fmla="*/ 12701 h 5803900"/>
+              <a:gd name="connsiteX3" fmla="*/ 7124681 w 8089900"/>
+              <a:gd name="connsiteY3" fmla="*/ 12700 h 5803900"/>
+              <a:gd name="connsiteX4" fmla="*/ 7807194 w 8089900"/>
+              <a:gd name="connsiteY4" fmla="*/ 295407 h 5803900"/>
+              <a:gd name="connsiteX5" fmla="*/ 8089899 w 8089900"/>
+              <a:gd name="connsiteY5" fmla="*/ 977921 h 5803900"/>
+              <a:gd name="connsiteX6" fmla="*/ 8089900 w 8089900"/>
+              <a:gd name="connsiteY6" fmla="*/ 4838681 h 5803900"/>
+              <a:gd name="connsiteX7" fmla="*/ 7807194 w 8089900"/>
+              <a:gd name="connsiteY7" fmla="*/ 5521194 h 5803900"/>
+              <a:gd name="connsiteX8" fmla="*/ 7124681 w 8089900"/>
+              <a:gd name="connsiteY8" fmla="*/ 5803900 h 5803900"/>
+              <a:gd name="connsiteX9" fmla="*/ 977919 w 8089900"/>
+              <a:gd name="connsiteY9" fmla="*/ 5803900 h 5803900"/>
+              <a:gd name="connsiteX10" fmla="*/ 295406 w 8089900"/>
+              <a:gd name="connsiteY10" fmla="*/ 5521193 h 5803900"/>
+              <a:gd name="connsiteX11" fmla="*/ 12700 w 8089900"/>
+              <a:gd name="connsiteY11" fmla="*/ 4838680 h 5803900"/>
+              <a:gd name="connsiteX12" fmla="*/ 12700 w 8089900"/>
+              <a:gd name="connsiteY12" fmla="*/ 546100 h 5803900"/>
+              <a:gd name="connsiteX0" fmla="*/ 12700 w 8089900"/>
+              <a:gd name="connsiteY0" fmla="*/ 546100 h 5803900"/>
+              <a:gd name="connsiteX1" fmla="*/ 88900 w 8089900"/>
+              <a:gd name="connsiteY1" fmla="*/ 88900 h 5803900"/>
+              <a:gd name="connsiteX2" fmla="*/ 546100 w 8089900"/>
+              <a:gd name="connsiteY2" fmla="*/ 12701 h 5803900"/>
+              <a:gd name="connsiteX3" fmla="*/ 7124681 w 8089900"/>
+              <a:gd name="connsiteY3" fmla="*/ 12700 h 5803900"/>
+              <a:gd name="connsiteX4" fmla="*/ 7807194 w 8089900"/>
+              <a:gd name="connsiteY4" fmla="*/ 295407 h 5803900"/>
+              <a:gd name="connsiteX5" fmla="*/ 8089899 w 8089900"/>
+              <a:gd name="connsiteY5" fmla="*/ 977921 h 5803900"/>
+              <a:gd name="connsiteX6" fmla="*/ 8089900 w 8089900"/>
+              <a:gd name="connsiteY6" fmla="*/ 4838681 h 5803900"/>
+              <a:gd name="connsiteX7" fmla="*/ 7807194 w 8089900"/>
+              <a:gd name="connsiteY7" fmla="*/ 5521194 h 5803900"/>
+              <a:gd name="connsiteX8" fmla="*/ 7124681 w 8089900"/>
+              <a:gd name="connsiteY8" fmla="*/ 5803900 h 5803900"/>
+              <a:gd name="connsiteX9" fmla="*/ 977919 w 8089900"/>
+              <a:gd name="connsiteY9" fmla="*/ 5803900 h 5803900"/>
+              <a:gd name="connsiteX10" fmla="*/ 295406 w 8089900"/>
+              <a:gd name="connsiteY10" fmla="*/ 5521193 h 5803900"/>
+              <a:gd name="connsiteX11" fmla="*/ 12700 w 8089900"/>
+              <a:gd name="connsiteY11" fmla="*/ 5346700 h 5803900"/>
+              <a:gd name="connsiteX12" fmla="*/ 12700 w 8089900"/>
+              <a:gd name="connsiteY12" fmla="*/ 546100 h 5803900"/>
+              <a:gd name="connsiteX0" fmla="*/ 12700 w 8089900"/>
+              <a:gd name="connsiteY0" fmla="*/ 546100 h 5803900"/>
+              <a:gd name="connsiteX1" fmla="*/ 88900 w 8089900"/>
+              <a:gd name="connsiteY1" fmla="*/ 88900 h 5803900"/>
+              <a:gd name="connsiteX2" fmla="*/ 546100 w 8089900"/>
+              <a:gd name="connsiteY2" fmla="*/ 12701 h 5803900"/>
+              <a:gd name="connsiteX3" fmla="*/ 7124681 w 8089900"/>
+              <a:gd name="connsiteY3" fmla="*/ 12700 h 5803900"/>
+              <a:gd name="connsiteX4" fmla="*/ 7807194 w 8089900"/>
+              <a:gd name="connsiteY4" fmla="*/ 295407 h 5803900"/>
+              <a:gd name="connsiteX5" fmla="*/ 8089899 w 8089900"/>
+              <a:gd name="connsiteY5" fmla="*/ 977921 h 5803900"/>
+              <a:gd name="connsiteX6" fmla="*/ 8089900 w 8089900"/>
+              <a:gd name="connsiteY6" fmla="*/ 4838681 h 5803900"/>
+              <a:gd name="connsiteX7" fmla="*/ 7807194 w 8089900"/>
+              <a:gd name="connsiteY7" fmla="*/ 5521194 h 5803900"/>
+              <a:gd name="connsiteX8" fmla="*/ 7124681 w 8089900"/>
+              <a:gd name="connsiteY8" fmla="*/ 5803900 h 5803900"/>
+              <a:gd name="connsiteX9" fmla="*/ 546100 w 8089900"/>
+              <a:gd name="connsiteY9" fmla="*/ 5803900 h 5803900"/>
+              <a:gd name="connsiteX10" fmla="*/ 295406 w 8089900"/>
+              <a:gd name="connsiteY10" fmla="*/ 5521193 h 5803900"/>
+              <a:gd name="connsiteX11" fmla="*/ 12700 w 8089900"/>
+              <a:gd name="connsiteY11" fmla="*/ 5346700 h 5803900"/>
+              <a:gd name="connsiteX12" fmla="*/ 12700 w 8089900"/>
+              <a:gd name="connsiteY12" fmla="*/ 546100 h 5803900"/>
+              <a:gd name="connsiteX0" fmla="*/ 12700 w 8089900"/>
+              <a:gd name="connsiteY0" fmla="*/ 546100 h 5803900"/>
+              <a:gd name="connsiteX1" fmla="*/ 88900 w 8089900"/>
+              <a:gd name="connsiteY1" fmla="*/ 88900 h 5803900"/>
+              <a:gd name="connsiteX2" fmla="*/ 546100 w 8089900"/>
+              <a:gd name="connsiteY2" fmla="*/ 12701 h 5803900"/>
+              <a:gd name="connsiteX3" fmla="*/ 7124681 w 8089900"/>
+              <a:gd name="connsiteY3" fmla="*/ 12700 h 5803900"/>
+              <a:gd name="connsiteX4" fmla="*/ 7807194 w 8089900"/>
+              <a:gd name="connsiteY4" fmla="*/ 295407 h 5803900"/>
+              <a:gd name="connsiteX5" fmla="*/ 8089899 w 8089900"/>
+              <a:gd name="connsiteY5" fmla="*/ 977921 h 5803900"/>
+              <a:gd name="connsiteX6" fmla="*/ 8089900 w 8089900"/>
+              <a:gd name="connsiteY6" fmla="*/ 4838681 h 5803900"/>
+              <a:gd name="connsiteX7" fmla="*/ 7807194 w 8089900"/>
+              <a:gd name="connsiteY7" fmla="*/ 5521194 h 5803900"/>
+              <a:gd name="connsiteX8" fmla="*/ 7124681 w 8089900"/>
+              <a:gd name="connsiteY8" fmla="*/ 5803900 h 5803900"/>
+              <a:gd name="connsiteX9" fmla="*/ 546100 w 8089900"/>
+              <a:gd name="connsiteY9" fmla="*/ 5803900 h 5803900"/>
+              <a:gd name="connsiteX10" fmla="*/ 88900 w 8089900"/>
+              <a:gd name="connsiteY10" fmla="*/ 5727700 h 5803900"/>
+              <a:gd name="connsiteX11" fmla="*/ 12700 w 8089900"/>
+              <a:gd name="connsiteY11" fmla="*/ 5346700 h 5803900"/>
+              <a:gd name="connsiteX12" fmla="*/ 12700 w 8089900"/>
+              <a:gd name="connsiteY12" fmla="*/ 546100 h 5803900"/>
+              <a:gd name="connsiteX0" fmla="*/ 12700 w 8089900"/>
+              <a:gd name="connsiteY0" fmla="*/ 546100 h 5803900"/>
+              <a:gd name="connsiteX1" fmla="*/ 88900 w 8089900"/>
+              <a:gd name="connsiteY1" fmla="*/ 88900 h 5803900"/>
+              <a:gd name="connsiteX2" fmla="*/ 546100 w 8089900"/>
+              <a:gd name="connsiteY2" fmla="*/ 12701 h 5803900"/>
+              <a:gd name="connsiteX3" fmla="*/ 7556500 w 8089900"/>
+              <a:gd name="connsiteY3" fmla="*/ 12700 h 5803900"/>
+              <a:gd name="connsiteX4" fmla="*/ 7807194 w 8089900"/>
+              <a:gd name="connsiteY4" fmla="*/ 295407 h 5803900"/>
+              <a:gd name="connsiteX5" fmla="*/ 8089899 w 8089900"/>
+              <a:gd name="connsiteY5" fmla="*/ 977921 h 5803900"/>
+              <a:gd name="connsiteX6" fmla="*/ 8089900 w 8089900"/>
+              <a:gd name="connsiteY6" fmla="*/ 4838681 h 5803900"/>
+              <a:gd name="connsiteX7" fmla="*/ 7807194 w 8089900"/>
+              <a:gd name="connsiteY7" fmla="*/ 5521194 h 5803900"/>
+              <a:gd name="connsiteX8" fmla="*/ 7124681 w 8089900"/>
+              <a:gd name="connsiteY8" fmla="*/ 5803900 h 5803900"/>
+              <a:gd name="connsiteX9" fmla="*/ 546100 w 8089900"/>
+              <a:gd name="connsiteY9" fmla="*/ 5803900 h 5803900"/>
+              <a:gd name="connsiteX10" fmla="*/ 88900 w 8089900"/>
+              <a:gd name="connsiteY10" fmla="*/ 5727700 h 5803900"/>
+              <a:gd name="connsiteX11" fmla="*/ 12700 w 8089900"/>
+              <a:gd name="connsiteY11" fmla="*/ 5346700 h 5803900"/>
+              <a:gd name="connsiteX12" fmla="*/ 12700 w 8089900"/>
+              <a:gd name="connsiteY12" fmla="*/ 546100 h 5803900"/>
+              <a:gd name="connsiteX0" fmla="*/ 12700 w 8089901"/>
+              <a:gd name="connsiteY0" fmla="*/ 546100 h 5803900"/>
+              <a:gd name="connsiteX1" fmla="*/ 88900 w 8089901"/>
+              <a:gd name="connsiteY1" fmla="*/ 88900 h 5803900"/>
+              <a:gd name="connsiteX2" fmla="*/ 546100 w 8089901"/>
+              <a:gd name="connsiteY2" fmla="*/ 12701 h 5803900"/>
+              <a:gd name="connsiteX3" fmla="*/ 7556500 w 8089901"/>
+              <a:gd name="connsiteY3" fmla="*/ 12700 h 5803900"/>
+              <a:gd name="connsiteX4" fmla="*/ 7807194 w 8089901"/>
+              <a:gd name="connsiteY4" fmla="*/ 295407 h 5803900"/>
+              <a:gd name="connsiteX5" fmla="*/ 8089900 w 8089901"/>
+              <a:gd name="connsiteY5" fmla="*/ 469900 h 5803900"/>
+              <a:gd name="connsiteX6" fmla="*/ 8089900 w 8089901"/>
+              <a:gd name="connsiteY6" fmla="*/ 4838681 h 5803900"/>
+              <a:gd name="connsiteX7" fmla="*/ 7807194 w 8089901"/>
+              <a:gd name="connsiteY7" fmla="*/ 5521194 h 5803900"/>
+              <a:gd name="connsiteX8" fmla="*/ 7124681 w 8089901"/>
+              <a:gd name="connsiteY8" fmla="*/ 5803900 h 5803900"/>
+              <a:gd name="connsiteX9" fmla="*/ 546100 w 8089901"/>
+              <a:gd name="connsiteY9" fmla="*/ 5803900 h 5803900"/>
+              <a:gd name="connsiteX10" fmla="*/ 88900 w 8089901"/>
+              <a:gd name="connsiteY10" fmla="*/ 5727700 h 5803900"/>
+              <a:gd name="connsiteX11" fmla="*/ 12700 w 8089901"/>
+              <a:gd name="connsiteY11" fmla="*/ 5346700 h 5803900"/>
+              <a:gd name="connsiteX12" fmla="*/ 12700 w 8089901"/>
+              <a:gd name="connsiteY12" fmla="*/ 546100 h 5803900"/>
+              <a:gd name="connsiteX0" fmla="*/ 12700 w 8102600"/>
+              <a:gd name="connsiteY0" fmla="*/ 546100 h 5803900"/>
+              <a:gd name="connsiteX1" fmla="*/ 88900 w 8102600"/>
+              <a:gd name="connsiteY1" fmla="*/ 88900 h 5803900"/>
+              <a:gd name="connsiteX2" fmla="*/ 546100 w 8102600"/>
+              <a:gd name="connsiteY2" fmla="*/ 12701 h 5803900"/>
+              <a:gd name="connsiteX3" fmla="*/ 7556500 w 8102600"/>
+              <a:gd name="connsiteY3" fmla="*/ 12700 h 5803900"/>
+              <a:gd name="connsiteX4" fmla="*/ 8013700 w 8102600"/>
+              <a:gd name="connsiteY4" fmla="*/ 88900 h 5803900"/>
+              <a:gd name="connsiteX5" fmla="*/ 8089900 w 8102600"/>
+              <a:gd name="connsiteY5" fmla="*/ 469900 h 5803900"/>
+              <a:gd name="connsiteX6" fmla="*/ 8089900 w 8102600"/>
+              <a:gd name="connsiteY6" fmla="*/ 4838681 h 5803900"/>
+              <a:gd name="connsiteX7" fmla="*/ 7807194 w 8102600"/>
+              <a:gd name="connsiteY7" fmla="*/ 5521194 h 5803900"/>
+              <a:gd name="connsiteX8" fmla="*/ 7124681 w 8102600"/>
+              <a:gd name="connsiteY8" fmla="*/ 5803900 h 5803900"/>
+              <a:gd name="connsiteX9" fmla="*/ 546100 w 8102600"/>
+              <a:gd name="connsiteY9" fmla="*/ 5803900 h 5803900"/>
+              <a:gd name="connsiteX10" fmla="*/ 88900 w 8102600"/>
+              <a:gd name="connsiteY10" fmla="*/ 5727700 h 5803900"/>
+              <a:gd name="connsiteX11" fmla="*/ 12700 w 8102600"/>
+              <a:gd name="connsiteY11" fmla="*/ 5346700 h 5803900"/>
+              <a:gd name="connsiteX12" fmla="*/ 12700 w 8102600"/>
+              <a:gd name="connsiteY12" fmla="*/ 546100 h 5803900"/>
+              <a:gd name="connsiteX0" fmla="*/ 12700 w 8102600"/>
+              <a:gd name="connsiteY0" fmla="*/ 546100 h 5803900"/>
+              <a:gd name="connsiteX1" fmla="*/ 88900 w 8102600"/>
+              <a:gd name="connsiteY1" fmla="*/ 88900 h 5803900"/>
+              <a:gd name="connsiteX2" fmla="*/ 546100 w 8102600"/>
+              <a:gd name="connsiteY2" fmla="*/ 12701 h 5803900"/>
+              <a:gd name="connsiteX3" fmla="*/ 7556500 w 8102600"/>
+              <a:gd name="connsiteY3" fmla="*/ 12700 h 5803900"/>
+              <a:gd name="connsiteX4" fmla="*/ 8013700 w 8102600"/>
+              <a:gd name="connsiteY4" fmla="*/ 88900 h 5803900"/>
+              <a:gd name="connsiteX5" fmla="*/ 8089899 w 8102600"/>
+              <a:gd name="connsiteY5" fmla="*/ 469900 h 5803900"/>
+              <a:gd name="connsiteX6" fmla="*/ 8089900 w 8102600"/>
+              <a:gd name="connsiteY6" fmla="*/ 4838681 h 5803900"/>
+              <a:gd name="connsiteX7" fmla="*/ 7807194 w 8102600"/>
+              <a:gd name="connsiteY7" fmla="*/ 5521194 h 5803900"/>
+              <a:gd name="connsiteX8" fmla="*/ 7124681 w 8102600"/>
+              <a:gd name="connsiteY8" fmla="*/ 5803900 h 5803900"/>
+              <a:gd name="connsiteX9" fmla="*/ 546100 w 8102600"/>
+              <a:gd name="connsiteY9" fmla="*/ 5803900 h 5803900"/>
+              <a:gd name="connsiteX10" fmla="*/ 88900 w 8102600"/>
+              <a:gd name="connsiteY10" fmla="*/ 5727700 h 5803900"/>
+              <a:gd name="connsiteX11" fmla="*/ 12700 w 8102600"/>
+              <a:gd name="connsiteY11" fmla="*/ 5346700 h 5803900"/>
+              <a:gd name="connsiteX12" fmla="*/ 12700 w 8102600"/>
+              <a:gd name="connsiteY12" fmla="*/ 546100 h 5803900"/>
+              <a:gd name="connsiteX0" fmla="*/ 12700 w 8102599"/>
+              <a:gd name="connsiteY0" fmla="*/ 546100 h 5803900"/>
+              <a:gd name="connsiteX1" fmla="*/ 88900 w 8102599"/>
+              <a:gd name="connsiteY1" fmla="*/ 88900 h 5803900"/>
+              <a:gd name="connsiteX2" fmla="*/ 546100 w 8102599"/>
+              <a:gd name="connsiteY2" fmla="*/ 12701 h 5803900"/>
+              <a:gd name="connsiteX3" fmla="*/ 7556500 w 8102599"/>
+              <a:gd name="connsiteY3" fmla="*/ 12700 h 5803900"/>
+              <a:gd name="connsiteX4" fmla="*/ 8013699 w 8102599"/>
+              <a:gd name="connsiteY4" fmla="*/ 88900 h 5803900"/>
+              <a:gd name="connsiteX5" fmla="*/ 8089899 w 8102599"/>
+              <a:gd name="connsiteY5" fmla="*/ 469900 h 5803900"/>
+              <a:gd name="connsiteX6" fmla="*/ 8089900 w 8102599"/>
+              <a:gd name="connsiteY6" fmla="*/ 4838681 h 5803900"/>
+              <a:gd name="connsiteX7" fmla="*/ 7807194 w 8102599"/>
+              <a:gd name="connsiteY7" fmla="*/ 5521194 h 5803900"/>
+              <a:gd name="connsiteX8" fmla="*/ 7124681 w 8102599"/>
+              <a:gd name="connsiteY8" fmla="*/ 5803900 h 5803900"/>
+              <a:gd name="connsiteX9" fmla="*/ 546100 w 8102599"/>
+              <a:gd name="connsiteY9" fmla="*/ 5803900 h 5803900"/>
+              <a:gd name="connsiteX10" fmla="*/ 88900 w 8102599"/>
+              <a:gd name="connsiteY10" fmla="*/ 5727700 h 5803900"/>
+              <a:gd name="connsiteX11" fmla="*/ 12700 w 8102599"/>
+              <a:gd name="connsiteY11" fmla="*/ 5346700 h 5803900"/>
+              <a:gd name="connsiteX12" fmla="*/ 12700 w 8102599"/>
+              <a:gd name="connsiteY12" fmla="*/ 546100 h 5803900"/>
+              <a:gd name="connsiteX0" fmla="*/ 12700 w 8102599"/>
+              <a:gd name="connsiteY0" fmla="*/ 546100 h 5803900"/>
+              <a:gd name="connsiteX1" fmla="*/ 88900 w 8102599"/>
+              <a:gd name="connsiteY1" fmla="*/ 88900 h 5803900"/>
+              <a:gd name="connsiteX2" fmla="*/ 546100 w 8102599"/>
+              <a:gd name="connsiteY2" fmla="*/ 12701 h 5803900"/>
+              <a:gd name="connsiteX3" fmla="*/ 7556500 w 8102599"/>
+              <a:gd name="connsiteY3" fmla="*/ 12700 h 5803900"/>
+              <a:gd name="connsiteX4" fmla="*/ 8013699 w 8102599"/>
+              <a:gd name="connsiteY4" fmla="*/ 88900 h 5803900"/>
+              <a:gd name="connsiteX5" fmla="*/ 8089899 w 8102599"/>
+              <a:gd name="connsiteY5" fmla="*/ 469900 h 5803900"/>
+              <a:gd name="connsiteX6" fmla="*/ 8089900 w 8102599"/>
+              <a:gd name="connsiteY6" fmla="*/ 5346700 h 5803900"/>
+              <a:gd name="connsiteX7" fmla="*/ 7807194 w 8102599"/>
+              <a:gd name="connsiteY7" fmla="*/ 5521194 h 5803900"/>
+              <a:gd name="connsiteX8" fmla="*/ 7124681 w 8102599"/>
+              <a:gd name="connsiteY8" fmla="*/ 5803900 h 5803900"/>
+              <a:gd name="connsiteX9" fmla="*/ 546100 w 8102599"/>
+              <a:gd name="connsiteY9" fmla="*/ 5803900 h 5803900"/>
+              <a:gd name="connsiteX10" fmla="*/ 88900 w 8102599"/>
+              <a:gd name="connsiteY10" fmla="*/ 5727700 h 5803900"/>
+              <a:gd name="connsiteX11" fmla="*/ 12700 w 8102599"/>
+              <a:gd name="connsiteY11" fmla="*/ 5346700 h 5803900"/>
+              <a:gd name="connsiteX12" fmla="*/ 12700 w 8102599"/>
+              <a:gd name="connsiteY12" fmla="*/ 546100 h 5803900"/>
+              <a:gd name="connsiteX0" fmla="*/ 12700 w 8102599"/>
+              <a:gd name="connsiteY0" fmla="*/ 546100 h 5803900"/>
+              <a:gd name="connsiteX1" fmla="*/ 88900 w 8102599"/>
+              <a:gd name="connsiteY1" fmla="*/ 88900 h 5803900"/>
+              <a:gd name="connsiteX2" fmla="*/ 546100 w 8102599"/>
+              <a:gd name="connsiteY2" fmla="*/ 12701 h 5803900"/>
+              <a:gd name="connsiteX3" fmla="*/ 7556500 w 8102599"/>
+              <a:gd name="connsiteY3" fmla="*/ 12700 h 5803900"/>
+              <a:gd name="connsiteX4" fmla="*/ 8013699 w 8102599"/>
+              <a:gd name="connsiteY4" fmla="*/ 88900 h 5803900"/>
+              <a:gd name="connsiteX5" fmla="*/ 8089899 w 8102599"/>
+              <a:gd name="connsiteY5" fmla="*/ 469900 h 5803900"/>
+              <a:gd name="connsiteX6" fmla="*/ 8089900 w 8102599"/>
+              <a:gd name="connsiteY6" fmla="*/ 5346700 h 5803900"/>
+              <a:gd name="connsiteX7" fmla="*/ 7807194 w 8102599"/>
+              <a:gd name="connsiteY7" fmla="*/ 5521194 h 5803900"/>
+              <a:gd name="connsiteX8" fmla="*/ 7632700 w 8102599"/>
+              <a:gd name="connsiteY8" fmla="*/ 5803900 h 5803900"/>
+              <a:gd name="connsiteX9" fmla="*/ 546100 w 8102599"/>
+              <a:gd name="connsiteY9" fmla="*/ 5803900 h 5803900"/>
+              <a:gd name="connsiteX10" fmla="*/ 88900 w 8102599"/>
+              <a:gd name="connsiteY10" fmla="*/ 5727700 h 5803900"/>
+              <a:gd name="connsiteX11" fmla="*/ 12700 w 8102599"/>
+              <a:gd name="connsiteY11" fmla="*/ 5346700 h 5803900"/>
+              <a:gd name="connsiteX12" fmla="*/ 12700 w 8102599"/>
+              <a:gd name="connsiteY12" fmla="*/ 546100 h 5803900"/>
+              <a:gd name="connsiteX0" fmla="*/ 12700 w 8102599"/>
+              <a:gd name="connsiteY0" fmla="*/ 546100 h 5803900"/>
+              <a:gd name="connsiteX1" fmla="*/ 88900 w 8102599"/>
+              <a:gd name="connsiteY1" fmla="*/ 88900 h 5803900"/>
+              <a:gd name="connsiteX2" fmla="*/ 546100 w 8102599"/>
+              <a:gd name="connsiteY2" fmla="*/ 12701 h 5803900"/>
+              <a:gd name="connsiteX3" fmla="*/ 7556500 w 8102599"/>
+              <a:gd name="connsiteY3" fmla="*/ 12700 h 5803900"/>
+              <a:gd name="connsiteX4" fmla="*/ 8013699 w 8102599"/>
+              <a:gd name="connsiteY4" fmla="*/ 88900 h 5803900"/>
+              <a:gd name="connsiteX5" fmla="*/ 8089899 w 8102599"/>
+              <a:gd name="connsiteY5" fmla="*/ 469900 h 5803900"/>
+              <a:gd name="connsiteX6" fmla="*/ 8089900 w 8102599"/>
+              <a:gd name="connsiteY6" fmla="*/ 5346700 h 5803900"/>
+              <a:gd name="connsiteX7" fmla="*/ 8013700 w 8102599"/>
+              <a:gd name="connsiteY7" fmla="*/ 5727700 h 5803900"/>
+              <a:gd name="connsiteX8" fmla="*/ 7632700 w 8102599"/>
+              <a:gd name="connsiteY8" fmla="*/ 5803900 h 5803900"/>
+              <a:gd name="connsiteX9" fmla="*/ 546100 w 8102599"/>
+              <a:gd name="connsiteY9" fmla="*/ 5803900 h 5803900"/>
+              <a:gd name="connsiteX10" fmla="*/ 88900 w 8102599"/>
+              <a:gd name="connsiteY10" fmla="*/ 5727700 h 5803900"/>
+              <a:gd name="connsiteX11" fmla="*/ 12700 w 8102599"/>
+              <a:gd name="connsiteY11" fmla="*/ 5346700 h 5803900"/>
+              <a:gd name="connsiteX12" fmla="*/ 12700 w 8102599"/>
+              <a:gd name="connsiteY12" fmla="*/ 546100 h 5803900"/>
+            </a:gdLst>
+            <a:ahLst/>
+            <a:cxnLst>
+              <a:cxn ang="0">
+                <a:pos x="connsiteX0" y="connsiteY0"/>
+              </a:cxn>
+              <a:cxn ang="0">
+                <a:pos x="connsiteX1" y="connsiteY1"/>
+              </a:cxn>
+              <a:cxn ang="0">
+                <a:pos x="connsiteX2" y="connsiteY2"/>
+              </a:cxn>
+              <a:cxn ang="0">
+                <a:pos x="connsiteX3" y="connsiteY3"/>
+              </a:cxn>
+              <a:cxn ang="0">
+                <a:pos x="connsiteX4" y="connsiteY4"/>
+              </a:cxn>
+              <a:cxn ang="0">
+                <a:pos x="connsiteX5" y="connsiteY5"/>
+              </a:cxn>
+              <a:cxn ang="0">
+                <a:pos x="connsiteX6" y="connsiteY6"/>
+              </a:cxn>
+              <a:cxn ang="0">
+                <a:pos x="connsiteX7" y="connsiteY7"/>
+              </a:cxn>
+              <a:cxn ang="0">
+                <a:pos x="connsiteX8" y="connsiteY8"/>
+              </a:cxn>
+              <a:cxn ang="0">
+                <a:pos x="connsiteX9" y="connsiteY9"/>
+              </a:cxn>
+              <a:cxn ang="0">
+                <a:pos x="connsiteX10" y="connsiteY10"/>
+              </a:cxn>
+              <a:cxn ang="0">
+                <a:pos x="connsiteX11" y="connsiteY11"/>
+              </a:cxn>
+              <a:cxn ang="0">
+                <a:pos x="connsiteX12" y="connsiteY12"/>
+              </a:cxn>
+            </a:cxnLst>
+            <a:rect l="l" t="t" r="r" b="b"/>
+            <a:pathLst>
+              <a:path w="8102599" h="5803900">
+                <a:moveTo>
+                  <a:pt x="12700" y="546100"/>
+                </a:moveTo>
+                <a:cubicBezTo>
+                  <a:pt x="12700" y="290108"/>
+                  <a:pt x="0" y="177800"/>
+                  <a:pt x="88900" y="88900"/>
+                </a:cubicBezTo>
+                <a:cubicBezTo>
+                  <a:pt x="177800" y="0"/>
+                  <a:pt x="290107" y="12700"/>
+                  <a:pt x="546100" y="12701"/>
+                </a:cubicBezTo>
+                <a:lnTo>
+                  <a:pt x="7556500" y="12700"/>
+                </a:lnTo>
+                <a:cubicBezTo>
+                  <a:pt x="7812492" y="12700"/>
+                  <a:pt x="7924799" y="12700"/>
+                  <a:pt x="8013699" y="88900"/>
+                </a:cubicBezTo>
+                <a:cubicBezTo>
+                  <a:pt x="8102599" y="165100"/>
+                  <a:pt x="8089900" y="213907"/>
+                  <a:pt x="8089899" y="469900"/>
+                </a:cubicBezTo>
+                <a:cubicBezTo>
+                  <a:pt x="8089899" y="1926160"/>
+                  <a:pt x="8089900" y="3890440"/>
+                  <a:pt x="8089900" y="5346700"/>
+                </a:cubicBezTo>
+                <a:cubicBezTo>
+                  <a:pt x="8089900" y="5602692"/>
+                  <a:pt x="8089900" y="5651500"/>
+                  <a:pt x="8013700" y="5727700"/>
+                </a:cubicBezTo>
+                <a:cubicBezTo>
+                  <a:pt x="7937500" y="5803900"/>
+                  <a:pt x="7888692" y="5803900"/>
+                  <a:pt x="7632700" y="5803900"/>
+                </a:cubicBezTo>
+                <a:lnTo>
+                  <a:pt x="546100" y="5803900"/>
+                </a:lnTo>
+                <a:cubicBezTo>
+                  <a:pt x="290108" y="5803900"/>
+                  <a:pt x="177800" y="5803900"/>
+                  <a:pt x="88900" y="5727700"/>
+                </a:cubicBezTo>
+                <a:cubicBezTo>
+                  <a:pt x="0" y="5651500"/>
+                  <a:pt x="12700" y="5602692"/>
+                  <a:pt x="12700" y="5346700"/>
+                </a:cubicBezTo>
+                <a:lnTo>
+                  <a:pt x="12700" y="546100"/>
+                </a:lnTo>
+                <a:close/>
+              </a:path>
+            </a:pathLst>
+          </a:custGeom>
+          <a:gradFill>
+            <a:gsLst>
+              <a:gs pos="0">
+                <a:schemeClr val="bg1">
+                  <a:lumMod val="50000"/>
+                </a:schemeClr>
+              </a:gs>
+              <a:gs pos="39999">
+                <a:schemeClr val="bg1">
+                  <a:lumMod val="65000"/>
+                </a:schemeClr>
+              </a:gs>
+              <a:gs pos="70000">
+                <a:schemeClr val="bg1">
+                  <a:lumMod val="50000"/>
+                  <a:alpha val="73000"/>
+                </a:schemeClr>
+              </a:gs>
+            </a:gsLst>
+            <a:lin ang="5400000" scaled="0"/>
+          </a:gradFill>
+          <a:ln>
+            <a:solidFill>
+              <a:schemeClr val="bg1">
+                <a:lumMod val="75000"/>
+              </a:schemeClr>
+            </a:solidFill>
+          </a:ln>
+        </p:spPr>
+        <p:style>
+          <a:lnRef idx="2">
+            <a:schemeClr val="accent1">
+              <a:shade val="50000"/>
+            </a:schemeClr>
+          </a:lnRef>
+          <a:fillRef idx="1">
+            <a:schemeClr val="accent1"/>
+          </a:fillRef>
+          <a:effectRef idx="0">
+            <a:schemeClr val="accent1"/>
+          </a:effectRef>
+          <a:fontRef idx="minor">
+            <a:schemeClr val="lt1"/>
+          </a:fontRef>
+        </p:style>
+        <p:txBody>
+          <a:bodyPr rtlCol="0" anchor="ctr"/>
+          <a:lstStyle/>
+          <a:p>
+            <a:pPr fontAlgn="t"/>
+            <a:endParaRPr lang="es-AR" b="1" dirty="0" smtClean="0"/>
+          </a:p>
+          <a:p>
+            <a:pPr algn="ctr"/>
+            <a:endParaRPr lang="es-AR" dirty="0"/>
+          </a:p>
+        </p:txBody>
+      </p:sp>
+      <p:sp>
+        <p:nvSpPr>
+          <p:cNvPr id="6" name="Round Same Side Corner Rectangle 5"/>
+          <p:cNvSpPr/>
+          <p:nvPr/>
+        </p:nvSpPr>
+        <p:spPr>
+          <a:xfrm rot="10800000">
+            <a:off x="1219200" y="544417"/>
+            <a:ext cx="6781800" cy="1741582"/>
+          </a:xfrm>
+          <a:prstGeom prst="round2SameRect">
+            <a:avLst/>
+          </a:prstGeom>
+        </p:spPr>
+        <p:style>
+          <a:lnRef idx="2">
+            <a:schemeClr val="dk1">
+              <a:shade val="50000"/>
+            </a:schemeClr>
+          </a:lnRef>
+          <a:fillRef idx="1">
+            <a:schemeClr val="dk1"/>
+          </a:fillRef>
+          <a:effectRef idx="0">
+            <a:schemeClr val="dk1"/>
+          </a:effectRef>
+          <a:fontRef idx="minor">
+            <a:schemeClr val="lt1"/>
+          </a:fontRef>
+        </p:style>
+        <p:txBody>
+          <a:bodyPr rtlCol="0" anchor="ctr"/>
+          <a:lstStyle/>
+          <a:p>
+            <a:pPr algn="ctr"/>
+            <a:endParaRPr lang="es-AR" dirty="0"/>
+          </a:p>
+        </p:txBody>
+      </p:sp>
+      <p:pic>
+        <p:nvPicPr>
+          <p:cNvPr id="1026" name="Picture 2" descr="E:\U.B.A.Files\Materias\75.45 Taller de Desarrollo de Proyectos I\TP\Trunk\Proyecto\web\site\images\logo.png"/>
+          <p:cNvPicPr>
+            <a:picLocks noChangeAspect="1" noChangeArrowheads="1"/>
+          </p:cNvPicPr>
+          <p:nvPr/>
+        </p:nvPicPr>
+        <p:blipFill>
+          <a:blip r:embed="rId2" cstate="print"/>
+          <a:srcRect/>
+          <a:stretch>
+            <a:fillRect/>
+          </a:stretch>
+        </p:blipFill>
+        <p:spPr bwMode="auto">
+          <a:xfrm>
+            <a:off x="1600200" y="913540"/>
+            <a:ext cx="2640904" cy="762000"/>
+          </a:xfrm>
+          <a:prstGeom prst="rect">
+            <a:avLst/>
+          </a:prstGeom>
+          <a:noFill/>
+        </p:spPr>
+      </p:pic>
+      <p:sp>
+        <p:nvSpPr>
+          <p:cNvPr id="7" name="TextBox 6"/>
+          <p:cNvSpPr txBox="1"/>
+          <p:nvPr/>
+        </p:nvSpPr>
+        <p:spPr>
+          <a:xfrm>
+            <a:off x="4343400" y="1001408"/>
+            <a:ext cx="3180743" cy="307777"/>
+          </a:xfrm>
+          <a:prstGeom prst="rect">
+            <a:avLst/>
+          </a:prstGeom>
+          <a:noFill/>
+        </p:spPr>
+        <p:txBody>
+          <a:bodyPr wrap="none" rtlCol="0">
+            <a:spAutoFit/>
+          </a:bodyPr>
+          <a:lstStyle/>
+          <a:p>
+            <a:r>
+              <a:rPr lang="es-AR" sz="1400" dirty="0" smtClean="0">
+                <a:solidFill>
+                  <a:schemeClr val="bg1">
+                    <a:lumMod val="50000"/>
+                  </a:schemeClr>
+                </a:solidFill>
+              </a:rPr>
+              <a:t>Centralización y análisis de datos</a:t>
+            </a:r>
+            <a:endParaRPr lang="es-AR" sz="1400" dirty="0">
+              <a:solidFill>
+                <a:schemeClr val="bg1">
+                  <a:lumMod val="50000"/>
+                </a:schemeClr>
+              </a:solidFill>
+            </a:endParaRPr>
+          </a:p>
+        </p:txBody>
+      </p:sp>
+      <p:sp>
+        <p:nvSpPr>
+          <p:cNvPr id="14" name="Rectangle 13"/>
+          <p:cNvSpPr/>
+          <p:nvPr/>
+        </p:nvSpPr>
+        <p:spPr>
+          <a:xfrm>
+            <a:off x="381000" y="2133600"/>
+            <a:ext cx="8458200" cy="1066800"/>
+          </a:xfrm>
+          <a:prstGeom prst="rect">
+            <a:avLst/>
+          </a:prstGeom>
+          <a:noFill/>
+          <a:ln>
+            <a:noFill/>
+          </a:ln>
+        </p:spPr>
+        <p:style>
+          <a:lnRef idx="2">
+            <a:schemeClr val="accent1">
+              <a:shade val="50000"/>
+            </a:schemeClr>
+          </a:lnRef>
+          <a:fillRef idx="1">
+            <a:schemeClr val="accent1"/>
+          </a:fillRef>
+          <a:effectRef idx="0">
+            <a:schemeClr val="accent1"/>
+          </a:effectRef>
+          <a:fontRef idx="minor">
+            <a:schemeClr val="lt1"/>
+          </a:fontRef>
+        </p:style>
+        <p:txBody>
+          <a:bodyPr rtlCol="0" anchor="ctr"/>
+          <a:lstStyle/>
+          <a:p>
+            <a:pPr algn="ctr"/>
+            <a:r>
+              <a:rPr lang="es-AR" sz="4800" b="1" dirty="0" smtClean="0"/>
+              <a:t>SVE </a:t>
+            </a:r>
+            <a:r>
+              <a:rPr lang="es-AR" sz="3600" b="1" dirty="0" smtClean="0"/>
+              <a:t>– </a:t>
+            </a:r>
+            <a:r>
+              <a:rPr lang="es-AR" sz="3600" b="1" dirty="0" err="1" smtClean="0"/>
+              <a:t>Scoring</a:t>
+            </a:r>
+            <a:r>
+              <a:rPr lang="es-AR" sz="3600" b="1" dirty="0" smtClean="0"/>
+              <a:t> Vehicular Estadístico</a:t>
+            </a:r>
+            <a:endParaRPr lang="es-AR" sz="1200" dirty="0"/>
+          </a:p>
+        </p:txBody>
+      </p:sp>
+      <p:sp>
+        <p:nvSpPr>
+          <p:cNvPr id="39" name="TextBox 38"/>
+          <p:cNvSpPr txBox="1"/>
+          <p:nvPr/>
+        </p:nvSpPr>
+        <p:spPr>
+          <a:xfrm>
+            <a:off x="838200" y="3276600"/>
+            <a:ext cx="7391400" cy="2862322"/>
+          </a:xfrm>
+          <a:prstGeom prst="rect">
+            <a:avLst/>
+          </a:prstGeom>
+          <a:noFill/>
+        </p:spPr>
+        <p:txBody>
+          <a:bodyPr wrap="square" rtlCol="0">
+            <a:spAutoFit/>
+          </a:bodyPr>
+          <a:lstStyle/>
+          <a:p>
+            <a:r>
+              <a:rPr lang="es-AR" sz="6000" dirty="0" smtClean="0">
+                <a:solidFill>
+                  <a:schemeClr val="bg1"/>
+                </a:solidFill>
+              </a:rPr>
+              <a:t>Descripción del producto IV marco legal</a:t>
+            </a:r>
+            <a:endParaRPr lang="es-AR" sz="6000" dirty="0">
+              <a:solidFill>
+                <a:schemeClr val="bg1"/>
+              </a:solidFill>
+            </a:endParaRPr>
+          </a:p>
+        </p:txBody>
+      </p:sp>
+    </p:spTree>
+  </p:cSld>
+  <p:clrMapOvr>
+    <a:masterClrMapping/>
+  </p:clrMapOvr>
+</p:sld>
+</file>
+
+<file path=ppt/slides/slide9.xml><?xml version="1.0" encoding="utf-8"?>
+<p:sld xmlns:a="http://schemas.openxmlformats.org/drawingml/2006/main" xmlns:r="http://schemas.openxmlformats.org/officeDocument/2006/relationships" xmlns:p="http://schemas.openxmlformats.org/presentationml/2006/main">
+  <p:cSld>
+    <p:bg>
+      <p:bgPr>
+        <a:solidFill>
+          <a:schemeClr val="bg1">
+            <a:lumMod val="50000"/>
+          </a:schemeClr>
+        </a:solidFill>
+        <a:effectLst/>
+      </p:bgPr>
+    </p:bg>
+    <p:spTree>
+      <p:nvGrpSpPr>
+        <p:cNvPr id="1" name=""/>
+        <p:cNvGrpSpPr/>
+        <p:nvPr/>
+      </p:nvGrpSpPr>
+      <p:grpSpPr>
+        <a:xfrm>
+          <a:off x="0" y="0"/>
+          <a:ext cx="0" cy="0"/>
+          <a:chOff x="0" y="0"/>
+          <a:chExt cx="0" cy="0"/>
+        </a:xfrm>
+      </p:grpSpPr>
+      <p:grpSp>
+        <p:nvGrpSpPr>
+          <p:cNvPr id="3" name="Group 22"/>
+          <p:cNvGrpSpPr/>
+          <p:nvPr/>
+        </p:nvGrpSpPr>
+        <p:grpSpPr>
+          <a:xfrm>
+            <a:off x="304800" y="304800"/>
+            <a:ext cx="8534400" cy="6248400"/>
+            <a:chOff x="304800" y="304800"/>
+            <a:chExt cx="8534400" cy="6248400"/>
+          </a:xfrm>
+          <a:solidFill>
+            <a:schemeClr val="bg1">
+              <a:lumMod val="85000"/>
+            </a:schemeClr>
+          </a:solidFill>
+        </p:grpSpPr>
+        <p:sp>
+          <p:nvSpPr>
+            <p:cNvPr id="4" name="Rounded Rectangle 3"/>
+            <p:cNvSpPr/>
+            <p:nvPr/>
+          </p:nvSpPr>
+          <p:spPr>
+            <a:xfrm>
+              <a:off x="304800" y="304800"/>
+              <a:ext cx="8534400" cy="6248400"/>
+            </a:xfrm>
+            <a:prstGeom prst="roundRect">
+              <a:avLst/>
+            </a:prstGeom>
+            <a:grpFill/>
+            <a:ln>
+              <a:noFill/>
+            </a:ln>
+          </p:spPr>
+          <p:style>
+            <a:lnRef idx="2">
+              <a:schemeClr val="accent1">
+                <a:shade val="50000"/>
+              </a:schemeClr>
+            </a:lnRef>
+            <a:fillRef idx="1">
+              <a:schemeClr val="accent1"/>
+            </a:fillRef>
+            <a:effectRef idx="0">
+              <a:schemeClr val="accent1"/>
+            </a:effectRef>
+            <a:fontRef idx="minor">
+              <a:schemeClr val="lt1"/>
+            </a:fontRef>
+          </p:style>
+          <p:txBody>
+            <a:bodyPr rtlCol="0" anchor="ctr"/>
+            <a:lstStyle/>
+            <a:p>
+              <a:pPr algn="ctr"/>
+              <a:endParaRPr lang="es-AR"/>
+            </a:p>
+          </p:txBody>
+        </p:sp>
+        <p:sp>
+          <p:nvSpPr>
+            <p:cNvPr id="5" name="Rounded Rectangle 4"/>
+            <p:cNvSpPr/>
+            <p:nvPr/>
+          </p:nvSpPr>
+          <p:spPr>
+            <a:xfrm>
+              <a:off x="7086600" y="304800"/>
+              <a:ext cx="1752600" cy="1752600"/>
+            </a:xfrm>
+            <a:prstGeom prst="roundRect">
+              <a:avLst/>
+            </a:prstGeom>
+            <a:grpFill/>
+            <a:ln>
+              <a:noFill/>
+            </a:ln>
+          </p:spPr>
+          <p:style>
+            <a:lnRef idx="2">
+              <a:schemeClr val="accent1">
+                <a:shade val="50000"/>
+              </a:schemeClr>
+            </a:lnRef>
+            <a:fillRef idx="1">
+              <a:schemeClr val="accent1"/>
+            </a:fillRef>
+            <a:effectRef idx="0">
+              <a:schemeClr val="accent1"/>
+            </a:effectRef>
+            <a:fontRef idx="minor">
+              <a:schemeClr val="lt1"/>
+            </a:fontRef>
+          </p:style>
+          <p:txBody>
+            <a:bodyPr rtlCol="0" anchor="ctr"/>
+            <a:lstStyle/>
+            <a:p>
+              <a:pPr algn="ctr"/>
+              <a:endParaRPr lang="es-AR"/>
+            </a:p>
+          </p:txBody>
+        </p:sp>
+        <p:sp>
+          <p:nvSpPr>
+            <p:cNvPr id="6" name="Rounded Rectangle 5"/>
+            <p:cNvSpPr/>
+            <p:nvPr/>
+          </p:nvSpPr>
+          <p:spPr>
+            <a:xfrm>
+              <a:off x="304800" y="304800"/>
+              <a:ext cx="1752600" cy="1752600"/>
+            </a:xfrm>
+            <a:prstGeom prst="roundRect">
+              <a:avLst/>
+            </a:prstGeom>
+            <a:grpFill/>
+            <a:ln>
+              <a:noFill/>
+            </a:ln>
+          </p:spPr>
+          <p:style>
+            <a:lnRef idx="2">
+              <a:schemeClr val="accent1">
+                <a:shade val="50000"/>
+              </a:schemeClr>
+            </a:lnRef>
+            <a:fillRef idx="1">
+              <a:schemeClr val="accent1"/>
+            </a:fillRef>
+            <a:effectRef idx="0">
+              <a:schemeClr val="accent1"/>
+            </a:effectRef>
+            <a:fontRef idx="minor">
+              <a:schemeClr val="lt1"/>
+            </a:fontRef>
+          </p:style>
+          <p:txBody>
+            <a:bodyPr rtlCol="0" anchor="ctr"/>
+            <a:lstStyle/>
+            <a:p>
+              <a:pPr algn="ctr"/>
+              <a:endParaRPr lang="es-AR"/>
+            </a:p>
+          </p:txBody>
+        </p:sp>
+        <p:sp>
+          <p:nvSpPr>
+            <p:cNvPr id="7" name="Rounded Rectangle 6"/>
+            <p:cNvSpPr/>
+            <p:nvPr/>
+          </p:nvSpPr>
+          <p:spPr>
+            <a:xfrm>
+              <a:off x="304800" y="4800600"/>
+              <a:ext cx="1752600" cy="1752600"/>
+            </a:xfrm>
+            <a:prstGeom prst="roundRect">
+              <a:avLst/>
+            </a:prstGeom>
+            <a:grpFill/>
+            <a:ln>
+              <a:noFill/>
+            </a:ln>
+          </p:spPr>
+          <p:style>
+            <a:lnRef idx="2">
+              <a:schemeClr val="accent1">
+                <a:shade val="50000"/>
+              </a:schemeClr>
+            </a:lnRef>
+            <a:fillRef idx="1">
+              <a:schemeClr val="accent1"/>
+            </a:fillRef>
+            <a:effectRef idx="0">
+              <a:schemeClr val="accent1"/>
+            </a:effectRef>
+            <a:fontRef idx="minor">
+              <a:schemeClr val="lt1"/>
+            </a:fontRef>
+          </p:style>
+          <p:txBody>
+            <a:bodyPr rtlCol="0" anchor="ctr"/>
+            <a:lstStyle/>
+            <a:p>
+              <a:pPr algn="ctr"/>
+              <a:endParaRPr lang="es-AR"/>
+            </a:p>
+          </p:txBody>
+        </p:sp>
+        <p:sp>
+          <p:nvSpPr>
+            <p:cNvPr id="8" name="Rounded Rectangle 7"/>
+            <p:cNvSpPr/>
+            <p:nvPr/>
+          </p:nvSpPr>
+          <p:spPr>
+            <a:xfrm>
+              <a:off x="7086600" y="4800600"/>
+              <a:ext cx="1752600" cy="1752600"/>
+            </a:xfrm>
+            <a:prstGeom prst="roundRect">
+              <a:avLst/>
+            </a:prstGeom>
+            <a:grpFill/>
+            <a:ln>
+              <a:noFill/>
+            </a:ln>
+          </p:spPr>
+          <p:style>
+            <a:lnRef idx="2">
+              <a:schemeClr val="accent1">
+                <a:shade val="50000"/>
+              </a:schemeClr>
+            </a:lnRef>
+            <a:fillRef idx="1">
+              <a:schemeClr val="accent1"/>
+            </a:fillRef>
+            <a:effectRef idx="0">
+              <a:schemeClr val="accent1"/>
+            </a:effectRef>
+            <a:fontRef idx="minor">
+              <a:schemeClr val="lt1"/>
+            </a:fontRef>
+          </p:style>
+          <p:txBody>
+            <a:bodyPr rtlCol="0" anchor="ctr"/>
+            <a:lstStyle/>
+            <a:p>
+              <a:pPr algn="ctr"/>
+              <a:endParaRPr lang="es-AR"/>
+            </a:p>
+          </p:txBody>
+        </p:sp>
+      </p:grpSp>
+      <p:sp>
+        <p:nvSpPr>
+          <p:cNvPr id="9" name="Freeform 8"/>
+          <p:cNvSpPr/>
+          <p:nvPr/>
+        </p:nvSpPr>
+        <p:spPr>
+          <a:xfrm>
+            <a:off x="533400" y="457200"/>
+            <a:ext cx="8102599" cy="5803900"/>
+          </a:xfrm>
+          <a:custGeom>
+            <a:avLst/>
+            <a:gdLst>
+              <a:gd name="connsiteX0" fmla="*/ 0 w 8077200"/>
+              <a:gd name="connsiteY0" fmla="*/ 965219 h 5791200"/>
+              <a:gd name="connsiteX1" fmla="*/ 282707 w 8077200"/>
+              <a:gd name="connsiteY1" fmla="*/ 282706 h 5791200"/>
+              <a:gd name="connsiteX2" fmla="*/ 965221 w 8077200"/>
+              <a:gd name="connsiteY2" fmla="*/ 1 h 5791200"/>
+              <a:gd name="connsiteX3" fmla="*/ 7111981 w 8077200"/>
+              <a:gd name="connsiteY3" fmla="*/ 0 h 5791200"/>
+              <a:gd name="connsiteX4" fmla="*/ 7794494 w 8077200"/>
+              <a:gd name="connsiteY4" fmla="*/ 282707 h 5791200"/>
+              <a:gd name="connsiteX5" fmla="*/ 8077199 w 8077200"/>
+              <a:gd name="connsiteY5" fmla="*/ 965221 h 5791200"/>
+              <a:gd name="connsiteX6" fmla="*/ 8077200 w 8077200"/>
+              <a:gd name="connsiteY6" fmla="*/ 4825981 h 5791200"/>
+              <a:gd name="connsiteX7" fmla="*/ 7794494 w 8077200"/>
+              <a:gd name="connsiteY7" fmla="*/ 5508494 h 5791200"/>
+              <a:gd name="connsiteX8" fmla="*/ 7111981 w 8077200"/>
+              <a:gd name="connsiteY8" fmla="*/ 5791200 h 5791200"/>
+              <a:gd name="connsiteX9" fmla="*/ 965219 w 8077200"/>
+              <a:gd name="connsiteY9" fmla="*/ 5791200 h 5791200"/>
+              <a:gd name="connsiteX10" fmla="*/ 282706 w 8077200"/>
+              <a:gd name="connsiteY10" fmla="*/ 5508493 h 5791200"/>
+              <a:gd name="connsiteX11" fmla="*/ 0 w 8077200"/>
+              <a:gd name="connsiteY11" fmla="*/ 4825980 h 5791200"/>
+              <a:gd name="connsiteX12" fmla="*/ 0 w 8077200"/>
+              <a:gd name="connsiteY12" fmla="*/ 965219 h 5791200"/>
+              <a:gd name="connsiteX0" fmla="*/ 0 w 8077200"/>
+              <a:gd name="connsiteY0" fmla="*/ 609600 h 5791200"/>
+              <a:gd name="connsiteX1" fmla="*/ 282707 w 8077200"/>
+              <a:gd name="connsiteY1" fmla="*/ 282706 h 5791200"/>
+              <a:gd name="connsiteX2" fmla="*/ 965221 w 8077200"/>
+              <a:gd name="connsiteY2" fmla="*/ 1 h 5791200"/>
+              <a:gd name="connsiteX3" fmla="*/ 7111981 w 8077200"/>
+              <a:gd name="connsiteY3" fmla="*/ 0 h 5791200"/>
+              <a:gd name="connsiteX4" fmla="*/ 7794494 w 8077200"/>
+              <a:gd name="connsiteY4" fmla="*/ 282707 h 5791200"/>
+              <a:gd name="connsiteX5" fmla="*/ 8077199 w 8077200"/>
+              <a:gd name="connsiteY5" fmla="*/ 965221 h 5791200"/>
+              <a:gd name="connsiteX6" fmla="*/ 8077200 w 8077200"/>
+              <a:gd name="connsiteY6" fmla="*/ 4825981 h 5791200"/>
+              <a:gd name="connsiteX7" fmla="*/ 7794494 w 8077200"/>
+              <a:gd name="connsiteY7" fmla="*/ 5508494 h 5791200"/>
+              <a:gd name="connsiteX8" fmla="*/ 7111981 w 8077200"/>
+              <a:gd name="connsiteY8" fmla="*/ 5791200 h 5791200"/>
+              <a:gd name="connsiteX9" fmla="*/ 965219 w 8077200"/>
+              <a:gd name="connsiteY9" fmla="*/ 5791200 h 5791200"/>
+              <a:gd name="connsiteX10" fmla="*/ 282706 w 8077200"/>
+              <a:gd name="connsiteY10" fmla="*/ 5508493 h 5791200"/>
+              <a:gd name="connsiteX11" fmla="*/ 0 w 8077200"/>
+              <a:gd name="connsiteY11" fmla="*/ 4825980 h 5791200"/>
+              <a:gd name="connsiteX12" fmla="*/ 0 w 8077200"/>
+              <a:gd name="connsiteY12" fmla="*/ 609600 h 5791200"/>
+              <a:gd name="connsiteX0" fmla="*/ 0 w 8077200"/>
+              <a:gd name="connsiteY0" fmla="*/ 609601 h 5791201"/>
+              <a:gd name="connsiteX1" fmla="*/ 282707 w 8077200"/>
+              <a:gd name="connsiteY1" fmla="*/ 282707 h 5791201"/>
+              <a:gd name="connsiteX2" fmla="*/ 609600 w 8077200"/>
+              <a:gd name="connsiteY2" fmla="*/ 1 h 5791201"/>
+              <a:gd name="connsiteX3" fmla="*/ 7111981 w 8077200"/>
+              <a:gd name="connsiteY3" fmla="*/ 1 h 5791201"/>
+              <a:gd name="connsiteX4" fmla="*/ 7794494 w 8077200"/>
+              <a:gd name="connsiteY4" fmla="*/ 282708 h 5791201"/>
+              <a:gd name="connsiteX5" fmla="*/ 8077199 w 8077200"/>
+              <a:gd name="connsiteY5" fmla="*/ 965222 h 5791201"/>
+              <a:gd name="connsiteX6" fmla="*/ 8077200 w 8077200"/>
+              <a:gd name="connsiteY6" fmla="*/ 4825982 h 5791201"/>
+              <a:gd name="connsiteX7" fmla="*/ 7794494 w 8077200"/>
+              <a:gd name="connsiteY7" fmla="*/ 5508495 h 5791201"/>
+              <a:gd name="connsiteX8" fmla="*/ 7111981 w 8077200"/>
+              <a:gd name="connsiteY8" fmla="*/ 5791201 h 5791201"/>
+              <a:gd name="connsiteX9" fmla="*/ 965219 w 8077200"/>
+              <a:gd name="connsiteY9" fmla="*/ 5791201 h 5791201"/>
+              <a:gd name="connsiteX10" fmla="*/ 282706 w 8077200"/>
+              <a:gd name="connsiteY10" fmla="*/ 5508494 h 5791201"/>
+              <a:gd name="connsiteX11" fmla="*/ 0 w 8077200"/>
+              <a:gd name="connsiteY11" fmla="*/ 4825981 h 5791201"/>
+              <a:gd name="connsiteX12" fmla="*/ 0 w 8077200"/>
+              <a:gd name="connsiteY12" fmla="*/ 609601 h 5791201"/>
+              <a:gd name="connsiteX0" fmla="*/ 0 w 8077200"/>
+              <a:gd name="connsiteY0" fmla="*/ 609601 h 5791201"/>
+              <a:gd name="connsiteX1" fmla="*/ 152400 w 8077200"/>
+              <a:gd name="connsiteY1" fmla="*/ 152402 h 5791201"/>
+              <a:gd name="connsiteX2" fmla="*/ 609600 w 8077200"/>
+              <a:gd name="connsiteY2" fmla="*/ 1 h 5791201"/>
+              <a:gd name="connsiteX3" fmla="*/ 7111981 w 8077200"/>
+              <a:gd name="connsiteY3" fmla="*/ 1 h 5791201"/>
+              <a:gd name="connsiteX4" fmla="*/ 7794494 w 8077200"/>
+              <a:gd name="connsiteY4" fmla="*/ 282708 h 5791201"/>
+              <a:gd name="connsiteX5" fmla="*/ 8077199 w 8077200"/>
+              <a:gd name="connsiteY5" fmla="*/ 965222 h 5791201"/>
+              <a:gd name="connsiteX6" fmla="*/ 8077200 w 8077200"/>
+              <a:gd name="connsiteY6" fmla="*/ 4825982 h 5791201"/>
+              <a:gd name="connsiteX7" fmla="*/ 7794494 w 8077200"/>
+              <a:gd name="connsiteY7" fmla="*/ 5508495 h 5791201"/>
+              <a:gd name="connsiteX8" fmla="*/ 7111981 w 8077200"/>
+              <a:gd name="connsiteY8" fmla="*/ 5791201 h 5791201"/>
+              <a:gd name="connsiteX9" fmla="*/ 965219 w 8077200"/>
+              <a:gd name="connsiteY9" fmla="*/ 5791201 h 5791201"/>
+              <a:gd name="connsiteX10" fmla="*/ 282706 w 8077200"/>
+              <a:gd name="connsiteY10" fmla="*/ 5508494 h 5791201"/>
+              <a:gd name="connsiteX11" fmla="*/ 0 w 8077200"/>
+              <a:gd name="connsiteY11" fmla="*/ 4825981 h 5791201"/>
+              <a:gd name="connsiteX12" fmla="*/ 0 w 8077200"/>
+              <a:gd name="connsiteY12" fmla="*/ 609601 h 5791201"/>
+              <a:gd name="connsiteX0" fmla="*/ 0 w 8077200"/>
+              <a:gd name="connsiteY0" fmla="*/ 609600 h 5791200"/>
+              <a:gd name="connsiteX1" fmla="*/ 152400 w 8077200"/>
+              <a:gd name="connsiteY1" fmla="*/ 152401 h 5791200"/>
+              <a:gd name="connsiteX2" fmla="*/ 533400 w 8077200"/>
+              <a:gd name="connsiteY2" fmla="*/ 1 h 5791200"/>
+              <a:gd name="connsiteX3" fmla="*/ 7111981 w 8077200"/>
+              <a:gd name="connsiteY3" fmla="*/ 0 h 5791200"/>
+              <a:gd name="connsiteX4" fmla="*/ 7794494 w 8077200"/>
+              <a:gd name="connsiteY4" fmla="*/ 282707 h 5791200"/>
+              <a:gd name="connsiteX5" fmla="*/ 8077199 w 8077200"/>
+              <a:gd name="connsiteY5" fmla="*/ 965221 h 5791200"/>
+              <a:gd name="connsiteX6" fmla="*/ 8077200 w 8077200"/>
+              <a:gd name="connsiteY6" fmla="*/ 4825981 h 5791200"/>
+              <a:gd name="connsiteX7" fmla="*/ 7794494 w 8077200"/>
+              <a:gd name="connsiteY7" fmla="*/ 5508494 h 5791200"/>
+              <a:gd name="connsiteX8" fmla="*/ 7111981 w 8077200"/>
+              <a:gd name="connsiteY8" fmla="*/ 5791200 h 5791200"/>
+              <a:gd name="connsiteX9" fmla="*/ 965219 w 8077200"/>
+              <a:gd name="connsiteY9" fmla="*/ 5791200 h 5791200"/>
+              <a:gd name="connsiteX10" fmla="*/ 282706 w 8077200"/>
+              <a:gd name="connsiteY10" fmla="*/ 5508493 h 5791200"/>
+              <a:gd name="connsiteX11" fmla="*/ 0 w 8077200"/>
+              <a:gd name="connsiteY11" fmla="*/ 4825980 h 5791200"/>
+              <a:gd name="connsiteX12" fmla="*/ 0 w 8077200"/>
+              <a:gd name="connsiteY12" fmla="*/ 609600 h 5791200"/>
+              <a:gd name="connsiteX0" fmla="*/ 0 w 8077200"/>
+              <a:gd name="connsiteY0" fmla="*/ 533400 h 5791200"/>
+              <a:gd name="connsiteX1" fmla="*/ 152400 w 8077200"/>
+              <a:gd name="connsiteY1" fmla="*/ 152401 h 5791200"/>
+              <a:gd name="connsiteX2" fmla="*/ 533400 w 8077200"/>
+              <a:gd name="connsiteY2" fmla="*/ 1 h 5791200"/>
+              <a:gd name="connsiteX3" fmla="*/ 7111981 w 8077200"/>
+              <a:gd name="connsiteY3" fmla="*/ 0 h 5791200"/>
+              <a:gd name="connsiteX4" fmla="*/ 7794494 w 8077200"/>
+              <a:gd name="connsiteY4" fmla="*/ 282707 h 5791200"/>
+              <a:gd name="connsiteX5" fmla="*/ 8077199 w 8077200"/>
+              <a:gd name="connsiteY5" fmla="*/ 965221 h 5791200"/>
+              <a:gd name="connsiteX6" fmla="*/ 8077200 w 8077200"/>
+              <a:gd name="connsiteY6" fmla="*/ 4825981 h 5791200"/>
+              <a:gd name="connsiteX7" fmla="*/ 7794494 w 8077200"/>
+              <a:gd name="connsiteY7" fmla="*/ 5508494 h 5791200"/>
+              <a:gd name="connsiteX8" fmla="*/ 7111981 w 8077200"/>
+              <a:gd name="connsiteY8" fmla="*/ 5791200 h 5791200"/>
+              <a:gd name="connsiteX9" fmla="*/ 965219 w 8077200"/>
+              <a:gd name="connsiteY9" fmla="*/ 5791200 h 5791200"/>
+              <a:gd name="connsiteX10" fmla="*/ 282706 w 8077200"/>
+              <a:gd name="connsiteY10" fmla="*/ 5508493 h 5791200"/>
+              <a:gd name="connsiteX11" fmla="*/ 0 w 8077200"/>
+              <a:gd name="connsiteY11" fmla="*/ 4825980 h 5791200"/>
+              <a:gd name="connsiteX12" fmla="*/ 0 w 8077200"/>
+              <a:gd name="connsiteY12" fmla="*/ 533400 h 5791200"/>
+              <a:gd name="connsiteX0" fmla="*/ 12700 w 8089900"/>
+              <a:gd name="connsiteY0" fmla="*/ 546100 h 5803900"/>
+              <a:gd name="connsiteX1" fmla="*/ 88900 w 8089900"/>
+              <a:gd name="connsiteY1" fmla="*/ 88900 h 5803900"/>
+              <a:gd name="connsiteX2" fmla="*/ 546100 w 8089900"/>
+              <a:gd name="connsiteY2" fmla="*/ 12701 h 5803900"/>
+              <a:gd name="connsiteX3" fmla="*/ 7124681 w 8089900"/>
+              <a:gd name="connsiteY3" fmla="*/ 12700 h 5803900"/>
+              <a:gd name="connsiteX4" fmla="*/ 7807194 w 8089900"/>
+              <a:gd name="connsiteY4" fmla="*/ 295407 h 5803900"/>
+              <a:gd name="connsiteX5" fmla="*/ 8089899 w 8089900"/>
+              <a:gd name="connsiteY5" fmla="*/ 977921 h 5803900"/>
+              <a:gd name="connsiteX6" fmla="*/ 8089900 w 8089900"/>
+              <a:gd name="connsiteY6" fmla="*/ 4838681 h 5803900"/>
+              <a:gd name="connsiteX7" fmla="*/ 7807194 w 8089900"/>
+              <a:gd name="connsiteY7" fmla="*/ 5521194 h 5803900"/>
+              <a:gd name="connsiteX8" fmla="*/ 7124681 w 8089900"/>
+              <a:gd name="connsiteY8" fmla="*/ 5803900 h 5803900"/>
+              <a:gd name="connsiteX9" fmla="*/ 977919 w 8089900"/>
+              <a:gd name="connsiteY9" fmla="*/ 5803900 h 5803900"/>
+              <a:gd name="connsiteX10" fmla="*/ 295406 w 8089900"/>
+              <a:gd name="connsiteY10" fmla="*/ 5521193 h 5803900"/>
+              <a:gd name="connsiteX11" fmla="*/ 12700 w 8089900"/>
+              <a:gd name="connsiteY11" fmla="*/ 4838680 h 5803900"/>
+              <a:gd name="connsiteX12" fmla="*/ 12700 w 8089900"/>
+              <a:gd name="connsiteY12" fmla="*/ 546100 h 5803900"/>
+              <a:gd name="connsiteX0" fmla="*/ 12700 w 8089900"/>
+              <a:gd name="connsiteY0" fmla="*/ 546100 h 5803900"/>
+              <a:gd name="connsiteX1" fmla="*/ 88900 w 8089900"/>
+              <a:gd name="connsiteY1" fmla="*/ 88900 h 5803900"/>
+              <a:gd name="connsiteX2" fmla="*/ 546100 w 8089900"/>
+              <a:gd name="connsiteY2" fmla="*/ 12701 h 5803900"/>
+              <a:gd name="connsiteX3" fmla="*/ 7124681 w 8089900"/>
+              <a:gd name="connsiteY3" fmla="*/ 12700 h 5803900"/>
+              <a:gd name="connsiteX4" fmla="*/ 7807194 w 8089900"/>
+              <a:gd name="connsiteY4" fmla="*/ 295407 h 5803900"/>
+              <a:gd name="connsiteX5" fmla="*/ 8089899 w 8089900"/>
+              <a:gd name="connsiteY5" fmla="*/ 977921 h 5803900"/>
+              <a:gd name="connsiteX6" fmla="*/ 8089900 w 8089900"/>
+              <a:gd name="connsiteY6" fmla="*/ 4838681 h 5803900"/>
+              <a:gd name="connsiteX7" fmla="*/ 7807194 w 8089900"/>
+              <a:gd name="connsiteY7" fmla="*/ 5521194 h 5803900"/>
+              <a:gd name="connsiteX8" fmla="*/ 7124681 w 8089900"/>
+              <a:gd name="connsiteY8" fmla="*/ 5803900 h 5803900"/>
+              <a:gd name="connsiteX9" fmla="*/ 977919 w 8089900"/>
+              <a:gd name="connsiteY9" fmla="*/ 5803900 h 5803900"/>
+              <a:gd name="connsiteX10" fmla="*/ 295406 w 8089900"/>
+              <a:gd name="connsiteY10" fmla="*/ 5521193 h 5803900"/>
+              <a:gd name="connsiteX11" fmla="*/ 12700 w 8089900"/>
+              <a:gd name="connsiteY11" fmla="*/ 5346700 h 5803900"/>
+              <a:gd name="connsiteX12" fmla="*/ 12700 w 8089900"/>
+              <a:gd name="connsiteY12" fmla="*/ 546100 h 5803900"/>
+              <a:gd name="connsiteX0" fmla="*/ 12700 w 8089900"/>
+              <a:gd name="connsiteY0" fmla="*/ 546100 h 5803900"/>
+              <a:gd name="connsiteX1" fmla="*/ 88900 w 8089900"/>
+              <a:gd name="connsiteY1" fmla="*/ 88900 h 5803900"/>
+              <a:gd name="connsiteX2" fmla="*/ 546100 w 8089900"/>
+              <a:gd name="connsiteY2" fmla="*/ 12701 h 5803900"/>
+              <a:gd name="connsiteX3" fmla="*/ 7124681 w 8089900"/>
+              <a:gd name="connsiteY3" fmla="*/ 12700 h 5803900"/>
+              <a:gd name="connsiteX4" fmla="*/ 7807194 w 8089900"/>
+              <a:gd name="connsiteY4" fmla="*/ 295407 h 5803900"/>
+              <a:gd name="connsiteX5" fmla="*/ 8089899 w 8089900"/>
+              <a:gd name="connsiteY5" fmla="*/ 977921 h 5803900"/>
+              <a:gd name="connsiteX6" fmla="*/ 8089900 w 8089900"/>
+              <a:gd name="connsiteY6" fmla="*/ 4838681 h 5803900"/>
+              <a:gd name="connsiteX7" fmla="*/ 7807194 w 8089900"/>
+              <a:gd name="connsiteY7" fmla="*/ 5521194 h 5803900"/>
+              <a:gd name="connsiteX8" fmla="*/ 7124681 w 8089900"/>
+              <a:gd name="connsiteY8" fmla="*/ 5803900 h 5803900"/>
+              <a:gd name="connsiteX9" fmla="*/ 546100 w 8089900"/>
+              <a:gd name="connsiteY9" fmla="*/ 5803900 h 5803900"/>
+              <a:gd name="connsiteX10" fmla="*/ 295406 w 8089900"/>
+              <a:gd name="connsiteY10" fmla="*/ 5521193 h 5803900"/>
+              <a:gd name="connsiteX11" fmla="*/ 12700 w 8089900"/>
+              <a:gd name="connsiteY11" fmla="*/ 5346700 h 5803900"/>
+              <a:gd name="connsiteX12" fmla="*/ 12700 w 8089900"/>
+              <a:gd name="connsiteY12" fmla="*/ 546100 h 5803900"/>
+              <a:gd name="connsiteX0" fmla="*/ 12700 w 8089900"/>
+              <a:gd name="connsiteY0" fmla="*/ 546100 h 5803900"/>
+              <a:gd name="connsiteX1" fmla="*/ 88900 w 8089900"/>
+              <a:gd name="connsiteY1" fmla="*/ 88900 h 5803900"/>
+              <a:gd name="connsiteX2" fmla="*/ 546100 w 8089900"/>
+              <a:gd name="connsiteY2" fmla="*/ 12701 h 5803900"/>
+              <a:gd name="connsiteX3" fmla="*/ 7124681 w 8089900"/>
+              <a:gd name="connsiteY3" fmla="*/ 12700 h 5803900"/>
+              <a:gd name="connsiteX4" fmla="*/ 7807194 w 8089900"/>
+              <a:gd name="connsiteY4" fmla="*/ 295407 h 5803900"/>
+              <a:gd name="connsiteX5" fmla="*/ 8089899 w 8089900"/>
+              <a:gd name="connsiteY5" fmla="*/ 977921 h 5803900"/>
+              <a:gd name="connsiteX6" fmla="*/ 8089900 w 8089900"/>
+              <a:gd name="connsiteY6" fmla="*/ 4838681 h 5803900"/>
+              <a:gd name="connsiteX7" fmla="*/ 7807194 w 8089900"/>
+              <a:gd name="connsiteY7" fmla="*/ 5521194 h 5803900"/>
+              <a:gd name="connsiteX8" fmla="*/ 7124681 w 8089900"/>
+              <a:gd name="connsiteY8" fmla="*/ 5803900 h 5803900"/>
+              <a:gd name="connsiteX9" fmla="*/ 546100 w 8089900"/>
+              <a:gd name="connsiteY9" fmla="*/ 5803900 h 5803900"/>
+              <a:gd name="connsiteX10" fmla="*/ 88900 w 8089900"/>
+              <a:gd name="connsiteY10" fmla="*/ 5727700 h 5803900"/>
+              <a:gd name="connsiteX11" fmla="*/ 12700 w 8089900"/>
+              <a:gd name="connsiteY11" fmla="*/ 5346700 h 5803900"/>
+              <a:gd name="connsiteX12" fmla="*/ 12700 w 8089900"/>
+              <a:gd name="connsiteY12" fmla="*/ 546100 h 5803900"/>
+              <a:gd name="connsiteX0" fmla="*/ 12700 w 8089900"/>
+              <a:gd name="connsiteY0" fmla="*/ 546100 h 5803900"/>
+              <a:gd name="connsiteX1" fmla="*/ 88900 w 8089900"/>
+              <a:gd name="connsiteY1" fmla="*/ 88900 h 5803900"/>
+              <a:gd name="connsiteX2" fmla="*/ 546100 w 8089900"/>
+              <a:gd name="connsiteY2" fmla="*/ 12701 h 5803900"/>
+              <a:gd name="connsiteX3" fmla="*/ 7556500 w 8089900"/>
+              <a:gd name="connsiteY3" fmla="*/ 12700 h 5803900"/>
+              <a:gd name="connsiteX4" fmla="*/ 7807194 w 8089900"/>
+              <a:gd name="connsiteY4" fmla="*/ 295407 h 5803900"/>
+              <a:gd name="connsiteX5" fmla="*/ 8089899 w 8089900"/>
+              <a:gd name="connsiteY5" fmla="*/ 977921 h 5803900"/>
+              <a:gd name="connsiteX6" fmla="*/ 8089900 w 8089900"/>
+              <a:gd name="connsiteY6" fmla="*/ 4838681 h 5803900"/>
+              <a:gd name="connsiteX7" fmla="*/ 7807194 w 8089900"/>
+              <a:gd name="connsiteY7" fmla="*/ 5521194 h 5803900"/>
+              <a:gd name="connsiteX8" fmla="*/ 7124681 w 8089900"/>
+              <a:gd name="connsiteY8" fmla="*/ 5803900 h 5803900"/>
+              <a:gd name="connsiteX9" fmla="*/ 546100 w 8089900"/>
+              <a:gd name="connsiteY9" fmla="*/ 5803900 h 5803900"/>
+              <a:gd name="connsiteX10" fmla="*/ 88900 w 8089900"/>
+              <a:gd name="connsiteY10" fmla="*/ 5727700 h 5803900"/>
+              <a:gd name="connsiteX11" fmla="*/ 12700 w 8089900"/>
+              <a:gd name="connsiteY11" fmla="*/ 5346700 h 5803900"/>
+              <a:gd name="connsiteX12" fmla="*/ 12700 w 8089900"/>
+              <a:gd name="connsiteY12" fmla="*/ 546100 h 5803900"/>
+              <a:gd name="connsiteX0" fmla="*/ 12700 w 8089901"/>
+              <a:gd name="connsiteY0" fmla="*/ 546100 h 5803900"/>
+              <a:gd name="connsiteX1" fmla="*/ 88900 w 8089901"/>
+              <a:gd name="connsiteY1" fmla="*/ 88900 h 5803900"/>
+              <a:gd name="connsiteX2" fmla="*/ 546100 w 8089901"/>
+              <a:gd name="connsiteY2" fmla="*/ 12701 h 5803900"/>
+              <a:gd name="connsiteX3" fmla="*/ 7556500 w 8089901"/>
+              <a:gd name="connsiteY3" fmla="*/ 12700 h 5803900"/>
+              <a:gd name="connsiteX4" fmla="*/ 7807194 w 8089901"/>
+              <a:gd name="connsiteY4" fmla="*/ 295407 h 5803900"/>
+              <a:gd name="connsiteX5" fmla="*/ 8089900 w 8089901"/>
+              <a:gd name="connsiteY5" fmla="*/ 469900 h 5803900"/>
+              <a:gd name="connsiteX6" fmla="*/ 8089900 w 8089901"/>
+              <a:gd name="connsiteY6" fmla="*/ 4838681 h 5803900"/>
+              <a:gd name="connsiteX7" fmla="*/ 7807194 w 8089901"/>
+              <a:gd name="connsiteY7" fmla="*/ 5521194 h 5803900"/>
+              <a:gd name="connsiteX8" fmla="*/ 7124681 w 8089901"/>
+              <a:gd name="connsiteY8" fmla="*/ 5803900 h 5803900"/>
+              <a:gd name="connsiteX9" fmla="*/ 546100 w 8089901"/>
+              <a:gd name="connsiteY9" fmla="*/ 5803900 h 5803900"/>
+              <a:gd name="connsiteX10" fmla="*/ 88900 w 8089901"/>
+              <a:gd name="connsiteY10" fmla="*/ 5727700 h 5803900"/>
+              <a:gd name="connsiteX11" fmla="*/ 12700 w 8089901"/>
+              <a:gd name="connsiteY11" fmla="*/ 5346700 h 5803900"/>
+              <a:gd name="connsiteX12" fmla="*/ 12700 w 8089901"/>
+              <a:gd name="connsiteY12" fmla="*/ 546100 h 5803900"/>
+              <a:gd name="connsiteX0" fmla="*/ 12700 w 8102600"/>
+              <a:gd name="connsiteY0" fmla="*/ 546100 h 5803900"/>
+              <a:gd name="connsiteX1" fmla="*/ 88900 w 8102600"/>
+              <a:gd name="connsiteY1" fmla="*/ 88900 h 5803900"/>
+              <a:gd name="connsiteX2" fmla="*/ 546100 w 8102600"/>
+              <a:gd name="connsiteY2" fmla="*/ 12701 h 5803900"/>
+              <a:gd name="connsiteX3" fmla="*/ 7556500 w 8102600"/>
+              <a:gd name="connsiteY3" fmla="*/ 12700 h 5803900"/>
+              <a:gd name="connsiteX4" fmla="*/ 8013700 w 8102600"/>
+              <a:gd name="connsiteY4" fmla="*/ 88900 h 5803900"/>
+              <a:gd name="connsiteX5" fmla="*/ 8089900 w 8102600"/>
+              <a:gd name="connsiteY5" fmla="*/ 469900 h 5803900"/>
+              <a:gd name="connsiteX6" fmla="*/ 8089900 w 8102600"/>
+              <a:gd name="connsiteY6" fmla="*/ 4838681 h 5803900"/>
+              <a:gd name="connsiteX7" fmla="*/ 7807194 w 8102600"/>
+              <a:gd name="connsiteY7" fmla="*/ 5521194 h 5803900"/>
+              <a:gd name="connsiteX8" fmla="*/ 7124681 w 8102600"/>
+              <a:gd name="connsiteY8" fmla="*/ 5803900 h 5803900"/>
+              <a:gd name="connsiteX9" fmla="*/ 546100 w 8102600"/>
+              <a:gd name="connsiteY9" fmla="*/ 5803900 h 5803900"/>
+              <a:gd name="connsiteX10" fmla="*/ 88900 w 8102600"/>
+              <a:gd name="connsiteY10" fmla="*/ 5727700 h 5803900"/>
+              <a:gd name="connsiteX11" fmla="*/ 12700 w 8102600"/>
+              <a:gd name="connsiteY11" fmla="*/ 5346700 h 5803900"/>
+              <a:gd name="connsiteX12" fmla="*/ 12700 w 8102600"/>
+              <a:gd name="connsiteY12" fmla="*/ 546100 h 5803900"/>
+              <a:gd name="connsiteX0" fmla="*/ 12700 w 8102600"/>
+              <a:gd name="connsiteY0" fmla="*/ 546100 h 5803900"/>
+              <a:gd name="connsiteX1" fmla="*/ 88900 w 8102600"/>
+              <a:gd name="connsiteY1" fmla="*/ 88900 h 5803900"/>
+              <a:gd name="connsiteX2" fmla="*/ 546100 w 8102600"/>
+              <a:gd name="connsiteY2" fmla="*/ 12701 h 5803900"/>
+              <a:gd name="connsiteX3" fmla="*/ 7556500 w 8102600"/>
+              <a:gd name="connsiteY3" fmla="*/ 12700 h 5803900"/>
+              <a:gd name="connsiteX4" fmla="*/ 8013700 w 8102600"/>
+              <a:gd name="connsiteY4" fmla="*/ 88900 h 5803900"/>
+              <a:gd name="connsiteX5" fmla="*/ 8089899 w 8102600"/>
+              <a:gd name="connsiteY5" fmla="*/ 469900 h 5803900"/>
+              <a:gd name="connsiteX6" fmla="*/ 8089900 w 8102600"/>
+              <a:gd name="connsiteY6" fmla="*/ 4838681 h 5803900"/>
+              <a:gd name="connsiteX7" fmla="*/ 7807194 w 8102600"/>
+              <a:gd name="connsiteY7" fmla="*/ 5521194 h 5803900"/>
+              <a:gd name="connsiteX8" fmla="*/ 7124681 w 8102600"/>
+              <a:gd name="connsiteY8" fmla="*/ 5803900 h 5803900"/>
+              <a:gd name="connsiteX9" fmla="*/ 546100 w 8102600"/>
+              <a:gd name="connsiteY9" fmla="*/ 5803900 h 5803900"/>
+              <a:gd name="connsiteX10" fmla="*/ 88900 w 8102600"/>
+              <a:gd name="connsiteY10" fmla="*/ 5727700 h 5803900"/>
+              <a:gd name="connsiteX11" fmla="*/ 12700 w 8102600"/>
+              <a:gd name="connsiteY11" fmla="*/ 5346700 h 5803900"/>
+              <a:gd name="connsiteX12" fmla="*/ 12700 w 8102600"/>
+              <a:gd name="connsiteY12" fmla="*/ 546100 h 5803900"/>
+              <a:gd name="connsiteX0" fmla="*/ 12700 w 8102599"/>
+              <a:gd name="connsiteY0" fmla="*/ 546100 h 5803900"/>
+              <a:gd name="connsiteX1" fmla="*/ 88900 w 8102599"/>
+              <a:gd name="connsiteY1" fmla="*/ 88900 h 5803900"/>
+              <a:gd name="connsiteX2" fmla="*/ 546100 w 8102599"/>
+              <a:gd name="connsiteY2" fmla="*/ 12701 h 5803900"/>
+              <a:gd name="connsiteX3" fmla="*/ 7556500 w 8102599"/>
+              <a:gd name="connsiteY3" fmla="*/ 12700 h 5803900"/>
+              <a:gd name="connsiteX4" fmla="*/ 8013699 w 8102599"/>
+              <a:gd name="connsiteY4" fmla="*/ 88900 h 5803900"/>
+              <a:gd name="connsiteX5" fmla="*/ 8089899 w 8102599"/>
+              <a:gd name="connsiteY5" fmla="*/ 469900 h 5803900"/>
+              <a:gd name="connsiteX6" fmla="*/ 8089900 w 8102599"/>
+              <a:gd name="connsiteY6" fmla="*/ 4838681 h 5803900"/>
+              <a:gd name="connsiteX7" fmla="*/ 7807194 w 8102599"/>
+              <a:gd name="connsiteY7" fmla="*/ 5521194 h 5803900"/>
+              <a:gd name="connsiteX8" fmla="*/ 7124681 w 8102599"/>
+              <a:gd name="connsiteY8" fmla="*/ 5803900 h 5803900"/>
+              <a:gd name="connsiteX9" fmla="*/ 546100 w 8102599"/>
+              <a:gd name="connsiteY9" fmla="*/ 5803900 h 5803900"/>
+              <a:gd name="connsiteX10" fmla="*/ 88900 w 8102599"/>
+              <a:gd name="connsiteY10" fmla="*/ 5727700 h 5803900"/>
+              <a:gd name="connsiteX11" fmla="*/ 12700 w 8102599"/>
+              <a:gd name="connsiteY11" fmla="*/ 5346700 h 5803900"/>
+              <a:gd name="connsiteX12" fmla="*/ 12700 w 8102599"/>
+              <a:gd name="connsiteY12" fmla="*/ 546100 h 5803900"/>
+              <a:gd name="connsiteX0" fmla="*/ 12700 w 8102599"/>
+              <a:gd name="connsiteY0" fmla="*/ 546100 h 5803900"/>
+              <a:gd name="connsiteX1" fmla="*/ 88900 w 8102599"/>
+              <a:gd name="connsiteY1" fmla="*/ 88900 h 5803900"/>
+              <a:gd name="connsiteX2" fmla="*/ 546100 w 8102599"/>
+              <a:gd name="connsiteY2" fmla="*/ 12701 h 5803900"/>
+              <a:gd name="connsiteX3" fmla="*/ 7556500 w 8102599"/>
+              <a:gd name="connsiteY3" fmla="*/ 12700 h 5803900"/>
+              <a:gd name="connsiteX4" fmla="*/ 8013699 w 8102599"/>
+              <a:gd name="connsiteY4" fmla="*/ 88900 h 5803900"/>
+              <a:gd name="connsiteX5" fmla="*/ 8089899 w 8102599"/>
+              <a:gd name="connsiteY5" fmla="*/ 469900 h 5803900"/>
+              <a:gd name="connsiteX6" fmla="*/ 8089900 w 8102599"/>
+              <a:gd name="connsiteY6" fmla="*/ 5346700 h 5803900"/>
+              <a:gd name="connsiteX7" fmla="*/ 7807194 w 8102599"/>
+              <a:gd name="connsiteY7" fmla="*/ 5521194 h 5803900"/>
+              <a:gd name="connsiteX8" fmla="*/ 7124681 w 8102599"/>
+              <a:gd name="connsiteY8" fmla="*/ 5803900 h 5803900"/>
+              <a:gd name="connsiteX9" fmla="*/ 546100 w 8102599"/>
+              <a:gd name="connsiteY9" fmla="*/ 5803900 h 5803900"/>
+              <a:gd name="connsiteX10" fmla="*/ 88900 w 8102599"/>
+              <a:gd name="connsiteY10" fmla="*/ 5727700 h 5803900"/>
+              <a:gd name="connsiteX11" fmla="*/ 12700 w 8102599"/>
+              <a:gd name="connsiteY11" fmla="*/ 5346700 h 5803900"/>
+              <a:gd name="connsiteX12" fmla="*/ 12700 w 8102599"/>
+              <a:gd name="connsiteY12" fmla="*/ 546100 h 5803900"/>
+              <a:gd name="connsiteX0" fmla="*/ 12700 w 8102599"/>
+              <a:gd name="connsiteY0" fmla="*/ 546100 h 5803900"/>
+              <a:gd name="connsiteX1" fmla="*/ 88900 w 8102599"/>
+              <a:gd name="connsiteY1" fmla="*/ 88900 h 5803900"/>
+              <a:gd name="connsiteX2" fmla="*/ 546100 w 8102599"/>
+              <a:gd name="connsiteY2" fmla="*/ 12701 h 5803900"/>
+              <a:gd name="connsiteX3" fmla="*/ 7556500 w 8102599"/>
+              <a:gd name="connsiteY3" fmla="*/ 12700 h 5803900"/>
+              <a:gd name="connsiteX4" fmla="*/ 8013699 w 8102599"/>
+              <a:gd name="connsiteY4" fmla="*/ 88900 h 5803900"/>
+              <a:gd name="connsiteX5" fmla="*/ 8089899 w 8102599"/>
+              <a:gd name="connsiteY5" fmla="*/ 469900 h 5803900"/>
+              <a:gd name="connsiteX6" fmla="*/ 8089900 w 8102599"/>
+              <a:gd name="connsiteY6" fmla="*/ 5346700 h 5803900"/>
+              <a:gd name="connsiteX7" fmla="*/ 7807194 w 8102599"/>
+              <a:gd name="connsiteY7" fmla="*/ 5521194 h 5803900"/>
+              <a:gd name="connsiteX8" fmla="*/ 7632700 w 8102599"/>
+              <a:gd name="connsiteY8" fmla="*/ 5803900 h 5803900"/>
+              <a:gd name="connsiteX9" fmla="*/ 546100 w 8102599"/>
+              <a:gd name="connsiteY9" fmla="*/ 5803900 h 5803900"/>
+              <a:gd name="connsiteX10" fmla="*/ 88900 w 8102599"/>
+              <a:gd name="connsiteY10" fmla="*/ 5727700 h 5803900"/>
+              <a:gd name="connsiteX11" fmla="*/ 12700 w 8102599"/>
+              <a:gd name="connsiteY11" fmla="*/ 5346700 h 5803900"/>
+              <a:gd name="connsiteX12" fmla="*/ 12700 w 8102599"/>
+              <a:gd name="connsiteY12" fmla="*/ 546100 h 5803900"/>
+              <a:gd name="connsiteX0" fmla="*/ 12700 w 8102599"/>
+              <a:gd name="connsiteY0" fmla="*/ 546100 h 5803900"/>
+              <a:gd name="connsiteX1" fmla="*/ 88900 w 8102599"/>
+              <a:gd name="connsiteY1" fmla="*/ 88900 h 5803900"/>
+              <a:gd name="connsiteX2" fmla="*/ 546100 w 8102599"/>
+              <a:gd name="connsiteY2" fmla="*/ 12701 h 5803900"/>
+              <a:gd name="connsiteX3" fmla="*/ 7556500 w 8102599"/>
+              <a:gd name="connsiteY3" fmla="*/ 12700 h 5803900"/>
+              <a:gd name="connsiteX4" fmla="*/ 8013699 w 8102599"/>
+              <a:gd name="connsiteY4" fmla="*/ 88900 h 5803900"/>
+              <a:gd name="connsiteX5" fmla="*/ 8089899 w 8102599"/>
+              <a:gd name="connsiteY5" fmla="*/ 469900 h 5803900"/>
+              <a:gd name="connsiteX6" fmla="*/ 8089900 w 8102599"/>
+              <a:gd name="connsiteY6" fmla="*/ 5346700 h 5803900"/>
+              <a:gd name="connsiteX7" fmla="*/ 8013700 w 8102599"/>
+              <a:gd name="connsiteY7" fmla="*/ 5727700 h 5803900"/>
+              <a:gd name="connsiteX8" fmla="*/ 7632700 w 8102599"/>
+              <a:gd name="connsiteY8" fmla="*/ 5803900 h 5803900"/>
+              <a:gd name="connsiteX9" fmla="*/ 546100 w 8102599"/>
+              <a:gd name="connsiteY9" fmla="*/ 5803900 h 5803900"/>
+              <a:gd name="connsiteX10" fmla="*/ 88900 w 8102599"/>
+              <a:gd name="connsiteY10" fmla="*/ 5727700 h 5803900"/>
+              <a:gd name="connsiteX11" fmla="*/ 12700 w 8102599"/>
+              <a:gd name="connsiteY11" fmla="*/ 5346700 h 5803900"/>
+              <a:gd name="connsiteX12" fmla="*/ 12700 w 8102599"/>
+              <a:gd name="connsiteY12" fmla="*/ 546100 h 5803900"/>
+            </a:gdLst>
+            <a:ahLst/>
+            <a:cxnLst>
+              <a:cxn ang="0">
+                <a:pos x="connsiteX0" y="connsiteY0"/>
+              </a:cxn>
+              <a:cxn ang="0">
+                <a:pos x="connsiteX1" y="connsiteY1"/>
+              </a:cxn>
+              <a:cxn ang="0">
+                <a:pos x="connsiteX2" y="connsiteY2"/>
+              </a:cxn>
+              <a:cxn ang="0">
+                <a:pos x="connsiteX3" y="connsiteY3"/>
+              </a:cxn>
+              <a:cxn ang="0">
+                <a:pos x="connsiteX4" y="connsiteY4"/>
+              </a:cxn>
+              <a:cxn ang="0">
+                <a:pos x="connsiteX5" y="connsiteY5"/>
+              </a:cxn>
+              <a:cxn ang="0">
+                <a:pos x="connsiteX6" y="connsiteY6"/>
+              </a:cxn>
+              <a:cxn ang="0">
+                <a:pos x="connsiteX7" y="connsiteY7"/>
+              </a:cxn>
+              <a:cxn ang="0">
+                <a:pos x="connsiteX8" y="connsiteY8"/>
+              </a:cxn>
+              <a:cxn ang="0">
+                <a:pos x="connsiteX9" y="connsiteY9"/>
+              </a:cxn>
+              <a:cxn ang="0">
+                <a:pos x="connsiteX10" y="connsiteY10"/>
+              </a:cxn>
+              <a:cxn ang="0">
+                <a:pos x="connsiteX11" y="connsiteY11"/>
+              </a:cxn>
+              <a:cxn ang="0">
+                <a:pos x="connsiteX12" y="connsiteY12"/>
+              </a:cxn>
+            </a:cxnLst>
+            <a:rect l="l" t="t" r="r" b="b"/>
+            <a:pathLst>
+              <a:path w="8102599" h="5803900">
+                <a:moveTo>
+                  <a:pt x="12700" y="546100"/>
+                </a:moveTo>
+                <a:cubicBezTo>
+                  <a:pt x="12700" y="290108"/>
+                  <a:pt x="0" y="177800"/>
+                  <a:pt x="88900" y="88900"/>
+                </a:cubicBezTo>
+                <a:cubicBezTo>
+                  <a:pt x="177800" y="0"/>
+                  <a:pt x="290107" y="12700"/>
+                  <a:pt x="546100" y="12701"/>
+                </a:cubicBezTo>
+                <a:lnTo>
+                  <a:pt x="7556500" y="12700"/>
+                </a:lnTo>
+                <a:cubicBezTo>
+                  <a:pt x="7812492" y="12700"/>
+                  <a:pt x="7924799" y="12700"/>
+                  <a:pt x="8013699" y="88900"/>
+                </a:cubicBezTo>
+                <a:cubicBezTo>
+                  <a:pt x="8102599" y="165100"/>
+                  <a:pt x="8089900" y="213907"/>
+                  <a:pt x="8089899" y="469900"/>
+                </a:cubicBezTo>
+                <a:cubicBezTo>
+                  <a:pt x="8089899" y="1926160"/>
+                  <a:pt x="8089900" y="3890440"/>
+                  <a:pt x="8089900" y="5346700"/>
+                </a:cubicBezTo>
+                <a:cubicBezTo>
+                  <a:pt x="8089900" y="5602692"/>
+                  <a:pt x="8089900" y="5651500"/>
+                  <a:pt x="8013700" y="5727700"/>
+                </a:cubicBezTo>
+                <a:cubicBezTo>
+                  <a:pt x="7937500" y="5803900"/>
+                  <a:pt x="7888692" y="5803900"/>
+                  <a:pt x="7632700" y="5803900"/>
+                </a:cubicBezTo>
+                <a:lnTo>
+                  <a:pt x="546100" y="5803900"/>
+                </a:lnTo>
+                <a:cubicBezTo>
+                  <a:pt x="290108" y="5803900"/>
+                  <a:pt x="177800" y="5803900"/>
+                  <a:pt x="88900" y="5727700"/>
+                </a:cubicBezTo>
+                <a:cubicBezTo>
+                  <a:pt x="0" y="5651500"/>
+                  <a:pt x="12700" y="5602692"/>
+                  <a:pt x="12700" y="5346700"/>
+                </a:cubicBezTo>
+                <a:lnTo>
+                  <a:pt x="12700" y="546100"/>
+                </a:lnTo>
+                <a:close/>
+              </a:path>
+            </a:pathLst>
+          </a:custGeom>
+          <a:gradFill>
+            <a:gsLst>
+              <a:gs pos="0">
+                <a:schemeClr val="bg1">
+                  <a:lumMod val="50000"/>
+                </a:schemeClr>
+              </a:gs>
+              <a:gs pos="39999">
+                <a:schemeClr val="bg1">
+                  <a:lumMod val="65000"/>
+                </a:schemeClr>
+              </a:gs>
+              <a:gs pos="70000">
+                <a:schemeClr val="bg1">
+                  <a:lumMod val="50000"/>
+                  <a:alpha val="73000"/>
+                </a:schemeClr>
+              </a:gs>
+            </a:gsLst>
+            <a:lin ang="5400000" scaled="0"/>
+          </a:gradFill>
+          <a:ln>
+            <a:solidFill>
+              <a:schemeClr val="bg1">
+                <a:lumMod val="75000"/>
+              </a:schemeClr>
+            </a:solidFill>
+          </a:ln>
+        </p:spPr>
+        <p:style>
+          <a:lnRef idx="2">
+            <a:schemeClr val="accent1">
+              <a:shade val="50000"/>
+            </a:schemeClr>
+          </a:lnRef>
+          <a:fillRef idx="1">
+            <a:schemeClr val="accent1"/>
+          </a:fillRef>
+          <a:effectRef idx="0">
+            <a:schemeClr val="accent1"/>
+          </a:effectRef>
+          <a:fontRef idx="minor">
+            <a:schemeClr val="lt1"/>
+          </a:fontRef>
+        </p:style>
+        <p:txBody>
+          <a:bodyPr rtlCol="0" anchor="ctr"/>
+          <a:lstStyle/>
+          <a:p>
+            <a:pPr fontAlgn="t"/>
+            <a:endParaRPr lang="es-AR" b="1" dirty="0" smtClean="0"/>
+          </a:p>
+          <a:p>
+            <a:pPr algn="ctr"/>
+            <a:endParaRPr lang="es-AR" dirty="0"/>
+          </a:p>
+        </p:txBody>
+      </p:sp>
+      <p:sp>
+        <p:nvSpPr>
+          <p:cNvPr id="10" name="Round Same Side Corner Rectangle 9"/>
+          <p:cNvSpPr/>
+          <p:nvPr/>
+        </p:nvSpPr>
+        <p:spPr>
+          <a:xfrm rot="10800000">
+            <a:off x="1219200" y="544417"/>
+            <a:ext cx="6781800" cy="1741582"/>
+          </a:xfrm>
+          <a:prstGeom prst="round2SameRect">
+            <a:avLst/>
+          </a:prstGeom>
+        </p:spPr>
+        <p:style>
+          <a:lnRef idx="2">
+            <a:schemeClr val="dk1">
+              <a:shade val="50000"/>
+            </a:schemeClr>
+          </a:lnRef>
+          <a:fillRef idx="1">
+            <a:schemeClr val="dk1"/>
+          </a:fillRef>
+          <a:effectRef idx="0">
+            <a:schemeClr val="dk1"/>
+          </a:effectRef>
+          <a:fontRef idx="minor">
+            <a:schemeClr val="lt1"/>
+          </a:fontRef>
+        </p:style>
+        <p:txBody>
+          <a:bodyPr rtlCol="0" anchor="ctr"/>
+          <a:lstStyle/>
+          <a:p>
+            <a:pPr algn="ctr"/>
+            <a:endParaRPr lang="es-AR" dirty="0"/>
+          </a:p>
+        </p:txBody>
+      </p:sp>
+      <p:pic>
+        <p:nvPicPr>
+          <p:cNvPr id="11" name="Picture 2" descr="E:\U.B.A.Files\Materias\75.45 Taller de Desarrollo de Proyectos I\TP\Trunk\Proyecto\web\site\images\logo.png"/>
+          <p:cNvPicPr>
+            <a:picLocks noChangeAspect="1" noChangeArrowheads="1"/>
+          </p:cNvPicPr>
+          <p:nvPr/>
+        </p:nvPicPr>
+        <p:blipFill>
+          <a:blip r:embed="rId3" cstate="print"/>
+          <a:srcRect/>
+          <a:stretch>
+            <a:fillRect/>
+          </a:stretch>
+        </p:blipFill>
+        <p:spPr bwMode="auto">
+          <a:xfrm>
+            <a:off x="1600200" y="913540"/>
+            <a:ext cx="2640904" cy="762000"/>
+          </a:xfrm>
+          <a:prstGeom prst="rect">
+            <a:avLst/>
+          </a:prstGeom>
+          <a:noFill/>
+        </p:spPr>
+      </p:pic>
+      <p:sp>
+        <p:nvSpPr>
+          <p:cNvPr id="12" name="TextBox 11"/>
+          <p:cNvSpPr txBox="1"/>
+          <p:nvPr/>
+        </p:nvSpPr>
+        <p:spPr>
+          <a:xfrm>
+            <a:off x="4343400" y="1001408"/>
+            <a:ext cx="3180743" cy="307777"/>
+          </a:xfrm>
+          <a:prstGeom prst="rect">
+            <a:avLst/>
+          </a:prstGeom>
+          <a:noFill/>
+        </p:spPr>
+        <p:txBody>
+          <a:bodyPr wrap="none" rtlCol="0">
+            <a:spAutoFit/>
+          </a:bodyPr>
+          <a:lstStyle/>
+          <a:p>
+            <a:r>
+              <a:rPr lang="es-AR" sz="1400" dirty="0" smtClean="0">
+                <a:solidFill>
+                  <a:schemeClr val="bg1">
+                    <a:lumMod val="50000"/>
+                  </a:schemeClr>
+                </a:solidFill>
+              </a:rPr>
+              <a:t>Centralización y análisis de datos</a:t>
+            </a:r>
+            <a:endParaRPr lang="es-AR" sz="1400" dirty="0">
+              <a:solidFill>
+                <a:schemeClr val="bg1">
+                  <a:lumMod val="50000"/>
+                </a:schemeClr>
+              </a:solidFill>
+            </a:endParaRPr>
+          </a:p>
+        </p:txBody>
+      </p:sp>
+      <p:sp>
+        <p:nvSpPr>
+          <p:cNvPr id="13" name="Rectangle 12"/>
+          <p:cNvSpPr/>
+          <p:nvPr/>
+        </p:nvSpPr>
+        <p:spPr>
+          <a:xfrm>
+            <a:off x="1143000" y="2218184"/>
+            <a:ext cx="6669360" cy="1066800"/>
+          </a:xfrm>
+          <a:prstGeom prst="rect">
+            <a:avLst/>
+          </a:prstGeom>
+          <a:noFill/>
+          <a:ln>
+            <a:noFill/>
+          </a:ln>
+        </p:spPr>
+        <p:style>
+          <a:lnRef idx="2">
+            <a:schemeClr val="accent1">
+              <a:shade val="50000"/>
+            </a:schemeClr>
+          </a:lnRef>
+          <a:fillRef idx="1">
+            <a:schemeClr val="accent1"/>
+          </a:fillRef>
+          <a:effectRef idx="0">
+            <a:schemeClr val="accent1"/>
+          </a:effectRef>
+          <a:fontRef idx="minor">
+            <a:schemeClr val="lt1"/>
+          </a:fontRef>
+        </p:style>
+        <p:txBody>
+          <a:bodyPr rtlCol="0" anchor="ctr"/>
+          <a:lstStyle/>
+          <a:p>
+            <a:pPr algn="ctr"/>
+            <a:r>
+              <a:rPr lang="es-AR" sz="4800" b="1" dirty="0" smtClean="0"/>
+              <a:t>Nuestros Packs</a:t>
+            </a:r>
+            <a:endParaRPr lang="es-AR" sz="4800" b="1" dirty="0" smtClean="0"/>
+          </a:p>
+          <a:p>
+            <a:pPr algn="ctr"/>
+            <a:endParaRPr lang="es-AR" dirty="0"/>
+          </a:p>
+        </p:txBody>
+      </p:sp>
+      <p:sp>
+        <p:nvSpPr>
+          <p:cNvPr id="14" name="TextBox 13"/>
+          <p:cNvSpPr txBox="1"/>
+          <p:nvPr/>
+        </p:nvSpPr>
+        <p:spPr>
+          <a:xfrm>
+            <a:off x="2514600" y="3276600"/>
+            <a:ext cx="3733800" cy="523220"/>
+          </a:xfrm>
+          <a:prstGeom prst="rect">
+            <a:avLst/>
+          </a:prstGeom>
+          <a:noFill/>
+        </p:spPr>
+        <p:txBody>
+          <a:bodyPr wrap="square" rtlCol="0">
+            <a:spAutoFit/>
+          </a:bodyPr>
+          <a:lstStyle/>
+          <a:p>
+            <a:endParaRPr lang="es-AR" sz="2800" i="1" dirty="0">
+              <a:solidFill>
+                <a:schemeClr val="bg1"/>
+              </a:solidFill>
+            </a:endParaRPr>
+          </a:p>
+        </p:txBody>
+      </p:sp>
+      <p:sp>
+        <p:nvSpPr>
+          <p:cNvPr id="15" name="TextBox 14"/>
+          <p:cNvSpPr txBox="1"/>
+          <p:nvPr/>
+        </p:nvSpPr>
+        <p:spPr>
+          <a:xfrm>
+            <a:off x="1331640" y="3140968"/>
+            <a:ext cx="5806526" cy="2974532"/>
+          </a:xfrm>
+          <a:prstGeom prst="rect">
+            <a:avLst/>
+          </a:prstGeom>
+          <a:noFill/>
+        </p:spPr>
+        <p:txBody>
+          <a:bodyPr wrap="none" rtlCol="0">
+            <a:spAutoFit/>
+          </a:bodyPr>
+          <a:lstStyle/>
+          <a:p>
+            <a:pPr algn="ctr">
+              <a:lnSpc>
+                <a:spcPct val="200000"/>
+              </a:lnSpc>
+              <a:spcAft>
+                <a:spcPts val="100"/>
+              </a:spcAft>
+            </a:pPr>
+            <a:r>
+              <a:rPr lang="es-AR" sz="2400" dirty="0" smtClean="0">
+                <a:solidFill>
+                  <a:schemeClr val="bg1"/>
+                </a:solidFill>
+                <a:latin typeface="Cooper Black" pitchFamily="18" charset="0"/>
+              </a:rPr>
+              <a:t>Consulta puntual</a:t>
+            </a:r>
+          </a:p>
+          <a:p>
+            <a:pPr algn="ctr">
+              <a:lnSpc>
+                <a:spcPct val="200000"/>
+              </a:lnSpc>
+              <a:spcAft>
+                <a:spcPts val="100"/>
+              </a:spcAft>
+            </a:pPr>
+            <a:r>
+              <a:rPr lang="es-AR" sz="2400" dirty="0" smtClean="0">
+                <a:solidFill>
+                  <a:schemeClr val="bg1"/>
+                </a:solidFill>
+                <a:latin typeface="Cooper Black" pitchFamily="18" charset="0"/>
+              </a:rPr>
+              <a:t>Pack 50 consultas mensual</a:t>
+            </a:r>
+          </a:p>
+          <a:p>
+            <a:pPr algn="ctr">
+              <a:lnSpc>
+                <a:spcPct val="200000"/>
+              </a:lnSpc>
+              <a:spcAft>
+                <a:spcPts val="100"/>
+              </a:spcAft>
+            </a:pPr>
+            <a:r>
+              <a:rPr lang="es-AR" sz="2400" dirty="0" smtClean="0">
+                <a:solidFill>
+                  <a:schemeClr val="bg1"/>
+                </a:solidFill>
+                <a:latin typeface="Cooper Black" pitchFamily="18" charset="0"/>
+              </a:rPr>
+              <a:t>Pack 200 consultas mensual</a:t>
+            </a:r>
+          </a:p>
+          <a:p>
+            <a:pPr algn="ctr">
+              <a:lnSpc>
+                <a:spcPct val="200000"/>
+              </a:lnSpc>
+              <a:spcAft>
+                <a:spcPts val="100"/>
+              </a:spcAft>
+            </a:pPr>
+            <a:r>
+              <a:rPr lang="es-AR" sz="2400" dirty="0" smtClean="0">
+                <a:solidFill>
+                  <a:schemeClr val="bg1"/>
+                </a:solidFill>
+                <a:latin typeface="Cooper Black" pitchFamily="18" charset="0"/>
+              </a:rPr>
+              <a:t>Plan consultas </a:t>
+            </a:r>
+            <a:r>
+              <a:rPr lang="es-AR" sz="2400" dirty="0" smtClean="0">
+                <a:solidFill>
+                  <a:schemeClr val="bg1"/>
+                </a:solidFill>
+                <a:latin typeface="Cooper Black" pitchFamily="18" charset="0"/>
+              </a:rPr>
+              <a:t>mensuales </a:t>
+            </a:r>
+            <a:r>
+              <a:rPr lang="es-AR" sz="2400" dirty="0" smtClean="0">
+                <a:solidFill>
+                  <a:schemeClr val="bg1"/>
+                </a:solidFill>
+                <a:latin typeface="Cooper Black" pitchFamily="18" charset="0"/>
+              </a:rPr>
+              <a:t>ilimitadas</a:t>
+            </a:r>
+            <a:endParaRPr lang="es-AR" sz="2400" dirty="0">
+              <a:solidFill>
+                <a:schemeClr val="bg1"/>
+              </a:solidFill>
+              <a:latin typeface="Cooper Black" pitchFamily="18" charset="0"/>
+            </a:endParaRPr>
+          </a:p>
+        </p:txBody>
+      </p:sp>
+      <p:sp>
+        <p:nvSpPr>
+          <p:cNvPr id="16" name="TextBox 15"/>
+          <p:cNvSpPr txBox="1"/>
+          <p:nvPr/>
+        </p:nvSpPr>
+        <p:spPr>
+          <a:xfrm>
+            <a:off x="1763688" y="2987660"/>
+            <a:ext cx="1728192" cy="369332"/>
+          </a:xfrm>
+          <a:prstGeom prst="rect">
+            <a:avLst/>
+          </a:prstGeom>
+          <a:noFill/>
+        </p:spPr>
+        <p:txBody>
+          <a:bodyPr wrap="square" rtlCol="0">
+            <a:spAutoFit/>
+          </a:bodyPr>
+          <a:lstStyle/>
+          <a:p>
+            <a:pPr>
+              <a:buClr>
+                <a:srgbClr val="77FA00"/>
+              </a:buClr>
+              <a:buSzPct val="160000"/>
+              <a:buFont typeface="Wingdings" pitchFamily="2" charset="2"/>
+              <a:buChar char="ü"/>
+            </a:pPr>
+            <a:r>
+              <a:rPr lang="es-AR" b="1" dirty="0" smtClean="0">
+                <a:solidFill>
+                  <a:schemeClr val="bg1"/>
+                </a:solidFill>
+              </a:rPr>
+              <a:t>Adaptables </a:t>
+            </a:r>
+          </a:p>
+        </p:txBody>
+      </p:sp>
+      <p:pic>
+        <p:nvPicPr>
+          <p:cNvPr id="17" name="Picture 5" descr="C:\Users\Jerico\Desktop\b_open_port_reports.gif"/>
+          <p:cNvPicPr>
+            <a:picLocks noChangeAspect="1" noChangeArrowheads="1"/>
+          </p:cNvPicPr>
+          <p:nvPr/>
+        </p:nvPicPr>
+        <p:blipFill>
+          <a:blip r:embed="rId4" cstate="print"/>
+          <a:srcRect/>
+          <a:stretch>
+            <a:fillRect/>
+          </a:stretch>
+        </p:blipFill>
+        <p:spPr bwMode="auto">
+          <a:xfrm>
+            <a:off x="5796136" y="3356992"/>
+            <a:ext cx="504056" cy="609852"/>
+          </a:xfrm>
+          <a:prstGeom prst="rect">
+            <a:avLst/>
+          </a:prstGeom>
+          <a:noFill/>
+        </p:spPr>
+      </p:pic>
+      <p:sp>
+        <p:nvSpPr>
+          <p:cNvPr id="18" name="TextBox 17"/>
+          <p:cNvSpPr txBox="1"/>
+          <p:nvPr/>
+        </p:nvSpPr>
+        <p:spPr>
+          <a:xfrm>
+            <a:off x="3707904" y="2987660"/>
+            <a:ext cx="2232248" cy="369332"/>
+          </a:xfrm>
+          <a:prstGeom prst="rect">
+            <a:avLst/>
+          </a:prstGeom>
+          <a:noFill/>
+        </p:spPr>
+        <p:txBody>
+          <a:bodyPr wrap="square" rtlCol="0">
+            <a:spAutoFit/>
+          </a:bodyPr>
+          <a:lstStyle/>
+          <a:p>
+            <a:pPr>
+              <a:buClr>
+                <a:srgbClr val="77FA00"/>
+              </a:buClr>
+              <a:buSzPct val="160000"/>
+              <a:buFont typeface="Wingdings" pitchFamily="2" charset="2"/>
+              <a:buChar char="ü"/>
+            </a:pPr>
+            <a:r>
+              <a:rPr lang="es-AR" b="1" dirty="0" smtClean="0">
+                <a:solidFill>
+                  <a:schemeClr val="bg1"/>
+                </a:solidFill>
+              </a:rPr>
+              <a:t>Flexibles</a:t>
+            </a:r>
+          </a:p>
+        </p:txBody>
+      </p:sp>
+      <p:sp>
+        <p:nvSpPr>
+          <p:cNvPr id="19" name="TextBox 18"/>
+          <p:cNvSpPr txBox="1"/>
+          <p:nvPr/>
+        </p:nvSpPr>
+        <p:spPr>
+          <a:xfrm>
+            <a:off x="5148064" y="2978368"/>
+            <a:ext cx="2583904" cy="369332"/>
+          </a:xfrm>
+          <a:prstGeom prst="rect">
+            <a:avLst/>
+          </a:prstGeom>
+          <a:noFill/>
+        </p:spPr>
+        <p:txBody>
+          <a:bodyPr wrap="square" rtlCol="0">
+            <a:spAutoFit/>
+          </a:bodyPr>
+          <a:lstStyle/>
+          <a:p>
+            <a:pPr>
+              <a:buClr>
+                <a:srgbClr val="77FA00"/>
+              </a:buClr>
+              <a:buSzPct val="160000"/>
+              <a:buFont typeface="Wingdings" pitchFamily="2" charset="2"/>
+              <a:buChar char="ü"/>
+            </a:pPr>
+            <a:r>
+              <a:rPr lang="es-AR" b="1" dirty="0" smtClean="0">
+                <a:solidFill>
+                  <a:schemeClr val="bg1"/>
+                </a:solidFill>
+              </a:rPr>
+              <a:t>La tasa es muy baja!</a:t>
+            </a:r>
+          </a:p>
+        </p:txBody>
+      </p:sp>
+      <p:pic>
+        <p:nvPicPr>
+          <p:cNvPr id="20" name="Picture 5" descr="C:\Users\Jerico\Desktop\b_open_port_reports.gif"/>
+          <p:cNvPicPr>
+            <a:picLocks noChangeAspect="1" noChangeArrowheads="1"/>
+          </p:cNvPicPr>
+          <p:nvPr/>
+        </p:nvPicPr>
+        <p:blipFill>
+          <a:blip r:embed="rId4" cstate="print"/>
+          <a:srcRect/>
+          <a:stretch>
+            <a:fillRect/>
+          </a:stretch>
+        </p:blipFill>
+        <p:spPr bwMode="auto">
+          <a:xfrm>
+            <a:off x="6516216" y="4005064"/>
+            <a:ext cx="504056" cy="609852"/>
+          </a:xfrm>
+          <a:prstGeom prst="rect">
+            <a:avLst/>
+          </a:prstGeom>
+          <a:noFill/>
+        </p:spPr>
+      </p:pic>
+      <p:pic>
+        <p:nvPicPr>
+          <p:cNvPr id="21" name="Picture 5" descr="C:\Users\Jerico\Desktop\b_open_port_reports.gif"/>
+          <p:cNvPicPr>
+            <a:picLocks noChangeAspect="1" noChangeArrowheads="1"/>
+          </p:cNvPicPr>
+          <p:nvPr/>
+        </p:nvPicPr>
+        <p:blipFill>
+          <a:blip r:embed="rId4" cstate="print"/>
+          <a:srcRect/>
+          <a:stretch>
+            <a:fillRect/>
+          </a:stretch>
+        </p:blipFill>
+        <p:spPr bwMode="auto">
+          <a:xfrm>
+            <a:off x="6588224" y="4043284"/>
+            <a:ext cx="504056" cy="609852"/>
+          </a:xfrm>
+          <a:prstGeom prst="rect">
+            <a:avLst/>
+          </a:prstGeom>
+          <a:noFill/>
+        </p:spPr>
+      </p:pic>
+      <p:pic>
+        <p:nvPicPr>
+          <p:cNvPr id="22" name="Picture 5" descr="C:\Users\Jerico\Desktop\b_open_port_reports.gif"/>
+          <p:cNvPicPr>
+            <a:picLocks noChangeAspect="1" noChangeArrowheads="1"/>
+          </p:cNvPicPr>
+          <p:nvPr/>
+        </p:nvPicPr>
+        <p:blipFill>
+          <a:blip r:embed="rId4" cstate="print"/>
+          <a:srcRect/>
+          <a:stretch>
+            <a:fillRect/>
+          </a:stretch>
+        </p:blipFill>
+        <p:spPr bwMode="auto">
+          <a:xfrm>
+            <a:off x="6588224" y="4725144"/>
+            <a:ext cx="504056" cy="609852"/>
+          </a:xfrm>
+          <a:prstGeom prst="rect">
+            <a:avLst/>
+          </a:prstGeom>
+          <a:noFill/>
+        </p:spPr>
+      </p:pic>
+      <p:pic>
+        <p:nvPicPr>
+          <p:cNvPr id="23" name="Picture 5" descr="C:\Users\Jerico\Desktop\b_open_port_reports.gif"/>
+          <p:cNvPicPr>
+            <a:picLocks noChangeAspect="1" noChangeArrowheads="1"/>
+          </p:cNvPicPr>
+          <p:nvPr/>
+        </p:nvPicPr>
+        <p:blipFill>
+          <a:blip r:embed="rId4" cstate="print"/>
+          <a:srcRect/>
+          <a:stretch>
+            <a:fillRect/>
+          </a:stretch>
+        </p:blipFill>
+        <p:spPr bwMode="auto">
+          <a:xfrm>
+            <a:off x="6660232" y="4797152"/>
+            <a:ext cx="504056" cy="609852"/>
+          </a:xfrm>
+          <a:prstGeom prst="rect">
+            <a:avLst/>
+          </a:prstGeom>
+          <a:noFill/>
+        </p:spPr>
+      </p:pic>
+      <p:pic>
+        <p:nvPicPr>
+          <p:cNvPr id="24" name="Picture 5" descr="C:\Users\Jerico\Desktop\b_open_port_reports.gif"/>
+          <p:cNvPicPr>
+            <a:picLocks noChangeAspect="1" noChangeArrowheads="1"/>
+          </p:cNvPicPr>
+          <p:nvPr/>
+        </p:nvPicPr>
+        <p:blipFill>
+          <a:blip r:embed="rId4" cstate="print"/>
+          <a:srcRect/>
+          <a:stretch>
+            <a:fillRect/>
+          </a:stretch>
+        </p:blipFill>
+        <p:spPr bwMode="auto">
+          <a:xfrm>
+            <a:off x="6732240" y="4869160"/>
+            <a:ext cx="504056" cy="609852"/>
+          </a:xfrm>
+          <a:prstGeom prst="rect">
+            <a:avLst/>
+          </a:prstGeom>
+          <a:noFill/>
+        </p:spPr>
+      </p:pic>
+      <p:pic>
+        <p:nvPicPr>
+          <p:cNvPr id="25" name="Picture 5" descr="C:\Users\Jerico\Desktop\b_open_port_reports.gif"/>
+          <p:cNvPicPr>
+            <a:picLocks noChangeAspect="1" noChangeArrowheads="1"/>
+          </p:cNvPicPr>
+          <p:nvPr/>
+        </p:nvPicPr>
+        <p:blipFill>
+          <a:blip r:embed="rId4" cstate="print"/>
+          <a:srcRect/>
+          <a:stretch>
+            <a:fillRect/>
+          </a:stretch>
+        </p:blipFill>
+        <p:spPr bwMode="auto">
+          <a:xfrm>
+            <a:off x="7164288" y="5517232"/>
+            <a:ext cx="504056" cy="609852"/>
+          </a:xfrm>
+          <a:prstGeom prst="rect">
+            <a:avLst/>
+          </a:prstGeom>
+          <a:noFill/>
+        </p:spPr>
+      </p:pic>
+      <p:pic>
+        <p:nvPicPr>
+          <p:cNvPr id="26" name="Picture 25" descr="C:\Users\Jerico\Desktop\infinito.jpg"/>
+          <p:cNvPicPr>
+            <a:picLocks noChangeAspect="1" noChangeArrowheads="1"/>
+          </p:cNvPicPr>
+          <p:nvPr/>
+        </p:nvPicPr>
+        <p:blipFill>
+          <a:blip r:embed="rId5" cstate="print">
+            <a:clrChange>
+              <a:clrFrom>
+                <a:srgbClr val="FFFFFF"/>
+              </a:clrFrom>
+              <a:clrTo>
+                <a:srgbClr val="FFFFFF">
+                  <a:alpha val="0"/>
+                </a:srgbClr>
+              </a:clrTo>
+            </a:clrChange>
+          </a:blip>
+          <a:srcRect/>
+          <a:stretch>
+            <a:fillRect/>
+          </a:stretch>
+        </p:blipFill>
+        <p:spPr bwMode="auto">
+          <a:xfrm>
+            <a:off x="7380312" y="5733256"/>
+            <a:ext cx="662832" cy="369713"/>
+          </a:xfrm>
+          <a:prstGeom prst="rect">
+            <a:avLst/>
+          </a:prstGeom>
+          <a:noFill/>
+        </p:spPr>
+      </p:pic>
     </p:spTree>
   </p:cSld>
   <p:clrMapOvr>
@@ -11858,4 +17238,287 @@
   <a:objectDefaults/>
   <a:extraClrSchemeLst/>
 </a:theme>
+</file>
+
+<file path=ppt/theme/theme2.xml><?xml version="1.0" encoding="utf-8"?>
+<a:theme xmlns:a="http://schemas.openxmlformats.org/drawingml/2006/main" name="Office Theme">
+  <a:themeElements>
+    <a:clrScheme name="Office">
+      <a:dk1>
+        <a:sysClr val="windowText" lastClr="000000"/>
+      </a:dk1>
+      <a:lt1>
+        <a:sysClr val="window" lastClr="FFFFFF"/>
+      </a:lt1>
+      <a:dk2>
+        <a:srgbClr val="1F497D"/>
+      </a:dk2>
+      <a:lt2>
+        <a:srgbClr val="EEECE1"/>
+      </a:lt2>
+      <a:accent1>
+        <a:srgbClr val="4F81BD"/>
+      </a:accent1>
+      <a:accent2>
+        <a:srgbClr val="C0504D"/>
+      </a:accent2>
+      <a:accent3>
+        <a:srgbClr val="9BBB59"/>
+      </a:accent3>
+      <a:accent4>
+        <a:srgbClr val="8064A2"/>
+      </a:accent4>
+      <a:accent5>
+        <a:srgbClr val="4BACC6"/>
+      </a:accent5>
+      <a:accent6>
+        <a:srgbClr val="F79646"/>
+      </a:accent6>
+      <a:hlink>
+        <a:srgbClr val="0000FF"/>
+      </a:hlink>
+      <a:folHlink>
+        <a:srgbClr val="800080"/>
+      </a:folHlink>
+    </a:clrScheme>
+    <a:fontScheme name="Office">
+      <a:majorFont>
+        <a:latin typeface="Calibri"/>
+        <a:ea typeface=""/>
+        <a:cs typeface=""/>
+        <a:font script="Jpan" typeface="ＭＳ Ｐゴシック"/>
+        <a:font script="Hang" typeface="맑은 고딕"/>
+        <a:font script="Hans" typeface="宋体"/>
+        <a:font script="Hant" typeface="新細明體"/>
+        <a:font script="Arab" typeface="Times New Roman"/>
+        <a:font script="Hebr" typeface="Times New Roman"/>
+        <a:font script="Thai" typeface="Angsana New"/>
+        <a:font script="Ethi" typeface="Nyala"/>
+        <a:font script="Beng" typeface="Vrinda"/>
+        <a:font script="Gujr" typeface="Shruti"/>
+        <a:font script="Khmr" typeface="MoolBoran"/>
+        <a:font script="Knda" typeface="Tunga"/>
+        <a:font script="Guru" typeface="Raavi"/>
+        <a:font script="Cans" typeface="Euphemia"/>
+        <a:font script="Cher" typeface="Plantagenet Cherokee"/>
+        <a:font script="Yiii" typeface="Microsoft Yi Baiti"/>
+        <a:font script="Tibt" typeface="Microsoft Himalaya"/>
+        <a:font script="Thaa" typeface="MV Boli"/>
+        <a:font script="Deva" typeface="Mangal"/>
+        <a:font script="Telu" typeface="Gautami"/>
+        <a:font script="Taml" typeface="Latha"/>
+        <a:font script="Syrc" typeface="Estrangelo Edessa"/>
+        <a:font script="Orya" typeface="Kalinga"/>
+        <a:font script="Mlym" typeface="Kartika"/>
+        <a:font script="Laoo" typeface="DokChampa"/>
+        <a:font script="Sinh" typeface="Iskoola Pota"/>
+        <a:font script="Mong" typeface="Mongolian Baiti"/>
+        <a:font script="Viet" typeface="Times New Roman"/>
+        <a:font script="Uigh" typeface="Microsoft Uighur"/>
+      </a:majorFont>
+      <a:minorFont>
+        <a:latin typeface="Calibri"/>
+        <a:ea typeface=""/>
+        <a:cs typeface=""/>
+        <a:font script="Jpan" typeface="ＭＳ Ｐゴシック"/>
+        <a:font script="Hang" typeface="맑은 고딕"/>
+        <a:font script="Hans" typeface="宋体"/>
+        <a:font script="Hant" typeface="新細明體"/>
+        <a:font script="Arab" typeface="Arial"/>
+        <a:font script="Hebr" typeface="Arial"/>
+        <a:font script="Thai" typeface="Cordia New"/>
+        <a:font script="Ethi" typeface="Nyala"/>
+        <a:font script="Beng" typeface="Vrinda"/>
+        <a:font script="Gujr" typeface="Shruti"/>
+        <a:font script="Khmr" typeface="DaunPenh"/>
+        <a:font script="Knda" typeface="Tunga"/>
+        <a:font script="Guru" typeface="Raavi"/>
+        <a:font script="Cans" typeface="Euphemia"/>
+        <a:font script="Cher" typeface="Plantagenet Cherokee"/>
+        <a:font script="Yiii" typeface="Microsoft Yi Baiti"/>
+        <a:font script="Tibt" typeface="Microsoft Himalaya"/>
+        <a:font script="Thaa" typeface="MV Boli"/>
+        <a:font script="Deva" typeface="Mangal"/>
+        <a:font script="Telu" typeface="Gautami"/>
+        <a:font script="Taml" typeface="Latha"/>
+        <a:font script="Syrc" typeface="Estrangelo Edessa"/>
+        <a:font script="Orya" typeface="Kalinga"/>
+        <a:font script="Mlym" typeface="Kartika"/>
+        <a:font script="Laoo" typeface="DokChampa"/>
+        <a:font script="Sinh" typeface="Iskoola Pota"/>
+        <a:font script="Mong" typeface="Mongolian Baiti"/>
+        <a:font script="Viet" typeface="Arial"/>
+        <a:font script="Uigh" typeface="Microsoft Uighur"/>
+      </a:minorFont>
+    </a:fontScheme>
+    <a:fmtScheme name="Office">
+      <a:fillStyleLst>
+        <a:solidFill>
+          <a:schemeClr val="phClr"/>
+        </a:solidFill>
+        <a:gradFill rotWithShape="1">
+          <a:gsLst>
+            <a:gs pos="0">
+              <a:schemeClr val="phClr">
+                <a:tint val="50000"/>
+                <a:satMod val="300000"/>
+              </a:schemeClr>
+            </a:gs>
+            <a:gs pos="35000">
+              <a:schemeClr val="phClr">
+                <a:tint val="37000"/>
+                <a:satMod val="300000"/>
+              </a:schemeClr>
+            </a:gs>
+            <a:gs pos="100000">
+              <a:schemeClr val="phClr">
+                <a:tint val="15000"/>
+                <a:satMod val="350000"/>
+              </a:schemeClr>
+            </a:gs>
+          </a:gsLst>
+          <a:lin ang="16200000" scaled="1"/>
+        </a:gradFill>
+        <a:gradFill rotWithShape="1">
+          <a:gsLst>
+            <a:gs pos="0">
+              <a:schemeClr val="phClr">
+                <a:shade val="51000"/>
+                <a:satMod val="130000"/>
+              </a:schemeClr>
+            </a:gs>
+            <a:gs pos="80000">
+              <a:schemeClr val="phClr">
+                <a:shade val="93000"/>
+                <a:satMod val="130000"/>
+              </a:schemeClr>
+            </a:gs>
+            <a:gs pos="100000">
+              <a:schemeClr val="phClr">
+                <a:shade val="94000"/>
+                <a:satMod val="135000"/>
+              </a:schemeClr>
+            </a:gs>
+          </a:gsLst>
+          <a:lin ang="16200000" scaled="0"/>
+        </a:gradFill>
+      </a:fillStyleLst>
+      <a:lnStyleLst>
+        <a:ln w="9525" cap="flat" cmpd="sng" algn="ctr">
+          <a:solidFill>
+            <a:schemeClr val="phClr">
+              <a:shade val="95000"/>
+              <a:satMod val="105000"/>
+            </a:schemeClr>
+          </a:solidFill>
+          <a:prstDash val="solid"/>
+        </a:ln>
+        <a:ln w="25400" cap="flat" cmpd="sng" algn="ctr">
+          <a:solidFill>
+            <a:schemeClr val="phClr"/>
+          </a:solidFill>
+          <a:prstDash val="solid"/>
+        </a:ln>
+        <a:ln w="38100" cap="flat" cmpd="sng" algn="ctr">
+          <a:solidFill>
+            <a:schemeClr val="phClr"/>
+          </a:solidFill>
+          <a:prstDash val="solid"/>
+        </a:ln>
+      </a:lnStyleLst>
+      <a:effectStyleLst>
+        <a:effectStyle>
+          <a:effectLst>
+            <a:outerShdw blurRad="40000" dist="20000" dir="5400000" rotWithShape="0">
+              <a:srgbClr val="000000">
+                <a:alpha val="38000"/>
+              </a:srgbClr>
+            </a:outerShdw>
+          </a:effectLst>
+        </a:effectStyle>
+        <a:effectStyle>
+          <a:effectLst>
+            <a:outerShdw blurRad="40000" dist="23000" dir="5400000" rotWithShape="0">
+              <a:srgbClr val="000000">
+                <a:alpha val="35000"/>
+              </a:srgbClr>
+            </a:outerShdw>
+          </a:effectLst>
+        </a:effectStyle>
+        <a:effectStyle>
+          <a:effectLst>
+            <a:outerShdw blurRad="40000" dist="23000" dir="5400000" rotWithShape="0">
+              <a:srgbClr val="000000">
+                <a:alpha val="35000"/>
+              </a:srgbClr>
+            </a:outerShdw>
+          </a:effectLst>
+          <a:scene3d>
+            <a:camera prst="orthographicFront">
+              <a:rot lat="0" lon="0" rev="0"/>
+            </a:camera>
+            <a:lightRig rig="threePt" dir="t">
+              <a:rot lat="0" lon="0" rev="1200000"/>
+            </a:lightRig>
+          </a:scene3d>
+          <a:sp3d>
+            <a:bevelT w="63500" h="25400"/>
+          </a:sp3d>
+        </a:effectStyle>
+      </a:effectStyleLst>
+      <a:bgFillStyleLst>
+        <a:solidFill>
+          <a:schemeClr val="phClr"/>
+        </a:solidFill>
+        <a:gradFill rotWithShape="1">
+          <a:gsLst>
+            <a:gs pos="0">
+              <a:schemeClr val="phClr">
+                <a:tint val="40000"/>
+                <a:satMod val="350000"/>
+              </a:schemeClr>
+            </a:gs>
+            <a:gs pos="40000">
+              <a:schemeClr val="phClr">
+                <a:tint val="45000"/>
+                <a:shade val="99000"/>
+                <a:satMod val="350000"/>
+              </a:schemeClr>
+            </a:gs>
+            <a:gs pos="100000">
+              <a:schemeClr val="phClr">
+                <a:shade val="20000"/>
+                <a:satMod val="255000"/>
+              </a:schemeClr>
+            </a:gs>
+          </a:gsLst>
+          <a:path path="circle">
+            <a:fillToRect l="50000" t="-80000" r="50000" b="180000"/>
+          </a:path>
+        </a:gradFill>
+        <a:gradFill rotWithShape="1">
+          <a:gsLst>
+            <a:gs pos="0">
+              <a:schemeClr val="phClr">
+                <a:tint val="80000"/>
+                <a:satMod val="300000"/>
+              </a:schemeClr>
+            </a:gs>
+            <a:gs pos="100000">
+              <a:schemeClr val="phClr">
+                <a:shade val="30000"/>
+                <a:satMod val="200000"/>
+              </a:schemeClr>
+            </a:gs>
+          </a:gsLst>
+          <a:path path="circle">
+            <a:fillToRect l="50000" t="50000" r="50000" b="50000"/>
+          </a:path>
+        </a:gradFill>
+      </a:bgFillStyleLst>
+    </a:fmtScheme>
+  </a:themeElements>
+  <a:objectDefaults/>
+  <a:extraClrSchemeLst/>
+</a:theme>
 </file>
--- a/Presentacion/Comercial/Presentacion Comercial.pptx
+++ b/Presentacion/Comercial/Presentacion Comercial.pptx
@@ -5,7 +5,7 @@
     <p:sldMasterId id="2147484416" r:id="rId1"/>
   </p:sldMasterIdLst>
   <p:notesMasterIdLst>
-    <p:notesMasterId r:id="rId12"/>
+    <p:notesMasterId r:id="rId13"/>
   </p:notesMasterIdLst>
   <p:sldIdLst>
     <p:sldId id="256" r:id="rId2"/>
@@ -16,8 +16,9 @@
     <p:sldId id="261" r:id="rId7"/>
     <p:sldId id="263" r:id="rId8"/>
     <p:sldId id="264" r:id="rId9"/>
-    <p:sldId id="262" r:id="rId10"/>
-    <p:sldId id="265" r:id="rId11"/>
+    <p:sldId id="266" r:id="rId10"/>
+    <p:sldId id="262" r:id="rId11"/>
+    <p:sldId id="265" r:id="rId12"/>
   </p:sldIdLst>
   <p:sldSz cx="9144000" cy="6858000" type="screen4x3"/>
   <p:notesSz cx="6858000" cy="9144000"/>
@@ -866,6 +867,753 @@
 </dgm:colorsDef>
 </file>
 
+<file path=ppt/diagrams/colors2.xml><?xml version="1.0" encoding="utf-8"?>
+<dgm:colorsDef xmlns:dgm="http://schemas.openxmlformats.org/drawingml/2006/diagram" xmlns:a="http://schemas.openxmlformats.org/drawingml/2006/main" uniqueId="urn:microsoft.com/office/officeart/2005/8/colors/accent3_2">
+  <dgm:title val=""/>
+  <dgm:desc val=""/>
+  <dgm:catLst>
+    <dgm:cat type="accent3" pri="11200"/>
+  </dgm:catLst>
+  <dgm:styleLbl name="node0">
+    <dgm:fillClrLst meth="repeat">
+      <a:schemeClr val="accent3"/>
+    </dgm:fillClrLst>
+    <dgm:linClrLst meth="repeat">
+      <a:schemeClr val="lt1"/>
+    </dgm:linClrLst>
+    <dgm:effectClrLst/>
+    <dgm:txLinClrLst/>
+    <dgm:txFillClrLst/>
+    <dgm:txEffectClrLst/>
+  </dgm:styleLbl>
+  <dgm:styleLbl name="node1">
+    <dgm:fillClrLst meth="repeat">
+      <a:schemeClr val="accent3"/>
+    </dgm:fillClrLst>
+    <dgm:linClrLst meth="repeat">
+      <a:schemeClr val="lt1"/>
+    </dgm:linClrLst>
+    <dgm:effectClrLst/>
+    <dgm:txLinClrLst/>
+    <dgm:txFillClrLst/>
+    <dgm:txEffectClrLst/>
+  </dgm:styleLbl>
+  <dgm:styleLbl name="alignNode1">
+    <dgm:fillClrLst meth="repeat">
+      <a:schemeClr val="accent3"/>
+    </dgm:fillClrLst>
+    <dgm:linClrLst meth="repeat">
+      <a:schemeClr val="accent3"/>
+    </dgm:linClrLst>
+    <dgm:effectClrLst/>
+    <dgm:txLinClrLst/>
+    <dgm:txFillClrLst/>
+    <dgm:txEffectClrLst/>
+  </dgm:styleLbl>
+  <dgm:styleLbl name="lnNode1">
+    <dgm:fillClrLst meth="repeat">
+      <a:schemeClr val="accent3"/>
+    </dgm:fillClrLst>
+    <dgm:linClrLst meth="repeat">
+      <a:schemeClr val="lt1"/>
+    </dgm:linClrLst>
+    <dgm:effectClrLst/>
+    <dgm:txLinClrLst/>
+    <dgm:txFillClrLst/>
+    <dgm:txEffectClrLst/>
+  </dgm:styleLbl>
+  <dgm:styleLbl name="vennNode1">
+    <dgm:fillClrLst meth="repeat">
+      <a:schemeClr val="accent3">
+        <a:alpha val="50000"/>
+      </a:schemeClr>
+    </dgm:fillClrLst>
+    <dgm:linClrLst meth="repeat">
+      <a:schemeClr val="lt1"/>
+    </dgm:linClrLst>
+    <dgm:effectClrLst/>
+    <dgm:txLinClrLst/>
+    <dgm:txFillClrLst/>
+    <dgm:txEffectClrLst/>
+  </dgm:styleLbl>
+  <dgm:styleLbl name="node2">
+    <dgm:fillClrLst meth="repeat">
+      <a:schemeClr val="accent3"/>
+    </dgm:fillClrLst>
+    <dgm:linClrLst meth="repeat">
+      <a:schemeClr val="lt1"/>
+    </dgm:linClrLst>
+    <dgm:effectClrLst/>
+    <dgm:txLinClrLst/>
+    <dgm:txFillClrLst/>
+    <dgm:txEffectClrLst/>
+  </dgm:styleLbl>
+  <dgm:styleLbl name="node3">
+    <dgm:fillClrLst meth="repeat">
+      <a:schemeClr val="accent3"/>
+    </dgm:fillClrLst>
+    <dgm:linClrLst meth="repeat">
+      <a:schemeClr val="lt1"/>
+    </dgm:linClrLst>
+    <dgm:effectClrLst/>
+    <dgm:txLinClrLst/>
+    <dgm:txFillClrLst/>
+    <dgm:txEffectClrLst/>
+  </dgm:styleLbl>
+  <dgm:styleLbl name="node4">
+    <dgm:fillClrLst meth="repeat">
+      <a:schemeClr val="accent3"/>
+    </dgm:fillClrLst>
+    <dgm:linClrLst meth="repeat">
+      <a:schemeClr val="lt1"/>
+    </dgm:linClrLst>
+    <dgm:effectClrLst/>
+    <dgm:txLinClrLst/>
+    <dgm:txFillClrLst/>
+    <dgm:txEffectClrLst/>
+  </dgm:styleLbl>
+  <dgm:styleLbl name="fgImgPlace1">
+    <dgm:fillClrLst meth="repeat">
+      <a:schemeClr val="accent3">
+        <a:tint val="50000"/>
+      </a:schemeClr>
+    </dgm:fillClrLst>
+    <dgm:linClrLst meth="repeat">
+      <a:schemeClr val="lt1"/>
+    </dgm:linClrLst>
+    <dgm:effectClrLst/>
+    <dgm:txLinClrLst/>
+    <dgm:txFillClrLst meth="repeat">
+      <a:schemeClr val="lt1"/>
+    </dgm:txFillClrLst>
+    <dgm:txEffectClrLst/>
+  </dgm:styleLbl>
+  <dgm:styleLbl name="alignImgPlace1">
+    <dgm:fillClrLst meth="repeat">
+      <a:schemeClr val="accent3">
+        <a:tint val="50000"/>
+      </a:schemeClr>
+    </dgm:fillClrLst>
+    <dgm:linClrLst meth="repeat">
+      <a:schemeClr val="lt1"/>
+    </dgm:linClrLst>
+    <dgm:effectClrLst/>
+    <dgm:txLinClrLst/>
+    <dgm:txFillClrLst meth="repeat">
+      <a:schemeClr val="lt1"/>
+    </dgm:txFillClrLst>
+    <dgm:txEffectClrLst/>
+  </dgm:styleLbl>
+  <dgm:styleLbl name="bgImgPlace1">
+    <dgm:fillClrLst meth="repeat">
+      <a:schemeClr val="accent3">
+        <a:tint val="50000"/>
+      </a:schemeClr>
+    </dgm:fillClrLst>
+    <dgm:linClrLst meth="repeat">
+      <a:schemeClr val="lt1"/>
+    </dgm:linClrLst>
+    <dgm:effectClrLst/>
+    <dgm:txLinClrLst/>
+    <dgm:txFillClrLst meth="repeat">
+      <a:schemeClr val="lt1"/>
+    </dgm:txFillClrLst>
+    <dgm:txEffectClrLst/>
+  </dgm:styleLbl>
+  <dgm:styleLbl name="sibTrans2D1">
+    <dgm:fillClrLst meth="repeat">
+      <a:schemeClr val="accent3">
+        <a:tint val="60000"/>
+      </a:schemeClr>
+    </dgm:fillClrLst>
+    <dgm:linClrLst meth="repeat">
+      <a:schemeClr val="accent3">
+        <a:tint val="60000"/>
+      </a:schemeClr>
+    </dgm:linClrLst>
+    <dgm:effectClrLst/>
+    <dgm:txLinClrLst/>
+    <dgm:txFillClrLst/>
+    <dgm:txEffectClrLst/>
+  </dgm:styleLbl>
+  <dgm:styleLbl name="fgSibTrans2D1">
+    <dgm:fillClrLst meth="repeat">
+      <a:schemeClr val="accent3">
+        <a:tint val="60000"/>
+      </a:schemeClr>
+    </dgm:fillClrLst>
+    <dgm:linClrLst meth="repeat">
+      <a:schemeClr val="accent3">
+        <a:tint val="60000"/>
+      </a:schemeClr>
+    </dgm:linClrLst>
+    <dgm:effectClrLst/>
+    <dgm:txLinClrLst/>
+    <dgm:txFillClrLst/>
+    <dgm:txEffectClrLst/>
+  </dgm:styleLbl>
+  <dgm:styleLbl name="bgSibTrans2D1">
+    <dgm:fillClrLst meth="repeat">
+      <a:schemeClr val="accent3">
+        <a:tint val="60000"/>
+      </a:schemeClr>
+    </dgm:fillClrLst>
+    <dgm:linClrLst meth="repeat">
+      <a:schemeClr val="accent3">
+        <a:tint val="60000"/>
+      </a:schemeClr>
+    </dgm:linClrLst>
+    <dgm:effectClrLst/>
+    <dgm:txLinClrLst/>
+    <dgm:txFillClrLst/>
+    <dgm:txEffectClrLst/>
+  </dgm:styleLbl>
+  <dgm:styleLbl name="sibTrans1D1">
+    <dgm:fillClrLst meth="repeat">
+      <a:schemeClr val="accent3"/>
+    </dgm:fillClrLst>
+    <dgm:linClrLst meth="repeat">
+      <a:schemeClr val="accent3"/>
+    </dgm:linClrLst>
+    <dgm:effectClrLst/>
+    <dgm:txLinClrLst/>
+    <dgm:txFillClrLst meth="repeat">
+      <a:schemeClr val="tx1"/>
+    </dgm:txFillClrLst>
+    <dgm:txEffectClrLst/>
+  </dgm:styleLbl>
+  <dgm:styleLbl name="callout">
+    <dgm:fillClrLst meth="repeat">
+      <a:schemeClr val="accent3"/>
+    </dgm:fillClrLst>
+    <dgm:linClrLst meth="repeat">
+      <a:schemeClr val="accent3">
+        <a:tint val="50000"/>
+      </a:schemeClr>
+    </dgm:linClrLst>
+    <dgm:effectClrLst/>
+    <dgm:txLinClrLst/>
+    <dgm:txFillClrLst meth="repeat">
+      <a:schemeClr val="tx1"/>
+    </dgm:txFillClrLst>
+    <dgm:txEffectClrLst/>
+  </dgm:styleLbl>
+  <dgm:styleLbl name="asst0">
+    <dgm:fillClrLst meth="repeat">
+      <a:schemeClr val="accent3"/>
+    </dgm:fillClrLst>
+    <dgm:linClrLst meth="repeat">
+      <a:schemeClr val="lt1"/>
+    </dgm:linClrLst>
+    <dgm:effectClrLst/>
+    <dgm:txLinClrLst/>
+    <dgm:txFillClrLst/>
+    <dgm:txEffectClrLst/>
+  </dgm:styleLbl>
+  <dgm:styleLbl name="asst1">
+    <dgm:fillClrLst meth="repeat">
+      <a:schemeClr val="accent3"/>
+    </dgm:fillClrLst>
+    <dgm:linClrLst meth="repeat">
+      <a:schemeClr val="lt1"/>
+    </dgm:linClrLst>
+    <dgm:effectClrLst/>
+    <dgm:txLinClrLst/>
+    <dgm:txFillClrLst/>
+    <dgm:txEffectClrLst/>
+  </dgm:styleLbl>
+  <dgm:styleLbl name="asst2">
+    <dgm:fillClrLst meth="repeat">
+      <a:schemeClr val="accent3"/>
+    </dgm:fillClrLst>
+    <dgm:linClrLst meth="repeat">
+      <a:schemeClr val="lt1"/>
+    </dgm:linClrLst>
+    <dgm:effectClrLst/>
+    <dgm:txLinClrLst/>
+    <dgm:txFillClrLst/>
+    <dgm:txEffectClrLst/>
+  </dgm:styleLbl>
+  <dgm:styleLbl name="asst3">
+    <dgm:fillClrLst meth="repeat">
+      <a:schemeClr val="accent3"/>
+    </dgm:fillClrLst>
+    <dgm:linClrLst meth="repeat">
+      <a:schemeClr val="lt1"/>
+    </dgm:linClrLst>
+    <dgm:effectClrLst/>
+    <dgm:txLinClrLst/>
+    <dgm:txFillClrLst/>
+    <dgm:txEffectClrLst/>
+  </dgm:styleLbl>
+  <dgm:styleLbl name="asst4">
+    <dgm:fillClrLst meth="repeat">
+      <a:schemeClr val="accent3"/>
+    </dgm:fillClrLst>
+    <dgm:linClrLst meth="repeat">
+      <a:schemeClr val="lt1"/>
+    </dgm:linClrLst>
+    <dgm:effectClrLst/>
+    <dgm:txLinClrLst/>
+    <dgm:txFillClrLst/>
+    <dgm:txEffectClrLst/>
+  </dgm:styleLbl>
+  <dgm:styleLbl name="parChTrans2D1">
+    <dgm:fillClrLst meth="repeat">
+      <a:schemeClr val="accent3">
+        <a:tint val="60000"/>
+      </a:schemeClr>
+    </dgm:fillClrLst>
+    <dgm:linClrLst meth="repeat">
+      <a:schemeClr val="accent3">
+        <a:tint val="60000"/>
+      </a:schemeClr>
+    </dgm:linClrLst>
+    <dgm:effectClrLst/>
+    <dgm:txLinClrLst/>
+    <dgm:txFillClrLst meth="repeat">
+      <a:schemeClr val="lt1"/>
+    </dgm:txFillClrLst>
+    <dgm:txEffectClrLst/>
+  </dgm:styleLbl>
+  <dgm:styleLbl name="parChTrans2D2">
+    <dgm:fillClrLst meth="repeat">
+      <a:schemeClr val="accent3"/>
+    </dgm:fillClrLst>
+    <dgm:linClrLst meth="repeat">
+      <a:schemeClr val="accent3"/>
+    </dgm:linClrLst>
+    <dgm:effectClrLst/>
+    <dgm:txLinClrLst/>
+    <dgm:txFillClrLst meth="repeat">
+      <a:schemeClr val="lt1"/>
+    </dgm:txFillClrLst>
+    <dgm:txEffectClrLst/>
+  </dgm:styleLbl>
+  <dgm:styleLbl name="parChTrans2D3">
+    <dgm:fillClrLst meth="repeat">
+      <a:schemeClr val="accent3"/>
+    </dgm:fillClrLst>
+    <dgm:linClrLst meth="repeat">
+      <a:schemeClr val="accent3"/>
+    </dgm:linClrLst>
+    <dgm:effectClrLst/>
+    <dgm:txLinClrLst/>
+    <dgm:txFillClrLst meth="repeat">
+      <a:schemeClr val="lt1"/>
+    </dgm:txFillClrLst>
+    <dgm:txEffectClrLst/>
+  </dgm:styleLbl>
+  <dgm:styleLbl name="parChTrans2D4">
+    <dgm:fillClrLst meth="repeat">
+      <a:schemeClr val="accent3"/>
+    </dgm:fillClrLst>
+    <dgm:linClrLst meth="repeat">
+      <a:schemeClr val="accent3"/>
+    </dgm:linClrLst>
+    <dgm:effectClrLst/>
+    <dgm:txLinClrLst/>
+    <dgm:txFillClrLst meth="repeat">
+      <a:schemeClr val="lt1"/>
+    </dgm:txFillClrLst>
+    <dgm:txEffectClrLst/>
+  </dgm:styleLbl>
+  <dgm:styleLbl name="parChTrans1D1">
+    <dgm:fillClrLst meth="repeat">
+      <a:schemeClr val="accent3"/>
+    </dgm:fillClrLst>
+    <dgm:linClrLst meth="repeat">
+      <a:schemeClr val="accent3">
+        <a:shade val="60000"/>
+      </a:schemeClr>
+    </dgm:linClrLst>
+    <dgm:effectClrLst/>
+    <dgm:txLinClrLst/>
+    <dgm:txFillClrLst meth="repeat">
+      <a:schemeClr val="tx1"/>
+    </dgm:txFillClrLst>
+    <dgm:txEffectClrLst/>
+  </dgm:styleLbl>
+  <dgm:styleLbl name="parChTrans1D2">
+    <dgm:fillClrLst meth="repeat">
+      <a:schemeClr val="accent3"/>
+    </dgm:fillClrLst>
+    <dgm:linClrLst meth="repeat">
+      <a:schemeClr val="accent3">
+        <a:shade val="60000"/>
+      </a:schemeClr>
+    </dgm:linClrLst>
+    <dgm:effectClrLst/>
+    <dgm:txLinClrLst/>
+    <dgm:txFillClrLst meth="repeat">
+      <a:schemeClr val="tx1"/>
+    </dgm:txFillClrLst>
+    <dgm:txEffectClrLst/>
+  </dgm:styleLbl>
+  <dgm:styleLbl name="parChTrans1D3">
+    <dgm:fillClrLst meth="repeat">
+      <a:schemeClr val="accent3"/>
+    </dgm:fillClrLst>
+    <dgm:linClrLst meth="repeat">
+      <a:schemeClr val="accent3">
+        <a:shade val="80000"/>
+      </a:schemeClr>
+    </dgm:linClrLst>
+    <dgm:effectClrLst/>
+    <dgm:txLinClrLst/>
+    <dgm:txFillClrLst meth="repeat">
+      <a:schemeClr val="tx1"/>
+    </dgm:txFillClrLst>
+    <dgm:txEffectClrLst/>
+  </dgm:styleLbl>
+  <dgm:styleLbl name="parChTrans1D4">
+    <dgm:fillClrLst meth="repeat">
+      <a:schemeClr val="accent3"/>
+    </dgm:fillClrLst>
+    <dgm:linClrLst meth="repeat">
+      <a:schemeClr val="accent3">
+        <a:shade val="80000"/>
+      </a:schemeClr>
+    </dgm:linClrLst>
+    <dgm:effectClrLst/>
+    <dgm:txLinClrLst/>
+    <dgm:txFillClrLst meth="repeat">
+      <a:schemeClr val="tx1"/>
+    </dgm:txFillClrLst>
+    <dgm:txEffectClrLst/>
+  </dgm:styleLbl>
+  <dgm:styleLbl name="fgAcc1">
+    <dgm:fillClrLst meth="repeat">
+      <a:schemeClr val="lt1">
+        <a:alpha val="90000"/>
+      </a:schemeClr>
+    </dgm:fillClrLst>
+    <dgm:linClrLst meth="repeat">
+      <a:schemeClr val="accent3"/>
+    </dgm:linClrLst>
+    <dgm:effectClrLst/>
+    <dgm:txLinClrLst/>
+    <dgm:txFillClrLst meth="repeat">
+      <a:schemeClr val="dk1"/>
+    </dgm:txFillClrLst>
+    <dgm:txEffectClrLst/>
+  </dgm:styleLbl>
+  <dgm:styleLbl name="conFgAcc1">
+    <dgm:fillClrLst meth="repeat">
+      <a:schemeClr val="lt1">
+        <a:alpha val="90000"/>
+      </a:schemeClr>
+    </dgm:fillClrLst>
+    <dgm:linClrLst meth="repeat">
+      <a:schemeClr val="accent3"/>
+    </dgm:linClrLst>
+    <dgm:effectClrLst/>
+    <dgm:txLinClrLst/>
+    <dgm:txFillClrLst meth="repeat">
+      <a:schemeClr val="dk1"/>
+    </dgm:txFillClrLst>
+    <dgm:txEffectClrLst/>
+  </dgm:styleLbl>
+  <dgm:styleLbl name="alignAcc1">
+    <dgm:fillClrLst meth="repeat">
+      <a:schemeClr val="lt1">
+        <a:alpha val="90000"/>
+      </a:schemeClr>
+    </dgm:fillClrLst>
+    <dgm:linClrLst meth="repeat">
+      <a:schemeClr val="accent3"/>
+    </dgm:linClrLst>
+    <dgm:effectClrLst/>
+    <dgm:txLinClrLst/>
+    <dgm:txFillClrLst meth="repeat">
+      <a:schemeClr val="dk1"/>
+    </dgm:txFillClrLst>
+    <dgm:txEffectClrLst/>
+  </dgm:styleLbl>
+  <dgm:styleLbl name="trAlignAcc1">
+    <dgm:fillClrLst meth="repeat">
+      <a:schemeClr val="lt1">
+        <a:alpha val="40000"/>
+      </a:schemeClr>
+    </dgm:fillClrLst>
+    <dgm:linClrLst meth="repeat">
+      <a:schemeClr val="accent3"/>
+    </dgm:linClrLst>
+    <dgm:effectClrLst/>
+    <dgm:txLinClrLst/>
+    <dgm:txFillClrLst meth="repeat">
+      <a:schemeClr val="dk1"/>
+    </dgm:txFillClrLst>
+    <dgm:txEffectClrLst/>
+  </dgm:styleLbl>
+  <dgm:styleLbl name="bgAcc1">
+    <dgm:fillClrLst meth="repeat">
+      <a:schemeClr val="lt1">
+        <a:alpha val="90000"/>
+      </a:schemeClr>
+    </dgm:fillClrLst>
+    <dgm:linClrLst meth="repeat">
+      <a:schemeClr val="accent3"/>
+    </dgm:linClrLst>
+    <dgm:effectClrLst/>
+    <dgm:txLinClrLst/>
+    <dgm:txFillClrLst meth="repeat">
+      <a:schemeClr val="dk1"/>
+    </dgm:txFillClrLst>
+    <dgm:txEffectClrLst/>
+  </dgm:styleLbl>
+  <dgm:styleLbl name="solidFgAcc1">
+    <dgm:fillClrLst meth="repeat">
+      <a:schemeClr val="lt1"/>
+    </dgm:fillClrLst>
+    <dgm:linClrLst meth="repeat">
+      <a:schemeClr val="accent3"/>
+    </dgm:linClrLst>
+    <dgm:effectClrLst/>
+    <dgm:txLinClrLst/>
+    <dgm:txFillClrLst meth="repeat">
+      <a:schemeClr val="dk1"/>
+    </dgm:txFillClrLst>
+    <dgm:txEffectClrLst/>
+  </dgm:styleLbl>
+  <dgm:styleLbl name="solidAlignAcc1">
+    <dgm:fillClrLst meth="repeat">
+      <a:schemeClr val="lt1"/>
+    </dgm:fillClrLst>
+    <dgm:linClrLst meth="repeat">
+      <a:schemeClr val="accent3"/>
+    </dgm:linClrLst>
+    <dgm:effectClrLst/>
+    <dgm:txLinClrLst/>
+    <dgm:txFillClrLst meth="repeat">
+      <a:schemeClr val="dk1"/>
+    </dgm:txFillClrLst>
+    <dgm:txEffectClrLst/>
+  </dgm:styleLbl>
+  <dgm:styleLbl name="solidBgAcc1">
+    <dgm:fillClrLst meth="repeat">
+      <a:schemeClr val="lt1"/>
+    </dgm:fillClrLst>
+    <dgm:linClrLst meth="repeat">
+      <a:schemeClr val="accent3"/>
+    </dgm:linClrLst>
+    <dgm:effectClrLst/>
+    <dgm:txLinClrLst/>
+    <dgm:txFillClrLst meth="repeat">
+      <a:schemeClr val="dk1"/>
+    </dgm:txFillClrLst>
+    <dgm:txEffectClrLst/>
+  </dgm:styleLbl>
+  <dgm:styleLbl name="fgAccFollowNode1">
+    <dgm:fillClrLst meth="repeat">
+      <a:schemeClr val="accent3">
+        <a:alpha val="90000"/>
+        <a:tint val="40000"/>
+      </a:schemeClr>
+    </dgm:fillClrLst>
+    <dgm:linClrLst meth="repeat">
+      <a:schemeClr val="accent3">
+        <a:alpha val="90000"/>
+        <a:tint val="40000"/>
+      </a:schemeClr>
+    </dgm:linClrLst>
+    <dgm:effectClrLst/>
+    <dgm:txLinClrLst/>
+    <dgm:txFillClrLst meth="repeat">
+      <a:schemeClr val="dk1"/>
+    </dgm:txFillClrLst>
+    <dgm:txEffectClrLst/>
+  </dgm:styleLbl>
+  <dgm:styleLbl name="alignAccFollowNode1">
+    <dgm:fillClrLst meth="repeat">
+      <a:schemeClr val="accent3">
+        <a:alpha val="90000"/>
+        <a:tint val="40000"/>
+      </a:schemeClr>
+    </dgm:fillClrLst>
+    <dgm:linClrLst meth="repeat">
+      <a:schemeClr val="accent3">
+        <a:alpha val="90000"/>
+        <a:tint val="40000"/>
+      </a:schemeClr>
+    </dgm:linClrLst>
+    <dgm:effectClrLst/>
+    <dgm:txLinClrLst/>
+    <dgm:txFillClrLst meth="repeat">
+      <a:schemeClr val="dk1"/>
+    </dgm:txFillClrLst>
+    <dgm:txEffectClrLst/>
+  </dgm:styleLbl>
+  <dgm:styleLbl name="bgAccFollowNode1">
+    <dgm:fillClrLst meth="repeat">
+      <a:schemeClr val="accent3">
+        <a:alpha val="90000"/>
+        <a:tint val="40000"/>
+      </a:schemeClr>
+    </dgm:fillClrLst>
+    <dgm:linClrLst meth="repeat">
+      <a:schemeClr val="accent3">
+        <a:alpha val="90000"/>
+        <a:tint val="40000"/>
+      </a:schemeClr>
+    </dgm:linClrLst>
+    <dgm:effectClrLst/>
+    <dgm:txLinClrLst/>
+    <dgm:txFillClrLst meth="repeat">
+      <a:schemeClr val="dk1"/>
+    </dgm:txFillClrLst>
+    <dgm:txEffectClrLst/>
+  </dgm:styleLbl>
+  <dgm:styleLbl name="fgAcc0">
+    <dgm:fillClrLst meth="repeat">
+      <a:schemeClr val="lt1">
+        <a:alpha val="90000"/>
+      </a:schemeClr>
+    </dgm:fillClrLst>
+    <dgm:linClrLst meth="repeat">
+      <a:schemeClr val="accent3"/>
+    </dgm:linClrLst>
+    <dgm:effectClrLst/>
+    <dgm:txLinClrLst/>
+    <dgm:txFillClrLst meth="repeat">
+      <a:schemeClr val="dk1"/>
+    </dgm:txFillClrLst>
+    <dgm:txEffectClrLst/>
+  </dgm:styleLbl>
+  <dgm:styleLbl name="fgAcc2">
+    <dgm:fillClrLst meth="repeat">
+      <a:schemeClr val="lt1">
+        <a:alpha val="90000"/>
+      </a:schemeClr>
+    </dgm:fillClrLst>
+    <dgm:linClrLst meth="repeat">
+      <a:schemeClr val="accent3"/>
+    </dgm:linClrLst>
+    <dgm:effectClrLst/>
+    <dgm:txLinClrLst/>
+    <dgm:txFillClrLst meth="repeat">
+      <a:schemeClr val="dk1"/>
+    </dgm:txFillClrLst>
+    <dgm:txEffectClrLst/>
+  </dgm:styleLbl>
+  <dgm:styleLbl name="fgAcc3">
+    <dgm:fillClrLst meth="repeat">
+      <a:schemeClr val="lt1">
+        <a:alpha val="90000"/>
+      </a:schemeClr>
+    </dgm:fillClrLst>
+    <dgm:linClrLst meth="repeat">
+      <a:schemeClr val="accent3"/>
+    </dgm:linClrLst>
+    <dgm:effectClrLst/>
+    <dgm:txLinClrLst/>
+    <dgm:txFillClrLst meth="repeat">
+      <a:schemeClr val="dk1"/>
+    </dgm:txFillClrLst>
+    <dgm:txEffectClrLst/>
+  </dgm:styleLbl>
+  <dgm:styleLbl name="fgAcc4">
+    <dgm:fillClrLst meth="repeat">
+      <a:schemeClr val="lt1">
+        <a:alpha val="90000"/>
+      </a:schemeClr>
+    </dgm:fillClrLst>
+    <dgm:linClrLst meth="repeat">
+      <a:schemeClr val="accent3"/>
+    </dgm:linClrLst>
+    <dgm:effectClrLst/>
+    <dgm:txLinClrLst/>
+    <dgm:txFillClrLst meth="repeat">
+      <a:schemeClr val="dk1"/>
+    </dgm:txFillClrLst>
+    <dgm:txEffectClrLst/>
+  </dgm:styleLbl>
+  <dgm:styleLbl name="bgShp">
+    <dgm:fillClrLst meth="repeat">
+      <a:schemeClr val="accent3">
+        <a:tint val="40000"/>
+      </a:schemeClr>
+    </dgm:fillClrLst>
+    <dgm:linClrLst meth="repeat">
+      <a:schemeClr val="accent3"/>
+    </dgm:linClrLst>
+    <dgm:effectClrLst/>
+    <dgm:txLinClrLst/>
+    <dgm:txFillClrLst meth="repeat">
+      <a:schemeClr val="dk1"/>
+    </dgm:txFillClrLst>
+    <dgm:txEffectClrLst/>
+  </dgm:styleLbl>
+  <dgm:styleLbl name="dkBgShp">
+    <dgm:fillClrLst meth="repeat">
+      <a:schemeClr val="accent3">
+        <a:shade val="80000"/>
+      </a:schemeClr>
+    </dgm:fillClrLst>
+    <dgm:linClrLst meth="repeat">
+      <a:schemeClr val="accent3"/>
+    </dgm:linClrLst>
+    <dgm:effectClrLst/>
+    <dgm:txLinClrLst/>
+    <dgm:txFillClrLst meth="repeat">
+      <a:schemeClr val="lt1"/>
+    </dgm:txFillClrLst>
+    <dgm:txEffectClrLst/>
+  </dgm:styleLbl>
+  <dgm:styleLbl name="trBgShp">
+    <dgm:fillClrLst meth="repeat">
+      <a:schemeClr val="accent3">
+        <a:tint val="50000"/>
+        <a:alpha val="40000"/>
+      </a:schemeClr>
+    </dgm:fillClrLst>
+    <dgm:linClrLst meth="repeat">
+      <a:schemeClr val="accent3"/>
+    </dgm:linClrLst>
+    <dgm:effectClrLst/>
+    <dgm:txLinClrLst/>
+    <dgm:txFillClrLst meth="repeat">
+      <a:schemeClr val="lt1"/>
+    </dgm:txFillClrLst>
+    <dgm:txEffectClrLst/>
+  </dgm:styleLbl>
+  <dgm:styleLbl name="fgShp">
+    <dgm:fillClrLst meth="repeat">
+      <a:schemeClr val="accent3">
+        <a:tint val="60000"/>
+      </a:schemeClr>
+    </dgm:fillClrLst>
+    <dgm:linClrLst meth="repeat">
+      <a:schemeClr val="lt1"/>
+    </dgm:linClrLst>
+    <dgm:effectClrLst/>
+    <dgm:txLinClrLst/>
+    <dgm:txFillClrLst meth="repeat">
+      <a:schemeClr val="dk1"/>
+    </dgm:txFillClrLst>
+    <dgm:txEffectClrLst/>
+  </dgm:styleLbl>
+  <dgm:styleLbl name="revTx">
+    <dgm:fillClrLst meth="repeat">
+      <a:schemeClr val="lt1">
+        <a:alpha val="0"/>
+      </a:schemeClr>
+    </dgm:fillClrLst>
+    <dgm:linClrLst meth="repeat">
+      <a:schemeClr val="dk1">
+        <a:alpha val="0"/>
+      </a:schemeClr>
+    </dgm:linClrLst>
+    <dgm:effectClrLst/>
+    <dgm:txLinClrLst/>
+    <dgm:txFillClrLst meth="repeat">
+      <a:schemeClr val="tx1"/>
+    </dgm:txFillClrLst>
+    <dgm:txEffectClrLst/>
+  </dgm:styleLbl>
+</dgm:colorsDef>
+</file>
+
 <file path=ppt/diagrams/data1.xml><?xml version="1.0" encoding="utf-8"?>
 <dgm:dataModel xmlns:dgm="http://schemas.openxmlformats.org/drawingml/2006/diagram" xmlns:a="http://schemas.openxmlformats.org/drawingml/2006/main">
   <dgm:ptLst>
@@ -1110,6 +1858,13 @@
         </dgm:presLayoutVars>
       </dgm:prSet>
       <dgm:spPr/>
+      <dgm:t>
+        <a:bodyPr/>
+        <a:lstStyle/>
+        <a:p>
+          <a:endParaRPr lang="es-AR"/>
+        </a:p>
+      </dgm:t>
     </dgm:pt>
     <dgm:pt modelId="{781DE9F1-14B3-490E-9184-FD5B8B374833}" type="pres">
       <dgm:prSet presAssocID="{42BD14C9-541D-4029-AAD3-2EF0AA4FCEE9}" presName="cycle" presStyleCnt="0"/>
@@ -1122,10 +1877,24 @@
         </dgm:presLayoutVars>
       </dgm:prSet>
       <dgm:spPr/>
+      <dgm:t>
+        <a:bodyPr/>
+        <a:lstStyle/>
+        <a:p>
+          <a:endParaRPr lang="es-AR"/>
+        </a:p>
+      </dgm:t>
     </dgm:pt>
     <dgm:pt modelId="{D135B4C1-1E5C-49B2-AAA3-B3074EAA9D6B}" type="pres">
       <dgm:prSet presAssocID="{E078CA96-0C8D-4BC6-B911-F8897328A0D4}" presName="sibTransFirstNode" presStyleLbl="bgShp" presStyleIdx="0" presStyleCnt="1"/>
       <dgm:spPr/>
+      <dgm:t>
+        <a:bodyPr/>
+        <a:lstStyle/>
+        <a:p>
+          <a:endParaRPr lang="es-AR"/>
+        </a:p>
+      </dgm:t>
     </dgm:pt>
     <dgm:pt modelId="{00667C22-6DC5-4726-ABA7-88A752D8A330}" type="pres">
       <dgm:prSet presAssocID="{2129D80B-AB8F-4749-B7CB-E511A037D934}" presName="nodeFollowingNodes" presStyleLbl="node1" presStyleIdx="1" presStyleCnt="6" custScaleX="115148" custRadScaleRad="87231" custRadScaleInc="-1587">
@@ -1164,6 +1933,13 @@
         </dgm:presLayoutVars>
       </dgm:prSet>
       <dgm:spPr/>
+      <dgm:t>
+        <a:bodyPr/>
+        <a:lstStyle/>
+        <a:p>
+          <a:endParaRPr lang="es-AR"/>
+        </a:p>
+      </dgm:t>
     </dgm:pt>
     <dgm:pt modelId="{F06619E9-E542-439D-B65D-1F35F8A24176}" type="pres">
       <dgm:prSet presAssocID="{496AF658-39D4-49E9-B4C6-C5E1A7F906E2}" presName="nodeFollowingNodes" presStyleLbl="node1" presStyleIdx="4" presStyleCnt="6" custScaleX="103259" custRadScaleRad="92278" custRadScaleInc="24808">
@@ -1172,6 +1948,13 @@
         </dgm:presLayoutVars>
       </dgm:prSet>
       <dgm:spPr/>
+      <dgm:t>
+        <a:bodyPr/>
+        <a:lstStyle/>
+        <a:p>
+          <a:endParaRPr lang="es-AR"/>
+        </a:p>
+      </dgm:t>
     </dgm:pt>
     <dgm:pt modelId="{21AA7386-08C3-4983-95AB-E7406219D63A}" type="pres">
       <dgm:prSet presAssocID="{BFCCEEBB-4893-446F-BB29-FCDB0B6960A8}" presName="nodeFollowingNodes" presStyleLbl="node1" presStyleIdx="5" presStyleCnt="6" custRadScaleRad="95157" custRadScaleInc="-3870">
@@ -1190,20 +1973,20 @@
     </dgm:pt>
   </dgm:ptLst>
   <dgm:cxnLst>
+    <dgm:cxn modelId="{62378A94-D51D-4A8F-ACE5-FCD2C813DE41}" type="presOf" srcId="{B1CFF551-31DB-4633-8730-C4B9AD276844}" destId="{A868DF88-F49F-469C-A5F5-CB103CD7200B}" srcOrd="0" destOrd="0" presId="urn:microsoft.com/office/officeart/2005/8/layout/cycle3"/>
+    <dgm:cxn modelId="{E0331584-EBAE-4978-81E2-0C51C4737ED3}" type="presOf" srcId="{2129D80B-AB8F-4749-B7CB-E511A037D934}" destId="{00667C22-6DC5-4726-ABA7-88A752D8A330}" srcOrd="0" destOrd="0" presId="urn:microsoft.com/office/officeart/2005/8/layout/cycle3"/>
+    <dgm:cxn modelId="{B0AFABD0-7F8D-4892-A8F7-4D733394DFAD}" srcId="{42BD14C9-541D-4029-AAD3-2EF0AA4FCEE9}" destId="{2129D80B-AB8F-4749-B7CB-E511A037D934}" srcOrd="1" destOrd="0" parTransId="{5AF88867-AB30-440D-BE88-8ADB33C72FE0}" sibTransId="{DA3BC53C-73E5-411D-82E7-C7304C2EA124}"/>
+    <dgm:cxn modelId="{89F8FE68-F520-4482-97AF-7B011B68B930}" srcId="{42BD14C9-541D-4029-AAD3-2EF0AA4FCEE9}" destId="{B1CFF551-31DB-4633-8730-C4B9AD276844}" srcOrd="0" destOrd="0" parTransId="{14B701B3-BD33-4607-9FC3-C9DA7F51E05B}" sibTransId="{E078CA96-0C8D-4BC6-B911-F8897328A0D4}"/>
+    <dgm:cxn modelId="{998F4658-7533-462F-847D-9924E9FC5DEA}" srcId="{42BD14C9-541D-4029-AAD3-2EF0AA4FCEE9}" destId="{496AF658-39D4-49E9-B4C6-C5E1A7F906E2}" srcOrd="4" destOrd="0" parTransId="{C058DA5C-3405-44F2-9E99-5D72E06C31E9}" sibTransId="{61E28973-FB16-4591-A84C-2ECEAB61DFC9}"/>
     <dgm:cxn modelId="{6648CF25-5169-4DE9-BDFB-ABF44AF44DE8}" type="presOf" srcId="{56546301-EAB5-439A-8202-DEBBCB797DC6}" destId="{D26F8E52-27D9-4E93-A8D9-46CFF9466A65}" srcOrd="0" destOrd="0" presId="urn:microsoft.com/office/officeart/2005/8/layout/cycle3"/>
     <dgm:cxn modelId="{F2F34F5E-B4BF-4E08-9E1B-45D6952864AF}" srcId="{42BD14C9-541D-4029-AAD3-2EF0AA4FCEE9}" destId="{56546301-EAB5-439A-8202-DEBBCB797DC6}" srcOrd="2" destOrd="0" parTransId="{83292165-F6F2-43D1-9C74-D8AB8048B6D5}" sibTransId="{E3468A60-9726-4AAD-98B4-C635EF49A48B}"/>
     <dgm:cxn modelId="{D2A1FADB-AF76-4733-B3DC-9255DAD7FEF3}" type="presOf" srcId="{496AF658-39D4-49E9-B4C6-C5E1A7F906E2}" destId="{F06619E9-E542-439D-B65D-1F35F8A24176}" srcOrd="0" destOrd="0" presId="urn:microsoft.com/office/officeart/2005/8/layout/cycle3"/>
-    <dgm:cxn modelId="{89F8FE68-F520-4482-97AF-7B011B68B930}" srcId="{42BD14C9-541D-4029-AAD3-2EF0AA4FCEE9}" destId="{B1CFF551-31DB-4633-8730-C4B9AD276844}" srcOrd="0" destOrd="0" parTransId="{14B701B3-BD33-4607-9FC3-C9DA7F51E05B}" sibTransId="{E078CA96-0C8D-4BC6-B911-F8897328A0D4}"/>
+    <dgm:cxn modelId="{8E5346C2-0F83-441F-B78B-BE09651ACB68}" srcId="{42BD14C9-541D-4029-AAD3-2EF0AA4FCEE9}" destId="{AA0E00CA-CA6E-4353-A284-570877CEB8C1}" srcOrd="3" destOrd="0" parTransId="{C65CAB3E-4A16-429A-B157-AE138B838E08}" sibTransId="{5072619A-07F3-4082-92C5-BBEDF9CBA2E7}"/>
     <dgm:cxn modelId="{4C0BF33D-1BC8-4E29-BC8F-0E609F96A0FA}" type="presOf" srcId="{AA0E00CA-CA6E-4353-A284-570877CEB8C1}" destId="{7517E12D-2E78-42FF-829C-19FEF96D7FA6}" srcOrd="0" destOrd="0" presId="urn:microsoft.com/office/officeart/2005/8/layout/cycle3"/>
-    <dgm:cxn modelId="{8E5346C2-0F83-441F-B78B-BE09651ACB68}" srcId="{42BD14C9-541D-4029-AAD3-2EF0AA4FCEE9}" destId="{AA0E00CA-CA6E-4353-A284-570877CEB8C1}" srcOrd="3" destOrd="0" parTransId="{C65CAB3E-4A16-429A-B157-AE138B838E08}" sibTransId="{5072619A-07F3-4082-92C5-BBEDF9CBA2E7}"/>
-    <dgm:cxn modelId="{62378A94-D51D-4A8F-ACE5-FCD2C813DE41}" type="presOf" srcId="{B1CFF551-31DB-4633-8730-C4B9AD276844}" destId="{A868DF88-F49F-469C-A5F5-CB103CD7200B}" srcOrd="0" destOrd="0" presId="urn:microsoft.com/office/officeart/2005/8/layout/cycle3"/>
-    <dgm:cxn modelId="{E0331584-EBAE-4978-81E2-0C51C4737ED3}" type="presOf" srcId="{2129D80B-AB8F-4749-B7CB-E511A037D934}" destId="{00667C22-6DC5-4726-ABA7-88A752D8A330}" srcOrd="0" destOrd="0" presId="urn:microsoft.com/office/officeart/2005/8/layout/cycle3"/>
+    <dgm:cxn modelId="{23E7DC9A-DEB5-4705-985B-09BA6D4F8F79}" srcId="{42BD14C9-541D-4029-AAD3-2EF0AA4FCEE9}" destId="{BFCCEEBB-4893-446F-BB29-FCDB0B6960A8}" srcOrd="5" destOrd="0" parTransId="{3813F8A6-7A47-4D82-908E-184396A7C160}" sibTransId="{7F5E6678-4970-4236-ACD9-50EA4C21ABAD}"/>
     <dgm:cxn modelId="{2B7E8767-3A09-495A-8864-FBD682008099}" type="presOf" srcId="{BFCCEEBB-4893-446F-BB29-FCDB0B6960A8}" destId="{21AA7386-08C3-4983-95AB-E7406219D63A}" srcOrd="0" destOrd="0" presId="urn:microsoft.com/office/officeart/2005/8/layout/cycle3"/>
+    <dgm:cxn modelId="{8BCD5635-996C-4030-B03F-360822AC4D2A}" type="presOf" srcId="{42BD14C9-541D-4029-AAD3-2EF0AA4FCEE9}" destId="{0E9CCF2B-72D0-4B44-B1D8-99F4E58F7F12}" srcOrd="0" destOrd="0" presId="urn:microsoft.com/office/officeart/2005/8/layout/cycle3"/>
     <dgm:cxn modelId="{3BF3DE6B-4CFD-4D71-BBD0-01714DD3D4AE}" type="presOf" srcId="{E078CA96-0C8D-4BC6-B911-F8897328A0D4}" destId="{D135B4C1-1E5C-49B2-AAA3-B3074EAA9D6B}" srcOrd="0" destOrd="0" presId="urn:microsoft.com/office/officeart/2005/8/layout/cycle3"/>
-    <dgm:cxn modelId="{8BCD5635-996C-4030-B03F-360822AC4D2A}" type="presOf" srcId="{42BD14C9-541D-4029-AAD3-2EF0AA4FCEE9}" destId="{0E9CCF2B-72D0-4B44-B1D8-99F4E58F7F12}" srcOrd="0" destOrd="0" presId="urn:microsoft.com/office/officeart/2005/8/layout/cycle3"/>
-    <dgm:cxn modelId="{23E7DC9A-DEB5-4705-985B-09BA6D4F8F79}" srcId="{42BD14C9-541D-4029-AAD3-2EF0AA4FCEE9}" destId="{BFCCEEBB-4893-446F-BB29-FCDB0B6960A8}" srcOrd="5" destOrd="0" parTransId="{3813F8A6-7A47-4D82-908E-184396A7C160}" sibTransId="{7F5E6678-4970-4236-ACD9-50EA4C21ABAD}"/>
-    <dgm:cxn modelId="{998F4658-7533-462F-847D-9924E9FC5DEA}" srcId="{42BD14C9-541D-4029-AAD3-2EF0AA4FCEE9}" destId="{496AF658-39D4-49E9-B4C6-C5E1A7F906E2}" srcOrd="4" destOrd="0" parTransId="{C058DA5C-3405-44F2-9E99-5D72E06C31E9}" sibTransId="{61E28973-FB16-4591-A84C-2ECEAB61DFC9}"/>
-    <dgm:cxn modelId="{B0AFABD0-7F8D-4892-A8F7-4D733394DFAD}" srcId="{42BD14C9-541D-4029-AAD3-2EF0AA4FCEE9}" destId="{2129D80B-AB8F-4749-B7CB-E511A037D934}" srcOrd="1" destOrd="0" parTransId="{5AF88867-AB30-440D-BE88-8ADB33C72FE0}" sibTransId="{DA3BC53C-73E5-411D-82E7-C7304C2EA124}"/>
     <dgm:cxn modelId="{B9A72798-6EB7-458A-B2C5-3CBE971530A7}" type="presParOf" srcId="{0E9CCF2B-72D0-4B44-B1D8-99F4E58F7F12}" destId="{781DE9F1-14B3-490E-9184-FD5B8B374833}" srcOrd="0" destOrd="0" presId="urn:microsoft.com/office/officeart/2005/8/layout/cycle3"/>
     <dgm:cxn modelId="{5597BB05-51E6-4EC8-AF10-B293CE525E38}" type="presParOf" srcId="{781DE9F1-14B3-490E-9184-FD5B8B374833}" destId="{A868DF88-F49F-469C-A5F5-CB103CD7200B}" srcOrd="0" destOrd="0" presId="urn:microsoft.com/office/officeart/2005/8/layout/cycle3"/>
     <dgm:cxn modelId="{D6609608-9F6A-4486-A413-6DD342A93633}" type="presParOf" srcId="{781DE9F1-14B3-490E-9184-FD5B8B374833}" destId="{D135B4C1-1E5C-49B2-AAA3-B3074EAA9D6B}" srcOrd="1" destOrd="0" presId="urn:microsoft.com/office/officeart/2005/8/layout/cycle3"/>
@@ -1218,6 +2001,509 @@
   <dgm:extLst>
     <a:ext uri="http://schemas.microsoft.com/office/drawing/2008/diagram">
       <dsp:dataModelExt xmlns:dsp="http://schemas.microsoft.com/office/drawing/2008/diagram" xmlns="" relId="rId9" minVer="http://schemas.openxmlformats.org/drawingml/2006/diagram"/>
+    </a:ext>
+  </dgm:extLst>
+</dgm:dataModel>
+</file>
+
+<file path=ppt/diagrams/data2.xml><?xml version="1.0" encoding="utf-8"?>
+<dgm:dataModel xmlns:dgm="http://schemas.openxmlformats.org/drawingml/2006/diagram" xmlns:a="http://schemas.openxmlformats.org/drawingml/2006/main">
+  <dgm:ptLst>
+    <dgm:pt modelId="{07B901D8-7A81-405E-81BF-8427788E9310}" type="doc">
+      <dgm:prSet loTypeId="urn:microsoft.com/office/officeart/2005/8/layout/radial6" loCatId="cycle" qsTypeId="urn:microsoft.com/office/officeart/2005/8/quickstyle/3d1" qsCatId="3D" csTypeId="urn:microsoft.com/office/officeart/2005/8/colors/accent3_2" csCatId="accent3" phldr="1"/>
+      <dgm:spPr/>
+      <dgm:t>
+        <a:bodyPr/>
+        <a:lstStyle/>
+        <a:p>
+          <a:endParaRPr lang="es-AR"/>
+        </a:p>
+      </dgm:t>
+    </dgm:pt>
+    <dgm:pt modelId="{89EB7156-40A5-4C9E-9EA3-02C101ECD302}">
+      <dgm:prSet phldrT="[Text]" custT="1"/>
+      <dgm:spPr>
+        <a:solidFill>
+          <a:srgbClr val="C00000"/>
+        </a:solidFill>
+      </dgm:spPr>
+      <dgm:t>
+        <a:bodyPr/>
+        <a:lstStyle/>
+        <a:p>
+          <a:r>
+            <a:rPr lang="es-AR" sz="2400" b="1" i="0" u="sng" dirty="0" smtClean="0"/>
+            <a:t>Contexto</a:t>
+          </a:r>
+          <a:endParaRPr lang="es-AR" sz="2400" b="1" i="0" u="sng" dirty="0"/>
+        </a:p>
+      </dgm:t>
+    </dgm:pt>
+    <dgm:pt modelId="{68680278-B232-42BF-942F-991F19DF42E8}" type="parTrans" cxnId="{F65C45A0-44F9-4EC9-A648-707957B319EA}">
+      <dgm:prSet/>
+      <dgm:spPr/>
+      <dgm:t>
+        <a:bodyPr/>
+        <a:lstStyle/>
+        <a:p>
+          <a:endParaRPr lang="es-AR" sz="1400" b="1"/>
+        </a:p>
+      </dgm:t>
+    </dgm:pt>
+    <dgm:pt modelId="{4BEBA9EC-A2CD-4A84-AD05-233271FDE687}" type="sibTrans" cxnId="{F65C45A0-44F9-4EC9-A648-707957B319EA}">
+      <dgm:prSet/>
+      <dgm:spPr/>
+      <dgm:t>
+        <a:bodyPr/>
+        <a:lstStyle/>
+        <a:p>
+          <a:endParaRPr lang="es-AR" sz="1400" b="1"/>
+        </a:p>
+      </dgm:t>
+    </dgm:pt>
+    <dgm:pt modelId="{E9E7C3E7-FE75-4378-90DC-BFBC658F2B50}">
+      <dgm:prSet phldrT="[Text]" custT="1"/>
+      <dgm:spPr/>
+      <dgm:t>
+        <a:bodyPr/>
+        <a:lstStyle/>
+        <a:p>
+          <a:r>
+            <a:rPr lang="es-AR" sz="1400" b="1" dirty="0" smtClean="0">
+              <a:solidFill>
+                <a:schemeClr val="tx1"/>
+              </a:solidFill>
+            </a:rPr>
+            <a:t>Falta de seguimiento</a:t>
+          </a:r>
+          <a:endParaRPr lang="es-AR" sz="1400" b="1" dirty="0">
+            <a:solidFill>
+              <a:schemeClr val="tx1"/>
+            </a:solidFill>
+          </a:endParaRPr>
+        </a:p>
+      </dgm:t>
+    </dgm:pt>
+    <dgm:pt modelId="{B8734283-1391-4CB2-9DA3-78F0EA8EEC54}" type="parTrans" cxnId="{C9F8B27F-EE00-4A95-8B1B-B85A71AB16DE}">
+      <dgm:prSet/>
+      <dgm:spPr/>
+      <dgm:t>
+        <a:bodyPr/>
+        <a:lstStyle/>
+        <a:p>
+          <a:endParaRPr lang="es-AR" sz="1400" b="1"/>
+        </a:p>
+      </dgm:t>
+    </dgm:pt>
+    <dgm:pt modelId="{A9A6DFB1-3987-42F2-9BE6-AA8C9E980FA3}" type="sibTrans" cxnId="{C9F8B27F-EE00-4A95-8B1B-B85A71AB16DE}">
+      <dgm:prSet/>
+      <dgm:spPr/>
+      <dgm:t>
+        <a:bodyPr/>
+        <a:lstStyle/>
+        <a:p>
+          <a:endParaRPr lang="es-AR" sz="1400" b="1"/>
+        </a:p>
+      </dgm:t>
+    </dgm:pt>
+    <dgm:pt modelId="{6B30FA61-997B-4DC8-80A2-B3C8CB4A2F03}">
+      <dgm:prSet phldrT="[Text]" custT="1"/>
+      <dgm:spPr/>
+      <dgm:t>
+        <a:bodyPr/>
+        <a:lstStyle/>
+        <a:p>
+          <a:r>
+            <a:rPr lang="es-AR" sz="1400" b="1" dirty="0" smtClean="0">
+              <a:solidFill>
+                <a:schemeClr val="tx1"/>
+              </a:solidFill>
+            </a:rPr>
+            <a:t>Falta de sanción</a:t>
+          </a:r>
+          <a:endParaRPr lang="es-AR" sz="1400" b="1" dirty="0">
+            <a:solidFill>
+              <a:schemeClr val="tx1"/>
+            </a:solidFill>
+          </a:endParaRPr>
+        </a:p>
+      </dgm:t>
+    </dgm:pt>
+    <dgm:pt modelId="{6FA47CCC-F242-4EB1-9132-3B3B67CB4C44}" type="parTrans" cxnId="{32706A55-FD15-4951-90D4-D16B79117AD2}">
+      <dgm:prSet/>
+      <dgm:spPr/>
+      <dgm:t>
+        <a:bodyPr/>
+        <a:lstStyle/>
+        <a:p>
+          <a:endParaRPr lang="es-AR" sz="1400" b="1"/>
+        </a:p>
+      </dgm:t>
+    </dgm:pt>
+    <dgm:pt modelId="{B06A0FF7-98AE-4786-9BFA-C6F470284CA5}" type="sibTrans" cxnId="{32706A55-FD15-4951-90D4-D16B79117AD2}">
+      <dgm:prSet/>
+      <dgm:spPr/>
+      <dgm:t>
+        <a:bodyPr/>
+        <a:lstStyle/>
+        <a:p>
+          <a:endParaRPr lang="es-AR" sz="1400" b="1"/>
+        </a:p>
+      </dgm:t>
+    </dgm:pt>
+    <dgm:pt modelId="{12A68E62-30B2-408D-8EA9-827140EB2A2A}">
+      <dgm:prSet phldrT="[Text]" custT="1"/>
+      <dgm:spPr/>
+      <dgm:t>
+        <a:bodyPr/>
+        <a:lstStyle/>
+        <a:p>
+          <a:r>
+            <a:rPr lang="es-AR" sz="1400" b="1" dirty="0" smtClean="0">
+              <a:solidFill>
+                <a:schemeClr val="tx1"/>
+              </a:solidFill>
+            </a:rPr>
+            <a:t>Tránsito complejo</a:t>
+          </a:r>
+          <a:endParaRPr lang="es-AR" sz="1400" b="1" dirty="0">
+            <a:solidFill>
+              <a:schemeClr val="tx1"/>
+            </a:solidFill>
+          </a:endParaRPr>
+        </a:p>
+      </dgm:t>
+    </dgm:pt>
+    <dgm:pt modelId="{BCBFF10E-9B3B-44CB-8B2C-59E0E74363B7}" type="parTrans" cxnId="{3C110BB6-9E4A-4DEA-8E2E-1383E0C7FCB5}">
+      <dgm:prSet/>
+      <dgm:spPr/>
+      <dgm:t>
+        <a:bodyPr/>
+        <a:lstStyle/>
+        <a:p>
+          <a:endParaRPr lang="es-AR" sz="1400" b="1"/>
+        </a:p>
+      </dgm:t>
+    </dgm:pt>
+    <dgm:pt modelId="{C7CA7406-1C84-4A8D-8510-C3511223AB25}" type="sibTrans" cxnId="{3C110BB6-9E4A-4DEA-8E2E-1383E0C7FCB5}">
+      <dgm:prSet/>
+      <dgm:spPr/>
+      <dgm:t>
+        <a:bodyPr/>
+        <a:lstStyle/>
+        <a:p>
+          <a:endParaRPr lang="es-AR" sz="1400" b="1"/>
+        </a:p>
+      </dgm:t>
+    </dgm:pt>
+    <dgm:pt modelId="{0714527D-DF6C-4847-B605-418D4FDA60BC}">
+      <dgm:prSet phldrT="[Text]" custT="1"/>
+      <dgm:spPr/>
+      <dgm:t>
+        <a:bodyPr/>
+        <a:lstStyle/>
+        <a:p>
+          <a:r>
+            <a:rPr lang="es-AR" sz="1400" b="1" dirty="0" smtClean="0">
+              <a:solidFill>
+                <a:schemeClr val="tx1"/>
+              </a:solidFill>
+            </a:rPr>
+            <a:t>Cambio cultural necesario</a:t>
+          </a:r>
+          <a:endParaRPr lang="es-AR" sz="1400" b="1" dirty="0">
+            <a:solidFill>
+              <a:schemeClr val="tx1"/>
+            </a:solidFill>
+          </a:endParaRPr>
+        </a:p>
+      </dgm:t>
+    </dgm:pt>
+    <dgm:pt modelId="{B64DAE82-A659-4142-949C-26BC393D501A}" type="parTrans" cxnId="{A948B7C0-AD7F-4BDC-99B4-DF07F59DAF3F}">
+      <dgm:prSet/>
+      <dgm:spPr/>
+      <dgm:t>
+        <a:bodyPr/>
+        <a:lstStyle/>
+        <a:p>
+          <a:endParaRPr lang="es-AR" sz="1400" b="1"/>
+        </a:p>
+      </dgm:t>
+    </dgm:pt>
+    <dgm:pt modelId="{9CF05207-7583-465F-9807-721B3366F2DD}" type="sibTrans" cxnId="{A948B7C0-AD7F-4BDC-99B4-DF07F59DAF3F}">
+      <dgm:prSet/>
+      <dgm:spPr/>
+      <dgm:t>
+        <a:bodyPr/>
+        <a:lstStyle/>
+        <a:p>
+          <a:endParaRPr lang="es-AR" sz="1400" b="1"/>
+        </a:p>
+      </dgm:t>
+    </dgm:pt>
+    <dgm:pt modelId="{F96E4C07-1D0D-4A2F-9A09-B81C8197C6F1}">
+      <dgm:prSet phldrT="[Text]" custT="1"/>
+      <dgm:spPr/>
+      <dgm:t>
+        <a:bodyPr/>
+        <a:lstStyle/>
+        <a:p>
+          <a:r>
+            <a:rPr lang="es-AR" sz="1400" b="1" dirty="0" smtClean="0">
+              <a:solidFill>
+                <a:schemeClr val="tx1"/>
+              </a:solidFill>
+            </a:rPr>
+            <a:t>Falta de orden</a:t>
+          </a:r>
+          <a:endParaRPr lang="es-AR" sz="1400" b="1" dirty="0">
+            <a:solidFill>
+              <a:schemeClr val="tx1"/>
+            </a:solidFill>
+          </a:endParaRPr>
+        </a:p>
+      </dgm:t>
+    </dgm:pt>
+    <dgm:pt modelId="{BA8A49B8-C3EE-42F4-A40A-2CE1B214D641}" type="parTrans" cxnId="{E2865BB1-6FB7-4474-ADA0-D3CC72908D4D}">
+      <dgm:prSet/>
+      <dgm:spPr/>
+      <dgm:t>
+        <a:bodyPr/>
+        <a:lstStyle/>
+        <a:p>
+          <a:endParaRPr lang="es-AR" sz="1400" b="1"/>
+        </a:p>
+      </dgm:t>
+    </dgm:pt>
+    <dgm:pt modelId="{80BC4035-3E49-4F20-8DF5-D00ECBBFBCF2}" type="sibTrans" cxnId="{E2865BB1-6FB7-4474-ADA0-D3CC72908D4D}">
+      <dgm:prSet/>
+      <dgm:spPr/>
+      <dgm:t>
+        <a:bodyPr/>
+        <a:lstStyle/>
+        <a:p>
+          <a:endParaRPr lang="es-AR" sz="1400" b="1"/>
+        </a:p>
+      </dgm:t>
+    </dgm:pt>
+    <dgm:pt modelId="{E5F447BB-5AA2-4BC5-8F04-D4BCD0148317}">
+      <dgm:prSet phldrT="[Text]" custT="1"/>
+      <dgm:spPr/>
+      <dgm:t>
+        <a:bodyPr/>
+        <a:lstStyle/>
+        <a:p>
+          <a:r>
+            <a:rPr lang="es-AR" sz="1400" b="1" dirty="0" smtClean="0">
+              <a:solidFill>
+                <a:schemeClr val="tx1"/>
+              </a:solidFill>
+            </a:rPr>
+            <a:t>Falta de incentivo</a:t>
+          </a:r>
+          <a:endParaRPr lang="es-AR" sz="1400" b="1" dirty="0">
+            <a:solidFill>
+              <a:schemeClr val="tx1"/>
+            </a:solidFill>
+          </a:endParaRPr>
+        </a:p>
+      </dgm:t>
+    </dgm:pt>
+    <dgm:pt modelId="{074FE89B-878A-49C4-BB1A-B86C82556A30}" type="parTrans" cxnId="{D772FB57-4346-4B49-BFD3-62EFCBF8B08B}">
+      <dgm:prSet/>
+      <dgm:spPr/>
+      <dgm:t>
+        <a:bodyPr/>
+        <a:lstStyle/>
+        <a:p>
+          <a:endParaRPr lang="es-AR" sz="1400" b="1"/>
+        </a:p>
+      </dgm:t>
+    </dgm:pt>
+    <dgm:pt modelId="{E875044B-6FA7-4BF2-80E6-8B6188CECD3D}" type="sibTrans" cxnId="{D772FB57-4346-4B49-BFD3-62EFCBF8B08B}">
+      <dgm:prSet/>
+      <dgm:spPr/>
+      <dgm:t>
+        <a:bodyPr/>
+        <a:lstStyle/>
+        <a:p>
+          <a:endParaRPr lang="es-AR" sz="1400" b="1"/>
+        </a:p>
+      </dgm:t>
+    </dgm:pt>
+    <dgm:pt modelId="{A13B76F0-E006-4199-8983-A2044FA18C07}" type="pres">
+      <dgm:prSet presAssocID="{07B901D8-7A81-405E-81BF-8427788E9310}" presName="Name0" presStyleCnt="0">
+        <dgm:presLayoutVars>
+          <dgm:chMax val="1"/>
+          <dgm:dir/>
+          <dgm:animLvl val="ctr"/>
+          <dgm:resizeHandles val="exact"/>
+        </dgm:presLayoutVars>
+      </dgm:prSet>
+      <dgm:spPr/>
+    </dgm:pt>
+    <dgm:pt modelId="{8164FD6E-02ED-489F-980A-357A2D5FB2FD}" type="pres">
+      <dgm:prSet presAssocID="{89EB7156-40A5-4C9E-9EA3-02C101ECD302}" presName="centerShape" presStyleLbl="node0" presStyleIdx="0" presStyleCnt="1" custScaleX="141209" custScaleY="141209"/>
+      <dgm:spPr/>
+    </dgm:pt>
+    <dgm:pt modelId="{BA71BB88-5E01-43E5-9AAB-4E808AA17CD1}" type="pres">
+      <dgm:prSet presAssocID="{E9E7C3E7-FE75-4378-90DC-BFBC658F2B50}" presName="node" presStyleLbl="node1" presStyleIdx="0" presStyleCnt="6" custScaleX="122595" custScaleY="122595" custRadScaleRad="122059" custRadScaleInc="174573">
+        <dgm:presLayoutVars>
+          <dgm:bulletEnabled val="1"/>
+        </dgm:presLayoutVars>
+      </dgm:prSet>
+      <dgm:spPr/>
+    </dgm:pt>
+    <dgm:pt modelId="{2C6423EF-8342-448D-989F-44EB07330CD3}" type="pres">
+      <dgm:prSet presAssocID="{E9E7C3E7-FE75-4378-90DC-BFBC658F2B50}" presName="dummy" presStyleCnt="0"/>
+      <dgm:spPr/>
+    </dgm:pt>
+    <dgm:pt modelId="{DF56CE50-A4D4-4681-89B7-80D6CFD67B3B}" type="pres">
+      <dgm:prSet presAssocID="{A9A6DFB1-3987-42F2-9BE6-AA8C9E980FA3}" presName="sibTrans" presStyleLbl="sibTrans2D1" presStyleIdx="0" presStyleCnt="6"/>
+      <dgm:spPr/>
+    </dgm:pt>
+    <dgm:pt modelId="{882611AB-940C-4B3F-9C4C-28D546E0E109}" type="pres">
+      <dgm:prSet presAssocID="{6B30FA61-997B-4DC8-80A2-B3C8CB4A2F03}" presName="node" presStyleLbl="node1" presStyleIdx="1" presStyleCnt="6" custScaleX="120275" custScaleY="120275" custRadScaleRad="124649" custRadScaleInc="130750">
+        <dgm:presLayoutVars>
+          <dgm:bulletEnabled val="1"/>
+        </dgm:presLayoutVars>
+      </dgm:prSet>
+      <dgm:spPr/>
+    </dgm:pt>
+    <dgm:pt modelId="{DD4176B6-2FCA-4697-A4D9-BEC4A3776D06}" type="pres">
+      <dgm:prSet presAssocID="{6B30FA61-997B-4DC8-80A2-B3C8CB4A2F03}" presName="dummy" presStyleCnt="0"/>
+      <dgm:spPr/>
+    </dgm:pt>
+    <dgm:pt modelId="{3424B32F-8C14-4B30-AA42-DD1B5FAE1DC0}" type="pres">
+      <dgm:prSet presAssocID="{B06A0FF7-98AE-4786-9BFA-C6F470284CA5}" presName="sibTrans" presStyleLbl="sibTrans2D1" presStyleIdx="1" presStyleCnt="6"/>
+      <dgm:spPr/>
+    </dgm:pt>
+    <dgm:pt modelId="{D1F6BD9A-608E-480A-9023-BA76B351B99D}" type="pres">
+      <dgm:prSet presAssocID="{E5F447BB-5AA2-4BC5-8F04-D4BCD0148317}" presName="node" presStyleLbl="node1" presStyleIdx="2" presStyleCnt="6" custScaleX="119397" custScaleY="119397" custRadScaleRad="113380" custRadScaleInc="109812">
+        <dgm:presLayoutVars>
+          <dgm:bulletEnabled val="1"/>
+        </dgm:presLayoutVars>
+      </dgm:prSet>
+      <dgm:spPr/>
+    </dgm:pt>
+    <dgm:pt modelId="{72C152D0-2A52-49B5-B9EC-36170AF23ACC}" type="pres">
+      <dgm:prSet presAssocID="{E5F447BB-5AA2-4BC5-8F04-D4BCD0148317}" presName="dummy" presStyleCnt="0"/>
+      <dgm:spPr/>
+    </dgm:pt>
+    <dgm:pt modelId="{461F0BC7-44EC-4631-827D-46D67A021C64}" type="pres">
+      <dgm:prSet presAssocID="{E875044B-6FA7-4BF2-80E6-8B6188CECD3D}" presName="sibTrans" presStyleLbl="sibTrans2D1" presStyleIdx="2" presStyleCnt="6"/>
+      <dgm:spPr/>
+    </dgm:pt>
+    <dgm:pt modelId="{8021DE91-D5AA-470F-AE9D-D412B1946DD0}" type="pres">
+      <dgm:prSet presAssocID="{12A68E62-30B2-408D-8EA9-827140EB2A2A}" presName="node" presStyleLbl="node1" presStyleIdx="3" presStyleCnt="6" custScaleX="120096" custScaleY="120096" custRadScaleRad="116784" custRadScaleInc="200605">
+        <dgm:presLayoutVars>
+          <dgm:bulletEnabled val="1"/>
+        </dgm:presLayoutVars>
+      </dgm:prSet>
+      <dgm:spPr/>
+      <dgm:t>
+        <a:bodyPr/>
+        <a:lstStyle/>
+        <a:p>
+          <a:endParaRPr lang="es-AR"/>
+        </a:p>
+      </dgm:t>
+    </dgm:pt>
+    <dgm:pt modelId="{0E868817-6B0B-4360-B561-4401833FA86F}" type="pres">
+      <dgm:prSet presAssocID="{12A68E62-30B2-408D-8EA9-827140EB2A2A}" presName="dummy" presStyleCnt="0"/>
+      <dgm:spPr/>
+    </dgm:pt>
+    <dgm:pt modelId="{5CD37D63-0503-4AA7-BAC0-DB1E356D6249}" type="pres">
+      <dgm:prSet presAssocID="{C7CA7406-1C84-4A8D-8510-C3511223AB25}" presName="sibTrans" presStyleLbl="sibTrans2D1" presStyleIdx="3" presStyleCnt="6"/>
+      <dgm:spPr/>
+    </dgm:pt>
+    <dgm:pt modelId="{7EEA23B7-2C55-467E-BEBF-8EB10682F77A}" type="pres">
+      <dgm:prSet presAssocID="{0714527D-DF6C-4847-B605-418D4FDA60BC}" presName="node" presStyleLbl="node1" presStyleIdx="4" presStyleCnt="6" custScaleX="122873" custScaleY="122873" custRadScaleRad="118714" custRadScaleInc="170215">
+        <dgm:presLayoutVars>
+          <dgm:bulletEnabled val="1"/>
+        </dgm:presLayoutVars>
+      </dgm:prSet>
+      <dgm:spPr/>
+      <dgm:t>
+        <a:bodyPr/>
+        <a:lstStyle/>
+        <a:p>
+          <a:endParaRPr lang="es-AR"/>
+        </a:p>
+      </dgm:t>
+    </dgm:pt>
+    <dgm:pt modelId="{7E3A779F-4364-481A-A4D3-CD75268952A0}" type="pres">
+      <dgm:prSet presAssocID="{0714527D-DF6C-4847-B605-418D4FDA60BC}" presName="dummy" presStyleCnt="0"/>
+      <dgm:spPr/>
+    </dgm:pt>
+    <dgm:pt modelId="{46BA042B-5742-45E1-B7D3-0DD4B24FA43D}" type="pres">
+      <dgm:prSet presAssocID="{9CF05207-7583-465F-9807-721B3366F2DD}" presName="sibTrans" presStyleLbl="sibTrans2D1" presStyleIdx="4" presStyleCnt="6"/>
+      <dgm:spPr/>
+    </dgm:pt>
+    <dgm:pt modelId="{E9305E95-DA6B-4A69-A9FA-EF364BB65629}" type="pres">
+      <dgm:prSet presAssocID="{F96E4C07-1D0D-4A2F-9A09-B81C8197C6F1}" presName="node" presStyleLbl="node1" presStyleIdx="5" presStyleCnt="6" custScaleX="117239" custScaleY="117239" custRadScaleRad="121302" custRadScaleInc="106599">
+        <dgm:presLayoutVars>
+          <dgm:bulletEnabled val="1"/>
+        </dgm:presLayoutVars>
+      </dgm:prSet>
+      <dgm:spPr/>
+    </dgm:pt>
+    <dgm:pt modelId="{C396B630-069C-4617-BB80-7D030641F670}" type="pres">
+      <dgm:prSet presAssocID="{F96E4C07-1D0D-4A2F-9A09-B81C8197C6F1}" presName="dummy" presStyleCnt="0"/>
+      <dgm:spPr/>
+    </dgm:pt>
+    <dgm:pt modelId="{43978237-5057-46F3-813F-C0BB2A75BD3E}" type="pres">
+      <dgm:prSet presAssocID="{80BC4035-3E49-4F20-8DF5-D00ECBBFBCF2}" presName="sibTrans" presStyleLbl="sibTrans2D1" presStyleIdx="5" presStyleCnt="6"/>
+      <dgm:spPr/>
+    </dgm:pt>
+  </dgm:ptLst>
+  <dgm:cxnLst>
+    <dgm:cxn modelId="{3C110BB6-9E4A-4DEA-8E2E-1383E0C7FCB5}" srcId="{89EB7156-40A5-4C9E-9EA3-02C101ECD302}" destId="{12A68E62-30B2-408D-8EA9-827140EB2A2A}" srcOrd="3" destOrd="0" parTransId="{BCBFF10E-9B3B-44CB-8B2C-59E0E74363B7}" sibTransId="{C7CA7406-1C84-4A8D-8510-C3511223AB25}"/>
+    <dgm:cxn modelId="{F65C45A0-44F9-4EC9-A648-707957B319EA}" srcId="{07B901D8-7A81-405E-81BF-8427788E9310}" destId="{89EB7156-40A5-4C9E-9EA3-02C101ECD302}" srcOrd="0" destOrd="0" parTransId="{68680278-B232-42BF-942F-991F19DF42E8}" sibTransId="{4BEBA9EC-A2CD-4A84-AD05-233271FDE687}"/>
+    <dgm:cxn modelId="{652A9578-CBCF-44DE-9D9B-7E1024D42471}" type="presOf" srcId="{0714527D-DF6C-4847-B605-418D4FDA60BC}" destId="{7EEA23B7-2C55-467E-BEBF-8EB10682F77A}" srcOrd="0" destOrd="0" presId="urn:microsoft.com/office/officeart/2005/8/layout/radial6"/>
+    <dgm:cxn modelId="{BE7AE49F-3F59-4270-B7DC-B5803FDECEBB}" type="presOf" srcId="{E9E7C3E7-FE75-4378-90DC-BFBC658F2B50}" destId="{BA71BB88-5E01-43E5-9AAB-4E808AA17CD1}" srcOrd="0" destOrd="0" presId="urn:microsoft.com/office/officeart/2005/8/layout/radial6"/>
+    <dgm:cxn modelId="{8516A3A0-3E48-4179-B40A-8C0C66292DD3}" type="presOf" srcId="{B06A0FF7-98AE-4786-9BFA-C6F470284CA5}" destId="{3424B32F-8C14-4B30-AA42-DD1B5FAE1DC0}" srcOrd="0" destOrd="0" presId="urn:microsoft.com/office/officeart/2005/8/layout/radial6"/>
+    <dgm:cxn modelId="{D772FB57-4346-4B49-BFD3-62EFCBF8B08B}" srcId="{89EB7156-40A5-4C9E-9EA3-02C101ECD302}" destId="{E5F447BB-5AA2-4BC5-8F04-D4BCD0148317}" srcOrd="2" destOrd="0" parTransId="{074FE89B-878A-49C4-BB1A-B86C82556A30}" sibTransId="{E875044B-6FA7-4BF2-80E6-8B6188CECD3D}"/>
+    <dgm:cxn modelId="{FB769B9F-AA58-4F45-93A4-B867D448873D}" type="presOf" srcId="{89EB7156-40A5-4C9E-9EA3-02C101ECD302}" destId="{8164FD6E-02ED-489F-980A-357A2D5FB2FD}" srcOrd="0" destOrd="0" presId="urn:microsoft.com/office/officeart/2005/8/layout/radial6"/>
+    <dgm:cxn modelId="{EB6E75CB-09AA-4F37-8C8B-0A167D565BF9}" type="presOf" srcId="{F96E4C07-1D0D-4A2F-9A09-B81C8197C6F1}" destId="{E9305E95-DA6B-4A69-A9FA-EF364BB65629}" srcOrd="0" destOrd="0" presId="urn:microsoft.com/office/officeart/2005/8/layout/radial6"/>
+    <dgm:cxn modelId="{76543381-D97C-4E32-9AEF-7B49275EE5A7}" type="presOf" srcId="{9CF05207-7583-465F-9807-721B3366F2DD}" destId="{46BA042B-5742-45E1-B7D3-0DD4B24FA43D}" srcOrd="0" destOrd="0" presId="urn:microsoft.com/office/officeart/2005/8/layout/radial6"/>
+    <dgm:cxn modelId="{3DE0A5A9-F4AC-4DD1-870B-FFF408A56283}" type="presOf" srcId="{6B30FA61-997B-4DC8-80A2-B3C8CB4A2F03}" destId="{882611AB-940C-4B3F-9C4C-28D546E0E109}" srcOrd="0" destOrd="0" presId="urn:microsoft.com/office/officeart/2005/8/layout/radial6"/>
+    <dgm:cxn modelId="{E2865BB1-6FB7-4474-ADA0-D3CC72908D4D}" srcId="{89EB7156-40A5-4C9E-9EA3-02C101ECD302}" destId="{F96E4C07-1D0D-4A2F-9A09-B81C8197C6F1}" srcOrd="5" destOrd="0" parTransId="{BA8A49B8-C3EE-42F4-A40A-2CE1B214D641}" sibTransId="{80BC4035-3E49-4F20-8DF5-D00ECBBFBCF2}"/>
+    <dgm:cxn modelId="{BD5B33DF-E06B-4AB0-8E3C-A8C7747C3352}" type="presOf" srcId="{A9A6DFB1-3987-42F2-9BE6-AA8C9E980FA3}" destId="{DF56CE50-A4D4-4681-89B7-80D6CFD67B3B}" srcOrd="0" destOrd="0" presId="urn:microsoft.com/office/officeart/2005/8/layout/radial6"/>
+    <dgm:cxn modelId="{32706A55-FD15-4951-90D4-D16B79117AD2}" srcId="{89EB7156-40A5-4C9E-9EA3-02C101ECD302}" destId="{6B30FA61-997B-4DC8-80A2-B3C8CB4A2F03}" srcOrd="1" destOrd="0" parTransId="{6FA47CCC-F242-4EB1-9132-3B3B67CB4C44}" sibTransId="{B06A0FF7-98AE-4786-9BFA-C6F470284CA5}"/>
+    <dgm:cxn modelId="{C3FD2139-4947-4BD3-85F6-93645B2DE475}" type="presOf" srcId="{07B901D8-7A81-405E-81BF-8427788E9310}" destId="{A13B76F0-E006-4199-8983-A2044FA18C07}" srcOrd="0" destOrd="0" presId="urn:microsoft.com/office/officeart/2005/8/layout/radial6"/>
+    <dgm:cxn modelId="{F5E2A425-02A5-45DC-95D0-50B9639EF263}" type="presOf" srcId="{E5F447BB-5AA2-4BC5-8F04-D4BCD0148317}" destId="{D1F6BD9A-608E-480A-9023-BA76B351B99D}" srcOrd="0" destOrd="0" presId="urn:microsoft.com/office/officeart/2005/8/layout/radial6"/>
+    <dgm:cxn modelId="{1E038018-6423-4D00-964A-E47A8B398FE9}" type="presOf" srcId="{12A68E62-30B2-408D-8EA9-827140EB2A2A}" destId="{8021DE91-D5AA-470F-AE9D-D412B1946DD0}" srcOrd="0" destOrd="0" presId="urn:microsoft.com/office/officeart/2005/8/layout/radial6"/>
+    <dgm:cxn modelId="{C9F8B27F-EE00-4A95-8B1B-B85A71AB16DE}" srcId="{89EB7156-40A5-4C9E-9EA3-02C101ECD302}" destId="{E9E7C3E7-FE75-4378-90DC-BFBC658F2B50}" srcOrd="0" destOrd="0" parTransId="{B8734283-1391-4CB2-9DA3-78F0EA8EEC54}" sibTransId="{A9A6DFB1-3987-42F2-9BE6-AA8C9E980FA3}"/>
+    <dgm:cxn modelId="{445FC168-58CE-4E3C-A19D-FA4D1EB4AE35}" type="presOf" srcId="{80BC4035-3E49-4F20-8DF5-D00ECBBFBCF2}" destId="{43978237-5057-46F3-813F-C0BB2A75BD3E}" srcOrd="0" destOrd="0" presId="urn:microsoft.com/office/officeart/2005/8/layout/radial6"/>
+    <dgm:cxn modelId="{A948B7C0-AD7F-4BDC-99B4-DF07F59DAF3F}" srcId="{89EB7156-40A5-4C9E-9EA3-02C101ECD302}" destId="{0714527D-DF6C-4847-B605-418D4FDA60BC}" srcOrd="4" destOrd="0" parTransId="{B64DAE82-A659-4142-949C-26BC393D501A}" sibTransId="{9CF05207-7583-465F-9807-721B3366F2DD}"/>
+    <dgm:cxn modelId="{DBF433F4-BB7D-4751-89B4-8FA0DBEDD168}" type="presOf" srcId="{C7CA7406-1C84-4A8D-8510-C3511223AB25}" destId="{5CD37D63-0503-4AA7-BAC0-DB1E356D6249}" srcOrd="0" destOrd="0" presId="urn:microsoft.com/office/officeart/2005/8/layout/radial6"/>
+    <dgm:cxn modelId="{6CFD2D72-40DD-4352-ACDA-6EE9F3BC0D01}" type="presOf" srcId="{E875044B-6FA7-4BF2-80E6-8B6188CECD3D}" destId="{461F0BC7-44EC-4631-827D-46D67A021C64}" srcOrd="0" destOrd="0" presId="urn:microsoft.com/office/officeart/2005/8/layout/radial6"/>
+    <dgm:cxn modelId="{37863B16-43A2-4E88-94B1-48C1311C47ED}" type="presParOf" srcId="{A13B76F0-E006-4199-8983-A2044FA18C07}" destId="{8164FD6E-02ED-489F-980A-357A2D5FB2FD}" srcOrd="0" destOrd="0" presId="urn:microsoft.com/office/officeart/2005/8/layout/radial6"/>
+    <dgm:cxn modelId="{EC442284-EAF7-4291-8F67-51F115D5A8D4}" type="presParOf" srcId="{A13B76F0-E006-4199-8983-A2044FA18C07}" destId="{BA71BB88-5E01-43E5-9AAB-4E808AA17CD1}" srcOrd="1" destOrd="0" presId="urn:microsoft.com/office/officeart/2005/8/layout/radial6"/>
+    <dgm:cxn modelId="{3F601976-1E50-4874-8D2C-9A6581FC9C9C}" type="presParOf" srcId="{A13B76F0-E006-4199-8983-A2044FA18C07}" destId="{2C6423EF-8342-448D-989F-44EB07330CD3}" srcOrd="2" destOrd="0" presId="urn:microsoft.com/office/officeart/2005/8/layout/radial6"/>
+    <dgm:cxn modelId="{5E2152F1-C201-4C60-8743-77292749990B}" type="presParOf" srcId="{A13B76F0-E006-4199-8983-A2044FA18C07}" destId="{DF56CE50-A4D4-4681-89B7-80D6CFD67B3B}" srcOrd="3" destOrd="0" presId="urn:microsoft.com/office/officeart/2005/8/layout/radial6"/>
+    <dgm:cxn modelId="{7AB94A59-51FE-4950-ACC8-B7DE37E86183}" type="presParOf" srcId="{A13B76F0-E006-4199-8983-A2044FA18C07}" destId="{882611AB-940C-4B3F-9C4C-28D546E0E109}" srcOrd="4" destOrd="0" presId="urn:microsoft.com/office/officeart/2005/8/layout/radial6"/>
+    <dgm:cxn modelId="{7B711E6A-EBB8-4D4B-8B6C-463D09E235DC}" type="presParOf" srcId="{A13B76F0-E006-4199-8983-A2044FA18C07}" destId="{DD4176B6-2FCA-4697-A4D9-BEC4A3776D06}" srcOrd="5" destOrd="0" presId="urn:microsoft.com/office/officeart/2005/8/layout/radial6"/>
+    <dgm:cxn modelId="{65DF5ECF-8687-4B63-A17E-A32479F22918}" type="presParOf" srcId="{A13B76F0-E006-4199-8983-A2044FA18C07}" destId="{3424B32F-8C14-4B30-AA42-DD1B5FAE1DC0}" srcOrd="6" destOrd="0" presId="urn:microsoft.com/office/officeart/2005/8/layout/radial6"/>
+    <dgm:cxn modelId="{62B87736-BC5C-4A86-B16A-7D6DD6FDC374}" type="presParOf" srcId="{A13B76F0-E006-4199-8983-A2044FA18C07}" destId="{D1F6BD9A-608E-480A-9023-BA76B351B99D}" srcOrd="7" destOrd="0" presId="urn:microsoft.com/office/officeart/2005/8/layout/radial6"/>
+    <dgm:cxn modelId="{1F619D80-7887-4212-A54B-81C0281F2501}" type="presParOf" srcId="{A13B76F0-E006-4199-8983-A2044FA18C07}" destId="{72C152D0-2A52-49B5-B9EC-36170AF23ACC}" srcOrd="8" destOrd="0" presId="urn:microsoft.com/office/officeart/2005/8/layout/radial6"/>
+    <dgm:cxn modelId="{04F52CB0-CC46-4B90-B966-D76D78B98BB6}" type="presParOf" srcId="{A13B76F0-E006-4199-8983-A2044FA18C07}" destId="{461F0BC7-44EC-4631-827D-46D67A021C64}" srcOrd="9" destOrd="0" presId="urn:microsoft.com/office/officeart/2005/8/layout/radial6"/>
+    <dgm:cxn modelId="{90906F32-2B81-4836-9688-5CAABE1D3FE7}" type="presParOf" srcId="{A13B76F0-E006-4199-8983-A2044FA18C07}" destId="{8021DE91-D5AA-470F-AE9D-D412B1946DD0}" srcOrd="10" destOrd="0" presId="urn:microsoft.com/office/officeart/2005/8/layout/radial6"/>
+    <dgm:cxn modelId="{C168EB39-06E0-4F51-BB7E-5AAB7EE296F4}" type="presParOf" srcId="{A13B76F0-E006-4199-8983-A2044FA18C07}" destId="{0E868817-6B0B-4360-B561-4401833FA86F}" srcOrd="11" destOrd="0" presId="urn:microsoft.com/office/officeart/2005/8/layout/radial6"/>
+    <dgm:cxn modelId="{0C379CA9-D3A2-4D8F-8AB0-4890F28191CD}" type="presParOf" srcId="{A13B76F0-E006-4199-8983-A2044FA18C07}" destId="{5CD37D63-0503-4AA7-BAC0-DB1E356D6249}" srcOrd="12" destOrd="0" presId="urn:microsoft.com/office/officeart/2005/8/layout/radial6"/>
+    <dgm:cxn modelId="{94C6D1C4-E477-45D7-A8C4-82EBE70B0FE7}" type="presParOf" srcId="{A13B76F0-E006-4199-8983-A2044FA18C07}" destId="{7EEA23B7-2C55-467E-BEBF-8EB10682F77A}" srcOrd="13" destOrd="0" presId="urn:microsoft.com/office/officeart/2005/8/layout/radial6"/>
+    <dgm:cxn modelId="{01D7A895-481A-4362-BF3D-30F9585981D3}" type="presParOf" srcId="{A13B76F0-E006-4199-8983-A2044FA18C07}" destId="{7E3A779F-4364-481A-A4D3-CD75268952A0}" srcOrd="14" destOrd="0" presId="urn:microsoft.com/office/officeart/2005/8/layout/radial6"/>
+    <dgm:cxn modelId="{965E97F2-DB08-4040-9E59-2C2314F66913}" type="presParOf" srcId="{A13B76F0-E006-4199-8983-A2044FA18C07}" destId="{46BA042B-5742-45E1-B7D3-0DD4B24FA43D}" srcOrd="15" destOrd="0" presId="urn:microsoft.com/office/officeart/2005/8/layout/radial6"/>
+    <dgm:cxn modelId="{07268E34-2FB8-4E72-A3B5-6D415B8C0C33}" type="presParOf" srcId="{A13B76F0-E006-4199-8983-A2044FA18C07}" destId="{E9305E95-DA6B-4A69-A9FA-EF364BB65629}" srcOrd="16" destOrd="0" presId="urn:microsoft.com/office/officeart/2005/8/layout/radial6"/>
+    <dgm:cxn modelId="{697666D5-877D-410F-B6BD-976043A093EF}" type="presParOf" srcId="{A13B76F0-E006-4199-8983-A2044FA18C07}" destId="{C396B630-069C-4617-BB80-7D030641F670}" srcOrd="17" destOrd="0" presId="urn:microsoft.com/office/officeart/2005/8/layout/radial6"/>
+    <dgm:cxn modelId="{F004B885-3128-4A09-A952-A13CF3B8AB49}" type="presParOf" srcId="{A13B76F0-E006-4199-8983-A2044FA18C07}" destId="{43978237-5057-46F3-813F-C0BB2A75BD3E}" srcOrd="18" destOrd="0" presId="urn:microsoft.com/office/officeart/2005/8/layout/radial6"/>
+  </dgm:cxnLst>
+  <dgm:bg/>
+  <dgm:whole/>
+  <dgm:extLst>
+    <a:ext uri="http://schemas.microsoft.com/office/drawing/2008/diagram">
+      <dsp:dataModelExt xmlns:dsp="http://schemas.microsoft.com/office/drawing/2008/diagram" xmlns="" relId="rId7" minVer="http://schemas.openxmlformats.org/drawingml/2006/diagram"/>
     </a:ext>
   </dgm:extLst>
 </dgm:dataModel>
@@ -1977,6 +3263,1338 @@
 </dsp:drawing>
 </file>
 
+<file path=ppt/diagrams/drawing2.xml><?xml version="1.0" encoding="utf-8"?>
+<dsp:drawing xmlns:dgm="http://schemas.openxmlformats.org/drawingml/2006/diagram" xmlns:a="http://schemas.openxmlformats.org/drawingml/2006/main" xmlns:dsp="http://schemas.microsoft.com/office/drawing/2008/diagram">
+  <dsp:spTree>
+    <dsp:nvGrpSpPr>
+      <dsp:cNvPr id="0" name=""/>
+      <dsp:cNvGrpSpPr/>
+    </dsp:nvGrpSpPr>
+    <dsp:grpSpPr/>
+    <dsp:sp modelId="{43978237-5057-46F3-813F-C0BB2A75BD3E}">
+      <dsp:nvSpPr>
+        <dsp:cNvPr id="0" name=""/>
+        <dsp:cNvSpPr/>
+      </dsp:nvSpPr>
+      <dsp:spPr>
+        <a:xfrm>
+          <a:off x="1449682" y="19062"/>
+          <a:ext cx="2889983" cy="2889983"/>
+        </a:xfrm>
+        <a:prstGeom prst="blockArc">
+          <a:avLst>
+            <a:gd name="adj1" fmla="val 13267479"/>
+            <a:gd name="adj2" fmla="val 18882194"/>
+            <a:gd name="adj3" fmla="val 4517"/>
+          </a:avLst>
+        </a:prstGeom>
+        <a:gradFill rotWithShape="0">
+          <a:gsLst>
+            <a:gs pos="0">
+              <a:schemeClr val="accent3">
+                <a:tint val="60000"/>
+                <a:hueOff val="0"/>
+                <a:satOff val="0"/>
+                <a:lumOff val="0"/>
+                <a:alphaOff val="0"/>
+                <a:shade val="51000"/>
+                <a:satMod val="130000"/>
+              </a:schemeClr>
+            </a:gs>
+            <a:gs pos="80000">
+              <a:schemeClr val="accent3">
+                <a:tint val="60000"/>
+                <a:hueOff val="0"/>
+                <a:satOff val="0"/>
+                <a:lumOff val="0"/>
+                <a:alphaOff val="0"/>
+                <a:shade val="93000"/>
+                <a:satMod val="130000"/>
+              </a:schemeClr>
+            </a:gs>
+            <a:gs pos="100000">
+              <a:schemeClr val="accent3">
+                <a:tint val="60000"/>
+                <a:hueOff val="0"/>
+                <a:satOff val="0"/>
+                <a:lumOff val="0"/>
+                <a:alphaOff val="0"/>
+                <a:shade val="94000"/>
+                <a:satMod val="135000"/>
+              </a:schemeClr>
+            </a:gs>
+          </a:gsLst>
+          <a:lin ang="16200000" scaled="0"/>
+        </a:gradFill>
+        <a:ln>
+          <a:noFill/>
+        </a:ln>
+        <a:effectLst>
+          <a:outerShdw blurRad="40000" dist="23000" dir="5400000" rotWithShape="0">
+            <a:srgbClr val="000000">
+              <a:alpha val="35000"/>
+            </a:srgbClr>
+          </a:outerShdw>
+        </a:effectLst>
+        <a:scene3d>
+          <a:camera prst="orthographicFront"/>
+          <a:lightRig rig="flat" dir="t"/>
+        </a:scene3d>
+        <a:sp3d z="-80000" prstMaterial="plastic">
+          <a:bevelT w="50800" h="50800"/>
+          <a:bevelB w="25400" h="25400" prst="angle"/>
+        </a:sp3d>
+      </dsp:spPr>
+      <dsp:style>
+        <a:lnRef idx="0">
+          <a:scrgbClr r="0" g="0" b="0"/>
+        </a:lnRef>
+        <a:fillRef idx="3">
+          <a:scrgbClr r="0" g="0" b="0"/>
+        </a:fillRef>
+        <a:effectRef idx="2">
+          <a:scrgbClr r="0" g="0" b="0"/>
+        </a:effectRef>
+        <a:fontRef idx="minor">
+          <a:schemeClr val="lt1"/>
+        </a:fontRef>
+      </dsp:style>
+    </dsp:sp>
+    <dsp:sp modelId="{46BA042B-5742-45E1-B7D3-0DD4B24FA43D}">
+      <dsp:nvSpPr>
+        <dsp:cNvPr id="0" name=""/>
+        <dsp:cNvSpPr/>
+      </dsp:nvSpPr>
+      <dsp:spPr>
+        <a:xfrm>
+          <a:off x="1195014" y="247694"/>
+          <a:ext cx="2889983" cy="2889983"/>
+        </a:xfrm>
+        <a:prstGeom prst="blockArc">
+          <a:avLst>
+            <a:gd name="adj1" fmla="val 10649858"/>
+            <a:gd name="adj2" fmla="val 14102564"/>
+            <a:gd name="adj3" fmla="val 4517"/>
+          </a:avLst>
+        </a:prstGeom>
+        <a:gradFill rotWithShape="0">
+          <a:gsLst>
+            <a:gs pos="0">
+              <a:schemeClr val="accent3">
+                <a:tint val="60000"/>
+                <a:hueOff val="0"/>
+                <a:satOff val="0"/>
+                <a:lumOff val="0"/>
+                <a:alphaOff val="0"/>
+                <a:shade val="51000"/>
+                <a:satMod val="130000"/>
+              </a:schemeClr>
+            </a:gs>
+            <a:gs pos="80000">
+              <a:schemeClr val="accent3">
+                <a:tint val="60000"/>
+                <a:hueOff val="0"/>
+                <a:satOff val="0"/>
+                <a:lumOff val="0"/>
+                <a:alphaOff val="0"/>
+                <a:shade val="93000"/>
+                <a:satMod val="130000"/>
+              </a:schemeClr>
+            </a:gs>
+            <a:gs pos="100000">
+              <a:schemeClr val="accent3">
+                <a:tint val="60000"/>
+                <a:hueOff val="0"/>
+                <a:satOff val="0"/>
+                <a:lumOff val="0"/>
+                <a:alphaOff val="0"/>
+                <a:shade val="94000"/>
+                <a:satMod val="135000"/>
+              </a:schemeClr>
+            </a:gs>
+          </a:gsLst>
+          <a:lin ang="16200000" scaled="0"/>
+        </a:gradFill>
+        <a:ln>
+          <a:noFill/>
+        </a:ln>
+        <a:effectLst>
+          <a:outerShdw blurRad="40000" dist="23000" dir="5400000" rotWithShape="0">
+            <a:srgbClr val="000000">
+              <a:alpha val="35000"/>
+            </a:srgbClr>
+          </a:outerShdw>
+        </a:effectLst>
+        <a:scene3d>
+          <a:camera prst="orthographicFront"/>
+          <a:lightRig rig="flat" dir="t"/>
+        </a:scene3d>
+        <a:sp3d z="-80000" prstMaterial="plastic">
+          <a:bevelT w="50800" h="50800"/>
+          <a:bevelB w="25400" h="25400" prst="angle"/>
+        </a:sp3d>
+      </dsp:spPr>
+      <dsp:style>
+        <a:lnRef idx="0">
+          <a:scrgbClr r="0" g="0" b="0"/>
+        </a:lnRef>
+        <a:fillRef idx="3">
+          <a:scrgbClr r="0" g="0" b="0"/>
+        </a:fillRef>
+        <a:effectRef idx="2">
+          <a:scrgbClr r="0" g="0" b="0"/>
+        </a:effectRef>
+        <a:fontRef idx="minor">
+          <a:schemeClr val="lt1"/>
+        </a:fontRef>
+      </dsp:style>
+    </dsp:sp>
+    <dsp:sp modelId="{5CD37D63-0503-4AA7-BAC0-DB1E356D6249}">
+      <dsp:nvSpPr>
+        <dsp:cNvPr id="0" name=""/>
+        <dsp:cNvSpPr/>
+      </dsp:nvSpPr>
+      <dsp:spPr>
+        <a:xfrm>
+          <a:off x="1181101" y="516410"/>
+          <a:ext cx="2889983" cy="2889983"/>
+        </a:xfrm>
+        <a:prstGeom prst="blockArc">
+          <a:avLst>
+            <a:gd name="adj1" fmla="val 7433278"/>
+            <a:gd name="adj2" fmla="val 11305797"/>
+            <a:gd name="adj3" fmla="val 4517"/>
+          </a:avLst>
+        </a:prstGeom>
+        <a:gradFill rotWithShape="0">
+          <a:gsLst>
+            <a:gs pos="0">
+              <a:schemeClr val="accent3">
+                <a:tint val="60000"/>
+                <a:hueOff val="0"/>
+                <a:satOff val="0"/>
+                <a:lumOff val="0"/>
+                <a:alphaOff val="0"/>
+                <a:shade val="51000"/>
+                <a:satMod val="130000"/>
+              </a:schemeClr>
+            </a:gs>
+            <a:gs pos="80000">
+              <a:schemeClr val="accent3">
+                <a:tint val="60000"/>
+                <a:hueOff val="0"/>
+                <a:satOff val="0"/>
+                <a:lumOff val="0"/>
+                <a:alphaOff val="0"/>
+                <a:shade val="93000"/>
+                <a:satMod val="130000"/>
+              </a:schemeClr>
+            </a:gs>
+            <a:gs pos="100000">
+              <a:schemeClr val="accent3">
+                <a:tint val="60000"/>
+                <a:hueOff val="0"/>
+                <a:satOff val="0"/>
+                <a:lumOff val="0"/>
+                <a:alphaOff val="0"/>
+                <a:shade val="94000"/>
+                <a:satMod val="135000"/>
+              </a:schemeClr>
+            </a:gs>
+          </a:gsLst>
+          <a:lin ang="16200000" scaled="0"/>
+        </a:gradFill>
+        <a:ln>
+          <a:noFill/>
+        </a:ln>
+        <a:effectLst>
+          <a:outerShdw blurRad="40000" dist="23000" dir="5400000" rotWithShape="0">
+            <a:srgbClr val="000000">
+              <a:alpha val="35000"/>
+            </a:srgbClr>
+          </a:outerShdw>
+        </a:effectLst>
+        <a:scene3d>
+          <a:camera prst="orthographicFront"/>
+          <a:lightRig rig="flat" dir="t"/>
+        </a:scene3d>
+        <a:sp3d z="-80000" prstMaterial="plastic">
+          <a:bevelT w="50800" h="50800"/>
+          <a:bevelB w="25400" h="25400" prst="angle"/>
+        </a:sp3d>
+      </dsp:spPr>
+      <dsp:style>
+        <a:lnRef idx="0">
+          <a:scrgbClr r="0" g="0" b="0"/>
+        </a:lnRef>
+        <a:fillRef idx="3">
+          <a:scrgbClr r="0" g="0" b="0"/>
+        </a:fillRef>
+        <a:effectRef idx="2">
+          <a:scrgbClr r="0" g="0" b="0"/>
+        </a:effectRef>
+        <a:fontRef idx="minor">
+          <a:schemeClr val="lt1"/>
+        </a:fontRef>
+      </dsp:style>
+    </dsp:sp>
+    <dsp:sp modelId="{461F0BC7-44EC-4631-827D-46D67A021C64}">
+      <dsp:nvSpPr>
+        <dsp:cNvPr id="0" name=""/>
+        <dsp:cNvSpPr/>
+      </dsp:nvSpPr>
+      <dsp:spPr>
+        <a:xfrm>
+          <a:off x="1418379" y="716940"/>
+          <a:ext cx="2889983" cy="2889983"/>
+        </a:xfrm>
+        <a:prstGeom prst="blockArc">
+          <a:avLst>
+            <a:gd name="adj1" fmla="val 2608814"/>
+            <a:gd name="adj2" fmla="val 8190988"/>
+            <a:gd name="adj3" fmla="val 4517"/>
+          </a:avLst>
+        </a:prstGeom>
+        <a:gradFill rotWithShape="0">
+          <a:gsLst>
+            <a:gs pos="0">
+              <a:schemeClr val="accent3">
+                <a:tint val="60000"/>
+                <a:hueOff val="0"/>
+                <a:satOff val="0"/>
+                <a:lumOff val="0"/>
+                <a:alphaOff val="0"/>
+                <a:shade val="51000"/>
+                <a:satMod val="130000"/>
+              </a:schemeClr>
+            </a:gs>
+            <a:gs pos="80000">
+              <a:schemeClr val="accent3">
+                <a:tint val="60000"/>
+                <a:hueOff val="0"/>
+                <a:satOff val="0"/>
+                <a:lumOff val="0"/>
+                <a:alphaOff val="0"/>
+                <a:shade val="93000"/>
+                <a:satMod val="130000"/>
+              </a:schemeClr>
+            </a:gs>
+            <a:gs pos="100000">
+              <a:schemeClr val="accent3">
+                <a:tint val="60000"/>
+                <a:hueOff val="0"/>
+                <a:satOff val="0"/>
+                <a:lumOff val="0"/>
+                <a:alphaOff val="0"/>
+                <a:shade val="94000"/>
+                <a:satMod val="135000"/>
+              </a:schemeClr>
+            </a:gs>
+          </a:gsLst>
+          <a:lin ang="16200000" scaled="0"/>
+        </a:gradFill>
+        <a:ln>
+          <a:noFill/>
+        </a:ln>
+        <a:effectLst>
+          <a:outerShdw blurRad="40000" dist="23000" dir="5400000" rotWithShape="0">
+            <a:srgbClr val="000000">
+              <a:alpha val="35000"/>
+            </a:srgbClr>
+          </a:outerShdw>
+        </a:effectLst>
+        <a:scene3d>
+          <a:camera prst="orthographicFront"/>
+          <a:lightRig rig="flat" dir="t"/>
+        </a:scene3d>
+        <a:sp3d z="-80000" prstMaterial="plastic">
+          <a:bevelT w="50800" h="50800"/>
+          <a:bevelB w="25400" h="25400" prst="angle"/>
+        </a:sp3d>
+      </dsp:spPr>
+      <dsp:style>
+        <a:lnRef idx="0">
+          <a:scrgbClr r="0" g="0" b="0"/>
+        </a:lnRef>
+        <a:fillRef idx="3">
+          <a:scrgbClr r="0" g="0" b="0"/>
+        </a:fillRef>
+        <a:effectRef idx="2">
+          <a:scrgbClr r="0" g="0" b="0"/>
+        </a:effectRef>
+        <a:fontRef idx="minor">
+          <a:schemeClr val="lt1"/>
+        </a:fontRef>
+      </dsp:style>
+    </dsp:sp>
+    <dsp:sp modelId="{3424B32F-8C14-4B30-AA42-DD1B5FAE1DC0}">
+      <dsp:nvSpPr>
+        <dsp:cNvPr id="0" name=""/>
+        <dsp:cNvSpPr/>
+      </dsp:nvSpPr>
+      <dsp:spPr>
+        <a:xfrm>
+          <a:off x="1805688" y="428500"/>
+          <a:ext cx="2889983" cy="2889983"/>
+        </a:xfrm>
+        <a:prstGeom prst="blockArc">
+          <a:avLst>
+            <a:gd name="adj1" fmla="val 21309672"/>
+            <a:gd name="adj2" fmla="val 3790056"/>
+            <a:gd name="adj3" fmla="val 4517"/>
+          </a:avLst>
+        </a:prstGeom>
+        <a:gradFill rotWithShape="0">
+          <a:gsLst>
+            <a:gs pos="0">
+              <a:schemeClr val="accent3">
+                <a:tint val="60000"/>
+                <a:hueOff val="0"/>
+                <a:satOff val="0"/>
+                <a:lumOff val="0"/>
+                <a:alphaOff val="0"/>
+                <a:shade val="51000"/>
+                <a:satMod val="130000"/>
+              </a:schemeClr>
+            </a:gs>
+            <a:gs pos="80000">
+              <a:schemeClr val="accent3">
+                <a:tint val="60000"/>
+                <a:hueOff val="0"/>
+                <a:satOff val="0"/>
+                <a:lumOff val="0"/>
+                <a:alphaOff val="0"/>
+                <a:shade val="93000"/>
+                <a:satMod val="130000"/>
+              </a:schemeClr>
+            </a:gs>
+            <a:gs pos="100000">
+              <a:schemeClr val="accent3">
+                <a:tint val="60000"/>
+                <a:hueOff val="0"/>
+                <a:satOff val="0"/>
+                <a:lumOff val="0"/>
+                <a:alphaOff val="0"/>
+                <a:shade val="94000"/>
+                <a:satMod val="135000"/>
+              </a:schemeClr>
+            </a:gs>
+          </a:gsLst>
+          <a:lin ang="16200000" scaled="0"/>
+        </a:gradFill>
+        <a:ln>
+          <a:noFill/>
+        </a:ln>
+        <a:effectLst>
+          <a:outerShdw blurRad="40000" dist="23000" dir="5400000" rotWithShape="0">
+            <a:srgbClr val="000000">
+              <a:alpha val="35000"/>
+            </a:srgbClr>
+          </a:outerShdw>
+        </a:effectLst>
+        <a:scene3d>
+          <a:camera prst="orthographicFront"/>
+          <a:lightRig rig="flat" dir="t"/>
+        </a:scene3d>
+        <a:sp3d z="-80000" prstMaterial="plastic">
+          <a:bevelT w="50800" h="50800"/>
+          <a:bevelB w="25400" h="25400" prst="angle"/>
+        </a:sp3d>
+      </dsp:spPr>
+      <dsp:style>
+        <a:lnRef idx="0">
+          <a:scrgbClr r="0" g="0" b="0"/>
+        </a:lnRef>
+        <a:fillRef idx="3">
+          <a:scrgbClr r="0" g="0" b="0"/>
+        </a:fillRef>
+        <a:effectRef idx="2">
+          <a:scrgbClr r="0" g="0" b="0"/>
+        </a:effectRef>
+        <a:fontRef idx="minor">
+          <a:schemeClr val="lt1"/>
+        </a:fontRef>
+      </dsp:style>
+    </dsp:sp>
+    <dsp:sp modelId="{DF56CE50-A4D4-4681-89B7-80D6CFD67B3B}">
+      <dsp:nvSpPr>
+        <dsp:cNvPr id="0" name=""/>
+        <dsp:cNvSpPr/>
+      </dsp:nvSpPr>
+      <dsp:spPr>
+        <a:xfrm>
+          <a:off x="1801118" y="273191"/>
+          <a:ext cx="2889983" cy="2889983"/>
+        </a:xfrm>
+        <a:prstGeom prst="blockArc">
+          <a:avLst>
+            <a:gd name="adj1" fmla="val 17822374"/>
+            <a:gd name="adj2" fmla="val 88057"/>
+            <a:gd name="adj3" fmla="val 4517"/>
+          </a:avLst>
+        </a:prstGeom>
+        <a:gradFill rotWithShape="0">
+          <a:gsLst>
+            <a:gs pos="0">
+              <a:schemeClr val="accent3">
+                <a:tint val="60000"/>
+                <a:hueOff val="0"/>
+                <a:satOff val="0"/>
+                <a:lumOff val="0"/>
+                <a:alphaOff val="0"/>
+                <a:shade val="51000"/>
+                <a:satMod val="130000"/>
+              </a:schemeClr>
+            </a:gs>
+            <a:gs pos="80000">
+              <a:schemeClr val="accent3">
+                <a:tint val="60000"/>
+                <a:hueOff val="0"/>
+                <a:satOff val="0"/>
+                <a:lumOff val="0"/>
+                <a:alphaOff val="0"/>
+                <a:shade val="93000"/>
+                <a:satMod val="130000"/>
+              </a:schemeClr>
+            </a:gs>
+            <a:gs pos="100000">
+              <a:schemeClr val="accent3">
+                <a:tint val="60000"/>
+                <a:hueOff val="0"/>
+                <a:satOff val="0"/>
+                <a:lumOff val="0"/>
+                <a:alphaOff val="0"/>
+                <a:shade val="94000"/>
+                <a:satMod val="135000"/>
+              </a:schemeClr>
+            </a:gs>
+          </a:gsLst>
+          <a:lin ang="16200000" scaled="0"/>
+        </a:gradFill>
+        <a:ln>
+          <a:noFill/>
+        </a:ln>
+        <a:effectLst>
+          <a:outerShdw blurRad="40000" dist="23000" dir="5400000" rotWithShape="0">
+            <a:srgbClr val="000000">
+              <a:alpha val="35000"/>
+            </a:srgbClr>
+          </a:outerShdw>
+        </a:effectLst>
+        <a:scene3d>
+          <a:camera prst="orthographicFront"/>
+          <a:lightRig rig="flat" dir="t"/>
+        </a:scene3d>
+        <a:sp3d z="-80000" prstMaterial="plastic">
+          <a:bevelT w="50800" h="50800"/>
+          <a:bevelB w="25400" h="25400" prst="angle"/>
+        </a:sp3d>
+      </dsp:spPr>
+      <dsp:style>
+        <a:lnRef idx="0">
+          <a:scrgbClr r="0" g="0" b="0"/>
+        </a:lnRef>
+        <a:fillRef idx="3">
+          <a:scrgbClr r="0" g="0" b="0"/>
+        </a:fillRef>
+        <a:effectRef idx="2">
+          <a:scrgbClr r="0" g="0" b="0"/>
+        </a:effectRef>
+        <a:fontRef idx="minor">
+          <a:schemeClr val="lt1"/>
+        </a:fontRef>
+      </dsp:style>
+    </dsp:sp>
+    <dsp:sp modelId="{8164FD6E-02ED-489F-980A-357A2D5FB2FD}">
+      <dsp:nvSpPr>
+        <dsp:cNvPr id="0" name=""/>
+        <dsp:cNvSpPr/>
+      </dsp:nvSpPr>
+      <dsp:spPr>
+        <a:xfrm>
+          <a:off x="1987087" y="958163"/>
+          <a:ext cx="1828801" cy="1828801"/>
+        </a:xfrm>
+        <a:prstGeom prst="ellipse">
+          <a:avLst/>
+        </a:prstGeom>
+        <a:solidFill>
+          <a:srgbClr val="C00000"/>
+        </a:solidFill>
+        <a:ln>
+          <a:noFill/>
+        </a:ln>
+        <a:effectLst>
+          <a:outerShdw blurRad="40000" dist="23000" dir="5400000" rotWithShape="0">
+            <a:srgbClr val="000000">
+              <a:alpha val="35000"/>
+            </a:srgbClr>
+          </a:outerShdw>
+        </a:effectLst>
+        <a:scene3d>
+          <a:camera prst="orthographicFront"/>
+          <a:lightRig rig="flat" dir="t"/>
+        </a:scene3d>
+        <a:sp3d prstMaterial="plastic">
+          <a:bevelT w="120900" h="88900"/>
+          <a:bevelB w="88900" h="31750" prst="angle"/>
+        </a:sp3d>
+      </dsp:spPr>
+      <dsp:style>
+        <a:lnRef idx="0">
+          <a:scrgbClr r="0" g="0" b="0"/>
+        </a:lnRef>
+        <a:fillRef idx="3">
+          <a:scrgbClr r="0" g="0" b="0"/>
+        </a:fillRef>
+        <a:effectRef idx="2">
+          <a:scrgbClr r="0" g="0" b="0"/>
+        </a:effectRef>
+        <a:fontRef idx="minor">
+          <a:schemeClr val="lt1"/>
+        </a:fontRef>
+      </dsp:style>
+      <dsp:txBody>
+        <a:bodyPr spcFirstLastPara="0" vert="horz" wrap="square" lIns="30480" tIns="30480" rIns="30480" bIns="30480" numCol="1" spcCol="1270" anchor="ctr" anchorCtr="0">
+          <a:noAutofit/>
+        </a:bodyPr>
+        <a:lstStyle/>
+        <a:p>
+          <a:pPr lvl="0" algn="ctr" defTabSz="1066800">
+            <a:lnSpc>
+              <a:spcPct val="90000"/>
+            </a:lnSpc>
+            <a:spcBef>
+              <a:spcPct val="0"/>
+            </a:spcBef>
+            <a:spcAft>
+              <a:spcPct val="35000"/>
+            </a:spcAft>
+          </a:pPr>
+          <a:r>
+            <a:rPr lang="es-AR" sz="2400" b="1" i="0" u="sng" kern="1200" dirty="0" smtClean="0"/>
+            <a:t>Contexto</a:t>
+          </a:r>
+          <a:endParaRPr lang="es-AR" sz="2400" b="1" i="0" u="sng" kern="1200" dirty="0"/>
+        </a:p>
+      </dsp:txBody>
+      <dsp:txXfrm>
+        <a:off x="1987087" y="958163"/>
+        <a:ext cx="1828801" cy="1828801"/>
+      </dsp:txXfrm>
+    </dsp:sp>
+    <dsp:sp modelId="{BA71BB88-5E01-43E5-9AAB-4E808AA17CD1}">
+      <dsp:nvSpPr>
+        <dsp:cNvPr id="0" name=""/>
+        <dsp:cNvSpPr/>
+      </dsp:nvSpPr>
+      <dsp:spPr>
+        <a:xfrm>
+          <a:off x="3332468" y="-95497"/>
+          <a:ext cx="1111411" cy="1111411"/>
+        </a:xfrm>
+        <a:prstGeom prst="ellipse">
+          <a:avLst/>
+        </a:prstGeom>
+        <a:gradFill rotWithShape="0">
+          <a:gsLst>
+            <a:gs pos="0">
+              <a:schemeClr val="accent3">
+                <a:hueOff val="0"/>
+                <a:satOff val="0"/>
+                <a:lumOff val="0"/>
+                <a:alphaOff val="0"/>
+                <a:shade val="51000"/>
+                <a:satMod val="130000"/>
+              </a:schemeClr>
+            </a:gs>
+            <a:gs pos="80000">
+              <a:schemeClr val="accent3">
+                <a:hueOff val="0"/>
+                <a:satOff val="0"/>
+                <a:lumOff val="0"/>
+                <a:alphaOff val="0"/>
+                <a:shade val="93000"/>
+                <a:satMod val="130000"/>
+              </a:schemeClr>
+            </a:gs>
+            <a:gs pos="100000">
+              <a:schemeClr val="accent3">
+                <a:hueOff val="0"/>
+                <a:satOff val="0"/>
+                <a:lumOff val="0"/>
+                <a:alphaOff val="0"/>
+                <a:shade val="94000"/>
+                <a:satMod val="135000"/>
+              </a:schemeClr>
+            </a:gs>
+          </a:gsLst>
+          <a:lin ang="16200000" scaled="0"/>
+        </a:gradFill>
+        <a:ln>
+          <a:noFill/>
+        </a:ln>
+        <a:effectLst>
+          <a:outerShdw blurRad="40000" dist="23000" dir="5400000" rotWithShape="0">
+            <a:srgbClr val="000000">
+              <a:alpha val="35000"/>
+            </a:srgbClr>
+          </a:outerShdw>
+        </a:effectLst>
+        <a:scene3d>
+          <a:camera prst="orthographicFront"/>
+          <a:lightRig rig="flat" dir="t"/>
+        </a:scene3d>
+        <a:sp3d prstMaterial="plastic">
+          <a:bevelT w="120900" h="88900"/>
+          <a:bevelB w="88900" h="31750" prst="angle"/>
+        </a:sp3d>
+      </dsp:spPr>
+      <dsp:style>
+        <a:lnRef idx="0">
+          <a:scrgbClr r="0" g="0" b="0"/>
+        </a:lnRef>
+        <a:fillRef idx="3">
+          <a:scrgbClr r="0" g="0" b="0"/>
+        </a:fillRef>
+        <a:effectRef idx="2">
+          <a:scrgbClr r="0" g="0" b="0"/>
+        </a:effectRef>
+        <a:fontRef idx="minor">
+          <a:schemeClr val="lt1"/>
+        </a:fontRef>
+      </dsp:style>
+      <dsp:txBody>
+        <a:bodyPr spcFirstLastPara="0" vert="horz" wrap="square" lIns="17780" tIns="17780" rIns="17780" bIns="17780" numCol="1" spcCol="1270" anchor="ctr" anchorCtr="0">
+          <a:noAutofit/>
+        </a:bodyPr>
+        <a:lstStyle/>
+        <a:p>
+          <a:pPr lvl="0" algn="ctr" defTabSz="622300">
+            <a:lnSpc>
+              <a:spcPct val="90000"/>
+            </a:lnSpc>
+            <a:spcBef>
+              <a:spcPct val="0"/>
+            </a:spcBef>
+            <a:spcAft>
+              <a:spcPct val="35000"/>
+            </a:spcAft>
+          </a:pPr>
+          <a:r>
+            <a:rPr lang="es-AR" sz="1400" b="1" kern="1200" dirty="0" smtClean="0">
+              <a:solidFill>
+                <a:schemeClr val="tx1"/>
+              </a:solidFill>
+            </a:rPr>
+            <a:t>Falta de seguimiento</a:t>
+          </a:r>
+          <a:endParaRPr lang="es-AR" sz="1400" b="1" kern="1200" dirty="0">
+            <a:solidFill>
+              <a:schemeClr val="tx1"/>
+            </a:solidFill>
+          </a:endParaRPr>
+        </a:p>
+      </dsp:txBody>
+      <dsp:txXfrm>
+        <a:off x="3332468" y="-95497"/>
+        <a:ext cx="1111411" cy="1111411"/>
+      </dsp:txXfrm>
+    </dsp:sp>
+    <dsp:sp modelId="{882611AB-940C-4B3F-9C4C-28D546E0E109}">
+      <dsp:nvSpPr>
+        <dsp:cNvPr id="0" name=""/>
+        <dsp:cNvSpPr/>
+      </dsp:nvSpPr>
+      <dsp:spPr>
+        <a:xfrm>
+          <a:off x="4112812" y="1209167"/>
+          <a:ext cx="1090379" cy="1090379"/>
+        </a:xfrm>
+        <a:prstGeom prst="ellipse">
+          <a:avLst/>
+        </a:prstGeom>
+        <a:gradFill rotWithShape="0">
+          <a:gsLst>
+            <a:gs pos="0">
+              <a:schemeClr val="accent3">
+                <a:hueOff val="0"/>
+                <a:satOff val="0"/>
+                <a:lumOff val="0"/>
+                <a:alphaOff val="0"/>
+                <a:shade val="51000"/>
+                <a:satMod val="130000"/>
+              </a:schemeClr>
+            </a:gs>
+            <a:gs pos="80000">
+              <a:schemeClr val="accent3">
+                <a:hueOff val="0"/>
+                <a:satOff val="0"/>
+                <a:lumOff val="0"/>
+                <a:alphaOff val="0"/>
+                <a:shade val="93000"/>
+                <a:satMod val="130000"/>
+              </a:schemeClr>
+            </a:gs>
+            <a:gs pos="100000">
+              <a:schemeClr val="accent3">
+                <a:hueOff val="0"/>
+                <a:satOff val="0"/>
+                <a:lumOff val="0"/>
+                <a:alphaOff val="0"/>
+                <a:shade val="94000"/>
+                <a:satMod val="135000"/>
+              </a:schemeClr>
+            </a:gs>
+          </a:gsLst>
+          <a:lin ang="16200000" scaled="0"/>
+        </a:gradFill>
+        <a:ln>
+          <a:noFill/>
+        </a:ln>
+        <a:effectLst>
+          <a:outerShdw blurRad="40000" dist="23000" dir="5400000" rotWithShape="0">
+            <a:srgbClr val="000000">
+              <a:alpha val="35000"/>
+            </a:srgbClr>
+          </a:outerShdw>
+        </a:effectLst>
+        <a:scene3d>
+          <a:camera prst="orthographicFront"/>
+          <a:lightRig rig="flat" dir="t"/>
+        </a:scene3d>
+        <a:sp3d prstMaterial="plastic">
+          <a:bevelT w="120900" h="88900"/>
+          <a:bevelB w="88900" h="31750" prst="angle"/>
+        </a:sp3d>
+      </dsp:spPr>
+      <dsp:style>
+        <a:lnRef idx="0">
+          <a:scrgbClr r="0" g="0" b="0"/>
+        </a:lnRef>
+        <a:fillRef idx="3">
+          <a:scrgbClr r="0" g="0" b="0"/>
+        </a:fillRef>
+        <a:effectRef idx="2">
+          <a:scrgbClr r="0" g="0" b="0"/>
+        </a:effectRef>
+        <a:fontRef idx="minor">
+          <a:schemeClr val="lt1"/>
+        </a:fontRef>
+      </dsp:style>
+      <dsp:txBody>
+        <a:bodyPr spcFirstLastPara="0" vert="horz" wrap="square" lIns="17780" tIns="17780" rIns="17780" bIns="17780" numCol="1" spcCol="1270" anchor="ctr" anchorCtr="0">
+          <a:noAutofit/>
+        </a:bodyPr>
+        <a:lstStyle/>
+        <a:p>
+          <a:pPr lvl="0" algn="ctr" defTabSz="622300">
+            <a:lnSpc>
+              <a:spcPct val="90000"/>
+            </a:lnSpc>
+            <a:spcBef>
+              <a:spcPct val="0"/>
+            </a:spcBef>
+            <a:spcAft>
+              <a:spcPct val="35000"/>
+            </a:spcAft>
+          </a:pPr>
+          <a:r>
+            <a:rPr lang="es-AR" sz="1400" b="1" kern="1200" dirty="0" smtClean="0">
+              <a:solidFill>
+                <a:schemeClr val="tx1"/>
+              </a:solidFill>
+            </a:rPr>
+            <a:t>Falta de sanción</a:t>
+          </a:r>
+          <a:endParaRPr lang="es-AR" sz="1400" b="1" kern="1200" dirty="0">
+            <a:solidFill>
+              <a:schemeClr val="tx1"/>
+            </a:solidFill>
+          </a:endParaRPr>
+        </a:p>
+      </dsp:txBody>
+      <dsp:txXfrm>
+        <a:off x="4112812" y="1209167"/>
+        <a:ext cx="1090379" cy="1090379"/>
+      </dsp:txXfrm>
+    </dsp:sp>
+    <dsp:sp modelId="{D1F6BD9A-608E-480A-9023-BA76B351B99D}">
+      <dsp:nvSpPr>
+        <dsp:cNvPr id="0" name=""/>
+        <dsp:cNvSpPr/>
+      </dsp:nvSpPr>
+      <dsp:spPr>
+        <a:xfrm>
+          <a:off x="3346982" y="2592570"/>
+          <a:ext cx="1082419" cy="1082419"/>
+        </a:xfrm>
+        <a:prstGeom prst="ellipse">
+          <a:avLst/>
+        </a:prstGeom>
+        <a:gradFill rotWithShape="0">
+          <a:gsLst>
+            <a:gs pos="0">
+              <a:schemeClr val="accent3">
+                <a:hueOff val="0"/>
+                <a:satOff val="0"/>
+                <a:lumOff val="0"/>
+                <a:alphaOff val="0"/>
+                <a:shade val="51000"/>
+                <a:satMod val="130000"/>
+              </a:schemeClr>
+            </a:gs>
+            <a:gs pos="80000">
+              <a:schemeClr val="accent3">
+                <a:hueOff val="0"/>
+                <a:satOff val="0"/>
+                <a:lumOff val="0"/>
+                <a:alphaOff val="0"/>
+                <a:shade val="93000"/>
+                <a:satMod val="130000"/>
+              </a:schemeClr>
+            </a:gs>
+            <a:gs pos="100000">
+              <a:schemeClr val="accent3">
+                <a:hueOff val="0"/>
+                <a:satOff val="0"/>
+                <a:lumOff val="0"/>
+                <a:alphaOff val="0"/>
+                <a:shade val="94000"/>
+                <a:satMod val="135000"/>
+              </a:schemeClr>
+            </a:gs>
+          </a:gsLst>
+          <a:lin ang="16200000" scaled="0"/>
+        </a:gradFill>
+        <a:ln>
+          <a:noFill/>
+        </a:ln>
+        <a:effectLst>
+          <a:outerShdw blurRad="40000" dist="23000" dir="5400000" rotWithShape="0">
+            <a:srgbClr val="000000">
+              <a:alpha val="35000"/>
+            </a:srgbClr>
+          </a:outerShdw>
+        </a:effectLst>
+        <a:scene3d>
+          <a:camera prst="orthographicFront"/>
+          <a:lightRig rig="flat" dir="t"/>
+        </a:scene3d>
+        <a:sp3d prstMaterial="plastic">
+          <a:bevelT w="120900" h="88900"/>
+          <a:bevelB w="88900" h="31750" prst="angle"/>
+        </a:sp3d>
+      </dsp:spPr>
+      <dsp:style>
+        <a:lnRef idx="0">
+          <a:scrgbClr r="0" g="0" b="0"/>
+        </a:lnRef>
+        <a:fillRef idx="3">
+          <a:scrgbClr r="0" g="0" b="0"/>
+        </a:fillRef>
+        <a:effectRef idx="2">
+          <a:scrgbClr r="0" g="0" b="0"/>
+        </a:effectRef>
+        <a:fontRef idx="minor">
+          <a:schemeClr val="lt1"/>
+        </a:fontRef>
+      </dsp:style>
+      <dsp:txBody>
+        <a:bodyPr spcFirstLastPara="0" vert="horz" wrap="square" lIns="17780" tIns="17780" rIns="17780" bIns="17780" numCol="1" spcCol="1270" anchor="ctr" anchorCtr="0">
+          <a:noAutofit/>
+        </a:bodyPr>
+        <a:lstStyle/>
+        <a:p>
+          <a:pPr lvl="0" algn="ctr" defTabSz="622300">
+            <a:lnSpc>
+              <a:spcPct val="90000"/>
+            </a:lnSpc>
+            <a:spcBef>
+              <a:spcPct val="0"/>
+            </a:spcBef>
+            <a:spcAft>
+              <a:spcPct val="35000"/>
+            </a:spcAft>
+          </a:pPr>
+          <a:r>
+            <a:rPr lang="es-AR" sz="1400" b="1" kern="1200" dirty="0" smtClean="0">
+              <a:solidFill>
+                <a:schemeClr val="tx1"/>
+              </a:solidFill>
+            </a:rPr>
+            <a:t>Falta de incentivo</a:t>
+          </a:r>
+          <a:endParaRPr lang="es-AR" sz="1400" b="1" kern="1200" dirty="0">
+            <a:solidFill>
+              <a:schemeClr val="tx1"/>
+            </a:solidFill>
+          </a:endParaRPr>
+        </a:p>
+      </dsp:txBody>
+      <dsp:txXfrm>
+        <a:off x="3346982" y="2592570"/>
+        <a:ext cx="1082419" cy="1082419"/>
+      </dsp:txXfrm>
+    </dsp:sp>
+    <dsp:sp modelId="{8021DE91-D5AA-470F-AE9D-D412B1946DD0}">
+      <dsp:nvSpPr>
+        <dsp:cNvPr id="0" name=""/>
+        <dsp:cNvSpPr/>
+      </dsp:nvSpPr>
+      <dsp:spPr>
+        <a:xfrm>
+          <a:off x="1294227" y="2589461"/>
+          <a:ext cx="1088756" cy="1088756"/>
+        </a:xfrm>
+        <a:prstGeom prst="ellipse">
+          <a:avLst/>
+        </a:prstGeom>
+        <a:gradFill rotWithShape="0">
+          <a:gsLst>
+            <a:gs pos="0">
+              <a:schemeClr val="accent3">
+                <a:hueOff val="0"/>
+                <a:satOff val="0"/>
+                <a:lumOff val="0"/>
+                <a:alphaOff val="0"/>
+                <a:shade val="51000"/>
+                <a:satMod val="130000"/>
+              </a:schemeClr>
+            </a:gs>
+            <a:gs pos="80000">
+              <a:schemeClr val="accent3">
+                <a:hueOff val="0"/>
+                <a:satOff val="0"/>
+                <a:lumOff val="0"/>
+                <a:alphaOff val="0"/>
+                <a:shade val="93000"/>
+                <a:satMod val="130000"/>
+              </a:schemeClr>
+            </a:gs>
+            <a:gs pos="100000">
+              <a:schemeClr val="accent3">
+                <a:hueOff val="0"/>
+                <a:satOff val="0"/>
+                <a:lumOff val="0"/>
+                <a:alphaOff val="0"/>
+                <a:shade val="94000"/>
+                <a:satMod val="135000"/>
+              </a:schemeClr>
+            </a:gs>
+          </a:gsLst>
+          <a:lin ang="16200000" scaled="0"/>
+        </a:gradFill>
+        <a:ln>
+          <a:noFill/>
+        </a:ln>
+        <a:effectLst>
+          <a:outerShdw blurRad="40000" dist="23000" dir="5400000" rotWithShape="0">
+            <a:srgbClr val="000000">
+              <a:alpha val="35000"/>
+            </a:srgbClr>
+          </a:outerShdw>
+        </a:effectLst>
+        <a:scene3d>
+          <a:camera prst="orthographicFront"/>
+          <a:lightRig rig="flat" dir="t"/>
+        </a:scene3d>
+        <a:sp3d prstMaterial="plastic">
+          <a:bevelT w="120900" h="88900"/>
+          <a:bevelB w="88900" h="31750" prst="angle"/>
+        </a:sp3d>
+      </dsp:spPr>
+      <dsp:style>
+        <a:lnRef idx="0">
+          <a:scrgbClr r="0" g="0" b="0"/>
+        </a:lnRef>
+        <a:fillRef idx="3">
+          <a:scrgbClr r="0" g="0" b="0"/>
+        </a:fillRef>
+        <a:effectRef idx="2">
+          <a:scrgbClr r="0" g="0" b="0"/>
+        </a:effectRef>
+        <a:fontRef idx="minor">
+          <a:schemeClr val="lt1"/>
+        </a:fontRef>
+      </dsp:style>
+      <dsp:txBody>
+        <a:bodyPr spcFirstLastPara="0" vert="horz" wrap="square" lIns="17780" tIns="17780" rIns="17780" bIns="17780" numCol="1" spcCol="1270" anchor="ctr" anchorCtr="0">
+          <a:noAutofit/>
+        </a:bodyPr>
+        <a:lstStyle/>
+        <a:p>
+          <a:pPr lvl="0" algn="ctr" defTabSz="622300">
+            <a:lnSpc>
+              <a:spcPct val="90000"/>
+            </a:lnSpc>
+            <a:spcBef>
+              <a:spcPct val="0"/>
+            </a:spcBef>
+            <a:spcAft>
+              <a:spcPct val="35000"/>
+            </a:spcAft>
+          </a:pPr>
+          <a:r>
+            <a:rPr lang="es-AR" sz="1400" b="1" kern="1200" dirty="0" smtClean="0">
+              <a:solidFill>
+                <a:schemeClr val="tx1"/>
+              </a:solidFill>
+            </a:rPr>
+            <a:t>Tránsito complejo</a:t>
+          </a:r>
+          <a:endParaRPr lang="es-AR" sz="1400" b="1" kern="1200" dirty="0">
+            <a:solidFill>
+              <a:schemeClr val="tx1"/>
+            </a:solidFill>
+          </a:endParaRPr>
+        </a:p>
+      </dsp:txBody>
+      <dsp:txXfrm>
+        <a:off x="1294227" y="2589461"/>
+        <a:ext cx="1088756" cy="1088756"/>
+      </dsp:txXfrm>
+    </dsp:sp>
+    <dsp:sp modelId="{7EEA23B7-2C55-467E-BEBF-8EB10682F77A}">
+      <dsp:nvSpPr>
+        <dsp:cNvPr id="0" name=""/>
+        <dsp:cNvSpPr/>
+      </dsp:nvSpPr>
+      <dsp:spPr>
+        <a:xfrm>
+          <a:off x="672031" y="1197384"/>
+          <a:ext cx="1113931" cy="1113931"/>
+        </a:xfrm>
+        <a:prstGeom prst="ellipse">
+          <a:avLst/>
+        </a:prstGeom>
+        <a:gradFill rotWithShape="0">
+          <a:gsLst>
+            <a:gs pos="0">
+              <a:schemeClr val="accent3">
+                <a:hueOff val="0"/>
+                <a:satOff val="0"/>
+                <a:lumOff val="0"/>
+                <a:alphaOff val="0"/>
+                <a:shade val="51000"/>
+                <a:satMod val="130000"/>
+              </a:schemeClr>
+            </a:gs>
+            <a:gs pos="80000">
+              <a:schemeClr val="accent3">
+                <a:hueOff val="0"/>
+                <a:satOff val="0"/>
+                <a:lumOff val="0"/>
+                <a:alphaOff val="0"/>
+                <a:shade val="93000"/>
+                <a:satMod val="130000"/>
+              </a:schemeClr>
+            </a:gs>
+            <a:gs pos="100000">
+              <a:schemeClr val="accent3">
+                <a:hueOff val="0"/>
+                <a:satOff val="0"/>
+                <a:lumOff val="0"/>
+                <a:alphaOff val="0"/>
+                <a:shade val="94000"/>
+                <a:satMod val="135000"/>
+              </a:schemeClr>
+            </a:gs>
+          </a:gsLst>
+          <a:lin ang="16200000" scaled="0"/>
+        </a:gradFill>
+        <a:ln>
+          <a:noFill/>
+        </a:ln>
+        <a:effectLst>
+          <a:outerShdw blurRad="40000" dist="23000" dir="5400000" rotWithShape="0">
+            <a:srgbClr val="000000">
+              <a:alpha val="35000"/>
+            </a:srgbClr>
+          </a:outerShdw>
+        </a:effectLst>
+        <a:scene3d>
+          <a:camera prst="orthographicFront"/>
+          <a:lightRig rig="flat" dir="t"/>
+        </a:scene3d>
+        <a:sp3d prstMaterial="plastic">
+          <a:bevelT w="120900" h="88900"/>
+          <a:bevelB w="88900" h="31750" prst="angle"/>
+        </a:sp3d>
+      </dsp:spPr>
+      <dsp:style>
+        <a:lnRef idx="0">
+          <a:scrgbClr r="0" g="0" b="0"/>
+        </a:lnRef>
+        <a:fillRef idx="3">
+          <a:scrgbClr r="0" g="0" b="0"/>
+        </a:fillRef>
+        <a:effectRef idx="2">
+          <a:scrgbClr r="0" g="0" b="0"/>
+        </a:effectRef>
+        <a:fontRef idx="minor">
+          <a:schemeClr val="lt1"/>
+        </a:fontRef>
+      </dsp:style>
+      <dsp:txBody>
+        <a:bodyPr spcFirstLastPara="0" vert="horz" wrap="square" lIns="17780" tIns="17780" rIns="17780" bIns="17780" numCol="1" spcCol="1270" anchor="ctr" anchorCtr="0">
+          <a:noAutofit/>
+        </a:bodyPr>
+        <a:lstStyle/>
+        <a:p>
+          <a:pPr lvl="0" algn="ctr" defTabSz="622300">
+            <a:lnSpc>
+              <a:spcPct val="90000"/>
+            </a:lnSpc>
+            <a:spcBef>
+              <a:spcPct val="0"/>
+            </a:spcBef>
+            <a:spcAft>
+              <a:spcPct val="35000"/>
+            </a:spcAft>
+          </a:pPr>
+          <a:r>
+            <a:rPr lang="es-AR" sz="1400" b="1" kern="1200" dirty="0" smtClean="0">
+              <a:solidFill>
+                <a:schemeClr val="tx1"/>
+              </a:solidFill>
+            </a:rPr>
+            <a:t>Cambio cultural necesario</a:t>
+          </a:r>
+          <a:endParaRPr lang="es-AR" sz="1400" b="1" kern="1200" dirty="0">
+            <a:solidFill>
+              <a:schemeClr val="tx1"/>
+            </a:solidFill>
+          </a:endParaRPr>
+        </a:p>
+      </dsp:txBody>
+      <dsp:txXfrm>
+        <a:off x="672031" y="1197384"/>
+        <a:ext cx="1113931" cy="1113931"/>
+      </dsp:txXfrm>
+    </dsp:sp>
+    <dsp:sp modelId="{E9305E95-DA6B-4A69-A9FA-EF364BB65629}">
+      <dsp:nvSpPr>
+        <dsp:cNvPr id="0" name=""/>
+        <dsp:cNvSpPr/>
+      </dsp:nvSpPr>
+      <dsp:spPr>
+        <a:xfrm>
+          <a:off x="1299347" y="3720"/>
+          <a:ext cx="1062855" cy="1062855"/>
+        </a:xfrm>
+        <a:prstGeom prst="ellipse">
+          <a:avLst/>
+        </a:prstGeom>
+        <a:gradFill rotWithShape="0">
+          <a:gsLst>
+            <a:gs pos="0">
+              <a:schemeClr val="accent3">
+                <a:hueOff val="0"/>
+                <a:satOff val="0"/>
+                <a:lumOff val="0"/>
+                <a:alphaOff val="0"/>
+                <a:shade val="51000"/>
+                <a:satMod val="130000"/>
+              </a:schemeClr>
+            </a:gs>
+            <a:gs pos="80000">
+              <a:schemeClr val="accent3">
+                <a:hueOff val="0"/>
+                <a:satOff val="0"/>
+                <a:lumOff val="0"/>
+                <a:alphaOff val="0"/>
+                <a:shade val="93000"/>
+                <a:satMod val="130000"/>
+              </a:schemeClr>
+            </a:gs>
+            <a:gs pos="100000">
+              <a:schemeClr val="accent3">
+                <a:hueOff val="0"/>
+                <a:satOff val="0"/>
+                <a:lumOff val="0"/>
+                <a:alphaOff val="0"/>
+                <a:shade val="94000"/>
+                <a:satMod val="135000"/>
+              </a:schemeClr>
+            </a:gs>
+          </a:gsLst>
+          <a:lin ang="16200000" scaled="0"/>
+        </a:gradFill>
+        <a:ln>
+          <a:noFill/>
+        </a:ln>
+        <a:effectLst>
+          <a:outerShdw blurRad="40000" dist="23000" dir="5400000" rotWithShape="0">
+            <a:srgbClr val="000000">
+              <a:alpha val="35000"/>
+            </a:srgbClr>
+          </a:outerShdw>
+        </a:effectLst>
+        <a:scene3d>
+          <a:camera prst="orthographicFront"/>
+          <a:lightRig rig="flat" dir="t"/>
+        </a:scene3d>
+        <a:sp3d prstMaterial="plastic">
+          <a:bevelT w="120900" h="88900"/>
+          <a:bevelB w="88900" h="31750" prst="angle"/>
+        </a:sp3d>
+      </dsp:spPr>
+      <dsp:style>
+        <a:lnRef idx="0">
+          <a:scrgbClr r="0" g="0" b="0"/>
+        </a:lnRef>
+        <a:fillRef idx="3">
+          <a:scrgbClr r="0" g="0" b="0"/>
+        </a:fillRef>
+        <a:effectRef idx="2">
+          <a:scrgbClr r="0" g="0" b="0"/>
+        </a:effectRef>
+        <a:fontRef idx="minor">
+          <a:schemeClr val="lt1"/>
+        </a:fontRef>
+      </dsp:style>
+      <dsp:txBody>
+        <a:bodyPr spcFirstLastPara="0" vert="horz" wrap="square" lIns="17780" tIns="17780" rIns="17780" bIns="17780" numCol="1" spcCol="1270" anchor="ctr" anchorCtr="0">
+          <a:noAutofit/>
+        </a:bodyPr>
+        <a:lstStyle/>
+        <a:p>
+          <a:pPr lvl="0" algn="ctr" defTabSz="622300">
+            <a:lnSpc>
+              <a:spcPct val="90000"/>
+            </a:lnSpc>
+            <a:spcBef>
+              <a:spcPct val="0"/>
+            </a:spcBef>
+            <a:spcAft>
+              <a:spcPct val="35000"/>
+            </a:spcAft>
+          </a:pPr>
+          <a:r>
+            <a:rPr lang="es-AR" sz="1400" b="1" kern="1200" dirty="0" smtClean="0">
+              <a:solidFill>
+                <a:schemeClr val="tx1"/>
+              </a:solidFill>
+            </a:rPr>
+            <a:t>Falta de orden</a:t>
+          </a:r>
+          <a:endParaRPr lang="es-AR" sz="1400" b="1" kern="1200" dirty="0">
+            <a:solidFill>
+              <a:schemeClr val="tx1"/>
+            </a:solidFill>
+          </a:endParaRPr>
+        </a:p>
+      </dsp:txBody>
+      <dsp:txXfrm>
+        <a:off x="1299347" y="3720"/>
+        <a:ext cx="1062855" cy="1062855"/>
+      </dsp:txXfrm>
+    </dsp:sp>
+  </dsp:spTree>
+</dsp:drawing>
+</file>
+
 <file path=ppt/diagrams/layout1.xml><?xml version="1.0" encoding="utf-8"?>
 <dgm:layoutDef xmlns:dgm="http://schemas.openxmlformats.org/drawingml/2006/diagram" xmlns:a="http://schemas.openxmlformats.org/drawingml/2006/main" uniqueId="urn:microsoft.com/office/officeart/2005/8/layout/cycle3">
   <dgm:title val=""/>
@@ -2380,7 +4998,1531 @@
 </dgm:layoutDef>
 </file>
 
+<file path=ppt/diagrams/layout2.xml><?xml version="1.0" encoding="utf-8"?>
+<dgm:layoutDef xmlns:dgm="http://schemas.openxmlformats.org/drawingml/2006/diagram" xmlns:a="http://schemas.openxmlformats.org/drawingml/2006/main" uniqueId="urn:microsoft.com/office/officeart/2005/8/layout/radial6">
+  <dgm:title val=""/>
+  <dgm:desc val=""/>
+  <dgm:catLst>
+    <dgm:cat type="cycle" pri="9000"/>
+    <dgm:cat type="relationship" pri="21000"/>
+  </dgm:catLst>
+  <dgm:sampData>
+    <dgm:dataModel>
+      <dgm:ptLst>
+        <dgm:pt modelId="0" type="doc"/>
+        <dgm:pt modelId="1">
+          <dgm:prSet phldr="1"/>
+        </dgm:pt>
+        <dgm:pt modelId="11">
+          <dgm:prSet phldr="1"/>
+        </dgm:pt>
+        <dgm:pt modelId="12">
+          <dgm:prSet phldr="1"/>
+        </dgm:pt>
+        <dgm:pt modelId="13">
+          <dgm:prSet phldr="1"/>
+        </dgm:pt>
+        <dgm:pt modelId="14">
+          <dgm:prSet phldr="1"/>
+        </dgm:pt>
+      </dgm:ptLst>
+      <dgm:cxnLst>
+        <dgm:cxn modelId="2" srcId="0" destId="1" srcOrd="0" destOrd="0"/>
+        <dgm:cxn modelId="3" srcId="1" destId="11" srcOrd="0" destOrd="0"/>
+        <dgm:cxn modelId="4" srcId="1" destId="12" srcOrd="1" destOrd="0"/>
+        <dgm:cxn modelId="5" srcId="1" destId="13" srcOrd="2" destOrd="0"/>
+        <dgm:cxn modelId="6" srcId="1" destId="14" srcOrd="3" destOrd="0"/>
+      </dgm:cxnLst>
+      <dgm:bg/>
+      <dgm:whole/>
+    </dgm:dataModel>
+  </dgm:sampData>
+  <dgm:styleData>
+    <dgm:dataModel>
+      <dgm:ptLst>
+        <dgm:pt modelId="0" type="doc"/>
+        <dgm:pt modelId="1"/>
+        <dgm:pt modelId="11"/>
+        <dgm:pt modelId="12"/>
+        <dgm:pt modelId="13"/>
+      </dgm:ptLst>
+      <dgm:cxnLst>
+        <dgm:cxn modelId="2" srcId="0" destId="1" srcOrd="0" destOrd="0"/>
+        <dgm:cxn modelId="15" srcId="1" destId="11" srcOrd="0" destOrd="0"/>
+        <dgm:cxn modelId="16" srcId="1" destId="12" srcOrd="1" destOrd="0"/>
+        <dgm:cxn modelId="17" srcId="1" destId="13" srcOrd="2" destOrd="0"/>
+      </dgm:cxnLst>
+      <dgm:bg/>
+      <dgm:whole/>
+    </dgm:dataModel>
+  </dgm:styleData>
+  <dgm:clrData>
+    <dgm:dataModel>
+      <dgm:ptLst>
+        <dgm:pt modelId="0" type="doc"/>
+        <dgm:pt modelId="1"/>
+        <dgm:pt modelId="11"/>
+        <dgm:pt modelId="12"/>
+        <dgm:pt modelId="13"/>
+        <dgm:pt modelId="14"/>
+        <dgm:pt modelId="15"/>
+        <dgm:pt modelId="16"/>
+      </dgm:ptLst>
+      <dgm:cxnLst>
+        <dgm:cxn modelId="2" srcId="0" destId="1" srcOrd="0" destOrd="0"/>
+        <dgm:cxn modelId="16" srcId="1" destId="11" srcOrd="0" destOrd="0"/>
+        <dgm:cxn modelId="17" srcId="1" destId="12" srcOrd="1" destOrd="0"/>
+        <dgm:cxn modelId="18" srcId="1" destId="13" srcOrd="2" destOrd="0"/>
+        <dgm:cxn modelId="19" srcId="1" destId="14" srcOrd="3" destOrd="0"/>
+        <dgm:cxn modelId="20" srcId="1" destId="15" srcOrd="4" destOrd="0"/>
+        <dgm:cxn modelId="21" srcId="1" destId="16" srcOrd="5" destOrd="0"/>
+      </dgm:cxnLst>
+      <dgm:bg/>
+      <dgm:whole/>
+    </dgm:dataModel>
+  </dgm:clrData>
+  <dgm:layoutNode name="Name0">
+    <dgm:varLst>
+      <dgm:chMax val="1"/>
+      <dgm:dir/>
+      <dgm:animLvl val="ctr"/>
+      <dgm:resizeHandles val="exact"/>
+    </dgm:varLst>
+    <dgm:choose name="Name1">
+      <dgm:if name="Name2" func="var" arg="dir" op="equ" val="norm">
+        <dgm:choose name="Name3">
+          <dgm:if name="Name4" axis="ch ch" ptType="node node" st="1 1" cnt="1 0" func="cnt" op="lte" val="1">
+            <dgm:alg type="cycle">
+              <dgm:param type="stAng" val="90"/>
+              <dgm:param type="spanAng" val="360"/>
+              <dgm:param type="ctrShpMap" val="fNode"/>
+            </dgm:alg>
+          </dgm:if>
+          <dgm:else name="Name5">
+            <dgm:alg type="cycle">
+              <dgm:param type="stAng" val="0"/>
+              <dgm:param type="spanAng" val="360"/>
+              <dgm:param type="ctrShpMap" val="fNode"/>
+            </dgm:alg>
+          </dgm:else>
+        </dgm:choose>
+      </dgm:if>
+      <dgm:else name="Name6">
+        <dgm:choose name="Name7">
+          <dgm:if name="Name8" axis="ch ch" ptType="node node" st="1 1" cnt="1 0" func="cnt" op="lte" val="1">
+            <dgm:alg type="cycle">
+              <dgm:param type="stAng" val="-90"/>
+              <dgm:param type="spanAng" val="360"/>
+              <dgm:param type="ctrShpMap" val="fNode"/>
+            </dgm:alg>
+          </dgm:if>
+          <dgm:else name="Name9">
+            <dgm:alg type="cycle">
+              <dgm:param type="stAng" val="0"/>
+              <dgm:param type="spanAng" val="-360"/>
+              <dgm:param type="ctrShpMap" val="fNode"/>
+            </dgm:alg>
+          </dgm:else>
+        </dgm:choose>
+      </dgm:else>
+    </dgm:choose>
+    <dgm:shape xmlns:r="http://schemas.openxmlformats.org/officeDocument/2006/relationships" r:blip="">
+      <dgm:adjLst/>
+    </dgm:shape>
+    <dgm:presOf/>
+    <dgm:choose name="Name10">
+      <dgm:if name="Name11" func="var" arg="dir" op="equ" val="norm">
+        <dgm:choose name="Name12">
+          <dgm:if name="Name13" axis="ch ch" ptType="node node" st="1 1" cnt="1 0" func="cnt" op="equ" val="1">
+            <dgm:constrLst>
+              <dgm:constr type="diam" val="170"/>
+              <dgm:constr type="w" for="ch" forName="centerShape" refType="w"/>
+              <dgm:constr type="w" for="ch" forName="oneComp" refType="w" refFor="ch" refForName="centerShape" op="equ" fact="0.7"/>
+              <dgm:constr type="sp" refType="w" refFor="ch" refForName="oneComp" fact="0.3"/>
+              <dgm:constr type="sibSp" refType="w" refFor="ch" refForName="oneComp" fact="0.3"/>
+              <dgm:constr type="primFontSz" for="ch" forName="centerShape" val="65"/>
+              <dgm:constr type="primFontSz" for="des" forName="oneNode" refType="primFontSz" refFor="ch" refForName="centerShape" fact="0.95"/>
+              <dgm:constr type="primFontSz" for="des" forName="oneNode" refType="primFontSz" refFor="ch" refForName="centerShape" op="lte" fact="0.95"/>
+              <dgm:constr type="diam" for="ch" forName="singleconn" refType="diam" op="equ" fact="-1"/>
+              <dgm:constr type="h" for="ch" forName="singleconn" refType="w" refFor="ch" refForName="oneComp" fact="0.24"/>
+              <dgm:constr type="w" for="ch" forName="dummya" refType="w" refFor="ch" refForName="oneComp" op="equ"/>
+              <dgm:constr type="w" for="ch" forName="dummyb" refType="w" refFor="ch" refForName="oneComp" op="equ"/>
+              <dgm:constr type="w" for="ch" forName="dummyc" refType="w" refFor="ch" refForName="oneComp" op="equ"/>
+            </dgm:constrLst>
+          </dgm:if>
+          <dgm:else name="Name14">
+            <dgm:constrLst>
+              <dgm:constr type="diam" val="170"/>
+              <dgm:constr type="w" for="ch" forName="centerShape" refType="w"/>
+              <dgm:constr type="w" for="ch" forName="node" refType="w" refFor="ch" refForName="centerShape" op="equ" fact="0.7"/>
+              <dgm:constr type="sp" refType="w" refFor="ch" refForName="node" fact="0.3"/>
+              <dgm:constr type="sibSp" refType="w" refFor="ch" refForName="node" fact="0.3"/>
+              <dgm:constr type="primFontSz" for="ch" forName="centerShape" val="65"/>
+              <dgm:constr type="primFontSz" for="des" forName="node" refType="primFontSz" refFor="ch" refForName="centerShape" fact="0.78"/>
+              <dgm:constr type="primFontSz" for="ch" forName="node" refType="primFontSz" refFor="ch" refForName="centerShape" op="lte" fact="0.95"/>
+              <dgm:constr type="diam" for="ch" forName="sibTrans" refType="diam" op="equ"/>
+              <dgm:constr type="h" for="ch" forName="sibTrans" refType="w" refFor="ch" refForName="node" fact="0.24"/>
+              <dgm:constr type="w" for="ch" forName="dummy" val="1"/>
+            </dgm:constrLst>
+          </dgm:else>
+        </dgm:choose>
+      </dgm:if>
+      <dgm:else name="Name15">
+        <dgm:choose name="Name16">
+          <dgm:if name="Name17" axis="ch ch" ptType="node node" st="1 1" cnt="1 0" func="cnt" op="equ" val="1">
+            <dgm:constrLst>
+              <dgm:constr type="diam" val="170"/>
+              <dgm:constr type="w" for="ch" forName="centerShape" refType="w"/>
+              <dgm:constr type="w" for="ch" forName="oneComp" refType="w" refFor="ch" refForName="centerShape" op="equ" fact="0.7"/>
+              <dgm:constr type="sp" refType="w" refFor="ch" refForName="oneComp" fact="0.3"/>
+              <dgm:constr type="sibSp" refType="w" refFor="ch" refForName="oneComp" fact="0.3"/>
+              <dgm:constr type="primFontSz" for="ch" forName="centerShape" val="65"/>
+              <dgm:constr type="primFontSz" for="des" forName="oneNode" refType="primFontSz" refFor="ch" refForName="centerShape" fact="0.95"/>
+              <dgm:constr type="primFontSz" for="ch" forName="oneNode" refType="primFontSz" refFor="ch" refForName="centerShape" op="lte" fact="0.95"/>
+              <dgm:constr type="diam" for="ch" forName="singleconn" refType="diam"/>
+              <dgm:constr type="h" for="ch" forName="singleconn" refType="w" refFor="ch" refForName="oneComp" fact="0.24"/>
+              <dgm:constr type="diam" for="ch" refType="diam" op="equ"/>
+              <dgm:constr type="w" for="ch" forName="dummya" refType="w" refFor="ch" refForName="oneComp" op="equ"/>
+              <dgm:constr type="w" for="ch" forName="dummyb" refType="w" refFor="ch" refForName="oneComp" op="equ"/>
+              <dgm:constr type="w" for="ch" forName="dummyc" refType="w" refFor="ch" refForName="oneComp" op="equ"/>
+            </dgm:constrLst>
+          </dgm:if>
+          <dgm:else name="Name18">
+            <dgm:constrLst>
+              <dgm:constr type="diam" val="170"/>
+              <dgm:constr type="w" for="ch" forName="centerShape" refType="w"/>
+              <dgm:constr type="w" for="ch" forName="node" refType="w" refFor="ch" refForName="centerShape" op="equ" fact="0.7"/>
+              <dgm:constr type="sp" refType="w" refFor="ch" refForName="node" fact="0.3"/>
+              <dgm:constr type="sibSp" refType="w" refFor="ch" refForName="node" fact="0.3"/>
+              <dgm:constr type="primFontSz" for="ch" forName="centerShape" val="65"/>
+              <dgm:constr type="primFontSz" for="des" forName="node" refType="primFontSz" refFor="ch" refForName="centerShape" fact="0.78"/>
+              <dgm:constr type="primFontSz" for="ch" forName="node" refType="primFontSz" refFor="ch" refForName="centerShape" op="lte" fact="0.95"/>
+              <dgm:constr type="diam" for="ch" ptType="sibTrans" refType="diam" fact="-1"/>
+              <dgm:constr type="h" for="ch" forName="sibTrans" refType="w" refFor="ch" refForName="node" fact="0.24"/>
+              <dgm:constr type="diam" for="ch" refType="diam" op="equ" fact="-1"/>
+              <dgm:constr type="w" for="ch" forName="dummy" val="1"/>
+            </dgm:constrLst>
+          </dgm:else>
+        </dgm:choose>
+      </dgm:else>
+    </dgm:choose>
+    <dgm:ruleLst>
+      <dgm:rule type="diam" val="INF" fact="NaN" max="NaN"/>
+    </dgm:ruleLst>
+    <dgm:forEach name="Name19" axis="ch" ptType="node" cnt="1">
+      <dgm:layoutNode name="centerShape" styleLbl="node0">
+        <dgm:alg type="tx"/>
+        <dgm:shape xmlns:r="http://schemas.openxmlformats.org/officeDocument/2006/relationships" type="ellipse" r:blip="">
+          <dgm:adjLst/>
+        </dgm:shape>
+        <dgm:presOf axis="self"/>
+        <dgm:constrLst>
+          <dgm:constr type="h" refType="w"/>
+          <dgm:constr type="tMarg" refType="primFontSz" fact="0.1"/>
+          <dgm:constr type="bMarg" refType="primFontSz" fact="0.1"/>
+          <dgm:constr type="lMarg" refType="primFontSz" fact="0.1"/>
+          <dgm:constr type="rMarg" refType="primFontSz" fact="0.1"/>
+        </dgm:constrLst>
+        <dgm:ruleLst>
+          <dgm:rule type="primFontSz" val="5" fact="NaN" max="NaN"/>
+        </dgm:ruleLst>
+      </dgm:layoutNode>
+      <dgm:forEach name="Name20" axis="ch">
+        <dgm:forEach name="Name21" axis="self" ptType="node">
+          <dgm:choose name="Name22">
+            <dgm:if name="Name23" axis="par ch" ptType="node node" func="cnt" op="gt" val="1">
+              <dgm:layoutNode name="node" styleLbl="node1">
+                <dgm:varLst>
+                  <dgm:bulletEnabled val="1"/>
+                </dgm:varLst>
+                <dgm:alg type="tx">
+                  <dgm:param type="txAnchorVertCh" val="mid"/>
+                </dgm:alg>
+                <dgm:shape xmlns:r="http://schemas.openxmlformats.org/officeDocument/2006/relationships" type="ellipse" r:blip="">
+                  <dgm:adjLst/>
+                </dgm:shape>
+                <dgm:presOf axis="desOrSelf" ptType="node"/>
+                <dgm:constrLst>
+                  <dgm:constr type="h" refType="w"/>
+                  <dgm:constr type="tMarg" refType="primFontSz" fact="0.1"/>
+                  <dgm:constr type="bMarg" refType="primFontSz" fact="0.1"/>
+                  <dgm:constr type="lMarg" refType="primFontSz" fact="0.1"/>
+                  <dgm:constr type="rMarg" refType="primFontSz" fact="0.1"/>
+                </dgm:constrLst>
+                <dgm:ruleLst>
+                  <dgm:rule type="primFontSz" val="5" fact="NaN" max="NaN"/>
+                </dgm:ruleLst>
+              </dgm:layoutNode>
+              <dgm:layoutNode name="dummy">
+                <dgm:alg type="sp"/>
+                <dgm:shape xmlns:r="http://schemas.openxmlformats.org/officeDocument/2006/relationships" r:blip="">
+                  <dgm:adjLst/>
+                </dgm:shape>
+                <dgm:presOf/>
+                <dgm:constrLst>
+                  <dgm:constr type="h" refType="w"/>
+                </dgm:constrLst>
+                <dgm:ruleLst/>
+              </dgm:layoutNode>
+              <dgm:forEach name="sibTransForEach" axis="followSib" ptType="sibTrans" hideLastTrans="0" cnt="1">
+                <dgm:layoutNode name="sibTrans" styleLbl="sibTrans2D1">
+                  <dgm:alg type="conn">
+                    <dgm:param type="connRout" val="curve"/>
+                    <dgm:param type="begPts" val="ctr"/>
+                    <dgm:param type="endPts" val="ctr"/>
+                    <dgm:param type="begSty" val="noArr"/>
+                    <dgm:param type="endSty" val="noArr"/>
+                    <dgm:param type="dstNode" val="node"/>
+                  </dgm:alg>
+                  <dgm:shape xmlns:r="http://schemas.openxmlformats.org/officeDocument/2006/relationships" type="conn" r:blip="" zOrderOff="-999">
+                    <dgm:adjLst/>
+                  </dgm:shape>
+                  <dgm:presOf axis="self"/>
+                  <dgm:constrLst>
+                    <dgm:constr type="begPad"/>
+                    <dgm:constr type="endPad"/>
+                  </dgm:constrLst>
+                  <dgm:ruleLst/>
+                </dgm:layoutNode>
+              </dgm:forEach>
+            </dgm:if>
+            <dgm:if name="Name24" axis="par ch" ptType="node node" func="cnt" op="equ" val="1">
+              <dgm:layoutNode name="oneComp">
+                <dgm:alg type="composite">
+                  <dgm:param type="ar" val="1"/>
+                </dgm:alg>
+                <dgm:shape xmlns:r="http://schemas.openxmlformats.org/officeDocument/2006/relationships" r:blip="">
+                  <dgm:adjLst/>
+                </dgm:shape>
+                <dgm:presOf/>
+                <dgm:constrLst>
+                  <dgm:constr type="h" refType="w"/>
+                  <dgm:constr type="l" for="ch" forName="dummyConnPt" refType="w" fact="0.5"/>
+                  <dgm:constr type="t" for="ch" forName="dummyConnPt" refType="w" fact="0.5"/>
+                  <dgm:constr type="l" for="ch" forName="oneNode"/>
+                  <dgm:constr type="t" for="ch" forName="oneNode"/>
+                  <dgm:constr type="h" for="ch" forName="oneNode" refType="h"/>
+                  <dgm:constr type="w" for="ch" forName="oneNode" refType="w"/>
+                </dgm:constrLst>
+                <dgm:ruleLst/>
+                <dgm:layoutNode name="dummyConnPt" styleLbl="node1">
+                  <dgm:alg type="sp"/>
+                  <dgm:shape xmlns:r="http://schemas.openxmlformats.org/officeDocument/2006/relationships" r:blip="">
+                    <dgm:adjLst/>
+                  </dgm:shape>
+                  <dgm:presOf/>
+                  <dgm:constrLst>
+                    <dgm:constr type="w" val="1"/>
+                    <dgm:constr type="h" val="1"/>
+                  </dgm:constrLst>
+                  <dgm:ruleLst/>
+                </dgm:layoutNode>
+                <dgm:layoutNode name="oneNode" styleLbl="node1">
+                  <dgm:varLst>
+                    <dgm:bulletEnabled val="1"/>
+                  </dgm:varLst>
+                  <dgm:alg type="tx">
+                    <dgm:param type="txAnchorVertCh" val="mid"/>
+                  </dgm:alg>
+                  <dgm:shape xmlns:r="http://schemas.openxmlformats.org/officeDocument/2006/relationships" type="ellipse" r:blip="">
+                    <dgm:adjLst/>
+                  </dgm:shape>
+                  <dgm:presOf axis="desOrSelf" ptType="node"/>
+                  <dgm:constrLst>
+                    <dgm:constr type="h" refType="w"/>
+                    <dgm:constr type="tMarg" refType="primFontSz" fact="0.1"/>
+                    <dgm:constr type="bMarg" refType="primFontSz" fact="0.1"/>
+                    <dgm:constr type="lMarg" refType="primFontSz" fact="0.1"/>
+                    <dgm:constr type="rMarg" refType="primFontSz" fact="0.1"/>
+                  </dgm:constrLst>
+                  <dgm:ruleLst>
+                    <dgm:rule type="primFontSz" val="5" fact="NaN" max="NaN"/>
+                  </dgm:ruleLst>
+                </dgm:layoutNode>
+              </dgm:layoutNode>
+              <dgm:layoutNode name="dummya">
+                <dgm:alg type="sp"/>
+                <dgm:shape xmlns:r="http://schemas.openxmlformats.org/officeDocument/2006/relationships" r:blip="">
+                  <dgm:adjLst/>
+                </dgm:shape>
+                <dgm:presOf/>
+                <dgm:constrLst>
+                  <dgm:constr type="h" refType="w"/>
+                </dgm:constrLst>
+                <dgm:ruleLst/>
+              </dgm:layoutNode>
+              <dgm:layoutNode name="dummyb">
+                <dgm:alg type="sp"/>
+                <dgm:shape xmlns:r="http://schemas.openxmlformats.org/officeDocument/2006/relationships" r:blip="">
+                  <dgm:adjLst/>
+                </dgm:shape>
+                <dgm:presOf/>
+                <dgm:constrLst>
+                  <dgm:constr type="h" refType="w"/>
+                </dgm:constrLst>
+                <dgm:ruleLst/>
+              </dgm:layoutNode>
+              <dgm:layoutNode name="dummyc">
+                <dgm:alg type="sp"/>
+                <dgm:shape xmlns:r="http://schemas.openxmlformats.org/officeDocument/2006/relationships" r:blip="">
+                  <dgm:adjLst/>
+                </dgm:shape>
+                <dgm:presOf/>
+                <dgm:constrLst>
+                  <dgm:constr type="h" refType="w"/>
+                </dgm:constrLst>
+                <dgm:ruleLst/>
+              </dgm:layoutNode>
+              <dgm:forEach name="sibTransForEach1" axis="followSib" ptType="sibTrans" hideLastTrans="0" cnt="1">
+                <dgm:layoutNode name="singleconn" styleLbl="sibTrans2D1">
+                  <dgm:alg type="conn">
+                    <dgm:param type="connRout" val="longCurve"/>
+                    <dgm:param type="begPts" val="bCtr"/>
+                    <dgm:param type="endPts" val="tCtr"/>
+                    <dgm:param type="begSty" val="noArr"/>
+                    <dgm:param type="endSty" val="noArr"/>
+                    <dgm:param type="srcNode" val="dummyConnPt"/>
+                    <dgm:param type="dstNode" val="dummyConnPt"/>
+                  </dgm:alg>
+                  <dgm:shape xmlns:r="http://schemas.openxmlformats.org/officeDocument/2006/relationships" type="conn" r:blip="" zOrderOff="-999">
+                    <dgm:adjLst/>
+                  </dgm:shape>
+                  <dgm:presOf axis="self"/>
+                  <dgm:constrLst>
+                    <dgm:constr type="begPad"/>
+                    <dgm:constr type="endPad"/>
+                  </dgm:constrLst>
+                  <dgm:ruleLst/>
+                </dgm:layoutNode>
+              </dgm:forEach>
+            </dgm:if>
+            <dgm:else name="Name25"/>
+          </dgm:choose>
+        </dgm:forEach>
+      </dgm:forEach>
+    </dgm:forEach>
+  </dgm:layoutNode>
+</dgm:layoutDef>
+</file>
+
 <file path=ppt/diagrams/quickStyle1.xml><?xml version="1.0" encoding="utf-8"?>
+<dgm:styleDef xmlns:dgm="http://schemas.openxmlformats.org/drawingml/2006/diagram" xmlns:a="http://schemas.openxmlformats.org/drawingml/2006/main" uniqueId="urn:microsoft.com/office/officeart/2005/8/quickstyle/3d1">
+  <dgm:title val=""/>
+  <dgm:desc val=""/>
+  <dgm:catLst>
+    <dgm:cat type="3D" pri="11100"/>
+  </dgm:catLst>
+  <dgm:scene3d>
+    <a:camera prst="orthographicFront"/>
+    <a:lightRig rig="threePt" dir="t"/>
+  </dgm:scene3d>
+  <dgm:styleLbl name="node0">
+    <dgm:scene3d>
+      <a:camera prst="orthographicFront"/>
+      <a:lightRig rig="flat" dir="t"/>
+    </dgm:scene3d>
+    <dgm:sp3d prstMaterial="plastic">
+      <a:bevelT w="120900" h="88900"/>
+      <a:bevelB w="88900" h="31750" prst="angle"/>
+    </dgm:sp3d>
+    <dgm:txPr/>
+    <dgm:style>
+      <a:lnRef idx="0">
+        <a:scrgbClr r="0" g="0" b="0"/>
+      </a:lnRef>
+      <a:fillRef idx="3">
+        <a:scrgbClr r="0" g="0" b="0"/>
+      </a:fillRef>
+      <a:effectRef idx="2">
+        <a:scrgbClr r="0" g="0" b="0"/>
+      </a:effectRef>
+      <a:fontRef idx="minor">
+        <a:schemeClr val="lt1"/>
+      </a:fontRef>
+    </dgm:style>
+  </dgm:styleLbl>
+  <dgm:styleLbl name="lnNode1">
+    <dgm:scene3d>
+      <a:camera prst="orthographicFront"/>
+      <a:lightRig rig="flat" dir="t"/>
+    </dgm:scene3d>
+    <dgm:sp3d prstMaterial="plastic">
+      <a:bevelT w="120900" h="88900"/>
+      <a:bevelB w="88900" h="31750" prst="angle"/>
+    </dgm:sp3d>
+    <dgm:txPr/>
+    <dgm:style>
+      <a:lnRef idx="0">
+        <a:scrgbClr r="0" g="0" b="0"/>
+      </a:lnRef>
+      <a:fillRef idx="3">
+        <a:scrgbClr r="0" g="0" b="0"/>
+      </a:fillRef>
+      <a:effectRef idx="1">
+        <a:scrgbClr r="0" g="0" b="0"/>
+      </a:effectRef>
+      <a:fontRef idx="minor">
+        <a:schemeClr val="lt1"/>
+      </a:fontRef>
+    </dgm:style>
+  </dgm:styleLbl>
+  <dgm:styleLbl name="vennNode1">
+    <dgm:scene3d>
+      <a:camera prst="orthographicFront"/>
+      <a:lightRig rig="flat" dir="t"/>
+    </dgm:scene3d>
+    <dgm:sp3d prstMaterial="plastic">
+      <a:bevelT w="120900" h="88900"/>
+      <a:bevelB w="88900" h="31750" prst="angle"/>
+    </dgm:sp3d>
+    <dgm:txPr/>
+    <dgm:style>
+      <a:lnRef idx="0">
+        <a:scrgbClr r="0" g="0" b="0"/>
+      </a:lnRef>
+      <a:fillRef idx="1">
+        <a:scrgbClr r="0" g="0" b="0"/>
+      </a:fillRef>
+      <a:effectRef idx="1">
+        <a:scrgbClr r="0" g="0" b="0"/>
+      </a:effectRef>
+      <a:fontRef idx="minor">
+        <a:schemeClr val="tx1"/>
+      </a:fontRef>
+    </dgm:style>
+  </dgm:styleLbl>
+  <dgm:styleLbl name="alignNode1">
+    <dgm:scene3d>
+      <a:camera prst="orthographicFront"/>
+      <a:lightRig rig="flat" dir="t"/>
+    </dgm:scene3d>
+    <dgm:sp3d prstMaterial="plastic">
+      <a:bevelT w="120900" h="88900"/>
+      <a:bevelB w="88900" h="31750" prst="angle"/>
+    </dgm:sp3d>
+    <dgm:txPr/>
+    <dgm:style>
+      <a:lnRef idx="1">
+        <a:scrgbClr r="0" g="0" b="0"/>
+      </a:lnRef>
+      <a:fillRef idx="3">
+        <a:scrgbClr r="0" g="0" b="0"/>
+      </a:fillRef>
+      <a:effectRef idx="2">
+        <a:scrgbClr r="0" g="0" b="0"/>
+      </a:effectRef>
+      <a:fontRef idx="minor">
+        <a:schemeClr val="lt1"/>
+      </a:fontRef>
+    </dgm:style>
+  </dgm:styleLbl>
+  <dgm:styleLbl name="node1">
+    <dgm:scene3d>
+      <a:camera prst="orthographicFront"/>
+      <a:lightRig rig="flat" dir="t"/>
+    </dgm:scene3d>
+    <dgm:sp3d prstMaterial="plastic">
+      <a:bevelT w="120900" h="88900"/>
+      <a:bevelB w="88900" h="31750" prst="angle"/>
+    </dgm:sp3d>
+    <dgm:txPr/>
+    <dgm:style>
+      <a:lnRef idx="0">
+        <a:scrgbClr r="0" g="0" b="0"/>
+      </a:lnRef>
+      <a:fillRef idx="3">
+        <a:scrgbClr r="0" g="0" b="0"/>
+      </a:fillRef>
+      <a:effectRef idx="2">
+        <a:scrgbClr r="0" g="0" b="0"/>
+      </a:effectRef>
+      <a:fontRef idx="minor">
+        <a:schemeClr val="lt1"/>
+      </a:fontRef>
+    </dgm:style>
+  </dgm:styleLbl>
+  <dgm:styleLbl name="node2">
+    <dgm:scene3d>
+      <a:camera prst="orthographicFront"/>
+      <a:lightRig rig="flat" dir="t"/>
+    </dgm:scene3d>
+    <dgm:sp3d prstMaterial="plastic">
+      <a:bevelT w="120900" h="88900"/>
+      <a:bevelB w="88900" h="31750" prst="angle"/>
+    </dgm:sp3d>
+    <dgm:txPr/>
+    <dgm:style>
+      <a:lnRef idx="0">
+        <a:scrgbClr r="0" g="0" b="0"/>
+      </a:lnRef>
+      <a:fillRef idx="3">
+        <a:scrgbClr r="0" g="0" b="0"/>
+      </a:fillRef>
+      <a:effectRef idx="1">
+        <a:scrgbClr r="0" g="0" b="0"/>
+      </a:effectRef>
+      <a:fontRef idx="minor">
+        <a:schemeClr val="lt1"/>
+      </a:fontRef>
+    </dgm:style>
+  </dgm:styleLbl>
+  <dgm:styleLbl name="node3">
+    <dgm:scene3d>
+      <a:camera prst="orthographicFront"/>
+      <a:lightRig rig="flat" dir="t"/>
+    </dgm:scene3d>
+    <dgm:sp3d prstMaterial="plastic">
+      <a:bevelT w="120900" h="88900"/>
+      <a:bevelB w="88900" h="31750" prst="angle"/>
+    </dgm:sp3d>
+    <dgm:txPr/>
+    <dgm:style>
+      <a:lnRef idx="0">
+        <a:scrgbClr r="0" g="0" b="0"/>
+      </a:lnRef>
+      <a:fillRef idx="3">
+        <a:scrgbClr r="0" g="0" b="0"/>
+      </a:fillRef>
+      <a:effectRef idx="1">
+        <a:scrgbClr r="0" g="0" b="0"/>
+      </a:effectRef>
+      <a:fontRef idx="minor">
+        <a:schemeClr val="lt1"/>
+      </a:fontRef>
+    </dgm:style>
+  </dgm:styleLbl>
+  <dgm:styleLbl name="node4">
+    <dgm:scene3d>
+      <a:camera prst="orthographicFront"/>
+      <a:lightRig rig="flat" dir="t"/>
+    </dgm:scene3d>
+    <dgm:sp3d prstMaterial="plastic">
+      <a:bevelT w="120900" h="88900"/>
+      <a:bevelB w="88900" h="31750" prst="angle"/>
+    </dgm:sp3d>
+    <dgm:txPr/>
+    <dgm:style>
+      <a:lnRef idx="0">
+        <a:scrgbClr r="0" g="0" b="0"/>
+      </a:lnRef>
+      <a:fillRef idx="3">
+        <a:scrgbClr r="0" g="0" b="0"/>
+      </a:fillRef>
+      <a:effectRef idx="1">
+        <a:scrgbClr r="0" g="0" b="0"/>
+      </a:effectRef>
+      <a:fontRef idx="minor">
+        <a:schemeClr val="lt1"/>
+      </a:fontRef>
+    </dgm:style>
+  </dgm:styleLbl>
+  <dgm:styleLbl name="fgImgPlace1">
+    <dgm:scene3d>
+      <a:camera prst="orthographicFront"/>
+      <a:lightRig rig="flat" dir="t"/>
+    </dgm:scene3d>
+    <dgm:sp3d z="127000" prstMaterial="plastic">
+      <a:bevelT w="88900" h="88900"/>
+      <a:bevelB w="88900" h="31750" prst="angle"/>
+    </dgm:sp3d>
+    <dgm:txPr/>
+    <dgm:style>
+      <a:lnRef idx="0">
+        <a:scrgbClr r="0" g="0" b="0"/>
+      </a:lnRef>
+      <a:fillRef idx="3">
+        <a:scrgbClr r="0" g="0" b="0"/>
+      </a:fillRef>
+      <a:effectRef idx="2">
+        <a:scrgbClr r="0" g="0" b="0"/>
+      </a:effectRef>
+      <a:fontRef idx="minor"/>
+    </dgm:style>
+  </dgm:styleLbl>
+  <dgm:styleLbl name="alignImgPlace1">
+    <dgm:scene3d>
+      <a:camera prst="orthographicFront"/>
+      <a:lightRig rig="flat" dir="t"/>
+    </dgm:scene3d>
+    <dgm:sp3d prstMaterial="plastic">
+      <a:bevelT w="88900" h="88900"/>
+      <a:bevelB w="88900" h="31750" prst="angle"/>
+    </dgm:sp3d>
+    <dgm:txPr/>
+    <dgm:style>
+      <a:lnRef idx="0">
+        <a:scrgbClr r="0" g="0" b="0"/>
+      </a:lnRef>
+      <a:fillRef idx="3">
+        <a:scrgbClr r="0" g="0" b="0"/>
+      </a:fillRef>
+      <a:effectRef idx="2">
+        <a:scrgbClr r="0" g="0" b="0"/>
+      </a:effectRef>
+      <a:fontRef idx="minor"/>
+    </dgm:style>
+  </dgm:styleLbl>
+  <dgm:styleLbl name="bgImgPlace1">
+    <dgm:scene3d>
+      <a:camera prst="orthographicFront"/>
+      <a:lightRig rig="flat" dir="t"/>
+    </dgm:scene3d>
+    <dgm:sp3d z="-190500" prstMaterial="plastic">
+      <a:bevelT w="88900" h="88900"/>
+      <a:bevelB w="88900" h="31750" prst="angle"/>
+    </dgm:sp3d>
+    <dgm:txPr/>
+    <dgm:style>
+      <a:lnRef idx="0">
+        <a:scrgbClr r="0" g="0" b="0"/>
+      </a:lnRef>
+      <a:fillRef idx="3">
+        <a:scrgbClr r="0" g="0" b="0"/>
+      </a:fillRef>
+      <a:effectRef idx="2">
+        <a:scrgbClr r="0" g="0" b="0"/>
+      </a:effectRef>
+      <a:fontRef idx="minor"/>
+    </dgm:style>
+  </dgm:styleLbl>
+  <dgm:styleLbl name="sibTrans2D1">
+    <dgm:scene3d>
+      <a:camera prst="orthographicFront"/>
+      <a:lightRig rig="flat" dir="t"/>
+    </dgm:scene3d>
+    <dgm:sp3d z="-80000" prstMaterial="plastic">
+      <a:bevelT w="50800" h="50800"/>
+      <a:bevelB w="25400" h="25400" prst="angle"/>
+    </dgm:sp3d>
+    <dgm:txPr/>
+    <dgm:style>
+      <a:lnRef idx="0">
+        <a:scrgbClr r="0" g="0" b="0"/>
+      </a:lnRef>
+      <a:fillRef idx="3">
+        <a:scrgbClr r="0" g="0" b="0"/>
+      </a:fillRef>
+      <a:effectRef idx="2">
+        <a:scrgbClr r="0" g="0" b="0"/>
+      </a:effectRef>
+      <a:fontRef idx="minor">
+        <a:schemeClr val="lt1"/>
+      </a:fontRef>
+    </dgm:style>
+  </dgm:styleLbl>
+  <dgm:styleLbl name="fgSibTrans2D1">
+    <dgm:scene3d>
+      <a:camera prst="orthographicFront"/>
+      <a:lightRig rig="flat" dir="t"/>
+    </dgm:scene3d>
+    <dgm:sp3d z="127000" prstMaterial="plastic">
+      <a:bevelT w="50800" h="50800"/>
+      <a:bevelB w="25400" h="25400" prst="angle"/>
+    </dgm:sp3d>
+    <dgm:txPr/>
+    <dgm:style>
+      <a:lnRef idx="0">
+        <a:scrgbClr r="0" g="0" b="0"/>
+      </a:lnRef>
+      <a:fillRef idx="3">
+        <a:scrgbClr r="0" g="0" b="0"/>
+      </a:fillRef>
+      <a:effectRef idx="2">
+        <a:scrgbClr r="0" g="0" b="0"/>
+      </a:effectRef>
+      <a:fontRef idx="minor">
+        <a:schemeClr val="lt1"/>
+      </a:fontRef>
+    </dgm:style>
+  </dgm:styleLbl>
+  <dgm:styleLbl name="bgSibTrans2D1">
+    <dgm:scene3d>
+      <a:camera prst="orthographicFront"/>
+      <a:lightRig rig="flat" dir="t"/>
+    </dgm:scene3d>
+    <dgm:sp3d z="-190500" prstMaterial="plastic">
+      <a:bevelT w="50800" h="50800"/>
+      <a:bevelB w="25400" h="25400" prst="angle"/>
+    </dgm:sp3d>
+    <dgm:txPr/>
+    <dgm:style>
+      <a:lnRef idx="0">
+        <a:scrgbClr r="0" g="0" b="0"/>
+      </a:lnRef>
+      <a:fillRef idx="3">
+        <a:scrgbClr r="0" g="0" b="0"/>
+      </a:fillRef>
+      <a:effectRef idx="2">
+        <a:scrgbClr r="0" g="0" b="0"/>
+      </a:effectRef>
+      <a:fontRef idx="minor">
+        <a:schemeClr val="lt1"/>
+      </a:fontRef>
+    </dgm:style>
+  </dgm:styleLbl>
+  <dgm:styleLbl name="sibTrans1D1">
+    <dgm:scene3d>
+      <a:camera prst="orthographicFront"/>
+      <a:lightRig rig="flat" dir="t"/>
+    </dgm:scene3d>
+    <dgm:sp3d z="-40000" prstMaterial="matte"/>
+    <dgm:txPr/>
+    <dgm:style>
+      <a:lnRef idx="1">
+        <a:scrgbClr r="0" g="0" b="0"/>
+      </a:lnRef>
+      <a:fillRef idx="0">
+        <a:scrgbClr r="0" g="0" b="0"/>
+      </a:fillRef>
+      <a:effectRef idx="0">
+        <a:scrgbClr r="0" g="0" b="0"/>
+      </a:effectRef>
+      <a:fontRef idx="minor"/>
+    </dgm:style>
+  </dgm:styleLbl>
+  <dgm:styleLbl name="callout">
+    <dgm:scene3d>
+      <a:camera prst="orthographicFront"/>
+      <a:lightRig rig="threePt" dir="t"/>
+    </dgm:scene3d>
+    <dgm:sp3d z="127000" prstMaterial="matte"/>
+    <dgm:txPr/>
+    <dgm:style>
+      <a:lnRef idx="2">
+        <a:scrgbClr r="0" g="0" b="0"/>
+      </a:lnRef>
+      <a:fillRef idx="1">
+        <a:scrgbClr r="0" g="0" b="0"/>
+      </a:fillRef>
+      <a:effectRef idx="0">
+        <a:scrgbClr r="0" g="0" b="0"/>
+      </a:effectRef>
+      <a:fontRef idx="minor"/>
+    </dgm:style>
+  </dgm:styleLbl>
+  <dgm:styleLbl name="asst0">
+    <dgm:scene3d>
+      <a:camera prst="orthographicFront"/>
+      <a:lightRig rig="flat" dir="t"/>
+    </dgm:scene3d>
+    <dgm:sp3d prstMaterial="plastic">
+      <a:bevelT w="120900" h="88900"/>
+      <a:bevelB w="88900" h="31750" prst="angle"/>
+    </dgm:sp3d>
+    <dgm:txPr/>
+    <dgm:style>
+      <a:lnRef idx="0">
+        <a:scrgbClr r="0" g="0" b="0"/>
+      </a:lnRef>
+      <a:fillRef idx="3">
+        <a:scrgbClr r="0" g="0" b="0"/>
+      </a:fillRef>
+      <a:effectRef idx="1">
+        <a:scrgbClr r="0" g="0" b="0"/>
+      </a:effectRef>
+      <a:fontRef idx="minor">
+        <a:schemeClr val="lt1"/>
+      </a:fontRef>
+    </dgm:style>
+  </dgm:styleLbl>
+  <dgm:styleLbl name="asst1">
+    <dgm:scene3d>
+      <a:camera prst="orthographicFront"/>
+      <a:lightRig rig="flat" dir="t"/>
+    </dgm:scene3d>
+    <dgm:sp3d prstMaterial="plastic">
+      <a:bevelT w="120900" h="88900"/>
+      <a:bevelB w="88900" h="31750" prst="angle"/>
+    </dgm:sp3d>
+    <dgm:txPr/>
+    <dgm:style>
+      <a:lnRef idx="0">
+        <a:scrgbClr r="0" g="0" b="0"/>
+      </a:lnRef>
+      <a:fillRef idx="3">
+        <a:scrgbClr r="0" g="0" b="0"/>
+      </a:fillRef>
+      <a:effectRef idx="1">
+        <a:scrgbClr r="0" g="0" b="0"/>
+      </a:effectRef>
+      <a:fontRef idx="minor">
+        <a:schemeClr val="lt1"/>
+      </a:fontRef>
+    </dgm:style>
+  </dgm:styleLbl>
+  <dgm:styleLbl name="asst2">
+    <dgm:scene3d>
+      <a:camera prst="orthographicFront"/>
+      <a:lightRig rig="flat" dir="t"/>
+    </dgm:scene3d>
+    <dgm:sp3d prstMaterial="plastic">
+      <a:bevelT w="120900" h="88900"/>
+      <a:bevelB w="88900" h="31750" prst="angle"/>
+    </dgm:sp3d>
+    <dgm:txPr/>
+    <dgm:style>
+      <a:lnRef idx="0">
+        <a:scrgbClr r="0" g="0" b="0"/>
+      </a:lnRef>
+      <a:fillRef idx="3">
+        <a:scrgbClr r="0" g="0" b="0"/>
+      </a:fillRef>
+      <a:effectRef idx="1">
+        <a:scrgbClr r="0" g="0" b="0"/>
+      </a:effectRef>
+      <a:fontRef idx="minor">
+        <a:schemeClr val="lt1"/>
+      </a:fontRef>
+    </dgm:style>
+  </dgm:styleLbl>
+  <dgm:styleLbl name="asst3">
+    <dgm:scene3d>
+      <a:camera prst="orthographicFront"/>
+      <a:lightRig rig="flat" dir="t"/>
+    </dgm:scene3d>
+    <dgm:sp3d prstMaterial="plastic">
+      <a:bevelT w="120900" h="88900"/>
+      <a:bevelB w="88900" h="31750" prst="angle"/>
+    </dgm:sp3d>
+    <dgm:txPr/>
+    <dgm:style>
+      <a:lnRef idx="0">
+        <a:scrgbClr r="0" g="0" b="0"/>
+      </a:lnRef>
+      <a:fillRef idx="3">
+        <a:scrgbClr r="0" g="0" b="0"/>
+      </a:fillRef>
+      <a:effectRef idx="1">
+        <a:scrgbClr r="0" g="0" b="0"/>
+      </a:effectRef>
+      <a:fontRef idx="minor">
+        <a:schemeClr val="lt1"/>
+      </a:fontRef>
+    </dgm:style>
+  </dgm:styleLbl>
+  <dgm:styleLbl name="parChTrans2D1">
+    <dgm:scene3d>
+      <a:camera prst="orthographicFront"/>
+      <a:lightRig rig="flat" dir="t"/>
+    </dgm:scene3d>
+    <dgm:sp3d z="-100000" prstMaterial="plastic">
+      <a:bevelT w="120900" h="88900"/>
+      <a:bevelB w="88900" h="31750" prst="angle"/>
+    </dgm:sp3d>
+    <dgm:txPr/>
+    <dgm:style>
+      <a:lnRef idx="0">
+        <a:scrgbClr r="0" g="0" b="0"/>
+      </a:lnRef>
+      <a:fillRef idx="3">
+        <a:scrgbClr r="0" g="0" b="0"/>
+      </a:fillRef>
+      <a:effectRef idx="1">
+        <a:scrgbClr r="0" g="0" b="0"/>
+      </a:effectRef>
+      <a:fontRef idx="minor">
+        <a:schemeClr val="lt1"/>
+      </a:fontRef>
+    </dgm:style>
+  </dgm:styleLbl>
+  <dgm:styleLbl name="parChTrans2D2">
+    <dgm:scene3d>
+      <a:camera prst="orthographicFront"/>
+      <a:lightRig rig="flat" dir="t"/>
+    </dgm:scene3d>
+    <dgm:sp3d z="-60000" prstMaterial="plastic">
+      <a:bevelT w="120900" h="88900"/>
+      <a:bevelB w="88900" h="31750" prst="angle"/>
+    </dgm:sp3d>
+    <dgm:txPr/>
+    <dgm:style>
+      <a:lnRef idx="0">
+        <a:scrgbClr r="0" g="0" b="0"/>
+      </a:lnRef>
+      <a:fillRef idx="3">
+        <a:scrgbClr r="0" g="0" b="0"/>
+      </a:fillRef>
+      <a:effectRef idx="1">
+        <a:scrgbClr r="0" g="0" b="0"/>
+      </a:effectRef>
+      <a:fontRef idx="minor">
+        <a:schemeClr val="lt1"/>
+      </a:fontRef>
+    </dgm:style>
+  </dgm:styleLbl>
+  <dgm:styleLbl name="parChTrans2D3">
+    <dgm:scene3d>
+      <a:camera prst="orthographicFront"/>
+      <a:lightRig rig="flat" dir="t"/>
+    </dgm:scene3d>
+    <dgm:sp3d z="-60000" prstMaterial="plastic">
+      <a:bevelT w="120900" h="88900"/>
+      <a:bevelB w="88900" h="31750" prst="angle"/>
+    </dgm:sp3d>
+    <dgm:txPr/>
+    <dgm:style>
+      <a:lnRef idx="0">
+        <a:scrgbClr r="0" g="0" b="0"/>
+      </a:lnRef>
+      <a:fillRef idx="3">
+        <a:scrgbClr r="0" g="0" b="0"/>
+      </a:fillRef>
+      <a:effectRef idx="1">
+        <a:scrgbClr r="0" g="0" b="0"/>
+      </a:effectRef>
+      <a:fontRef idx="minor">
+        <a:schemeClr val="lt1"/>
+      </a:fontRef>
+    </dgm:style>
+  </dgm:styleLbl>
+  <dgm:styleLbl name="parChTrans2D4">
+    <dgm:scene3d>
+      <a:camera prst="orthographicFront"/>
+      <a:lightRig rig="flat" dir="t"/>
+    </dgm:scene3d>
+    <dgm:sp3d z="-60000" prstMaterial="plastic">
+      <a:bevelT w="120900" h="88900"/>
+      <a:bevelB w="88900" h="31750" prst="angle"/>
+    </dgm:sp3d>
+    <dgm:txPr/>
+    <dgm:style>
+      <a:lnRef idx="0">
+        <a:scrgbClr r="0" g="0" b="0"/>
+      </a:lnRef>
+      <a:fillRef idx="3">
+        <a:scrgbClr r="0" g="0" b="0"/>
+      </a:fillRef>
+      <a:effectRef idx="1">
+        <a:scrgbClr r="0" g="0" b="0"/>
+      </a:effectRef>
+      <a:fontRef idx="minor">
+        <a:schemeClr val="lt1"/>
+      </a:fontRef>
+    </dgm:style>
+  </dgm:styleLbl>
+  <dgm:styleLbl name="parChTrans1D1">
+    <dgm:scene3d>
+      <a:camera prst="orthographicFront"/>
+      <a:lightRig rig="flat" dir="t"/>
+    </dgm:scene3d>
+    <dgm:sp3d prstMaterial="matte"/>
+    <dgm:txPr/>
+    <dgm:style>
+      <a:lnRef idx="2">
+        <a:scrgbClr r="0" g="0" b="0"/>
+      </a:lnRef>
+      <a:fillRef idx="0">
+        <a:scrgbClr r="0" g="0" b="0"/>
+      </a:fillRef>
+      <a:effectRef idx="0">
+        <a:scrgbClr r="0" g="0" b="0"/>
+      </a:effectRef>
+      <a:fontRef idx="minor"/>
+    </dgm:style>
+  </dgm:styleLbl>
+  <dgm:styleLbl name="parChTrans1D2">
+    <dgm:scene3d>
+      <a:camera prst="orthographicFront"/>
+      <a:lightRig rig="flat" dir="t"/>
+    </dgm:scene3d>
+    <dgm:sp3d prstMaterial="matte"/>
+    <dgm:txPr/>
+    <dgm:style>
+      <a:lnRef idx="2">
+        <a:scrgbClr r="0" g="0" b="0"/>
+      </a:lnRef>
+      <a:fillRef idx="0">
+        <a:scrgbClr r="0" g="0" b="0"/>
+      </a:fillRef>
+      <a:effectRef idx="0">
+        <a:scrgbClr r="0" g="0" b="0"/>
+      </a:effectRef>
+      <a:fontRef idx="minor"/>
+    </dgm:style>
+  </dgm:styleLbl>
+  <dgm:styleLbl name="parChTrans1D3">
+    <dgm:scene3d>
+      <a:camera prst="orthographicFront"/>
+      <a:lightRig rig="flat" dir="t"/>
+    </dgm:scene3d>
+    <dgm:sp3d prstMaterial="matte"/>
+    <dgm:txPr/>
+    <dgm:style>
+      <a:lnRef idx="2">
+        <a:scrgbClr r="0" g="0" b="0"/>
+      </a:lnRef>
+      <a:fillRef idx="0">
+        <a:scrgbClr r="0" g="0" b="0"/>
+      </a:fillRef>
+      <a:effectRef idx="0">
+        <a:scrgbClr r="0" g="0" b="0"/>
+      </a:effectRef>
+      <a:fontRef idx="minor"/>
+    </dgm:style>
+  </dgm:styleLbl>
+  <dgm:styleLbl name="parChTrans1D4">
+    <dgm:scene3d>
+      <a:camera prst="orthographicFront"/>
+      <a:lightRig rig="flat" dir="t"/>
+    </dgm:scene3d>
+    <dgm:sp3d prstMaterial="matte"/>
+    <dgm:txPr/>
+    <dgm:style>
+      <a:lnRef idx="2">
+        <a:scrgbClr r="0" g="0" b="0"/>
+      </a:lnRef>
+      <a:fillRef idx="0">
+        <a:scrgbClr r="0" g="0" b="0"/>
+      </a:fillRef>
+      <a:effectRef idx="0">
+        <a:scrgbClr r="0" g="0" b="0"/>
+      </a:effectRef>
+      <a:fontRef idx="minor"/>
+    </dgm:style>
+  </dgm:styleLbl>
+  <dgm:styleLbl name="fgAcc1">
+    <dgm:scene3d>
+      <a:camera prst="orthographicFront"/>
+      <a:lightRig rig="flat" dir="t"/>
+    </dgm:scene3d>
+    <dgm:sp3d z="190500" extrusionH="12700" prstMaterial="plastic">
+      <a:bevelT w="50800" h="50800"/>
+    </dgm:sp3d>
+    <dgm:txPr/>
+    <dgm:style>
+      <a:lnRef idx="1">
+        <a:scrgbClr r="0" g="0" b="0"/>
+      </a:lnRef>
+      <a:fillRef idx="1">
+        <a:scrgbClr r="0" g="0" b="0"/>
+      </a:fillRef>
+      <a:effectRef idx="2">
+        <a:scrgbClr r="0" g="0" b="0"/>
+      </a:effectRef>
+      <a:fontRef idx="minor"/>
+    </dgm:style>
+  </dgm:styleLbl>
+  <dgm:styleLbl name="conFgAcc1">
+    <dgm:scene3d>
+      <a:camera prst="orthographicFront"/>
+      <a:lightRig rig="flat" dir="t"/>
+    </dgm:scene3d>
+    <dgm:sp3d z="190500" extrusionH="12700" prstMaterial="plastic">
+      <a:bevelT w="50800" h="50800"/>
+    </dgm:sp3d>
+    <dgm:txPr/>
+    <dgm:style>
+      <a:lnRef idx="1">
+        <a:scrgbClr r="0" g="0" b="0"/>
+      </a:lnRef>
+      <a:fillRef idx="1">
+        <a:scrgbClr r="0" g="0" b="0"/>
+      </a:fillRef>
+      <a:effectRef idx="2">
+        <a:scrgbClr r="0" g="0" b="0"/>
+      </a:effectRef>
+      <a:fontRef idx="minor"/>
+    </dgm:style>
+  </dgm:styleLbl>
+  <dgm:styleLbl name="alignAcc1">
+    <dgm:scene3d>
+      <a:camera prst="orthographicFront"/>
+      <a:lightRig rig="flat" dir="t"/>
+    </dgm:scene3d>
+    <dgm:sp3d extrusionH="12700" prstMaterial="plastic">
+      <a:bevelT w="50800" h="50800"/>
+    </dgm:sp3d>
+    <dgm:txPr/>
+    <dgm:style>
+      <a:lnRef idx="1">
+        <a:scrgbClr r="0" g="0" b="0"/>
+      </a:lnRef>
+      <a:fillRef idx="1">
+        <a:scrgbClr r="0" g="0" b="0"/>
+      </a:fillRef>
+      <a:effectRef idx="2">
+        <a:scrgbClr r="0" g="0" b="0"/>
+      </a:effectRef>
+      <a:fontRef idx="minor"/>
+    </dgm:style>
+  </dgm:styleLbl>
+  <dgm:styleLbl name="trAlignAcc1">
+    <dgm:scene3d>
+      <a:camera prst="orthographicFront"/>
+      <a:lightRig rig="flat" dir="t"/>
+    </dgm:scene3d>
+    <dgm:sp3d extrusionH="12700" prstMaterial="plastic">
+      <a:bevelT w="50800" h="50800"/>
+    </dgm:sp3d>
+    <dgm:txPr/>
+    <dgm:style>
+      <a:lnRef idx="1">
+        <a:scrgbClr r="0" g="0" b="0"/>
+      </a:lnRef>
+      <a:fillRef idx="1">
+        <a:scrgbClr r="0" g="0" b="0"/>
+      </a:fillRef>
+      <a:effectRef idx="2">
+        <a:scrgbClr r="0" g="0" b="0"/>
+      </a:effectRef>
+      <a:fontRef idx="minor"/>
+    </dgm:style>
+  </dgm:styleLbl>
+  <dgm:styleLbl name="bgAcc1">
+    <dgm:scene3d>
+      <a:camera prst="orthographicFront"/>
+      <a:lightRig rig="flat" dir="t"/>
+    </dgm:scene3d>
+    <dgm:sp3d z="-190500" extrusionH="12700" prstMaterial="plastic">
+      <a:bevelT w="50800" h="50800"/>
+    </dgm:sp3d>
+    <dgm:txPr/>
+    <dgm:style>
+      <a:lnRef idx="1">
+        <a:scrgbClr r="0" g="0" b="0"/>
+      </a:lnRef>
+      <a:fillRef idx="1">
+        <a:scrgbClr r="0" g="0" b="0"/>
+      </a:fillRef>
+      <a:effectRef idx="2">
+        <a:scrgbClr r="0" g="0" b="0"/>
+      </a:effectRef>
+      <a:fontRef idx="minor"/>
+    </dgm:style>
+  </dgm:styleLbl>
+  <dgm:styleLbl name="solidFgAcc1">
+    <dgm:scene3d>
+      <a:camera prst="orthographicFront"/>
+      <a:lightRig rig="flat" dir="t"/>
+    </dgm:scene3d>
+    <dgm:sp3d z="190500" extrusionH="12700" prstMaterial="plastic">
+      <a:bevelT w="50800" h="50800"/>
+    </dgm:sp3d>
+    <dgm:txPr/>
+    <dgm:style>
+      <a:lnRef idx="1">
+        <a:scrgbClr r="0" g="0" b="0"/>
+      </a:lnRef>
+      <a:fillRef idx="1">
+        <a:scrgbClr r="0" g="0" b="0"/>
+      </a:fillRef>
+      <a:effectRef idx="2">
+        <a:scrgbClr r="0" g="0" b="0"/>
+      </a:effectRef>
+      <a:fontRef idx="minor"/>
+    </dgm:style>
+  </dgm:styleLbl>
+  <dgm:styleLbl name="solidAlignAcc1">
+    <dgm:scene3d>
+      <a:camera prst="orthographicFront"/>
+      <a:lightRig rig="flat" dir="t"/>
+    </dgm:scene3d>
+    <dgm:sp3d extrusionH="12700" prstMaterial="plastic">
+      <a:bevelT w="50800" h="50800"/>
+    </dgm:sp3d>
+    <dgm:txPr/>
+    <dgm:style>
+      <a:lnRef idx="1">
+        <a:scrgbClr r="0" g="0" b="0"/>
+      </a:lnRef>
+      <a:fillRef idx="1">
+        <a:scrgbClr r="0" g="0" b="0"/>
+      </a:fillRef>
+      <a:effectRef idx="2">
+        <a:scrgbClr r="0" g="0" b="0"/>
+      </a:effectRef>
+      <a:fontRef idx="minor"/>
+    </dgm:style>
+  </dgm:styleLbl>
+  <dgm:styleLbl name="solidBgAcc1">
+    <dgm:scene3d>
+      <a:camera prst="orthographicFront"/>
+      <a:lightRig rig="flat" dir="t"/>
+    </dgm:scene3d>
+    <dgm:sp3d z="-190500" extrusionH="12700" prstMaterial="plastic">
+      <a:bevelT w="50800" h="50800"/>
+    </dgm:sp3d>
+    <dgm:txPr/>
+    <dgm:style>
+      <a:lnRef idx="1">
+        <a:scrgbClr r="0" g="0" b="0"/>
+      </a:lnRef>
+      <a:fillRef idx="1">
+        <a:scrgbClr r="0" g="0" b="0"/>
+      </a:fillRef>
+      <a:effectRef idx="2">
+        <a:scrgbClr r="0" g="0" b="0"/>
+      </a:effectRef>
+      <a:fontRef idx="minor"/>
+    </dgm:style>
+  </dgm:styleLbl>
+  <dgm:styleLbl name="fgAccFollowNode1">
+    <dgm:scene3d>
+      <a:camera prst="orthographicFront"/>
+      <a:lightRig rig="flat" dir="t"/>
+    </dgm:scene3d>
+    <dgm:sp3d z="190500" extrusionH="12700" prstMaterial="plastic">
+      <a:bevelT w="50800" h="50800"/>
+    </dgm:sp3d>
+    <dgm:txPr/>
+    <dgm:style>
+      <a:lnRef idx="1">
+        <a:scrgbClr r="0" g="0" b="0"/>
+      </a:lnRef>
+      <a:fillRef idx="1">
+        <a:scrgbClr r="0" g="0" b="0"/>
+      </a:fillRef>
+      <a:effectRef idx="2">
+        <a:scrgbClr r="0" g="0" b="0"/>
+      </a:effectRef>
+      <a:fontRef idx="minor"/>
+    </dgm:style>
+  </dgm:styleLbl>
+  <dgm:styleLbl name="alignAccFollowNode1">
+    <dgm:scene3d>
+      <a:camera prst="orthographicFront"/>
+      <a:lightRig rig="flat" dir="t"/>
+    </dgm:scene3d>
+    <dgm:sp3d extrusionH="12700" prstMaterial="plastic">
+      <a:bevelT w="50800" h="50800"/>
+    </dgm:sp3d>
+    <dgm:txPr/>
+    <dgm:style>
+      <a:lnRef idx="1">
+        <a:scrgbClr r="0" g="0" b="0"/>
+      </a:lnRef>
+      <a:fillRef idx="1">
+        <a:scrgbClr r="0" g="0" b="0"/>
+      </a:fillRef>
+      <a:effectRef idx="2">
+        <a:scrgbClr r="0" g="0" b="0"/>
+      </a:effectRef>
+      <a:fontRef idx="minor"/>
+    </dgm:style>
+  </dgm:styleLbl>
+  <dgm:styleLbl name="bgAccFollowNode1">
+    <dgm:scene3d>
+      <a:camera prst="orthographicFront"/>
+      <a:lightRig rig="flat" dir="t"/>
+    </dgm:scene3d>
+    <dgm:sp3d z="-190500" extrusionH="12700" prstMaterial="plastic">
+      <a:bevelT w="50800" h="50800"/>
+    </dgm:sp3d>
+    <dgm:txPr/>
+    <dgm:style>
+      <a:lnRef idx="1">
+        <a:scrgbClr r="0" g="0" b="0"/>
+      </a:lnRef>
+      <a:fillRef idx="1">
+        <a:scrgbClr r="0" g="0" b="0"/>
+      </a:fillRef>
+      <a:effectRef idx="2">
+        <a:scrgbClr r="0" g="0" b="0"/>
+      </a:effectRef>
+      <a:fontRef idx="minor"/>
+    </dgm:style>
+  </dgm:styleLbl>
+  <dgm:styleLbl name="fgAcc0">
+    <dgm:scene3d>
+      <a:camera prst="orthographicFront"/>
+      <a:lightRig rig="flat" dir="t"/>
+    </dgm:scene3d>
+    <dgm:sp3d z="190500" extrusionH="12700" prstMaterial="plastic">
+      <a:bevelT w="50800" h="50800"/>
+    </dgm:sp3d>
+    <dgm:txPr/>
+    <dgm:style>
+      <a:lnRef idx="1">
+        <a:scrgbClr r="0" g="0" b="0"/>
+      </a:lnRef>
+      <a:fillRef idx="1">
+        <a:scrgbClr r="0" g="0" b="0"/>
+      </a:fillRef>
+      <a:effectRef idx="2">
+        <a:scrgbClr r="0" g="0" b="0"/>
+      </a:effectRef>
+      <a:fontRef idx="minor"/>
+    </dgm:style>
+  </dgm:styleLbl>
+  <dgm:styleLbl name="fgAcc2">
+    <dgm:scene3d>
+      <a:camera prst="orthographicFront"/>
+      <a:lightRig rig="flat" dir="t"/>
+    </dgm:scene3d>
+    <dgm:sp3d z="190500" extrusionH="12700" prstMaterial="plastic">
+      <a:bevelT w="50800" h="50800"/>
+    </dgm:sp3d>
+    <dgm:txPr/>
+    <dgm:style>
+      <a:lnRef idx="1">
+        <a:scrgbClr r="0" g="0" b="0"/>
+      </a:lnRef>
+      <a:fillRef idx="1">
+        <a:scrgbClr r="0" g="0" b="0"/>
+      </a:fillRef>
+      <a:effectRef idx="2">
+        <a:scrgbClr r="0" g="0" b="0"/>
+      </a:effectRef>
+      <a:fontRef idx="minor"/>
+    </dgm:style>
+  </dgm:styleLbl>
+  <dgm:styleLbl name="fgAcc3">
+    <dgm:scene3d>
+      <a:camera prst="orthographicFront"/>
+      <a:lightRig rig="flat" dir="t"/>
+    </dgm:scene3d>
+    <dgm:sp3d z="190500" extrusionH="12700" prstMaterial="plastic">
+      <a:bevelT w="50800" h="50800"/>
+    </dgm:sp3d>
+    <dgm:txPr/>
+    <dgm:style>
+      <a:lnRef idx="1">
+        <a:scrgbClr r="0" g="0" b="0"/>
+      </a:lnRef>
+      <a:fillRef idx="1">
+        <a:scrgbClr r="0" g="0" b="0"/>
+      </a:fillRef>
+      <a:effectRef idx="2">
+        <a:scrgbClr r="0" g="0" b="0"/>
+      </a:effectRef>
+      <a:fontRef idx="minor"/>
+    </dgm:style>
+  </dgm:styleLbl>
+  <dgm:styleLbl name="fgAcc4">
+    <dgm:scene3d>
+      <a:camera prst="orthographicFront"/>
+      <a:lightRig rig="flat" dir="t"/>
+    </dgm:scene3d>
+    <dgm:sp3d z="190500" extrusionH="12700" prstMaterial="plastic">
+      <a:bevelT w="50800" h="50800"/>
+    </dgm:sp3d>
+    <dgm:txPr/>
+    <dgm:style>
+      <a:lnRef idx="1">
+        <a:scrgbClr r="0" g="0" b="0"/>
+      </a:lnRef>
+      <a:fillRef idx="1">
+        <a:scrgbClr r="0" g="0" b="0"/>
+      </a:fillRef>
+      <a:effectRef idx="2">
+        <a:scrgbClr r="0" g="0" b="0"/>
+      </a:effectRef>
+      <a:fontRef idx="minor"/>
+    </dgm:style>
+  </dgm:styleLbl>
+  <dgm:styleLbl name="bgShp">
+    <dgm:scene3d>
+      <a:camera prst="orthographicFront"/>
+      <a:lightRig rig="flat" dir="t"/>
+    </dgm:scene3d>
+    <dgm:sp3d z="-190500" extrusionH="12700" prstMaterial="plastic">
+      <a:bevelT w="50800" h="50800"/>
+    </dgm:sp3d>
+    <dgm:txPr/>
+    <dgm:style>
+      <a:lnRef idx="0">
+        <a:scrgbClr r="0" g="0" b="0"/>
+      </a:lnRef>
+      <a:fillRef idx="3">
+        <a:scrgbClr r="0" g="0" b="0"/>
+      </a:fillRef>
+      <a:effectRef idx="0">
+        <a:scrgbClr r="0" g="0" b="0"/>
+      </a:effectRef>
+      <a:fontRef idx="minor"/>
+    </dgm:style>
+  </dgm:styleLbl>
+  <dgm:styleLbl name="dkBgShp">
+    <dgm:scene3d>
+      <a:camera prst="orthographicFront"/>
+      <a:lightRig rig="flat" dir="t"/>
+    </dgm:scene3d>
+    <dgm:sp3d z="-190500" extrusionH="12700" prstMaterial="plastic">
+      <a:bevelT w="50800" h="50800"/>
+    </dgm:sp3d>
+    <dgm:txPr/>
+    <dgm:style>
+      <a:lnRef idx="0">
+        <a:scrgbClr r="0" g="0" b="0"/>
+      </a:lnRef>
+      <a:fillRef idx="2">
+        <a:scrgbClr r="0" g="0" b="0"/>
+      </a:fillRef>
+      <a:effectRef idx="0">
+        <a:scrgbClr r="0" g="0" b="0"/>
+      </a:effectRef>
+      <a:fontRef idx="minor"/>
+    </dgm:style>
+  </dgm:styleLbl>
+  <dgm:styleLbl name="trBgShp">
+    <dgm:scene3d>
+      <a:camera prst="orthographicFront"/>
+      <a:lightRig rig="flat" dir="t"/>
+    </dgm:scene3d>
+    <dgm:sp3d z="-190500" extrusionH="12700" prstMaterial="matte"/>
+    <dgm:txPr/>
+    <dgm:style>
+      <a:lnRef idx="0">
+        <a:scrgbClr r="0" g="0" b="0"/>
+      </a:lnRef>
+      <a:fillRef idx="1">
+        <a:scrgbClr r="0" g="0" b="0"/>
+      </a:fillRef>
+      <a:effectRef idx="0">
+        <a:scrgbClr r="0" g="0" b="0"/>
+      </a:effectRef>
+      <a:fontRef idx="minor"/>
+    </dgm:style>
+  </dgm:styleLbl>
+  <dgm:styleLbl name="fgShp">
+    <dgm:scene3d>
+      <a:camera prst="orthographicFront"/>
+      <a:lightRig rig="flat" dir="t"/>
+    </dgm:scene3d>
+    <dgm:sp3d z="190500" prstMaterial="plastic">
+      <a:bevelT w="120900" h="88900"/>
+      <a:bevelB w="88900" h="31750" prst="angle"/>
+    </dgm:sp3d>
+    <dgm:txPr/>
+    <dgm:style>
+      <a:lnRef idx="0">
+        <a:scrgbClr r="0" g="0" b="0"/>
+      </a:lnRef>
+      <a:fillRef idx="1">
+        <a:scrgbClr r="0" g="0" b="0"/>
+      </a:fillRef>
+      <a:effectRef idx="3">
+        <a:scrgbClr r="0" g="0" b="0"/>
+      </a:effectRef>
+      <a:fontRef idx="minor">
+        <a:schemeClr val="lt1"/>
+      </a:fontRef>
+    </dgm:style>
+  </dgm:styleLbl>
+  <dgm:styleLbl name="revTx">
+    <dgm:scene3d>
+      <a:camera prst="orthographicFront"/>
+      <a:lightRig rig="threePt" dir="t"/>
+    </dgm:scene3d>
+    <dgm:sp3d/>
+    <dgm:txPr/>
+    <dgm:style>
+      <a:lnRef idx="0">
+        <a:scrgbClr r="0" g="0" b="0"/>
+      </a:lnRef>
+      <a:fillRef idx="0">
+        <a:scrgbClr r="0" g="0" b="0"/>
+      </a:fillRef>
+      <a:effectRef idx="0">
+        <a:scrgbClr r="0" g="0" b="0"/>
+      </a:effectRef>
+      <a:fontRef idx="minor"/>
+    </dgm:style>
+  </dgm:styleLbl>
+</dgm:styleDef>
+</file>
+
+<file path=ppt/diagrams/quickStyle2.xml><?xml version="1.0" encoding="utf-8"?>
 <dgm:styleDef xmlns:dgm="http://schemas.openxmlformats.org/drawingml/2006/diagram" xmlns:a="http://schemas.openxmlformats.org/drawingml/2006/main" uniqueId="urn:microsoft.com/office/officeart/2005/8/quickstyle/3d1">
   <dgm:title val=""/>
   <dgm:desc val=""/>
@@ -3914,7 +8056,7 @@
             <a:fld id="{5ACEBAAB-EBB8-473E-9B6D-9EEDF5A7888A}" type="slidenum">
               <a:rPr lang="es-AR" smtClean="0"/>
               <a:pPr/>
-              <a:t>9</a:t>
+              <a:t>10</a:t>
             </a:fld>
             <a:endParaRPr lang="es-AR"/>
           </a:p>
@@ -3996,7 +8138,7 @@
             <a:fld id="{5ACEBAAB-EBB8-473E-9B6D-9EEDF5A7888A}" type="slidenum">
               <a:rPr lang="es-AR" smtClean="0"/>
               <a:pPr/>
-              <a:t>10</a:t>
+              <a:t>11</a:t>
             </a:fld>
             <a:endParaRPr lang="es-AR"/>
           </a:p>
@@ -7542,6 +11684,1558 @@
       </p:grpSpPr>
       <p:grpSp>
         <p:nvGrpSpPr>
+          <p:cNvPr id="3" name="Group 22"/>
+          <p:cNvGrpSpPr/>
+          <p:nvPr/>
+        </p:nvGrpSpPr>
+        <p:grpSpPr>
+          <a:xfrm>
+            <a:off x="304800" y="304800"/>
+            <a:ext cx="8534400" cy="6248400"/>
+            <a:chOff x="304800" y="304800"/>
+            <a:chExt cx="8534400" cy="6248400"/>
+          </a:xfrm>
+          <a:solidFill>
+            <a:schemeClr val="bg1">
+              <a:lumMod val="85000"/>
+            </a:schemeClr>
+          </a:solidFill>
+        </p:grpSpPr>
+        <p:sp>
+          <p:nvSpPr>
+            <p:cNvPr id="4" name="Rounded Rectangle 3"/>
+            <p:cNvSpPr/>
+            <p:nvPr/>
+          </p:nvSpPr>
+          <p:spPr>
+            <a:xfrm>
+              <a:off x="304800" y="304800"/>
+              <a:ext cx="8534400" cy="6248400"/>
+            </a:xfrm>
+            <a:prstGeom prst="roundRect">
+              <a:avLst/>
+            </a:prstGeom>
+            <a:grpFill/>
+            <a:ln>
+              <a:noFill/>
+            </a:ln>
+          </p:spPr>
+          <p:style>
+            <a:lnRef idx="2">
+              <a:schemeClr val="accent1">
+                <a:shade val="50000"/>
+              </a:schemeClr>
+            </a:lnRef>
+            <a:fillRef idx="1">
+              <a:schemeClr val="accent1"/>
+            </a:fillRef>
+            <a:effectRef idx="0">
+              <a:schemeClr val="accent1"/>
+            </a:effectRef>
+            <a:fontRef idx="minor">
+              <a:schemeClr val="lt1"/>
+            </a:fontRef>
+          </p:style>
+          <p:txBody>
+            <a:bodyPr rtlCol="0" anchor="ctr"/>
+            <a:lstStyle/>
+            <a:p>
+              <a:pPr algn="ctr"/>
+              <a:endParaRPr lang="es-AR"/>
+            </a:p>
+          </p:txBody>
+        </p:sp>
+        <p:sp>
+          <p:nvSpPr>
+            <p:cNvPr id="5" name="Rounded Rectangle 4"/>
+            <p:cNvSpPr/>
+            <p:nvPr/>
+          </p:nvSpPr>
+          <p:spPr>
+            <a:xfrm>
+              <a:off x="7086600" y="304800"/>
+              <a:ext cx="1752600" cy="1752600"/>
+            </a:xfrm>
+            <a:prstGeom prst="roundRect">
+              <a:avLst/>
+            </a:prstGeom>
+            <a:grpFill/>
+            <a:ln>
+              <a:noFill/>
+            </a:ln>
+          </p:spPr>
+          <p:style>
+            <a:lnRef idx="2">
+              <a:schemeClr val="accent1">
+                <a:shade val="50000"/>
+              </a:schemeClr>
+            </a:lnRef>
+            <a:fillRef idx="1">
+              <a:schemeClr val="accent1"/>
+            </a:fillRef>
+            <a:effectRef idx="0">
+              <a:schemeClr val="accent1"/>
+            </a:effectRef>
+            <a:fontRef idx="minor">
+              <a:schemeClr val="lt1"/>
+            </a:fontRef>
+          </p:style>
+          <p:txBody>
+            <a:bodyPr rtlCol="0" anchor="ctr"/>
+            <a:lstStyle/>
+            <a:p>
+              <a:pPr algn="ctr"/>
+              <a:endParaRPr lang="es-AR"/>
+            </a:p>
+          </p:txBody>
+        </p:sp>
+        <p:sp>
+          <p:nvSpPr>
+            <p:cNvPr id="6" name="Rounded Rectangle 5"/>
+            <p:cNvSpPr/>
+            <p:nvPr/>
+          </p:nvSpPr>
+          <p:spPr>
+            <a:xfrm>
+              <a:off x="304800" y="304800"/>
+              <a:ext cx="1752600" cy="1752600"/>
+            </a:xfrm>
+            <a:prstGeom prst="roundRect">
+              <a:avLst/>
+            </a:prstGeom>
+            <a:grpFill/>
+            <a:ln>
+              <a:noFill/>
+            </a:ln>
+          </p:spPr>
+          <p:style>
+            <a:lnRef idx="2">
+              <a:schemeClr val="accent1">
+                <a:shade val="50000"/>
+              </a:schemeClr>
+            </a:lnRef>
+            <a:fillRef idx="1">
+              <a:schemeClr val="accent1"/>
+            </a:fillRef>
+            <a:effectRef idx="0">
+              <a:schemeClr val="accent1"/>
+            </a:effectRef>
+            <a:fontRef idx="minor">
+              <a:schemeClr val="lt1"/>
+            </a:fontRef>
+          </p:style>
+          <p:txBody>
+            <a:bodyPr rtlCol="0" anchor="ctr"/>
+            <a:lstStyle/>
+            <a:p>
+              <a:pPr algn="ctr"/>
+              <a:endParaRPr lang="es-AR"/>
+            </a:p>
+          </p:txBody>
+        </p:sp>
+        <p:sp>
+          <p:nvSpPr>
+            <p:cNvPr id="7" name="Rounded Rectangle 6"/>
+            <p:cNvSpPr/>
+            <p:nvPr/>
+          </p:nvSpPr>
+          <p:spPr>
+            <a:xfrm>
+              <a:off x="304800" y="4800600"/>
+              <a:ext cx="1752600" cy="1752600"/>
+            </a:xfrm>
+            <a:prstGeom prst="roundRect">
+              <a:avLst/>
+            </a:prstGeom>
+            <a:grpFill/>
+            <a:ln>
+              <a:noFill/>
+            </a:ln>
+          </p:spPr>
+          <p:style>
+            <a:lnRef idx="2">
+              <a:schemeClr val="accent1">
+                <a:shade val="50000"/>
+              </a:schemeClr>
+            </a:lnRef>
+            <a:fillRef idx="1">
+              <a:schemeClr val="accent1"/>
+            </a:fillRef>
+            <a:effectRef idx="0">
+              <a:schemeClr val="accent1"/>
+            </a:effectRef>
+            <a:fontRef idx="minor">
+              <a:schemeClr val="lt1"/>
+            </a:fontRef>
+          </p:style>
+          <p:txBody>
+            <a:bodyPr rtlCol="0" anchor="ctr"/>
+            <a:lstStyle/>
+            <a:p>
+              <a:pPr algn="ctr"/>
+              <a:endParaRPr lang="es-AR"/>
+            </a:p>
+          </p:txBody>
+        </p:sp>
+        <p:sp>
+          <p:nvSpPr>
+            <p:cNvPr id="8" name="Rounded Rectangle 7"/>
+            <p:cNvSpPr/>
+            <p:nvPr/>
+          </p:nvSpPr>
+          <p:spPr>
+            <a:xfrm>
+              <a:off x="7086600" y="4800600"/>
+              <a:ext cx="1752600" cy="1752600"/>
+            </a:xfrm>
+            <a:prstGeom prst="roundRect">
+              <a:avLst/>
+            </a:prstGeom>
+            <a:grpFill/>
+            <a:ln>
+              <a:noFill/>
+            </a:ln>
+          </p:spPr>
+          <p:style>
+            <a:lnRef idx="2">
+              <a:schemeClr val="accent1">
+                <a:shade val="50000"/>
+              </a:schemeClr>
+            </a:lnRef>
+            <a:fillRef idx="1">
+              <a:schemeClr val="accent1"/>
+            </a:fillRef>
+            <a:effectRef idx="0">
+              <a:schemeClr val="accent1"/>
+            </a:effectRef>
+            <a:fontRef idx="minor">
+              <a:schemeClr val="lt1"/>
+            </a:fontRef>
+          </p:style>
+          <p:txBody>
+            <a:bodyPr rtlCol="0" anchor="ctr"/>
+            <a:lstStyle/>
+            <a:p>
+              <a:pPr algn="ctr"/>
+              <a:endParaRPr lang="es-AR"/>
+            </a:p>
+          </p:txBody>
+        </p:sp>
+      </p:grpSp>
+      <p:sp>
+        <p:nvSpPr>
+          <p:cNvPr id="9" name="Freeform 8"/>
+          <p:cNvSpPr/>
+          <p:nvPr/>
+        </p:nvSpPr>
+        <p:spPr>
+          <a:xfrm>
+            <a:off x="533400" y="457200"/>
+            <a:ext cx="8102599" cy="5803900"/>
+          </a:xfrm>
+          <a:custGeom>
+            <a:avLst/>
+            <a:gdLst>
+              <a:gd name="connsiteX0" fmla="*/ 0 w 8077200"/>
+              <a:gd name="connsiteY0" fmla="*/ 965219 h 5791200"/>
+              <a:gd name="connsiteX1" fmla="*/ 282707 w 8077200"/>
+              <a:gd name="connsiteY1" fmla="*/ 282706 h 5791200"/>
+              <a:gd name="connsiteX2" fmla="*/ 965221 w 8077200"/>
+              <a:gd name="connsiteY2" fmla="*/ 1 h 5791200"/>
+              <a:gd name="connsiteX3" fmla="*/ 7111981 w 8077200"/>
+              <a:gd name="connsiteY3" fmla="*/ 0 h 5791200"/>
+              <a:gd name="connsiteX4" fmla="*/ 7794494 w 8077200"/>
+              <a:gd name="connsiteY4" fmla="*/ 282707 h 5791200"/>
+              <a:gd name="connsiteX5" fmla="*/ 8077199 w 8077200"/>
+              <a:gd name="connsiteY5" fmla="*/ 965221 h 5791200"/>
+              <a:gd name="connsiteX6" fmla="*/ 8077200 w 8077200"/>
+              <a:gd name="connsiteY6" fmla="*/ 4825981 h 5791200"/>
+              <a:gd name="connsiteX7" fmla="*/ 7794494 w 8077200"/>
+              <a:gd name="connsiteY7" fmla="*/ 5508494 h 5791200"/>
+              <a:gd name="connsiteX8" fmla="*/ 7111981 w 8077200"/>
+              <a:gd name="connsiteY8" fmla="*/ 5791200 h 5791200"/>
+              <a:gd name="connsiteX9" fmla="*/ 965219 w 8077200"/>
+              <a:gd name="connsiteY9" fmla="*/ 5791200 h 5791200"/>
+              <a:gd name="connsiteX10" fmla="*/ 282706 w 8077200"/>
+              <a:gd name="connsiteY10" fmla="*/ 5508493 h 5791200"/>
+              <a:gd name="connsiteX11" fmla="*/ 0 w 8077200"/>
+              <a:gd name="connsiteY11" fmla="*/ 4825980 h 5791200"/>
+              <a:gd name="connsiteX12" fmla="*/ 0 w 8077200"/>
+              <a:gd name="connsiteY12" fmla="*/ 965219 h 5791200"/>
+              <a:gd name="connsiteX0" fmla="*/ 0 w 8077200"/>
+              <a:gd name="connsiteY0" fmla="*/ 609600 h 5791200"/>
+              <a:gd name="connsiteX1" fmla="*/ 282707 w 8077200"/>
+              <a:gd name="connsiteY1" fmla="*/ 282706 h 5791200"/>
+              <a:gd name="connsiteX2" fmla="*/ 965221 w 8077200"/>
+              <a:gd name="connsiteY2" fmla="*/ 1 h 5791200"/>
+              <a:gd name="connsiteX3" fmla="*/ 7111981 w 8077200"/>
+              <a:gd name="connsiteY3" fmla="*/ 0 h 5791200"/>
+              <a:gd name="connsiteX4" fmla="*/ 7794494 w 8077200"/>
+              <a:gd name="connsiteY4" fmla="*/ 282707 h 5791200"/>
+              <a:gd name="connsiteX5" fmla="*/ 8077199 w 8077200"/>
+              <a:gd name="connsiteY5" fmla="*/ 965221 h 5791200"/>
+              <a:gd name="connsiteX6" fmla="*/ 8077200 w 8077200"/>
+              <a:gd name="connsiteY6" fmla="*/ 4825981 h 5791200"/>
+              <a:gd name="connsiteX7" fmla="*/ 7794494 w 8077200"/>
+              <a:gd name="connsiteY7" fmla="*/ 5508494 h 5791200"/>
+              <a:gd name="connsiteX8" fmla="*/ 7111981 w 8077200"/>
+              <a:gd name="connsiteY8" fmla="*/ 5791200 h 5791200"/>
+              <a:gd name="connsiteX9" fmla="*/ 965219 w 8077200"/>
+              <a:gd name="connsiteY9" fmla="*/ 5791200 h 5791200"/>
+              <a:gd name="connsiteX10" fmla="*/ 282706 w 8077200"/>
+              <a:gd name="connsiteY10" fmla="*/ 5508493 h 5791200"/>
+              <a:gd name="connsiteX11" fmla="*/ 0 w 8077200"/>
+              <a:gd name="connsiteY11" fmla="*/ 4825980 h 5791200"/>
+              <a:gd name="connsiteX12" fmla="*/ 0 w 8077200"/>
+              <a:gd name="connsiteY12" fmla="*/ 609600 h 5791200"/>
+              <a:gd name="connsiteX0" fmla="*/ 0 w 8077200"/>
+              <a:gd name="connsiteY0" fmla="*/ 609601 h 5791201"/>
+              <a:gd name="connsiteX1" fmla="*/ 282707 w 8077200"/>
+              <a:gd name="connsiteY1" fmla="*/ 282707 h 5791201"/>
+              <a:gd name="connsiteX2" fmla="*/ 609600 w 8077200"/>
+              <a:gd name="connsiteY2" fmla="*/ 1 h 5791201"/>
+              <a:gd name="connsiteX3" fmla="*/ 7111981 w 8077200"/>
+              <a:gd name="connsiteY3" fmla="*/ 1 h 5791201"/>
+              <a:gd name="connsiteX4" fmla="*/ 7794494 w 8077200"/>
+              <a:gd name="connsiteY4" fmla="*/ 282708 h 5791201"/>
+              <a:gd name="connsiteX5" fmla="*/ 8077199 w 8077200"/>
+              <a:gd name="connsiteY5" fmla="*/ 965222 h 5791201"/>
+              <a:gd name="connsiteX6" fmla="*/ 8077200 w 8077200"/>
+              <a:gd name="connsiteY6" fmla="*/ 4825982 h 5791201"/>
+              <a:gd name="connsiteX7" fmla="*/ 7794494 w 8077200"/>
+              <a:gd name="connsiteY7" fmla="*/ 5508495 h 5791201"/>
+              <a:gd name="connsiteX8" fmla="*/ 7111981 w 8077200"/>
+              <a:gd name="connsiteY8" fmla="*/ 5791201 h 5791201"/>
+              <a:gd name="connsiteX9" fmla="*/ 965219 w 8077200"/>
+              <a:gd name="connsiteY9" fmla="*/ 5791201 h 5791201"/>
+              <a:gd name="connsiteX10" fmla="*/ 282706 w 8077200"/>
+              <a:gd name="connsiteY10" fmla="*/ 5508494 h 5791201"/>
+              <a:gd name="connsiteX11" fmla="*/ 0 w 8077200"/>
+              <a:gd name="connsiteY11" fmla="*/ 4825981 h 5791201"/>
+              <a:gd name="connsiteX12" fmla="*/ 0 w 8077200"/>
+              <a:gd name="connsiteY12" fmla="*/ 609601 h 5791201"/>
+              <a:gd name="connsiteX0" fmla="*/ 0 w 8077200"/>
+              <a:gd name="connsiteY0" fmla="*/ 609601 h 5791201"/>
+              <a:gd name="connsiteX1" fmla="*/ 152400 w 8077200"/>
+              <a:gd name="connsiteY1" fmla="*/ 152402 h 5791201"/>
+              <a:gd name="connsiteX2" fmla="*/ 609600 w 8077200"/>
+              <a:gd name="connsiteY2" fmla="*/ 1 h 5791201"/>
+              <a:gd name="connsiteX3" fmla="*/ 7111981 w 8077200"/>
+              <a:gd name="connsiteY3" fmla="*/ 1 h 5791201"/>
+              <a:gd name="connsiteX4" fmla="*/ 7794494 w 8077200"/>
+              <a:gd name="connsiteY4" fmla="*/ 282708 h 5791201"/>
+              <a:gd name="connsiteX5" fmla="*/ 8077199 w 8077200"/>
+              <a:gd name="connsiteY5" fmla="*/ 965222 h 5791201"/>
+              <a:gd name="connsiteX6" fmla="*/ 8077200 w 8077200"/>
+              <a:gd name="connsiteY6" fmla="*/ 4825982 h 5791201"/>
+              <a:gd name="connsiteX7" fmla="*/ 7794494 w 8077200"/>
+              <a:gd name="connsiteY7" fmla="*/ 5508495 h 5791201"/>
+              <a:gd name="connsiteX8" fmla="*/ 7111981 w 8077200"/>
+              <a:gd name="connsiteY8" fmla="*/ 5791201 h 5791201"/>
+              <a:gd name="connsiteX9" fmla="*/ 965219 w 8077200"/>
+              <a:gd name="connsiteY9" fmla="*/ 5791201 h 5791201"/>
+              <a:gd name="connsiteX10" fmla="*/ 282706 w 8077200"/>
+              <a:gd name="connsiteY10" fmla="*/ 5508494 h 5791201"/>
+              <a:gd name="connsiteX11" fmla="*/ 0 w 8077200"/>
+              <a:gd name="connsiteY11" fmla="*/ 4825981 h 5791201"/>
+              <a:gd name="connsiteX12" fmla="*/ 0 w 8077200"/>
+              <a:gd name="connsiteY12" fmla="*/ 609601 h 5791201"/>
+              <a:gd name="connsiteX0" fmla="*/ 0 w 8077200"/>
+              <a:gd name="connsiteY0" fmla="*/ 609600 h 5791200"/>
+              <a:gd name="connsiteX1" fmla="*/ 152400 w 8077200"/>
+              <a:gd name="connsiteY1" fmla="*/ 152401 h 5791200"/>
+              <a:gd name="connsiteX2" fmla="*/ 533400 w 8077200"/>
+              <a:gd name="connsiteY2" fmla="*/ 1 h 5791200"/>
+              <a:gd name="connsiteX3" fmla="*/ 7111981 w 8077200"/>
+              <a:gd name="connsiteY3" fmla="*/ 0 h 5791200"/>
+              <a:gd name="connsiteX4" fmla="*/ 7794494 w 8077200"/>
+              <a:gd name="connsiteY4" fmla="*/ 282707 h 5791200"/>
+              <a:gd name="connsiteX5" fmla="*/ 8077199 w 8077200"/>
+              <a:gd name="connsiteY5" fmla="*/ 965221 h 5791200"/>
+              <a:gd name="connsiteX6" fmla="*/ 8077200 w 8077200"/>
+              <a:gd name="connsiteY6" fmla="*/ 4825981 h 5791200"/>
+              <a:gd name="connsiteX7" fmla="*/ 7794494 w 8077200"/>
+              <a:gd name="connsiteY7" fmla="*/ 5508494 h 5791200"/>
+              <a:gd name="connsiteX8" fmla="*/ 7111981 w 8077200"/>
+              <a:gd name="connsiteY8" fmla="*/ 5791200 h 5791200"/>
+              <a:gd name="connsiteX9" fmla="*/ 965219 w 8077200"/>
+              <a:gd name="connsiteY9" fmla="*/ 5791200 h 5791200"/>
+              <a:gd name="connsiteX10" fmla="*/ 282706 w 8077200"/>
+              <a:gd name="connsiteY10" fmla="*/ 5508493 h 5791200"/>
+              <a:gd name="connsiteX11" fmla="*/ 0 w 8077200"/>
+              <a:gd name="connsiteY11" fmla="*/ 4825980 h 5791200"/>
+              <a:gd name="connsiteX12" fmla="*/ 0 w 8077200"/>
+              <a:gd name="connsiteY12" fmla="*/ 609600 h 5791200"/>
+              <a:gd name="connsiteX0" fmla="*/ 0 w 8077200"/>
+              <a:gd name="connsiteY0" fmla="*/ 533400 h 5791200"/>
+              <a:gd name="connsiteX1" fmla="*/ 152400 w 8077200"/>
+              <a:gd name="connsiteY1" fmla="*/ 152401 h 5791200"/>
+              <a:gd name="connsiteX2" fmla="*/ 533400 w 8077200"/>
+              <a:gd name="connsiteY2" fmla="*/ 1 h 5791200"/>
+              <a:gd name="connsiteX3" fmla="*/ 7111981 w 8077200"/>
+              <a:gd name="connsiteY3" fmla="*/ 0 h 5791200"/>
+              <a:gd name="connsiteX4" fmla="*/ 7794494 w 8077200"/>
+              <a:gd name="connsiteY4" fmla="*/ 282707 h 5791200"/>
+              <a:gd name="connsiteX5" fmla="*/ 8077199 w 8077200"/>
+              <a:gd name="connsiteY5" fmla="*/ 965221 h 5791200"/>
+              <a:gd name="connsiteX6" fmla="*/ 8077200 w 8077200"/>
+              <a:gd name="connsiteY6" fmla="*/ 4825981 h 5791200"/>
+              <a:gd name="connsiteX7" fmla="*/ 7794494 w 8077200"/>
+              <a:gd name="connsiteY7" fmla="*/ 5508494 h 5791200"/>
+              <a:gd name="connsiteX8" fmla="*/ 7111981 w 8077200"/>
+              <a:gd name="connsiteY8" fmla="*/ 5791200 h 5791200"/>
+              <a:gd name="connsiteX9" fmla="*/ 965219 w 8077200"/>
+              <a:gd name="connsiteY9" fmla="*/ 5791200 h 5791200"/>
+              <a:gd name="connsiteX10" fmla="*/ 282706 w 8077200"/>
+              <a:gd name="connsiteY10" fmla="*/ 5508493 h 5791200"/>
+              <a:gd name="connsiteX11" fmla="*/ 0 w 8077200"/>
+              <a:gd name="connsiteY11" fmla="*/ 4825980 h 5791200"/>
+              <a:gd name="connsiteX12" fmla="*/ 0 w 8077200"/>
+              <a:gd name="connsiteY12" fmla="*/ 533400 h 5791200"/>
+              <a:gd name="connsiteX0" fmla="*/ 12700 w 8089900"/>
+              <a:gd name="connsiteY0" fmla="*/ 546100 h 5803900"/>
+              <a:gd name="connsiteX1" fmla="*/ 88900 w 8089900"/>
+              <a:gd name="connsiteY1" fmla="*/ 88900 h 5803900"/>
+              <a:gd name="connsiteX2" fmla="*/ 546100 w 8089900"/>
+              <a:gd name="connsiteY2" fmla="*/ 12701 h 5803900"/>
+              <a:gd name="connsiteX3" fmla="*/ 7124681 w 8089900"/>
+              <a:gd name="connsiteY3" fmla="*/ 12700 h 5803900"/>
+              <a:gd name="connsiteX4" fmla="*/ 7807194 w 8089900"/>
+              <a:gd name="connsiteY4" fmla="*/ 295407 h 5803900"/>
+              <a:gd name="connsiteX5" fmla="*/ 8089899 w 8089900"/>
+              <a:gd name="connsiteY5" fmla="*/ 977921 h 5803900"/>
+              <a:gd name="connsiteX6" fmla="*/ 8089900 w 8089900"/>
+              <a:gd name="connsiteY6" fmla="*/ 4838681 h 5803900"/>
+              <a:gd name="connsiteX7" fmla="*/ 7807194 w 8089900"/>
+              <a:gd name="connsiteY7" fmla="*/ 5521194 h 5803900"/>
+              <a:gd name="connsiteX8" fmla="*/ 7124681 w 8089900"/>
+              <a:gd name="connsiteY8" fmla="*/ 5803900 h 5803900"/>
+              <a:gd name="connsiteX9" fmla="*/ 977919 w 8089900"/>
+              <a:gd name="connsiteY9" fmla="*/ 5803900 h 5803900"/>
+              <a:gd name="connsiteX10" fmla="*/ 295406 w 8089900"/>
+              <a:gd name="connsiteY10" fmla="*/ 5521193 h 5803900"/>
+              <a:gd name="connsiteX11" fmla="*/ 12700 w 8089900"/>
+              <a:gd name="connsiteY11" fmla="*/ 4838680 h 5803900"/>
+              <a:gd name="connsiteX12" fmla="*/ 12700 w 8089900"/>
+              <a:gd name="connsiteY12" fmla="*/ 546100 h 5803900"/>
+              <a:gd name="connsiteX0" fmla="*/ 12700 w 8089900"/>
+              <a:gd name="connsiteY0" fmla="*/ 546100 h 5803900"/>
+              <a:gd name="connsiteX1" fmla="*/ 88900 w 8089900"/>
+              <a:gd name="connsiteY1" fmla="*/ 88900 h 5803900"/>
+              <a:gd name="connsiteX2" fmla="*/ 546100 w 8089900"/>
+              <a:gd name="connsiteY2" fmla="*/ 12701 h 5803900"/>
+              <a:gd name="connsiteX3" fmla="*/ 7124681 w 8089900"/>
+              <a:gd name="connsiteY3" fmla="*/ 12700 h 5803900"/>
+              <a:gd name="connsiteX4" fmla="*/ 7807194 w 8089900"/>
+              <a:gd name="connsiteY4" fmla="*/ 295407 h 5803900"/>
+              <a:gd name="connsiteX5" fmla="*/ 8089899 w 8089900"/>
+              <a:gd name="connsiteY5" fmla="*/ 977921 h 5803900"/>
+              <a:gd name="connsiteX6" fmla="*/ 8089900 w 8089900"/>
+              <a:gd name="connsiteY6" fmla="*/ 4838681 h 5803900"/>
+              <a:gd name="connsiteX7" fmla="*/ 7807194 w 8089900"/>
+              <a:gd name="connsiteY7" fmla="*/ 5521194 h 5803900"/>
+              <a:gd name="connsiteX8" fmla="*/ 7124681 w 8089900"/>
+              <a:gd name="connsiteY8" fmla="*/ 5803900 h 5803900"/>
+              <a:gd name="connsiteX9" fmla="*/ 977919 w 8089900"/>
+              <a:gd name="connsiteY9" fmla="*/ 5803900 h 5803900"/>
+              <a:gd name="connsiteX10" fmla="*/ 295406 w 8089900"/>
+              <a:gd name="connsiteY10" fmla="*/ 5521193 h 5803900"/>
+              <a:gd name="connsiteX11" fmla="*/ 12700 w 8089900"/>
+              <a:gd name="connsiteY11" fmla="*/ 5346700 h 5803900"/>
+              <a:gd name="connsiteX12" fmla="*/ 12700 w 8089900"/>
+              <a:gd name="connsiteY12" fmla="*/ 546100 h 5803900"/>
+              <a:gd name="connsiteX0" fmla="*/ 12700 w 8089900"/>
+              <a:gd name="connsiteY0" fmla="*/ 546100 h 5803900"/>
+              <a:gd name="connsiteX1" fmla="*/ 88900 w 8089900"/>
+              <a:gd name="connsiteY1" fmla="*/ 88900 h 5803900"/>
+              <a:gd name="connsiteX2" fmla="*/ 546100 w 8089900"/>
+              <a:gd name="connsiteY2" fmla="*/ 12701 h 5803900"/>
+              <a:gd name="connsiteX3" fmla="*/ 7124681 w 8089900"/>
+              <a:gd name="connsiteY3" fmla="*/ 12700 h 5803900"/>
+              <a:gd name="connsiteX4" fmla="*/ 7807194 w 8089900"/>
+              <a:gd name="connsiteY4" fmla="*/ 295407 h 5803900"/>
+              <a:gd name="connsiteX5" fmla="*/ 8089899 w 8089900"/>
+              <a:gd name="connsiteY5" fmla="*/ 977921 h 5803900"/>
+              <a:gd name="connsiteX6" fmla="*/ 8089900 w 8089900"/>
+              <a:gd name="connsiteY6" fmla="*/ 4838681 h 5803900"/>
+              <a:gd name="connsiteX7" fmla="*/ 7807194 w 8089900"/>
+              <a:gd name="connsiteY7" fmla="*/ 5521194 h 5803900"/>
+              <a:gd name="connsiteX8" fmla="*/ 7124681 w 8089900"/>
+              <a:gd name="connsiteY8" fmla="*/ 5803900 h 5803900"/>
+              <a:gd name="connsiteX9" fmla="*/ 546100 w 8089900"/>
+              <a:gd name="connsiteY9" fmla="*/ 5803900 h 5803900"/>
+              <a:gd name="connsiteX10" fmla="*/ 295406 w 8089900"/>
+              <a:gd name="connsiteY10" fmla="*/ 5521193 h 5803900"/>
+              <a:gd name="connsiteX11" fmla="*/ 12700 w 8089900"/>
+              <a:gd name="connsiteY11" fmla="*/ 5346700 h 5803900"/>
+              <a:gd name="connsiteX12" fmla="*/ 12700 w 8089900"/>
+              <a:gd name="connsiteY12" fmla="*/ 546100 h 5803900"/>
+              <a:gd name="connsiteX0" fmla="*/ 12700 w 8089900"/>
+              <a:gd name="connsiteY0" fmla="*/ 546100 h 5803900"/>
+              <a:gd name="connsiteX1" fmla="*/ 88900 w 8089900"/>
+              <a:gd name="connsiteY1" fmla="*/ 88900 h 5803900"/>
+              <a:gd name="connsiteX2" fmla="*/ 546100 w 8089900"/>
+              <a:gd name="connsiteY2" fmla="*/ 12701 h 5803900"/>
+              <a:gd name="connsiteX3" fmla="*/ 7124681 w 8089900"/>
+              <a:gd name="connsiteY3" fmla="*/ 12700 h 5803900"/>
+              <a:gd name="connsiteX4" fmla="*/ 7807194 w 8089900"/>
+              <a:gd name="connsiteY4" fmla="*/ 295407 h 5803900"/>
+              <a:gd name="connsiteX5" fmla="*/ 8089899 w 8089900"/>
+              <a:gd name="connsiteY5" fmla="*/ 977921 h 5803900"/>
+              <a:gd name="connsiteX6" fmla="*/ 8089900 w 8089900"/>
+              <a:gd name="connsiteY6" fmla="*/ 4838681 h 5803900"/>
+              <a:gd name="connsiteX7" fmla="*/ 7807194 w 8089900"/>
+              <a:gd name="connsiteY7" fmla="*/ 5521194 h 5803900"/>
+              <a:gd name="connsiteX8" fmla="*/ 7124681 w 8089900"/>
+              <a:gd name="connsiteY8" fmla="*/ 5803900 h 5803900"/>
+              <a:gd name="connsiteX9" fmla="*/ 546100 w 8089900"/>
+              <a:gd name="connsiteY9" fmla="*/ 5803900 h 5803900"/>
+              <a:gd name="connsiteX10" fmla="*/ 88900 w 8089900"/>
+              <a:gd name="connsiteY10" fmla="*/ 5727700 h 5803900"/>
+              <a:gd name="connsiteX11" fmla="*/ 12700 w 8089900"/>
+              <a:gd name="connsiteY11" fmla="*/ 5346700 h 5803900"/>
+              <a:gd name="connsiteX12" fmla="*/ 12700 w 8089900"/>
+              <a:gd name="connsiteY12" fmla="*/ 546100 h 5803900"/>
+              <a:gd name="connsiteX0" fmla="*/ 12700 w 8089900"/>
+              <a:gd name="connsiteY0" fmla="*/ 546100 h 5803900"/>
+              <a:gd name="connsiteX1" fmla="*/ 88900 w 8089900"/>
+              <a:gd name="connsiteY1" fmla="*/ 88900 h 5803900"/>
+              <a:gd name="connsiteX2" fmla="*/ 546100 w 8089900"/>
+              <a:gd name="connsiteY2" fmla="*/ 12701 h 5803900"/>
+              <a:gd name="connsiteX3" fmla="*/ 7556500 w 8089900"/>
+              <a:gd name="connsiteY3" fmla="*/ 12700 h 5803900"/>
+              <a:gd name="connsiteX4" fmla="*/ 7807194 w 8089900"/>
+              <a:gd name="connsiteY4" fmla="*/ 295407 h 5803900"/>
+              <a:gd name="connsiteX5" fmla="*/ 8089899 w 8089900"/>
+              <a:gd name="connsiteY5" fmla="*/ 977921 h 5803900"/>
+              <a:gd name="connsiteX6" fmla="*/ 8089900 w 8089900"/>
+              <a:gd name="connsiteY6" fmla="*/ 4838681 h 5803900"/>
+              <a:gd name="connsiteX7" fmla="*/ 7807194 w 8089900"/>
+              <a:gd name="connsiteY7" fmla="*/ 5521194 h 5803900"/>
+              <a:gd name="connsiteX8" fmla="*/ 7124681 w 8089900"/>
+              <a:gd name="connsiteY8" fmla="*/ 5803900 h 5803900"/>
+              <a:gd name="connsiteX9" fmla="*/ 546100 w 8089900"/>
+              <a:gd name="connsiteY9" fmla="*/ 5803900 h 5803900"/>
+              <a:gd name="connsiteX10" fmla="*/ 88900 w 8089900"/>
+              <a:gd name="connsiteY10" fmla="*/ 5727700 h 5803900"/>
+              <a:gd name="connsiteX11" fmla="*/ 12700 w 8089900"/>
+              <a:gd name="connsiteY11" fmla="*/ 5346700 h 5803900"/>
+              <a:gd name="connsiteX12" fmla="*/ 12700 w 8089900"/>
+              <a:gd name="connsiteY12" fmla="*/ 546100 h 5803900"/>
+              <a:gd name="connsiteX0" fmla="*/ 12700 w 8089901"/>
+              <a:gd name="connsiteY0" fmla="*/ 546100 h 5803900"/>
+              <a:gd name="connsiteX1" fmla="*/ 88900 w 8089901"/>
+              <a:gd name="connsiteY1" fmla="*/ 88900 h 5803900"/>
+              <a:gd name="connsiteX2" fmla="*/ 546100 w 8089901"/>
+              <a:gd name="connsiteY2" fmla="*/ 12701 h 5803900"/>
+              <a:gd name="connsiteX3" fmla="*/ 7556500 w 8089901"/>
+              <a:gd name="connsiteY3" fmla="*/ 12700 h 5803900"/>
+              <a:gd name="connsiteX4" fmla="*/ 7807194 w 8089901"/>
+              <a:gd name="connsiteY4" fmla="*/ 295407 h 5803900"/>
+              <a:gd name="connsiteX5" fmla="*/ 8089900 w 8089901"/>
+              <a:gd name="connsiteY5" fmla="*/ 469900 h 5803900"/>
+              <a:gd name="connsiteX6" fmla="*/ 8089900 w 8089901"/>
+              <a:gd name="connsiteY6" fmla="*/ 4838681 h 5803900"/>
+              <a:gd name="connsiteX7" fmla="*/ 7807194 w 8089901"/>
+              <a:gd name="connsiteY7" fmla="*/ 5521194 h 5803900"/>
+              <a:gd name="connsiteX8" fmla="*/ 7124681 w 8089901"/>
+              <a:gd name="connsiteY8" fmla="*/ 5803900 h 5803900"/>
+              <a:gd name="connsiteX9" fmla="*/ 546100 w 8089901"/>
+              <a:gd name="connsiteY9" fmla="*/ 5803900 h 5803900"/>
+              <a:gd name="connsiteX10" fmla="*/ 88900 w 8089901"/>
+              <a:gd name="connsiteY10" fmla="*/ 5727700 h 5803900"/>
+              <a:gd name="connsiteX11" fmla="*/ 12700 w 8089901"/>
+              <a:gd name="connsiteY11" fmla="*/ 5346700 h 5803900"/>
+              <a:gd name="connsiteX12" fmla="*/ 12700 w 8089901"/>
+              <a:gd name="connsiteY12" fmla="*/ 546100 h 5803900"/>
+              <a:gd name="connsiteX0" fmla="*/ 12700 w 8102600"/>
+              <a:gd name="connsiteY0" fmla="*/ 546100 h 5803900"/>
+              <a:gd name="connsiteX1" fmla="*/ 88900 w 8102600"/>
+              <a:gd name="connsiteY1" fmla="*/ 88900 h 5803900"/>
+              <a:gd name="connsiteX2" fmla="*/ 546100 w 8102600"/>
+              <a:gd name="connsiteY2" fmla="*/ 12701 h 5803900"/>
+              <a:gd name="connsiteX3" fmla="*/ 7556500 w 8102600"/>
+              <a:gd name="connsiteY3" fmla="*/ 12700 h 5803900"/>
+              <a:gd name="connsiteX4" fmla="*/ 8013700 w 8102600"/>
+              <a:gd name="connsiteY4" fmla="*/ 88900 h 5803900"/>
+              <a:gd name="connsiteX5" fmla="*/ 8089900 w 8102600"/>
+              <a:gd name="connsiteY5" fmla="*/ 469900 h 5803900"/>
+              <a:gd name="connsiteX6" fmla="*/ 8089900 w 8102600"/>
+              <a:gd name="connsiteY6" fmla="*/ 4838681 h 5803900"/>
+              <a:gd name="connsiteX7" fmla="*/ 7807194 w 8102600"/>
+              <a:gd name="connsiteY7" fmla="*/ 5521194 h 5803900"/>
+              <a:gd name="connsiteX8" fmla="*/ 7124681 w 8102600"/>
+              <a:gd name="connsiteY8" fmla="*/ 5803900 h 5803900"/>
+              <a:gd name="connsiteX9" fmla="*/ 546100 w 8102600"/>
+              <a:gd name="connsiteY9" fmla="*/ 5803900 h 5803900"/>
+              <a:gd name="connsiteX10" fmla="*/ 88900 w 8102600"/>
+              <a:gd name="connsiteY10" fmla="*/ 5727700 h 5803900"/>
+              <a:gd name="connsiteX11" fmla="*/ 12700 w 8102600"/>
+              <a:gd name="connsiteY11" fmla="*/ 5346700 h 5803900"/>
+              <a:gd name="connsiteX12" fmla="*/ 12700 w 8102600"/>
+              <a:gd name="connsiteY12" fmla="*/ 546100 h 5803900"/>
+              <a:gd name="connsiteX0" fmla="*/ 12700 w 8102600"/>
+              <a:gd name="connsiteY0" fmla="*/ 546100 h 5803900"/>
+              <a:gd name="connsiteX1" fmla="*/ 88900 w 8102600"/>
+              <a:gd name="connsiteY1" fmla="*/ 88900 h 5803900"/>
+              <a:gd name="connsiteX2" fmla="*/ 546100 w 8102600"/>
+              <a:gd name="connsiteY2" fmla="*/ 12701 h 5803900"/>
+              <a:gd name="connsiteX3" fmla="*/ 7556500 w 8102600"/>
+              <a:gd name="connsiteY3" fmla="*/ 12700 h 5803900"/>
+              <a:gd name="connsiteX4" fmla="*/ 8013700 w 8102600"/>
+              <a:gd name="connsiteY4" fmla="*/ 88900 h 5803900"/>
+              <a:gd name="connsiteX5" fmla="*/ 8089899 w 8102600"/>
+              <a:gd name="connsiteY5" fmla="*/ 469900 h 5803900"/>
+              <a:gd name="connsiteX6" fmla="*/ 8089900 w 8102600"/>
+              <a:gd name="connsiteY6" fmla="*/ 4838681 h 5803900"/>
+              <a:gd name="connsiteX7" fmla="*/ 7807194 w 8102600"/>
+              <a:gd name="connsiteY7" fmla="*/ 5521194 h 5803900"/>
+              <a:gd name="connsiteX8" fmla="*/ 7124681 w 8102600"/>
+              <a:gd name="connsiteY8" fmla="*/ 5803900 h 5803900"/>
+              <a:gd name="connsiteX9" fmla="*/ 546100 w 8102600"/>
+              <a:gd name="connsiteY9" fmla="*/ 5803900 h 5803900"/>
+              <a:gd name="connsiteX10" fmla="*/ 88900 w 8102600"/>
+              <a:gd name="connsiteY10" fmla="*/ 5727700 h 5803900"/>
+              <a:gd name="connsiteX11" fmla="*/ 12700 w 8102600"/>
+              <a:gd name="connsiteY11" fmla="*/ 5346700 h 5803900"/>
+              <a:gd name="connsiteX12" fmla="*/ 12700 w 8102600"/>
+              <a:gd name="connsiteY12" fmla="*/ 546100 h 5803900"/>
+              <a:gd name="connsiteX0" fmla="*/ 12700 w 8102599"/>
+              <a:gd name="connsiteY0" fmla="*/ 546100 h 5803900"/>
+              <a:gd name="connsiteX1" fmla="*/ 88900 w 8102599"/>
+              <a:gd name="connsiteY1" fmla="*/ 88900 h 5803900"/>
+              <a:gd name="connsiteX2" fmla="*/ 546100 w 8102599"/>
+              <a:gd name="connsiteY2" fmla="*/ 12701 h 5803900"/>
+              <a:gd name="connsiteX3" fmla="*/ 7556500 w 8102599"/>
+              <a:gd name="connsiteY3" fmla="*/ 12700 h 5803900"/>
+              <a:gd name="connsiteX4" fmla="*/ 8013699 w 8102599"/>
+              <a:gd name="connsiteY4" fmla="*/ 88900 h 5803900"/>
+              <a:gd name="connsiteX5" fmla="*/ 8089899 w 8102599"/>
+              <a:gd name="connsiteY5" fmla="*/ 469900 h 5803900"/>
+              <a:gd name="connsiteX6" fmla="*/ 8089900 w 8102599"/>
+              <a:gd name="connsiteY6" fmla="*/ 4838681 h 5803900"/>
+              <a:gd name="connsiteX7" fmla="*/ 7807194 w 8102599"/>
+              <a:gd name="connsiteY7" fmla="*/ 5521194 h 5803900"/>
+              <a:gd name="connsiteX8" fmla="*/ 7124681 w 8102599"/>
+              <a:gd name="connsiteY8" fmla="*/ 5803900 h 5803900"/>
+              <a:gd name="connsiteX9" fmla="*/ 546100 w 8102599"/>
+              <a:gd name="connsiteY9" fmla="*/ 5803900 h 5803900"/>
+              <a:gd name="connsiteX10" fmla="*/ 88900 w 8102599"/>
+              <a:gd name="connsiteY10" fmla="*/ 5727700 h 5803900"/>
+              <a:gd name="connsiteX11" fmla="*/ 12700 w 8102599"/>
+              <a:gd name="connsiteY11" fmla="*/ 5346700 h 5803900"/>
+              <a:gd name="connsiteX12" fmla="*/ 12700 w 8102599"/>
+              <a:gd name="connsiteY12" fmla="*/ 546100 h 5803900"/>
+              <a:gd name="connsiteX0" fmla="*/ 12700 w 8102599"/>
+              <a:gd name="connsiteY0" fmla="*/ 546100 h 5803900"/>
+              <a:gd name="connsiteX1" fmla="*/ 88900 w 8102599"/>
+              <a:gd name="connsiteY1" fmla="*/ 88900 h 5803900"/>
+              <a:gd name="connsiteX2" fmla="*/ 546100 w 8102599"/>
+              <a:gd name="connsiteY2" fmla="*/ 12701 h 5803900"/>
+              <a:gd name="connsiteX3" fmla="*/ 7556500 w 8102599"/>
+              <a:gd name="connsiteY3" fmla="*/ 12700 h 5803900"/>
+              <a:gd name="connsiteX4" fmla="*/ 8013699 w 8102599"/>
+              <a:gd name="connsiteY4" fmla="*/ 88900 h 5803900"/>
+              <a:gd name="connsiteX5" fmla="*/ 8089899 w 8102599"/>
+              <a:gd name="connsiteY5" fmla="*/ 469900 h 5803900"/>
+              <a:gd name="connsiteX6" fmla="*/ 8089900 w 8102599"/>
+              <a:gd name="connsiteY6" fmla="*/ 5346700 h 5803900"/>
+              <a:gd name="connsiteX7" fmla="*/ 7807194 w 8102599"/>
+              <a:gd name="connsiteY7" fmla="*/ 5521194 h 5803900"/>
+              <a:gd name="connsiteX8" fmla="*/ 7124681 w 8102599"/>
+              <a:gd name="connsiteY8" fmla="*/ 5803900 h 5803900"/>
+              <a:gd name="connsiteX9" fmla="*/ 546100 w 8102599"/>
+              <a:gd name="connsiteY9" fmla="*/ 5803900 h 5803900"/>
+              <a:gd name="connsiteX10" fmla="*/ 88900 w 8102599"/>
+              <a:gd name="connsiteY10" fmla="*/ 5727700 h 5803900"/>
+              <a:gd name="connsiteX11" fmla="*/ 12700 w 8102599"/>
+              <a:gd name="connsiteY11" fmla="*/ 5346700 h 5803900"/>
+              <a:gd name="connsiteX12" fmla="*/ 12700 w 8102599"/>
+              <a:gd name="connsiteY12" fmla="*/ 546100 h 5803900"/>
+              <a:gd name="connsiteX0" fmla="*/ 12700 w 8102599"/>
+              <a:gd name="connsiteY0" fmla="*/ 546100 h 5803900"/>
+              <a:gd name="connsiteX1" fmla="*/ 88900 w 8102599"/>
+              <a:gd name="connsiteY1" fmla="*/ 88900 h 5803900"/>
+              <a:gd name="connsiteX2" fmla="*/ 546100 w 8102599"/>
+              <a:gd name="connsiteY2" fmla="*/ 12701 h 5803900"/>
+              <a:gd name="connsiteX3" fmla="*/ 7556500 w 8102599"/>
+              <a:gd name="connsiteY3" fmla="*/ 12700 h 5803900"/>
+              <a:gd name="connsiteX4" fmla="*/ 8013699 w 8102599"/>
+              <a:gd name="connsiteY4" fmla="*/ 88900 h 5803900"/>
+              <a:gd name="connsiteX5" fmla="*/ 8089899 w 8102599"/>
+              <a:gd name="connsiteY5" fmla="*/ 469900 h 5803900"/>
+              <a:gd name="connsiteX6" fmla="*/ 8089900 w 8102599"/>
+              <a:gd name="connsiteY6" fmla="*/ 5346700 h 5803900"/>
+              <a:gd name="connsiteX7" fmla="*/ 7807194 w 8102599"/>
+              <a:gd name="connsiteY7" fmla="*/ 5521194 h 5803900"/>
+              <a:gd name="connsiteX8" fmla="*/ 7632700 w 8102599"/>
+              <a:gd name="connsiteY8" fmla="*/ 5803900 h 5803900"/>
+              <a:gd name="connsiteX9" fmla="*/ 546100 w 8102599"/>
+              <a:gd name="connsiteY9" fmla="*/ 5803900 h 5803900"/>
+              <a:gd name="connsiteX10" fmla="*/ 88900 w 8102599"/>
+              <a:gd name="connsiteY10" fmla="*/ 5727700 h 5803900"/>
+              <a:gd name="connsiteX11" fmla="*/ 12700 w 8102599"/>
+              <a:gd name="connsiteY11" fmla="*/ 5346700 h 5803900"/>
+              <a:gd name="connsiteX12" fmla="*/ 12700 w 8102599"/>
+              <a:gd name="connsiteY12" fmla="*/ 546100 h 5803900"/>
+              <a:gd name="connsiteX0" fmla="*/ 12700 w 8102599"/>
+              <a:gd name="connsiteY0" fmla="*/ 546100 h 5803900"/>
+              <a:gd name="connsiteX1" fmla="*/ 88900 w 8102599"/>
+              <a:gd name="connsiteY1" fmla="*/ 88900 h 5803900"/>
+              <a:gd name="connsiteX2" fmla="*/ 546100 w 8102599"/>
+              <a:gd name="connsiteY2" fmla="*/ 12701 h 5803900"/>
+              <a:gd name="connsiteX3" fmla="*/ 7556500 w 8102599"/>
+              <a:gd name="connsiteY3" fmla="*/ 12700 h 5803900"/>
+              <a:gd name="connsiteX4" fmla="*/ 8013699 w 8102599"/>
+              <a:gd name="connsiteY4" fmla="*/ 88900 h 5803900"/>
+              <a:gd name="connsiteX5" fmla="*/ 8089899 w 8102599"/>
+              <a:gd name="connsiteY5" fmla="*/ 469900 h 5803900"/>
+              <a:gd name="connsiteX6" fmla="*/ 8089900 w 8102599"/>
+              <a:gd name="connsiteY6" fmla="*/ 5346700 h 5803900"/>
+              <a:gd name="connsiteX7" fmla="*/ 8013700 w 8102599"/>
+              <a:gd name="connsiteY7" fmla="*/ 5727700 h 5803900"/>
+              <a:gd name="connsiteX8" fmla="*/ 7632700 w 8102599"/>
+              <a:gd name="connsiteY8" fmla="*/ 5803900 h 5803900"/>
+              <a:gd name="connsiteX9" fmla="*/ 546100 w 8102599"/>
+              <a:gd name="connsiteY9" fmla="*/ 5803900 h 5803900"/>
+              <a:gd name="connsiteX10" fmla="*/ 88900 w 8102599"/>
+              <a:gd name="connsiteY10" fmla="*/ 5727700 h 5803900"/>
+              <a:gd name="connsiteX11" fmla="*/ 12700 w 8102599"/>
+              <a:gd name="connsiteY11" fmla="*/ 5346700 h 5803900"/>
+              <a:gd name="connsiteX12" fmla="*/ 12700 w 8102599"/>
+              <a:gd name="connsiteY12" fmla="*/ 546100 h 5803900"/>
+            </a:gdLst>
+            <a:ahLst/>
+            <a:cxnLst>
+              <a:cxn ang="0">
+                <a:pos x="connsiteX0" y="connsiteY0"/>
+              </a:cxn>
+              <a:cxn ang="0">
+                <a:pos x="connsiteX1" y="connsiteY1"/>
+              </a:cxn>
+              <a:cxn ang="0">
+                <a:pos x="connsiteX2" y="connsiteY2"/>
+              </a:cxn>
+              <a:cxn ang="0">
+                <a:pos x="connsiteX3" y="connsiteY3"/>
+              </a:cxn>
+              <a:cxn ang="0">
+                <a:pos x="connsiteX4" y="connsiteY4"/>
+              </a:cxn>
+              <a:cxn ang="0">
+                <a:pos x="connsiteX5" y="connsiteY5"/>
+              </a:cxn>
+              <a:cxn ang="0">
+                <a:pos x="connsiteX6" y="connsiteY6"/>
+              </a:cxn>
+              <a:cxn ang="0">
+                <a:pos x="connsiteX7" y="connsiteY7"/>
+              </a:cxn>
+              <a:cxn ang="0">
+                <a:pos x="connsiteX8" y="connsiteY8"/>
+              </a:cxn>
+              <a:cxn ang="0">
+                <a:pos x="connsiteX9" y="connsiteY9"/>
+              </a:cxn>
+              <a:cxn ang="0">
+                <a:pos x="connsiteX10" y="connsiteY10"/>
+              </a:cxn>
+              <a:cxn ang="0">
+                <a:pos x="connsiteX11" y="connsiteY11"/>
+              </a:cxn>
+              <a:cxn ang="0">
+                <a:pos x="connsiteX12" y="connsiteY12"/>
+              </a:cxn>
+            </a:cxnLst>
+            <a:rect l="l" t="t" r="r" b="b"/>
+            <a:pathLst>
+              <a:path w="8102599" h="5803900">
+                <a:moveTo>
+                  <a:pt x="12700" y="546100"/>
+                </a:moveTo>
+                <a:cubicBezTo>
+                  <a:pt x="12700" y="290108"/>
+                  <a:pt x="0" y="177800"/>
+                  <a:pt x="88900" y="88900"/>
+                </a:cubicBezTo>
+                <a:cubicBezTo>
+                  <a:pt x="177800" y="0"/>
+                  <a:pt x="290107" y="12700"/>
+                  <a:pt x="546100" y="12701"/>
+                </a:cubicBezTo>
+                <a:lnTo>
+                  <a:pt x="7556500" y="12700"/>
+                </a:lnTo>
+                <a:cubicBezTo>
+                  <a:pt x="7812492" y="12700"/>
+                  <a:pt x="7924799" y="12700"/>
+                  <a:pt x="8013699" y="88900"/>
+                </a:cubicBezTo>
+                <a:cubicBezTo>
+                  <a:pt x="8102599" y="165100"/>
+                  <a:pt x="8089900" y="213907"/>
+                  <a:pt x="8089899" y="469900"/>
+                </a:cubicBezTo>
+                <a:cubicBezTo>
+                  <a:pt x="8089899" y="1926160"/>
+                  <a:pt x="8089900" y="3890440"/>
+                  <a:pt x="8089900" y="5346700"/>
+                </a:cubicBezTo>
+                <a:cubicBezTo>
+                  <a:pt x="8089900" y="5602692"/>
+                  <a:pt x="8089900" y="5651500"/>
+                  <a:pt x="8013700" y="5727700"/>
+                </a:cubicBezTo>
+                <a:cubicBezTo>
+                  <a:pt x="7937500" y="5803900"/>
+                  <a:pt x="7888692" y="5803900"/>
+                  <a:pt x="7632700" y="5803900"/>
+                </a:cubicBezTo>
+                <a:lnTo>
+                  <a:pt x="546100" y="5803900"/>
+                </a:lnTo>
+                <a:cubicBezTo>
+                  <a:pt x="290108" y="5803900"/>
+                  <a:pt x="177800" y="5803900"/>
+                  <a:pt x="88900" y="5727700"/>
+                </a:cubicBezTo>
+                <a:cubicBezTo>
+                  <a:pt x="0" y="5651500"/>
+                  <a:pt x="12700" y="5602692"/>
+                  <a:pt x="12700" y="5346700"/>
+                </a:cubicBezTo>
+                <a:lnTo>
+                  <a:pt x="12700" y="546100"/>
+                </a:lnTo>
+                <a:close/>
+              </a:path>
+            </a:pathLst>
+          </a:custGeom>
+          <a:gradFill>
+            <a:gsLst>
+              <a:gs pos="0">
+                <a:schemeClr val="bg1">
+                  <a:lumMod val="50000"/>
+                </a:schemeClr>
+              </a:gs>
+              <a:gs pos="39999">
+                <a:schemeClr val="bg1">
+                  <a:lumMod val="65000"/>
+                </a:schemeClr>
+              </a:gs>
+              <a:gs pos="70000">
+                <a:schemeClr val="bg1">
+                  <a:lumMod val="50000"/>
+                  <a:alpha val="73000"/>
+                </a:schemeClr>
+              </a:gs>
+            </a:gsLst>
+            <a:lin ang="5400000" scaled="0"/>
+          </a:gradFill>
+          <a:ln>
+            <a:solidFill>
+              <a:schemeClr val="bg1">
+                <a:lumMod val="75000"/>
+              </a:schemeClr>
+            </a:solidFill>
+          </a:ln>
+        </p:spPr>
+        <p:style>
+          <a:lnRef idx="2">
+            <a:schemeClr val="accent1">
+              <a:shade val="50000"/>
+            </a:schemeClr>
+          </a:lnRef>
+          <a:fillRef idx="1">
+            <a:schemeClr val="accent1"/>
+          </a:fillRef>
+          <a:effectRef idx="0">
+            <a:schemeClr val="accent1"/>
+          </a:effectRef>
+          <a:fontRef idx="minor">
+            <a:schemeClr val="lt1"/>
+          </a:fontRef>
+        </p:style>
+        <p:txBody>
+          <a:bodyPr rtlCol="0" anchor="ctr"/>
+          <a:lstStyle/>
+          <a:p>
+            <a:pPr fontAlgn="t"/>
+            <a:endParaRPr lang="es-AR" b="1" dirty="0" smtClean="0"/>
+          </a:p>
+          <a:p>
+            <a:pPr algn="ctr"/>
+            <a:endParaRPr lang="es-AR" dirty="0"/>
+          </a:p>
+        </p:txBody>
+      </p:sp>
+      <p:sp>
+        <p:nvSpPr>
+          <p:cNvPr id="14" name="TextBox 13"/>
+          <p:cNvSpPr txBox="1"/>
+          <p:nvPr/>
+        </p:nvSpPr>
+        <p:spPr>
+          <a:xfrm>
+            <a:off x="2514600" y="3276600"/>
+            <a:ext cx="3733800" cy="523220"/>
+          </a:xfrm>
+          <a:prstGeom prst="rect">
+            <a:avLst/>
+          </a:prstGeom>
+          <a:noFill/>
+        </p:spPr>
+        <p:txBody>
+          <a:bodyPr wrap="square" rtlCol="0">
+            <a:spAutoFit/>
+          </a:bodyPr>
+          <a:lstStyle/>
+          <a:p>
+            <a:endParaRPr lang="es-AR" sz="2800" i="1" dirty="0">
+              <a:solidFill>
+                <a:schemeClr val="bg1"/>
+              </a:solidFill>
+            </a:endParaRPr>
+          </a:p>
+        </p:txBody>
+      </p:sp>
+      <p:sp>
+        <p:nvSpPr>
+          <p:cNvPr id="15" name="TextBox 14"/>
+          <p:cNvSpPr txBox="1"/>
+          <p:nvPr/>
+        </p:nvSpPr>
+        <p:spPr>
+          <a:xfrm>
+            <a:off x="1331640" y="3140968"/>
+            <a:ext cx="5806526" cy="2974532"/>
+          </a:xfrm>
+          <a:prstGeom prst="rect">
+            <a:avLst/>
+          </a:prstGeom>
+          <a:noFill/>
+        </p:spPr>
+        <p:txBody>
+          <a:bodyPr wrap="none" rtlCol="0">
+            <a:spAutoFit/>
+          </a:bodyPr>
+          <a:lstStyle/>
+          <a:p>
+            <a:pPr algn="ctr">
+              <a:lnSpc>
+                <a:spcPct val="200000"/>
+              </a:lnSpc>
+              <a:spcAft>
+                <a:spcPts val="100"/>
+              </a:spcAft>
+            </a:pPr>
+            <a:r>
+              <a:rPr lang="es-AR" sz="2400" dirty="0" smtClean="0">
+                <a:latin typeface="Cooper Black" pitchFamily="18" charset="0"/>
+              </a:rPr>
+              <a:t>Consulta puntual</a:t>
+            </a:r>
+          </a:p>
+          <a:p>
+            <a:pPr algn="ctr">
+              <a:lnSpc>
+                <a:spcPct val="200000"/>
+              </a:lnSpc>
+              <a:spcAft>
+                <a:spcPts val="100"/>
+              </a:spcAft>
+            </a:pPr>
+            <a:r>
+              <a:rPr lang="es-AR" sz="2400" dirty="0" smtClean="0">
+                <a:latin typeface="Cooper Black" pitchFamily="18" charset="0"/>
+              </a:rPr>
+              <a:t>Pack 50 consultas mensual</a:t>
+            </a:r>
+          </a:p>
+          <a:p>
+            <a:pPr algn="ctr">
+              <a:lnSpc>
+                <a:spcPct val="200000"/>
+              </a:lnSpc>
+              <a:spcAft>
+                <a:spcPts val="100"/>
+              </a:spcAft>
+            </a:pPr>
+            <a:r>
+              <a:rPr lang="es-AR" sz="2400" dirty="0" smtClean="0">
+                <a:latin typeface="Cooper Black" pitchFamily="18" charset="0"/>
+              </a:rPr>
+              <a:t>Pack 200 consultas mensual</a:t>
+            </a:r>
+          </a:p>
+          <a:p>
+            <a:pPr algn="ctr">
+              <a:lnSpc>
+                <a:spcPct val="200000"/>
+              </a:lnSpc>
+              <a:spcAft>
+                <a:spcPts val="100"/>
+              </a:spcAft>
+            </a:pPr>
+            <a:r>
+              <a:rPr lang="es-AR" sz="2400" dirty="0" smtClean="0">
+                <a:latin typeface="Cooper Black" pitchFamily="18" charset="0"/>
+              </a:rPr>
+              <a:t>Plan consultas mensuales ilimitadas</a:t>
+            </a:r>
+            <a:endParaRPr lang="es-AR" sz="2400" dirty="0">
+              <a:latin typeface="Cooper Black" pitchFamily="18" charset="0"/>
+            </a:endParaRPr>
+          </a:p>
+        </p:txBody>
+      </p:sp>
+      <p:sp>
+        <p:nvSpPr>
+          <p:cNvPr id="16" name="TextBox 15"/>
+          <p:cNvSpPr txBox="1"/>
+          <p:nvPr/>
+        </p:nvSpPr>
+        <p:spPr>
+          <a:xfrm>
+            <a:off x="1219200" y="2662535"/>
+            <a:ext cx="2120280" cy="461665"/>
+          </a:xfrm>
+          <a:prstGeom prst="rect">
+            <a:avLst/>
+          </a:prstGeom>
+          <a:noFill/>
+        </p:spPr>
+        <p:txBody>
+          <a:bodyPr wrap="square" rtlCol="0">
+            <a:spAutoFit/>
+          </a:bodyPr>
+          <a:lstStyle/>
+          <a:p>
+            <a:pPr>
+              <a:buClr>
+                <a:srgbClr val="77FA00"/>
+              </a:buClr>
+              <a:buSzPct val="160000"/>
+              <a:buFont typeface="Wingdings" pitchFamily="2" charset="2"/>
+              <a:buChar char="ü"/>
+            </a:pPr>
+            <a:r>
+              <a:rPr lang="es-AR" sz="2400" b="1" dirty="0" smtClean="0">
+                <a:solidFill>
+                  <a:schemeClr val="bg1"/>
+                </a:solidFill>
+              </a:rPr>
+              <a:t>Adaptables </a:t>
+            </a:r>
+          </a:p>
+        </p:txBody>
+      </p:sp>
+      <p:pic>
+        <p:nvPicPr>
+          <p:cNvPr id="17" name="Picture 5" descr="C:\Users\Jerico\Desktop\b_open_port_reports.gif"/>
+          <p:cNvPicPr>
+            <a:picLocks noChangeAspect="1" noChangeArrowheads="1"/>
+          </p:cNvPicPr>
+          <p:nvPr/>
+        </p:nvPicPr>
+        <p:blipFill>
+          <a:blip r:embed="rId3" cstate="print"/>
+          <a:srcRect/>
+          <a:stretch>
+            <a:fillRect/>
+          </a:stretch>
+        </p:blipFill>
+        <p:spPr bwMode="auto">
+          <a:xfrm>
+            <a:off x="5796136" y="3356992"/>
+            <a:ext cx="504056" cy="609852"/>
+          </a:xfrm>
+          <a:prstGeom prst="rect">
+            <a:avLst/>
+          </a:prstGeom>
+          <a:noFill/>
+        </p:spPr>
+      </p:pic>
+      <p:sp>
+        <p:nvSpPr>
+          <p:cNvPr id="18" name="TextBox 17"/>
+          <p:cNvSpPr txBox="1"/>
+          <p:nvPr/>
+        </p:nvSpPr>
+        <p:spPr>
+          <a:xfrm>
+            <a:off x="3482752" y="2667000"/>
+            <a:ext cx="2232248" cy="461665"/>
+          </a:xfrm>
+          <a:prstGeom prst="rect">
+            <a:avLst/>
+          </a:prstGeom>
+          <a:noFill/>
+        </p:spPr>
+        <p:txBody>
+          <a:bodyPr wrap="square" rtlCol="0">
+            <a:spAutoFit/>
+          </a:bodyPr>
+          <a:lstStyle/>
+          <a:p>
+            <a:pPr>
+              <a:buClr>
+                <a:srgbClr val="77FA00"/>
+              </a:buClr>
+              <a:buSzPct val="160000"/>
+              <a:buFont typeface="Wingdings" pitchFamily="2" charset="2"/>
+              <a:buChar char="ü"/>
+            </a:pPr>
+            <a:r>
+              <a:rPr lang="es-AR" sz="2400" b="1" dirty="0" smtClean="0">
+                <a:solidFill>
+                  <a:schemeClr val="bg1"/>
+                </a:solidFill>
+              </a:rPr>
+              <a:t>Flexibles</a:t>
+            </a:r>
+          </a:p>
+        </p:txBody>
+      </p:sp>
+      <p:sp>
+        <p:nvSpPr>
+          <p:cNvPr id="19" name="TextBox 18"/>
+          <p:cNvSpPr txBox="1"/>
+          <p:nvPr/>
+        </p:nvSpPr>
+        <p:spPr>
+          <a:xfrm>
+            <a:off x="5638800" y="2662535"/>
+            <a:ext cx="2583904" cy="461665"/>
+          </a:xfrm>
+          <a:prstGeom prst="rect">
+            <a:avLst/>
+          </a:prstGeom>
+          <a:noFill/>
+        </p:spPr>
+        <p:txBody>
+          <a:bodyPr wrap="square" rtlCol="0">
+            <a:spAutoFit/>
+          </a:bodyPr>
+          <a:lstStyle/>
+          <a:p>
+            <a:pPr>
+              <a:buClr>
+                <a:srgbClr val="77FA00"/>
+              </a:buClr>
+              <a:buSzPct val="160000"/>
+              <a:buFont typeface="Wingdings" pitchFamily="2" charset="2"/>
+              <a:buChar char="ü"/>
+            </a:pPr>
+            <a:r>
+              <a:rPr lang="es-AR" sz="2400" b="1" dirty="0" smtClean="0">
+                <a:solidFill>
+                  <a:schemeClr val="bg1"/>
+                </a:solidFill>
+              </a:rPr>
+              <a:t>Baja tasa</a:t>
+            </a:r>
+          </a:p>
+        </p:txBody>
+      </p:sp>
+      <p:pic>
+        <p:nvPicPr>
+          <p:cNvPr id="20" name="Picture 5" descr="C:\Users\Jerico\Desktop\b_open_port_reports.gif"/>
+          <p:cNvPicPr>
+            <a:picLocks noChangeAspect="1" noChangeArrowheads="1"/>
+          </p:cNvPicPr>
+          <p:nvPr/>
+        </p:nvPicPr>
+        <p:blipFill>
+          <a:blip r:embed="rId3" cstate="print"/>
+          <a:srcRect/>
+          <a:stretch>
+            <a:fillRect/>
+          </a:stretch>
+        </p:blipFill>
+        <p:spPr bwMode="auto">
+          <a:xfrm>
+            <a:off x="6516216" y="4005064"/>
+            <a:ext cx="504056" cy="609852"/>
+          </a:xfrm>
+          <a:prstGeom prst="rect">
+            <a:avLst/>
+          </a:prstGeom>
+          <a:noFill/>
+        </p:spPr>
+      </p:pic>
+      <p:pic>
+        <p:nvPicPr>
+          <p:cNvPr id="21" name="Picture 5" descr="C:\Users\Jerico\Desktop\b_open_port_reports.gif"/>
+          <p:cNvPicPr>
+            <a:picLocks noChangeAspect="1" noChangeArrowheads="1"/>
+          </p:cNvPicPr>
+          <p:nvPr/>
+        </p:nvPicPr>
+        <p:blipFill>
+          <a:blip r:embed="rId3" cstate="print"/>
+          <a:srcRect/>
+          <a:stretch>
+            <a:fillRect/>
+          </a:stretch>
+        </p:blipFill>
+        <p:spPr bwMode="auto">
+          <a:xfrm>
+            <a:off x="6588224" y="4043284"/>
+            <a:ext cx="504056" cy="609852"/>
+          </a:xfrm>
+          <a:prstGeom prst="rect">
+            <a:avLst/>
+          </a:prstGeom>
+          <a:noFill/>
+        </p:spPr>
+      </p:pic>
+      <p:pic>
+        <p:nvPicPr>
+          <p:cNvPr id="22" name="Picture 5" descr="C:\Users\Jerico\Desktop\b_open_port_reports.gif"/>
+          <p:cNvPicPr>
+            <a:picLocks noChangeAspect="1" noChangeArrowheads="1"/>
+          </p:cNvPicPr>
+          <p:nvPr/>
+        </p:nvPicPr>
+        <p:blipFill>
+          <a:blip r:embed="rId3" cstate="print"/>
+          <a:srcRect/>
+          <a:stretch>
+            <a:fillRect/>
+          </a:stretch>
+        </p:blipFill>
+        <p:spPr bwMode="auto">
+          <a:xfrm>
+            <a:off x="6588224" y="4725144"/>
+            <a:ext cx="504056" cy="609852"/>
+          </a:xfrm>
+          <a:prstGeom prst="rect">
+            <a:avLst/>
+          </a:prstGeom>
+          <a:noFill/>
+        </p:spPr>
+      </p:pic>
+      <p:pic>
+        <p:nvPicPr>
+          <p:cNvPr id="23" name="Picture 5" descr="C:\Users\Jerico\Desktop\b_open_port_reports.gif"/>
+          <p:cNvPicPr>
+            <a:picLocks noChangeAspect="1" noChangeArrowheads="1"/>
+          </p:cNvPicPr>
+          <p:nvPr/>
+        </p:nvPicPr>
+        <p:blipFill>
+          <a:blip r:embed="rId3" cstate="print"/>
+          <a:srcRect/>
+          <a:stretch>
+            <a:fillRect/>
+          </a:stretch>
+        </p:blipFill>
+        <p:spPr bwMode="auto">
+          <a:xfrm>
+            <a:off x="6660232" y="4797152"/>
+            <a:ext cx="504056" cy="609852"/>
+          </a:xfrm>
+          <a:prstGeom prst="rect">
+            <a:avLst/>
+          </a:prstGeom>
+          <a:noFill/>
+        </p:spPr>
+      </p:pic>
+      <p:pic>
+        <p:nvPicPr>
+          <p:cNvPr id="24" name="Picture 5" descr="C:\Users\Jerico\Desktop\b_open_port_reports.gif"/>
+          <p:cNvPicPr>
+            <a:picLocks noChangeAspect="1" noChangeArrowheads="1"/>
+          </p:cNvPicPr>
+          <p:nvPr/>
+        </p:nvPicPr>
+        <p:blipFill>
+          <a:blip r:embed="rId3" cstate="print"/>
+          <a:srcRect/>
+          <a:stretch>
+            <a:fillRect/>
+          </a:stretch>
+        </p:blipFill>
+        <p:spPr bwMode="auto">
+          <a:xfrm>
+            <a:off x="6732240" y="4869160"/>
+            <a:ext cx="504056" cy="609852"/>
+          </a:xfrm>
+          <a:prstGeom prst="rect">
+            <a:avLst/>
+          </a:prstGeom>
+          <a:noFill/>
+        </p:spPr>
+      </p:pic>
+      <p:pic>
+        <p:nvPicPr>
+          <p:cNvPr id="25" name="Picture 5" descr="C:\Users\Jerico\Desktop\b_open_port_reports.gif"/>
+          <p:cNvPicPr>
+            <a:picLocks noChangeAspect="1" noChangeArrowheads="1"/>
+          </p:cNvPicPr>
+          <p:nvPr/>
+        </p:nvPicPr>
+        <p:blipFill>
+          <a:blip r:embed="rId3" cstate="print"/>
+          <a:srcRect/>
+          <a:stretch>
+            <a:fillRect/>
+          </a:stretch>
+        </p:blipFill>
+        <p:spPr bwMode="auto">
+          <a:xfrm>
+            <a:off x="7164288" y="5517232"/>
+            <a:ext cx="504056" cy="609852"/>
+          </a:xfrm>
+          <a:prstGeom prst="rect">
+            <a:avLst/>
+          </a:prstGeom>
+          <a:noFill/>
+        </p:spPr>
+      </p:pic>
+      <p:pic>
+        <p:nvPicPr>
+          <p:cNvPr id="26" name="Picture 25" descr="C:\Users\Jerico\Desktop\infinito.jpg"/>
+          <p:cNvPicPr>
+            <a:picLocks noChangeAspect="1" noChangeArrowheads="1"/>
+          </p:cNvPicPr>
+          <p:nvPr/>
+        </p:nvPicPr>
+        <p:blipFill>
+          <a:blip r:embed="rId4" cstate="print">
+            <a:clrChange>
+              <a:clrFrom>
+                <a:srgbClr val="FFFFFF"/>
+              </a:clrFrom>
+              <a:clrTo>
+                <a:srgbClr val="FFFFFF">
+                  <a:alpha val="0"/>
+                </a:srgbClr>
+              </a:clrTo>
+            </a:clrChange>
+          </a:blip>
+          <a:srcRect/>
+          <a:stretch>
+            <a:fillRect/>
+          </a:stretch>
+        </p:blipFill>
+        <p:spPr bwMode="auto">
+          <a:xfrm>
+            <a:off x="7380312" y="5733256"/>
+            <a:ext cx="662832" cy="369713"/>
+          </a:xfrm>
+          <a:prstGeom prst="rect">
+            <a:avLst/>
+          </a:prstGeom>
+          <a:noFill/>
+        </p:spPr>
+      </p:pic>
+      <p:grpSp>
+        <p:nvGrpSpPr>
+          <p:cNvPr id="27" name="Group 26"/>
+          <p:cNvGrpSpPr/>
+          <p:nvPr/>
+        </p:nvGrpSpPr>
+        <p:grpSpPr>
+          <a:xfrm>
+            <a:off x="1295400" y="544415"/>
+            <a:ext cx="6553200" cy="903384"/>
+            <a:chOff x="1295400" y="544415"/>
+            <a:chExt cx="6553200" cy="903384"/>
+          </a:xfrm>
+        </p:grpSpPr>
+        <p:sp>
+          <p:nvSpPr>
+            <p:cNvPr id="28" name="Round Same Side Corner Rectangle 27"/>
+            <p:cNvSpPr/>
+            <p:nvPr/>
+          </p:nvSpPr>
+          <p:spPr>
+            <a:xfrm rot="10800000">
+              <a:off x="1295400" y="544415"/>
+              <a:ext cx="6553200" cy="903384"/>
+            </a:xfrm>
+            <a:prstGeom prst="round2SameRect">
+              <a:avLst/>
+            </a:prstGeom>
+          </p:spPr>
+          <p:style>
+            <a:lnRef idx="2">
+              <a:schemeClr val="dk1">
+                <a:shade val="50000"/>
+              </a:schemeClr>
+            </a:lnRef>
+            <a:fillRef idx="1">
+              <a:schemeClr val="dk1"/>
+            </a:fillRef>
+            <a:effectRef idx="0">
+              <a:schemeClr val="dk1"/>
+            </a:effectRef>
+            <a:fontRef idx="minor">
+              <a:schemeClr val="lt1"/>
+            </a:fontRef>
+          </p:style>
+          <p:txBody>
+            <a:bodyPr rtlCol="0" anchor="ctr"/>
+            <a:lstStyle/>
+            <a:p>
+              <a:pPr algn="ctr"/>
+              <a:endParaRPr lang="es-AR" dirty="0"/>
+            </a:p>
+          </p:txBody>
+        </p:sp>
+        <p:pic>
+          <p:nvPicPr>
+            <p:cNvPr id="29" name="Picture 2" descr="E:\U.B.A.Files\Materias\75.45 Taller de Desarrollo de Proyectos I\TP\Trunk\Proyecto\web\site\images\logo.png"/>
+            <p:cNvPicPr>
+              <a:picLocks noChangeAspect="1" noChangeArrowheads="1"/>
+            </p:cNvPicPr>
+            <p:nvPr/>
+          </p:nvPicPr>
+          <p:blipFill>
+            <a:blip r:embed="rId5" cstate="print"/>
+            <a:srcRect/>
+            <a:stretch>
+              <a:fillRect/>
+            </a:stretch>
+          </p:blipFill>
+          <p:spPr bwMode="auto">
+            <a:xfrm>
+              <a:off x="1600200" y="609600"/>
+              <a:ext cx="2640904" cy="762000"/>
+            </a:xfrm>
+            <a:prstGeom prst="rect">
+              <a:avLst/>
+            </a:prstGeom>
+            <a:noFill/>
+          </p:spPr>
+        </p:pic>
+        <p:sp>
+          <p:nvSpPr>
+            <p:cNvPr id="30" name="TextBox 29"/>
+            <p:cNvSpPr txBox="1"/>
+            <p:nvPr/>
+          </p:nvSpPr>
+          <p:spPr>
+            <a:xfrm>
+              <a:off x="4515457" y="685800"/>
+              <a:ext cx="3180743" cy="307777"/>
+            </a:xfrm>
+            <a:prstGeom prst="rect">
+              <a:avLst/>
+            </a:prstGeom>
+            <a:noFill/>
+          </p:spPr>
+          <p:txBody>
+            <a:bodyPr wrap="none" rtlCol="0">
+              <a:spAutoFit/>
+            </a:bodyPr>
+            <a:lstStyle/>
+            <a:p>
+              <a:r>
+                <a:rPr lang="es-AR" sz="1400" dirty="0" smtClean="0">
+                  <a:solidFill>
+                    <a:schemeClr val="bg1">
+                      <a:lumMod val="50000"/>
+                    </a:schemeClr>
+                  </a:solidFill>
+                </a:rPr>
+                <a:t>Centralización y análisis de datos</a:t>
+              </a:r>
+              <a:endParaRPr lang="es-AR" sz="1400" dirty="0">
+                <a:solidFill>
+                  <a:schemeClr val="bg1">
+                    <a:lumMod val="50000"/>
+                  </a:schemeClr>
+                </a:solidFill>
+              </a:endParaRPr>
+            </a:p>
+          </p:txBody>
+        </p:sp>
+      </p:grpSp>
+      <p:sp>
+        <p:nvSpPr>
+          <p:cNvPr id="31" name="Rectangle 30"/>
+          <p:cNvSpPr/>
+          <p:nvPr/>
+        </p:nvSpPr>
+        <p:spPr>
+          <a:xfrm>
+            <a:off x="2095500" y="1524000"/>
+            <a:ext cx="4953000" cy="1066800"/>
+          </a:xfrm>
+          <a:prstGeom prst="rect">
+            <a:avLst/>
+          </a:prstGeom>
+          <a:noFill/>
+          <a:ln>
+            <a:noFill/>
+          </a:ln>
+        </p:spPr>
+        <p:style>
+          <a:lnRef idx="2">
+            <a:schemeClr val="accent1">
+              <a:shade val="50000"/>
+            </a:schemeClr>
+          </a:lnRef>
+          <a:fillRef idx="1">
+            <a:schemeClr val="accent1"/>
+          </a:fillRef>
+          <a:effectRef idx="0">
+            <a:schemeClr val="accent1"/>
+          </a:effectRef>
+          <a:fontRef idx="minor">
+            <a:schemeClr val="lt1"/>
+          </a:fontRef>
+        </p:style>
+        <p:txBody>
+          <a:bodyPr rtlCol="0" anchor="ctr"/>
+          <a:lstStyle/>
+          <a:p>
+            <a:pPr algn="ctr"/>
+            <a:r>
+              <a:rPr lang="es-AR" sz="5400" b="1" u="sng" dirty="0" smtClean="0"/>
+              <a:t>Nuestros Packs</a:t>
+            </a:r>
+            <a:endParaRPr lang="es-AR" sz="2000" u="sng" dirty="0"/>
+          </a:p>
+        </p:txBody>
+      </p:sp>
+    </p:spTree>
+  </p:cSld>
+  <p:clrMapOvr>
+    <a:masterClrMapping/>
+  </p:clrMapOvr>
+  <p:timing>
+    <p:tnLst>
+      <p:par>
+        <p:cTn id="1" dur="indefinite" restart="never" nodeType="tmRoot"/>
+      </p:par>
+    </p:tnLst>
+  </p:timing>
+</p:sld>
+</file>
+
+<file path=ppt/slides/slide11.xml><?xml version="1.0" encoding="utf-8"?>
+<p:sld xmlns:a="http://schemas.openxmlformats.org/drawingml/2006/main" xmlns:r="http://schemas.openxmlformats.org/officeDocument/2006/relationships" xmlns:p="http://schemas.openxmlformats.org/presentationml/2006/main">
+  <p:cSld>
+    <p:spTree>
+      <p:nvGrpSpPr>
+        <p:cNvPr id="1" name=""/>
+        <p:cNvGrpSpPr/>
+        <p:nvPr/>
+      </p:nvGrpSpPr>
+      <p:grpSpPr>
+        <a:xfrm>
+          <a:off x="0" y="0"/>
+          <a:ext cx="0" cy="0"/>
+          <a:chOff x="0" y="0"/>
+          <a:chExt cx="0" cy="0"/>
+        </a:xfrm>
+      </p:grpSpPr>
+      <p:grpSp>
+        <p:nvGrpSpPr>
           <p:cNvPr id="2" name="Group 22"/>
           <p:cNvGrpSpPr/>
           <p:nvPr/>
@@ -9662,16 +15356,7 @@
                 </a:solidFill>
                 <a:latin typeface="Bell MT" pitchFamily="18" charset="0"/>
               </a:rPr>
-              <a:t>Un </a:t>
-            </a:r>
-            <a:r>
-              <a:rPr lang="es-AR" sz="2200" dirty="0" smtClean="0">
-                <a:solidFill>
-                  <a:schemeClr val="bg1"/>
-                </a:solidFill>
-                <a:latin typeface="Bell MT" pitchFamily="18" charset="0"/>
-              </a:rPr>
-              <a:t>grupo de ingenieros, consultores,  analistas y especialistas, dedicados a la centralización y el análisis de datos.</a:t>
+              <a:t>Un grupo de ingenieros, consultores,  analistas y especialistas, dedicados a la centralización y el análisis de datos.</a:t>
             </a:r>
             <a:endParaRPr lang="es-AR" sz="2200" dirty="0">
               <a:solidFill>
@@ -9711,25 +15396,7 @@
                 </a:solidFill>
                 <a:latin typeface="Bell MT" pitchFamily="18" charset="0"/>
               </a:rPr>
-              <a:t>Contamos </a:t>
-            </a:r>
-            <a:r>
-              <a:rPr lang="es-AR" sz="2200" dirty="0" smtClean="0">
-                <a:solidFill>
-                  <a:schemeClr val="bg1"/>
-                </a:solidFill>
-                <a:latin typeface="Bell MT" pitchFamily="18" charset="0"/>
-              </a:rPr>
-              <a:t>con las herramientas necesarias para brindar análisis y reportes de altísima calidad, orientados y personalizados</a:t>
-            </a:r>
-            <a:r>
-              <a:rPr lang="es-AR" sz="2200" dirty="0" smtClean="0">
-                <a:solidFill>
-                  <a:schemeClr val="bg1"/>
-                </a:solidFill>
-                <a:latin typeface="Bell MT" pitchFamily="18" charset="0"/>
-              </a:rPr>
-              <a:t>.</a:t>
+              <a:t>Contamos con las herramientas necesarias para brindar análisis y reportes de altísima calidad, orientados y personalizados.</a:t>
             </a:r>
             <a:endParaRPr lang="es-AR" sz="2200" dirty="0"/>
           </a:p>
@@ -11191,15 +16858,7 @@
                   <a:schemeClr val="bg1"/>
                 </a:solidFill>
               </a:rPr>
-              <a:t>Centralizar </a:t>
-            </a:r>
-            <a:r>
-              <a:rPr lang="es-AR" dirty="0" smtClean="0">
-                <a:solidFill>
-                  <a:schemeClr val="bg1"/>
-                </a:solidFill>
-              </a:rPr>
-              <a:t>la información de datos referentes a diversos campos, de suma importancia a la hora de tomar decisiones en su empresa.</a:t>
+              <a:t>Centralizar la información de datos referentes a diversos campos, de suma importancia a la hora de tomar decisiones en su empresa.</a:t>
             </a:r>
           </a:p>
           <a:p>
@@ -11236,23 +16895,7 @@
                   <a:schemeClr val="bg1"/>
                 </a:solidFill>
               </a:rPr>
-              <a:t>Proveer </a:t>
-            </a:r>
-            <a:r>
-              <a:rPr lang="es-AR" dirty="0" smtClean="0">
-                <a:solidFill>
-                  <a:schemeClr val="bg1"/>
-                </a:solidFill>
-              </a:rPr>
-              <a:t>informes confiables y fidedignos que los cuales nuestros clientes minimicen los riesgos en la toma de decisiones</a:t>
-            </a:r>
-            <a:r>
-              <a:rPr lang="es-AR" dirty="0" smtClean="0">
-                <a:solidFill>
-                  <a:schemeClr val="bg1"/>
-                </a:solidFill>
-              </a:rPr>
-              <a:t>.</a:t>
+              <a:t>Proveer informes confiables y fidedignos que los cuales nuestros clientes minimicen los riesgos en la toma de decisiones.</a:t>
             </a:r>
             <a:endParaRPr lang="es-AR" dirty="0"/>
           </a:p>
@@ -11324,23 +16967,8 @@
                 </a:solidFill>
                 <a:latin typeface="Arial Black" pitchFamily="34" charset="0"/>
               </a:rPr>
-              <a:t>Nuestra </a:t>
+              <a:t>Nuestra Misión</a:t>
             </a:r>
-            <a:r>
-              <a:rPr lang="es-AR" sz="2000" b="1" dirty="0" smtClean="0">
-                <a:solidFill>
-                  <a:schemeClr val="bg1"/>
-                </a:solidFill>
-                <a:latin typeface="Arial Black" pitchFamily="34" charset="0"/>
-              </a:rPr>
-              <a:t>Misión</a:t>
-            </a:r>
-            <a:endParaRPr lang="es-AR" sz="2000" b="1" dirty="0" smtClean="0">
-              <a:solidFill>
-                <a:schemeClr val="bg1"/>
-              </a:solidFill>
-              <a:latin typeface="Arial Black" pitchFamily="34" charset="0"/>
-            </a:endParaRPr>
           </a:p>
         </p:txBody>
       </p:sp>
@@ -12622,15 +18250,7 @@
             </a:br>
             <a:r>
               <a:rPr lang="es-AR" b="1" dirty="0" smtClean="0"/>
-              <a:t>Analista de </a:t>
-            </a:r>
-            <a:r>
-              <a:rPr lang="es-AR" b="1" dirty="0" smtClean="0"/>
-              <a:t>riesgos financieros</a:t>
-            </a:r>
-            <a:r>
-              <a:rPr lang="es-AR" b="1" dirty="0" smtClean="0"/>
-              <a:t>.</a:t>
+              <a:t>Analista de riesgos financieros.</a:t>
             </a:r>
             <a:endParaRPr lang="es-AR" b="1" dirty="0"/>
           </a:p>
@@ -12683,15 +18303,7 @@
             </a:br>
             <a:r>
               <a:rPr lang="es-AR" b="1" dirty="0" smtClean="0"/>
-              <a:t>Ingeniero, </a:t>
-            </a:r>
-            <a:r>
-              <a:rPr lang="es-AR" b="1" dirty="0" smtClean="0"/>
-              <a:t>consultor de seguridad</a:t>
-            </a:r>
-            <a:r>
-              <a:rPr lang="es-AR" b="1" dirty="0" smtClean="0"/>
-              <a:t>.</a:t>
+              <a:t>Ingeniero, consultor de seguridad.</a:t>
             </a:r>
             <a:endParaRPr lang="es-AR" b="1" dirty="0"/>
           </a:p>
@@ -12980,11 +18592,7 @@
             <a:pPr algn="ctr"/>
             <a:r>
               <a:rPr lang="es-AR" sz="5400" b="1" u="sng" dirty="0" smtClean="0"/>
-              <a:t>Nuestro </a:t>
-            </a:r>
-            <a:r>
-              <a:rPr lang="es-AR" sz="5400" b="1" u="sng" dirty="0" smtClean="0"/>
-              <a:t>Equipo</a:t>
+              <a:t>Nuestro Equipo</a:t>
             </a:r>
             <a:endParaRPr lang="es-AR" sz="2000" u="sng" dirty="0"/>
           </a:p>
@@ -15316,7 +20924,6 @@
               <a:rPr lang="es-AR" b="1" dirty="0" smtClean="0"/>
               <a:t>Conductores </a:t>
             </a:r>
-            <a:endParaRPr lang="es-AR" b="1" dirty="0" smtClean="0"/>
           </a:p>
           <a:p>
             <a:pPr algn="ctr"/>
@@ -18614,7 +24221,7 @@
       </p:grpSpPr>
       <p:grpSp>
         <p:nvGrpSpPr>
-          <p:cNvPr id="3" name="Group 22"/>
+          <p:cNvPr id="2" name="Group 22"/>
           <p:cNvGrpSpPr/>
           <p:nvPr/>
         </p:nvGrpSpPr>
@@ -18633,7 +24240,7 @@
         </p:grpSpPr>
         <p:sp>
           <p:nvSpPr>
-            <p:cNvPr id="4" name="Rounded Rectangle 3"/>
+            <p:cNvPr id="18" name="Rounded Rectangle 17"/>
             <p:cNvSpPr/>
             <p:nvPr/>
           </p:nvSpPr>
@@ -18677,7 +24284,7 @@
         </p:sp>
         <p:sp>
           <p:nvSpPr>
-            <p:cNvPr id="5" name="Rounded Rectangle 4"/>
+            <p:cNvPr id="22" name="Rounded Rectangle 21"/>
             <p:cNvSpPr/>
             <p:nvPr/>
           </p:nvSpPr>
@@ -18721,7 +24328,7 @@
         </p:sp>
         <p:sp>
           <p:nvSpPr>
-            <p:cNvPr id="6" name="Rounded Rectangle 5"/>
+            <p:cNvPr id="21" name="Rounded Rectangle 20"/>
             <p:cNvSpPr/>
             <p:nvPr/>
           </p:nvSpPr>
@@ -18765,7 +24372,7 @@
         </p:sp>
         <p:sp>
           <p:nvSpPr>
-            <p:cNvPr id="7" name="Rounded Rectangle 6"/>
+            <p:cNvPr id="17" name="Rounded Rectangle 16"/>
             <p:cNvSpPr/>
             <p:nvPr/>
           </p:nvSpPr>
@@ -18809,7 +24416,7 @@
         </p:sp>
         <p:sp>
           <p:nvSpPr>
-            <p:cNvPr id="8" name="Rounded Rectangle 7"/>
+            <p:cNvPr id="19" name="Rounded Rectangle 18"/>
             <p:cNvSpPr/>
             <p:nvPr/>
           </p:nvSpPr>
@@ -18854,7 +24461,7 @@
       </p:grpSp>
       <p:sp>
         <p:nvSpPr>
-          <p:cNvPr id="9" name="Freeform 8"/>
+          <p:cNvPr id="40" name="Freeform 39"/>
           <p:cNvSpPr/>
           <p:nvPr/>
         </p:nvSpPr>
@@ -19499,484 +25106,9 @@
           </a:p>
         </p:txBody>
       </p:sp>
-      <p:sp>
-        <p:nvSpPr>
-          <p:cNvPr id="14" name="TextBox 13"/>
-          <p:cNvSpPr txBox="1"/>
-          <p:nvPr/>
-        </p:nvSpPr>
-        <p:spPr>
-          <a:xfrm>
-            <a:off x="2514600" y="3276600"/>
-            <a:ext cx="3733800" cy="523220"/>
-          </a:xfrm>
-          <a:prstGeom prst="rect">
-            <a:avLst/>
-          </a:prstGeom>
-          <a:noFill/>
-        </p:spPr>
-        <p:txBody>
-          <a:bodyPr wrap="square" rtlCol="0">
-            <a:spAutoFit/>
-          </a:bodyPr>
-          <a:lstStyle/>
-          <a:p>
-            <a:endParaRPr lang="es-AR" sz="2800" i="1" dirty="0">
-              <a:solidFill>
-                <a:schemeClr val="bg1"/>
-              </a:solidFill>
-            </a:endParaRPr>
-          </a:p>
-        </p:txBody>
-      </p:sp>
-      <p:sp>
-        <p:nvSpPr>
-          <p:cNvPr id="15" name="TextBox 14"/>
-          <p:cNvSpPr txBox="1"/>
-          <p:nvPr/>
-        </p:nvSpPr>
-        <p:spPr>
-          <a:xfrm>
-            <a:off x="1331640" y="3140968"/>
-            <a:ext cx="5806526" cy="2974532"/>
-          </a:xfrm>
-          <a:prstGeom prst="rect">
-            <a:avLst/>
-          </a:prstGeom>
-          <a:noFill/>
-        </p:spPr>
-        <p:txBody>
-          <a:bodyPr wrap="none" rtlCol="0">
-            <a:spAutoFit/>
-          </a:bodyPr>
-          <a:lstStyle/>
-          <a:p>
-            <a:pPr algn="ctr">
-              <a:lnSpc>
-                <a:spcPct val="200000"/>
-              </a:lnSpc>
-              <a:spcAft>
-                <a:spcPts val="100"/>
-              </a:spcAft>
-            </a:pPr>
-            <a:r>
-              <a:rPr lang="es-AR" sz="2400" dirty="0" smtClean="0">
-                <a:latin typeface="Cooper Black" pitchFamily="18" charset="0"/>
-              </a:rPr>
-              <a:t>Consulta puntual</a:t>
-            </a:r>
-          </a:p>
-          <a:p>
-            <a:pPr algn="ctr">
-              <a:lnSpc>
-                <a:spcPct val="200000"/>
-              </a:lnSpc>
-              <a:spcAft>
-                <a:spcPts val="100"/>
-              </a:spcAft>
-            </a:pPr>
-            <a:r>
-              <a:rPr lang="es-AR" sz="2400" dirty="0" smtClean="0">
-                <a:latin typeface="Cooper Black" pitchFamily="18" charset="0"/>
-              </a:rPr>
-              <a:t>Pack 50 consultas mensual</a:t>
-            </a:r>
-          </a:p>
-          <a:p>
-            <a:pPr algn="ctr">
-              <a:lnSpc>
-                <a:spcPct val="200000"/>
-              </a:lnSpc>
-              <a:spcAft>
-                <a:spcPts val="100"/>
-              </a:spcAft>
-            </a:pPr>
-            <a:r>
-              <a:rPr lang="es-AR" sz="2400" dirty="0" smtClean="0">
-                <a:latin typeface="Cooper Black" pitchFamily="18" charset="0"/>
-              </a:rPr>
-              <a:t>Pack 200 consultas mensual</a:t>
-            </a:r>
-          </a:p>
-          <a:p>
-            <a:pPr algn="ctr">
-              <a:lnSpc>
-                <a:spcPct val="200000"/>
-              </a:lnSpc>
-              <a:spcAft>
-                <a:spcPts val="100"/>
-              </a:spcAft>
-            </a:pPr>
-            <a:r>
-              <a:rPr lang="es-AR" sz="2400" dirty="0" smtClean="0">
-                <a:latin typeface="Cooper Black" pitchFamily="18" charset="0"/>
-              </a:rPr>
-              <a:t>Plan consultas mensuales ilimitadas</a:t>
-            </a:r>
-            <a:endParaRPr lang="es-AR" sz="2400" dirty="0">
-              <a:latin typeface="Cooper Black" pitchFamily="18" charset="0"/>
-            </a:endParaRPr>
-          </a:p>
-        </p:txBody>
-      </p:sp>
-      <p:sp>
-        <p:nvSpPr>
-          <p:cNvPr id="16" name="TextBox 15"/>
-          <p:cNvSpPr txBox="1"/>
-          <p:nvPr/>
-        </p:nvSpPr>
-        <p:spPr>
-          <a:xfrm>
-            <a:off x="1219200" y="2662535"/>
-            <a:ext cx="2120280" cy="461665"/>
-          </a:xfrm>
-          <a:prstGeom prst="rect">
-            <a:avLst/>
-          </a:prstGeom>
-          <a:noFill/>
-        </p:spPr>
-        <p:txBody>
-          <a:bodyPr wrap="square" rtlCol="0">
-            <a:spAutoFit/>
-          </a:bodyPr>
-          <a:lstStyle/>
-          <a:p>
-            <a:pPr>
-              <a:buClr>
-                <a:srgbClr val="77FA00"/>
-              </a:buClr>
-              <a:buSzPct val="160000"/>
-              <a:buFont typeface="Wingdings" pitchFamily="2" charset="2"/>
-              <a:buChar char="ü"/>
-            </a:pPr>
-            <a:r>
-              <a:rPr lang="es-AR" sz="2400" b="1" dirty="0" smtClean="0">
-                <a:solidFill>
-                  <a:schemeClr val="bg1"/>
-                </a:solidFill>
-              </a:rPr>
-              <a:t>Adaptables </a:t>
-            </a:r>
-          </a:p>
-        </p:txBody>
-      </p:sp>
-      <p:pic>
-        <p:nvPicPr>
-          <p:cNvPr id="17" name="Picture 5" descr="C:\Users\Jerico\Desktop\b_open_port_reports.gif"/>
-          <p:cNvPicPr>
-            <a:picLocks noChangeAspect="1" noChangeArrowheads="1"/>
-          </p:cNvPicPr>
-          <p:nvPr/>
-        </p:nvPicPr>
-        <p:blipFill>
-          <a:blip r:embed="rId3" cstate="print"/>
-          <a:srcRect/>
-          <a:stretch>
-            <a:fillRect/>
-          </a:stretch>
-        </p:blipFill>
-        <p:spPr bwMode="auto">
-          <a:xfrm>
-            <a:off x="5796136" y="3356992"/>
-            <a:ext cx="504056" cy="609852"/>
-          </a:xfrm>
-          <a:prstGeom prst="rect">
-            <a:avLst/>
-          </a:prstGeom>
-          <a:noFill/>
-        </p:spPr>
-      </p:pic>
-      <p:sp>
-        <p:nvSpPr>
-          <p:cNvPr id="18" name="TextBox 17"/>
-          <p:cNvSpPr txBox="1"/>
-          <p:nvPr/>
-        </p:nvSpPr>
-        <p:spPr>
-          <a:xfrm>
-            <a:off x="3482752" y="2667000"/>
-            <a:ext cx="2232248" cy="461665"/>
-          </a:xfrm>
-          <a:prstGeom prst="rect">
-            <a:avLst/>
-          </a:prstGeom>
-          <a:noFill/>
-        </p:spPr>
-        <p:txBody>
-          <a:bodyPr wrap="square" rtlCol="0">
-            <a:spAutoFit/>
-          </a:bodyPr>
-          <a:lstStyle/>
-          <a:p>
-            <a:pPr>
-              <a:buClr>
-                <a:srgbClr val="77FA00"/>
-              </a:buClr>
-              <a:buSzPct val="160000"/>
-              <a:buFont typeface="Wingdings" pitchFamily="2" charset="2"/>
-              <a:buChar char="ü"/>
-            </a:pPr>
-            <a:r>
-              <a:rPr lang="es-AR" sz="2400" b="1" dirty="0" smtClean="0">
-                <a:solidFill>
-                  <a:schemeClr val="bg1"/>
-                </a:solidFill>
-              </a:rPr>
-              <a:t>Flexibles</a:t>
-            </a:r>
-          </a:p>
-        </p:txBody>
-      </p:sp>
-      <p:sp>
-        <p:nvSpPr>
-          <p:cNvPr id="19" name="TextBox 18"/>
-          <p:cNvSpPr txBox="1"/>
-          <p:nvPr/>
-        </p:nvSpPr>
-        <p:spPr>
-          <a:xfrm>
-            <a:off x="5638800" y="2662535"/>
-            <a:ext cx="2583904" cy="461665"/>
-          </a:xfrm>
-          <a:prstGeom prst="rect">
-            <a:avLst/>
-          </a:prstGeom>
-          <a:noFill/>
-        </p:spPr>
-        <p:txBody>
-          <a:bodyPr wrap="square" rtlCol="0">
-            <a:spAutoFit/>
-          </a:bodyPr>
-          <a:lstStyle/>
-          <a:p>
-            <a:pPr>
-              <a:buClr>
-                <a:srgbClr val="77FA00"/>
-              </a:buClr>
-              <a:buSzPct val="160000"/>
-              <a:buFont typeface="Wingdings" pitchFamily="2" charset="2"/>
-              <a:buChar char="ü"/>
-            </a:pPr>
-            <a:r>
-              <a:rPr lang="es-AR" sz="2400" b="1" dirty="0" smtClean="0">
-                <a:solidFill>
-                  <a:schemeClr val="bg1"/>
-                </a:solidFill>
-              </a:rPr>
-              <a:t>Baja </a:t>
-            </a:r>
-            <a:r>
-              <a:rPr lang="es-AR" sz="2400" b="1" dirty="0" smtClean="0">
-                <a:solidFill>
-                  <a:schemeClr val="bg1"/>
-                </a:solidFill>
-              </a:rPr>
-              <a:t>tasa</a:t>
-            </a:r>
-            <a:endParaRPr lang="es-AR" sz="2400" b="1" dirty="0" smtClean="0">
-              <a:solidFill>
-                <a:schemeClr val="bg1"/>
-              </a:solidFill>
-            </a:endParaRPr>
-          </a:p>
-        </p:txBody>
-      </p:sp>
-      <p:pic>
-        <p:nvPicPr>
-          <p:cNvPr id="20" name="Picture 5" descr="C:\Users\Jerico\Desktop\b_open_port_reports.gif"/>
-          <p:cNvPicPr>
-            <a:picLocks noChangeAspect="1" noChangeArrowheads="1"/>
-          </p:cNvPicPr>
-          <p:nvPr/>
-        </p:nvPicPr>
-        <p:blipFill>
-          <a:blip r:embed="rId3" cstate="print"/>
-          <a:srcRect/>
-          <a:stretch>
-            <a:fillRect/>
-          </a:stretch>
-        </p:blipFill>
-        <p:spPr bwMode="auto">
-          <a:xfrm>
-            <a:off x="6516216" y="4005064"/>
-            <a:ext cx="504056" cy="609852"/>
-          </a:xfrm>
-          <a:prstGeom prst="rect">
-            <a:avLst/>
-          </a:prstGeom>
-          <a:noFill/>
-        </p:spPr>
-      </p:pic>
-      <p:pic>
-        <p:nvPicPr>
-          <p:cNvPr id="21" name="Picture 5" descr="C:\Users\Jerico\Desktop\b_open_port_reports.gif"/>
-          <p:cNvPicPr>
-            <a:picLocks noChangeAspect="1" noChangeArrowheads="1"/>
-          </p:cNvPicPr>
-          <p:nvPr/>
-        </p:nvPicPr>
-        <p:blipFill>
-          <a:blip r:embed="rId3" cstate="print"/>
-          <a:srcRect/>
-          <a:stretch>
-            <a:fillRect/>
-          </a:stretch>
-        </p:blipFill>
-        <p:spPr bwMode="auto">
-          <a:xfrm>
-            <a:off x="6588224" y="4043284"/>
-            <a:ext cx="504056" cy="609852"/>
-          </a:xfrm>
-          <a:prstGeom prst="rect">
-            <a:avLst/>
-          </a:prstGeom>
-          <a:noFill/>
-        </p:spPr>
-      </p:pic>
-      <p:pic>
-        <p:nvPicPr>
-          <p:cNvPr id="22" name="Picture 5" descr="C:\Users\Jerico\Desktop\b_open_port_reports.gif"/>
-          <p:cNvPicPr>
-            <a:picLocks noChangeAspect="1" noChangeArrowheads="1"/>
-          </p:cNvPicPr>
-          <p:nvPr/>
-        </p:nvPicPr>
-        <p:blipFill>
-          <a:blip r:embed="rId3" cstate="print"/>
-          <a:srcRect/>
-          <a:stretch>
-            <a:fillRect/>
-          </a:stretch>
-        </p:blipFill>
-        <p:spPr bwMode="auto">
-          <a:xfrm>
-            <a:off x="6588224" y="4725144"/>
-            <a:ext cx="504056" cy="609852"/>
-          </a:xfrm>
-          <a:prstGeom prst="rect">
-            <a:avLst/>
-          </a:prstGeom>
-          <a:noFill/>
-        </p:spPr>
-      </p:pic>
-      <p:pic>
-        <p:nvPicPr>
-          <p:cNvPr id="23" name="Picture 5" descr="C:\Users\Jerico\Desktop\b_open_port_reports.gif"/>
-          <p:cNvPicPr>
-            <a:picLocks noChangeAspect="1" noChangeArrowheads="1"/>
-          </p:cNvPicPr>
-          <p:nvPr/>
-        </p:nvPicPr>
-        <p:blipFill>
-          <a:blip r:embed="rId3" cstate="print"/>
-          <a:srcRect/>
-          <a:stretch>
-            <a:fillRect/>
-          </a:stretch>
-        </p:blipFill>
-        <p:spPr bwMode="auto">
-          <a:xfrm>
-            <a:off x="6660232" y="4797152"/>
-            <a:ext cx="504056" cy="609852"/>
-          </a:xfrm>
-          <a:prstGeom prst="rect">
-            <a:avLst/>
-          </a:prstGeom>
-          <a:noFill/>
-        </p:spPr>
-      </p:pic>
-      <p:pic>
-        <p:nvPicPr>
-          <p:cNvPr id="24" name="Picture 5" descr="C:\Users\Jerico\Desktop\b_open_port_reports.gif"/>
-          <p:cNvPicPr>
-            <a:picLocks noChangeAspect="1" noChangeArrowheads="1"/>
-          </p:cNvPicPr>
-          <p:nvPr/>
-        </p:nvPicPr>
-        <p:blipFill>
-          <a:blip r:embed="rId3" cstate="print"/>
-          <a:srcRect/>
-          <a:stretch>
-            <a:fillRect/>
-          </a:stretch>
-        </p:blipFill>
-        <p:spPr bwMode="auto">
-          <a:xfrm>
-            <a:off x="6732240" y="4869160"/>
-            <a:ext cx="504056" cy="609852"/>
-          </a:xfrm>
-          <a:prstGeom prst="rect">
-            <a:avLst/>
-          </a:prstGeom>
-          <a:noFill/>
-        </p:spPr>
-      </p:pic>
-      <p:pic>
-        <p:nvPicPr>
-          <p:cNvPr id="25" name="Picture 5" descr="C:\Users\Jerico\Desktop\b_open_port_reports.gif"/>
-          <p:cNvPicPr>
-            <a:picLocks noChangeAspect="1" noChangeArrowheads="1"/>
-          </p:cNvPicPr>
-          <p:nvPr/>
-        </p:nvPicPr>
-        <p:blipFill>
-          <a:blip r:embed="rId3" cstate="print"/>
-          <a:srcRect/>
-          <a:stretch>
-            <a:fillRect/>
-          </a:stretch>
-        </p:blipFill>
-        <p:spPr bwMode="auto">
-          <a:xfrm>
-            <a:off x="7164288" y="5517232"/>
-            <a:ext cx="504056" cy="609852"/>
-          </a:xfrm>
-          <a:prstGeom prst="rect">
-            <a:avLst/>
-          </a:prstGeom>
-          <a:noFill/>
-        </p:spPr>
-      </p:pic>
-      <p:pic>
-        <p:nvPicPr>
-          <p:cNvPr id="26" name="Picture 25" descr="C:\Users\Jerico\Desktop\infinito.jpg"/>
-          <p:cNvPicPr>
-            <a:picLocks noChangeAspect="1" noChangeArrowheads="1"/>
-          </p:cNvPicPr>
-          <p:nvPr/>
-        </p:nvPicPr>
-        <p:blipFill>
-          <a:blip r:embed="rId4" cstate="print">
-            <a:clrChange>
-              <a:clrFrom>
-                <a:srgbClr val="FFFFFF"/>
-              </a:clrFrom>
-              <a:clrTo>
-                <a:srgbClr val="FFFFFF">
-                  <a:alpha val="0"/>
-                </a:srgbClr>
-              </a:clrTo>
-            </a:clrChange>
-          </a:blip>
-          <a:srcRect/>
-          <a:stretch>
-            <a:fillRect/>
-          </a:stretch>
-        </p:blipFill>
-        <p:spPr bwMode="auto">
-          <a:xfrm>
-            <a:off x="7380312" y="5733256"/>
-            <a:ext cx="662832" cy="369713"/>
-          </a:xfrm>
-          <a:prstGeom prst="rect">
-            <a:avLst/>
-          </a:prstGeom>
-          <a:noFill/>
-        </p:spPr>
-      </p:pic>
       <p:grpSp>
         <p:nvGrpSpPr>
-          <p:cNvPr id="27" name="Group 26"/>
+          <p:cNvPr id="3" name="Group 14"/>
           <p:cNvGrpSpPr/>
           <p:nvPr/>
         </p:nvGrpSpPr>
@@ -19990,7 +25122,7 @@
         </p:grpSpPr>
         <p:sp>
           <p:nvSpPr>
-            <p:cNvPr id="28" name="Round Same Side Corner Rectangle 27"/>
+            <p:cNvPr id="16" name="Round Same Side Corner Rectangle 15"/>
             <p:cNvSpPr/>
             <p:nvPr/>
           </p:nvSpPr>
@@ -20030,14 +25162,14 @@
         </p:sp>
         <p:pic>
           <p:nvPicPr>
-            <p:cNvPr id="29" name="Picture 2" descr="E:\U.B.A.Files\Materias\75.45 Taller de Desarrollo de Proyectos I\TP\Trunk\Proyecto\web\site\images\logo.png"/>
+            <p:cNvPr id="20" name="Picture 2" descr="E:\U.B.A.Files\Materias\75.45 Taller de Desarrollo de Proyectos I\TP\Trunk\Proyecto\web\site\images\logo.png"/>
             <p:cNvPicPr>
               <a:picLocks noChangeAspect="1" noChangeArrowheads="1"/>
             </p:cNvPicPr>
             <p:nvPr/>
           </p:nvPicPr>
           <p:blipFill>
-            <a:blip r:embed="rId5" cstate="print"/>
+            <a:blip r:embed="rId2" cstate="print"/>
             <a:srcRect/>
             <a:stretch>
               <a:fillRect/>
@@ -20056,7 +25188,7 @@
         </p:pic>
         <p:sp>
           <p:nvSpPr>
-            <p:cNvPr id="30" name="TextBox 29"/>
+            <p:cNvPr id="23" name="TextBox 22"/>
             <p:cNvSpPr txBox="1"/>
             <p:nvPr/>
           </p:nvSpPr>
@@ -20099,14 +25231,14 @@
       </p:grpSp>
       <p:sp>
         <p:nvSpPr>
-          <p:cNvPr id="31" name="Rectangle 30"/>
+          <p:cNvPr id="15" name="Rectangle 14"/>
           <p:cNvSpPr/>
           <p:nvPr/>
         </p:nvSpPr>
         <p:spPr>
           <a:xfrm>
-            <a:off x="2095500" y="1524000"/>
-            <a:ext cx="4953000" cy="1066800"/>
+            <a:off x="381000" y="1371600"/>
+            <a:ext cx="8458200" cy="1066800"/>
           </a:xfrm>
           <a:prstGeom prst="rect">
             <a:avLst/>
@@ -20138,18 +25270,296 @@
           <a:p>
             <a:pPr algn="ctr"/>
             <a:r>
-              <a:rPr lang="es-AR" sz="5400" b="1" u="sng" dirty="0" smtClean="0"/>
-              <a:t>Nuestros Packs</a:t>
+              <a:rPr lang="es-AR" sz="5000" b="1" u="sng" dirty="0" smtClean="0"/>
+              <a:t>SVE</a:t>
             </a:r>
-            <a:endParaRPr lang="es-AR" sz="2000" u="sng" dirty="0"/>
+            <a:r>
+              <a:rPr lang="es-AR" sz="4800" b="1" u="sng" dirty="0" smtClean="0"/>
+              <a:t> </a:t>
+            </a:r>
+            <a:r>
+              <a:rPr lang="es-AR" sz="4000" b="1" u="sng" dirty="0" smtClean="0"/>
+              <a:t>– </a:t>
+            </a:r>
+            <a:r>
+              <a:rPr lang="es-AR" sz="4000" b="1" u="sng" dirty="0" err="1" smtClean="0"/>
+              <a:t>Scoring</a:t>
+            </a:r>
+            <a:r>
+              <a:rPr lang="es-AR" sz="4000" b="1" u="sng" dirty="0" smtClean="0"/>
+              <a:t> Vehicular Estadístico</a:t>
+            </a:r>
+            <a:endParaRPr lang="es-AR" sz="1400" u="sng" dirty="0"/>
           </a:p>
         </p:txBody>
       </p:sp>
+      <p:graphicFrame>
+        <p:nvGraphicFramePr>
+          <p:cNvPr id="36" name="Diagram 35"/>
+          <p:cNvGraphicFramePr/>
+          <p:nvPr/>
+        </p:nvGraphicFramePr>
+        <p:xfrm>
+          <a:off x="1524000" y="2438400"/>
+          <a:ext cx="5791200" cy="3733800"/>
+        </p:xfrm>
+        <a:graphic>
+          <a:graphicData uri="http://schemas.openxmlformats.org/drawingml/2006/diagram">
+            <dgm:relIds xmlns:dgm="http://schemas.openxmlformats.org/drawingml/2006/diagram" xmlns:r="http://schemas.openxmlformats.org/officeDocument/2006/relationships" r:dm="rId3" r:lo="rId4" r:qs="rId5" r:cs="rId6"/>
+          </a:graphicData>
+        </a:graphic>
+      </p:graphicFrame>
+      <p:pic>
+        <p:nvPicPr>
+          <p:cNvPr id="1027" name="Picture 3" descr="C:\Users\Jerico\Desktop\transito (1).jpg"/>
+          <p:cNvPicPr>
+            <a:picLocks noChangeAspect="1" noChangeArrowheads="1"/>
+          </p:cNvPicPr>
+          <p:nvPr/>
+        </p:nvPicPr>
+        <p:blipFill>
+          <a:blip r:embed="rId8" cstate="print"/>
+          <a:srcRect/>
+          <a:stretch>
+            <a:fillRect/>
+          </a:stretch>
+        </p:blipFill>
+        <p:spPr bwMode="auto">
+          <a:xfrm>
+            <a:off x="1244598" y="2438400"/>
+            <a:ext cx="1270002" cy="990600"/>
+          </a:xfrm>
+          <a:prstGeom prst="rect">
+            <a:avLst/>
+          </a:prstGeom>
+          <a:noFill/>
+          <a:ln w="38100">
+            <a:solidFill>
+              <a:schemeClr val="tx1"/>
+            </a:solidFill>
+          </a:ln>
+        </p:spPr>
+      </p:pic>
+      <p:pic>
+        <p:nvPicPr>
+          <p:cNvPr id="1028" name="Picture 4" descr="C:\Users\Jerico\Desktop\reglamentotrabajo.jpg"/>
+          <p:cNvPicPr>
+            <a:picLocks noChangeAspect="1" noChangeArrowheads="1"/>
+          </p:cNvPicPr>
+          <p:nvPr/>
+        </p:nvPicPr>
+        <p:blipFill>
+          <a:blip r:embed="rId9" cstate="print"/>
+          <a:srcRect/>
+          <a:stretch>
+            <a:fillRect/>
+          </a:stretch>
+        </p:blipFill>
+        <p:spPr bwMode="auto">
+          <a:xfrm>
+            <a:off x="6858000" y="3810001"/>
+            <a:ext cx="1371600" cy="838199"/>
+          </a:xfrm>
+          <a:prstGeom prst="rect">
+            <a:avLst/>
+          </a:prstGeom>
+          <a:noFill/>
+          <a:ln w="38100">
+            <a:solidFill>
+              <a:schemeClr val="tx1"/>
+            </a:solidFill>
+          </a:ln>
+        </p:spPr>
+      </p:pic>
+      <p:pic>
+        <p:nvPicPr>
+          <p:cNvPr id="1033" name="Picture 9" descr="C:\Users\Jerico\Desktop\mapa parque sarmiento.JPG"/>
+          <p:cNvPicPr>
+            <a:picLocks noChangeAspect="1" noChangeArrowheads="1"/>
+          </p:cNvPicPr>
+          <p:nvPr/>
+        </p:nvPicPr>
+        <p:blipFill>
+          <a:blip r:embed="rId10" cstate="print"/>
+          <a:srcRect/>
+          <a:stretch>
+            <a:fillRect/>
+          </a:stretch>
+        </p:blipFill>
+        <p:spPr bwMode="auto">
+          <a:xfrm>
+            <a:off x="6172200" y="2438400"/>
+            <a:ext cx="1371600" cy="990987"/>
+          </a:xfrm>
+          <a:prstGeom prst="rect">
+            <a:avLst/>
+          </a:prstGeom>
+          <a:noFill/>
+          <a:ln w="38100">
+            <a:solidFill>
+              <a:schemeClr val="tx1"/>
+            </a:solidFill>
+          </a:ln>
+        </p:spPr>
+      </p:pic>
+      <p:pic>
+        <p:nvPicPr>
+          <p:cNvPr id="1035" name="Picture 11" descr="C:\Users\Jerico\Desktop\1Target8.jpg"/>
+          <p:cNvPicPr>
+            <a:picLocks noChangeAspect="1" noChangeArrowheads="1"/>
+          </p:cNvPicPr>
+          <p:nvPr/>
+        </p:nvPicPr>
+        <p:blipFill>
+          <a:blip r:embed="rId11" cstate="print">
+            <a:clrChange>
+              <a:clrFrom>
+                <a:srgbClr val="FFFFFF"/>
+              </a:clrFrom>
+              <a:clrTo>
+                <a:srgbClr val="FFFFFF">
+                  <a:alpha val="0"/>
+                </a:srgbClr>
+              </a:clrTo>
+            </a:clrChange>
+          </a:blip>
+          <a:srcRect/>
+          <a:stretch>
+            <a:fillRect/>
+          </a:stretch>
+        </p:blipFill>
+        <p:spPr bwMode="auto">
+          <a:xfrm>
+            <a:off x="6934200" y="2743200"/>
+            <a:ext cx="314345" cy="359361"/>
+          </a:xfrm>
+          <a:prstGeom prst="rect">
+            <a:avLst/>
+          </a:prstGeom>
+          <a:noFill/>
+          <a:ln w="38100">
+            <a:noFill/>
+          </a:ln>
+        </p:spPr>
+      </p:pic>
+      <p:pic>
+        <p:nvPicPr>
+          <p:cNvPr id="1036" name="Picture 12" descr="C:\Users\Jerico\Desktop\Motivation.jpg"/>
+          <p:cNvPicPr>
+            <a:picLocks noChangeAspect="1" noChangeArrowheads="1"/>
+          </p:cNvPicPr>
+          <p:nvPr/>
+        </p:nvPicPr>
+        <p:blipFill>
+          <a:blip r:embed="rId12" cstate="print"/>
+          <a:srcRect/>
+          <a:stretch>
+            <a:fillRect/>
+          </a:stretch>
+        </p:blipFill>
+        <p:spPr bwMode="auto">
+          <a:xfrm>
+            <a:off x="6172200" y="5257800"/>
+            <a:ext cx="1295400" cy="859536"/>
+          </a:xfrm>
+          <a:prstGeom prst="rect">
+            <a:avLst/>
+          </a:prstGeom>
+          <a:noFill/>
+          <a:ln w="38100">
+            <a:solidFill>
+              <a:schemeClr val="tx1"/>
+            </a:solidFill>
+          </a:ln>
+        </p:spPr>
+      </p:pic>
+      <p:pic>
+        <p:nvPicPr>
+          <p:cNvPr id="1037" name="Picture 13" descr="C:\Users\Jerico\Desktop\team3.jpg"/>
+          <p:cNvPicPr>
+            <a:picLocks noChangeAspect="1" noChangeArrowheads="1"/>
+          </p:cNvPicPr>
+          <p:nvPr/>
+        </p:nvPicPr>
+        <p:blipFill>
+          <a:blip r:embed="rId13" cstate="print">
+            <a:clrChange>
+              <a:clrFrom>
+                <a:srgbClr val="FFFFFF"/>
+              </a:clrFrom>
+              <a:clrTo>
+                <a:srgbClr val="FFFFFF">
+                  <a:alpha val="0"/>
+                </a:srgbClr>
+              </a:clrTo>
+            </a:clrChange>
+          </a:blip>
+          <a:srcRect/>
+          <a:stretch>
+            <a:fillRect/>
+          </a:stretch>
+        </p:blipFill>
+        <p:spPr bwMode="auto">
+          <a:xfrm>
+            <a:off x="762000" y="3810000"/>
+            <a:ext cx="1295400" cy="862251"/>
+          </a:xfrm>
+          <a:prstGeom prst="rect">
+            <a:avLst/>
+          </a:prstGeom>
+          <a:solidFill>
+            <a:schemeClr val="bg1"/>
+          </a:solidFill>
+          <a:ln w="38100">
+            <a:solidFill>
+              <a:schemeClr val="tx1"/>
+            </a:solidFill>
+          </a:ln>
+        </p:spPr>
+      </p:pic>
+      <p:pic>
+        <p:nvPicPr>
+          <p:cNvPr id="1038" name="Picture 14" descr="C:\Users\Jerico\Desktop\traffic-main_full.jpg"/>
+          <p:cNvPicPr>
+            <a:picLocks noChangeAspect="1" noChangeArrowheads="1"/>
+          </p:cNvPicPr>
+          <p:nvPr/>
+        </p:nvPicPr>
+        <p:blipFill>
+          <a:blip r:embed="rId14" cstate="print"/>
+          <a:srcRect/>
+          <a:stretch>
+            <a:fillRect/>
+          </a:stretch>
+        </p:blipFill>
+        <p:spPr bwMode="auto">
+          <a:xfrm>
+            <a:off x="1295400" y="5257800"/>
+            <a:ext cx="1295400" cy="863600"/>
+          </a:xfrm>
+          <a:prstGeom prst="rect">
+            <a:avLst/>
+          </a:prstGeom>
+          <a:noFill/>
+          <a:ln w="38100">
+            <a:solidFill>
+              <a:schemeClr val="tx1"/>
+            </a:solidFill>
+          </a:ln>
+        </p:spPr>
+      </p:pic>
     </p:spTree>
   </p:cSld>
   <p:clrMapOvr>
     <a:masterClrMapping/>
   </p:clrMapOvr>
+  <p:timing>
+    <p:tnLst>
+      <p:par>
+        <p:cTn id="1" dur="indefinite" restart="never" nodeType="tmRoot"/>
+      </p:par>
+    </p:tnLst>
+  </p:timing>
 </p:sld>
 </file>
 

--- a/Presentacion/Comercial/Presentacion Comercial.pptx
+++ b/Presentacion/Comercial/Presentacion Comercial.pptx
@@ -1976,15 +1976,15 @@
     <dgm:cxn modelId="{62378A94-D51D-4A8F-ACE5-FCD2C813DE41}" type="presOf" srcId="{B1CFF551-31DB-4633-8730-C4B9AD276844}" destId="{A868DF88-F49F-469C-A5F5-CB103CD7200B}" srcOrd="0" destOrd="0" presId="urn:microsoft.com/office/officeart/2005/8/layout/cycle3"/>
     <dgm:cxn modelId="{E0331584-EBAE-4978-81E2-0C51C4737ED3}" type="presOf" srcId="{2129D80B-AB8F-4749-B7CB-E511A037D934}" destId="{00667C22-6DC5-4726-ABA7-88A752D8A330}" srcOrd="0" destOrd="0" presId="urn:microsoft.com/office/officeart/2005/8/layout/cycle3"/>
     <dgm:cxn modelId="{B0AFABD0-7F8D-4892-A8F7-4D733394DFAD}" srcId="{42BD14C9-541D-4029-AAD3-2EF0AA4FCEE9}" destId="{2129D80B-AB8F-4749-B7CB-E511A037D934}" srcOrd="1" destOrd="0" parTransId="{5AF88867-AB30-440D-BE88-8ADB33C72FE0}" sibTransId="{DA3BC53C-73E5-411D-82E7-C7304C2EA124}"/>
-    <dgm:cxn modelId="{89F8FE68-F520-4482-97AF-7B011B68B930}" srcId="{42BD14C9-541D-4029-AAD3-2EF0AA4FCEE9}" destId="{B1CFF551-31DB-4633-8730-C4B9AD276844}" srcOrd="0" destOrd="0" parTransId="{14B701B3-BD33-4607-9FC3-C9DA7F51E05B}" sibTransId="{E078CA96-0C8D-4BC6-B911-F8897328A0D4}"/>
     <dgm:cxn modelId="{998F4658-7533-462F-847D-9924E9FC5DEA}" srcId="{42BD14C9-541D-4029-AAD3-2EF0AA4FCEE9}" destId="{496AF658-39D4-49E9-B4C6-C5E1A7F906E2}" srcOrd="4" destOrd="0" parTransId="{C058DA5C-3405-44F2-9E99-5D72E06C31E9}" sibTransId="{61E28973-FB16-4591-A84C-2ECEAB61DFC9}"/>
     <dgm:cxn modelId="{6648CF25-5169-4DE9-BDFB-ABF44AF44DE8}" type="presOf" srcId="{56546301-EAB5-439A-8202-DEBBCB797DC6}" destId="{D26F8E52-27D9-4E93-A8D9-46CFF9466A65}" srcOrd="0" destOrd="0" presId="urn:microsoft.com/office/officeart/2005/8/layout/cycle3"/>
+    <dgm:cxn modelId="{89F8FE68-F520-4482-97AF-7B011B68B930}" srcId="{42BD14C9-541D-4029-AAD3-2EF0AA4FCEE9}" destId="{B1CFF551-31DB-4633-8730-C4B9AD276844}" srcOrd="0" destOrd="0" parTransId="{14B701B3-BD33-4607-9FC3-C9DA7F51E05B}" sibTransId="{E078CA96-0C8D-4BC6-B911-F8897328A0D4}"/>
     <dgm:cxn modelId="{F2F34F5E-B4BF-4E08-9E1B-45D6952864AF}" srcId="{42BD14C9-541D-4029-AAD3-2EF0AA4FCEE9}" destId="{56546301-EAB5-439A-8202-DEBBCB797DC6}" srcOrd="2" destOrd="0" parTransId="{83292165-F6F2-43D1-9C74-D8AB8048B6D5}" sibTransId="{E3468A60-9726-4AAD-98B4-C635EF49A48B}"/>
     <dgm:cxn modelId="{D2A1FADB-AF76-4733-B3DC-9255DAD7FEF3}" type="presOf" srcId="{496AF658-39D4-49E9-B4C6-C5E1A7F906E2}" destId="{F06619E9-E542-439D-B65D-1F35F8A24176}" srcOrd="0" destOrd="0" presId="urn:microsoft.com/office/officeart/2005/8/layout/cycle3"/>
     <dgm:cxn modelId="{8E5346C2-0F83-441F-B78B-BE09651ACB68}" srcId="{42BD14C9-541D-4029-AAD3-2EF0AA4FCEE9}" destId="{AA0E00CA-CA6E-4353-A284-570877CEB8C1}" srcOrd="3" destOrd="0" parTransId="{C65CAB3E-4A16-429A-B157-AE138B838E08}" sibTransId="{5072619A-07F3-4082-92C5-BBEDF9CBA2E7}"/>
     <dgm:cxn modelId="{4C0BF33D-1BC8-4E29-BC8F-0E609F96A0FA}" type="presOf" srcId="{AA0E00CA-CA6E-4353-A284-570877CEB8C1}" destId="{7517E12D-2E78-42FF-829C-19FEF96D7FA6}" srcOrd="0" destOrd="0" presId="urn:microsoft.com/office/officeart/2005/8/layout/cycle3"/>
+    <dgm:cxn modelId="{2B7E8767-3A09-495A-8864-FBD682008099}" type="presOf" srcId="{BFCCEEBB-4893-446F-BB29-FCDB0B6960A8}" destId="{21AA7386-08C3-4983-95AB-E7406219D63A}" srcOrd="0" destOrd="0" presId="urn:microsoft.com/office/officeart/2005/8/layout/cycle3"/>
     <dgm:cxn modelId="{23E7DC9A-DEB5-4705-985B-09BA6D4F8F79}" srcId="{42BD14C9-541D-4029-AAD3-2EF0AA4FCEE9}" destId="{BFCCEEBB-4893-446F-BB29-FCDB0B6960A8}" srcOrd="5" destOrd="0" parTransId="{3813F8A6-7A47-4D82-908E-184396A7C160}" sibTransId="{7F5E6678-4970-4236-ACD9-50EA4C21ABAD}"/>
-    <dgm:cxn modelId="{2B7E8767-3A09-495A-8864-FBD682008099}" type="presOf" srcId="{BFCCEEBB-4893-446F-BB29-FCDB0B6960A8}" destId="{21AA7386-08C3-4983-95AB-E7406219D63A}" srcOrd="0" destOrd="0" presId="urn:microsoft.com/office/officeart/2005/8/layout/cycle3"/>
     <dgm:cxn modelId="{8BCD5635-996C-4030-B03F-360822AC4D2A}" type="presOf" srcId="{42BD14C9-541D-4029-AAD3-2EF0AA4FCEE9}" destId="{0E9CCF2B-72D0-4B44-B1D8-99F4E58F7F12}" srcOrd="0" destOrd="0" presId="urn:microsoft.com/office/officeart/2005/8/layout/cycle3"/>
     <dgm:cxn modelId="{3BF3DE6B-4CFD-4D71-BBD0-01714DD3D4AE}" type="presOf" srcId="{E078CA96-0C8D-4BC6-B911-F8897328A0D4}" destId="{D135B4C1-1E5C-49B2-AAA3-B3074EAA9D6B}" srcOrd="0" destOrd="0" presId="urn:microsoft.com/office/officeart/2005/8/layout/cycle3"/>
     <dgm:cxn modelId="{B9A72798-6EB7-458A-B2C5-3CBE971530A7}" type="presParOf" srcId="{0E9CCF2B-72D0-4B44-B1D8-99F4E58F7F12}" destId="{781DE9F1-14B3-490E-9184-FD5B8B374833}" srcOrd="0" destOrd="0" presId="urn:microsoft.com/office/officeart/2005/8/layout/cycle3"/>
@@ -2000,7 +2000,7 @@
   <dgm:whole/>
   <dgm:extLst>
     <a:ext uri="http://schemas.microsoft.com/office/drawing/2008/diagram">
-      <dsp:dataModelExt xmlns:dsp="http://schemas.microsoft.com/office/drawing/2008/diagram" xmlns="" relId="rId9" minVer="http://schemas.openxmlformats.org/drawingml/2006/diagram"/>
+      <dsp:dataModelExt xmlns="" xmlns:dsp="http://schemas.microsoft.com/office/drawing/2008/diagram" relId="rId9" minVer="http://schemas.openxmlformats.org/drawingml/2006/diagram"/>
     </a:ext>
   </dgm:extLst>
 </dgm:dataModel>
@@ -2341,10 +2341,24 @@
         </dgm:presLayoutVars>
       </dgm:prSet>
       <dgm:spPr/>
+      <dgm:t>
+        <a:bodyPr/>
+        <a:lstStyle/>
+        <a:p>
+          <a:endParaRPr lang="es-AR"/>
+        </a:p>
+      </dgm:t>
     </dgm:pt>
     <dgm:pt modelId="{8164FD6E-02ED-489F-980A-357A2D5FB2FD}" type="pres">
       <dgm:prSet presAssocID="{89EB7156-40A5-4C9E-9EA3-02C101ECD302}" presName="centerShape" presStyleLbl="node0" presStyleIdx="0" presStyleCnt="1" custScaleX="141209" custScaleY="141209"/>
       <dgm:spPr/>
+      <dgm:t>
+        <a:bodyPr/>
+        <a:lstStyle/>
+        <a:p>
+          <a:endParaRPr lang="es-AR"/>
+        </a:p>
+      </dgm:t>
     </dgm:pt>
     <dgm:pt modelId="{BA71BB88-5E01-43E5-9AAB-4E808AA17CD1}" type="pres">
       <dgm:prSet presAssocID="{E9E7C3E7-FE75-4378-90DC-BFBC658F2B50}" presName="node" presStyleLbl="node1" presStyleIdx="0" presStyleCnt="6" custScaleX="122595" custScaleY="122595" custRadScaleRad="122059" custRadScaleInc="174573">
@@ -2353,6 +2367,13 @@
         </dgm:presLayoutVars>
       </dgm:prSet>
       <dgm:spPr/>
+      <dgm:t>
+        <a:bodyPr/>
+        <a:lstStyle/>
+        <a:p>
+          <a:endParaRPr lang="es-AR"/>
+        </a:p>
+      </dgm:t>
     </dgm:pt>
     <dgm:pt modelId="{2C6423EF-8342-448D-989F-44EB07330CD3}" type="pres">
       <dgm:prSet presAssocID="{E9E7C3E7-FE75-4378-90DC-BFBC658F2B50}" presName="dummy" presStyleCnt="0"/>
@@ -2361,6 +2382,13 @@
     <dgm:pt modelId="{DF56CE50-A4D4-4681-89B7-80D6CFD67B3B}" type="pres">
       <dgm:prSet presAssocID="{A9A6DFB1-3987-42F2-9BE6-AA8C9E980FA3}" presName="sibTrans" presStyleLbl="sibTrans2D1" presStyleIdx="0" presStyleCnt="6"/>
       <dgm:spPr/>
+      <dgm:t>
+        <a:bodyPr/>
+        <a:lstStyle/>
+        <a:p>
+          <a:endParaRPr lang="es-AR"/>
+        </a:p>
+      </dgm:t>
     </dgm:pt>
     <dgm:pt modelId="{882611AB-940C-4B3F-9C4C-28D546E0E109}" type="pres">
       <dgm:prSet presAssocID="{6B30FA61-997B-4DC8-80A2-B3C8CB4A2F03}" presName="node" presStyleLbl="node1" presStyleIdx="1" presStyleCnt="6" custScaleX="120275" custScaleY="120275" custRadScaleRad="124649" custRadScaleInc="130750">
@@ -2369,6 +2397,13 @@
         </dgm:presLayoutVars>
       </dgm:prSet>
       <dgm:spPr/>
+      <dgm:t>
+        <a:bodyPr/>
+        <a:lstStyle/>
+        <a:p>
+          <a:endParaRPr lang="es-AR"/>
+        </a:p>
+      </dgm:t>
     </dgm:pt>
     <dgm:pt modelId="{DD4176B6-2FCA-4697-A4D9-BEC4A3776D06}" type="pres">
       <dgm:prSet presAssocID="{6B30FA61-997B-4DC8-80A2-B3C8CB4A2F03}" presName="dummy" presStyleCnt="0"/>
@@ -2377,6 +2412,13 @@
     <dgm:pt modelId="{3424B32F-8C14-4B30-AA42-DD1B5FAE1DC0}" type="pres">
       <dgm:prSet presAssocID="{B06A0FF7-98AE-4786-9BFA-C6F470284CA5}" presName="sibTrans" presStyleLbl="sibTrans2D1" presStyleIdx="1" presStyleCnt="6"/>
       <dgm:spPr/>
+      <dgm:t>
+        <a:bodyPr/>
+        <a:lstStyle/>
+        <a:p>
+          <a:endParaRPr lang="es-AR"/>
+        </a:p>
+      </dgm:t>
     </dgm:pt>
     <dgm:pt modelId="{D1F6BD9A-608E-480A-9023-BA76B351B99D}" type="pres">
       <dgm:prSet presAssocID="{E5F447BB-5AA2-4BC5-8F04-D4BCD0148317}" presName="node" presStyleLbl="node1" presStyleIdx="2" presStyleCnt="6" custScaleX="119397" custScaleY="119397" custRadScaleRad="113380" custRadScaleInc="109812">
@@ -2385,6 +2427,13 @@
         </dgm:presLayoutVars>
       </dgm:prSet>
       <dgm:spPr/>
+      <dgm:t>
+        <a:bodyPr/>
+        <a:lstStyle/>
+        <a:p>
+          <a:endParaRPr lang="es-AR"/>
+        </a:p>
+      </dgm:t>
     </dgm:pt>
     <dgm:pt modelId="{72C152D0-2A52-49B5-B9EC-36170AF23ACC}" type="pres">
       <dgm:prSet presAssocID="{E5F447BB-5AA2-4BC5-8F04-D4BCD0148317}" presName="dummy" presStyleCnt="0"/>
@@ -2393,6 +2442,13 @@
     <dgm:pt modelId="{461F0BC7-44EC-4631-827D-46D67A021C64}" type="pres">
       <dgm:prSet presAssocID="{E875044B-6FA7-4BF2-80E6-8B6188CECD3D}" presName="sibTrans" presStyleLbl="sibTrans2D1" presStyleIdx="2" presStyleCnt="6"/>
       <dgm:spPr/>
+      <dgm:t>
+        <a:bodyPr/>
+        <a:lstStyle/>
+        <a:p>
+          <a:endParaRPr lang="es-AR"/>
+        </a:p>
+      </dgm:t>
     </dgm:pt>
     <dgm:pt modelId="{8021DE91-D5AA-470F-AE9D-D412B1946DD0}" type="pres">
       <dgm:prSet presAssocID="{12A68E62-30B2-408D-8EA9-827140EB2A2A}" presName="node" presStyleLbl="node1" presStyleIdx="3" presStyleCnt="6" custScaleX="120096" custScaleY="120096" custRadScaleRad="116784" custRadScaleInc="200605">
@@ -2416,6 +2472,13 @@
     <dgm:pt modelId="{5CD37D63-0503-4AA7-BAC0-DB1E356D6249}" type="pres">
       <dgm:prSet presAssocID="{C7CA7406-1C84-4A8D-8510-C3511223AB25}" presName="sibTrans" presStyleLbl="sibTrans2D1" presStyleIdx="3" presStyleCnt="6"/>
       <dgm:spPr/>
+      <dgm:t>
+        <a:bodyPr/>
+        <a:lstStyle/>
+        <a:p>
+          <a:endParaRPr lang="es-AR"/>
+        </a:p>
+      </dgm:t>
     </dgm:pt>
     <dgm:pt modelId="{7EEA23B7-2C55-467E-BEBF-8EB10682F77A}" type="pres">
       <dgm:prSet presAssocID="{0714527D-DF6C-4847-B605-418D4FDA60BC}" presName="node" presStyleLbl="node1" presStyleIdx="4" presStyleCnt="6" custScaleX="122873" custScaleY="122873" custRadScaleRad="118714" custRadScaleInc="170215">
@@ -2439,6 +2502,13 @@
     <dgm:pt modelId="{46BA042B-5742-45E1-B7D3-0DD4B24FA43D}" type="pres">
       <dgm:prSet presAssocID="{9CF05207-7583-465F-9807-721B3366F2DD}" presName="sibTrans" presStyleLbl="sibTrans2D1" presStyleIdx="4" presStyleCnt="6"/>
       <dgm:spPr/>
+      <dgm:t>
+        <a:bodyPr/>
+        <a:lstStyle/>
+        <a:p>
+          <a:endParaRPr lang="es-AR"/>
+        </a:p>
+      </dgm:t>
     </dgm:pt>
     <dgm:pt modelId="{E9305E95-DA6B-4A69-A9FA-EF364BB65629}" type="pres">
       <dgm:prSet presAssocID="{F96E4C07-1D0D-4A2F-9A09-B81C8197C6F1}" presName="node" presStyleLbl="node1" presStyleIdx="5" presStyleCnt="6" custScaleX="117239" custScaleY="117239" custRadScaleRad="121302" custRadScaleInc="106599">
@@ -2447,6 +2517,13 @@
         </dgm:presLayoutVars>
       </dgm:prSet>
       <dgm:spPr/>
+      <dgm:t>
+        <a:bodyPr/>
+        <a:lstStyle/>
+        <a:p>
+          <a:endParaRPr lang="es-AR"/>
+        </a:p>
+      </dgm:t>
     </dgm:pt>
     <dgm:pt modelId="{C396B630-069C-4617-BB80-7D030641F670}" type="pres">
       <dgm:prSet presAssocID="{F96E4C07-1D0D-4A2F-9A09-B81C8197C6F1}" presName="dummy" presStyleCnt="0"/>
@@ -2455,19 +2532,26 @@
     <dgm:pt modelId="{43978237-5057-46F3-813F-C0BB2A75BD3E}" type="pres">
       <dgm:prSet presAssocID="{80BC4035-3E49-4F20-8DF5-D00ECBBFBCF2}" presName="sibTrans" presStyleLbl="sibTrans2D1" presStyleIdx="5" presStyleCnt="6"/>
       <dgm:spPr/>
+      <dgm:t>
+        <a:bodyPr/>
+        <a:lstStyle/>
+        <a:p>
+          <a:endParaRPr lang="es-AR"/>
+        </a:p>
+      </dgm:t>
     </dgm:pt>
   </dgm:ptLst>
   <dgm:cxnLst>
     <dgm:cxn modelId="{3C110BB6-9E4A-4DEA-8E2E-1383E0C7FCB5}" srcId="{89EB7156-40A5-4C9E-9EA3-02C101ECD302}" destId="{12A68E62-30B2-408D-8EA9-827140EB2A2A}" srcOrd="3" destOrd="0" parTransId="{BCBFF10E-9B3B-44CB-8B2C-59E0E74363B7}" sibTransId="{C7CA7406-1C84-4A8D-8510-C3511223AB25}"/>
+    <dgm:cxn modelId="{652A9578-CBCF-44DE-9D9B-7E1024D42471}" type="presOf" srcId="{0714527D-DF6C-4847-B605-418D4FDA60BC}" destId="{7EEA23B7-2C55-467E-BEBF-8EB10682F77A}" srcOrd="0" destOrd="0" presId="urn:microsoft.com/office/officeart/2005/8/layout/radial6"/>
     <dgm:cxn modelId="{F65C45A0-44F9-4EC9-A648-707957B319EA}" srcId="{07B901D8-7A81-405E-81BF-8427788E9310}" destId="{89EB7156-40A5-4C9E-9EA3-02C101ECD302}" srcOrd="0" destOrd="0" parTransId="{68680278-B232-42BF-942F-991F19DF42E8}" sibTransId="{4BEBA9EC-A2CD-4A84-AD05-233271FDE687}"/>
-    <dgm:cxn modelId="{652A9578-CBCF-44DE-9D9B-7E1024D42471}" type="presOf" srcId="{0714527D-DF6C-4847-B605-418D4FDA60BC}" destId="{7EEA23B7-2C55-467E-BEBF-8EB10682F77A}" srcOrd="0" destOrd="0" presId="urn:microsoft.com/office/officeart/2005/8/layout/radial6"/>
     <dgm:cxn modelId="{BE7AE49F-3F59-4270-B7DC-B5803FDECEBB}" type="presOf" srcId="{E9E7C3E7-FE75-4378-90DC-BFBC658F2B50}" destId="{BA71BB88-5E01-43E5-9AAB-4E808AA17CD1}" srcOrd="0" destOrd="0" presId="urn:microsoft.com/office/officeart/2005/8/layout/radial6"/>
     <dgm:cxn modelId="{8516A3A0-3E48-4179-B40A-8C0C66292DD3}" type="presOf" srcId="{B06A0FF7-98AE-4786-9BFA-C6F470284CA5}" destId="{3424B32F-8C14-4B30-AA42-DD1B5FAE1DC0}" srcOrd="0" destOrd="0" presId="urn:microsoft.com/office/officeart/2005/8/layout/radial6"/>
     <dgm:cxn modelId="{D772FB57-4346-4B49-BFD3-62EFCBF8B08B}" srcId="{89EB7156-40A5-4C9E-9EA3-02C101ECD302}" destId="{E5F447BB-5AA2-4BC5-8F04-D4BCD0148317}" srcOrd="2" destOrd="0" parTransId="{074FE89B-878A-49C4-BB1A-B86C82556A30}" sibTransId="{E875044B-6FA7-4BF2-80E6-8B6188CECD3D}"/>
     <dgm:cxn modelId="{FB769B9F-AA58-4F45-93A4-B867D448873D}" type="presOf" srcId="{89EB7156-40A5-4C9E-9EA3-02C101ECD302}" destId="{8164FD6E-02ED-489F-980A-357A2D5FB2FD}" srcOrd="0" destOrd="0" presId="urn:microsoft.com/office/officeart/2005/8/layout/radial6"/>
     <dgm:cxn modelId="{EB6E75CB-09AA-4F37-8C8B-0A167D565BF9}" type="presOf" srcId="{F96E4C07-1D0D-4A2F-9A09-B81C8197C6F1}" destId="{E9305E95-DA6B-4A69-A9FA-EF364BB65629}" srcOrd="0" destOrd="0" presId="urn:microsoft.com/office/officeart/2005/8/layout/radial6"/>
+    <dgm:cxn modelId="{3DE0A5A9-F4AC-4DD1-870B-FFF408A56283}" type="presOf" srcId="{6B30FA61-997B-4DC8-80A2-B3C8CB4A2F03}" destId="{882611AB-940C-4B3F-9C4C-28D546E0E109}" srcOrd="0" destOrd="0" presId="urn:microsoft.com/office/officeart/2005/8/layout/radial6"/>
     <dgm:cxn modelId="{76543381-D97C-4E32-9AEF-7B49275EE5A7}" type="presOf" srcId="{9CF05207-7583-465F-9807-721B3366F2DD}" destId="{46BA042B-5742-45E1-B7D3-0DD4B24FA43D}" srcOrd="0" destOrd="0" presId="urn:microsoft.com/office/officeart/2005/8/layout/radial6"/>
-    <dgm:cxn modelId="{3DE0A5A9-F4AC-4DD1-870B-FFF408A56283}" type="presOf" srcId="{6B30FA61-997B-4DC8-80A2-B3C8CB4A2F03}" destId="{882611AB-940C-4B3F-9C4C-28D546E0E109}" srcOrd="0" destOrd="0" presId="urn:microsoft.com/office/officeart/2005/8/layout/radial6"/>
     <dgm:cxn modelId="{E2865BB1-6FB7-4474-ADA0-D3CC72908D4D}" srcId="{89EB7156-40A5-4C9E-9EA3-02C101ECD302}" destId="{F96E4C07-1D0D-4A2F-9A09-B81C8197C6F1}" srcOrd="5" destOrd="0" parTransId="{BA8A49B8-C3EE-42F4-A40A-2CE1B214D641}" sibTransId="{80BC4035-3E49-4F20-8DF5-D00ECBBFBCF2}"/>
     <dgm:cxn modelId="{BD5B33DF-E06B-4AB0-8E3C-A8C7747C3352}" type="presOf" srcId="{A9A6DFB1-3987-42F2-9BE6-AA8C9E980FA3}" destId="{DF56CE50-A4D4-4681-89B7-80D6CFD67B3B}" srcOrd="0" destOrd="0" presId="urn:microsoft.com/office/officeart/2005/8/layout/radial6"/>
     <dgm:cxn modelId="{32706A55-FD15-4951-90D4-D16B79117AD2}" srcId="{89EB7156-40A5-4C9E-9EA3-02C101ECD302}" destId="{6B30FA61-997B-4DC8-80A2-B3C8CB4A2F03}" srcOrd="1" destOrd="0" parTransId="{6FA47CCC-F242-4EB1-9132-3B3B67CB4C44}" sibTransId="{B06A0FF7-98AE-4786-9BFA-C6F470284CA5}"/>
@@ -2477,8 +2561,8 @@
     <dgm:cxn modelId="{C9F8B27F-EE00-4A95-8B1B-B85A71AB16DE}" srcId="{89EB7156-40A5-4C9E-9EA3-02C101ECD302}" destId="{E9E7C3E7-FE75-4378-90DC-BFBC658F2B50}" srcOrd="0" destOrd="0" parTransId="{B8734283-1391-4CB2-9DA3-78F0EA8EEC54}" sibTransId="{A9A6DFB1-3987-42F2-9BE6-AA8C9E980FA3}"/>
     <dgm:cxn modelId="{445FC168-58CE-4E3C-A19D-FA4D1EB4AE35}" type="presOf" srcId="{80BC4035-3E49-4F20-8DF5-D00ECBBFBCF2}" destId="{43978237-5057-46F3-813F-C0BB2A75BD3E}" srcOrd="0" destOrd="0" presId="urn:microsoft.com/office/officeart/2005/8/layout/radial6"/>
     <dgm:cxn modelId="{A948B7C0-AD7F-4BDC-99B4-DF07F59DAF3F}" srcId="{89EB7156-40A5-4C9E-9EA3-02C101ECD302}" destId="{0714527D-DF6C-4847-B605-418D4FDA60BC}" srcOrd="4" destOrd="0" parTransId="{B64DAE82-A659-4142-949C-26BC393D501A}" sibTransId="{9CF05207-7583-465F-9807-721B3366F2DD}"/>
+    <dgm:cxn modelId="{6CFD2D72-40DD-4352-ACDA-6EE9F3BC0D01}" type="presOf" srcId="{E875044B-6FA7-4BF2-80E6-8B6188CECD3D}" destId="{461F0BC7-44EC-4631-827D-46D67A021C64}" srcOrd="0" destOrd="0" presId="urn:microsoft.com/office/officeart/2005/8/layout/radial6"/>
     <dgm:cxn modelId="{DBF433F4-BB7D-4751-89B4-8FA0DBEDD168}" type="presOf" srcId="{C7CA7406-1C84-4A8D-8510-C3511223AB25}" destId="{5CD37D63-0503-4AA7-BAC0-DB1E356D6249}" srcOrd="0" destOrd="0" presId="urn:microsoft.com/office/officeart/2005/8/layout/radial6"/>
-    <dgm:cxn modelId="{6CFD2D72-40DD-4352-ACDA-6EE9F3BC0D01}" type="presOf" srcId="{E875044B-6FA7-4BF2-80E6-8B6188CECD3D}" destId="{461F0BC7-44EC-4631-827D-46D67A021C64}" srcOrd="0" destOrd="0" presId="urn:microsoft.com/office/officeart/2005/8/layout/radial6"/>
     <dgm:cxn modelId="{37863B16-43A2-4E88-94B1-48C1311C47ED}" type="presParOf" srcId="{A13B76F0-E006-4199-8983-A2044FA18C07}" destId="{8164FD6E-02ED-489F-980A-357A2D5FB2FD}" srcOrd="0" destOrd="0" presId="urn:microsoft.com/office/officeart/2005/8/layout/radial6"/>
     <dgm:cxn modelId="{EC442284-EAF7-4291-8F67-51F115D5A8D4}" type="presParOf" srcId="{A13B76F0-E006-4199-8983-A2044FA18C07}" destId="{BA71BB88-5E01-43E5-9AAB-4E808AA17CD1}" srcOrd="1" destOrd="0" presId="urn:microsoft.com/office/officeart/2005/8/layout/radial6"/>
     <dgm:cxn modelId="{3F601976-1E50-4874-8D2C-9A6581FC9C9C}" type="presParOf" srcId="{A13B76F0-E006-4199-8983-A2044FA18C07}" destId="{2C6423EF-8342-448D-989F-44EB07330CD3}" srcOrd="2" destOrd="0" presId="urn:microsoft.com/office/officeart/2005/8/layout/radial6"/>
@@ -2503,7 +2587,7 @@
   <dgm:whole/>
   <dgm:extLst>
     <a:ext uri="http://schemas.microsoft.com/office/drawing/2008/diagram">
-      <dsp:dataModelExt xmlns:dsp="http://schemas.microsoft.com/office/drawing/2008/diagram" xmlns="" relId="rId7" minVer="http://schemas.openxmlformats.org/drawingml/2006/diagram"/>
+      <dsp:dataModelExt xmlns="" xmlns:dsp="http://schemas.microsoft.com/office/drawing/2008/diagram" relId="rId7" minVer="http://schemas.openxmlformats.org/drawingml/2006/diagram"/>
     </a:ext>
   </dgm:extLst>
 </dgm:dataModel>
@@ -7722,7 +7806,7 @@
             <a:fld id="{9763C9BB-72E2-4283-8DE8-50E875797B7C}" type="datetimeFigureOut">
               <a:rPr lang="es-AR" smtClean="0"/>
               <a:pPr/>
-              <a:t>20/06/2011</a:t>
+              <a:t>25/06/2011</a:t>
             </a:fld>
             <a:endParaRPr lang="es-AR"/>
           </a:p>
@@ -8334,7 +8418,7 @@
             <a:fld id="{1D8BD707-D9CF-40AE-B4C6-C98DA3205C09}" type="datetimeFigureOut">
               <a:rPr lang="en-US" smtClean="0"/>
               <a:pPr/>
-              <a:t>6/20/2011</a:t>
+              <a:t>6/25/2011</a:t>
             </a:fld>
             <a:endParaRPr lang="en-US"/>
           </a:p>
@@ -8501,7 +8585,7 @@
             <a:fld id="{1D8BD707-D9CF-40AE-B4C6-C98DA3205C09}" type="datetimeFigureOut">
               <a:rPr lang="en-US" smtClean="0"/>
               <a:pPr/>
-              <a:t>6/20/2011</a:t>
+              <a:t>6/25/2011</a:t>
             </a:fld>
             <a:endParaRPr lang="en-US"/>
           </a:p>
@@ -8678,7 +8762,7 @@
             <a:fld id="{1D8BD707-D9CF-40AE-B4C6-C98DA3205C09}" type="datetimeFigureOut">
               <a:rPr lang="en-US" smtClean="0"/>
               <a:pPr/>
-              <a:t>6/20/2011</a:t>
+              <a:t>6/25/2011</a:t>
             </a:fld>
             <a:endParaRPr lang="en-US"/>
           </a:p>
@@ -8845,7 +8929,7 @@
             <a:fld id="{1D8BD707-D9CF-40AE-B4C6-C98DA3205C09}" type="datetimeFigureOut">
               <a:rPr lang="en-US" smtClean="0"/>
               <a:pPr/>
-              <a:t>6/20/2011</a:t>
+              <a:t>6/25/2011</a:t>
             </a:fld>
             <a:endParaRPr lang="en-US"/>
           </a:p>
@@ -9088,7 +9172,7 @@
             <a:fld id="{1D8BD707-D9CF-40AE-B4C6-C98DA3205C09}" type="datetimeFigureOut">
               <a:rPr lang="en-US" smtClean="0"/>
               <a:pPr/>
-              <a:t>6/20/2011</a:t>
+              <a:t>6/25/2011</a:t>
             </a:fld>
             <a:endParaRPr lang="en-US"/>
           </a:p>
@@ -9373,7 +9457,7 @@
             <a:fld id="{1D8BD707-D9CF-40AE-B4C6-C98DA3205C09}" type="datetimeFigureOut">
               <a:rPr lang="en-US" smtClean="0"/>
               <a:pPr/>
-              <a:t>6/20/2011</a:t>
+              <a:t>6/25/2011</a:t>
             </a:fld>
             <a:endParaRPr lang="en-US"/>
           </a:p>
@@ -9792,7 +9876,7 @@
             <a:fld id="{1D8BD707-D9CF-40AE-B4C6-C98DA3205C09}" type="datetimeFigureOut">
               <a:rPr lang="en-US" smtClean="0"/>
               <a:pPr/>
-              <a:t>6/20/2011</a:t>
+              <a:t>6/25/2011</a:t>
             </a:fld>
             <a:endParaRPr lang="en-US"/>
           </a:p>
@@ -9907,7 +9991,7 @@
             <a:fld id="{1D8BD707-D9CF-40AE-B4C6-C98DA3205C09}" type="datetimeFigureOut">
               <a:rPr lang="en-US" smtClean="0"/>
               <a:pPr/>
-              <a:t>6/20/2011</a:t>
+              <a:t>6/25/2011</a:t>
             </a:fld>
             <a:endParaRPr lang="en-US"/>
           </a:p>
@@ -9999,7 +10083,7 @@
             <a:fld id="{1D8BD707-D9CF-40AE-B4C6-C98DA3205C09}" type="datetimeFigureOut">
               <a:rPr lang="en-US" smtClean="0"/>
               <a:pPr/>
-              <a:t>6/20/2011</a:t>
+              <a:t>6/25/2011</a:t>
             </a:fld>
             <a:endParaRPr lang="en-US"/>
           </a:p>
@@ -10273,7 +10357,7 @@
             <a:fld id="{1D8BD707-D9CF-40AE-B4C6-C98DA3205C09}" type="datetimeFigureOut">
               <a:rPr lang="en-US" smtClean="0"/>
               <a:pPr/>
-              <a:t>6/20/2011</a:t>
+              <a:t>6/25/2011</a:t>
             </a:fld>
             <a:endParaRPr lang="en-US"/>
           </a:p>
@@ -10523,7 +10607,7 @@
             <a:fld id="{1D8BD707-D9CF-40AE-B4C6-C98DA3205C09}" type="datetimeFigureOut">
               <a:rPr lang="en-US" smtClean="0"/>
               <a:pPr/>
-              <a:t>6/20/2011</a:t>
+              <a:t>6/25/2011</a:t>
             </a:fld>
             <a:endParaRPr lang="en-US"/>
           </a:p>
@@ -10738,7 +10822,7 @@
             <a:fld id="{1D8BD707-D9CF-40AE-B4C6-C98DA3205C09}" type="datetimeFigureOut">
               <a:rPr lang="en-US" smtClean="0"/>
               <a:pPr/>
-              <a:t>6/20/2011</a:t>
+              <a:t>6/25/2011</a:t>
             </a:fld>
             <a:endParaRPr lang="en-US"/>
           </a:p>
@@ -21195,84 +21279,6 @@
           </a:p>
         </p:txBody>
       </p:sp>
-      <p:cxnSp>
-        <p:nvCxnSpPr>
-          <p:cNvPr id="41" name="Straight Arrow Connector 40"/>
-          <p:cNvCxnSpPr>
-            <a:stCxn id="33" idx="3"/>
-            <a:endCxn id="35" idx="1"/>
-          </p:cNvCxnSpPr>
-          <p:nvPr/>
-        </p:nvCxnSpPr>
-        <p:spPr>
-          <a:xfrm flipV="1">
-            <a:off x="2590800" y="3124200"/>
-            <a:ext cx="762000" cy="289560"/>
-          </a:xfrm>
-          <a:prstGeom prst="straightConnector1">
-            <a:avLst/>
-          </a:prstGeom>
-          <a:ln>
-            <a:solidFill>
-              <a:schemeClr val="bg1"/>
-            </a:solidFill>
-            <a:tailEnd type="arrow"/>
-          </a:ln>
-        </p:spPr>
-        <p:style>
-          <a:lnRef idx="3">
-            <a:schemeClr val="accent1"/>
-          </a:lnRef>
-          <a:fillRef idx="0">
-            <a:schemeClr val="accent1"/>
-          </a:fillRef>
-          <a:effectRef idx="2">
-            <a:schemeClr val="accent1"/>
-          </a:effectRef>
-          <a:fontRef idx="minor">
-            <a:schemeClr val="tx1"/>
-          </a:fontRef>
-        </p:style>
-      </p:cxnSp>
-      <p:cxnSp>
-        <p:nvCxnSpPr>
-          <p:cNvPr id="43" name="Straight Arrow Connector 42"/>
-          <p:cNvCxnSpPr>
-            <a:stCxn id="34" idx="3"/>
-            <a:endCxn id="36" idx="1"/>
-          </p:cNvCxnSpPr>
-          <p:nvPr/>
-        </p:nvCxnSpPr>
-        <p:spPr>
-          <a:xfrm>
-            <a:off x="2590800" y="5143953"/>
-            <a:ext cx="762000" cy="418647"/>
-          </a:xfrm>
-          <a:prstGeom prst="straightConnector1">
-            <a:avLst/>
-          </a:prstGeom>
-          <a:ln>
-            <a:solidFill>
-              <a:schemeClr val="bg1"/>
-            </a:solidFill>
-            <a:tailEnd type="arrow"/>
-          </a:ln>
-        </p:spPr>
-        <p:style>
-          <a:lnRef idx="3">
-            <a:schemeClr val="accent1"/>
-          </a:lnRef>
-          <a:fillRef idx="0">
-            <a:schemeClr val="accent1"/>
-          </a:fillRef>
-          <a:effectRef idx="2">
-            <a:schemeClr val="accent1"/>
-          </a:effectRef>
-          <a:fontRef idx="minor">
-            <a:schemeClr val="tx1"/>
-          </a:fontRef>
-        </p:style>
-      </p:cxnSp>
       <p:sp>
         <p:nvSpPr>
           <p:cNvPr id="57" name="Cross 56"/>
@@ -21633,47 +21639,6 @@
           <a:noFill/>
         </p:spPr>
       </p:pic>
-      <p:cxnSp>
-        <p:nvCxnSpPr>
-          <p:cNvPr id="81" name="Straight Arrow Connector 80"/>
-          <p:cNvCxnSpPr>
-            <a:stCxn id="78" idx="3"/>
-            <a:endCxn id="38" idx="1"/>
-          </p:cNvCxnSpPr>
-          <p:nvPr/>
-        </p:nvCxnSpPr>
-        <p:spPr>
-          <a:xfrm>
-            <a:off x="5791200" y="4305300"/>
-            <a:ext cx="609600" cy="2475"/>
-          </a:xfrm>
-          <a:prstGeom prst="straightConnector1">
-            <a:avLst/>
-          </a:prstGeom>
-          <a:ln cmpd="dbl">
-            <a:solidFill>
-              <a:schemeClr val="bg1">
-                <a:lumMod val="95000"/>
-              </a:schemeClr>
-            </a:solidFill>
-            <a:tailEnd type="arrow"/>
-          </a:ln>
-        </p:spPr>
-        <p:style>
-          <a:lnRef idx="3">
-            <a:schemeClr val="accent1"/>
-          </a:lnRef>
-          <a:fillRef idx="0">
-            <a:schemeClr val="accent1"/>
-          </a:fillRef>
-          <a:effectRef idx="2">
-            <a:schemeClr val="accent1"/>
-          </a:effectRef>
-          <a:fontRef idx="minor">
-            <a:schemeClr val="tx1"/>
-          </a:fontRef>
-        </p:style>
-      </p:cxnSp>
       <p:grpSp>
         <p:nvGrpSpPr>
           <p:cNvPr id="39" name="Group 38"/>
@@ -21898,6 +21863,147 @@
           <a:noFill/>
         </p:spPr>
       </p:pic>
+      <p:cxnSp>
+        <p:nvCxnSpPr>
+          <p:cNvPr id="50" name="Straight Arrow Connector 49"/>
+          <p:cNvCxnSpPr>
+            <a:stCxn id="78" idx="3"/>
+            <a:endCxn id="38" idx="1"/>
+          </p:cNvCxnSpPr>
+          <p:nvPr/>
+        </p:nvCxnSpPr>
+        <p:spPr>
+          <a:xfrm>
+            <a:off x="5791200" y="4305300"/>
+            <a:ext cx="609600" cy="2475"/>
+          </a:xfrm>
+          <a:prstGeom prst="straightConnector1">
+            <a:avLst/>
+          </a:prstGeom>
+          <a:ln w="57150">
+            <a:solidFill>
+              <a:schemeClr val="bg1"/>
+            </a:solidFill>
+            <a:headEnd type="none" w="med" len="med"/>
+            <a:tailEnd type="triangle" w="med" len="med"/>
+          </a:ln>
+          <a:effectLst>
+            <a:outerShdw blurRad="50800" dist="38100" dir="5400000" algn="t" rotWithShape="0">
+              <a:prstClr val="black">
+                <a:alpha val="40000"/>
+              </a:prstClr>
+            </a:outerShdw>
+          </a:effectLst>
+        </p:spPr>
+        <p:style>
+          <a:lnRef idx="1">
+            <a:schemeClr val="accent1"/>
+          </a:lnRef>
+          <a:fillRef idx="0">
+            <a:schemeClr val="accent1"/>
+          </a:fillRef>
+          <a:effectRef idx="0">
+            <a:schemeClr val="accent1"/>
+          </a:effectRef>
+          <a:fontRef idx="minor">
+            <a:schemeClr val="tx1"/>
+          </a:fontRef>
+        </p:style>
+      </p:cxnSp>
+      <p:cxnSp>
+        <p:nvCxnSpPr>
+          <p:cNvPr id="51" name="Straight Arrow Connector 50"/>
+          <p:cNvCxnSpPr>
+            <a:stCxn id="33" idx="3"/>
+            <a:endCxn id="35" idx="1"/>
+          </p:cNvCxnSpPr>
+          <p:nvPr/>
+        </p:nvCxnSpPr>
+        <p:spPr>
+          <a:xfrm flipV="1">
+            <a:off x="2590800" y="3124200"/>
+            <a:ext cx="762000" cy="289560"/>
+          </a:xfrm>
+          <a:prstGeom prst="straightConnector1">
+            <a:avLst/>
+          </a:prstGeom>
+          <a:ln w="57150">
+            <a:solidFill>
+              <a:schemeClr val="bg1"/>
+            </a:solidFill>
+            <a:headEnd type="none" w="med" len="med"/>
+            <a:tailEnd type="triangle" w="med" len="med"/>
+          </a:ln>
+          <a:effectLst>
+            <a:outerShdw blurRad="50800" dist="38100" dir="5400000" algn="t" rotWithShape="0">
+              <a:prstClr val="black">
+                <a:alpha val="40000"/>
+              </a:prstClr>
+            </a:outerShdw>
+          </a:effectLst>
+        </p:spPr>
+        <p:style>
+          <a:lnRef idx="1">
+            <a:schemeClr val="accent1"/>
+          </a:lnRef>
+          <a:fillRef idx="0">
+            <a:schemeClr val="accent1"/>
+          </a:fillRef>
+          <a:effectRef idx="0">
+            <a:schemeClr val="accent1"/>
+          </a:effectRef>
+          <a:fontRef idx="minor">
+            <a:schemeClr val="tx1"/>
+          </a:fontRef>
+        </p:style>
+      </p:cxnSp>
+      <p:cxnSp>
+        <p:nvCxnSpPr>
+          <p:cNvPr id="56" name="Straight Arrow Connector 55"/>
+          <p:cNvCxnSpPr>
+            <a:stCxn id="34" idx="3"/>
+            <a:endCxn id="5122" idx="1"/>
+          </p:cNvCxnSpPr>
+          <p:nvPr/>
+        </p:nvCxnSpPr>
+        <p:spPr>
+          <a:xfrm>
+            <a:off x="2590800" y="5143953"/>
+            <a:ext cx="838200" cy="418585"/>
+          </a:xfrm>
+          <a:prstGeom prst="straightConnector1">
+            <a:avLst/>
+          </a:prstGeom>
+          <a:ln w="57150">
+            <a:solidFill>
+              <a:schemeClr val="bg1"/>
+            </a:solidFill>
+            <a:headEnd type="none" w="med" len="med"/>
+            <a:tailEnd type="triangle" w="med" len="med"/>
+          </a:ln>
+          <a:effectLst>
+            <a:outerShdw blurRad="50800" dist="38100" dir="5400000" algn="t" rotWithShape="0">
+              <a:prstClr val="black">
+                <a:alpha val="40000"/>
+              </a:prstClr>
+            </a:outerShdw>
+          </a:effectLst>
+        </p:spPr>
+        <p:style>
+          <a:lnRef idx="1">
+            <a:schemeClr val="accent1"/>
+          </a:lnRef>
+          <a:fillRef idx="0">
+            <a:schemeClr val="accent1"/>
+          </a:fillRef>
+          <a:effectRef idx="0">
+            <a:schemeClr val="accent1"/>
+          </a:effectRef>
+          <a:fontRef idx="minor">
+            <a:schemeClr val="tx1"/>
+          </a:fontRef>
+        </p:style>
+      </p:cxnSp>
     </p:spTree>
   </p:cSld>
   <p:clrMapOvr>
@@ -25318,7 +25424,7 @@
           <p:nvPr/>
         </p:nvPicPr>
         <p:blipFill>
-          <a:blip r:embed="rId8" cstate="print"/>
+          <a:blip r:embed="rId7" cstate="print"/>
           <a:srcRect/>
           <a:stretch>
             <a:fillRect/>
@@ -25349,7 +25455,7 @@
           <p:nvPr/>
         </p:nvPicPr>
         <p:blipFill>
-          <a:blip r:embed="rId9" cstate="print"/>
+          <a:blip r:embed="rId8" cstate="print"/>
           <a:srcRect/>
           <a:stretch>
             <a:fillRect/>
@@ -25380,7 +25486,7 @@
           <p:nvPr/>
         </p:nvPicPr>
         <p:blipFill>
-          <a:blip r:embed="rId10" cstate="print"/>
+          <a:blip r:embed="rId9" cstate="print"/>
           <a:srcRect/>
           <a:stretch>
             <a:fillRect/>
@@ -25411,7 +25517,7 @@
           <p:nvPr/>
         </p:nvPicPr>
         <p:blipFill>
-          <a:blip r:embed="rId11" cstate="print">
+          <a:blip r:embed="rId10" cstate="print">
             <a:clrChange>
               <a:clrFrom>
                 <a:srgbClr val="FFFFFF"/>
@@ -25451,7 +25557,7 @@
           <p:nvPr/>
         </p:nvPicPr>
         <p:blipFill>
-          <a:blip r:embed="rId12" cstate="print"/>
+          <a:blip r:embed="rId11" cstate="print"/>
           <a:srcRect/>
           <a:stretch>
             <a:fillRect/>
@@ -25482,7 +25588,7 @@
           <p:nvPr/>
         </p:nvPicPr>
         <p:blipFill>
-          <a:blip r:embed="rId13" cstate="print">
+          <a:blip r:embed="rId12" cstate="print">
             <a:clrChange>
               <a:clrFrom>
                 <a:srgbClr val="FFFFFF"/>
@@ -25526,7 +25632,7 @@
           <p:nvPr/>
         </p:nvPicPr>
         <p:blipFill>
-          <a:blip r:embed="rId14" cstate="print"/>
+          <a:blip r:embed="rId13" cstate="print"/>
           <a:srcRect/>
           <a:stretch>
             <a:fillRect/>

--- a/Presentacion/Comercial/Presentacion Comercial.pptx
+++ b/Presentacion/Comercial/Presentacion Comercial.pptx
@@ -5,7 +5,7 @@
     <p:sldMasterId id="2147484416" r:id="rId1"/>
   </p:sldMasterIdLst>
   <p:notesMasterIdLst>
-    <p:notesMasterId r:id="rId13"/>
+    <p:notesMasterId r:id="rId16"/>
   </p:notesMasterIdLst>
   <p:sldIdLst>
     <p:sldId id="256" r:id="rId2"/>
@@ -19,6 +19,9 @@
     <p:sldId id="266" r:id="rId10"/>
     <p:sldId id="262" r:id="rId11"/>
     <p:sldId id="265" r:id="rId12"/>
+    <p:sldId id="267" r:id="rId13"/>
+    <p:sldId id="268" r:id="rId14"/>
+    <p:sldId id="269" r:id="rId15"/>
   </p:sldIdLst>
   <p:sldSz cx="9144000" cy="6858000" type="screen4x3"/>
   <p:notesSz cx="6858000" cy="9144000"/>
@@ -1983,8 +1986,8 @@
     <dgm:cxn modelId="{D2A1FADB-AF76-4733-B3DC-9255DAD7FEF3}" type="presOf" srcId="{496AF658-39D4-49E9-B4C6-C5E1A7F906E2}" destId="{F06619E9-E542-439D-B65D-1F35F8A24176}" srcOrd="0" destOrd="0" presId="urn:microsoft.com/office/officeart/2005/8/layout/cycle3"/>
     <dgm:cxn modelId="{8E5346C2-0F83-441F-B78B-BE09651ACB68}" srcId="{42BD14C9-541D-4029-AAD3-2EF0AA4FCEE9}" destId="{AA0E00CA-CA6E-4353-A284-570877CEB8C1}" srcOrd="3" destOrd="0" parTransId="{C65CAB3E-4A16-429A-B157-AE138B838E08}" sibTransId="{5072619A-07F3-4082-92C5-BBEDF9CBA2E7}"/>
     <dgm:cxn modelId="{4C0BF33D-1BC8-4E29-BC8F-0E609F96A0FA}" type="presOf" srcId="{AA0E00CA-CA6E-4353-A284-570877CEB8C1}" destId="{7517E12D-2E78-42FF-829C-19FEF96D7FA6}" srcOrd="0" destOrd="0" presId="urn:microsoft.com/office/officeart/2005/8/layout/cycle3"/>
+    <dgm:cxn modelId="{23E7DC9A-DEB5-4705-985B-09BA6D4F8F79}" srcId="{42BD14C9-541D-4029-AAD3-2EF0AA4FCEE9}" destId="{BFCCEEBB-4893-446F-BB29-FCDB0B6960A8}" srcOrd="5" destOrd="0" parTransId="{3813F8A6-7A47-4D82-908E-184396A7C160}" sibTransId="{7F5E6678-4970-4236-ACD9-50EA4C21ABAD}"/>
     <dgm:cxn modelId="{2B7E8767-3A09-495A-8864-FBD682008099}" type="presOf" srcId="{BFCCEEBB-4893-446F-BB29-FCDB0B6960A8}" destId="{21AA7386-08C3-4983-95AB-E7406219D63A}" srcOrd="0" destOrd="0" presId="urn:microsoft.com/office/officeart/2005/8/layout/cycle3"/>
-    <dgm:cxn modelId="{23E7DC9A-DEB5-4705-985B-09BA6D4F8F79}" srcId="{42BD14C9-541D-4029-AAD3-2EF0AA4FCEE9}" destId="{BFCCEEBB-4893-446F-BB29-FCDB0B6960A8}" srcOrd="5" destOrd="0" parTransId="{3813F8A6-7A47-4D82-908E-184396A7C160}" sibTransId="{7F5E6678-4970-4236-ACD9-50EA4C21ABAD}"/>
     <dgm:cxn modelId="{8BCD5635-996C-4030-B03F-360822AC4D2A}" type="presOf" srcId="{42BD14C9-541D-4029-AAD3-2EF0AA4FCEE9}" destId="{0E9CCF2B-72D0-4B44-B1D8-99F4E58F7F12}" srcOrd="0" destOrd="0" presId="urn:microsoft.com/office/officeart/2005/8/layout/cycle3"/>
     <dgm:cxn modelId="{3BF3DE6B-4CFD-4D71-BBD0-01714DD3D4AE}" type="presOf" srcId="{E078CA96-0C8D-4BC6-B911-F8897328A0D4}" destId="{D135B4C1-1E5C-49B2-AAA3-B3074EAA9D6B}" srcOrd="0" destOrd="0" presId="urn:microsoft.com/office/officeart/2005/8/layout/cycle3"/>
     <dgm:cxn modelId="{B9A72798-6EB7-458A-B2C5-3CBE971530A7}" type="presParOf" srcId="{0E9CCF2B-72D0-4B44-B1D8-99F4E58F7F12}" destId="{781DE9F1-14B3-490E-9184-FD5B8B374833}" srcOrd="0" destOrd="0" presId="urn:microsoft.com/office/officeart/2005/8/layout/cycle3"/>
@@ -2000,7 +2003,7 @@
   <dgm:whole/>
   <dgm:extLst>
     <a:ext uri="http://schemas.microsoft.com/office/drawing/2008/diagram">
-      <dsp:dataModelExt xmlns="" xmlns:dsp="http://schemas.microsoft.com/office/drawing/2008/diagram" relId="rId9" minVer="http://schemas.openxmlformats.org/drawingml/2006/diagram"/>
+      <dsp:dataModelExt xmlns:dsp="http://schemas.microsoft.com/office/drawing/2008/diagram" xmlns="" relId="rId9" minVer="http://schemas.openxmlformats.org/drawingml/2006/diagram"/>
     </a:ext>
   </dgm:extLst>
 </dgm:dataModel>
@@ -2587,7 +2590,7 @@
   <dgm:whole/>
   <dgm:extLst>
     <a:ext uri="http://schemas.microsoft.com/office/drawing/2008/diagram">
-      <dsp:dataModelExt xmlns="" xmlns:dsp="http://schemas.microsoft.com/office/drawing/2008/diagram" relId="rId7" minVer="http://schemas.openxmlformats.org/drawingml/2006/diagram"/>
+      <dsp:dataModelExt xmlns:dsp="http://schemas.microsoft.com/office/drawing/2008/diagram" xmlns="" relId="rId7" minVer="http://schemas.openxmlformats.org/drawingml/2006/diagram"/>
     </a:ext>
   </dgm:extLst>
 </dgm:dataModel>
@@ -7806,7 +7809,7 @@
             <a:fld id="{9763C9BB-72E2-4283-8DE8-50E875797B7C}" type="datetimeFigureOut">
               <a:rPr lang="es-AR" smtClean="0"/>
               <a:pPr/>
-              <a:t>25/06/2011</a:t>
+              <a:t>28/06/2011</a:t>
             </a:fld>
             <a:endParaRPr lang="es-AR"/>
           </a:p>
@@ -7968,7 +7971,7 @@
             <a:fld id="{5ACEBAAB-EBB8-473E-9B6D-9EEDF5A7888A}" type="slidenum">
               <a:rPr lang="es-AR" smtClean="0"/>
               <a:pPr/>
-              <a:t>‹#›</a:t>
+              <a:t>‹Nº›</a:t>
             </a:fld>
             <a:endParaRPr lang="es-AR"/>
           </a:p>
@@ -8236,6 +8239,252 @@
 </p:notes>
 </file>
 
+<file path=ppt/notesSlides/notesSlide3.xml><?xml version="1.0" encoding="utf-8"?>
+<p:notes xmlns:a="http://schemas.openxmlformats.org/drawingml/2006/main" xmlns:r="http://schemas.openxmlformats.org/officeDocument/2006/relationships" xmlns:p="http://schemas.openxmlformats.org/presentationml/2006/main">
+  <p:cSld>
+    <p:spTree>
+      <p:nvGrpSpPr>
+        <p:cNvPr id="1" name=""/>
+        <p:cNvGrpSpPr/>
+        <p:nvPr/>
+      </p:nvGrpSpPr>
+      <p:grpSpPr>
+        <a:xfrm>
+          <a:off x="0" y="0"/>
+          <a:ext cx="0" cy="0"/>
+          <a:chOff x="0" y="0"/>
+          <a:chExt cx="0" cy="0"/>
+        </a:xfrm>
+      </p:grpSpPr>
+      <p:sp>
+        <p:nvSpPr>
+          <p:cNvPr id="2" name="Slide Image Placeholder 1"/>
+          <p:cNvSpPr>
+            <a:spLocks noGrp="1" noRot="1" noChangeAspect="1"/>
+          </p:cNvSpPr>
+          <p:nvPr>
+            <p:ph type="sldImg"/>
+          </p:nvPr>
+        </p:nvSpPr>
+        <p:spPr/>
+      </p:sp>
+      <p:sp>
+        <p:nvSpPr>
+          <p:cNvPr id="3" name="Notes Placeholder 2"/>
+          <p:cNvSpPr>
+            <a:spLocks noGrp="1"/>
+          </p:cNvSpPr>
+          <p:nvPr>
+            <p:ph type="body" idx="1"/>
+          </p:nvPr>
+        </p:nvSpPr>
+        <p:spPr/>
+        <p:txBody>
+          <a:bodyPr>
+            <a:normAutofit/>
+          </a:bodyPr>
+          <a:lstStyle/>
+          <a:p>
+            <a:endParaRPr lang="es-AR" dirty="0"/>
+          </a:p>
+        </p:txBody>
+      </p:sp>
+      <p:sp>
+        <p:nvSpPr>
+          <p:cNvPr id="4" name="Slide Number Placeholder 3"/>
+          <p:cNvSpPr>
+            <a:spLocks noGrp="1"/>
+          </p:cNvSpPr>
+          <p:nvPr>
+            <p:ph type="sldNum" sz="quarter" idx="10"/>
+          </p:nvPr>
+        </p:nvSpPr>
+        <p:spPr/>
+        <p:txBody>
+          <a:bodyPr/>
+          <a:lstStyle/>
+          <a:p>
+            <a:fld id="{5ACEBAAB-EBB8-473E-9B6D-9EEDF5A7888A}" type="slidenum">
+              <a:rPr lang="es-AR" smtClean="0"/>
+              <a:pPr/>
+              <a:t>12</a:t>
+            </a:fld>
+            <a:endParaRPr lang="es-AR"/>
+          </a:p>
+        </p:txBody>
+      </p:sp>
+    </p:spTree>
+  </p:cSld>
+  <p:clrMapOvr>
+    <a:masterClrMapping/>
+  </p:clrMapOvr>
+</p:notes>
+</file>
+
+<file path=ppt/notesSlides/notesSlide4.xml><?xml version="1.0" encoding="utf-8"?>
+<p:notes xmlns:a="http://schemas.openxmlformats.org/drawingml/2006/main" xmlns:r="http://schemas.openxmlformats.org/officeDocument/2006/relationships" xmlns:p="http://schemas.openxmlformats.org/presentationml/2006/main">
+  <p:cSld>
+    <p:spTree>
+      <p:nvGrpSpPr>
+        <p:cNvPr id="1" name=""/>
+        <p:cNvGrpSpPr/>
+        <p:nvPr/>
+      </p:nvGrpSpPr>
+      <p:grpSpPr>
+        <a:xfrm>
+          <a:off x="0" y="0"/>
+          <a:ext cx="0" cy="0"/>
+          <a:chOff x="0" y="0"/>
+          <a:chExt cx="0" cy="0"/>
+        </a:xfrm>
+      </p:grpSpPr>
+      <p:sp>
+        <p:nvSpPr>
+          <p:cNvPr id="2" name="Slide Image Placeholder 1"/>
+          <p:cNvSpPr>
+            <a:spLocks noGrp="1" noRot="1" noChangeAspect="1"/>
+          </p:cNvSpPr>
+          <p:nvPr>
+            <p:ph type="sldImg"/>
+          </p:nvPr>
+        </p:nvSpPr>
+        <p:spPr/>
+      </p:sp>
+      <p:sp>
+        <p:nvSpPr>
+          <p:cNvPr id="3" name="Notes Placeholder 2"/>
+          <p:cNvSpPr>
+            <a:spLocks noGrp="1"/>
+          </p:cNvSpPr>
+          <p:nvPr>
+            <p:ph type="body" idx="1"/>
+          </p:nvPr>
+        </p:nvSpPr>
+        <p:spPr/>
+        <p:txBody>
+          <a:bodyPr>
+            <a:normAutofit/>
+          </a:bodyPr>
+          <a:lstStyle/>
+          <a:p>
+            <a:endParaRPr lang="es-AR" dirty="0"/>
+          </a:p>
+        </p:txBody>
+      </p:sp>
+      <p:sp>
+        <p:nvSpPr>
+          <p:cNvPr id="4" name="Slide Number Placeholder 3"/>
+          <p:cNvSpPr>
+            <a:spLocks noGrp="1"/>
+          </p:cNvSpPr>
+          <p:nvPr>
+            <p:ph type="sldNum" sz="quarter" idx="10"/>
+          </p:nvPr>
+        </p:nvSpPr>
+        <p:spPr/>
+        <p:txBody>
+          <a:bodyPr/>
+          <a:lstStyle/>
+          <a:p>
+            <a:fld id="{5ACEBAAB-EBB8-473E-9B6D-9EEDF5A7888A}" type="slidenum">
+              <a:rPr lang="es-AR" smtClean="0"/>
+              <a:pPr/>
+              <a:t>13</a:t>
+            </a:fld>
+            <a:endParaRPr lang="es-AR"/>
+          </a:p>
+        </p:txBody>
+      </p:sp>
+    </p:spTree>
+  </p:cSld>
+  <p:clrMapOvr>
+    <a:masterClrMapping/>
+  </p:clrMapOvr>
+</p:notes>
+</file>
+
+<file path=ppt/notesSlides/notesSlide5.xml><?xml version="1.0" encoding="utf-8"?>
+<p:notes xmlns:a="http://schemas.openxmlformats.org/drawingml/2006/main" xmlns:r="http://schemas.openxmlformats.org/officeDocument/2006/relationships" xmlns:p="http://schemas.openxmlformats.org/presentationml/2006/main">
+  <p:cSld>
+    <p:spTree>
+      <p:nvGrpSpPr>
+        <p:cNvPr id="1" name=""/>
+        <p:cNvGrpSpPr/>
+        <p:nvPr/>
+      </p:nvGrpSpPr>
+      <p:grpSpPr>
+        <a:xfrm>
+          <a:off x="0" y="0"/>
+          <a:ext cx="0" cy="0"/>
+          <a:chOff x="0" y="0"/>
+          <a:chExt cx="0" cy="0"/>
+        </a:xfrm>
+      </p:grpSpPr>
+      <p:sp>
+        <p:nvSpPr>
+          <p:cNvPr id="2" name="Slide Image Placeholder 1"/>
+          <p:cNvSpPr>
+            <a:spLocks noGrp="1" noRot="1" noChangeAspect="1"/>
+          </p:cNvSpPr>
+          <p:nvPr>
+            <p:ph type="sldImg"/>
+          </p:nvPr>
+        </p:nvSpPr>
+        <p:spPr/>
+      </p:sp>
+      <p:sp>
+        <p:nvSpPr>
+          <p:cNvPr id="3" name="Notes Placeholder 2"/>
+          <p:cNvSpPr>
+            <a:spLocks noGrp="1"/>
+          </p:cNvSpPr>
+          <p:nvPr>
+            <p:ph type="body" idx="1"/>
+          </p:nvPr>
+        </p:nvSpPr>
+        <p:spPr/>
+        <p:txBody>
+          <a:bodyPr>
+            <a:normAutofit/>
+          </a:bodyPr>
+          <a:lstStyle/>
+          <a:p>
+            <a:endParaRPr lang="es-AR" dirty="0"/>
+          </a:p>
+        </p:txBody>
+      </p:sp>
+      <p:sp>
+        <p:nvSpPr>
+          <p:cNvPr id="4" name="Slide Number Placeholder 3"/>
+          <p:cNvSpPr>
+            <a:spLocks noGrp="1"/>
+          </p:cNvSpPr>
+          <p:nvPr>
+            <p:ph type="sldNum" sz="quarter" idx="10"/>
+          </p:nvPr>
+        </p:nvSpPr>
+        <p:spPr/>
+        <p:txBody>
+          <a:bodyPr/>
+          <a:lstStyle/>
+          <a:p>
+            <a:fld id="{5ACEBAAB-EBB8-473E-9B6D-9EEDF5A7888A}" type="slidenum">
+              <a:rPr lang="es-AR" smtClean="0"/>
+              <a:pPr/>
+              <a:t>14</a:t>
+            </a:fld>
+            <a:endParaRPr lang="es-AR"/>
+          </a:p>
+        </p:txBody>
+      </p:sp>
+    </p:spTree>
+  </p:cSld>
+  <p:clrMapOvr>
+    <a:masterClrMapping/>
+  </p:clrMapOvr>
+</p:notes>
+</file>
+
 <file path=ppt/slideLayouts/slideLayout1.xml><?xml version="1.0" encoding="utf-8"?>
 <p:sldLayout xmlns:a="http://schemas.openxmlformats.org/drawingml/2006/main" xmlns:r="http://schemas.openxmlformats.org/officeDocument/2006/relationships" xmlns:p="http://schemas.openxmlformats.org/presentationml/2006/main" type="title" preserve="1">
   <p:cSld name="Title Slide">
@@ -8418,7 +8667,7 @@
             <a:fld id="{1D8BD707-D9CF-40AE-B4C6-C98DA3205C09}" type="datetimeFigureOut">
               <a:rPr lang="en-US" smtClean="0"/>
               <a:pPr/>
-              <a:t>6/25/2011</a:t>
+              <a:t>6/28/2011</a:t>
             </a:fld>
             <a:endParaRPr lang="en-US"/>
           </a:p>
@@ -8461,7 +8710,7 @@
             <a:fld id="{B6F15528-21DE-4FAA-801E-634DDDAF4B2B}" type="slidenum">
               <a:rPr lang="en-US" smtClean="0"/>
               <a:pPr/>
-              <a:t>‹#›</a:t>
+              <a:t>‹Nº›</a:t>
             </a:fld>
             <a:endParaRPr lang="en-US"/>
           </a:p>
@@ -8585,7 +8834,7 @@
             <a:fld id="{1D8BD707-D9CF-40AE-B4C6-C98DA3205C09}" type="datetimeFigureOut">
               <a:rPr lang="en-US" smtClean="0"/>
               <a:pPr/>
-              <a:t>6/25/2011</a:t>
+              <a:t>6/28/2011</a:t>
             </a:fld>
             <a:endParaRPr lang="en-US"/>
           </a:p>
@@ -8628,7 +8877,7 @@
             <a:fld id="{B6F15528-21DE-4FAA-801E-634DDDAF4B2B}" type="slidenum">
               <a:rPr lang="en-US" smtClean="0"/>
               <a:pPr/>
-              <a:t>‹#›</a:t>
+              <a:t>‹Nº›</a:t>
             </a:fld>
             <a:endParaRPr lang="en-US"/>
           </a:p>
@@ -8762,7 +9011,7 @@
             <a:fld id="{1D8BD707-D9CF-40AE-B4C6-C98DA3205C09}" type="datetimeFigureOut">
               <a:rPr lang="en-US" smtClean="0"/>
               <a:pPr/>
-              <a:t>6/25/2011</a:t>
+              <a:t>6/28/2011</a:t>
             </a:fld>
             <a:endParaRPr lang="en-US"/>
           </a:p>
@@ -8805,7 +9054,7 @@
             <a:fld id="{B6F15528-21DE-4FAA-801E-634DDDAF4B2B}" type="slidenum">
               <a:rPr lang="en-US" smtClean="0"/>
               <a:pPr/>
-              <a:t>‹#›</a:t>
+              <a:t>‹Nº›</a:t>
             </a:fld>
             <a:endParaRPr lang="en-US"/>
           </a:p>
@@ -8929,7 +9178,7 @@
             <a:fld id="{1D8BD707-D9CF-40AE-B4C6-C98DA3205C09}" type="datetimeFigureOut">
               <a:rPr lang="en-US" smtClean="0"/>
               <a:pPr/>
-              <a:t>6/25/2011</a:t>
+              <a:t>6/28/2011</a:t>
             </a:fld>
             <a:endParaRPr lang="en-US"/>
           </a:p>
@@ -8972,7 +9221,7 @@
             <a:fld id="{B6F15528-21DE-4FAA-801E-634DDDAF4B2B}" type="slidenum">
               <a:rPr lang="en-US" smtClean="0"/>
               <a:pPr/>
-              <a:t>‹#›</a:t>
+              <a:t>‹Nº›</a:t>
             </a:fld>
             <a:endParaRPr lang="en-US"/>
           </a:p>
@@ -9172,7 +9421,7 @@
             <a:fld id="{1D8BD707-D9CF-40AE-B4C6-C98DA3205C09}" type="datetimeFigureOut">
               <a:rPr lang="en-US" smtClean="0"/>
               <a:pPr/>
-              <a:t>6/25/2011</a:t>
+              <a:t>6/28/2011</a:t>
             </a:fld>
             <a:endParaRPr lang="en-US"/>
           </a:p>
@@ -9215,7 +9464,7 @@
             <a:fld id="{B6F15528-21DE-4FAA-801E-634DDDAF4B2B}" type="slidenum">
               <a:rPr lang="en-US" smtClean="0"/>
               <a:pPr/>
-              <a:t>‹#›</a:t>
+              <a:t>‹Nº›</a:t>
             </a:fld>
             <a:endParaRPr lang="en-US"/>
           </a:p>
@@ -9457,7 +9706,7 @@
             <a:fld id="{1D8BD707-D9CF-40AE-B4C6-C98DA3205C09}" type="datetimeFigureOut">
               <a:rPr lang="en-US" smtClean="0"/>
               <a:pPr/>
-              <a:t>6/25/2011</a:t>
+              <a:t>6/28/2011</a:t>
             </a:fld>
             <a:endParaRPr lang="en-US"/>
           </a:p>
@@ -9500,7 +9749,7 @@
             <a:fld id="{B6F15528-21DE-4FAA-801E-634DDDAF4B2B}" type="slidenum">
               <a:rPr lang="en-US" smtClean="0"/>
               <a:pPr/>
-              <a:t>‹#›</a:t>
+              <a:t>‹Nº›</a:t>
             </a:fld>
             <a:endParaRPr lang="en-US"/>
           </a:p>
@@ -9876,7 +10125,7 @@
             <a:fld id="{1D8BD707-D9CF-40AE-B4C6-C98DA3205C09}" type="datetimeFigureOut">
               <a:rPr lang="en-US" smtClean="0"/>
               <a:pPr/>
-              <a:t>6/25/2011</a:t>
+              <a:t>6/28/2011</a:t>
             </a:fld>
             <a:endParaRPr lang="en-US"/>
           </a:p>
@@ -9919,7 +10168,7 @@
             <a:fld id="{B6F15528-21DE-4FAA-801E-634DDDAF4B2B}" type="slidenum">
               <a:rPr lang="en-US" smtClean="0"/>
               <a:pPr/>
-              <a:t>‹#›</a:t>
+              <a:t>‹Nº›</a:t>
             </a:fld>
             <a:endParaRPr lang="en-US"/>
           </a:p>
@@ -9991,7 +10240,7 @@
             <a:fld id="{1D8BD707-D9CF-40AE-B4C6-C98DA3205C09}" type="datetimeFigureOut">
               <a:rPr lang="en-US" smtClean="0"/>
               <a:pPr/>
-              <a:t>6/25/2011</a:t>
+              <a:t>6/28/2011</a:t>
             </a:fld>
             <a:endParaRPr lang="en-US"/>
           </a:p>
@@ -10034,7 +10283,7 @@
             <a:fld id="{B6F15528-21DE-4FAA-801E-634DDDAF4B2B}" type="slidenum">
               <a:rPr lang="en-US" smtClean="0"/>
               <a:pPr/>
-              <a:t>‹#›</a:t>
+              <a:t>‹Nº›</a:t>
             </a:fld>
             <a:endParaRPr lang="en-US"/>
           </a:p>
@@ -10083,7 +10332,7 @@
             <a:fld id="{1D8BD707-D9CF-40AE-B4C6-C98DA3205C09}" type="datetimeFigureOut">
               <a:rPr lang="en-US" smtClean="0"/>
               <a:pPr/>
-              <a:t>6/25/2011</a:t>
+              <a:t>6/28/2011</a:t>
             </a:fld>
             <a:endParaRPr lang="en-US"/>
           </a:p>
@@ -10126,7 +10375,7 @@
             <a:fld id="{B6F15528-21DE-4FAA-801E-634DDDAF4B2B}" type="slidenum">
               <a:rPr lang="en-US" smtClean="0"/>
               <a:pPr/>
-              <a:t>‹#›</a:t>
+              <a:t>‹Nº›</a:t>
             </a:fld>
             <a:endParaRPr lang="en-US"/>
           </a:p>
@@ -10357,7 +10606,7 @@
             <a:fld id="{1D8BD707-D9CF-40AE-B4C6-C98DA3205C09}" type="datetimeFigureOut">
               <a:rPr lang="en-US" smtClean="0"/>
               <a:pPr/>
-              <a:t>6/25/2011</a:t>
+              <a:t>6/28/2011</a:t>
             </a:fld>
             <a:endParaRPr lang="en-US"/>
           </a:p>
@@ -10400,7 +10649,7 @@
             <a:fld id="{B6F15528-21DE-4FAA-801E-634DDDAF4B2B}" type="slidenum">
               <a:rPr lang="en-US" smtClean="0"/>
               <a:pPr/>
-              <a:t>‹#›</a:t>
+              <a:t>‹Nº›</a:t>
             </a:fld>
             <a:endParaRPr lang="en-US"/>
           </a:p>
@@ -10607,7 +10856,7 @@
             <a:fld id="{1D8BD707-D9CF-40AE-B4C6-C98DA3205C09}" type="datetimeFigureOut">
               <a:rPr lang="en-US" smtClean="0"/>
               <a:pPr/>
-              <a:t>6/25/2011</a:t>
+              <a:t>6/28/2011</a:t>
             </a:fld>
             <a:endParaRPr lang="en-US"/>
           </a:p>
@@ -10650,7 +10899,7 @@
             <a:fld id="{B6F15528-21DE-4FAA-801E-634DDDAF4B2B}" type="slidenum">
               <a:rPr lang="en-US" smtClean="0"/>
               <a:pPr/>
-              <a:t>‹#›</a:t>
+              <a:t>‹Nº›</a:t>
             </a:fld>
             <a:endParaRPr lang="en-US"/>
           </a:p>
@@ -10822,7 +11071,7 @@
             <a:fld id="{1D8BD707-D9CF-40AE-B4C6-C98DA3205C09}" type="datetimeFigureOut">
               <a:rPr lang="en-US" smtClean="0"/>
               <a:pPr/>
-              <a:t>6/25/2011</a:t>
+              <a:t>6/28/2011</a:t>
             </a:fld>
             <a:endParaRPr lang="en-US"/>
           </a:p>
@@ -10901,7 +11150,7 @@
             <a:fld id="{B6F15528-21DE-4FAA-801E-634DDDAF4B2B}" type="slidenum">
               <a:rPr lang="en-US" smtClean="0"/>
               <a:pPr/>
-              <a:t>‹#›</a:t>
+              <a:t>‹Nº›</a:t>
             </a:fld>
             <a:endParaRPr lang="en-US"/>
           </a:p>
@@ -13279,10 +13528,10 @@
           <a:p>
             <a:pPr algn="ctr"/>
             <a:r>
-              <a:rPr lang="es-AR" sz="5400" b="1" u="sng" dirty="0" smtClean="0"/>
-              <a:t>Nuestros Packs</a:t>
+              <a:rPr lang="es-AR" sz="4800" b="1" u="sng" dirty="0" smtClean="0"/>
+              <a:t>Nuestras Opciones</a:t>
             </a:r>
-            <a:endParaRPr lang="es-AR" sz="2000" u="sng" dirty="0"/>
+            <a:endParaRPr lang="es-AR" sz="4800" u="sng" dirty="0"/>
           </a:p>
         </p:txBody>
       </p:sp>
@@ -14411,6 +14660,3307 @@
   <p:clrMapOvr>
     <a:masterClrMapping/>
   </p:clrMapOvr>
+  <p:timing>
+    <p:tnLst>
+      <p:par>
+        <p:cTn id="1" dur="indefinite" restart="never" nodeType="tmRoot"/>
+      </p:par>
+    </p:tnLst>
+  </p:timing>
+</p:sld>
+</file>
+
+<file path=ppt/slides/slide12.xml><?xml version="1.0" encoding="utf-8"?>
+<p:sld xmlns:a="http://schemas.openxmlformats.org/drawingml/2006/main" xmlns:r="http://schemas.openxmlformats.org/officeDocument/2006/relationships" xmlns:p="http://schemas.openxmlformats.org/presentationml/2006/main">
+  <p:cSld>
+    <p:spTree>
+      <p:nvGrpSpPr>
+        <p:cNvPr id="1" name=""/>
+        <p:cNvGrpSpPr/>
+        <p:nvPr/>
+      </p:nvGrpSpPr>
+      <p:grpSpPr>
+        <a:xfrm>
+          <a:off x="0" y="0"/>
+          <a:ext cx="0" cy="0"/>
+          <a:chOff x="0" y="0"/>
+          <a:chExt cx="0" cy="0"/>
+        </a:xfrm>
+      </p:grpSpPr>
+      <p:grpSp>
+        <p:nvGrpSpPr>
+          <p:cNvPr id="2" name="Group 22"/>
+          <p:cNvGrpSpPr/>
+          <p:nvPr/>
+        </p:nvGrpSpPr>
+        <p:grpSpPr>
+          <a:xfrm>
+            <a:off x="304800" y="304800"/>
+            <a:ext cx="8534400" cy="6248400"/>
+            <a:chOff x="304800" y="304800"/>
+            <a:chExt cx="8534400" cy="6248400"/>
+          </a:xfrm>
+          <a:solidFill>
+            <a:schemeClr val="bg1">
+              <a:lumMod val="85000"/>
+            </a:schemeClr>
+          </a:solidFill>
+        </p:grpSpPr>
+        <p:sp>
+          <p:nvSpPr>
+            <p:cNvPr id="4" name="Rounded Rectangle 3"/>
+            <p:cNvSpPr/>
+            <p:nvPr/>
+          </p:nvSpPr>
+          <p:spPr>
+            <a:xfrm>
+              <a:off x="304800" y="304800"/>
+              <a:ext cx="8534400" cy="6248400"/>
+            </a:xfrm>
+            <a:prstGeom prst="roundRect">
+              <a:avLst/>
+            </a:prstGeom>
+            <a:grpFill/>
+            <a:ln>
+              <a:noFill/>
+            </a:ln>
+          </p:spPr>
+          <p:style>
+            <a:lnRef idx="2">
+              <a:schemeClr val="accent1">
+                <a:shade val="50000"/>
+              </a:schemeClr>
+            </a:lnRef>
+            <a:fillRef idx="1">
+              <a:schemeClr val="accent1"/>
+            </a:fillRef>
+            <a:effectRef idx="0">
+              <a:schemeClr val="accent1"/>
+            </a:effectRef>
+            <a:fontRef idx="minor">
+              <a:schemeClr val="lt1"/>
+            </a:fontRef>
+          </p:style>
+          <p:txBody>
+            <a:bodyPr rtlCol="0" anchor="ctr"/>
+            <a:lstStyle/>
+            <a:p>
+              <a:pPr algn="ctr"/>
+              <a:endParaRPr lang="es-AR"/>
+            </a:p>
+          </p:txBody>
+        </p:sp>
+        <p:sp>
+          <p:nvSpPr>
+            <p:cNvPr id="5" name="Rounded Rectangle 4"/>
+            <p:cNvSpPr/>
+            <p:nvPr/>
+          </p:nvSpPr>
+          <p:spPr>
+            <a:xfrm>
+              <a:off x="7086600" y="304800"/>
+              <a:ext cx="1752600" cy="1752600"/>
+            </a:xfrm>
+            <a:prstGeom prst="roundRect">
+              <a:avLst/>
+            </a:prstGeom>
+            <a:grpFill/>
+            <a:ln>
+              <a:noFill/>
+            </a:ln>
+          </p:spPr>
+          <p:style>
+            <a:lnRef idx="2">
+              <a:schemeClr val="accent1">
+                <a:shade val="50000"/>
+              </a:schemeClr>
+            </a:lnRef>
+            <a:fillRef idx="1">
+              <a:schemeClr val="accent1"/>
+            </a:fillRef>
+            <a:effectRef idx="0">
+              <a:schemeClr val="accent1"/>
+            </a:effectRef>
+            <a:fontRef idx="minor">
+              <a:schemeClr val="lt1"/>
+            </a:fontRef>
+          </p:style>
+          <p:txBody>
+            <a:bodyPr rtlCol="0" anchor="ctr"/>
+            <a:lstStyle/>
+            <a:p>
+              <a:pPr algn="ctr"/>
+              <a:endParaRPr lang="es-AR"/>
+            </a:p>
+          </p:txBody>
+        </p:sp>
+        <p:sp>
+          <p:nvSpPr>
+            <p:cNvPr id="6" name="Rounded Rectangle 5"/>
+            <p:cNvSpPr/>
+            <p:nvPr/>
+          </p:nvSpPr>
+          <p:spPr>
+            <a:xfrm>
+              <a:off x="304800" y="304800"/>
+              <a:ext cx="1752600" cy="1752600"/>
+            </a:xfrm>
+            <a:prstGeom prst="roundRect">
+              <a:avLst/>
+            </a:prstGeom>
+            <a:grpFill/>
+            <a:ln>
+              <a:noFill/>
+            </a:ln>
+          </p:spPr>
+          <p:style>
+            <a:lnRef idx="2">
+              <a:schemeClr val="accent1">
+                <a:shade val="50000"/>
+              </a:schemeClr>
+            </a:lnRef>
+            <a:fillRef idx="1">
+              <a:schemeClr val="accent1"/>
+            </a:fillRef>
+            <a:effectRef idx="0">
+              <a:schemeClr val="accent1"/>
+            </a:effectRef>
+            <a:fontRef idx="minor">
+              <a:schemeClr val="lt1"/>
+            </a:fontRef>
+          </p:style>
+          <p:txBody>
+            <a:bodyPr rtlCol="0" anchor="ctr"/>
+            <a:lstStyle/>
+            <a:p>
+              <a:pPr algn="ctr"/>
+              <a:endParaRPr lang="es-AR"/>
+            </a:p>
+          </p:txBody>
+        </p:sp>
+        <p:sp>
+          <p:nvSpPr>
+            <p:cNvPr id="7" name="Rounded Rectangle 6"/>
+            <p:cNvSpPr/>
+            <p:nvPr/>
+          </p:nvSpPr>
+          <p:spPr>
+            <a:xfrm>
+              <a:off x="304800" y="4800600"/>
+              <a:ext cx="1752600" cy="1752600"/>
+            </a:xfrm>
+            <a:prstGeom prst="roundRect">
+              <a:avLst/>
+            </a:prstGeom>
+            <a:grpFill/>
+            <a:ln>
+              <a:noFill/>
+            </a:ln>
+          </p:spPr>
+          <p:style>
+            <a:lnRef idx="2">
+              <a:schemeClr val="accent1">
+                <a:shade val="50000"/>
+              </a:schemeClr>
+            </a:lnRef>
+            <a:fillRef idx="1">
+              <a:schemeClr val="accent1"/>
+            </a:fillRef>
+            <a:effectRef idx="0">
+              <a:schemeClr val="accent1"/>
+            </a:effectRef>
+            <a:fontRef idx="minor">
+              <a:schemeClr val="lt1"/>
+            </a:fontRef>
+          </p:style>
+          <p:txBody>
+            <a:bodyPr rtlCol="0" anchor="ctr"/>
+            <a:lstStyle/>
+            <a:p>
+              <a:pPr algn="ctr"/>
+              <a:endParaRPr lang="es-AR"/>
+            </a:p>
+          </p:txBody>
+        </p:sp>
+        <p:sp>
+          <p:nvSpPr>
+            <p:cNvPr id="8" name="Rounded Rectangle 7"/>
+            <p:cNvSpPr/>
+            <p:nvPr/>
+          </p:nvSpPr>
+          <p:spPr>
+            <a:xfrm>
+              <a:off x="7086600" y="4800600"/>
+              <a:ext cx="1752600" cy="1752600"/>
+            </a:xfrm>
+            <a:prstGeom prst="roundRect">
+              <a:avLst/>
+            </a:prstGeom>
+            <a:grpFill/>
+            <a:ln>
+              <a:noFill/>
+            </a:ln>
+          </p:spPr>
+          <p:style>
+            <a:lnRef idx="2">
+              <a:schemeClr val="accent1">
+                <a:shade val="50000"/>
+              </a:schemeClr>
+            </a:lnRef>
+            <a:fillRef idx="1">
+              <a:schemeClr val="accent1"/>
+            </a:fillRef>
+            <a:effectRef idx="0">
+              <a:schemeClr val="accent1"/>
+            </a:effectRef>
+            <a:fontRef idx="minor">
+              <a:schemeClr val="lt1"/>
+            </a:fontRef>
+          </p:style>
+          <p:txBody>
+            <a:bodyPr rtlCol="0" anchor="ctr"/>
+            <a:lstStyle/>
+            <a:p>
+              <a:pPr algn="ctr"/>
+              <a:endParaRPr lang="es-AR"/>
+            </a:p>
+          </p:txBody>
+        </p:sp>
+      </p:grpSp>
+      <p:sp>
+        <p:nvSpPr>
+          <p:cNvPr id="9" name="Freeform 8"/>
+          <p:cNvSpPr/>
+          <p:nvPr/>
+        </p:nvSpPr>
+        <p:spPr>
+          <a:xfrm>
+            <a:off x="533400" y="457200"/>
+            <a:ext cx="8102599" cy="5803900"/>
+          </a:xfrm>
+          <a:custGeom>
+            <a:avLst/>
+            <a:gdLst>
+              <a:gd name="connsiteX0" fmla="*/ 0 w 8077200"/>
+              <a:gd name="connsiteY0" fmla="*/ 965219 h 5791200"/>
+              <a:gd name="connsiteX1" fmla="*/ 282707 w 8077200"/>
+              <a:gd name="connsiteY1" fmla="*/ 282706 h 5791200"/>
+              <a:gd name="connsiteX2" fmla="*/ 965221 w 8077200"/>
+              <a:gd name="connsiteY2" fmla="*/ 1 h 5791200"/>
+              <a:gd name="connsiteX3" fmla="*/ 7111981 w 8077200"/>
+              <a:gd name="connsiteY3" fmla="*/ 0 h 5791200"/>
+              <a:gd name="connsiteX4" fmla="*/ 7794494 w 8077200"/>
+              <a:gd name="connsiteY4" fmla="*/ 282707 h 5791200"/>
+              <a:gd name="connsiteX5" fmla="*/ 8077199 w 8077200"/>
+              <a:gd name="connsiteY5" fmla="*/ 965221 h 5791200"/>
+              <a:gd name="connsiteX6" fmla="*/ 8077200 w 8077200"/>
+              <a:gd name="connsiteY6" fmla="*/ 4825981 h 5791200"/>
+              <a:gd name="connsiteX7" fmla="*/ 7794494 w 8077200"/>
+              <a:gd name="connsiteY7" fmla="*/ 5508494 h 5791200"/>
+              <a:gd name="connsiteX8" fmla="*/ 7111981 w 8077200"/>
+              <a:gd name="connsiteY8" fmla="*/ 5791200 h 5791200"/>
+              <a:gd name="connsiteX9" fmla="*/ 965219 w 8077200"/>
+              <a:gd name="connsiteY9" fmla="*/ 5791200 h 5791200"/>
+              <a:gd name="connsiteX10" fmla="*/ 282706 w 8077200"/>
+              <a:gd name="connsiteY10" fmla="*/ 5508493 h 5791200"/>
+              <a:gd name="connsiteX11" fmla="*/ 0 w 8077200"/>
+              <a:gd name="connsiteY11" fmla="*/ 4825980 h 5791200"/>
+              <a:gd name="connsiteX12" fmla="*/ 0 w 8077200"/>
+              <a:gd name="connsiteY12" fmla="*/ 965219 h 5791200"/>
+              <a:gd name="connsiteX0" fmla="*/ 0 w 8077200"/>
+              <a:gd name="connsiteY0" fmla="*/ 609600 h 5791200"/>
+              <a:gd name="connsiteX1" fmla="*/ 282707 w 8077200"/>
+              <a:gd name="connsiteY1" fmla="*/ 282706 h 5791200"/>
+              <a:gd name="connsiteX2" fmla="*/ 965221 w 8077200"/>
+              <a:gd name="connsiteY2" fmla="*/ 1 h 5791200"/>
+              <a:gd name="connsiteX3" fmla="*/ 7111981 w 8077200"/>
+              <a:gd name="connsiteY3" fmla="*/ 0 h 5791200"/>
+              <a:gd name="connsiteX4" fmla="*/ 7794494 w 8077200"/>
+              <a:gd name="connsiteY4" fmla="*/ 282707 h 5791200"/>
+              <a:gd name="connsiteX5" fmla="*/ 8077199 w 8077200"/>
+              <a:gd name="connsiteY5" fmla="*/ 965221 h 5791200"/>
+              <a:gd name="connsiteX6" fmla="*/ 8077200 w 8077200"/>
+              <a:gd name="connsiteY6" fmla="*/ 4825981 h 5791200"/>
+              <a:gd name="connsiteX7" fmla="*/ 7794494 w 8077200"/>
+              <a:gd name="connsiteY7" fmla="*/ 5508494 h 5791200"/>
+              <a:gd name="connsiteX8" fmla="*/ 7111981 w 8077200"/>
+              <a:gd name="connsiteY8" fmla="*/ 5791200 h 5791200"/>
+              <a:gd name="connsiteX9" fmla="*/ 965219 w 8077200"/>
+              <a:gd name="connsiteY9" fmla="*/ 5791200 h 5791200"/>
+              <a:gd name="connsiteX10" fmla="*/ 282706 w 8077200"/>
+              <a:gd name="connsiteY10" fmla="*/ 5508493 h 5791200"/>
+              <a:gd name="connsiteX11" fmla="*/ 0 w 8077200"/>
+              <a:gd name="connsiteY11" fmla="*/ 4825980 h 5791200"/>
+              <a:gd name="connsiteX12" fmla="*/ 0 w 8077200"/>
+              <a:gd name="connsiteY12" fmla="*/ 609600 h 5791200"/>
+              <a:gd name="connsiteX0" fmla="*/ 0 w 8077200"/>
+              <a:gd name="connsiteY0" fmla="*/ 609601 h 5791201"/>
+              <a:gd name="connsiteX1" fmla="*/ 282707 w 8077200"/>
+              <a:gd name="connsiteY1" fmla="*/ 282707 h 5791201"/>
+              <a:gd name="connsiteX2" fmla="*/ 609600 w 8077200"/>
+              <a:gd name="connsiteY2" fmla="*/ 1 h 5791201"/>
+              <a:gd name="connsiteX3" fmla="*/ 7111981 w 8077200"/>
+              <a:gd name="connsiteY3" fmla="*/ 1 h 5791201"/>
+              <a:gd name="connsiteX4" fmla="*/ 7794494 w 8077200"/>
+              <a:gd name="connsiteY4" fmla="*/ 282708 h 5791201"/>
+              <a:gd name="connsiteX5" fmla="*/ 8077199 w 8077200"/>
+              <a:gd name="connsiteY5" fmla="*/ 965222 h 5791201"/>
+              <a:gd name="connsiteX6" fmla="*/ 8077200 w 8077200"/>
+              <a:gd name="connsiteY6" fmla="*/ 4825982 h 5791201"/>
+              <a:gd name="connsiteX7" fmla="*/ 7794494 w 8077200"/>
+              <a:gd name="connsiteY7" fmla="*/ 5508495 h 5791201"/>
+              <a:gd name="connsiteX8" fmla="*/ 7111981 w 8077200"/>
+              <a:gd name="connsiteY8" fmla="*/ 5791201 h 5791201"/>
+              <a:gd name="connsiteX9" fmla="*/ 965219 w 8077200"/>
+              <a:gd name="connsiteY9" fmla="*/ 5791201 h 5791201"/>
+              <a:gd name="connsiteX10" fmla="*/ 282706 w 8077200"/>
+              <a:gd name="connsiteY10" fmla="*/ 5508494 h 5791201"/>
+              <a:gd name="connsiteX11" fmla="*/ 0 w 8077200"/>
+              <a:gd name="connsiteY11" fmla="*/ 4825981 h 5791201"/>
+              <a:gd name="connsiteX12" fmla="*/ 0 w 8077200"/>
+              <a:gd name="connsiteY12" fmla="*/ 609601 h 5791201"/>
+              <a:gd name="connsiteX0" fmla="*/ 0 w 8077200"/>
+              <a:gd name="connsiteY0" fmla="*/ 609601 h 5791201"/>
+              <a:gd name="connsiteX1" fmla="*/ 152400 w 8077200"/>
+              <a:gd name="connsiteY1" fmla="*/ 152402 h 5791201"/>
+              <a:gd name="connsiteX2" fmla="*/ 609600 w 8077200"/>
+              <a:gd name="connsiteY2" fmla="*/ 1 h 5791201"/>
+              <a:gd name="connsiteX3" fmla="*/ 7111981 w 8077200"/>
+              <a:gd name="connsiteY3" fmla="*/ 1 h 5791201"/>
+              <a:gd name="connsiteX4" fmla="*/ 7794494 w 8077200"/>
+              <a:gd name="connsiteY4" fmla="*/ 282708 h 5791201"/>
+              <a:gd name="connsiteX5" fmla="*/ 8077199 w 8077200"/>
+              <a:gd name="connsiteY5" fmla="*/ 965222 h 5791201"/>
+              <a:gd name="connsiteX6" fmla="*/ 8077200 w 8077200"/>
+              <a:gd name="connsiteY6" fmla="*/ 4825982 h 5791201"/>
+              <a:gd name="connsiteX7" fmla="*/ 7794494 w 8077200"/>
+              <a:gd name="connsiteY7" fmla="*/ 5508495 h 5791201"/>
+              <a:gd name="connsiteX8" fmla="*/ 7111981 w 8077200"/>
+              <a:gd name="connsiteY8" fmla="*/ 5791201 h 5791201"/>
+              <a:gd name="connsiteX9" fmla="*/ 965219 w 8077200"/>
+              <a:gd name="connsiteY9" fmla="*/ 5791201 h 5791201"/>
+              <a:gd name="connsiteX10" fmla="*/ 282706 w 8077200"/>
+              <a:gd name="connsiteY10" fmla="*/ 5508494 h 5791201"/>
+              <a:gd name="connsiteX11" fmla="*/ 0 w 8077200"/>
+              <a:gd name="connsiteY11" fmla="*/ 4825981 h 5791201"/>
+              <a:gd name="connsiteX12" fmla="*/ 0 w 8077200"/>
+              <a:gd name="connsiteY12" fmla="*/ 609601 h 5791201"/>
+              <a:gd name="connsiteX0" fmla="*/ 0 w 8077200"/>
+              <a:gd name="connsiteY0" fmla="*/ 609600 h 5791200"/>
+              <a:gd name="connsiteX1" fmla="*/ 152400 w 8077200"/>
+              <a:gd name="connsiteY1" fmla="*/ 152401 h 5791200"/>
+              <a:gd name="connsiteX2" fmla="*/ 533400 w 8077200"/>
+              <a:gd name="connsiteY2" fmla="*/ 1 h 5791200"/>
+              <a:gd name="connsiteX3" fmla="*/ 7111981 w 8077200"/>
+              <a:gd name="connsiteY3" fmla="*/ 0 h 5791200"/>
+              <a:gd name="connsiteX4" fmla="*/ 7794494 w 8077200"/>
+              <a:gd name="connsiteY4" fmla="*/ 282707 h 5791200"/>
+              <a:gd name="connsiteX5" fmla="*/ 8077199 w 8077200"/>
+              <a:gd name="connsiteY5" fmla="*/ 965221 h 5791200"/>
+              <a:gd name="connsiteX6" fmla="*/ 8077200 w 8077200"/>
+              <a:gd name="connsiteY6" fmla="*/ 4825981 h 5791200"/>
+              <a:gd name="connsiteX7" fmla="*/ 7794494 w 8077200"/>
+              <a:gd name="connsiteY7" fmla="*/ 5508494 h 5791200"/>
+              <a:gd name="connsiteX8" fmla="*/ 7111981 w 8077200"/>
+              <a:gd name="connsiteY8" fmla="*/ 5791200 h 5791200"/>
+              <a:gd name="connsiteX9" fmla="*/ 965219 w 8077200"/>
+              <a:gd name="connsiteY9" fmla="*/ 5791200 h 5791200"/>
+              <a:gd name="connsiteX10" fmla="*/ 282706 w 8077200"/>
+              <a:gd name="connsiteY10" fmla="*/ 5508493 h 5791200"/>
+              <a:gd name="connsiteX11" fmla="*/ 0 w 8077200"/>
+              <a:gd name="connsiteY11" fmla="*/ 4825980 h 5791200"/>
+              <a:gd name="connsiteX12" fmla="*/ 0 w 8077200"/>
+              <a:gd name="connsiteY12" fmla="*/ 609600 h 5791200"/>
+              <a:gd name="connsiteX0" fmla="*/ 0 w 8077200"/>
+              <a:gd name="connsiteY0" fmla="*/ 533400 h 5791200"/>
+              <a:gd name="connsiteX1" fmla="*/ 152400 w 8077200"/>
+              <a:gd name="connsiteY1" fmla="*/ 152401 h 5791200"/>
+              <a:gd name="connsiteX2" fmla="*/ 533400 w 8077200"/>
+              <a:gd name="connsiteY2" fmla="*/ 1 h 5791200"/>
+              <a:gd name="connsiteX3" fmla="*/ 7111981 w 8077200"/>
+              <a:gd name="connsiteY3" fmla="*/ 0 h 5791200"/>
+              <a:gd name="connsiteX4" fmla="*/ 7794494 w 8077200"/>
+              <a:gd name="connsiteY4" fmla="*/ 282707 h 5791200"/>
+              <a:gd name="connsiteX5" fmla="*/ 8077199 w 8077200"/>
+              <a:gd name="connsiteY5" fmla="*/ 965221 h 5791200"/>
+              <a:gd name="connsiteX6" fmla="*/ 8077200 w 8077200"/>
+              <a:gd name="connsiteY6" fmla="*/ 4825981 h 5791200"/>
+              <a:gd name="connsiteX7" fmla="*/ 7794494 w 8077200"/>
+              <a:gd name="connsiteY7" fmla="*/ 5508494 h 5791200"/>
+              <a:gd name="connsiteX8" fmla="*/ 7111981 w 8077200"/>
+              <a:gd name="connsiteY8" fmla="*/ 5791200 h 5791200"/>
+              <a:gd name="connsiteX9" fmla="*/ 965219 w 8077200"/>
+              <a:gd name="connsiteY9" fmla="*/ 5791200 h 5791200"/>
+              <a:gd name="connsiteX10" fmla="*/ 282706 w 8077200"/>
+              <a:gd name="connsiteY10" fmla="*/ 5508493 h 5791200"/>
+              <a:gd name="connsiteX11" fmla="*/ 0 w 8077200"/>
+              <a:gd name="connsiteY11" fmla="*/ 4825980 h 5791200"/>
+              <a:gd name="connsiteX12" fmla="*/ 0 w 8077200"/>
+              <a:gd name="connsiteY12" fmla="*/ 533400 h 5791200"/>
+              <a:gd name="connsiteX0" fmla="*/ 12700 w 8089900"/>
+              <a:gd name="connsiteY0" fmla="*/ 546100 h 5803900"/>
+              <a:gd name="connsiteX1" fmla="*/ 88900 w 8089900"/>
+              <a:gd name="connsiteY1" fmla="*/ 88900 h 5803900"/>
+              <a:gd name="connsiteX2" fmla="*/ 546100 w 8089900"/>
+              <a:gd name="connsiteY2" fmla="*/ 12701 h 5803900"/>
+              <a:gd name="connsiteX3" fmla="*/ 7124681 w 8089900"/>
+              <a:gd name="connsiteY3" fmla="*/ 12700 h 5803900"/>
+              <a:gd name="connsiteX4" fmla="*/ 7807194 w 8089900"/>
+              <a:gd name="connsiteY4" fmla="*/ 295407 h 5803900"/>
+              <a:gd name="connsiteX5" fmla="*/ 8089899 w 8089900"/>
+              <a:gd name="connsiteY5" fmla="*/ 977921 h 5803900"/>
+              <a:gd name="connsiteX6" fmla="*/ 8089900 w 8089900"/>
+              <a:gd name="connsiteY6" fmla="*/ 4838681 h 5803900"/>
+              <a:gd name="connsiteX7" fmla="*/ 7807194 w 8089900"/>
+              <a:gd name="connsiteY7" fmla="*/ 5521194 h 5803900"/>
+              <a:gd name="connsiteX8" fmla="*/ 7124681 w 8089900"/>
+              <a:gd name="connsiteY8" fmla="*/ 5803900 h 5803900"/>
+              <a:gd name="connsiteX9" fmla="*/ 977919 w 8089900"/>
+              <a:gd name="connsiteY9" fmla="*/ 5803900 h 5803900"/>
+              <a:gd name="connsiteX10" fmla="*/ 295406 w 8089900"/>
+              <a:gd name="connsiteY10" fmla="*/ 5521193 h 5803900"/>
+              <a:gd name="connsiteX11" fmla="*/ 12700 w 8089900"/>
+              <a:gd name="connsiteY11" fmla="*/ 4838680 h 5803900"/>
+              <a:gd name="connsiteX12" fmla="*/ 12700 w 8089900"/>
+              <a:gd name="connsiteY12" fmla="*/ 546100 h 5803900"/>
+              <a:gd name="connsiteX0" fmla="*/ 12700 w 8089900"/>
+              <a:gd name="connsiteY0" fmla="*/ 546100 h 5803900"/>
+              <a:gd name="connsiteX1" fmla="*/ 88900 w 8089900"/>
+              <a:gd name="connsiteY1" fmla="*/ 88900 h 5803900"/>
+              <a:gd name="connsiteX2" fmla="*/ 546100 w 8089900"/>
+              <a:gd name="connsiteY2" fmla="*/ 12701 h 5803900"/>
+              <a:gd name="connsiteX3" fmla="*/ 7124681 w 8089900"/>
+              <a:gd name="connsiteY3" fmla="*/ 12700 h 5803900"/>
+              <a:gd name="connsiteX4" fmla="*/ 7807194 w 8089900"/>
+              <a:gd name="connsiteY4" fmla="*/ 295407 h 5803900"/>
+              <a:gd name="connsiteX5" fmla="*/ 8089899 w 8089900"/>
+              <a:gd name="connsiteY5" fmla="*/ 977921 h 5803900"/>
+              <a:gd name="connsiteX6" fmla="*/ 8089900 w 8089900"/>
+              <a:gd name="connsiteY6" fmla="*/ 4838681 h 5803900"/>
+              <a:gd name="connsiteX7" fmla="*/ 7807194 w 8089900"/>
+              <a:gd name="connsiteY7" fmla="*/ 5521194 h 5803900"/>
+              <a:gd name="connsiteX8" fmla="*/ 7124681 w 8089900"/>
+              <a:gd name="connsiteY8" fmla="*/ 5803900 h 5803900"/>
+              <a:gd name="connsiteX9" fmla="*/ 977919 w 8089900"/>
+              <a:gd name="connsiteY9" fmla="*/ 5803900 h 5803900"/>
+              <a:gd name="connsiteX10" fmla="*/ 295406 w 8089900"/>
+              <a:gd name="connsiteY10" fmla="*/ 5521193 h 5803900"/>
+              <a:gd name="connsiteX11" fmla="*/ 12700 w 8089900"/>
+              <a:gd name="connsiteY11" fmla="*/ 5346700 h 5803900"/>
+              <a:gd name="connsiteX12" fmla="*/ 12700 w 8089900"/>
+              <a:gd name="connsiteY12" fmla="*/ 546100 h 5803900"/>
+              <a:gd name="connsiteX0" fmla="*/ 12700 w 8089900"/>
+              <a:gd name="connsiteY0" fmla="*/ 546100 h 5803900"/>
+              <a:gd name="connsiteX1" fmla="*/ 88900 w 8089900"/>
+              <a:gd name="connsiteY1" fmla="*/ 88900 h 5803900"/>
+              <a:gd name="connsiteX2" fmla="*/ 546100 w 8089900"/>
+              <a:gd name="connsiteY2" fmla="*/ 12701 h 5803900"/>
+              <a:gd name="connsiteX3" fmla="*/ 7124681 w 8089900"/>
+              <a:gd name="connsiteY3" fmla="*/ 12700 h 5803900"/>
+              <a:gd name="connsiteX4" fmla="*/ 7807194 w 8089900"/>
+              <a:gd name="connsiteY4" fmla="*/ 295407 h 5803900"/>
+              <a:gd name="connsiteX5" fmla="*/ 8089899 w 8089900"/>
+              <a:gd name="connsiteY5" fmla="*/ 977921 h 5803900"/>
+              <a:gd name="connsiteX6" fmla="*/ 8089900 w 8089900"/>
+              <a:gd name="connsiteY6" fmla="*/ 4838681 h 5803900"/>
+              <a:gd name="connsiteX7" fmla="*/ 7807194 w 8089900"/>
+              <a:gd name="connsiteY7" fmla="*/ 5521194 h 5803900"/>
+              <a:gd name="connsiteX8" fmla="*/ 7124681 w 8089900"/>
+              <a:gd name="connsiteY8" fmla="*/ 5803900 h 5803900"/>
+              <a:gd name="connsiteX9" fmla="*/ 546100 w 8089900"/>
+              <a:gd name="connsiteY9" fmla="*/ 5803900 h 5803900"/>
+              <a:gd name="connsiteX10" fmla="*/ 295406 w 8089900"/>
+              <a:gd name="connsiteY10" fmla="*/ 5521193 h 5803900"/>
+              <a:gd name="connsiteX11" fmla="*/ 12700 w 8089900"/>
+              <a:gd name="connsiteY11" fmla="*/ 5346700 h 5803900"/>
+              <a:gd name="connsiteX12" fmla="*/ 12700 w 8089900"/>
+              <a:gd name="connsiteY12" fmla="*/ 546100 h 5803900"/>
+              <a:gd name="connsiteX0" fmla="*/ 12700 w 8089900"/>
+              <a:gd name="connsiteY0" fmla="*/ 546100 h 5803900"/>
+              <a:gd name="connsiteX1" fmla="*/ 88900 w 8089900"/>
+              <a:gd name="connsiteY1" fmla="*/ 88900 h 5803900"/>
+              <a:gd name="connsiteX2" fmla="*/ 546100 w 8089900"/>
+              <a:gd name="connsiteY2" fmla="*/ 12701 h 5803900"/>
+              <a:gd name="connsiteX3" fmla="*/ 7124681 w 8089900"/>
+              <a:gd name="connsiteY3" fmla="*/ 12700 h 5803900"/>
+              <a:gd name="connsiteX4" fmla="*/ 7807194 w 8089900"/>
+              <a:gd name="connsiteY4" fmla="*/ 295407 h 5803900"/>
+              <a:gd name="connsiteX5" fmla="*/ 8089899 w 8089900"/>
+              <a:gd name="connsiteY5" fmla="*/ 977921 h 5803900"/>
+              <a:gd name="connsiteX6" fmla="*/ 8089900 w 8089900"/>
+              <a:gd name="connsiteY6" fmla="*/ 4838681 h 5803900"/>
+              <a:gd name="connsiteX7" fmla="*/ 7807194 w 8089900"/>
+              <a:gd name="connsiteY7" fmla="*/ 5521194 h 5803900"/>
+              <a:gd name="connsiteX8" fmla="*/ 7124681 w 8089900"/>
+              <a:gd name="connsiteY8" fmla="*/ 5803900 h 5803900"/>
+              <a:gd name="connsiteX9" fmla="*/ 546100 w 8089900"/>
+              <a:gd name="connsiteY9" fmla="*/ 5803900 h 5803900"/>
+              <a:gd name="connsiteX10" fmla="*/ 88900 w 8089900"/>
+              <a:gd name="connsiteY10" fmla="*/ 5727700 h 5803900"/>
+              <a:gd name="connsiteX11" fmla="*/ 12700 w 8089900"/>
+              <a:gd name="connsiteY11" fmla="*/ 5346700 h 5803900"/>
+              <a:gd name="connsiteX12" fmla="*/ 12700 w 8089900"/>
+              <a:gd name="connsiteY12" fmla="*/ 546100 h 5803900"/>
+              <a:gd name="connsiteX0" fmla="*/ 12700 w 8089900"/>
+              <a:gd name="connsiteY0" fmla="*/ 546100 h 5803900"/>
+              <a:gd name="connsiteX1" fmla="*/ 88900 w 8089900"/>
+              <a:gd name="connsiteY1" fmla="*/ 88900 h 5803900"/>
+              <a:gd name="connsiteX2" fmla="*/ 546100 w 8089900"/>
+              <a:gd name="connsiteY2" fmla="*/ 12701 h 5803900"/>
+              <a:gd name="connsiteX3" fmla="*/ 7556500 w 8089900"/>
+              <a:gd name="connsiteY3" fmla="*/ 12700 h 5803900"/>
+              <a:gd name="connsiteX4" fmla="*/ 7807194 w 8089900"/>
+              <a:gd name="connsiteY4" fmla="*/ 295407 h 5803900"/>
+              <a:gd name="connsiteX5" fmla="*/ 8089899 w 8089900"/>
+              <a:gd name="connsiteY5" fmla="*/ 977921 h 5803900"/>
+              <a:gd name="connsiteX6" fmla="*/ 8089900 w 8089900"/>
+              <a:gd name="connsiteY6" fmla="*/ 4838681 h 5803900"/>
+              <a:gd name="connsiteX7" fmla="*/ 7807194 w 8089900"/>
+              <a:gd name="connsiteY7" fmla="*/ 5521194 h 5803900"/>
+              <a:gd name="connsiteX8" fmla="*/ 7124681 w 8089900"/>
+              <a:gd name="connsiteY8" fmla="*/ 5803900 h 5803900"/>
+              <a:gd name="connsiteX9" fmla="*/ 546100 w 8089900"/>
+              <a:gd name="connsiteY9" fmla="*/ 5803900 h 5803900"/>
+              <a:gd name="connsiteX10" fmla="*/ 88900 w 8089900"/>
+              <a:gd name="connsiteY10" fmla="*/ 5727700 h 5803900"/>
+              <a:gd name="connsiteX11" fmla="*/ 12700 w 8089900"/>
+              <a:gd name="connsiteY11" fmla="*/ 5346700 h 5803900"/>
+              <a:gd name="connsiteX12" fmla="*/ 12700 w 8089900"/>
+              <a:gd name="connsiteY12" fmla="*/ 546100 h 5803900"/>
+              <a:gd name="connsiteX0" fmla="*/ 12700 w 8089901"/>
+              <a:gd name="connsiteY0" fmla="*/ 546100 h 5803900"/>
+              <a:gd name="connsiteX1" fmla="*/ 88900 w 8089901"/>
+              <a:gd name="connsiteY1" fmla="*/ 88900 h 5803900"/>
+              <a:gd name="connsiteX2" fmla="*/ 546100 w 8089901"/>
+              <a:gd name="connsiteY2" fmla="*/ 12701 h 5803900"/>
+              <a:gd name="connsiteX3" fmla="*/ 7556500 w 8089901"/>
+              <a:gd name="connsiteY3" fmla="*/ 12700 h 5803900"/>
+              <a:gd name="connsiteX4" fmla="*/ 7807194 w 8089901"/>
+              <a:gd name="connsiteY4" fmla="*/ 295407 h 5803900"/>
+              <a:gd name="connsiteX5" fmla="*/ 8089900 w 8089901"/>
+              <a:gd name="connsiteY5" fmla="*/ 469900 h 5803900"/>
+              <a:gd name="connsiteX6" fmla="*/ 8089900 w 8089901"/>
+              <a:gd name="connsiteY6" fmla="*/ 4838681 h 5803900"/>
+              <a:gd name="connsiteX7" fmla="*/ 7807194 w 8089901"/>
+              <a:gd name="connsiteY7" fmla="*/ 5521194 h 5803900"/>
+              <a:gd name="connsiteX8" fmla="*/ 7124681 w 8089901"/>
+              <a:gd name="connsiteY8" fmla="*/ 5803900 h 5803900"/>
+              <a:gd name="connsiteX9" fmla="*/ 546100 w 8089901"/>
+              <a:gd name="connsiteY9" fmla="*/ 5803900 h 5803900"/>
+              <a:gd name="connsiteX10" fmla="*/ 88900 w 8089901"/>
+              <a:gd name="connsiteY10" fmla="*/ 5727700 h 5803900"/>
+              <a:gd name="connsiteX11" fmla="*/ 12700 w 8089901"/>
+              <a:gd name="connsiteY11" fmla="*/ 5346700 h 5803900"/>
+              <a:gd name="connsiteX12" fmla="*/ 12700 w 8089901"/>
+              <a:gd name="connsiteY12" fmla="*/ 546100 h 5803900"/>
+              <a:gd name="connsiteX0" fmla="*/ 12700 w 8102600"/>
+              <a:gd name="connsiteY0" fmla="*/ 546100 h 5803900"/>
+              <a:gd name="connsiteX1" fmla="*/ 88900 w 8102600"/>
+              <a:gd name="connsiteY1" fmla="*/ 88900 h 5803900"/>
+              <a:gd name="connsiteX2" fmla="*/ 546100 w 8102600"/>
+              <a:gd name="connsiteY2" fmla="*/ 12701 h 5803900"/>
+              <a:gd name="connsiteX3" fmla="*/ 7556500 w 8102600"/>
+              <a:gd name="connsiteY3" fmla="*/ 12700 h 5803900"/>
+              <a:gd name="connsiteX4" fmla="*/ 8013700 w 8102600"/>
+              <a:gd name="connsiteY4" fmla="*/ 88900 h 5803900"/>
+              <a:gd name="connsiteX5" fmla="*/ 8089900 w 8102600"/>
+              <a:gd name="connsiteY5" fmla="*/ 469900 h 5803900"/>
+              <a:gd name="connsiteX6" fmla="*/ 8089900 w 8102600"/>
+              <a:gd name="connsiteY6" fmla="*/ 4838681 h 5803900"/>
+              <a:gd name="connsiteX7" fmla="*/ 7807194 w 8102600"/>
+              <a:gd name="connsiteY7" fmla="*/ 5521194 h 5803900"/>
+              <a:gd name="connsiteX8" fmla="*/ 7124681 w 8102600"/>
+              <a:gd name="connsiteY8" fmla="*/ 5803900 h 5803900"/>
+              <a:gd name="connsiteX9" fmla="*/ 546100 w 8102600"/>
+              <a:gd name="connsiteY9" fmla="*/ 5803900 h 5803900"/>
+              <a:gd name="connsiteX10" fmla="*/ 88900 w 8102600"/>
+              <a:gd name="connsiteY10" fmla="*/ 5727700 h 5803900"/>
+              <a:gd name="connsiteX11" fmla="*/ 12700 w 8102600"/>
+              <a:gd name="connsiteY11" fmla="*/ 5346700 h 5803900"/>
+              <a:gd name="connsiteX12" fmla="*/ 12700 w 8102600"/>
+              <a:gd name="connsiteY12" fmla="*/ 546100 h 5803900"/>
+              <a:gd name="connsiteX0" fmla="*/ 12700 w 8102600"/>
+              <a:gd name="connsiteY0" fmla="*/ 546100 h 5803900"/>
+              <a:gd name="connsiteX1" fmla="*/ 88900 w 8102600"/>
+              <a:gd name="connsiteY1" fmla="*/ 88900 h 5803900"/>
+              <a:gd name="connsiteX2" fmla="*/ 546100 w 8102600"/>
+              <a:gd name="connsiteY2" fmla="*/ 12701 h 5803900"/>
+              <a:gd name="connsiteX3" fmla="*/ 7556500 w 8102600"/>
+              <a:gd name="connsiteY3" fmla="*/ 12700 h 5803900"/>
+              <a:gd name="connsiteX4" fmla="*/ 8013700 w 8102600"/>
+              <a:gd name="connsiteY4" fmla="*/ 88900 h 5803900"/>
+              <a:gd name="connsiteX5" fmla="*/ 8089899 w 8102600"/>
+              <a:gd name="connsiteY5" fmla="*/ 469900 h 5803900"/>
+              <a:gd name="connsiteX6" fmla="*/ 8089900 w 8102600"/>
+              <a:gd name="connsiteY6" fmla="*/ 4838681 h 5803900"/>
+              <a:gd name="connsiteX7" fmla="*/ 7807194 w 8102600"/>
+              <a:gd name="connsiteY7" fmla="*/ 5521194 h 5803900"/>
+              <a:gd name="connsiteX8" fmla="*/ 7124681 w 8102600"/>
+              <a:gd name="connsiteY8" fmla="*/ 5803900 h 5803900"/>
+              <a:gd name="connsiteX9" fmla="*/ 546100 w 8102600"/>
+              <a:gd name="connsiteY9" fmla="*/ 5803900 h 5803900"/>
+              <a:gd name="connsiteX10" fmla="*/ 88900 w 8102600"/>
+              <a:gd name="connsiteY10" fmla="*/ 5727700 h 5803900"/>
+              <a:gd name="connsiteX11" fmla="*/ 12700 w 8102600"/>
+              <a:gd name="connsiteY11" fmla="*/ 5346700 h 5803900"/>
+              <a:gd name="connsiteX12" fmla="*/ 12700 w 8102600"/>
+              <a:gd name="connsiteY12" fmla="*/ 546100 h 5803900"/>
+              <a:gd name="connsiteX0" fmla="*/ 12700 w 8102599"/>
+              <a:gd name="connsiteY0" fmla="*/ 546100 h 5803900"/>
+              <a:gd name="connsiteX1" fmla="*/ 88900 w 8102599"/>
+              <a:gd name="connsiteY1" fmla="*/ 88900 h 5803900"/>
+              <a:gd name="connsiteX2" fmla="*/ 546100 w 8102599"/>
+              <a:gd name="connsiteY2" fmla="*/ 12701 h 5803900"/>
+              <a:gd name="connsiteX3" fmla="*/ 7556500 w 8102599"/>
+              <a:gd name="connsiteY3" fmla="*/ 12700 h 5803900"/>
+              <a:gd name="connsiteX4" fmla="*/ 8013699 w 8102599"/>
+              <a:gd name="connsiteY4" fmla="*/ 88900 h 5803900"/>
+              <a:gd name="connsiteX5" fmla="*/ 8089899 w 8102599"/>
+              <a:gd name="connsiteY5" fmla="*/ 469900 h 5803900"/>
+              <a:gd name="connsiteX6" fmla="*/ 8089900 w 8102599"/>
+              <a:gd name="connsiteY6" fmla="*/ 4838681 h 5803900"/>
+              <a:gd name="connsiteX7" fmla="*/ 7807194 w 8102599"/>
+              <a:gd name="connsiteY7" fmla="*/ 5521194 h 5803900"/>
+              <a:gd name="connsiteX8" fmla="*/ 7124681 w 8102599"/>
+              <a:gd name="connsiteY8" fmla="*/ 5803900 h 5803900"/>
+              <a:gd name="connsiteX9" fmla="*/ 546100 w 8102599"/>
+              <a:gd name="connsiteY9" fmla="*/ 5803900 h 5803900"/>
+              <a:gd name="connsiteX10" fmla="*/ 88900 w 8102599"/>
+              <a:gd name="connsiteY10" fmla="*/ 5727700 h 5803900"/>
+              <a:gd name="connsiteX11" fmla="*/ 12700 w 8102599"/>
+              <a:gd name="connsiteY11" fmla="*/ 5346700 h 5803900"/>
+              <a:gd name="connsiteX12" fmla="*/ 12700 w 8102599"/>
+              <a:gd name="connsiteY12" fmla="*/ 546100 h 5803900"/>
+              <a:gd name="connsiteX0" fmla="*/ 12700 w 8102599"/>
+              <a:gd name="connsiteY0" fmla="*/ 546100 h 5803900"/>
+              <a:gd name="connsiteX1" fmla="*/ 88900 w 8102599"/>
+              <a:gd name="connsiteY1" fmla="*/ 88900 h 5803900"/>
+              <a:gd name="connsiteX2" fmla="*/ 546100 w 8102599"/>
+              <a:gd name="connsiteY2" fmla="*/ 12701 h 5803900"/>
+              <a:gd name="connsiteX3" fmla="*/ 7556500 w 8102599"/>
+              <a:gd name="connsiteY3" fmla="*/ 12700 h 5803900"/>
+              <a:gd name="connsiteX4" fmla="*/ 8013699 w 8102599"/>
+              <a:gd name="connsiteY4" fmla="*/ 88900 h 5803900"/>
+              <a:gd name="connsiteX5" fmla="*/ 8089899 w 8102599"/>
+              <a:gd name="connsiteY5" fmla="*/ 469900 h 5803900"/>
+              <a:gd name="connsiteX6" fmla="*/ 8089900 w 8102599"/>
+              <a:gd name="connsiteY6" fmla="*/ 5346700 h 5803900"/>
+              <a:gd name="connsiteX7" fmla="*/ 7807194 w 8102599"/>
+              <a:gd name="connsiteY7" fmla="*/ 5521194 h 5803900"/>
+              <a:gd name="connsiteX8" fmla="*/ 7124681 w 8102599"/>
+              <a:gd name="connsiteY8" fmla="*/ 5803900 h 5803900"/>
+              <a:gd name="connsiteX9" fmla="*/ 546100 w 8102599"/>
+              <a:gd name="connsiteY9" fmla="*/ 5803900 h 5803900"/>
+              <a:gd name="connsiteX10" fmla="*/ 88900 w 8102599"/>
+              <a:gd name="connsiteY10" fmla="*/ 5727700 h 5803900"/>
+              <a:gd name="connsiteX11" fmla="*/ 12700 w 8102599"/>
+              <a:gd name="connsiteY11" fmla="*/ 5346700 h 5803900"/>
+              <a:gd name="connsiteX12" fmla="*/ 12700 w 8102599"/>
+              <a:gd name="connsiteY12" fmla="*/ 546100 h 5803900"/>
+              <a:gd name="connsiteX0" fmla="*/ 12700 w 8102599"/>
+              <a:gd name="connsiteY0" fmla="*/ 546100 h 5803900"/>
+              <a:gd name="connsiteX1" fmla="*/ 88900 w 8102599"/>
+              <a:gd name="connsiteY1" fmla="*/ 88900 h 5803900"/>
+              <a:gd name="connsiteX2" fmla="*/ 546100 w 8102599"/>
+              <a:gd name="connsiteY2" fmla="*/ 12701 h 5803900"/>
+              <a:gd name="connsiteX3" fmla="*/ 7556500 w 8102599"/>
+              <a:gd name="connsiteY3" fmla="*/ 12700 h 5803900"/>
+              <a:gd name="connsiteX4" fmla="*/ 8013699 w 8102599"/>
+              <a:gd name="connsiteY4" fmla="*/ 88900 h 5803900"/>
+              <a:gd name="connsiteX5" fmla="*/ 8089899 w 8102599"/>
+              <a:gd name="connsiteY5" fmla="*/ 469900 h 5803900"/>
+              <a:gd name="connsiteX6" fmla="*/ 8089900 w 8102599"/>
+              <a:gd name="connsiteY6" fmla="*/ 5346700 h 5803900"/>
+              <a:gd name="connsiteX7" fmla="*/ 7807194 w 8102599"/>
+              <a:gd name="connsiteY7" fmla="*/ 5521194 h 5803900"/>
+              <a:gd name="connsiteX8" fmla="*/ 7632700 w 8102599"/>
+              <a:gd name="connsiteY8" fmla="*/ 5803900 h 5803900"/>
+              <a:gd name="connsiteX9" fmla="*/ 546100 w 8102599"/>
+              <a:gd name="connsiteY9" fmla="*/ 5803900 h 5803900"/>
+              <a:gd name="connsiteX10" fmla="*/ 88900 w 8102599"/>
+              <a:gd name="connsiteY10" fmla="*/ 5727700 h 5803900"/>
+              <a:gd name="connsiteX11" fmla="*/ 12700 w 8102599"/>
+              <a:gd name="connsiteY11" fmla="*/ 5346700 h 5803900"/>
+              <a:gd name="connsiteX12" fmla="*/ 12700 w 8102599"/>
+              <a:gd name="connsiteY12" fmla="*/ 546100 h 5803900"/>
+              <a:gd name="connsiteX0" fmla="*/ 12700 w 8102599"/>
+              <a:gd name="connsiteY0" fmla="*/ 546100 h 5803900"/>
+              <a:gd name="connsiteX1" fmla="*/ 88900 w 8102599"/>
+              <a:gd name="connsiteY1" fmla="*/ 88900 h 5803900"/>
+              <a:gd name="connsiteX2" fmla="*/ 546100 w 8102599"/>
+              <a:gd name="connsiteY2" fmla="*/ 12701 h 5803900"/>
+              <a:gd name="connsiteX3" fmla="*/ 7556500 w 8102599"/>
+              <a:gd name="connsiteY3" fmla="*/ 12700 h 5803900"/>
+              <a:gd name="connsiteX4" fmla="*/ 8013699 w 8102599"/>
+              <a:gd name="connsiteY4" fmla="*/ 88900 h 5803900"/>
+              <a:gd name="connsiteX5" fmla="*/ 8089899 w 8102599"/>
+              <a:gd name="connsiteY5" fmla="*/ 469900 h 5803900"/>
+              <a:gd name="connsiteX6" fmla="*/ 8089900 w 8102599"/>
+              <a:gd name="connsiteY6" fmla="*/ 5346700 h 5803900"/>
+              <a:gd name="connsiteX7" fmla="*/ 8013700 w 8102599"/>
+              <a:gd name="connsiteY7" fmla="*/ 5727700 h 5803900"/>
+              <a:gd name="connsiteX8" fmla="*/ 7632700 w 8102599"/>
+              <a:gd name="connsiteY8" fmla="*/ 5803900 h 5803900"/>
+              <a:gd name="connsiteX9" fmla="*/ 546100 w 8102599"/>
+              <a:gd name="connsiteY9" fmla="*/ 5803900 h 5803900"/>
+              <a:gd name="connsiteX10" fmla="*/ 88900 w 8102599"/>
+              <a:gd name="connsiteY10" fmla="*/ 5727700 h 5803900"/>
+              <a:gd name="connsiteX11" fmla="*/ 12700 w 8102599"/>
+              <a:gd name="connsiteY11" fmla="*/ 5346700 h 5803900"/>
+              <a:gd name="connsiteX12" fmla="*/ 12700 w 8102599"/>
+              <a:gd name="connsiteY12" fmla="*/ 546100 h 5803900"/>
+            </a:gdLst>
+            <a:ahLst/>
+            <a:cxnLst>
+              <a:cxn ang="0">
+                <a:pos x="connsiteX0" y="connsiteY0"/>
+              </a:cxn>
+              <a:cxn ang="0">
+                <a:pos x="connsiteX1" y="connsiteY1"/>
+              </a:cxn>
+              <a:cxn ang="0">
+                <a:pos x="connsiteX2" y="connsiteY2"/>
+              </a:cxn>
+              <a:cxn ang="0">
+                <a:pos x="connsiteX3" y="connsiteY3"/>
+              </a:cxn>
+              <a:cxn ang="0">
+                <a:pos x="connsiteX4" y="connsiteY4"/>
+              </a:cxn>
+              <a:cxn ang="0">
+                <a:pos x="connsiteX5" y="connsiteY5"/>
+              </a:cxn>
+              <a:cxn ang="0">
+                <a:pos x="connsiteX6" y="connsiteY6"/>
+              </a:cxn>
+              <a:cxn ang="0">
+                <a:pos x="connsiteX7" y="connsiteY7"/>
+              </a:cxn>
+              <a:cxn ang="0">
+                <a:pos x="connsiteX8" y="connsiteY8"/>
+              </a:cxn>
+              <a:cxn ang="0">
+                <a:pos x="connsiteX9" y="connsiteY9"/>
+              </a:cxn>
+              <a:cxn ang="0">
+                <a:pos x="connsiteX10" y="connsiteY10"/>
+              </a:cxn>
+              <a:cxn ang="0">
+                <a:pos x="connsiteX11" y="connsiteY11"/>
+              </a:cxn>
+              <a:cxn ang="0">
+                <a:pos x="connsiteX12" y="connsiteY12"/>
+              </a:cxn>
+            </a:cxnLst>
+            <a:rect l="l" t="t" r="r" b="b"/>
+            <a:pathLst>
+              <a:path w="8102599" h="5803900">
+                <a:moveTo>
+                  <a:pt x="12700" y="546100"/>
+                </a:moveTo>
+                <a:cubicBezTo>
+                  <a:pt x="12700" y="290108"/>
+                  <a:pt x="0" y="177800"/>
+                  <a:pt x="88900" y="88900"/>
+                </a:cubicBezTo>
+                <a:cubicBezTo>
+                  <a:pt x="177800" y="0"/>
+                  <a:pt x="290107" y="12700"/>
+                  <a:pt x="546100" y="12701"/>
+                </a:cubicBezTo>
+                <a:lnTo>
+                  <a:pt x="7556500" y="12700"/>
+                </a:lnTo>
+                <a:cubicBezTo>
+                  <a:pt x="7812492" y="12700"/>
+                  <a:pt x="7924799" y="12700"/>
+                  <a:pt x="8013699" y="88900"/>
+                </a:cubicBezTo>
+                <a:cubicBezTo>
+                  <a:pt x="8102599" y="165100"/>
+                  <a:pt x="8089900" y="213907"/>
+                  <a:pt x="8089899" y="469900"/>
+                </a:cubicBezTo>
+                <a:cubicBezTo>
+                  <a:pt x="8089899" y="1926160"/>
+                  <a:pt x="8089900" y="3890440"/>
+                  <a:pt x="8089900" y="5346700"/>
+                </a:cubicBezTo>
+                <a:cubicBezTo>
+                  <a:pt x="8089900" y="5602692"/>
+                  <a:pt x="8089900" y="5651500"/>
+                  <a:pt x="8013700" y="5727700"/>
+                </a:cubicBezTo>
+                <a:cubicBezTo>
+                  <a:pt x="7937500" y="5803900"/>
+                  <a:pt x="7888692" y="5803900"/>
+                  <a:pt x="7632700" y="5803900"/>
+                </a:cubicBezTo>
+                <a:lnTo>
+                  <a:pt x="546100" y="5803900"/>
+                </a:lnTo>
+                <a:cubicBezTo>
+                  <a:pt x="290108" y="5803900"/>
+                  <a:pt x="177800" y="5803900"/>
+                  <a:pt x="88900" y="5727700"/>
+                </a:cubicBezTo>
+                <a:cubicBezTo>
+                  <a:pt x="0" y="5651500"/>
+                  <a:pt x="12700" y="5602692"/>
+                  <a:pt x="12700" y="5346700"/>
+                </a:cubicBezTo>
+                <a:lnTo>
+                  <a:pt x="12700" y="546100"/>
+                </a:lnTo>
+                <a:close/>
+              </a:path>
+            </a:pathLst>
+          </a:custGeom>
+          <a:gradFill>
+            <a:gsLst>
+              <a:gs pos="0">
+                <a:schemeClr val="bg1">
+                  <a:lumMod val="50000"/>
+                </a:schemeClr>
+              </a:gs>
+              <a:gs pos="39999">
+                <a:schemeClr val="bg1">
+                  <a:lumMod val="65000"/>
+                </a:schemeClr>
+              </a:gs>
+              <a:gs pos="70000">
+                <a:schemeClr val="bg1">
+                  <a:lumMod val="50000"/>
+                  <a:alpha val="73000"/>
+                </a:schemeClr>
+              </a:gs>
+            </a:gsLst>
+            <a:lin ang="5400000" scaled="0"/>
+          </a:gradFill>
+          <a:ln>
+            <a:solidFill>
+              <a:schemeClr val="bg1">
+                <a:lumMod val="75000"/>
+              </a:schemeClr>
+            </a:solidFill>
+          </a:ln>
+        </p:spPr>
+        <p:style>
+          <a:lnRef idx="2">
+            <a:schemeClr val="accent1">
+              <a:shade val="50000"/>
+            </a:schemeClr>
+          </a:lnRef>
+          <a:fillRef idx="1">
+            <a:schemeClr val="accent1"/>
+          </a:fillRef>
+          <a:effectRef idx="0">
+            <a:schemeClr val="accent1"/>
+          </a:effectRef>
+          <a:fontRef idx="minor">
+            <a:schemeClr val="lt1"/>
+          </a:fontRef>
+        </p:style>
+        <p:txBody>
+          <a:bodyPr rtlCol="0" anchor="ctr"/>
+          <a:lstStyle/>
+          <a:p>
+            <a:pPr fontAlgn="t"/>
+            <a:endParaRPr lang="es-AR" b="1" dirty="0" smtClean="0"/>
+          </a:p>
+          <a:p>
+            <a:pPr algn="ctr"/>
+            <a:endParaRPr lang="es-AR" dirty="0"/>
+          </a:p>
+        </p:txBody>
+      </p:sp>
+      <p:sp>
+        <p:nvSpPr>
+          <p:cNvPr id="14" name="TextBox 13"/>
+          <p:cNvSpPr txBox="1"/>
+          <p:nvPr/>
+        </p:nvSpPr>
+        <p:spPr>
+          <a:xfrm>
+            <a:off x="2514600" y="3276600"/>
+            <a:ext cx="3733800" cy="523220"/>
+          </a:xfrm>
+          <a:prstGeom prst="rect">
+            <a:avLst/>
+          </a:prstGeom>
+          <a:noFill/>
+        </p:spPr>
+        <p:txBody>
+          <a:bodyPr wrap="square" rtlCol="0">
+            <a:spAutoFit/>
+          </a:bodyPr>
+          <a:lstStyle/>
+          <a:p>
+            <a:endParaRPr lang="es-AR" sz="2800" i="1" dirty="0">
+              <a:solidFill>
+                <a:schemeClr val="bg1"/>
+              </a:solidFill>
+            </a:endParaRPr>
+          </a:p>
+        </p:txBody>
+      </p:sp>
+      <p:grpSp>
+        <p:nvGrpSpPr>
+          <p:cNvPr id="3" name="Group 14"/>
+          <p:cNvGrpSpPr/>
+          <p:nvPr/>
+        </p:nvGrpSpPr>
+        <p:grpSpPr>
+          <a:xfrm>
+            <a:off x="1295400" y="544415"/>
+            <a:ext cx="6553200" cy="903384"/>
+            <a:chOff x="1295400" y="544415"/>
+            <a:chExt cx="6553200" cy="903384"/>
+          </a:xfrm>
+        </p:grpSpPr>
+        <p:sp>
+          <p:nvSpPr>
+            <p:cNvPr id="16" name="Round Same Side Corner Rectangle 15"/>
+            <p:cNvSpPr/>
+            <p:nvPr/>
+          </p:nvSpPr>
+          <p:spPr>
+            <a:xfrm rot="10800000">
+              <a:off x="1295400" y="544415"/>
+              <a:ext cx="6553200" cy="903384"/>
+            </a:xfrm>
+            <a:prstGeom prst="round2SameRect">
+              <a:avLst/>
+            </a:prstGeom>
+          </p:spPr>
+          <p:style>
+            <a:lnRef idx="2">
+              <a:schemeClr val="dk1">
+                <a:shade val="50000"/>
+              </a:schemeClr>
+            </a:lnRef>
+            <a:fillRef idx="1">
+              <a:schemeClr val="dk1"/>
+            </a:fillRef>
+            <a:effectRef idx="0">
+              <a:schemeClr val="dk1"/>
+            </a:effectRef>
+            <a:fontRef idx="minor">
+              <a:schemeClr val="lt1"/>
+            </a:fontRef>
+          </p:style>
+          <p:txBody>
+            <a:bodyPr rtlCol="0" anchor="ctr"/>
+            <a:lstStyle/>
+            <a:p>
+              <a:pPr algn="ctr"/>
+              <a:endParaRPr lang="es-AR" dirty="0"/>
+            </a:p>
+          </p:txBody>
+        </p:sp>
+        <p:pic>
+          <p:nvPicPr>
+            <p:cNvPr id="17" name="Picture 2" descr="E:\U.B.A.Files\Materias\75.45 Taller de Desarrollo de Proyectos I\TP\Trunk\Proyecto\web\site\images\logo.png"/>
+            <p:cNvPicPr>
+              <a:picLocks noChangeAspect="1" noChangeArrowheads="1"/>
+            </p:cNvPicPr>
+            <p:nvPr/>
+          </p:nvPicPr>
+          <p:blipFill>
+            <a:blip r:embed="rId3" cstate="print"/>
+            <a:srcRect/>
+            <a:stretch>
+              <a:fillRect/>
+            </a:stretch>
+          </p:blipFill>
+          <p:spPr bwMode="auto">
+            <a:xfrm>
+              <a:off x="1600200" y="609600"/>
+              <a:ext cx="2640904" cy="762000"/>
+            </a:xfrm>
+            <a:prstGeom prst="rect">
+              <a:avLst/>
+            </a:prstGeom>
+            <a:noFill/>
+          </p:spPr>
+        </p:pic>
+        <p:sp>
+          <p:nvSpPr>
+            <p:cNvPr id="18" name="TextBox 17"/>
+            <p:cNvSpPr txBox="1"/>
+            <p:nvPr/>
+          </p:nvSpPr>
+          <p:spPr>
+            <a:xfrm>
+              <a:off x="4515457" y="685800"/>
+              <a:ext cx="3180743" cy="307777"/>
+            </a:xfrm>
+            <a:prstGeom prst="rect">
+              <a:avLst/>
+            </a:prstGeom>
+            <a:noFill/>
+          </p:spPr>
+          <p:txBody>
+            <a:bodyPr wrap="none" rtlCol="0">
+              <a:spAutoFit/>
+            </a:bodyPr>
+            <a:lstStyle/>
+            <a:p>
+              <a:r>
+                <a:rPr lang="es-AR" sz="1400" dirty="0" smtClean="0">
+                  <a:solidFill>
+                    <a:schemeClr val="bg1">
+                      <a:lumMod val="50000"/>
+                    </a:schemeClr>
+                  </a:solidFill>
+                </a:rPr>
+                <a:t>Centralización y análisis de datos</a:t>
+              </a:r>
+              <a:endParaRPr lang="es-AR" sz="1400" dirty="0">
+                <a:solidFill>
+                  <a:schemeClr val="bg1">
+                    <a:lumMod val="50000"/>
+                  </a:schemeClr>
+                </a:solidFill>
+              </a:endParaRPr>
+            </a:p>
+          </p:txBody>
+        </p:sp>
+      </p:grpSp>
+      <p:pic>
+        <p:nvPicPr>
+          <p:cNvPr id="15" name="14 Imagen" descr="Informe1.png">
+            <a:hlinkClick r:id="rId4" action="ppaction://hlinksldjump"/>
+          </p:cNvPr>
+          <p:cNvPicPr>
+            <a:picLocks noChangeAspect="1"/>
+          </p:cNvPicPr>
+          <p:nvPr/>
+        </p:nvPicPr>
+        <p:blipFill>
+          <a:blip r:embed="rId5"/>
+          <a:stretch>
+            <a:fillRect/>
+          </a:stretch>
+        </p:blipFill>
+        <p:spPr>
+          <a:xfrm>
+            <a:off x="1905000" y="1535613"/>
+            <a:ext cx="5486400" cy="4636587"/>
+          </a:xfrm>
+          <a:prstGeom prst="rect">
+            <a:avLst/>
+          </a:prstGeom>
+        </p:spPr>
+      </p:pic>
+    </p:spTree>
+  </p:cSld>
+  <p:clrMapOvr>
+    <a:masterClrMapping/>
+  </p:clrMapOvr>
+  <p:timing>
+    <p:tnLst>
+      <p:par>
+        <p:cTn id="1" dur="indefinite" restart="never" nodeType="tmRoot"/>
+      </p:par>
+    </p:tnLst>
+  </p:timing>
+</p:sld>
+</file>
+
+<file path=ppt/slides/slide13.xml><?xml version="1.0" encoding="utf-8"?>
+<p:sld xmlns:a="http://schemas.openxmlformats.org/drawingml/2006/main" xmlns:r="http://schemas.openxmlformats.org/officeDocument/2006/relationships" xmlns:p="http://schemas.openxmlformats.org/presentationml/2006/main">
+  <p:cSld>
+    <p:spTree>
+      <p:nvGrpSpPr>
+        <p:cNvPr id="1" name=""/>
+        <p:cNvGrpSpPr/>
+        <p:nvPr/>
+      </p:nvGrpSpPr>
+      <p:grpSpPr>
+        <a:xfrm>
+          <a:off x="0" y="0"/>
+          <a:ext cx="0" cy="0"/>
+          <a:chOff x="0" y="0"/>
+          <a:chExt cx="0" cy="0"/>
+        </a:xfrm>
+      </p:grpSpPr>
+      <p:grpSp>
+        <p:nvGrpSpPr>
+          <p:cNvPr id="2" name="Group 22"/>
+          <p:cNvGrpSpPr/>
+          <p:nvPr/>
+        </p:nvGrpSpPr>
+        <p:grpSpPr>
+          <a:xfrm>
+            <a:off x="304800" y="304800"/>
+            <a:ext cx="8534400" cy="6248400"/>
+            <a:chOff x="304800" y="304800"/>
+            <a:chExt cx="8534400" cy="6248400"/>
+          </a:xfrm>
+          <a:solidFill>
+            <a:schemeClr val="bg1">
+              <a:lumMod val="85000"/>
+            </a:schemeClr>
+          </a:solidFill>
+        </p:grpSpPr>
+        <p:sp>
+          <p:nvSpPr>
+            <p:cNvPr id="4" name="Rounded Rectangle 3"/>
+            <p:cNvSpPr/>
+            <p:nvPr/>
+          </p:nvSpPr>
+          <p:spPr>
+            <a:xfrm>
+              <a:off x="304800" y="304800"/>
+              <a:ext cx="8534400" cy="6248400"/>
+            </a:xfrm>
+            <a:prstGeom prst="roundRect">
+              <a:avLst/>
+            </a:prstGeom>
+            <a:grpFill/>
+            <a:ln>
+              <a:noFill/>
+            </a:ln>
+          </p:spPr>
+          <p:style>
+            <a:lnRef idx="2">
+              <a:schemeClr val="accent1">
+                <a:shade val="50000"/>
+              </a:schemeClr>
+            </a:lnRef>
+            <a:fillRef idx="1">
+              <a:schemeClr val="accent1"/>
+            </a:fillRef>
+            <a:effectRef idx="0">
+              <a:schemeClr val="accent1"/>
+            </a:effectRef>
+            <a:fontRef idx="minor">
+              <a:schemeClr val="lt1"/>
+            </a:fontRef>
+          </p:style>
+          <p:txBody>
+            <a:bodyPr rtlCol="0" anchor="ctr"/>
+            <a:lstStyle/>
+            <a:p>
+              <a:pPr algn="ctr"/>
+              <a:endParaRPr lang="es-AR"/>
+            </a:p>
+          </p:txBody>
+        </p:sp>
+        <p:sp>
+          <p:nvSpPr>
+            <p:cNvPr id="5" name="Rounded Rectangle 4"/>
+            <p:cNvSpPr/>
+            <p:nvPr/>
+          </p:nvSpPr>
+          <p:spPr>
+            <a:xfrm>
+              <a:off x="7086600" y="304800"/>
+              <a:ext cx="1752600" cy="1752600"/>
+            </a:xfrm>
+            <a:prstGeom prst="roundRect">
+              <a:avLst/>
+            </a:prstGeom>
+            <a:grpFill/>
+            <a:ln>
+              <a:noFill/>
+            </a:ln>
+          </p:spPr>
+          <p:style>
+            <a:lnRef idx="2">
+              <a:schemeClr val="accent1">
+                <a:shade val="50000"/>
+              </a:schemeClr>
+            </a:lnRef>
+            <a:fillRef idx="1">
+              <a:schemeClr val="accent1"/>
+            </a:fillRef>
+            <a:effectRef idx="0">
+              <a:schemeClr val="accent1"/>
+            </a:effectRef>
+            <a:fontRef idx="minor">
+              <a:schemeClr val="lt1"/>
+            </a:fontRef>
+          </p:style>
+          <p:txBody>
+            <a:bodyPr rtlCol="0" anchor="ctr"/>
+            <a:lstStyle/>
+            <a:p>
+              <a:pPr algn="ctr"/>
+              <a:endParaRPr lang="es-AR"/>
+            </a:p>
+          </p:txBody>
+        </p:sp>
+        <p:sp>
+          <p:nvSpPr>
+            <p:cNvPr id="6" name="Rounded Rectangle 5"/>
+            <p:cNvSpPr/>
+            <p:nvPr/>
+          </p:nvSpPr>
+          <p:spPr>
+            <a:xfrm>
+              <a:off x="304800" y="304800"/>
+              <a:ext cx="1752600" cy="1752600"/>
+            </a:xfrm>
+            <a:prstGeom prst="roundRect">
+              <a:avLst/>
+            </a:prstGeom>
+            <a:grpFill/>
+            <a:ln>
+              <a:noFill/>
+            </a:ln>
+          </p:spPr>
+          <p:style>
+            <a:lnRef idx="2">
+              <a:schemeClr val="accent1">
+                <a:shade val="50000"/>
+              </a:schemeClr>
+            </a:lnRef>
+            <a:fillRef idx="1">
+              <a:schemeClr val="accent1"/>
+            </a:fillRef>
+            <a:effectRef idx="0">
+              <a:schemeClr val="accent1"/>
+            </a:effectRef>
+            <a:fontRef idx="minor">
+              <a:schemeClr val="lt1"/>
+            </a:fontRef>
+          </p:style>
+          <p:txBody>
+            <a:bodyPr rtlCol="0" anchor="ctr"/>
+            <a:lstStyle/>
+            <a:p>
+              <a:pPr algn="ctr"/>
+              <a:endParaRPr lang="es-AR"/>
+            </a:p>
+          </p:txBody>
+        </p:sp>
+        <p:sp>
+          <p:nvSpPr>
+            <p:cNvPr id="7" name="Rounded Rectangle 6"/>
+            <p:cNvSpPr/>
+            <p:nvPr/>
+          </p:nvSpPr>
+          <p:spPr>
+            <a:xfrm>
+              <a:off x="304800" y="4800600"/>
+              <a:ext cx="1752600" cy="1752600"/>
+            </a:xfrm>
+            <a:prstGeom prst="roundRect">
+              <a:avLst/>
+            </a:prstGeom>
+            <a:grpFill/>
+            <a:ln>
+              <a:noFill/>
+            </a:ln>
+          </p:spPr>
+          <p:style>
+            <a:lnRef idx="2">
+              <a:schemeClr val="accent1">
+                <a:shade val="50000"/>
+              </a:schemeClr>
+            </a:lnRef>
+            <a:fillRef idx="1">
+              <a:schemeClr val="accent1"/>
+            </a:fillRef>
+            <a:effectRef idx="0">
+              <a:schemeClr val="accent1"/>
+            </a:effectRef>
+            <a:fontRef idx="minor">
+              <a:schemeClr val="lt1"/>
+            </a:fontRef>
+          </p:style>
+          <p:txBody>
+            <a:bodyPr rtlCol="0" anchor="ctr"/>
+            <a:lstStyle/>
+            <a:p>
+              <a:pPr algn="ctr"/>
+              <a:endParaRPr lang="es-AR"/>
+            </a:p>
+          </p:txBody>
+        </p:sp>
+        <p:sp>
+          <p:nvSpPr>
+            <p:cNvPr id="8" name="Rounded Rectangle 7"/>
+            <p:cNvSpPr/>
+            <p:nvPr/>
+          </p:nvSpPr>
+          <p:spPr>
+            <a:xfrm>
+              <a:off x="7086600" y="4800600"/>
+              <a:ext cx="1752600" cy="1752600"/>
+            </a:xfrm>
+            <a:prstGeom prst="roundRect">
+              <a:avLst/>
+            </a:prstGeom>
+            <a:grpFill/>
+            <a:ln>
+              <a:noFill/>
+            </a:ln>
+          </p:spPr>
+          <p:style>
+            <a:lnRef idx="2">
+              <a:schemeClr val="accent1">
+                <a:shade val="50000"/>
+              </a:schemeClr>
+            </a:lnRef>
+            <a:fillRef idx="1">
+              <a:schemeClr val="accent1"/>
+            </a:fillRef>
+            <a:effectRef idx="0">
+              <a:schemeClr val="accent1"/>
+            </a:effectRef>
+            <a:fontRef idx="minor">
+              <a:schemeClr val="lt1"/>
+            </a:fontRef>
+          </p:style>
+          <p:txBody>
+            <a:bodyPr rtlCol="0" anchor="ctr"/>
+            <a:lstStyle/>
+            <a:p>
+              <a:pPr algn="ctr"/>
+              <a:endParaRPr lang="es-AR"/>
+            </a:p>
+          </p:txBody>
+        </p:sp>
+      </p:grpSp>
+      <p:sp>
+        <p:nvSpPr>
+          <p:cNvPr id="9" name="Freeform 8"/>
+          <p:cNvSpPr/>
+          <p:nvPr/>
+        </p:nvSpPr>
+        <p:spPr>
+          <a:xfrm>
+            <a:off x="533400" y="457200"/>
+            <a:ext cx="8102599" cy="5803900"/>
+          </a:xfrm>
+          <a:custGeom>
+            <a:avLst/>
+            <a:gdLst>
+              <a:gd name="connsiteX0" fmla="*/ 0 w 8077200"/>
+              <a:gd name="connsiteY0" fmla="*/ 965219 h 5791200"/>
+              <a:gd name="connsiteX1" fmla="*/ 282707 w 8077200"/>
+              <a:gd name="connsiteY1" fmla="*/ 282706 h 5791200"/>
+              <a:gd name="connsiteX2" fmla="*/ 965221 w 8077200"/>
+              <a:gd name="connsiteY2" fmla="*/ 1 h 5791200"/>
+              <a:gd name="connsiteX3" fmla="*/ 7111981 w 8077200"/>
+              <a:gd name="connsiteY3" fmla="*/ 0 h 5791200"/>
+              <a:gd name="connsiteX4" fmla="*/ 7794494 w 8077200"/>
+              <a:gd name="connsiteY4" fmla="*/ 282707 h 5791200"/>
+              <a:gd name="connsiteX5" fmla="*/ 8077199 w 8077200"/>
+              <a:gd name="connsiteY5" fmla="*/ 965221 h 5791200"/>
+              <a:gd name="connsiteX6" fmla="*/ 8077200 w 8077200"/>
+              <a:gd name="connsiteY6" fmla="*/ 4825981 h 5791200"/>
+              <a:gd name="connsiteX7" fmla="*/ 7794494 w 8077200"/>
+              <a:gd name="connsiteY7" fmla="*/ 5508494 h 5791200"/>
+              <a:gd name="connsiteX8" fmla="*/ 7111981 w 8077200"/>
+              <a:gd name="connsiteY8" fmla="*/ 5791200 h 5791200"/>
+              <a:gd name="connsiteX9" fmla="*/ 965219 w 8077200"/>
+              <a:gd name="connsiteY9" fmla="*/ 5791200 h 5791200"/>
+              <a:gd name="connsiteX10" fmla="*/ 282706 w 8077200"/>
+              <a:gd name="connsiteY10" fmla="*/ 5508493 h 5791200"/>
+              <a:gd name="connsiteX11" fmla="*/ 0 w 8077200"/>
+              <a:gd name="connsiteY11" fmla="*/ 4825980 h 5791200"/>
+              <a:gd name="connsiteX12" fmla="*/ 0 w 8077200"/>
+              <a:gd name="connsiteY12" fmla="*/ 965219 h 5791200"/>
+              <a:gd name="connsiteX0" fmla="*/ 0 w 8077200"/>
+              <a:gd name="connsiteY0" fmla="*/ 609600 h 5791200"/>
+              <a:gd name="connsiteX1" fmla="*/ 282707 w 8077200"/>
+              <a:gd name="connsiteY1" fmla="*/ 282706 h 5791200"/>
+              <a:gd name="connsiteX2" fmla="*/ 965221 w 8077200"/>
+              <a:gd name="connsiteY2" fmla="*/ 1 h 5791200"/>
+              <a:gd name="connsiteX3" fmla="*/ 7111981 w 8077200"/>
+              <a:gd name="connsiteY3" fmla="*/ 0 h 5791200"/>
+              <a:gd name="connsiteX4" fmla="*/ 7794494 w 8077200"/>
+              <a:gd name="connsiteY4" fmla="*/ 282707 h 5791200"/>
+              <a:gd name="connsiteX5" fmla="*/ 8077199 w 8077200"/>
+              <a:gd name="connsiteY5" fmla="*/ 965221 h 5791200"/>
+              <a:gd name="connsiteX6" fmla="*/ 8077200 w 8077200"/>
+              <a:gd name="connsiteY6" fmla="*/ 4825981 h 5791200"/>
+              <a:gd name="connsiteX7" fmla="*/ 7794494 w 8077200"/>
+              <a:gd name="connsiteY7" fmla="*/ 5508494 h 5791200"/>
+              <a:gd name="connsiteX8" fmla="*/ 7111981 w 8077200"/>
+              <a:gd name="connsiteY8" fmla="*/ 5791200 h 5791200"/>
+              <a:gd name="connsiteX9" fmla="*/ 965219 w 8077200"/>
+              <a:gd name="connsiteY9" fmla="*/ 5791200 h 5791200"/>
+              <a:gd name="connsiteX10" fmla="*/ 282706 w 8077200"/>
+              <a:gd name="connsiteY10" fmla="*/ 5508493 h 5791200"/>
+              <a:gd name="connsiteX11" fmla="*/ 0 w 8077200"/>
+              <a:gd name="connsiteY11" fmla="*/ 4825980 h 5791200"/>
+              <a:gd name="connsiteX12" fmla="*/ 0 w 8077200"/>
+              <a:gd name="connsiteY12" fmla="*/ 609600 h 5791200"/>
+              <a:gd name="connsiteX0" fmla="*/ 0 w 8077200"/>
+              <a:gd name="connsiteY0" fmla="*/ 609601 h 5791201"/>
+              <a:gd name="connsiteX1" fmla="*/ 282707 w 8077200"/>
+              <a:gd name="connsiteY1" fmla="*/ 282707 h 5791201"/>
+              <a:gd name="connsiteX2" fmla="*/ 609600 w 8077200"/>
+              <a:gd name="connsiteY2" fmla="*/ 1 h 5791201"/>
+              <a:gd name="connsiteX3" fmla="*/ 7111981 w 8077200"/>
+              <a:gd name="connsiteY3" fmla="*/ 1 h 5791201"/>
+              <a:gd name="connsiteX4" fmla="*/ 7794494 w 8077200"/>
+              <a:gd name="connsiteY4" fmla="*/ 282708 h 5791201"/>
+              <a:gd name="connsiteX5" fmla="*/ 8077199 w 8077200"/>
+              <a:gd name="connsiteY5" fmla="*/ 965222 h 5791201"/>
+              <a:gd name="connsiteX6" fmla="*/ 8077200 w 8077200"/>
+              <a:gd name="connsiteY6" fmla="*/ 4825982 h 5791201"/>
+              <a:gd name="connsiteX7" fmla="*/ 7794494 w 8077200"/>
+              <a:gd name="connsiteY7" fmla="*/ 5508495 h 5791201"/>
+              <a:gd name="connsiteX8" fmla="*/ 7111981 w 8077200"/>
+              <a:gd name="connsiteY8" fmla="*/ 5791201 h 5791201"/>
+              <a:gd name="connsiteX9" fmla="*/ 965219 w 8077200"/>
+              <a:gd name="connsiteY9" fmla="*/ 5791201 h 5791201"/>
+              <a:gd name="connsiteX10" fmla="*/ 282706 w 8077200"/>
+              <a:gd name="connsiteY10" fmla="*/ 5508494 h 5791201"/>
+              <a:gd name="connsiteX11" fmla="*/ 0 w 8077200"/>
+              <a:gd name="connsiteY11" fmla="*/ 4825981 h 5791201"/>
+              <a:gd name="connsiteX12" fmla="*/ 0 w 8077200"/>
+              <a:gd name="connsiteY12" fmla="*/ 609601 h 5791201"/>
+              <a:gd name="connsiteX0" fmla="*/ 0 w 8077200"/>
+              <a:gd name="connsiteY0" fmla="*/ 609601 h 5791201"/>
+              <a:gd name="connsiteX1" fmla="*/ 152400 w 8077200"/>
+              <a:gd name="connsiteY1" fmla="*/ 152402 h 5791201"/>
+              <a:gd name="connsiteX2" fmla="*/ 609600 w 8077200"/>
+              <a:gd name="connsiteY2" fmla="*/ 1 h 5791201"/>
+              <a:gd name="connsiteX3" fmla="*/ 7111981 w 8077200"/>
+              <a:gd name="connsiteY3" fmla="*/ 1 h 5791201"/>
+              <a:gd name="connsiteX4" fmla="*/ 7794494 w 8077200"/>
+              <a:gd name="connsiteY4" fmla="*/ 282708 h 5791201"/>
+              <a:gd name="connsiteX5" fmla="*/ 8077199 w 8077200"/>
+              <a:gd name="connsiteY5" fmla="*/ 965222 h 5791201"/>
+              <a:gd name="connsiteX6" fmla="*/ 8077200 w 8077200"/>
+              <a:gd name="connsiteY6" fmla="*/ 4825982 h 5791201"/>
+              <a:gd name="connsiteX7" fmla="*/ 7794494 w 8077200"/>
+              <a:gd name="connsiteY7" fmla="*/ 5508495 h 5791201"/>
+              <a:gd name="connsiteX8" fmla="*/ 7111981 w 8077200"/>
+              <a:gd name="connsiteY8" fmla="*/ 5791201 h 5791201"/>
+              <a:gd name="connsiteX9" fmla="*/ 965219 w 8077200"/>
+              <a:gd name="connsiteY9" fmla="*/ 5791201 h 5791201"/>
+              <a:gd name="connsiteX10" fmla="*/ 282706 w 8077200"/>
+              <a:gd name="connsiteY10" fmla="*/ 5508494 h 5791201"/>
+              <a:gd name="connsiteX11" fmla="*/ 0 w 8077200"/>
+              <a:gd name="connsiteY11" fmla="*/ 4825981 h 5791201"/>
+              <a:gd name="connsiteX12" fmla="*/ 0 w 8077200"/>
+              <a:gd name="connsiteY12" fmla="*/ 609601 h 5791201"/>
+              <a:gd name="connsiteX0" fmla="*/ 0 w 8077200"/>
+              <a:gd name="connsiteY0" fmla="*/ 609600 h 5791200"/>
+              <a:gd name="connsiteX1" fmla="*/ 152400 w 8077200"/>
+              <a:gd name="connsiteY1" fmla="*/ 152401 h 5791200"/>
+              <a:gd name="connsiteX2" fmla="*/ 533400 w 8077200"/>
+              <a:gd name="connsiteY2" fmla="*/ 1 h 5791200"/>
+              <a:gd name="connsiteX3" fmla="*/ 7111981 w 8077200"/>
+              <a:gd name="connsiteY3" fmla="*/ 0 h 5791200"/>
+              <a:gd name="connsiteX4" fmla="*/ 7794494 w 8077200"/>
+              <a:gd name="connsiteY4" fmla="*/ 282707 h 5791200"/>
+              <a:gd name="connsiteX5" fmla="*/ 8077199 w 8077200"/>
+              <a:gd name="connsiteY5" fmla="*/ 965221 h 5791200"/>
+              <a:gd name="connsiteX6" fmla="*/ 8077200 w 8077200"/>
+              <a:gd name="connsiteY6" fmla="*/ 4825981 h 5791200"/>
+              <a:gd name="connsiteX7" fmla="*/ 7794494 w 8077200"/>
+              <a:gd name="connsiteY7" fmla="*/ 5508494 h 5791200"/>
+              <a:gd name="connsiteX8" fmla="*/ 7111981 w 8077200"/>
+              <a:gd name="connsiteY8" fmla="*/ 5791200 h 5791200"/>
+              <a:gd name="connsiteX9" fmla="*/ 965219 w 8077200"/>
+              <a:gd name="connsiteY9" fmla="*/ 5791200 h 5791200"/>
+              <a:gd name="connsiteX10" fmla="*/ 282706 w 8077200"/>
+              <a:gd name="connsiteY10" fmla="*/ 5508493 h 5791200"/>
+              <a:gd name="connsiteX11" fmla="*/ 0 w 8077200"/>
+              <a:gd name="connsiteY11" fmla="*/ 4825980 h 5791200"/>
+              <a:gd name="connsiteX12" fmla="*/ 0 w 8077200"/>
+              <a:gd name="connsiteY12" fmla="*/ 609600 h 5791200"/>
+              <a:gd name="connsiteX0" fmla="*/ 0 w 8077200"/>
+              <a:gd name="connsiteY0" fmla="*/ 533400 h 5791200"/>
+              <a:gd name="connsiteX1" fmla="*/ 152400 w 8077200"/>
+              <a:gd name="connsiteY1" fmla="*/ 152401 h 5791200"/>
+              <a:gd name="connsiteX2" fmla="*/ 533400 w 8077200"/>
+              <a:gd name="connsiteY2" fmla="*/ 1 h 5791200"/>
+              <a:gd name="connsiteX3" fmla="*/ 7111981 w 8077200"/>
+              <a:gd name="connsiteY3" fmla="*/ 0 h 5791200"/>
+              <a:gd name="connsiteX4" fmla="*/ 7794494 w 8077200"/>
+              <a:gd name="connsiteY4" fmla="*/ 282707 h 5791200"/>
+              <a:gd name="connsiteX5" fmla="*/ 8077199 w 8077200"/>
+              <a:gd name="connsiteY5" fmla="*/ 965221 h 5791200"/>
+              <a:gd name="connsiteX6" fmla="*/ 8077200 w 8077200"/>
+              <a:gd name="connsiteY6" fmla="*/ 4825981 h 5791200"/>
+              <a:gd name="connsiteX7" fmla="*/ 7794494 w 8077200"/>
+              <a:gd name="connsiteY7" fmla="*/ 5508494 h 5791200"/>
+              <a:gd name="connsiteX8" fmla="*/ 7111981 w 8077200"/>
+              <a:gd name="connsiteY8" fmla="*/ 5791200 h 5791200"/>
+              <a:gd name="connsiteX9" fmla="*/ 965219 w 8077200"/>
+              <a:gd name="connsiteY9" fmla="*/ 5791200 h 5791200"/>
+              <a:gd name="connsiteX10" fmla="*/ 282706 w 8077200"/>
+              <a:gd name="connsiteY10" fmla="*/ 5508493 h 5791200"/>
+              <a:gd name="connsiteX11" fmla="*/ 0 w 8077200"/>
+              <a:gd name="connsiteY11" fmla="*/ 4825980 h 5791200"/>
+              <a:gd name="connsiteX12" fmla="*/ 0 w 8077200"/>
+              <a:gd name="connsiteY12" fmla="*/ 533400 h 5791200"/>
+              <a:gd name="connsiteX0" fmla="*/ 12700 w 8089900"/>
+              <a:gd name="connsiteY0" fmla="*/ 546100 h 5803900"/>
+              <a:gd name="connsiteX1" fmla="*/ 88900 w 8089900"/>
+              <a:gd name="connsiteY1" fmla="*/ 88900 h 5803900"/>
+              <a:gd name="connsiteX2" fmla="*/ 546100 w 8089900"/>
+              <a:gd name="connsiteY2" fmla="*/ 12701 h 5803900"/>
+              <a:gd name="connsiteX3" fmla="*/ 7124681 w 8089900"/>
+              <a:gd name="connsiteY3" fmla="*/ 12700 h 5803900"/>
+              <a:gd name="connsiteX4" fmla="*/ 7807194 w 8089900"/>
+              <a:gd name="connsiteY4" fmla="*/ 295407 h 5803900"/>
+              <a:gd name="connsiteX5" fmla="*/ 8089899 w 8089900"/>
+              <a:gd name="connsiteY5" fmla="*/ 977921 h 5803900"/>
+              <a:gd name="connsiteX6" fmla="*/ 8089900 w 8089900"/>
+              <a:gd name="connsiteY6" fmla="*/ 4838681 h 5803900"/>
+              <a:gd name="connsiteX7" fmla="*/ 7807194 w 8089900"/>
+              <a:gd name="connsiteY7" fmla="*/ 5521194 h 5803900"/>
+              <a:gd name="connsiteX8" fmla="*/ 7124681 w 8089900"/>
+              <a:gd name="connsiteY8" fmla="*/ 5803900 h 5803900"/>
+              <a:gd name="connsiteX9" fmla="*/ 977919 w 8089900"/>
+              <a:gd name="connsiteY9" fmla="*/ 5803900 h 5803900"/>
+              <a:gd name="connsiteX10" fmla="*/ 295406 w 8089900"/>
+              <a:gd name="connsiteY10" fmla="*/ 5521193 h 5803900"/>
+              <a:gd name="connsiteX11" fmla="*/ 12700 w 8089900"/>
+              <a:gd name="connsiteY11" fmla="*/ 4838680 h 5803900"/>
+              <a:gd name="connsiteX12" fmla="*/ 12700 w 8089900"/>
+              <a:gd name="connsiteY12" fmla="*/ 546100 h 5803900"/>
+              <a:gd name="connsiteX0" fmla="*/ 12700 w 8089900"/>
+              <a:gd name="connsiteY0" fmla="*/ 546100 h 5803900"/>
+              <a:gd name="connsiteX1" fmla="*/ 88900 w 8089900"/>
+              <a:gd name="connsiteY1" fmla="*/ 88900 h 5803900"/>
+              <a:gd name="connsiteX2" fmla="*/ 546100 w 8089900"/>
+              <a:gd name="connsiteY2" fmla="*/ 12701 h 5803900"/>
+              <a:gd name="connsiteX3" fmla="*/ 7124681 w 8089900"/>
+              <a:gd name="connsiteY3" fmla="*/ 12700 h 5803900"/>
+              <a:gd name="connsiteX4" fmla="*/ 7807194 w 8089900"/>
+              <a:gd name="connsiteY4" fmla="*/ 295407 h 5803900"/>
+              <a:gd name="connsiteX5" fmla="*/ 8089899 w 8089900"/>
+              <a:gd name="connsiteY5" fmla="*/ 977921 h 5803900"/>
+              <a:gd name="connsiteX6" fmla="*/ 8089900 w 8089900"/>
+              <a:gd name="connsiteY6" fmla="*/ 4838681 h 5803900"/>
+              <a:gd name="connsiteX7" fmla="*/ 7807194 w 8089900"/>
+              <a:gd name="connsiteY7" fmla="*/ 5521194 h 5803900"/>
+              <a:gd name="connsiteX8" fmla="*/ 7124681 w 8089900"/>
+              <a:gd name="connsiteY8" fmla="*/ 5803900 h 5803900"/>
+              <a:gd name="connsiteX9" fmla="*/ 977919 w 8089900"/>
+              <a:gd name="connsiteY9" fmla="*/ 5803900 h 5803900"/>
+              <a:gd name="connsiteX10" fmla="*/ 295406 w 8089900"/>
+              <a:gd name="connsiteY10" fmla="*/ 5521193 h 5803900"/>
+              <a:gd name="connsiteX11" fmla="*/ 12700 w 8089900"/>
+              <a:gd name="connsiteY11" fmla="*/ 5346700 h 5803900"/>
+              <a:gd name="connsiteX12" fmla="*/ 12700 w 8089900"/>
+              <a:gd name="connsiteY12" fmla="*/ 546100 h 5803900"/>
+              <a:gd name="connsiteX0" fmla="*/ 12700 w 8089900"/>
+              <a:gd name="connsiteY0" fmla="*/ 546100 h 5803900"/>
+              <a:gd name="connsiteX1" fmla="*/ 88900 w 8089900"/>
+              <a:gd name="connsiteY1" fmla="*/ 88900 h 5803900"/>
+              <a:gd name="connsiteX2" fmla="*/ 546100 w 8089900"/>
+              <a:gd name="connsiteY2" fmla="*/ 12701 h 5803900"/>
+              <a:gd name="connsiteX3" fmla="*/ 7124681 w 8089900"/>
+              <a:gd name="connsiteY3" fmla="*/ 12700 h 5803900"/>
+              <a:gd name="connsiteX4" fmla="*/ 7807194 w 8089900"/>
+              <a:gd name="connsiteY4" fmla="*/ 295407 h 5803900"/>
+              <a:gd name="connsiteX5" fmla="*/ 8089899 w 8089900"/>
+              <a:gd name="connsiteY5" fmla="*/ 977921 h 5803900"/>
+              <a:gd name="connsiteX6" fmla="*/ 8089900 w 8089900"/>
+              <a:gd name="connsiteY6" fmla="*/ 4838681 h 5803900"/>
+              <a:gd name="connsiteX7" fmla="*/ 7807194 w 8089900"/>
+              <a:gd name="connsiteY7" fmla="*/ 5521194 h 5803900"/>
+              <a:gd name="connsiteX8" fmla="*/ 7124681 w 8089900"/>
+              <a:gd name="connsiteY8" fmla="*/ 5803900 h 5803900"/>
+              <a:gd name="connsiteX9" fmla="*/ 546100 w 8089900"/>
+              <a:gd name="connsiteY9" fmla="*/ 5803900 h 5803900"/>
+              <a:gd name="connsiteX10" fmla="*/ 295406 w 8089900"/>
+              <a:gd name="connsiteY10" fmla="*/ 5521193 h 5803900"/>
+              <a:gd name="connsiteX11" fmla="*/ 12700 w 8089900"/>
+              <a:gd name="connsiteY11" fmla="*/ 5346700 h 5803900"/>
+              <a:gd name="connsiteX12" fmla="*/ 12700 w 8089900"/>
+              <a:gd name="connsiteY12" fmla="*/ 546100 h 5803900"/>
+              <a:gd name="connsiteX0" fmla="*/ 12700 w 8089900"/>
+              <a:gd name="connsiteY0" fmla="*/ 546100 h 5803900"/>
+              <a:gd name="connsiteX1" fmla="*/ 88900 w 8089900"/>
+              <a:gd name="connsiteY1" fmla="*/ 88900 h 5803900"/>
+              <a:gd name="connsiteX2" fmla="*/ 546100 w 8089900"/>
+              <a:gd name="connsiteY2" fmla="*/ 12701 h 5803900"/>
+              <a:gd name="connsiteX3" fmla="*/ 7124681 w 8089900"/>
+              <a:gd name="connsiteY3" fmla="*/ 12700 h 5803900"/>
+              <a:gd name="connsiteX4" fmla="*/ 7807194 w 8089900"/>
+              <a:gd name="connsiteY4" fmla="*/ 295407 h 5803900"/>
+              <a:gd name="connsiteX5" fmla="*/ 8089899 w 8089900"/>
+              <a:gd name="connsiteY5" fmla="*/ 977921 h 5803900"/>
+              <a:gd name="connsiteX6" fmla="*/ 8089900 w 8089900"/>
+              <a:gd name="connsiteY6" fmla="*/ 4838681 h 5803900"/>
+              <a:gd name="connsiteX7" fmla="*/ 7807194 w 8089900"/>
+              <a:gd name="connsiteY7" fmla="*/ 5521194 h 5803900"/>
+              <a:gd name="connsiteX8" fmla="*/ 7124681 w 8089900"/>
+              <a:gd name="connsiteY8" fmla="*/ 5803900 h 5803900"/>
+              <a:gd name="connsiteX9" fmla="*/ 546100 w 8089900"/>
+              <a:gd name="connsiteY9" fmla="*/ 5803900 h 5803900"/>
+              <a:gd name="connsiteX10" fmla="*/ 88900 w 8089900"/>
+              <a:gd name="connsiteY10" fmla="*/ 5727700 h 5803900"/>
+              <a:gd name="connsiteX11" fmla="*/ 12700 w 8089900"/>
+              <a:gd name="connsiteY11" fmla="*/ 5346700 h 5803900"/>
+              <a:gd name="connsiteX12" fmla="*/ 12700 w 8089900"/>
+              <a:gd name="connsiteY12" fmla="*/ 546100 h 5803900"/>
+              <a:gd name="connsiteX0" fmla="*/ 12700 w 8089900"/>
+              <a:gd name="connsiteY0" fmla="*/ 546100 h 5803900"/>
+              <a:gd name="connsiteX1" fmla="*/ 88900 w 8089900"/>
+              <a:gd name="connsiteY1" fmla="*/ 88900 h 5803900"/>
+              <a:gd name="connsiteX2" fmla="*/ 546100 w 8089900"/>
+              <a:gd name="connsiteY2" fmla="*/ 12701 h 5803900"/>
+              <a:gd name="connsiteX3" fmla="*/ 7556500 w 8089900"/>
+              <a:gd name="connsiteY3" fmla="*/ 12700 h 5803900"/>
+              <a:gd name="connsiteX4" fmla="*/ 7807194 w 8089900"/>
+              <a:gd name="connsiteY4" fmla="*/ 295407 h 5803900"/>
+              <a:gd name="connsiteX5" fmla="*/ 8089899 w 8089900"/>
+              <a:gd name="connsiteY5" fmla="*/ 977921 h 5803900"/>
+              <a:gd name="connsiteX6" fmla="*/ 8089900 w 8089900"/>
+              <a:gd name="connsiteY6" fmla="*/ 4838681 h 5803900"/>
+              <a:gd name="connsiteX7" fmla="*/ 7807194 w 8089900"/>
+              <a:gd name="connsiteY7" fmla="*/ 5521194 h 5803900"/>
+              <a:gd name="connsiteX8" fmla="*/ 7124681 w 8089900"/>
+              <a:gd name="connsiteY8" fmla="*/ 5803900 h 5803900"/>
+              <a:gd name="connsiteX9" fmla="*/ 546100 w 8089900"/>
+              <a:gd name="connsiteY9" fmla="*/ 5803900 h 5803900"/>
+              <a:gd name="connsiteX10" fmla="*/ 88900 w 8089900"/>
+              <a:gd name="connsiteY10" fmla="*/ 5727700 h 5803900"/>
+              <a:gd name="connsiteX11" fmla="*/ 12700 w 8089900"/>
+              <a:gd name="connsiteY11" fmla="*/ 5346700 h 5803900"/>
+              <a:gd name="connsiteX12" fmla="*/ 12700 w 8089900"/>
+              <a:gd name="connsiteY12" fmla="*/ 546100 h 5803900"/>
+              <a:gd name="connsiteX0" fmla="*/ 12700 w 8089901"/>
+              <a:gd name="connsiteY0" fmla="*/ 546100 h 5803900"/>
+              <a:gd name="connsiteX1" fmla="*/ 88900 w 8089901"/>
+              <a:gd name="connsiteY1" fmla="*/ 88900 h 5803900"/>
+              <a:gd name="connsiteX2" fmla="*/ 546100 w 8089901"/>
+              <a:gd name="connsiteY2" fmla="*/ 12701 h 5803900"/>
+              <a:gd name="connsiteX3" fmla="*/ 7556500 w 8089901"/>
+              <a:gd name="connsiteY3" fmla="*/ 12700 h 5803900"/>
+              <a:gd name="connsiteX4" fmla="*/ 7807194 w 8089901"/>
+              <a:gd name="connsiteY4" fmla="*/ 295407 h 5803900"/>
+              <a:gd name="connsiteX5" fmla="*/ 8089900 w 8089901"/>
+              <a:gd name="connsiteY5" fmla="*/ 469900 h 5803900"/>
+              <a:gd name="connsiteX6" fmla="*/ 8089900 w 8089901"/>
+              <a:gd name="connsiteY6" fmla="*/ 4838681 h 5803900"/>
+              <a:gd name="connsiteX7" fmla="*/ 7807194 w 8089901"/>
+              <a:gd name="connsiteY7" fmla="*/ 5521194 h 5803900"/>
+              <a:gd name="connsiteX8" fmla="*/ 7124681 w 8089901"/>
+              <a:gd name="connsiteY8" fmla="*/ 5803900 h 5803900"/>
+              <a:gd name="connsiteX9" fmla="*/ 546100 w 8089901"/>
+              <a:gd name="connsiteY9" fmla="*/ 5803900 h 5803900"/>
+              <a:gd name="connsiteX10" fmla="*/ 88900 w 8089901"/>
+              <a:gd name="connsiteY10" fmla="*/ 5727700 h 5803900"/>
+              <a:gd name="connsiteX11" fmla="*/ 12700 w 8089901"/>
+              <a:gd name="connsiteY11" fmla="*/ 5346700 h 5803900"/>
+              <a:gd name="connsiteX12" fmla="*/ 12700 w 8089901"/>
+              <a:gd name="connsiteY12" fmla="*/ 546100 h 5803900"/>
+              <a:gd name="connsiteX0" fmla="*/ 12700 w 8102600"/>
+              <a:gd name="connsiteY0" fmla="*/ 546100 h 5803900"/>
+              <a:gd name="connsiteX1" fmla="*/ 88900 w 8102600"/>
+              <a:gd name="connsiteY1" fmla="*/ 88900 h 5803900"/>
+              <a:gd name="connsiteX2" fmla="*/ 546100 w 8102600"/>
+              <a:gd name="connsiteY2" fmla="*/ 12701 h 5803900"/>
+              <a:gd name="connsiteX3" fmla="*/ 7556500 w 8102600"/>
+              <a:gd name="connsiteY3" fmla="*/ 12700 h 5803900"/>
+              <a:gd name="connsiteX4" fmla="*/ 8013700 w 8102600"/>
+              <a:gd name="connsiteY4" fmla="*/ 88900 h 5803900"/>
+              <a:gd name="connsiteX5" fmla="*/ 8089900 w 8102600"/>
+              <a:gd name="connsiteY5" fmla="*/ 469900 h 5803900"/>
+              <a:gd name="connsiteX6" fmla="*/ 8089900 w 8102600"/>
+              <a:gd name="connsiteY6" fmla="*/ 4838681 h 5803900"/>
+              <a:gd name="connsiteX7" fmla="*/ 7807194 w 8102600"/>
+              <a:gd name="connsiteY7" fmla="*/ 5521194 h 5803900"/>
+              <a:gd name="connsiteX8" fmla="*/ 7124681 w 8102600"/>
+              <a:gd name="connsiteY8" fmla="*/ 5803900 h 5803900"/>
+              <a:gd name="connsiteX9" fmla="*/ 546100 w 8102600"/>
+              <a:gd name="connsiteY9" fmla="*/ 5803900 h 5803900"/>
+              <a:gd name="connsiteX10" fmla="*/ 88900 w 8102600"/>
+              <a:gd name="connsiteY10" fmla="*/ 5727700 h 5803900"/>
+              <a:gd name="connsiteX11" fmla="*/ 12700 w 8102600"/>
+              <a:gd name="connsiteY11" fmla="*/ 5346700 h 5803900"/>
+              <a:gd name="connsiteX12" fmla="*/ 12700 w 8102600"/>
+              <a:gd name="connsiteY12" fmla="*/ 546100 h 5803900"/>
+              <a:gd name="connsiteX0" fmla="*/ 12700 w 8102600"/>
+              <a:gd name="connsiteY0" fmla="*/ 546100 h 5803900"/>
+              <a:gd name="connsiteX1" fmla="*/ 88900 w 8102600"/>
+              <a:gd name="connsiteY1" fmla="*/ 88900 h 5803900"/>
+              <a:gd name="connsiteX2" fmla="*/ 546100 w 8102600"/>
+              <a:gd name="connsiteY2" fmla="*/ 12701 h 5803900"/>
+              <a:gd name="connsiteX3" fmla="*/ 7556500 w 8102600"/>
+              <a:gd name="connsiteY3" fmla="*/ 12700 h 5803900"/>
+              <a:gd name="connsiteX4" fmla="*/ 8013700 w 8102600"/>
+              <a:gd name="connsiteY4" fmla="*/ 88900 h 5803900"/>
+              <a:gd name="connsiteX5" fmla="*/ 8089899 w 8102600"/>
+              <a:gd name="connsiteY5" fmla="*/ 469900 h 5803900"/>
+              <a:gd name="connsiteX6" fmla="*/ 8089900 w 8102600"/>
+              <a:gd name="connsiteY6" fmla="*/ 4838681 h 5803900"/>
+              <a:gd name="connsiteX7" fmla="*/ 7807194 w 8102600"/>
+              <a:gd name="connsiteY7" fmla="*/ 5521194 h 5803900"/>
+              <a:gd name="connsiteX8" fmla="*/ 7124681 w 8102600"/>
+              <a:gd name="connsiteY8" fmla="*/ 5803900 h 5803900"/>
+              <a:gd name="connsiteX9" fmla="*/ 546100 w 8102600"/>
+              <a:gd name="connsiteY9" fmla="*/ 5803900 h 5803900"/>
+              <a:gd name="connsiteX10" fmla="*/ 88900 w 8102600"/>
+              <a:gd name="connsiteY10" fmla="*/ 5727700 h 5803900"/>
+              <a:gd name="connsiteX11" fmla="*/ 12700 w 8102600"/>
+              <a:gd name="connsiteY11" fmla="*/ 5346700 h 5803900"/>
+              <a:gd name="connsiteX12" fmla="*/ 12700 w 8102600"/>
+              <a:gd name="connsiteY12" fmla="*/ 546100 h 5803900"/>
+              <a:gd name="connsiteX0" fmla="*/ 12700 w 8102599"/>
+              <a:gd name="connsiteY0" fmla="*/ 546100 h 5803900"/>
+              <a:gd name="connsiteX1" fmla="*/ 88900 w 8102599"/>
+              <a:gd name="connsiteY1" fmla="*/ 88900 h 5803900"/>
+              <a:gd name="connsiteX2" fmla="*/ 546100 w 8102599"/>
+              <a:gd name="connsiteY2" fmla="*/ 12701 h 5803900"/>
+              <a:gd name="connsiteX3" fmla="*/ 7556500 w 8102599"/>
+              <a:gd name="connsiteY3" fmla="*/ 12700 h 5803900"/>
+              <a:gd name="connsiteX4" fmla="*/ 8013699 w 8102599"/>
+              <a:gd name="connsiteY4" fmla="*/ 88900 h 5803900"/>
+              <a:gd name="connsiteX5" fmla="*/ 8089899 w 8102599"/>
+              <a:gd name="connsiteY5" fmla="*/ 469900 h 5803900"/>
+              <a:gd name="connsiteX6" fmla="*/ 8089900 w 8102599"/>
+              <a:gd name="connsiteY6" fmla="*/ 4838681 h 5803900"/>
+              <a:gd name="connsiteX7" fmla="*/ 7807194 w 8102599"/>
+              <a:gd name="connsiteY7" fmla="*/ 5521194 h 5803900"/>
+              <a:gd name="connsiteX8" fmla="*/ 7124681 w 8102599"/>
+              <a:gd name="connsiteY8" fmla="*/ 5803900 h 5803900"/>
+              <a:gd name="connsiteX9" fmla="*/ 546100 w 8102599"/>
+              <a:gd name="connsiteY9" fmla="*/ 5803900 h 5803900"/>
+              <a:gd name="connsiteX10" fmla="*/ 88900 w 8102599"/>
+              <a:gd name="connsiteY10" fmla="*/ 5727700 h 5803900"/>
+              <a:gd name="connsiteX11" fmla="*/ 12700 w 8102599"/>
+              <a:gd name="connsiteY11" fmla="*/ 5346700 h 5803900"/>
+              <a:gd name="connsiteX12" fmla="*/ 12700 w 8102599"/>
+              <a:gd name="connsiteY12" fmla="*/ 546100 h 5803900"/>
+              <a:gd name="connsiteX0" fmla="*/ 12700 w 8102599"/>
+              <a:gd name="connsiteY0" fmla="*/ 546100 h 5803900"/>
+              <a:gd name="connsiteX1" fmla="*/ 88900 w 8102599"/>
+              <a:gd name="connsiteY1" fmla="*/ 88900 h 5803900"/>
+              <a:gd name="connsiteX2" fmla="*/ 546100 w 8102599"/>
+              <a:gd name="connsiteY2" fmla="*/ 12701 h 5803900"/>
+              <a:gd name="connsiteX3" fmla="*/ 7556500 w 8102599"/>
+              <a:gd name="connsiteY3" fmla="*/ 12700 h 5803900"/>
+              <a:gd name="connsiteX4" fmla="*/ 8013699 w 8102599"/>
+              <a:gd name="connsiteY4" fmla="*/ 88900 h 5803900"/>
+              <a:gd name="connsiteX5" fmla="*/ 8089899 w 8102599"/>
+              <a:gd name="connsiteY5" fmla="*/ 469900 h 5803900"/>
+              <a:gd name="connsiteX6" fmla="*/ 8089900 w 8102599"/>
+              <a:gd name="connsiteY6" fmla="*/ 5346700 h 5803900"/>
+              <a:gd name="connsiteX7" fmla="*/ 7807194 w 8102599"/>
+              <a:gd name="connsiteY7" fmla="*/ 5521194 h 5803900"/>
+              <a:gd name="connsiteX8" fmla="*/ 7124681 w 8102599"/>
+              <a:gd name="connsiteY8" fmla="*/ 5803900 h 5803900"/>
+              <a:gd name="connsiteX9" fmla="*/ 546100 w 8102599"/>
+              <a:gd name="connsiteY9" fmla="*/ 5803900 h 5803900"/>
+              <a:gd name="connsiteX10" fmla="*/ 88900 w 8102599"/>
+              <a:gd name="connsiteY10" fmla="*/ 5727700 h 5803900"/>
+              <a:gd name="connsiteX11" fmla="*/ 12700 w 8102599"/>
+              <a:gd name="connsiteY11" fmla="*/ 5346700 h 5803900"/>
+              <a:gd name="connsiteX12" fmla="*/ 12700 w 8102599"/>
+              <a:gd name="connsiteY12" fmla="*/ 546100 h 5803900"/>
+              <a:gd name="connsiteX0" fmla="*/ 12700 w 8102599"/>
+              <a:gd name="connsiteY0" fmla="*/ 546100 h 5803900"/>
+              <a:gd name="connsiteX1" fmla="*/ 88900 w 8102599"/>
+              <a:gd name="connsiteY1" fmla="*/ 88900 h 5803900"/>
+              <a:gd name="connsiteX2" fmla="*/ 546100 w 8102599"/>
+              <a:gd name="connsiteY2" fmla="*/ 12701 h 5803900"/>
+              <a:gd name="connsiteX3" fmla="*/ 7556500 w 8102599"/>
+              <a:gd name="connsiteY3" fmla="*/ 12700 h 5803900"/>
+              <a:gd name="connsiteX4" fmla="*/ 8013699 w 8102599"/>
+              <a:gd name="connsiteY4" fmla="*/ 88900 h 5803900"/>
+              <a:gd name="connsiteX5" fmla="*/ 8089899 w 8102599"/>
+              <a:gd name="connsiteY5" fmla="*/ 469900 h 5803900"/>
+              <a:gd name="connsiteX6" fmla="*/ 8089900 w 8102599"/>
+              <a:gd name="connsiteY6" fmla="*/ 5346700 h 5803900"/>
+              <a:gd name="connsiteX7" fmla="*/ 7807194 w 8102599"/>
+              <a:gd name="connsiteY7" fmla="*/ 5521194 h 5803900"/>
+              <a:gd name="connsiteX8" fmla="*/ 7632700 w 8102599"/>
+              <a:gd name="connsiteY8" fmla="*/ 5803900 h 5803900"/>
+              <a:gd name="connsiteX9" fmla="*/ 546100 w 8102599"/>
+              <a:gd name="connsiteY9" fmla="*/ 5803900 h 5803900"/>
+              <a:gd name="connsiteX10" fmla="*/ 88900 w 8102599"/>
+              <a:gd name="connsiteY10" fmla="*/ 5727700 h 5803900"/>
+              <a:gd name="connsiteX11" fmla="*/ 12700 w 8102599"/>
+              <a:gd name="connsiteY11" fmla="*/ 5346700 h 5803900"/>
+              <a:gd name="connsiteX12" fmla="*/ 12700 w 8102599"/>
+              <a:gd name="connsiteY12" fmla="*/ 546100 h 5803900"/>
+              <a:gd name="connsiteX0" fmla="*/ 12700 w 8102599"/>
+              <a:gd name="connsiteY0" fmla="*/ 546100 h 5803900"/>
+              <a:gd name="connsiteX1" fmla="*/ 88900 w 8102599"/>
+              <a:gd name="connsiteY1" fmla="*/ 88900 h 5803900"/>
+              <a:gd name="connsiteX2" fmla="*/ 546100 w 8102599"/>
+              <a:gd name="connsiteY2" fmla="*/ 12701 h 5803900"/>
+              <a:gd name="connsiteX3" fmla="*/ 7556500 w 8102599"/>
+              <a:gd name="connsiteY3" fmla="*/ 12700 h 5803900"/>
+              <a:gd name="connsiteX4" fmla="*/ 8013699 w 8102599"/>
+              <a:gd name="connsiteY4" fmla="*/ 88900 h 5803900"/>
+              <a:gd name="connsiteX5" fmla="*/ 8089899 w 8102599"/>
+              <a:gd name="connsiteY5" fmla="*/ 469900 h 5803900"/>
+              <a:gd name="connsiteX6" fmla="*/ 8089900 w 8102599"/>
+              <a:gd name="connsiteY6" fmla="*/ 5346700 h 5803900"/>
+              <a:gd name="connsiteX7" fmla="*/ 8013700 w 8102599"/>
+              <a:gd name="connsiteY7" fmla="*/ 5727700 h 5803900"/>
+              <a:gd name="connsiteX8" fmla="*/ 7632700 w 8102599"/>
+              <a:gd name="connsiteY8" fmla="*/ 5803900 h 5803900"/>
+              <a:gd name="connsiteX9" fmla="*/ 546100 w 8102599"/>
+              <a:gd name="connsiteY9" fmla="*/ 5803900 h 5803900"/>
+              <a:gd name="connsiteX10" fmla="*/ 88900 w 8102599"/>
+              <a:gd name="connsiteY10" fmla="*/ 5727700 h 5803900"/>
+              <a:gd name="connsiteX11" fmla="*/ 12700 w 8102599"/>
+              <a:gd name="connsiteY11" fmla="*/ 5346700 h 5803900"/>
+              <a:gd name="connsiteX12" fmla="*/ 12700 w 8102599"/>
+              <a:gd name="connsiteY12" fmla="*/ 546100 h 5803900"/>
+            </a:gdLst>
+            <a:ahLst/>
+            <a:cxnLst>
+              <a:cxn ang="0">
+                <a:pos x="connsiteX0" y="connsiteY0"/>
+              </a:cxn>
+              <a:cxn ang="0">
+                <a:pos x="connsiteX1" y="connsiteY1"/>
+              </a:cxn>
+              <a:cxn ang="0">
+                <a:pos x="connsiteX2" y="connsiteY2"/>
+              </a:cxn>
+              <a:cxn ang="0">
+                <a:pos x="connsiteX3" y="connsiteY3"/>
+              </a:cxn>
+              <a:cxn ang="0">
+                <a:pos x="connsiteX4" y="connsiteY4"/>
+              </a:cxn>
+              <a:cxn ang="0">
+                <a:pos x="connsiteX5" y="connsiteY5"/>
+              </a:cxn>
+              <a:cxn ang="0">
+                <a:pos x="connsiteX6" y="connsiteY6"/>
+              </a:cxn>
+              <a:cxn ang="0">
+                <a:pos x="connsiteX7" y="connsiteY7"/>
+              </a:cxn>
+              <a:cxn ang="0">
+                <a:pos x="connsiteX8" y="connsiteY8"/>
+              </a:cxn>
+              <a:cxn ang="0">
+                <a:pos x="connsiteX9" y="connsiteY9"/>
+              </a:cxn>
+              <a:cxn ang="0">
+                <a:pos x="connsiteX10" y="connsiteY10"/>
+              </a:cxn>
+              <a:cxn ang="0">
+                <a:pos x="connsiteX11" y="connsiteY11"/>
+              </a:cxn>
+              <a:cxn ang="0">
+                <a:pos x="connsiteX12" y="connsiteY12"/>
+              </a:cxn>
+            </a:cxnLst>
+            <a:rect l="l" t="t" r="r" b="b"/>
+            <a:pathLst>
+              <a:path w="8102599" h="5803900">
+                <a:moveTo>
+                  <a:pt x="12700" y="546100"/>
+                </a:moveTo>
+                <a:cubicBezTo>
+                  <a:pt x="12700" y="290108"/>
+                  <a:pt x="0" y="177800"/>
+                  <a:pt x="88900" y="88900"/>
+                </a:cubicBezTo>
+                <a:cubicBezTo>
+                  <a:pt x="177800" y="0"/>
+                  <a:pt x="290107" y="12700"/>
+                  <a:pt x="546100" y="12701"/>
+                </a:cubicBezTo>
+                <a:lnTo>
+                  <a:pt x="7556500" y="12700"/>
+                </a:lnTo>
+                <a:cubicBezTo>
+                  <a:pt x="7812492" y="12700"/>
+                  <a:pt x="7924799" y="12700"/>
+                  <a:pt x="8013699" y="88900"/>
+                </a:cubicBezTo>
+                <a:cubicBezTo>
+                  <a:pt x="8102599" y="165100"/>
+                  <a:pt x="8089900" y="213907"/>
+                  <a:pt x="8089899" y="469900"/>
+                </a:cubicBezTo>
+                <a:cubicBezTo>
+                  <a:pt x="8089899" y="1926160"/>
+                  <a:pt x="8089900" y="3890440"/>
+                  <a:pt x="8089900" y="5346700"/>
+                </a:cubicBezTo>
+                <a:cubicBezTo>
+                  <a:pt x="8089900" y="5602692"/>
+                  <a:pt x="8089900" y="5651500"/>
+                  <a:pt x="8013700" y="5727700"/>
+                </a:cubicBezTo>
+                <a:cubicBezTo>
+                  <a:pt x="7937500" y="5803900"/>
+                  <a:pt x="7888692" y="5803900"/>
+                  <a:pt x="7632700" y="5803900"/>
+                </a:cubicBezTo>
+                <a:lnTo>
+                  <a:pt x="546100" y="5803900"/>
+                </a:lnTo>
+                <a:cubicBezTo>
+                  <a:pt x="290108" y="5803900"/>
+                  <a:pt x="177800" y="5803900"/>
+                  <a:pt x="88900" y="5727700"/>
+                </a:cubicBezTo>
+                <a:cubicBezTo>
+                  <a:pt x="0" y="5651500"/>
+                  <a:pt x="12700" y="5602692"/>
+                  <a:pt x="12700" y="5346700"/>
+                </a:cubicBezTo>
+                <a:lnTo>
+                  <a:pt x="12700" y="546100"/>
+                </a:lnTo>
+                <a:close/>
+              </a:path>
+            </a:pathLst>
+          </a:custGeom>
+          <a:gradFill>
+            <a:gsLst>
+              <a:gs pos="0">
+                <a:schemeClr val="bg1">
+                  <a:lumMod val="50000"/>
+                </a:schemeClr>
+              </a:gs>
+              <a:gs pos="39999">
+                <a:schemeClr val="bg1">
+                  <a:lumMod val="65000"/>
+                </a:schemeClr>
+              </a:gs>
+              <a:gs pos="70000">
+                <a:schemeClr val="bg1">
+                  <a:lumMod val="50000"/>
+                  <a:alpha val="73000"/>
+                </a:schemeClr>
+              </a:gs>
+            </a:gsLst>
+            <a:lin ang="5400000" scaled="0"/>
+          </a:gradFill>
+          <a:ln>
+            <a:solidFill>
+              <a:schemeClr val="bg1">
+                <a:lumMod val="75000"/>
+              </a:schemeClr>
+            </a:solidFill>
+          </a:ln>
+        </p:spPr>
+        <p:style>
+          <a:lnRef idx="2">
+            <a:schemeClr val="accent1">
+              <a:shade val="50000"/>
+            </a:schemeClr>
+          </a:lnRef>
+          <a:fillRef idx="1">
+            <a:schemeClr val="accent1"/>
+          </a:fillRef>
+          <a:effectRef idx="0">
+            <a:schemeClr val="accent1"/>
+          </a:effectRef>
+          <a:fontRef idx="minor">
+            <a:schemeClr val="lt1"/>
+          </a:fontRef>
+        </p:style>
+        <p:txBody>
+          <a:bodyPr rtlCol="0" anchor="ctr"/>
+          <a:lstStyle/>
+          <a:p>
+            <a:pPr fontAlgn="t"/>
+            <a:endParaRPr lang="es-AR" b="1" dirty="0" smtClean="0"/>
+          </a:p>
+          <a:p>
+            <a:pPr algn="ctr"/>
+            <a:endParaRPr lang="es-AR" dirty="0"/>
+          </a:p>
+        </p:txBody>
+      </p:sp>
+      <p:sp>
+        <p:nvSpPr>
+          <p:cNvPr id="14" name="TextBox 13"/>
+          <p:cNvSpPr txBox="1"/>
+          <p:nvPr/>
+        </p:nvSpPr>
+        <p:spPr>
+          <a:xfrm>
+            <a:off x="2514600" y="3276600"/>
+            <a:ext cx="3733800" cy="523220"/>
+          </a:xfrm>
+          <a:prstGeom prst="rect">
+            <a:avLst/>
+          </a:prstGeom>
+          <a:noFill/>
+        </p:spPr>
+        <p:txBody>
+          <a:bodyPr wrap="square" rtlCol="0">
+            <a:spAutoFit/>
+          </a:bodyPr>
+          <a:lstStyle/>
+          <a:p>
+            <a:endParaRPr lang="es-AR" sz="2800" i="1" dirty="0">
+              <a:solidFill>
+                <a:schemeClr val="bg1"/>
+              </a:solidFill>
+            </a:endParaRPr>
+          </a:p>
+        </p:txBody>
+      </p:sp>
+      <p:grpSp>
+        <p:nvGrpSpPr>
+          <p:cNvPr id="3" name="Group 14"/>
+          <p:cNvGrpSpPr/>
+          <p:nvPr/>
+        </p:nvGrpSpPr>
+        <p:grpSpPr>
+          <a:xfrm>
+            <a:off x="1295400" y="544415"/>
+            <a:ext cx="6553200" cy="903384"/>
+            <a:chOff x="1295400" y="544415"/>
+            <a:chExt cx="6553200" cy="903384"/>
+          </a:xfrm>
+        </p:grpSpPr>
+        <p:sp>
+          <p:nvSpPr>
+            <p:cNvPr id="16" name="Round Same Side Corner Rectangle 15"/>
+            <p:cNvSpPr/>
+            <p:nvPr/>
+          </p:nvSpPr>
+          <p:spPr>
+            <a:xfrm rot="10800000">
+              <a:off x="1295400" y="544415"/>
+              <a:ext cx="6553200" cy="903384"/>
+            </a:xfrm>
+            <a:prstGeom prst="round2SameRect">
+              <a:avLst/>
+            </a:prstGeom>
+          </p:spPr>
+          <p:style>
+            <a:lnRef idx="2">
+              <a:schemeClr val="dk1">
+                <a:shade val="50000"/>
+              </a:schemeClr>
+            </a:lnRef>
+            <a:fillRef idx="1">
+              <a:schemeClr val="dk1"/>
+            </a:fillRef>
+            <a:effectRef idx="0">
+              <a:schemeClr val="dk1"/>
+            </a:effectRef>
+            <a:fontRef idx="minor">
+              <a:schemeClr val="lt1"/>
+            </a:fontRef>
+          </p:style>
+          <p:txBody>
+            <a:bodyPr rtlCol="0" anchor="ctr"/>
+            <a:lstStyle/>
+            <a:p>
+              <a:pPr algn="ctr"/>
+              <a:endParaRPr lang="es-AR" dirty="0"/>
+            </a:p>
+          </p:txBody>
+        </p:sp>
+        <p:pic>
+          <p:nvPicPr>
+            <p:cNvPr id="17" name="Picture 2" descr="E:\U.B.A.Files\Materias\75.45 Taller de Desarrollo de Proyectos I\TP\Trunk\Proyecto\web\site\images\logo.png"/>
+            <p:cNvPicPr>
+              <a:picLocks noChangeAspect="1" noChangeArrowheads="1"/>
+            </p:cNvPicPr>
+            <p:nvPr/>
+          </p:nvPicPr>
+          <p:blipFill>
+            <a:blip r:embed="rId3" cstate="print"/>
+            <a:srcRect/>
+            <a:stretch>
+              <a:fillRect/>
+            </a:stretch>
+          </p:blipFill>
+          <p:spPr bwMode="auto">
+            <a:xfrm>
+              <a:off x="1600200" y="609600"/>
+              <a:ext cx="2640904" cy="762000"/>
+            </a:xfrm>
+            <a:prstGeom prst="rect">
+              <a:avLst/>
+            </a:prstGeom>
+            <a:noFill/>
+          </p:spPr>
+        </p:pic>
+        <p:sp>
+          <p:nvSpPr>
+            <p:cNvPr id="18" name="TextBox 17"/>
+            <p:cNvSpPr txBox="1"/>
+            <p:nvPr/>
+          </p:nvSpPr>
+          <p:spPr>
+            <a:xfrm>
+              <a:off x="4515457" y="685800"/>
+              <a:ext cx="3180743" cy="307777"/>
+            </a:xfrm>
+            <a:prstGeom prst="rect">
+              <a:avLst/>
+            </a:prstGeom>
+            <a:noFill/>
+          </p:spPr>
+          <p:txBody>
+            <a:bodyPr wrap="none" rtlCol="0">
+              <a:spAutoFit/>
+            </a:bodyPr>
+            <a:lstStyle/>
+            <a:p>
+              <a:r>
+                <a:rPr lang="es-AR" sz="1400" dirty="0" smtClean="0">
+                  <a:solidFill>
+                    <a:schemeClr val="bg1">
+                      <a:lumMod val="50000"/>
+                    </a:schemeClr>
+                  </a:solidFill>
+                </a:rPr>
+                <a:t>Centralización y análisis de datos</a:t>
+              </a:r>
+              <a:endParaRPr lang="es-AR" sz="1400" dirty="0">
+                <a:solidFill>
+                  <a:schemeClr val="bg1">
+                    <a:lumMod val="50000"/>
+                  </a:schemeClr>
+                </a:solidFill>
+              </a:endParaRPr>
+            </a:p>
+          </p:txBody>
+        </p:sp>
+      </p:grpSp>
+      <p:pic>
+        <p:nvPicPr>
+          <p:cNvPr id="19" name="18 Imagen" descr="Informe2.png">
+            <a:hlinkClick r:id="rId4" action="ppaction://hlinksldjump"/>
+          </p:cNvPr>
+          <p:cNvPicPr>
+            <a:picLocks noChangeAspect="1"/>
+          </p:cNvPicPr>
+          <p:nvPr/>
+        </p:nvPicPr>
+        <p:blipFill>
+          <a:blip r:embed="rId5"/>
+          <a:stretch>
+            <a:fillRect/>
+          </a:stretch>
+        </p:blipFill>
+        <p:spPr>
+          <a:xfrm>
+            <a:off x="1708288" y="1711948"/>
+            <a:ext cx="5835512" cy="4307852"/>
+          </a:xfrm>
+          <a:prstGeom prst="rect">
+            <a:avLst/>
+          </a:prstGeom>
+        </p:spPr>
+      </p:pic>
+    </p:spTree>
+  </p:cSld>
+  <p:clrMapOvr>
+    <a:masterClrMapping/>
+  </p:clrMapOvr>
+  <p:timing>
+    <p:tnLst>
+      <p:par>
+        <p:cTn id="1" dur="indefinite" restart="never" nodeType="tmRoot"/>
+      </p:par>
+    </p:tnLst>
+  </p:timing>
+</p:sld>
+</file>
+
+<file path=ppt/slides/slide14.xml><?xml version="1.0" encoding="utf-8"?>
+<p:sld xmlns:a="http://schemas.openxmlformats.org/drawingml/2006/main" xmlns:r="http://schemas.openxmlformats.org/officeDocument/2006/relationships" xmlns:p="http://schemas.openxmlformats.org/presentationml/2006/main">
+  <p:cSld>
+    <p:spTree>
+      <p:nvGrpSpPr>
+        <p:cNvPr id="1" name=""/>
+        <p:cNvGrpSpPr/>
+        <p:nvPr/>
+      </p:nvGrpSpPr>
+      <p:grpSpPr>
+        <a:xfrm>
+          <a:off x="0" y="0"/>
+          <a:ext cx="0" cy="0"/>
+          <a:chOff x="0" y="0"/>
+          <a:chExt cx="0" cy="0"/>
+        </a:xfrm>
+      </p:grpSpPr>
+      <p:grpSp>
+        <p:nvGrpSpPr>
+          <p:cNvPr id="2" name="Group 22"/>
+          <p:cNvGrpSpPr/>
+          <p:nvPr/>
+        </p:nvGrpSpPr>
+        <p:grpSpPr>
+          <a:xfrm>
+            <a:off x="304800" y="304800"/>
+            <a:ext cx="8534400" cy="6248400"/>
+            <a:chOff x="304800" y="304800"/>
+            <a:chExt cx="8534400" cy="6248400"/>
+          </a:xfrm>
+          <a:solidFill>
+            <a:schemeClr val="bg1">
+              <a:lumMod val="85000"/>
+            </a:schemeClr>
+          </a:solidFill>
+        </p:grpSpPr>
+        <p:sp>
+          <p:nvSpPr>
+            <p:cNvPr id="4" name="Rounded Rectangle 3"/>
+            <p:cNvSpPr/>
+            <p:nvPr/>
+          </p:nvSpPr>
+          <p:spPr>
+            <a:xfrm>
+              <a:off x="304800" y="304800"/>
+              <a:ext cx="8534400" cy="6248400"/>
+            </a:xfrm>
+            <a:prstGeom prst="roundRect">
+              <a:avLst/>
+            </a:prstGeom>
+            <a:grpFill/>
+            <a:ln>
+              <a:noFill/>
+            </a:ln>
+          </p:spPr>
+          <p:style>
+            <a:lnRef idx="2">
+              <a:schemeClr val="accent1">
+                <a:shade val="50000"/>
+              </a:schemeClr>
+            </a:lnRef>
+            <a:fillRef idx="1">
+              <a:schemeClr val="accent1"/>
+            </a:fillRef>
+            <a:effectRef idx="0">
+              <a:schemeClr val="accent1"/>
+            </a:effectRef>
+            <a:fontRef idx="minor">
+              <a:schemeClr val="lt1"/>
+            </a:fontRef>
+          </p:style>
+          <p:txBody>
+            <a:bodyPr rtlCol="0" anchor="ctr"/>
+            <a:lstStyle/>
+            <a:p>
+              <a:pPr algn="ctr"/>
+              <a:endParaRPr lang="es-AR"/>
+            </a:p>
+          </p:txBody>
+        </p:sp>
+        <p:sp>
+          <p:nvSpPr>
+            <p:cNvPr id="5" name="Rounded Rectangle 4"/>
+            <p:cNvSpPr/>
+            <p:nvPr/>
+          </p:nvSpPr>
+          <p:spPr>
+            <a:xfrm>
+              <a:off x="7086600" y="304800"/>
+              <a:ext cx="1752600" cy="1752600"/>
+            </a:xfrm>
+            <a:prstGeom prst="roundRect">
+              <a:avLst/>
+            </a:prstGeom>
+            <a:grpFill/>
+            <a:ln>
+              <a:noFill/>
+            </a:ln>
+          </p:spPr>
+          <p:style>
+            <a:lnRef idx="2">
+              <a:schemeClr val="accent1">
+                <a:shade val="50000"/>
+              </a:schemeClr>
+            </a:lnRef>
+            <a:fillRef idx="1">
+              <a:schemeClr val="accent1"/>
+            </a:fillRef>
+            <a:effectRef idx="0">
+              <a:schemeClr val="accent1"/>
+            </a:effectRef>
+            <a:fontRef idx="minor">
+              <a:schemeClr val="lt1"/>
+            </a:fontRef>
+          </p:style>
+          <p:txBody>
+            <a:bodyPr rtlCol="0" anchor="ctr"/>
+            <a:lstStyle/>
+            <a:p>
+              <a:pPr algn="ctr"/>
+              <a:endParaRPr lang="es-AR"/>
+            </a:p>
+          </p:txBody>
+        </p:sp>
+        <p:sp>
+          <p:nvSpPr>
+            <p:cNvPr id="6" name="Rounded Rectangle 5"/>
+            <p:cNvSpPr/>
+            <p:nvPr/>
+          </p:nvSpPr>
+          <p:spPr>
+            <a:xfrm>
+              <a:off x="304800" y="304800"/>
+              <a:ext cx="1752600" cy="1752600"/>
+            </a:xfrm>
+            <a:prstGeom prst="roundRect">
+              <a:avLst/>
+            </a:prstGeom>
+            <a:grpFill/>
+            <a:ln>
+              <a:noFill/>
+            </a:ln>
+          </p:spPr>
+          <p:style>
+            <a:lnRef idx="2">
+              <a:schemeClr val="accent1">
+                <a:shade val="50000"/>
+              </a:schemeClr>
+            </a:lnRef>
+            <a:fillRef idx="1">
+              <a:schemeClr val="accent1"/>
+            </a:fillRef>
+            <a:effectRef idx="0">
+              <a:schemeClr val="accent1"/>
+            </a:effectRef>
+            <a:fontRef idx="minor">
+              <a:schemeClr val="lt1"/>
+            </a:fontRef>
+          </p:style>
+          <p:txBody>
+            <a:bodyPr rtlCol="0" anchor="ctr"/>
+            <a:lstStyle/>
+            <a:p>
+              <a:pPr algn="ctr"/>
+              <a:endParaRPr lang="es-AR"/>
+            </a:p>
+          </p:txBody>
+        </p:sp>
+        <p:sp>
+          <p:nvSpPr>
+            <p:cNvPr id="7" name="Rounded Rectangle 6"/>
+            <p:cNvSpPr/>
+            <p:nvPr/>
+          </p:nvSpPr>
+          <p:spPr>
+            <a:xfrm>
+              <a:off x="304800" y="4800600"/>
+              <a:ext cx="1752600" cy="1752600"/>
+            </a:xfrm>
+            <a:prstGeom prst="roundRect">
+              <a:avLst/>
+            </a:prstGeom>
+            <a:grpFill/>
+            <a:ln>
+              <a:noFill/>
+            </a:ln>
+          </p:spPr>
+          <p:style>
+            <a:lnRef idx="2">
+              <a:schemeClr val="accent1">
+                <a:shade val="50000"/>
+              </a:schemeClr>
+            </a:lnRef>
+            <a:fillRef idx="1">
+              <a:schemeClr val="accent1"/>
+            </a:fillRef>
+            <a:effectRef idx="0">
+              <a:schemeClr val="accent1"/>
+            </a:effectRef>
+            <a:fontRef idx="minor">
+              <a:schemeClr val="lt1"/>
+            </a:fontRef>
+          </p:style>
+          <p:txBody>
+            <a:bodyPr rtlCol="0" anchor="ctr"/>
+            <a:lstStyle/>
+            <a:p>
+              <a:pPr algn="ctr"/>
+              <a:endParaRPr lang="es-AR"/>
+            </a:p>
+          </p:txBody>
+        </p:sp>
+        <p:sp>
+          <p:nvSpPr>
+            <p:cNvPr id="8" name="Rounded Rectangle 7"/>
+            <p:cNvSpPr/>
+            <p:nvPr/>
+          </p:nvSpPr>
+          <p:spPr>
+            <a:xfrm>
+              <a:off x="7086600" y="4800600"/>
+              <a:ext cx="1752600" cy="1752600"/>
+            </a:xfrm>
+            <a:prstGeom prst="roundRect">
+              <a:avLst/>
+            </a:prstGeom>
+            <a:grpFill/>
+            <a:ln>
+              <a:noFill/>
+            </a:ln>
+          </p:spPr>
+          <p:style>
+            <a:lnRef idx="2">
+              <a:schemeClr val="accent1">
+                <a:shade val="50000"/>
+              </a:schemeClr>
+            </a:lnRef>
+            <a:fillRef idx="1">
+              <a:schemeClr val="accent1"/>
+            </a:fillRef>
+            <a:effectRef idx="0">
+              <a:schemeClr val="accent1"/>
+            </a:effectRef>
+            <a:fontRef idx="minor">
+              <a:schemeClr val="lt1"/>
+            </a:fontRef>
+          </p:style>
+          <p:txBody>
+            <a:bodyPr rtlCol="0" anchor="ctr"/>
+            <a:lstStyle/>
+            <a:p>
+              <a:pPr algn="ctr"/>
+              <a:endParaRPr lang="es-AR"/>
+            </a:p>
+          </p:txBody>
+        </p:sp>
+      </p:grpSp>
+      <p:sp>
+        <p:nvSpPr>
+          <p:cNvPr id="9" name="Freeform 8"/>
+          <p:cNvSpPr/>
+          <p:nvPr/>
+        </p:nvSpPr>
+        <p:spPr>
+          <a:xfrm>
+            <a:off x="533400" y="457200"/>
+            <a:ext cx="8102599" cy="5803900"/>
+          </a:xfrm>
+          <a:custGeom>
+            <a:avLst/>
+            <a:gdLst>
+              <a:gd name="connsiteX0" fmla="*/ 0 w 8077200"/>
+              <a:gd name="connsiteY0" fmla="*/ 965219 h 5791200"/>
+              <a:gd name="connsiteX1" fmla="*/ 282707 w 8077200"/>
+              <a:gd name="connsiteY1" fmla="*/ 282706 h 5791200"/>
+              <a:gd name="connsiteX2" fmla="*/ 965221 w 8077200"/>
+              <a:gd name="connsiteY2" fmla="*/ 1 h 5791200"/>
+              <a:gd name="connsiteX3" fmla="*/ 7111981 w 8077200"/>
+              <a:gd name="connsiteY3" fmla="*/ 0 h 5791200"/>
+              <a:gd name="connsiteX4" fmla="*/ 7794494 w 8077200"/>
+              <a:gd name="connsiteY4" fmla="*/ 282707 h 5791200"/>
+              <a:gd name="connsiteX5" fmla="*/ 8077199 w 8077200"/>
+              <a:gd name="connsiteY5" fmla="*/ 965221 h 5791200"/>
+              <a:gd name="connsiteX6" fmla="*/ 8077200 w 8077200"/>
+              <a:gd name="connsiteY6" fmla="*/ 4825981 h 5791200"/>
+              <a:gd name="connsiteX7" fmla="*/ 7794494 w 8077200"/>
+              <a:gd name="connsiteY7" fmla="*/ 5508494 h 5791200"/>
+              <a:gd name="connsiteX8" fmla="*/ 7111981 w 8077200"/>
+              <a:gd name="connsiteY8" fmla="*/ 5791200 h 5791200"/>
+              <a:gd name="connsiteX9" fmla="*/ 965219 w 8077200"/>
+              <a:gd name="connsiteY9" fmla="*/ 5791200 h 5791200"/>
+              <a:gd name="connsiteX10" fmla="*/ 282706 w 8077200"/>
+              <a:gd name="connsiteY10" fmla="*/ 5508493 h 5791200"/>
+              <a:gd name="connsiteX11" fmla="*/ 0 w 8077200"/>
+              <a:gd name="connsiteY11" fmla="*/ 4825980 h 5791200"/>
+              <a:gd name="connsiteX12" fmla="*/ 0 w 8077200"/>
+              <a:gd name="connsiteY12" fmla="*/ 965219 h 5791200"/>
+              <a:gd name="connsiteX0" fmla="*/ 0 w 8077200"/>
+              <a:gd name="connsiteY0" fmla="*/ 609600 h 5791200"/>
+              <a:gd name="connsiteX1" fmla="*/ 282707 w 8077200"/>
+              <a:gd name="connsiteY1" fmla="*/ 282706 h 5791200"/>
+              <a:gd name="connsiteX2" fmla="*/ 965221 w 8077200"/>
+              <a:gd name="connsiteY2" fmla="*/ 1 h 5791200"/>
+              <a:gd name="connsiteX3" fmla="*/ 7111981 w 8077200"/>
+              <a:gd name="connsiteY3" fmla="*/ 0 h 5791200"/>
+              <a:gd name="connsiteX4" fmla="*/ 7794494 w 8077200"/>
+              <a:gd name="connsiteY4" fmla="*/ 282707 h 5791200"/>
+              <a:gd name="connsiteX5" fmla="*/ 8077199 w 8077200"/>
+              <a:gd name="connsiteY5" fmla="*/ 965221 h 5791200"/>
+              <a:gd name="connsiteX6" fmla="*/ 8077200 w 8077200"/>
+              <a:gd name="connsiteY6" fmla="*/ 4825981 h 5791200"/>
+              <a:gd name="connsiteX7" fmla="*/ 7794494 w 8077200"/>
+              <a:gd name="connsiteY7" fmla="*/ 5508494 h 5791200"/>
+              <a:gd name="connsiteX8" fmla="*/ 7111981 w 8077200"/>
+              <a:gd name="connsiteY8" fmla="*/ 5791200 h 5791200"/>
+              <a:gd name="connsiteX9" fmla="*/ 965219 w 8077200"/>
+              <a:gd name="connsiteY9" fmla="*/ 5791200 h 5791200"/>
+              <a:gd name="connsiteX10" fmla="*/ 282706 w 8077200"/>
+              <a:gd name="connsiteY10" fmla="*/ 5508493 h 5791200"/>
+              <a:gd name="connsiteX11" fmla="*/ 0 w 8077200"/>
+              <a:gd name="connsiteY11" fmla="*/ 4825980 h 5791200"/>
+              <a:gd name="connsiteX12" fmla="*/ 0 w 8077200"/>
+              <a:gd name="connsiteY12" fmla="*/ 609600 h 5791200"/>
+              <a:gd name="connsiteX0" fmla="*/ 0 w 8077200"/>
+              <a:gd name="connsiteY0" fmla="*/ 609601 h 5791201"/>
+              <a:gd name="connsiteX1" fmla="*/ 282707 w 8077200"/>
+              <a:gd name="connsiteY1" fmla="*/ 282707 h 5791201"/>
+              <a:gd name="connsiteX2" fmla="*/ 609600 w 8077200"/>
+              <a:gd name="connsiteY2" fmla="*/ 1 h 5791201"/>
+              <a:gd name="connsiteX3" fmla="*/ 7111981 w 8077200"/>
+              <a:gd name="connsiteY3" fmla="*/ 1 h 5791201"/>
+              <a:gd name="connsiteX4" fmla="*/ 7794494 w 8077200"/>
+              <a:gd name="connsiteY4" fmla="*/ 282708 h 5791201"/>
+              <a:gd name="connsiteX5" fmla="*/ 8077199 w 8077200"/>
+              <a:gd name="connsiteY5" fmla="*/ 965222 h 5791201"/>
+              <a:gd name="connsiteX6" fmla="*/ 8077200 w 8077200"/>
+              <a:gd name="connsiteY6" fmla="*/ 4825982 h 5791201"/>
+              <a:gd name="connsiteX7" fmla="*/ 7794494 w 8077200"/>
+              <a:gd name="connsiteY7" fmla="*/ 5508495 h 5791201"/>
+              <a:gd name="connsiteX8" fmla="*/ 7111981 w 8077200"/>
+              <a:gd name="connsiteY8" fmla="*/ 5791201 h 5791201"/>
+              <a:gd name="connsiteX9" fmla="*/ 965219 w 8077200"/>
+              <a:gd name="connsiteY9" fmla="*/ 5791201 h 5791201"/>
+              <a:gd name="connsiteX10" fmla="*/ 282706 w 8077200"/>
+              <a:gd name="connsiteY10" fmla="*/ 5508494 h 5791201"/>
+              <a:gd name="connsiteX11" fmla="*/ 0 w 8077200"/>
+              <a:gd name="connsiteY11" fmla="*/ 4825981 h 5791201"/>
+              <a:gd name="connsiteX12" fmla="*/ 0 w 8077200"/>
+              <a:gd name="connsiteY12" fmla="*/ 609601 h 5791201"/>
+              <a:gd name="connsiteX0" fmla="*/ 0 w 8077200"/>
+              <a:gd name="connsiteY0" fmla="*/ 609601 h 5791201"/>
+              <a:gd name="connsiteX1" fmla="*/ 152400 w 8077200"/>
+              <a:gd name="connsiteY1" fmla="*/ 152402 h 5791201"/>
+              <a:gd name="connsiteX2" fmla="*/ 609600 w 8077200"/>
+              <a:gd name="connsiteY2" fmla="*/ 1 h 5791201"/>
+              <a:gd name="connsiteX3" fmla="*/ 7111981 w 8077200"/>
+              <a:gd name="connsiteY3" fmla="*/ 1 h 5791201"/>
+              <a:gd name="connsiteX4" fmla="*/ 7794494 w 8077200"/>
+              <a:gd name="connsiteY4" fmla="*/ 282708 h 5791201"/>
+              <a:gd name="connsiteX5" fmla="*/ 8077199 w 8077200"/>
+              <a:gd name="connsiteY5" fmla="*/ 965222 h 5791201"/>
+              <a:gd name="connsiteX6" fmla="*/ 8077200 w 8077200"/>
+              <a:gd name="connsiteY6" fmla="*/ 4825982 h 5791201"/>
+              <a:gd name="connsiteX7" fmla="*/ 7794494 w 8077200"/>
+              <a:gd name="connsiteY7" fmla="*/ 5508495 h 5791201"/>
+              <a:gd name="connsiteX8" fmla="*/ 7111981 w 8077200"/>
+              <a:gd name="connsiteY8" fmla="*/ 5791201 h 5791201"/>
+              <a:gd name="connsiteX9" fmla="*/ 965219 w 8077200"/>
+              <a:gd name="connsiteY9" fmla="*/ 5791201 h 5791201"/>
+              <a:gd name="connsiteX10" fmla="*/ 282706 w 8077200"/>
+              <a:gd name="connsiteY10" fmla="*/ 5508494 h 5791201"/>
+              <a:gd name="connsiteX11" fmla="*/ 0 w 8077200"/>
+              <a:gd name="connsiteY11" fmla="*/ 4825981 h 5791201"/>
+              <a:gd name="connsiteX12" fmla="*/ 0 w 8077200"/>
+              <a:gd name="connsiteY12" fmla="*/ 609601 h 5791201"/>
+              <a:gd name="connsiteX0" fmla="*/ 0 w 8077200"/>
+              <a:gd name="connsiteY0" fmla="*/ 609600 h 5791200"/>
+              <a:gd name="connsiteX1" fmla="*/ 152400 w 8077200"/>
+              <a:gd name="connsiteY1" fmla="*/ 152401 h 5791200"/>
+              <a:gd name="connsiteX2" fmla="*/ 533400 w 8077200"/>
+              <a:gd name="connsiteY2" fmla="*/ 1 h 5791200"/>
+              <a:gd name="connsiteX3" fmla="*/ 7111981 w 8077200"/>
+              <a:gd name="connsiteY3" fmla="*/ 0 h 5791200"/>
+              <a:gd name="connsiteX4" fmla="*/ 7794494 w 8077200"/>
+              <a:gd name="connsiteY4" fmla="*/ 282707 h 5791200"/>
+              <a:gd name="connsiteX5" fmla="*/ 8077199 w 8077200"/>
+              <a:gd name="connsiteY5" fmla="*/ 965221 h 5791200"/>
+              <a:gd name="connsiteX6" fmla="*/ 8077200 w 8077200"/>
+              <a:gd name="connsiteY6" fmla="*/ 4825981 h 5791200"/>
+              <a:gd name="connsiteX7" fmla="*/ 7794494 w 8077200"/>
+              <a:gd name="connsiteY7" fmla="*/ 5508494 h 5791200"/>
+              <a:gd name="connsiteX8" fmla="*/ 7111981 w 8077200"/>
+              <a:gd name="connsiteY8" fmla="*/ 5791200 h 5791200"/>
+              <a:gd name="connsiteX9" fmla="*/ 965219 w 8077200"/>
+              <a:gd name="connsiteY9" fmla="*/ 5791200 h 5791200"/>
+              <a:gd name="connsiteX10" fmla="*/ 282706 w 8077200"/>
+              <a:gd name="connsiteY10" fmla="*/ 5508493 h 5791200"/>
+              <a:gd name="connsiteX11" fmla="*/ 0 w 8077200"/>
+              <a:gd name="connsiteY11" fmla="*/ 4825980 h 5791200"/>
+              <a:gd name="connsiteX12" fmla="*/ 0 w 8077200"/>
+              <a:gd name="connsiteY12" fmla="*/ 609600 h 5791200"/>
+              <a:gd name="connsiteX0" fmla="*/ 0 w 8077200"/>
+              <a:gd name="connsiteY0" fmla="*/ 533400 h 5791200"/>
+              <a:gd name="connsiteX1" fmla="*/ 152400 w 8077200"/>
+              <a:gd name="connsiteY1" fmla="*/ 152401 h 5791200"/>
+              <a:gd name="connsiteX2" fmla="*/ 533400 w 8077200"/>
+              <a:gd name="connsiteY2" fmla="*/ 1 h 5791200"/>
+              <a:gd name="connsiteX3" fmla="*/ 7111981 w 8077200"/>
+              <a:gd name="connsiteY3" fmla="*/ 0 h 5791200"/>
+              <a:gd name="connsiteX4" fmla="*/ 7794494 w 8077200"/>
+              <a:gd name="connsiteY4" fmla="*/ 282707 h 5791200"/>
+              <a:gd name="connsiteX5" fmla="*/ 8077199 w 8077200"/>
+              <a:gd name="connsiteY5" fmla="*/ 965221 h 5791200"/>
+              <a:gd name="connsiteX6" fmla="*/ 8077200 w 8077200"/>
+              <a:gd name="connsiteY6" fmla="*/ 4825981 h 5791200"/>
+              <a:gd name="connsiteX7" fmla="*/ 7794494 w 8077200"/>
+              <a:gd name="connsiteY7" fmla="*/ 5508494 h 5791200"/>
+              <a:gd name="connsiteX8" fmla="*/ 7111981 w 8077200"/>
+              <a:gd name="connsiteY8" fmla="*/ 5791200 h 5791200"/>
+              <a:gd name="connsiteX9" fmla="*/ 965219 w 8077200"/>
+              <a:gd name="connsiteY9" fmla="*/ 5791200 h 5791200"/>
+              <a:gd name="connsiteX10" fmla="*/ 282706 w 8077200"/>
+              <a:gd name="connsiteY10" fmla="*/ 5508493 h 5791200"/>
+              <a:gd name="connsiteX11" fmla="*/ 0 w 8077200"/>
+              <a:gd name="connsiteY11" fmla="*/ 4825980 h 5791200"/>
+              <a:gd name="connsiteX12" fmla="*/ 0 w 8077200"/>
+              <a:gd name="connsiteY12" fmla="*/ 533400 h 5791200"/>
+              <a:gd name="connsiteX0" fmla="*/ 12700 w 8089900"/>
+              <a:gd name="connsiteY0" fmla="*/ 546100 h 5803900"/>
+              <a:gd name="connsiteX1" fmla="*/ 88900 w 8089900"/>
+              <a:gd name="connsiteY1" fmla="*/ 88900 h 5803900"/>
+              <a:gd name="connsiteX2" fmla="*/ 546100 w 8089900"/>
+              <a:gd name="connsiteY2" fmla="*/ 12701 h 5803900"/>
+              <a:gd name="connsiteX3" fmla="*/ 7124681 w 8089900"/>
+              <a:gd name="connsiteY3" fmla="*/ 12700 h 5803900"/>
+              <a:gd name="connsiteX4" fmla="*/ 7807194 w 8089900"/>
+              <a:gd name="connsiteY4" fmla="*/ 295407 h 5803900"/>
+              <a:gd name="connsiteX5" fmla="*/ 8089899 w 8089900"/>
+              <a:gd name="connsiteY5" fmla="*/ 977921 h 5803900"/>
+              <a:gd name="connsiteX6" fmla="*/ 8089900 w 8089900"/>
+              <a:gd name="connsiteY6" fmla="*/ 4838681 h 5803900"/>
+              <a:gd name="connsiteX7" fmla="*/ 7807194 w 8089900"/>
+              <a:gd name="connsiteY7" fmla="*/ 5521194 h 5803900"/>
+              <a:gd name="connsiteX8" fmla="*/ 7124681 w 8089900"/>
+              <a:gd name="connsiteY8" fmla="*/ 5803900 h 5803900"/>
+              <a:gd name="connsiteX9" fmla="*/ 977919 w 8089900"/>
+              <a:gd name="connsiteY9" fmla="*/ 5803900 h 5803900"/>
+              <a:gd name="connsiteX10" fmla="*/ 295406 w 8089900"/>
+              <a:gd name="connsiteY10" fmla="*/ 5521193 h 5803900"/>
+              <a:gd name="connsiteX11" fmla="*/ 12700 w 8089900"/>
+              <a:gd name="connsiteY11" fmla="*/ 4838680 h 5803900"/>
+              <a:gd name="connsiteX12" fmla="*/ 12700 w 8089900"/>
+              <a:gd name="connsiteY12" fmla="*/ 546100 h 5803900"/>
+              <a:gd name="connsiteX0" fmla="*/ 12700 w 8089900"/>
+              <a:gd name="connsiteY0" fmla="*/ 546100 h 5803900"/>
+              <a:gd name="connsiteX1" fmla="*/ 88900 w 8089900"/>
+              <a:gd name="connsiteY1" fmla="*/ 88900 h 5803900"/>
+              <a:gd name="connsiteX2" fmla="*/ 546100 w 8089900"/>
+              <a:gd name="connsiteY2" fmla="*/ 12701 h 5803900"/>
+              <a:gd name="connsiteX3" fmla="*/ 7124681 w 8089900"/>
+              <a:gd name="connsiteY3" fmla="*/ 12700 h 5803900"/>
+              <a:gd name="connsiteX4" fmla="*/ 7807194 w 8089900"/>
+              <a:gd name="connsiteY4" fmla="*/ 295407 h 5803900"/>
+              <a:gd name="connsiteX5" fmla="*/ 8089899 w 8089900"/>
+              <a:gd name="connsiteY5" fmla="*/ 977921 h 5803900"/>
+              <a:gd name="connsiteX6" fmla="*/ 8089900 w 8089900"/>
+              <a:gd name="connsiteY6" fmla="*/ 4838681 h 5803900"/>
+              <a:gd name="connsiteX7" fmla="*/ 7807194 w 8089900"/>
+              <a:gd name="connsiteY7" fmla="*/ 5521194 h 5803900"/>
+              <a:gd name="connsiteX8" fmla="*/ 7124681 w 8089900"/>
+              <a:gd name="connsiteY8" fmla="*/ 5803900 h 5803900"/>
+              <a:gd name="connsiteX9" fmla="*/ 977919 w 8089900"/>
+              <a:gd name="connsiteY9" fmla="*/ 5803900 h 5803900"/>
+              <a:gd name="connsiteX10" fmla="*/ 295406 w 8089900"/>
+              <a:gd name="connsiteY10" fmla="*/ 5521193 h 5803900"/>
+              <a:gd name="connsiteX11" fmla="*/ 12700 w 8089900"/>
+              <a:gd name="connsiteY11" fmla="*/ 5346700 h 5803900"/>
+              <a:gd name="connsiteX12" fmla="*/ 12700 w 8089900"/>
+              <a:gd name="connsiteY12" fmla="*/ 546100 h 5803900"/>
+              <a:gd name="connsiteX0" fmla="*/ 12700 w 8089900"/>
+              <a:gd name="connsiteY0" fmla="*/ 546100 h 5803900"/>
+              <a:gd name="connsiteX1" fmla="*/ 88900 w 8089900"/>
+              <a:gd name="connsiteY1" fmla="*/ 88900 h 5803900"/>
+              <a:gd name="connsiteX2" fmla="*/ 546100 w 8089900"/>
+              <a:gd name="connsiteY2" fmla="*/ 12701 h 5803900"/>
+              <a:gd name="connsiteX3" fmla="*/ 7124681 w 8089900"/>
+              <a:gd name="connsiteY3" fmla="*/ 12700 h 5803900"/>
+              <a:gd name="connsiteX4" fmla="*/ 7807194 w 8089900"/>
+              <a:gd name="connsiteY4" fmla="*/ 295407 h 5803900"/>
+              <a:gd name="connsiteX5" fmla="*/ 8089899 w 8089900"/>
+              <a:gd name="connsiteY5" fmla="*/ 977921 h 5803900"/>
+              <a:gd name="connsiteX6" fmla="*/ 8089900 w 8089900"/>
+              <a:gd name="connsiteY6" fmla="*/ 4838681 h 5803900"/>
+              <a:gd name="connsiteX7" fmla="*/ 7807194 w 8089900"/>
+              <a:gd name="connsiteY7" fmla="*/ 5521194 h 5803900"/>
+              <a:gd name="connsiteX8" fmla="*/ 7124681 w 8089900"/>
+              <a:gd name="connsiteY8" fmla="*/ 5803900 h 5803900"/>
+              <a:gd name="connsiteX9" fmla="*/ 546100 w 8089900"/>
+              <a:gd name="connsiteY9" fmla="*/ 5803900 h 5803900"/>
+              <a:gd name="connsiteX10" fmla="*/ 295406 w 8089900"/>
+              <a:gd name="connsiteY10" fmla="*/ 5521193 h 5803900"/>
+              <a:gd name="connsiteX11" fmla="*/ 12700 w 8089900"/>
+              <a:gd name="connsiteY11" fmla="*/ 5346700 h 5803900"/>
+              <a:gd name="connsiteX12" fmla="*/ 12700 w 8089900"/>
+              <a:gd name="connsiteY12" fmla="*/ 546100 h 5803900"/>
+              <a:gd name="connsiteX0" fmla="*/ 12700 w 8089900"/>
+              <a:gd name="connsiteY0" fmla="*/ 546100 h 5803900"/>
+              <a:gd name="connsiteX1" fmla="*/ 88900 w 8089900"/>
+              <a:gd name="connsiteY1" fmla="*/ 88900 h 5803900"/>
+              <a:gd name="connsiteX2" fmla="*/ 546100 w 8089900"/>
+              <a:gd name="connsiteY2" fmla="*/ 12701 h 5803900"/>
+              <a:gd name="connsiteX3" fmla="*/ 7124681 w 8089900"/>
+              <a:gd name="connsiteY3" fmla="*/ 12700 h 5803900"/>
+              <a:gd name="connsiteX4" fmla="*/ 7807194 w 8089900"/>
+              <a:gd name="connsiteY4" fmla="*/ 295407 h 5803900"/>
+              <a:gd name="connsiteX5" fmla="*/ 8089899 w 8089900"/>
+              <a:gd name="connsiteY5" fmla="*/ 977921 h 5803900"/>
+              <a:gd name="connsiteX6" fmla="*/ 8089900 w 8089900"/>
+              <a:gd name="connsiteY6" fmla="*/ 4838681 h 5803900"/>
+              <a:gd name="connsiteX7" fmla="*/ 7807194 w 8089900"/>
+              <a:gd name="connsiteY7" fmla="*/ 5521194 h 5803900"/>
+              <a:gd name="connsiteX8" fmla="*/ 7124681 w 8089900"/>
+              <a:gd name="connsiteY8" fmla="*/ 5803900 h 5803900"/>
+              <a:gd name="connsiteX9" fmla="*/ 546100 w 8089900"/>
+              <a:gd name="connsiteY9" fmla="*/ 5803900 h 5803900"/>
+              <a:gd name="connsiteX10" fmla="*/ 88900 w 8089900"/>
+              <a:gd name="connsiteY10" fmla="*/ 5727700 h 5803900"/>
+              <a:gd name="connsiteX11" fmla="*/ 12700 w 8089900"/>
+              <a:gd name="connsiteY11" fmla="*/ 5346700 h 5803900"/>
+              <a:gd name="connsiteX12" fmla="*/ 12700 w 8089900"/>
+              <a:gd name="connsiteY12" fmla="*/ 546100 h 5803900"/>
+              <a:gd name="connsiteX0" fmla="*/ 12700 w 8089900"/>
+              <a:gd name="connsiteY0" fmla="*/ 546100 h 5803900"/>
+              <a:gd name="connsiteX1" fmla="*/ 88900 w 8089900"/>
+              <a:gd name="connsiteY1" fmla="*/ 88900 h 5803900"/>
+              <a:gd name="connsiteX2" fmla="*/ 546100 w 8089900"/>
+              <a:gd name="connsiteY2" fmla="*/ 12701 h 5803900"/>
+              <a:gd name="connsiteX3" fmla="*/ 7556500 w 8089900"/>
+              <a:gd name="connsiteY3" fmla="*/ 12700 h 5803900"/>
+              <a:gd name="connsiteX4" fmla="*/ 7807194 w 8089900"/>
+              <a:gd name="connsiteY4" fmla="*/ 295407 h 5803900"/>
+              <a:gd name="connsiteX5" fmla="*/ 8089899 w 8089900"/>
+              <a:gd name="connsiteY5" fmla="*/ 977921 h 5803900"/>
+              <a:gd name="connsiteX6" fmla="*/ 8089900 w 8089900"/>
+              <a:gd name="connsiteY6" fmla="*/ 4838681 h 5803900"/>
+              <a:gd name="connsiteX7" fmla="*/ 7807194 w 8089900"/>
+              <a:gd name="connsiteY7" fmla="*/ 5521194 h 5803900"/>
+              <a:gd name="connsiteX8" fmla="*/ 7124681 w 8089900"/>
+              <a:gd name="connsiteY8" fmla="*/ 5803900 h 5803900"/>
+              <a:gd name="connsiteX9" fmla="*/ 546100 w 8089900"/>
+              <a:gd name="connsiteY9" fmla="*/ 5803900 h 5803900"/>
+              <a:gd name="connsiteX10" fmla="*/ 88900 w 8089900"/>
+              <a:gd name="connsiteY10" fmla="*/ 5727700 h 5803900"/>
+              <a:gd name="connsiteX11" fmla="*/ 12700 w 8089900"/>
+              <a:gd name="connsiteY11" fmla="*/ 5346700 h 5803900"/>
+              <a:gd name="connsiteX12" fmla="*/ 12700 w 8089900"/>
+              <a:gd name="connsiteY12" fmla="*/ 546100 h 5803900"/>
+              <a:gd name="connsiteX0" fmla="*/ 12700 w 8089901"/>
+              <a:gd name="connsiteY0" fmla="*/ 546100 h 5803900"/>
+              <a:gd name="connsiteX1" fmla="*/ 88900 w 8089901"/>
+              <a:gd name="connsiteY1" fmla="*/ 88900 h 5803900"/>
+              <a:gd name="connsiteX2" fmla="*/ 546100 w 8089901"/>
+              <a:gd name="connsiteY2" fmla="*/ 12701 h 5803900"/>
+              <a:gd name="connsiteX3" fmla="*/ 7556500 w 8089901"/>
+              <a:gd name="connsiteY3" fmla="*/ 12700 h 5803900"/>
+              <a:gd name="connsiteX4" fmla="*/ 7807194 w 8089901"/>
+              <a:gd name="connsiteY4" fmla="*/ 295407 h 5803900"/>
+              <a:gd name="connsiteX5" fmla="*/ 8089900 w 8089901"/>
+              <a:gd name="connsiteY5" fmla="*/ 469900 h 5803900"/>
+              <a:gd name="connsiteX6" fmla="*/ 8089900 w 8089901"/>
+              <a:gd name="connsiteY6" fmla="*/ 4838681 h 5803900"/>
+              <a:gd name="connsiteX7" fmla="*/ 7807194 w 8089901"/>
+              <a:gd name="connsiteY7" fmla="*/ 5521194 h 5803900"/>
+              <a:gd name="connsiteX8" fmla="*/ 7124681 w 8089901"/>
+              <a:gd name="connsiteY8" fmla="*/ 5803900 h 5803900"/>
+              <a:gd name="connsiteX9" fmla="*/ 546100 w 8089901"/>
+              <a:gd name="connsiteY9" fmla="*/ 5803900 h 5803900"/>
+              <a:gd name="connsiteX10" fmla="*/ 88900 w 8089901"/>
+              <a:gd name="connsiteY10" fmla="*/ 5727700 h 5803900"/>
+              <a:gd name="connsiteX11" fmla="*/ 12700 w 8089901"/>
+              <a:gd name="connsiteY11" fmla="*/ 5346700 h 5803900"/>
+              <a:gd name="connsiteX12" fmla="*/ 12700 w 8089901"/>
+              <a:gd name="connsiteY12" fmla="*/ 546100 h 5803900"/>
+              <a:gd name="connsiteX0" fmla="*/ 12700 w 8102600"/>
+              <a:gd name="connsiteY0" fmla="*/ 546100 h 5803900"/>
+              <a:gd name="connsiteX1" fmla="*/ 88900 w 8102600"/>
+              <a:gd name="connsiteY1" fmla="*/ 88900 h 5803900"/>
+              <a:gd name="connsiteX2" fmla="*/ 546100 w 8102600"/>
+              <a:gd name="connsiteY2" fmla="*/ 12701 h 5803900"/>
+              <a:gd name="connsiteX3" fmla="*/ 7556500 w 8102600"/>
+              <a:gd name="connsiteY3" fmla="*/ 12700 h 5803900"/>
+              <a:gd name="connsiteX4" fmla="*/ 8013700 w 8102600"/>
+              <a:gd name="connsiteY4" fmla="*/ 88900 h 5803900"/>
+              <a:gd name="connsiteX5" fmla="*/ 8089900 w 8102600"/>
+              <a:gd name="connsiteY5" fmla="*/ 469900 h 5803900"/>
+              <a:gd name="connsiteX6" fmla="*/ 8089900 w 8102600"/>
+              <a:gd name="connsiteY6" fmla="*/ 4838681 h 5803900"/>
+              <a:gd name="connsiteX7" fmla="*/ 7807194 w 8102600"/>
+              <a:gd name="connsiteY7" fmla="*/ 5521194 h 5803900"/>
+              <a:gd name="connsiteX8" fmla="*/ 7124681 w 8102600"/>
+              <a:gd name="connsiteY8" fmla="*/ 5803900 h 5803900"/>
+              <a:gd name="connsiteX9" fmla="*/ 546100 w 8102600"/>
+              <a:gd name="connsiteY9" fmla="*/ 5803900 h 5803900"/>
+              <a:gd name="connsiteX10" fmla="*/ 88900 w 8102600"/>
+              <a:gd name="connsiteY10" fmla="*/ 5727700 h 5803900"/>
+              <a:gd name="connsiteX11" fmla="*/ 12700 w 8102600"/>
+              <a:gd name="connsiteY11" fmla="*/ 5346700 h 5803900"/>
+              <a:gd name="connsiteX12" fmla="*/ 12700 w 8102600"/>
+              <a:gd name="connsiteY12" fmla="*/ 546100 h 5803900"/>
+              <a:gd name="connsiteX0" fmla="*/ 12700 w 8102600"/>
+              <a:gd name="connsiteY0" fmla="*/ 546100 h 5803900"/>
+              <a:gd name="connsiteX1" fmla="*/ 88900 w 8102600"/>
+              <a:gd name="connsiteY1" fmla="*/ 88900 h 5803900"/>
+              <a:gd name="connsiteX2" fmla="*/ 546100 w 8102600"/>
+              <a:gd name="connsiteY2" fmla="*/ 12701 h 5803900"/>
+              <a:gd name="connsiteX3" fmla="*/ 7556500 w 8102600"/>
+              <a:gd name="connsiteY3" fmla="*/ 12700 h 5803900"/>
+              <a:gd name="connsiteX4" fmla="*/ 8013700 w 8102600"/>
+              <a:gd name="connsiteY4" fmla="*/ 88900 h 5803900"/>
+              <a:gd name="connsiteX5" fmla="*/ 8089899 w 8102600"/>
+              <a:gd name="connsiteY5" fmla="*/ 469900 h 5803900"/>
+              <a:gd name="connsiteX6" fmla="*/ 8089900 w 8102600"/>
+              <a:gd name="connsiteY6" fmla="*/ 4838681 h 5803900"/>
+              <a:gd name="connsiteX7" fmla="*/ 7807194 w 8102600"/>
+              <a:gd name="connsiteY7" fmla="*/ 5521194 h 5803900"/>
+              <a:gd name="connsiteX8" fmla="*/ 7124681 w 8102600"/>
+              <a:gd name="connsiteY8" fmla="*/ 5803900 h 5803900"/>
+              <a:gd name="connsiteX9" fmla="*/ 546100 w 8102600"/>
+              <a:gd name="connsiteY9" fmla="*/ 5803900 h 5803900"/>
+              <a:gd name="connsiteX10" fmla="*/ 88900 w 8102600"/>
+              <a:gd name="connsiteY10" fmla="*/ 5727700 h 5803900"/>
+              <a:gd name="connsiteX11" fmla="*/ 12700 w 8102600"/>
+              <a:gd name="connsiteY11" fmla="*/ 5346700 h 5803900"/>
+              <a:gd name="connsiteX12" fmla="*/ 12700 w 8102600"/>
+              <a:gd name="connsiteY12" fmla="*/ 546100 h 5803900"/>
+              <a:gd name="connsiteX0" fmla="*/ 12700 w 8102599"/>
+              <a:gd name="connsiteY0" fmla="*/ 546100 h 5803900"/>
+              <a:gd name="connsiteX1" fmla="*/ 88900 w 8102599"/>
+              <a:gd name="connsiteY1" fmla="*/ 88900 h 5803900"/>
+              <a:gd name="connsiteX2" fmla="*/ 546100 w 8102599"/>
+              <a:gd name="connsiteY2" fmla="*/ 12701 h 5803900"/>
+              <a:gd name="connsiteX3" fmla="*/ 7556500 w 8102599"/>
+              <a:gd name="connsiteY3" fmla="*/ 12700 h 5803900"/>
+              <a:gd name="connsiteX4" fmla="*/ 8013699 w 8102599"/>
+              <a:gd name="connsiteY4" fmla="*/ 88900 h 5803900"/>
+              <a:gd name="connsiteX5" fmla="*/ 8089899 w 8102599"/>
+              <a:gd name="connsiteY5" fmla="*/ 469900 h 5803900"/>
+              <a:gd name="connsiteX6" fmla="*/ 8089900 w 8102599"/>
+              <a:gd name="connsiteY6" fmla="*/ 4838681 h 5803900"/>
+              <a:gd name="connsiteX7" fmla="*/ 7807194 w 8102599"/>
+              <a:gd name="connsiteY7" fmla="*/ 5521194 h 5803900"/>
+              <a:gd name="connsiteX8" fmla="*/ 7124681 w 8102599"/>
+              <a:gd name="connsiteY8" fmla="*/ 5803900 h 5803900"/>
+              <a:gd name="connsiteX9" fmla="*/ 546100 w 8102599"/>
+              <a:gd name="connsiteY9" fmla="*/ 5803900 h 5803900"/>
+              <a:gd name="connsiteX10" fmla="*/ 88900 w 8102599"/>
+              <a:gd name="connsiteY10" fmla="*/ 5727700 h 5803900"/>
+              <a:gd name="connsiteX11" fmla="*/ 12700 w 8102599"/>
+              <a:gd name="connsiteY11" fmla="*/ 5346700 h 5803900"/>
+              <a:gd name="connsiteX12" fmla="*/ 12700 w 8102599"/>
+              <a:gd name="connsiteY12" fmla="*/ 546100 h 5803900"/>
+              <a:gd name="connsiteX0" fmla="*/ 12700 w 8102599"/>
+              <a:gd name="connsiteY0" fmla="*/ 546100 h 5803900"/>
+              <a:gd name="connsiteX1" fmla="*/ 88900 w 8102599"/>
+              <a:gd name="connsiteY1" fmla="*/ 88900 h 5803900"/>
+              <a:gd name="connsiteX2" fmla="*/ 546100 w 8102599"/>
+              <a:gd name="connsiteY2" fmla="*/ 12701 h 5803900"/>
+              <a:gd name="connsiteX3" fmla="*/ 7556500 w 8102599"/>
+              <a:gd name="connsiteY3" fmla="*/ 12700 h 5803900"/>
+              <a:gd name="connsiteX4" fmla="*/ 8013699 w 8102599"/>
+              <a:gd name="connsiteY4" fmla="*/ 88900 h 5803900"/>
+              <a:gd name="connsiteX5" fmla="*/ 8089899 w 8102599"/>
+              <a:gd name="connsiteY5" fmla="*/ 469900 h 5803900"/>
+              <a:gd name="connsiteX6" fmla="*/ 8089900 w 8102599"/>
+              <a:gd name="connsiteY6" fmla="*/ 5346700 h 5803900"/>
+              <a:gd name="connsiteX7" fmla="*/ 7807194 w 8102599"/>
+              <a:gd name="connsiteY7" fmla="*/ 5521194 h 5803900"/>
+              <a:gd name="connsiteX8" fmla="*/ 7124681 w 8102599"/>
+              <a:gd name="connsiteY8" fmla="*/ 5803900 h 5803900"/>
+              <a:gd name="connsiteX9" fmla="*/ 546100 w 8102599"/>
+              <a:gd name="connsiteY9" fmla="*/ 5803900 h 5803900"/>
+              <a:gd name="connsiteX10" fmla="*/ 88900 w 8102599"/>
+              <a:gd name="connsiteY10" fmla="*/ 5727700 h 5803900"/>
+              <a:gd name="connsiteX11" fmla="*/ 12700 w 8102599"/>
+              <a:gd name="connsiteY11" fmla="*/ 5346700 h 5803900"/>
+              <a:gd name="connsiteX12" fmla="*/ 12700 w 8102599"/>
+              <a:gd name="connsiteY12" fmla="*/ 546100 h 5803900"/>
+              <a:gd name="connsiteX0" fmla="*/ 12700 w 8102599"/>
+              <a:gd name="connsiteY0" fmla="*/ 546100 h 5803900"/>
+              <a:gd name="connsiteX1" fmla="*/ 88900 w 8102599"/>
+              <a:gd name="connsiteY1" fmla="*/ 88900 h 5803900"/>
+              <a:gd name="connsiteX2" fmla="*/ 546100 w 8102599"/>
+              <a:gd name="connsiteY2" fmla="*/ 12701 h 5803900"/>
+              <a:gd name="connsiteX3" fmla="*/ 7556500 w 8102599"/>
+              <a:gd name="connsiteY3" fmla="*/ 12700 h 5803900"/>
+              <a:gd name="connsiteX4" fmla="*/ 8013699 w 8102599"/>
+              <a:gd name="connsiteY4" fmla="*/ 88900 h 5803900"/>
+              <a:gd name="connsiteX5" fmla="*/ 8089899 w 8102599"/>
+              <a:gd name="connsiteY5" fmla="*/ 469900 h 5803900"/>
+              <a:gd name="connsiteX6" fmla="*/ 8089900 w 8102599"/>
+              <a:gd name="connsiteY6" fmla="*/ 5346700 h 5803900"/>
+              <a:gd name="connsiteX7" fmla="*/ 7807194 w 8102599"/>
+              <a:gd name="connsiteY7" fmla="*/ 5521194 h 5803900"/>
+              <a:gd name="connsiteX8" fmla="*/ 7632700 w 8102599"/>
+              <a:gd name="connsiteY8" fmla="*/ 5803900 h 5803900"/>
+              <a:gd name="connsiteX9" fmla="*/ 546100 w 8102599"/>
+              <a:gd name="connsiteY9" fmla="*/ 5803900 h 5803900"/>
+              <a:gd name="connsiteX10" fmla="*/ 88900 w 8102599"/>
+              <a:gd name="connsiteY10" fmla="*/ 5727700 h 5803900"/>
+              <a:gd name="connsiteX11" fmla="*/ 12700 w 8102599"/>
+              <a:gd name="connsiteY11" fmla="*/ 5346700 h 5803900"/>
+              <a:gd name="connsiteX12" fmla="*/ 12700 w 8102599"/>
+              <a:gd name="connsiteY12" fmla="*/ 546100 h 5803900"/>
+              <a:gd name="connsiteX0" fmla="*/ 12700 w 8102599"/>
+              <a:gd name="connsiteY0" fmla="*/ 546100 h 5803900"/>
+              <a:gd name="connsiteX1" fmla="*/ 88900 w 8102599"/>
+              <a:gd name="connsiteY1" fmla="*/ 88900 h 5803900"/>
+              <a:gd name="connsiteX2" fmla="*/ 546100 w 8102599"/>
+              <a:gd name="connsiteY2" fmla="*/ 12701 h 5803900"/>
+              <a:gd name="connsiteX3" fmla="*/ 7556500 w 8102599"/>
+              <a:gd name="connsiteY3" fmla="*/ 12700 h 5803900"/>
+              <a:gd name="connsiteX4" fmla="*/ 8013699 w 8102599"/>
+              <a:gd name="connsiteY4" fmla="*/ 88900 h 5803900"/>
+              <a:gd name="connsiteX5" fmla="*/ 8089899 w 8102599"/>
+              <a:gd name="connsiteY5" fmla="*/ 469900 h 5803900"/>
+              <a:gd name="connsiteX6" fmla="*/ 8089900 w 8102599"/>
+              <a:gd name="connsiteY6" fmla="*/ 5346700 h 5803900"/>
+              <a:gd name="connsiteX7" fmla="*/ 8013700 w 8102599"/>
+              <a:gd name="connsiteY7" fmla="*/ 5727700 h 5803900"/>
+              <a:gd name="connsiteX8" fmla="*/ 7632700 w 8102599"/>
+              <a:gd name="connsiteY8" fmla="*/ 5803900 h 5803900"/>
+              <a:gd name="connsiteX9" fmla="*/ 546100 w 8102599"/>
+              <a:gd name="connsiteY9" fmla="*/ 5803900 h 5803900"/>
+              <a:gd name="connsiteX10" fmla="*/ 88900 w 8102599"/>
+              <a:gd name="connsiteY10" fmla="*/ 5727700 h 5803900"/>
+              <a:gd name="connsiteX11" fmla="*/ 12700 w 8102599"/>
+              <a:gd name="connsiteY11" fmla="*/ 5346700 h 5803900"/>
+              <a:gd name="connsiteX12" fmla="*/ 12700 w 8102599"/>
+              <a:gd name="connsiteY12" fmla="*/ 546100 h 5803900"/>
+            </a:gdLst>
+            <a:ahLst/>
+            <a:cxnLst>
+              <a:cxn ang="0">
+                <a:pos x="connsiteX0" y="connsiteY0"/>
+              </a:cxn>
+              <a:cxn ang="0">
+                <a:pos x="connsiteX1" y="connsiteY1"/>
+              </a:cxn>
+              <a:cxn ang="0">
+                <a:pos x="connsiteX2" y="connsiteY2"/>
+              </a:cxn>
+              <a:cxn ang="0">
+                <a:pos x="connsiteX3" y="connsiteY3"/>
+              </a:cxn>
+              <a:cxn ang="0">
+                <a:pos x="connsiteX4" y="connsiteY4"/>
+              </a:cxn>
+              <a:cxn ang="0">
+                <a:pos x="connsiteX5" y="connsiteY5"/>
+              </a:cxn>
+              <a:cxn ang="0">
+                <a:pos x="connsiteX6" y="connsiteY6"/>
+              </a:cxn>
+              <a:cxn ang="0">
+                <a:pos x="connsiteX7" y="connsiteY7"/>
+              </a:cxn>
+              <a:cxn ang="0">
+                <a:pos x="connsiteX8" y="connsiteY8"/>
+              </a:cxn>
+              <a:cxn ang="0">
+                <a:pos x="connsiteX9" y="connsiteY9"/>
+              </a:cxn>
+              <a:cxn ang="0">
+                <a:pos x="connsiteX10" y="connsiteY10"/>
+              </a:cxn>
+              <a:cxn ang="0">
+                <a:pos x="connsiteX11" y="connsiteY11"/>
+              </a:cxn>
+              <a:cxn ang="0">
+                <a:pos x="connsiteX12" y="connsiteY12"/>
+              </a:cxn>
+            </a:cxnLst>
+            <a:rect l="l" t="t" r="r" b="b"/>
+            <a:pathLst>
+              <a:path w="8102599" h="5803900">
+                <a:moveTo>
+                  <a:pt x="12700" y="546100"/>
+                </a:moveTo>
+                <a:cubicBezTo>
+                  <a:pt x="12700" y="290108"/>
+                  <a:pt x="0" y="177800"/>
+                  <a:pt x="88900" y="88900"/>
+                </a:cubicBezTo>
+                <a:cubicBezTo>
+                  <a:pt x="177800" y="0"/>
+                  <a:pt x="290107" y="12700"/>
+                  <a:pt x="546100" y="12701"/>
+                </a:cubicBezTo>
+                <a:lnTo>
+                  <a:pt x="7556500" y="12700"/>
+                </a:lnTo>
+                <a:cubicBezTo>
+                  <a:pt x="7812492" y="12700"/>
+                  <a:pt x="7924799" y="12700"/>
+                  <a:pt x="8013699" y="88900"/>
+                </a:cubicBezTo>
+                <a:cubicBezTo>
+                  <a:pt x="8102599" y="165100"/>
+                  <a:pt x="8089900" y="213907"/>
+                  <a:pt x="8089899" y="469900"/>
+                </a:cubicBezTo>
+                <a:cubicBezTo>
+                  <a:pt x="8089899" y="1926160"/>
+                  <a:pt x="8089900" y="3890440"/>
+                  <a:pt x="8089900" y="5346700"/>
+                </a:cubicBezTo>
+                <a:cubicBezTo>
+                  <a:pt x="8089900" y="5602692"/>
+                  <a:pt x="8089900" y="5651500"/>
+                  <a:pt x="8013700" y="5727700"/>
+                </a:cubicBezTo>
+                <a:cubicBezTo>
+                  <a:pt x="7937500" y="5803900"/>
+                  <a:pt x="7888692" y="5803900"/>
+                  <a:pt x="7632700" y="5803900"/>
+                </a:cubicBezTo>
+                <a:lnTo>
+                  <a:pt x="546100" y="5803900"/>
+                </a:lnTo>
+                <a:cubicBezTo>
+                  <a:pt x="290108" y="5803900"/>
+                  <a:pt x="177800" y="5803900"/>
+                  <a:pt x="88900" y="5727700"/>
+                </a:cubicBezTo>
+                <a:cubicBezTo>
+                  <a:pt x="0" y="5651500"/>
+                  <a:pt x="12700" y="5602692"/>
+                  <a:pt x="12700" y="5346700"/>
+                </a:cubicBezTo>
+                <a:lnTo>
+                  <a:pt x="12700" y="546100"/>
+                </a:lnTo>
+                <a:close/>
+              </a:path>
+            </a:pathLst>
+          </a:custGeom>
+          <a:gradFill>
+            <a:gsLst>
+              <a:gs pos="0">
+                <a:schemeClr val="bg1">
+                  <a:lumMod val="50000"/>
+                </a:schemeClr>
+              </a:gs>
+              <a:gs pos="39999">
+                <a:schemeClr val="bg1">
+                  <a:lumMod val="65000"/>
+                </a:schemeClr>
+              </a:gs>
+              <a:gs pos="70000">
+                <a:schemeClr val="bg1">
+                  <a:lumMod val="50000"/>
+                  <a:alpha val="73000"/>
+                </a:schemeClr>
+              </a:gs>
+            </a:gsLst>
+            <a:lin ang="5400000" scaled="0"/>
+          </a:gradFill>
+          <a:ln>
+            <a:solidFill>
+              <a:schemeClr val="bg1">
+                <a:lumMod val="75000"/>
+              </a:schemeClr>
+            </a:solidFill>
+          </a:ln>
+        </p:spPr>
+        <p:style>
+          <a:lnRef idx="2">
+            <a:schemeClr val="accent1">
+              <a:shade val="50000"/>
+            </a:schemeClr>
+          </a:lnRef>
+          <a:fillRef idx="1">
+            <a:schemeClr val="accent1"/>
+          </a:fillRef>
+          <a:effectRef idx="0">
+            <a:schemeClr val="accent1"/>
+          </a:effectRef>
+          <a:fontRef idx="minor">
+            <a:schemeClr val="lt1"/>
+          </a:fontRef>
+        </p:style>
+        <p:txBody>
+          <a:bodyPr rtlCol="0" anchor="ctr"/>
+          <a:lstStyle/>
+          <a:p>
+            <a:pPr fontAlgn="t"/>
+            <a:endParaRPr lang="es-AR" b="1" dirty="0" smtClean="0"/>
+          </a:p>
+          <a:p>
+            <a:pPr algn="ctr"/>
+            <a:endParaRPr lang="es-AR" dirty="0"/>
+          </a:p>
+        </p:txBody>
+      </p:sp>
+      <p:sp>
+        <p:nvSpPr>
+          <p:cNvPr id="14" name="TextBox 13"/>
+          <p:cNvSpPr txBox="1"/>
+          <p:nvPr/>
+        </p:nvSpPr>
+        <p:spPr>
+          <a:xfrm>
+            <a:off x="2514600" y="3276600"/>
+            <a:ext cx="3733800" cy="523220"/>
+          </a:xfrm>
+          <a:prstGeom prst="rect">
+            <a:avLst/>
+          </a:prstGeom>
+          <a:noFill/>
+        </p:spPr>
+        <p:txBody>
+          <a:bodyPr wrap="square" rtlCol="0">
+            <a:spAutoFit/>
+          </a:bodyPr>
+          <a:lstStyle/>
+          <a:p>
+            <a:endParaRPr lang="es-AR" sz="2800" i="1" dirty="0">
+              <a:solidFill>
+                <a:schemeClr val="bg1"/>
+              </a:solidFill>
+            </a:endParaRPr>
+          </a:p>
+        </p:txBody>
+      </p:sp>
+      <p:grpSp>
+        <p:nvGrpSpPr>
+          <p:cNvPr id="3" name="Group 14"/>
+          <p:cNvGrpSpPr/>
+          <p:nvPr/>
+        </p:nvGrpSpPr>
+        <p:grpSpPr>
+          <a:xfrm>
+            <a:off x="1295400" y="544415"/>
+            <a:ext cx="6553200" cy="903384"/>
+            <a:chOff x="1295400" y="544415"/>
+            <a:chExt cx="6553200" cy="903384"/>
+          </a:xfrm>
+        </p:grpSpPr>
+        <p:sp>
+          <p:nvSpPr>
+            <p:cNvPr id="16" name="Round Same Side Corner Rectangle 15"/>
+            <p:cNvSpPr/>
+            <p:nvPr/>
+          </p:nvSpPr>
+          <p:spPr>
+            <a:xfrm rot="10800000">
+              <a:off x="1295400" y="544415"/>
+              <a:ext cx="6553200" cy="903384"/>
+            </a:xfrm>
+            <a:prstGeom prst="round2SameRect">
+              <a:avLst/>
+            </a:prstGeom>
+          </p:spPr>
+          <p:style>
+            <a:lnRef idx="2">
+              <a:schemeClr val="dk1">
+                <a:shade val="50000"/>
+              </a:schemeClr>
+            </a:lnRef>
+            <a:fillRef idx="1">
+              <a:schemeClr val="dk1"/>
+            </a:fillRef>
+            <a:effectRef idx="0">
+              <a:schemeClr val="dk1"/>
+            </a:effectRef>
+            <a:fontRef idx="minor">
+              <a:schemeClr val="lt1"/>
+            </a:fontRef>
+          </p:style>
+          <p:txBody>
+            <a:bodyPr rtlCol="0" anchor="ctr"/>
+            <a:lstStyle/>
+            <a:p>
+              <a:pPr algn="ctr"/>
+              <a:endParaRPr lang="es-AR" dirty="0"/>
+            </a:p>
+          </p:txBody>
+        </p:sp>
+        <p:pic>
+          <p:nvPicPr>
+            <p:cNvPr id="17" name="Picture 2" descr="E:\U.B.A.Files\Materias\75.45 Taller de Desarrollo de Proyectos I\TP\Trunk\Proyecto\web\site\images\logo.png"/>
+            <p:cNvPicPr>
+              <a:picLocks noChangeAspect="1" noChangeArrowheads="1"/>
+            </p:cNvPicPr>
+            <p:nvPr/>
+          </p:nvPicPr>
+          <p:blipFill>
+            <a:blip r:embed="rId3" cstate="print"/>
+            <a:srcRect/>
+            <a:stretch>
+              <a:fillRect/>
+            </a:stretch>
+          </p:blipFill>
+          <p:spPr bwMode="auto">
+            <a:xfrm>
+              <a:off x="1600200" y="609600"/>
+              <a:ext cx="2640904" cy="762000"/>
+            </a:xfrm>
+            <a:prstGeom prst="rect">
+              <a:avLst/>
+            </a:prstGeom>
+            <a:noFill/>
+          </p:spPr>
+        </p:pic>
+        <p:sp>
+          <p:nvSpPr>
+            <p:cNvPr id="18" name="TextBox 17"/>
+            <p:cNvSpPr txBox="1"/>
+            <p:nvPr/>
+          </p:nvSpPr>
+          <p:spPr>
+            <a:xfrm>
+              <a:off x="4515457" y="685800"/>
+              <a:ext cx="3180743" cy="307777"/>
+            </a:xfrm>
+            <a:prstGeom prst="rect">
+              <a:avLst/>
+            </a:prstGeom>
+            <a:noFill/>
+          </p:spPr>
+          <p:txBody>
+            <a:bodyPr wrap="none" rtlCol="0">
+              <a:spAutoFit/>
+            </a:bodyPr>
+            <a:lstStyle/>
+            <a:p>
+              <a:r>
+                <a:rPr lang="es-AR" sz="1400" dirty="0" smtClean="0">
+                  <a:solidFill>
+                    <a:schemeClr val="bg1">
+                      <a:lumMod val="50000"/>
+                    </a:schemeClr>
+                  </a:solidFill>
+                </a:rPr>
+                <a:t>Centralización y análisis de datos</a:t>
+              </a:r>
+              <a:endParaRPr lang="es-AR" sz="1400" dirty="0">
+                <a:solidFill>
+                  <a:schemeClr val="bg1">
+                    <a:lumMod val="50000"/>
+                  </a:schemeClr>
+                </a:solidFill>
+              </a:endParaRPr>
+            </a:p>
+          </p:txBody>
+        </p:sp>
+      </p:grpSp>
+      <p:pic>
+        <p:nvPicPr>
+          <p:cNvPr id="15" name="14 Imagen" descr="Informe3.png">
+            <a:hlinkClick r:id="rId4" action="ppaction://hlinksldjump"/>
+          </p:cNvPr>
+          <p:cNvPicPr>
+            <a:picLocks noChangeAspect="1"/>
+          </p:cNvPicPr>
+          <p:nvPr/>
+        </p:nvPicPr>
+        <p:blipFill>
+          <a:blip r:embed="rId5"/>
+          <a:stretch>
+            <a:fillRect/>
+          </a:stretch>
+        </p:blipFill>
+        <p:spPr>
+          <a:xfrm>
+            <a:off x="990600" y="1948111"/>
+            <a:ext cx="7162800" cy="3385889"/>
+          </a:xfrm>
+          <a:prstGeom prst="rect">
+            <a:avLst/>
+          </a:prstGeom>
+        </p:spPr>
+      </p:pic>
+    </p:spTree>
+  </p:cSld>
+  <p:clrMapOvr>
+    <a:masterClrMapping/>
+  </p:clrMapOvr>
+  <p:timing>
+    <p:tnLst>
+      <p:par>
+        <p:cTn id="1" dur="indefinite" restart="never" nodeType="tmRoot"/>
+      </p:par>
+    </p:tnLst>
+  </p:timing>
 </p:sld>
 </file>
 
@@ -19720,7 +23270,7 @@
         <p:spPr>
           <a:xfrm>
             <a:off x="381000" y="1447800"/>
-            <a:ext cx="8458200" cy="1066800"/>
+            <a:ext cx="8458200" cy="685800"/>
           </a:xfrm>
           <a:prstGeom prst="rect">
             <a:avLst/>
@@ -19752,26 +23302,18 @@
           <a:p>
             <a:pPr algn="ctr"/>
             <a:r>
-              <a:rPr lang="es-AR" sz="5000" b="1" u="sng" dirty="0" smtClean="0"/>
-              <a:t>SVE</a:t>
+              <a:rPr lang="es-AR" sz="3200" b="1" u="sng" dirty="0" smtClean="0"/>
+              <a:t>SVE – </a:t>
             </a:r>
             <a:r>
-              <a:rPr lang="es-AR" sz="4800" b="1" u="sng" dirty="0" smtClean="0"/>
-              <a:t> </a:t>
-            </a:r>
-            <a:r>
-              <a:rPr lang="es-AR" sz="4000" b="1" u="sng" dirty="0" smtClean="0"/>
-              <a:t>– </a:t>
-            </a:r>
-            <a:r>
-              <a:rPr lang="es-AR" sz="4000" b="1" u="sng" dirty="0" err="1" smtClean="0"/>
+              <a:rPr lang="es-AR" sz="3200" b="1" u="sng" dirty="0" err="1" smtClean="0"/>
               <a:t>Scoring</a:t>
             </a:r>
             <a:r>
-              <a:rPr lang="es-AR" sz="4000" b="1" u="sng" dirty="0" smtClean="0"/>
+              <a:rPr lang="es-AR" sz="3200" b="1" u="sng" dirty="0" smtClean="0"/>
               <a:t> Vehicular Estadístico</a:t>
             </a:r>
-            <a:endParaRPr lang="es-AR" sz="1400" u="sng" dirty="0"/>
+            <a:endParaRPr lang="es-AR" sz="3200" u="sng" dirty="0"/>
           </a:p>
         </p:txBody>
       </p:sp>
@@ -21762,70 +25304,6 @@
           </p:txBody>
         </p:sp>
       </p:grpSp>
-      <p:sp>
-        <p:nvSpPr>
-          <p:cNvPr id="46" name="Rectangle 45"/>
-          <p:cNvSpPr/>
-          <p:nvPr/>
-        </p:nvSpPr>
-        <p:spPr>
-          <a:xfrm>
-            <a:off x="381000" y="1447800"/>
-            <a:ext cx="8458200" cy="1066800"/>
-          </a:xfrm>
-          <a:prstGeom prst="rect">
-            <a:avLst/>
-          </a:prstGeom>
-          <a:noFill/>
-          <a:ln>
-            <a:noFill/>
-          </a:ln>
-        </p:spPr>
-        <p:style>
-          <a:lnRef idx="2">
-            <a:schemeClr val="accent1">
-              <a:shade val="50000"/>
-            </a:schemeClr>
-          </a:lnRef>
-          <a:fillRef idx="1">
-            <a:schemeClr val="accent1"/>
-          </a:fillRef>
-          <a:effectRef idx="0">
-            <a:schemeClr val="accent1"/>
-          </a:effectRef>
-          <a:fontRef idx="minor">
-            <a:schemeClr val="lt1"/>
-          </a:fontRef>
-        </p:style>
-        <p:txBody>
-          <a:bodyPr rtlCol="0" anchor="ctr"/>
-          <a:lstStyle/>
-          <a:p>
-            <a:pPr algn="ctr"/>
-            <a:r>
-              <a:rPr lang="es-AR" sz="5000" b="1" u="sng" dirty="0" smtClean="0"/>
-              <a:t>SVE</a:t>
-            </a:r>
-            <a:r>
-              <a:rPr lang="es-AR" sz="4800" b="1" u="sng" dirty="0" smtClean="0"/>
-              <a:t> </a:t>
-            </a:r>
-            <a:r>
-              <a:rPr lang="es-AR" sz="4000" b="1" u="sng" dirty="0" smtClean="0"/>
-              <a:t>– </a:t>
-            </a:r>
-            <a:r>
-              <a:rPr lang="es-AR" sz="4000" b="1" u="sng" dirty="0" err="1" smtClean="0"/>
-              <a:t>Scoring</a:t>
-            </a:r>
-            <a:r>
-              <a:rPr lang="es-AR" sz="4000" b="1" u="sng" dirty="0" smtClean="0"/>
-              <a:t> Vehicular Estadístico</a:t>
-            </a:r>
-            <a:endParaRPr lang="es-AR" sz="1400" u="sng" dirty="0"/>
-          </a:p>
-        </p:txBody>
-      </p:sp>
       <p:pic>
         <p:nvPicPr>
           <p:cNvPr id="5122" name="Picture 2" descr="C:\Users\Jerico\Desktop\doctu.jpg"/>
@@ -22004,6 +25482,62 @@
           </a:fontRef>
         </p:style>
       </p:cxnSp>
+      <p:sp>
+        <p:nvSpPr>
+          <p:cNvPr id="41" name="Rectangle 13"/>
+          <p:cNvSpPr/>
+          <p:nvPr/>
+        </p:nvSpPr>
+        <p:spPr>
+          <a:xfrm>
+            <a:off x="381000" y="1447800"/>
+            <a:ext cx="8458200" cy="685800"/>
+          </a:xfrm>
+          <a:prstGeom prst="rect">
+            <a:avLst/>
+          </a:prstGeom>
+          <a:noFill/>
+          <a:ln>
+            <a:noFill/>
+          </a:ln>
+        </p:spPr>
+        <p:style>
+          <a:lnRef idx="2">
+            <a:schemeClr val="accent1">
+              <a:shade val="50000"/>
+            </a:schemeClr>
+          </a:lnRef>
+          <a:fillRef idx="1">
+            <a:schemeClr val="accent1"/>
+          </a:fillRef>
+          <a:effectRef idx="0">
+            <a:schemeClr val="accent1"/>
+          </a:effectRef>
+          <a:fontRef idx="minor">
+            <a:schemeClr val="lt1"/>
+          </a:fontRef>
+        </p:style>
+        <p:txBody>
+          <a:bodyPr rtlCol="0" anchor="ctr"/>
+          <a:lstStyle/>
+          <a:p>
+            <a:pPr algn="ctr"/>
+            <a:r>
+              <a:rPr lang="es-AR" sz="3200" b="1" u="sng" dirty="0" smtClean="0"/>
+              <a:t>SVE – </a:t>
+            </a:r>
+            <a:r>
+              <a:rPr lang="es-AR" sz="3200" b="1" u="sng" dirty="0" err="1" smtClean="0"/>
+              <a:t>Scoring</a:t>
+            </a:r>
+            <a:r>
+              <a:rPr lang="es-AR" sz="3200" b="1" u="sng" dirty="0" smtClean="0"/>
+              <a:t> Vehicular Estadístico</a:t>
+            </a:r>
+            <a:endParaRPr lang="es-AR" sz="3200" u="sng" dirty="0"/>
+          </a:p>
+        </p:txBody>
+      </p:sp>
     </p:spTree>
   </p:cSld>
   <p:clrMapOvr>
@@ -22284,7 +25818,7 @@
         </p:nvSpPr>
         <p:spPr>
           <a:xfrm>
-            <a:off x="533400" y="457200"/>
+            <a:off x="533400" y="520700"/>
             <a:ext cx="8102599" cy="5803900"/>
           </a:xfrm>
           <a:custGeom>
@@ -22923,120 +26457,6 @@
           </a:p>
         </p:txBody>
       </p:sp>
-      <p:sp>
-        <p:nvSpPr>
-          <p:cNvPr id="14" name="Rectangle 13"/>
-          <p:cNvSpPr/>
-          <p:nvPr/>
-        </p:nvSpPr>
-        <p:spPr>
-          <a:xfrm>
-            <a:off x="381000" y="2133600"/>
-            <a:ext cx="8458200" cy="1066800"/>
-          </a:xfrm>
-          <a:prstGeom prst="rect">
-            <a:avLst/>
-          </a:prstGeom>
-          <a:noFill/>
-          <a:ln>
-            <a:noFill/>
-          </a:ln>
-        </p:spPr>
-        <p:style>
-          <a:lnRef idx="2">
-            <a:schemeClr val="accent1">
-              <a:shade val="50000"/>
-            </a:schemeClr>
-          </a:lnRef>
-          <a:fillRef idx="1">
-            <a:schemeClr val="accent1"/>
-          </a:fillRef>
-          <a:effectRef idx="0">
-            <a:schemeClr val="accent1"/>
-          </a:effectRef>
-          <a:fontRef idx="minor">
-            <a:schemeClr val="lt1"/>
-          </a:fontRef>
-        </p:style>
-        <p:txBody>
-          <a:bodyPr rtlCol="0" anchor="ctr"/>
-          <a:lstStyle/>
-          <a:p>
-            <a:pPr algn="ctr"/>
-            <a:r>
-              <a:rPr lang="es-AR" sz="4800" b="1" dirty="0" smtClean="0"/>
-              <a:t>SVE </a:t>
-            </a:r>
-            <a:r>
-              <a:rPr lang="es-AR" sz="3600" b="1" dirty="0" smtClean="0"/>
-              <a:t>– </a:t>
-            </a:r>
-            <a:r>
-              <a:rPr lang="es-AR" sz="3600" b="1" dirty="0" err="1" smtClean="0"/>
-              <a:t>Scoring</a:t>
-            </a:r>
-            <a:r>
-              <a:rPr lang="es-AR" sz="3600" b="1" dirty="0" smtClean="0"/>
-              <a:t> Vehicular Estadístico</a:t>
-            </a:r>
-            <a:endParaRPr lang="es-AR" sz="1200" dirty="0"/>
-          </a:p>
-        </p:txBody>
-      </p:sp>
-      <p:sp>
-        <p:nvSpPr>
-          <p:cNvPr id="39" name="TextBox 38"/>
-          <p:cNvSpPr txBox="1"/>
-          <p:nvPr/>
-        </p:nvSpPr>
-        <p:spPr>
-          <a:xfrm>
-            <a:off x="838200" y="3276600"/>
-            <a:ext cx="7391400" cy="4708981"/>
-          </a:xfrm>
-          <a:prstGeom prst="rect">
-            <a:avLst/>
-          </a:prstGeom>
-          <a:noFill/>
-        </p:spPr>
-        <p:txBody>
-          <a:bodyPr wrap="square" rtlCol="0">
-            <a:spAutoFit/>
-          </a:bodyPr>
-          <a:lstStyle/>
-          <a:p>
-            <a:r>
-              <a:rPr lang="es-AR" sz="6000" dirty="0" smtClean="0">
-                <a:solidFill>
-                  <a:schemeClr val="bg1"/>
-                </a:solidFill>
-              </a:rPr>
-              <a:t>Descripción del producto III </a:t>
-            </a:r>
-            <a:r>
-              <a:rPr lang="es-AR" sz="6000" dirty="0" err="1" smtClean="0">
-                <a:solidFill>
-                  <a:schemeClr val="bg1"/>
-                </a:solidFill>
-              </a:rPr>
-              <a:t>informacion</a:t>
-            </a:r>
-            <a:r>
-              <a:rPr lang="es-AR" sz="6000" dirty="0" smtClean="0">
-                <a:solidFill>
-                  <a:schemeClr val="bg1"/>
-                </a:solidFill>
-              </a:rPr>
-              <a:t> de resultados del perfil generado</a:t>
-            </a:r>
-            <a:endParaRPr lang="es-AR" sz="6000" dirty="0">
-              <a:solidFill>
-                <a:schemeClr val="bg1"/>
-              </a:solidFill>
-            </a:endParaRPr>
-          </a:p>
-        </p:txBody>
-      </p:sp>
       <p:grpSp>
         <p:nvGrpSpPr>
           <p:cNvPr id="15" name="Group 14"/>
@@ -23160,6 +26580,326 @@
           </p:txBody>
         </p:sp>
       </p:grpSp>
+      <p:sp>
+        <p:nvSpPr>
+          <p:cNvPr id="28" name="Rectangle 13"/>
+          <p:cNvSpPr/>
+          <p:nvPr/>
+        </p:nvSpPr>
+        <p:spPr>
+          <a:xfrm>
+            <a:off x="381000" y="1447800"/>
+            <a:ext cx="8458200" cy="685800"/>
+          </a:xfrm>
+          <a:prstGeom prst="rect">
+            <a:avLst/>
+          </a:prstGeom>
+          <a:noFill/>
+          <a:ln>
+            <a:noFill/>
+          </a:ln>
+        </p:spPr>
+        <p:style>
+          <a:lnRef idx="2">
+            <a:schemeClr val="accent1">
+              <a:shade val="50000"/>
+            </a:schemeClr>
+          </a:lnRef>
+          <a:fillRef idx="1">
+            <a:schemeClr val="accent1"/>
+          </a:fillRef>
+          <a:effectRef idx="0">
+            <a:schemeClr val="accent1"/>
+          </a:effectRef>
+          <a:fontRef idx="minor">
+            <a:schemeClr val="lt1"/>
+          </a:fontRef>
+        </p:style>
+        <p:txBody>
+          <a:bodyPr rtlCol="0" anchor="ctr"/>
+          <a:lstStyle/>
+          <a:p>
+            <a:pPr algn="ctr"/>
+            <a:r>
+              <a:rPr lang="es-AR" sz="3200" b="1" u="sng" dirty="0" smtClean="0"/>
+              <a:t>SVE – </a:t>
+            </a:r>
+            <a:r>
+              <a:rPr lang="es-AR" sz="3200" b="1" u="sng" dirty="0" err="1" smtClean="0"/>
+              <a:t>Scoring</a:t>
+            </a:r>
+            <a:r>
+              <a:rPr lang="es-AR" sz="3200" b="1" u="sng" dirty="0" smtClean="0"/>
+              <a:t> Vehicular Estadístico</a:t>
+            </a:r>
+            <a:endParaRPr lang="es-AR" sz="3200" u="sng" dirty="0"/>
+          </a:p>
+        </p:txBody>
+      </p:sp>
+      <p:sp>
+        <p:nvSpPr>
+          <p:cNvPr id="33" name="Rounded Rectangle 37"/>
+          <p:cNvSpPr/>
+          <p:nvPr/>
+        </p:nvSpPr>
+        <p:spPr>
+          <a:xfrm>
+            <a:off x="1295400" y="2743200"/>
+            <a:ext cx="6553200" cy="2743200"/>
+          </a:xfrm>
+          <a:prstGeom prst="roundRect">
+            <a:avLst/>
+          </a:prstGeom>
+        </p:spPr>
+        <p:style>
+          <a:lnRef idx="0">
+            <a:schemeClr val="accent1"/>
+          </a:lnRef>
+          <a:fillRef idx="3">
+            <a:schemeClr val="accent1"/>
+          </a:fillRef>
+          <a:effectRef idx="3">
+            <a:schemeClr val="accent1"/>
+          </a:effectRef>
+          <a:fontRef idx="minor">
+            <a:schemeClr val="lt1"/>
+          </a:fontRef>
+        </p:style>
+        <p:txBody>
+          <a:bodyPr rtlCol="0" anchor="t"/>
+          <a:lstStyle/>
+          <a:p>
+            <a:pPr algn="ctr"/>
+            <a:r>
+              <a:rPr lang="es-AR" b="1" dirty="0" smtClean="0"/>
+              <a:t>Informe de riesgos</a:t>
+            </a:r>
+            <a:endParaRPr lang="es-AR" b="1" dirty="0"/>
+          </a:p>
+        </p:txBody>
+      </p:sp>
+      <p:pic>
+        <p:nvPicPr>
+          <p:cNvPr id="30" name="29 Imagen" descr="Informe1.png">
+            <a:hlinkClick r:id="rId3" action="ppaction://hlinksldjump"/>
+          </p:cNvPr>
+          <p:cNvPicPr>
+            <a:picLocks noChangeAspect="1"/>
+          </p:cNvPicPr>
+          <p:nvPr/>
+        </p:nvPicPr>
+        <p:blipFill>
+          <a:blip r:embed="rId4" cstate="print"/>
+          <a:stretch>
+            <a:fillRect/>
+          </a:stretch>
+        </p:blipFill>
+        <p:spPr>
+          <a:xfrm>
+            <a:off x="2438400" y="3931958"/>
+            <a:ext cx="914400" cy="772764"/>
+          </a:xfrm>
+          <a:prstGeom prst="rect">
+            <a:avLst/>
+          </a:prstGeom>
+        </p:spPr>
+      </p:pic>
+      <p:pic>
+        <p:nvPicPr>
+          <p:cNvPr id="31" name="30 Imagen" descr="Informe2.png">
+            <a:hlinkClick r:id="rId5" action="ppaction://hlinksldjump"/>
+          </p:cNvPr>
+          <p:cNvPicPr>
+            <a:picLocks noChangeAspect="1"/>
+          </p:cNvPicPr>
+          <p:nvPr/>
+        </p:nvPicPr>
+        <p:blipFill>
+          <a:blip r:embed="rId6" cstate="print"/>
+          <a:stretch>
+            <a:fillRect/>
+          </a:stretch>
+        </p:blipFill>
+        <p:spPr>
+          <a:xfrm>
+            <a:off x="3657600" y="3931958"/>
+            <a:ext cx="1066800" cy="787526"/>
+          </a:xfrm>
+          <a:prstGeom prst="rect">
+            <a:avLst/>
+          </a:prstGeom>
+        </p:spPr>
+      </p:pic>
+      <p:pic>
+        <p:nvPicPr>
+          <p:cNvPr id="32" name="31 Imagen" descr="Informe3.png">
+            <a:hlinkClick r:id="rId7" action="ppaction://hlinksldjump"/>
+          </p:cNvPr>
+          <p:cNvPicPr>
+            <a:picLocks noChangeAspect="1"/>
+          </p:cNvPicPr>
+          <p:nvPr/>
+        </p:nvPicPr>
+        <p:blipFill>
+          <a:blip r:embed="rId8" cstate="print"/>
+          <a:stretch>
+            <a:fillRect/>
+          </a:stretch>
+        </p:blipFill>
+        <p:spPr>
+          <a:xfrm>
+            <a:off x="5029200" y="3931958"/>
+            <a:ext cx="1676400" cy="792442"/>
+          </a:xfrm>
+          <a:prstGeom prst="rect">
+            <a:avLst/>
+          </a:prstGeom>
+        </p:spPr>
+      </p:pic>
+      <p:sp>
+        <p:nvSpPr>
+          <p:cNvPr id="34" name="Rectangle 13"/>
+          <p:cNvSpPr/>
+          <p:nvPr/>
+        </p:nvSpPr>
+        <p:spPr>
+          <a:xfrm>
+            <a:off x="2286000" y="3581400"/>
+            <a:ext cx="1219200" cy="152400"/>
+          </a:xfrm>
+          <a:prstGeom prst="rect">
+            <a:avLst/>
+          </a:prstGeom>
+          <a:noFill/>
+          <a:ln>
+            <a:noFill/>
+          </a:ln>
+        </p:spPr>
+        <p:style>
+          <a:lnRef idx="2">
+            <a:schemeClr val="accent1">
+              <a:shade val="50000"/>
+            </a:schemeClr>
+          </a:lnRef>
+          <a:fillRef idx="1">
+            <a:schemeClr val="accent1"/>
+          </a:fillRef>
+          <a:effectRef idx="0">
+            <a:schemeClr val="accent1"/>
+          </a:effectRef>
+          <a:fontRef idx="minor">
+            <a:schemeClr val="lt1"/>
+          </a:fontRef>
+        </p:style>
+        <p:txBody>
+          <a:bodyPr rtlCol="0" anchor="ctr"/>
+          <a:lstStyle/>
+          <a:p>
+            <a:pPr algn="ctr"/>
+            <a:r>
+              <a:rPr lang="es-AR" sz="1400" dirty="0" smtClean="0"/>
+              <a:t>Datos personales</a:t>
+            </a:r>
+            <a:endParaRPr lang="es-AR" sz="1400" dirty="0"/>
+          </a:p>
+        </p:txBody>
+      </p:sp>
+      <p:sp>
+        <p:nvSpPr>
+          <p:cNvPr id="35" name="Rectangle 13"/>
+          <p:cNvSpPr/>
+          <p:nvPr/>
+        </p:nvSpPr>
+        <p:spPr>
+          <a:xfrm>
+            <a:off x="3733800" y="3657600"/>
+            <a:ext cx="914400" cy="152400"/>
+          </a:xfrm>
+          <a:prstGeom prst="rect">
+            <a:avLst/>
+          </a:prstGeom>
+          <a:noFill/>
+          <a:ln>
+            <a:noFill/>
+          </a:ln>
+        </p:spPr>
+        <p:style>
+          <a:lnRef idx="2">
+            <a:schemeClr val="accent1">
+              <a:shade val="50000"/>
+            </a:schemeClr>
+          </a:lnRef>
+          <a:fillRef idx="1">
+            <a:schemeClr val="accent1"/>
+          </a:fillRef>
+          <a:effectRef idx="0">
+            <a:schemeClr val="accent1"/>
+          </a:effectRef>
+          <a:fontRef idx="minor">
+            <a:schemeClr val="lt1"/>
+          </a:fontRef>
+        </p:style>
+        <p:txBody>
+          <a:bodyPr rtlCol="0" anchor="ctr"/>
+          <a:lstStyle/>
+          <a:p>
+            <a:pPr algn="ctr"/>
+            <a:r>
+              <a:rPr lang="es-AR" sz="1400" dirty="0" smtClean="0"/>
+              <a:t>Vehículos</a:t>
+            </a:r>
+            <a:endParaRPr lang="es-AR" sz="1400" dirty="0"/>
+          </a:p>
+        </p:txBody>
+      </p:sp>
+      <p:sp>
+        <p:nvSpPr>
+          <p:cNvPr id="36" name="Rectangle 13"/>
+          <p:cNvSpPr/>
+          <p:nvPr/>
+        </p:nvSpPr>
+        <p:spPr>
+          <a:xfrm>
+            <a:off x="5029200" y="3657600"/>
+            <a:ext cx="1524000" cy="152400"/>
+          </a:xfrm>
+          <a:prstGeom prst="rect">
+            <a:avLst/>
+          </a:prstGeom>
+          <a:noFill/>
+          <a:ln>
+            <a:noFill/>
+          </a:ln>
+        </p:spPr>
+        <p:style>
+          <a:lnRef idx="2">
+            <a:schemeClr val="accent1">
+              <a:shade val="50000"/>
+            </a:schemeClr>
+          </a:lnRef>
+          <a:fillRef idx="1">
+            <a:schemeClr val="accent1"/>
+          </a:fillRef>
+          <a:effectRef idx="0">
+            <a:schemeClr val="accent1"/>
+          </a:effectRef>
+          <a:fontRef idx="minor">
+            <a:schemeClr val="lt1"/>
+          </a:fontRef>
+        </p:style>
+        <p:txBody>
+          <a:bodyPr rtlCol="0" anchor="ctr"/>
+          <a:lstStyle/>
+          <a:p>
+            <a:pPr algn="ctr"/>
+            <a:r>
+              <a:rPr lang="es-AR" sz="1400" dirty="0" smtClean="0"/>
+              <a:t>Información legal</a:t>
+            </a:r>
+            <a:endParaRPr lang="es-AR" sz="1400" dirty="0"/>
+          </a:p>
+        </p:txBody>
+      </p:sp>
     </p:spTree>
   </p:cSld>
   <p:clrMapOvr>
@@ -24305,6 +28045,13 @@
   <p:clrMapOvr>
     <a:masterClrMapping/>
   </p:clrMapOvr>
+  <p:timing>
+    <p:tnLst>
+      <p:par>
+        <p:cTn id="1" dur="indefinite" restart="never" nodeType="tmRoot"/>
+      </p:par>
+    </p:tnLst>
+  </p:timing>
 </p:sld>
 </file>
 

--- a/Presentacion/Comercial/Presentacion Comercial.pptx
+++ b/Presentacion/Comercial/Presentacion Comercial.pptx
@@ -1986,8 +1986,8 @@
     <dgm:cxn modelId="{D2A1FADB-AF76-4733-B3DC-9255DAD7FEF3}" type="presOf" srcId="{496AF658-39D4-49E9-B4C6-C5E1A7F906E2}" destId="{F06619E9-E542-439D-B65D-1F35F8A24176}" srcOrd="0" destOrd="0" presId="urn:microsoft.com/office/officeart/2005/8/layout/cycle3"/>
     <dgm:cxn modelId="{8E5346C2-0F83-441F-B78B-BE09651ACB68}" srcId="{42BD14C9-541D-4029-AAD3-2EF0AA4FCEE9}" destId="{AA0E00CA-CA6E-4353-A284-570877CEB8C1}" srcOrd="3" destOrd="0" parTransId="{C65CAB3E-4A16-429A-B157-AE138B838E08}" sibTransId="{5072619A-07F3-4082-92C5-BBEDF9CBA2E7}"/>
     <dgm:cxn modelId="{4C0BF33D-1BC8-4E29-BC8F-0E609F96A0FA}" type="presOf" srcId="{AA0E00CA-CA6E-4353-A284-570877CEB8C1}" destId="{7517E12D-2E78-42FF-829C-19FEF96D7FA6}" srcOrd="0" destOrd="0" presId="urn:microsoft.com/office/officeart/2005/8/layout/cycle3"/>
+    <dgm:cxn modelId="{2B7E8767-3A09-495A-8864-FBD682008099}" type="presOf" srcId="{BFCCEEBB-4893-446F-BB29-FCDB0B6960A8}" destId="{21AA7386-08C3-4983-95AB-E7406219D63A}" srcOrd="0" destOrd="0" presId="urn:microsoft.com/office/officeart/2005/8/layout/cycle3"/>
     <dgm:cxn modelId="{23E7DC9A-DEB5-4705-985B-09BA6D4F8F79}" srcId="{42BD14C9-541D-4029-AAD3-2EF0AA4FCEE9}" destId="{BFCCEEBB-4893-446F-BB29-FCDB0B6960A8}" srcOrd="5" destOrd="0" parTransId="{3813F8A6-7A47-4D82-908E-184396A7C160}" sibTransId="{7F5E6678-4970-4236-ACD9-50EA4C21ABAD}"/>
-    <dgm:cxn modelId="{2B7E8767-3A09-495A-8864-FBD682008099}" type="presOf" srcId="{BFCCEEBB-4893-446F-BB29-FCDB0B6960A8}" destId="{21AA7386-08C3-4983-95AB-E7406219D63A}" srcOrd="0" destOrd="0" presId="urn:microsoft.com/office/officeart/2005/8/layout/cycle3"/>
     <dgm:cxn modelId="{8BCD5635-996C-4030-B03F-360822AC4D2A}" type="presOf" srcId="{42BD14C9-541D-4029-AAD3-2EF0AA4FCEE9}" destId="{0E9CCF2B-72D0-4B44-B1D8-99F4E58F7F12}" srcOrd="0" destOrd="0" presId="urn:microsoft.com/office/officeart/2005/8/layout/cycle3"/>
     <dgm:cxn modelId="{3BF3DE6B-4CFD-4D71-BBD0-01714DD3D4AE}" type="presOf" srcId="{E078CA96-0C8D-4BC6-B911-F8897328A0D4}" destId="{D135B4C1-1E5C-49B2-AAA3-B3074EAA9D6B}" srcOrd="0" destOrd="0" presId="urn:microsoft.com/office/officeart/2005/8/layout/cycle3"/>
     <dgm:cxn modelId="{B9A72798-6EB7-458A-B2C5-3CBE971530A7}" type="presParOf" srcId="{0E9CCF2B-72D0-4B44-B1D8-99F4E58F7F12}" destId="{781DE9F1-14B3-490E-9184-FD5B8B374833}" srcOrd="0" destOrd="0" presId="urn:microsoft.com/office/officeart/2005/8/layout/cycle3"/>
@@ -2003,7 +2003,7 @@
   <dgm:whole/>
   <dgm:extLst>
     <a:ext uri="http://schemas.microsoft.com/office/drawing/2008/diagram">
-      <dsp:dataModelExt xmlns:dsp="http://schemas.microsoft.com/office/drawing/2008/diagram" xmlns="" relId="rId9" minVer="http://schemas.openxmlformats.org/drawingml/2006/diagram"/>
+      <dsp:dataModelExt xmlns="" xmlns:dsp="http://schemas.microsoft.com/office/drawing/2008/diagram" relId="rId9" minVer="http://schemas.openxmlformats.org/drawingml/2006/diagram"/>
     </a:ext>
   </dgm:extLst>
 </dgm:dataModel>
@@ -2590,7 +2590,7 @@
   <dgm:whole/>
   <dgm:extLst>
     <a:ext uri="http://schemas.microsoft.com/office/drawing/2008/diagram">
-      <dsp:dataModelExt xmlns:dsp="http://schemas.microsoft.com/office/drawing/2008/diagram" xmlns="" relId="rId7" minVer="http://schemas.openxmlformats.org/drawingml/2006/diagram"/>
+      <dsp:dataModelExt xmlns="" xmlns:dsp="http://schemas.microsoft.com/office/drawing/2008/diagram" relId="rId7" minVer="http://schemas.openxmlformats.org/drawingml/2006/diagram"/>
     </a:ext>
   </dgm:extLst>
 </dgm:dataModel>
@@ -7809,7 +7809,7 @@
             <a:fld id="{9763C9BB-72E2-4283-8DE8-50E875797B7C}" type="datetimeFigureOut">
               <a:rPr lang="es-AR" smtClean="0"/>
               <a:pPr/>
-              <a:t>28/06/2011</a:t>
+              <a:t>29/06/2011</a:t>
             </a:fld>
             <a:endParaRPr lang="es-AR"/>
           </a:p>
@@ -8667,7 +8667,7 @@
             <a:fld id="{1D8BD707-D9CF-40AE-B4C6-C98DA3205C09}" type="datetimeFigureOut">
               <a:rPr lang="en-US" smtClean="0"/>
               <a:pPr/>
-              <a:t>6/28/2011</a:t>
+              <a:t>6/29/2011</a:t>
             </a:fld>
             <a:endParaRPr lang="en-US"/>
           </a:p>
@@ -8834,7 +8834,7 @@
             <a:fld id="{1D8BD707-D9CF-40AE-B4C6-C98DA3205C09}" type="datetimeFigureOut">
               <a:rPr lang="en-US" smtClean="0"/>
               <a:pPr/>
-              <a:t>6/28/2011</a:t>
+              <a:t>6/29/2011</a:t>
             </a:fld>
             <a:endParaRPr lang="en-US"/>
           </a:p>
@@ -9011,7 +9011,7 @@
             <a:fld id="{1D8BD707-D9CF-40AE-B4C6-C98DA3205C09}" type="datetimeFigureOut">
               <a:rPr lang="en-US" smtClean="0"/>
               <a:pPr/>
-              <a:t>6/28/2011</a:t>
+              <a:t>6/29/2011</a:t>
             </a:fld>
             <a:endParaRPr lang="en-US"/>
           </a:p>
@@ -9178,7 +9178,7 @@
             <a:fld id="{1D8BD707-D9CF-40AE-B4C6-C98DA3205C09}" type="datetimeFigureOut">
               <a:rPr lang="en-US" smtClean="0"/>
               <a:pPr/>
-              <a:t>6/28/2011</a:t>
+              <a:t>6/29/2011</a:t>
             </a:fld>
             <a:endParaRPr lang="en-US"/>
           </a:p>
@@ -9421,7 +9421,7 @@
             <a:fld id="{1D8BD707-D9CF-40AE-B4C6-C98DA3205C09}" type="datetimeFigureOut">
               <a:rPr lang="en-US" smtClean="0"/>
               <a:pPr/>
-              <a:t>6/28/2011</a:t>
+              <a:t>6/29/2011</a:t>
             </a:fld>
             <a:endParaRPr lang="en-US"/>
           </a:p>
@@ -9706,7 +9706,7 @@
             <a:fld id="{1D8BD707-D9CF-40AE-B4C6-C98DA3205C09}" type="datetimeFigureOut">
               <a:rPr lang="en-US" smtClean="0"/>
               <a:pPr/>
-              <a:t>6/28/2011</a:t>
+              <a:t>6/29/2011</a:t>
             </a:fld>
             <a:endParaRPr lang="en-US"/>
           </a:p>
@@ -10125,7 +10125,7 @@
             <a:fld id="{1D8BD707-D9CF-40AE-B4C6-C98DA3205C09}" type="datetimeFigureOut">
               <a:rPr lang="en-US" smtClean="0"/>
               <a:pPr/>
-              <a:t>6/28/2011</a:t>
+              <a:t>6/29/2011</a:t>
             </a:fld>
             <a:endParaRPr lang="en-US"/>
           </a:p>
@@ -10240,7 +10240,7 @@
             <a:fld id="{1D8BD707-D9CF-40AE-B4C6-C98DA3205C09}" type="datetimeFigureOut">
               <a:rPr lang="en-US" smtClean="0"/>
               <a:pPr/>
-              <a:t>6/28/2011</a:t>
+              <a:t>6/29/2011</a:t>
             </a:fld>
             <a:endParaRPr lang="en-US"/>
           </a:p>
@@ -10332,7 +10332,7 @@
             <a:fld id="{1D8BD707-D9CF-40AE-B4C6-C98DA3205C09}" type="datetimeFigureOut">
               <a:rPr lang="en-US" smtClean="0"/>
               <a:pPr/>
-              <a:t>6/28/2011</a:t>
+              <a:t>6/29/2011</a:t>
             </a:fld>
             <a:endParaRPr lang="en-US"/>
           </a:p>
@@ -10606,7 +10606,7 @@
             <a:fld id="{1D8BD707-D9CF-40AE-B4C6-C98DA3205C09}" type="datetimeFigureOut">
               <a:rPr lang="en-US" smtClean="0"/>
               <a:pPr/>
-              <a:t>6/28/2011</a:t>
+              <a:t>6/29/2011</a:t>
             </a:fld>
             <a:endParaRPr lang="en-US"/>
           </a:p>
@@ -10856,7 +10856,7 @@
             <a:fld id="{1D8BD707-D9CF-40AE-B4C6-C98DA3205C09}" type="datetimeFigureOut">
               <a:rPr lang="en-US" smtClean="0"/>
               <a:pPr/>
-              <a:t>6/28/2011</a:t>
+              <a:t>6/29/2011</a:t>
             </a:fld>
             <a:endParaRPr lang="en-US"/>
           </a:p>
@@ -11071,7 +11071,7 @@
             <a:fld id="{1D8BD707-D9CF-40AE-B4C6-C98DA3205C09}" type="datetimeFigureOut">
               <a:rPr lang="en-US" smtClean="0"/>
               <a:pPr/>
-              <a:t>6/28/2011</a:t>
+              <a:t>6/29/2011</a:t>
             </a:fld>
             <a:endParaRPr lang="en-US"/>
           </a:p>
@@ -14462,7 +14462,7 @@
         </p:nvSpPr>
         <p:spPr>
           <a:xfrm>
-            <a:off x="1143000" y="2218184"/>
+            <a:off x="1143000" y="1828800"/>
             <a:ext cx="6669360" cy="1066800"/>
           </a:xfrm>
           <a:prstGeom prst="rect">
@@ -14496,9 +14496,13 @@
             <a:pPr algn="ctr"/>
             <a:r>
               <a:rPr lang="es-AR" sz="4800" b="1" dirty="0" smtClean="0"/>
-              <a:t>Contacto y Contratación</a:t>
+              <a:t>Contacto y </a:t>
             </a:r>
-            <a:endParaRPr lang="es-AR" dirty="0"/>
+            <a:r>
+              <a:rPr lang="es-AR" sz="4000" b="1" dirty="0" smtClean="0"/>
+              <a:t>asesoramiento</a:t>
+            </a:r>
+            <a:endParaRPr lang="es-AR" sz="4000" dirty="0"/>
           </a:p>
         </p:txBody>
       </p:sp>
@@ -14655,6 +14659,128 @@
           </p:txBody>
         </p:sp>
       </p:grpSp>
+      <p:sp>
+        <p:nvSpPr>
+          <p:cNvPr id="19" name="18 CuadroTexto"/>
+          <p:cNvSpPr txBox="1"/>
+          <p:nvPr/>
+        </p:nvSpPr>
+        <p:spPr>
+          <a:xfrm>
+            <a:off x="1524000" y="2971800"/>
+            <a:ext cx="5943600" cy="1477328"/>
+          </a:xfrm>
+          <a:prstGeom prst="rect">
+            <a:avLst/>
+          </a:prstGeom>
+          <a:noFill/>
+        </p:spPr>
+        <p:txBody>
+          <a:bodyPr wrap="square" rtlCol="0">
+            <a:spAutoFit/>
+          </a:bodyPr>
+          <a:lstStyle/>
+          <a:p>
+            <a:pPr>
+              <a:buFont typeface="Wingdings" pitchFamily="2" charset="2"/>
+              <a:buChar char="Ø"/>
+            </a:pPr>
+            <a:r>
+              <a:rPr lang="es-AR" dirty="0" smtClean="0">
+                <a:solidFill>
+                  <a:schemeClr val="bg1"/>
+                </a:solidFill>
+              </a:rPr>
+              <a:t> </a:t>
+            </a:r>
+            <a:r>
+              <a:rPr lang="es-AR" dirty="0" smtClean="0">
+                <a:solidFill>
+                  <a:schemeClr val="bg1"/>
+                </a:solidFill>
+                <a:hlinkClick r:id="rId4"/>
+              </a:rPr>
+              <a:t>contactenos@nuevosrumbos.com.ar</a:t>
+            </a:r>
+            <a:endParaRPr lang="es-AR" dirty="0" smtClean="0">
+              <a:solidFill>
+                <a:schemeClr val="bg1"/>
+              </a:solidFill>
+            </a:endParaRPr>
+          </a:p>
+          <a:p>
+            <a:pPr>
+              <a:buFont typeface="Wingdings" pitchFamily="2" charset="2"/>
+              <a:buChar char="Ø"/>
+            </a:pPr>
+            <a:r>
+              <a:rPr lang="es-AR" dirty="0" smtClean="0">
+                <a:solidFill>
+                  <a:schemeClr val="bg1"/>
+                </a:solidFill>
+                <a:hlinkClick r:id="rId5"/>
+              </a:rPr>
+              <a:t> www.nuevosrumbos.com.ar</a:t>
+            </a:r>
+            <a:endParaRPr lang="es-AR" dirty="0" smtClean="0">
+              <a:solidFill>
+                <a:schemeClr val="bg1"/>
+              </a:solidFill>
+            </a:endParaRPr>
+          </a:p>
+          <a:p>
+            <a:pPr>
+              <a:buFont typeface="Wingdings" pitchFamily="2" charset="2"/>
+              <a:buChar char="Ø"/>
+            </a:pPr>
+            <a:r>
+              <a:rPr lang="es-AR" dirty="0" smtClean="0">
+                <a:solidFill>
+                  <a:schemeClr val="bg1"/>
+                </a:solidFill>
+              </a:rPr>
+              <a:t> Juan B. Justo 999, CABA – Buenos Aires, Argentina</a:t>
+            </a:r>
+          </a:p>
+          <a:p>
+            <a:pPr>
+              <a:buFont typeface="Wingdings" pitchFamily="2" charset="2"/>
+              <a:buChar char="Ø"/>
+            </a:pPr>
+            <a:r>
+              <a:rPr lang="es-AR" dirty="0" smtClean="0">
+                <a:solidFill>
+                  <a:schemeClr val="bg1"/>
+                </a:solidFill>
+              </a:rPr>
+              <a:t> 0800-444-6  8  7  8</a:t>
+            </a:r>
+          </a:p>
+          <a:p>
+            <a:r>
+              <a:rPr lang="es-AR" dirty="0" smtClean="0">
+                <a:solidFill>
+                  <a:schemeClr val="bg1"/>
+                </a:solidFill>
+              </a:rPr>
+              <a:t> </a:t>
+            </a:r>
+            <a:r>
+              <a:rPr lang="es-AR" dirty="0" smtClean="0">
+                <a:solidFill>
+                  <a:schemeClr val="bg1"/>
+                </a:solidFill>
+              </a:rPr>
+              <a:t>                      N U R  U</a:t>
+            </a:r>
+            <a:endParaRPr lang="es-AR" dirty="0">
+              <a:solidFill>
+                <a:schemeClr val="bg1"/>
+              </a:solidFill>
+            </a:endParaRPr>
+          </a:p>
+        </p:txBody>
+      </p:sp>
     </p:spTree>
   </p:cSld>
   <p:clrMapOvr>
@@ -20529,7 +20655,23 @@
                   <a:schemeClr val="bg1"/>
                 </a:solidFill>
               </a:rPr>
-              <a:t>Proveer informes confiables y fidedignos que los cuales nuestros clientes minimicen los riesgos en la toma de decisiones.</a:t>
+              <a:t>Proveer informes confiables y fidedignos </a:t>
+            </a:r>
+            <a:r>
+              <a:rPr lang="es-AR" dirty="0" smtClean="0">
+                <a:solidFill>
+                  <a:schemeClr val="bg1"/>
+                </a:solidFill>
+              </a:rPr>
+              <a:t>que nuestros clientes </a:t>
+            </a:r>
+            <a:r>
+              <a:rPr lang="es-AR" dirty="0" smtClean="0">
+                <a:solidFill>
+                  <a:schemeClr val="bg1"/>
+                </a:solidFill>
+              </a:rPr>
+              <a:t>minimicen los riesgos en la toma de decisiones.</a:t>
             </a:r>
             <a:endParaRPr lang="es-AR" dirty="0"/>
           </a:p>
@@ -27819,104 +27961,6 @@
           </a:p>
         </p:txBody>
       </p:sp>
-      <p:sp>
-        <p:nvSpPr>
-          <p:cNvPr id="14" name="Rectangle 13"/>
-          <p:cNvSpPr/>
-          <p:nvPr/>
-        </p:nvSpPr>
-        <p:spPr>
-          <a:xfrm>
-            <a:off x="381000" y="2133600"/>
-            <a:ext cx="8458200" cy="1066800"/>
-          </a:xfrm>
-          <a:prstGeom prst="rect">
-            <a:avLst/>
-          </a:prstGeom>
-          <a:noFill/>
-          <a:ln>
-            <a:noFill/>
-          </a:ln>
-        </p:spPr>
-        <p:style>
-          <a:lnRef idx="2">
-            <a:schemeClr val="accent1">
-              <a:shade val="50000"/>
-            </a:schemeClr>
-          </a:lnRef>
-          <a:fillRef idx="1">
-            <a:schemeClr val="accent1"/>
-          </a:fillRef>
-          <a:effectRef idx="0">
-            <a:schemeClr val="accent1"/>
-          </a:effectRef>
-          <a:fontRef idx="minor">
-            <a:schemeClr val="lt1"/>
-          </a:fontRef>
-        </p:style>
-        <p:txBody>
-          <a:bodyPr rtlCol="0" anchor="ctr"/>
-          <a:lstStyle/>
-          <a:p>
-            <a:pPr algn="ctr"/>
-            <a:r>
-              <a:rPr lang="es-AR" sz="4800" b="1" dirty="0" smtClean="0"/>
-              <a:t>SVE </a:t>
-            </a:r>
-            <a:r>
-              <a:rPr lang="es-AR" sz="3600" b="1" dirty="0" smtClean="0"/>
-              <a:t>– </a:t>
-            </a:r>
-            <a:r>
-              <a:rPr lang="es-AR" sz="3600" b="1" dirty="0" err="1" smtClean="0"/>
-              <a:t>Scoring</a:t>
-            </a:r>
-            <a:r>
-              <a:rPr lang="es-AR" sz="3600" b="1" dirty="0" smtClean="0"/>
-              <a:t> Vehicular Estadístico</a:t>
-            </a:r>
-            <a:endParaRPr lang="es-AR" sz="1200" dirty="0"/>
-          </a:p>
-        </p:txBody>
-      </p:sp>
-      <p:sp>
-        <p:nvSpPr>
-          <p:cNvPr id="39" name="TextBox 38"/>
-          <p:cNvSpPr txBox="1"/>
-          <p:nvPr/>
-        </p:nvSpPr>
-        <p:spPr>
-          <a:xfrm>
-            <a:off x="838200" y="3276600"/>
-            <a:ext cx="7391400" cy="2862322"/>
-          </a:xfrm>
-          <a:prstGeom prst="rect">
-            <a:avLst/>
-          </a:prstGeom>
-          <a:noFill/>
-        </p:spPr>
-        <p:txBody>
-          <a:bodyPr wrap="square" rtlCol="0">
-            <a:spAutoFit/>
-          </a:bodyPr>
-          <a:lstStyle/>
-          <a:p>
-            <a:r>
-              <a:rPr lang="es-AR" sz="6000" dirty="0" smtClean="0">
-                <a:solidFill>
-                  <a:schemeClr val="bg1"/>
-                </a:solidFill>
-              </a:rPr>
-              <a:t>Descripción del producto IV marco legal</a:t>
-            </a:r>
-            <a:endParaRPr lang="es-AR" sz="6000" dirty="0">
-              <a:solidFill>
-                <a:schemeClr val="bg1"/>
-              </a:solidFill>
-            </a:endParaRPr>
-          </a:p>
-        </p:txBody>
-      </p:sp>
       <p:grpSp>
         <p:nvGrpSpPr>
           <p:cNvPr id="15" name="Group 14"/>
@@ -28040,6 +28084,220 @@
           </p:txBody>
         </p:sp>
       </p:grpSp>
+      <p:sp>
+        <p:nvSpPr>
+          <p:cNvPr id="24" name="Rectangle 13"/>
+          <p:cNvSpPr/>
+          <p:nvPr/>
+        </p:nvSpPr>
+        <p:spPr>
+          <a:xfrm>
+            <a:off x="381000" y="1447800"/>
+            <a:ext cx="8458200" cy="685800"/>
+          </a:xfrm>
+          <a:prstGeom prst="rect">
+            <a:avLst/>
+          </a:prstGeom>
+          <a:noFill/>
+          <a:ln>
+            <a:noFill/>
+          </a:ln>
+        </p:spPr>
+        <p:style>
+          <a:lnRef idx="2">
+            <a:schemeClr val="accent1">
+              <a:shade val="50000"/>
+            </a:schemeClr>
+          </a:lnRef>
+          <a:fillRef idx="1">
+            <a:schemeClr val="accent1"/>
+          </a:fillRef>
+          <a:effectRef idx="0">
+            <a:schemeClr val="accent1"/>
+          </a:effectRef>
+          <a:fontRef idx="minor">
+            <a:schemeClr val="lt1"/>
+          </a:fontRef>
+        </p:style>
+        <p:txBody>
+          <a:bodyPr rtlCol="0" anchor="ctr"/>
+          <a:lstStyle/>
+          <a:p>
+            <a:pPr algn="ctr"/>
+            <a:r>
+              <a:rPr lang="es-AR" sz="3200" b="1" u="sng" dirty="0" smtClean="0"/>
+              <a:t>SVE – </a:t>
+            </a:r>
+            <a:r>
+              <a:rPr lang="es-AR" sz="3200" b="1" u="sng" dirty="0" err="1" smtClean="0"/>
+              <a:t>Scoring</a:t>
+            </a:r>
+            <a:r>
+              <a:rPr lang="es-AR" sz="3200" b="1" u="sng" dirty="0" smtClean="0"/>
+              <a:t> Vehicular Estadístico</a:t>
+            </a:r>
+            <a:endParaRPr lang="es-AR" sz="3200" u="sng" dirty="0"/>
+          </a:p>
+        </p:txBody>
+      </p:sp>
+      <p:sp>
+        <p:nvSpPr>
+          <p:cNvPr id="25" name="Rounded Rectangle 37"/>
+          <p:cNvSpPr/>
+          <p:nvPr/>
+        </p:nvSpPr>
+        <p:spPr>
+          <a:xfrm>
+            <a:off x="1295400" y="2743200"/>
+            <a:ext cx="6553200" cy="2743200"/>
+          </a:xfrm>
+          <a:prstGeom prst="roundRect">
+            <a:avLst/>
+          </a:prstGeom>
+        </p:spPr>
+        <p:style>
+          <a:lnRef idx="0">
+            <a:schemeClr val="accent1"/>
+          </a:lnRef>
+          <a:fillRef idx="3">
+            <a:schemeClr val="accent1"/>
+          </a:fillRef>
+          <a:effectRef idx="3">
+            <a:schemeClr val="accent1"/>
+          </a:effectRef>
+          <a:fontRef idx="minor">
+            <a:schemeClr val="lt1"/>
+          </a:fontRef>
+        </p:style>
+        <p:txBody>
+          <a:bodyPr rtlCol="0" anchor="t"/>
+          <a:lstStyle/>
+          <a:p>
+            <a:pPr algn="ctr"/>
+            <a:r>
+              <a:rPr lang="es-AR" b="1" dirty="0" smtClean="0"/>
+              <a:t>Marco legal</a:t>
+            </a:r>
+            <a:endParaRPr lang="es-AR" b="1" dirty="0"/>
+          </a:p>
+        </p:txBody>
+      </p:sp>
+      <p:pic>
+        <p:nvPicPr>
+          <p:cNvPr id="12290" name="Picture 2" descr="http://toustodo.files.wordpress.com/2010/12/justicia1.jpg"/>
+          <p:cNvPicPr>
+            <a:picLocks noChangeAspect="1" noChangeArrowheads="1"/>
+          </p:cNvPicPr>
+          <p:nvPr/>
+        </p:nvPicPr>
+        <p:blipFill>
+          <a:blip r:embed="rId3" cstate="print"/>
+          <a:srcRect/>
+          <a:stretch>
+            <a:fillRect/>
+          </a:stretch>
+        </p:blipFill>
+        <p:spPr bwMode="auto">
+          <a:xfrm>
+            <a:off x="1676400" y="3200400"/>
+            <a:ext cx="1754312" cy="1752600"/>
+          </a:xfrm>
+          <a:prstGeom prst="rect">
+            <a:avLst/>
+          </a:prstGeom>
+          <a:noFill/>
+        </p:spPr>
+      </p:pic>
+      <p:sp>
+        <p:nvSpPr>
+          <p:cNvPr id="26" name="25 CuadroTexto"/>
+          <p:cNvSpPr txBox="1"/>
+          <p:nvPr/>
+        </p:nvSpPr>
+        <p:spPr>
+          <a:xfrm>
+            <a:off x="3886200" y="3352800"/>
+            <a:ext cx="3352800" cy="1754326"/>
+          </a:xfrm>
+          <a:prstGeom prst="rect">
+            <a:avLst/>
+          </a:prstGeom>
+          <a:noFill/>
+        </p:spPr>
+        <p:txBody>
+          <a:bodyPr wrap="square" rtlCol="0">
+            <a:spAutoFit/>
+          </a:bodyPr>
+          <a:lstStyle/>
+          <a:p>
+            <a:pPr>
+              <a:buFont typeface="Wingdings" pitchFamily="2" charset="2"/>
+              <a:buChar char="Ø"/>
+            </a:pPr>
+            <a:r>
+              <a:rPr lang="es-AR" dirty="0" smtClean="0">
+                <a:solidFill>
+                  <a:schemeClr val="bg1"/>
+                </a:solidFill>
+              </a:rPr>
+              <a:t> Privacidad</a:t>
+            </a:r>
+          </a:p>
+          <a:p>
+            <a:endParaRPr lang="es-AR" dirty="0" smtClean="0">
+              <a:solidFill>
+                <a:schemeClr val="bg1"/>
+              </a:solidFill>
+            </a:endParaRPr>
+          </a:p>
+          <a:p>
+            <a:pPr>
+              <a:buFont typeface="Wingdings" pitchFamily="2" charset="2"/>
+              <a:buChar char="Ø"/>
+            </a:pPr>
+            <a:r>
+              <a:rPr lang="es-AR" dirty="0" smtClean="0">
+                <a:solidFill>
+                  <a:schemeClr val="bg1"/>
+                </a:solidFill>
+              </a:rPr>
+              <a:t> Confidencialidad</a:t>
+            </a:r>
+          </a:p>
+          <a:p>
+            <a:endParaRPr lang="es-AR" dirty="0" smtClean="0">
+              <a:solidFill>
+                <a:schemeClr val="bg1"/>
+              </a:solidFill>
+            </a:endParaRPr>
+          </a:p>
+          <a:p>
+            <a:pPr>
+              <a:buFont typeface="Wingdings" pitchFamily="2" charset="2"/>
+              <a:buChar char="Ø"/>
+            </a:pPr>
+            <a:r>
+              <a:rPr lang="es-AR" dirty="0" smtClean="0">
+                <a:solidFill>
+                  <a:schemeClr val="bg1"/>
+                </a:solidFill>
+              </a:rPr>
+              <a:t> Ley Habeas Data 25.326</a:t>
+            </a:r>
+          </a:p>
+          <a:p>
+            <a:pPr>
+              <a:buFont typeface="Wingdings" pitchFamily="2" charset="2"/>
+              <a:buChar char="Ø"/>
+            </a:pPr>
+            <a:endParaRPr lang="es-AR" dirty="0">
+              <a:solidFill>
+                <a:schemeClr val="bg1"/>
+              </a:solidFill>
+            </a:endParaRPr>
+          </a:p>
+        </p:txBody>
+      </p:sp>
     </p:spTree>
   </p:cSld>
   <p:clrMapOvr>

--- a/Presentacion/Comercial/Presentacion Comercial.pptx
+++ b/Presentacion/Comercial/Presentacion Comercial.pptx
@@ -5,7 +5,7 @@
     <p:sldMasterId id="2147484416" r:id="rId1"/>
   </p:sldMasterIdLst>
   <p:notesMasterIdLst>
-    <p:notesMasterId r:id="rId16"/>
+    <p:notesMasterId r:id="rId18"/>
   </p:notesMasterIdLst>
   <p:sldIdLst>
     <p:sldId id="256" r:id="rId2"/>
@@ -22,6 +22,8 @@
     <p:sldId id="267" r:id="rId13"/>
     <p:sldId id="268" r:id="rId14"/>
     <p:sldId id="269" r:id="rId15"/>
+    <p:sldId id="270" r:id="rId16"/>
+    <p:sldId id="271" r:id="rId17"/>
   </p:sldIdLst>
   <p:sldSz cx="9144000" cy="6858000" type="screen4x3"/>
   <p:notesSz cx="6858000" cy="9144000"/>
@@ -7809,7 +7811,7 @@
             <a:fld id="{9763C9BB-72E2-4283-8DE8-50E875797B7C}" type="datetimeFigureOut">
               <a:rPr lang="es-AR" smtClean="0"/>
               <a:pPr/>
-              <a:t>29/06/2011</a:t>
+              <a:t>08/07/2011</a:t>
             </a:fld>
             <a:endParaRPr lang="es-AR"/>
           </a:p>
@@ -7971,7 +7973,7 @@
             <a:fld id="{5ACEBAAB-EBB8-473E-9B6D-9EEDF5A7888A}" type="slidenum">
               <a:rPr lang="es-AR" smtClean="0"/>
               <a:pPr/>
-              <a:t>‹Nº›</a:t>
+              <a:t>‹#›</a:t>
             </a:fld>
             <a:endParaRPr lang="es-AR"/>
           </a:p>
@@ -8667,7 +8669,7 @@
             <a:fld id="{1D8BD707-D9CF-40AE-B4C6-C98DA3205C09}" type="datetimeFigureOut">
               <a:rPr lang="en-US" smtClean="0"/>
               <a:pPr/>
-              <a:t>6/29/2011</a:t>
+              <a:t>7/8/2011</a:t>
             </a:fld>
             <a:endParaRPr lang="en-US"/>
           </a:p>
@@ -8710,7 +8712,7 @@
             <a:fld id="{B6F15528-21DE-4FAA-801E-634DDDAF4B2B}" type="slidenum">
               <a:rPr lang="en-US" smtClean="0"/>
               <a:pPr/>
-              <a:t>‹Nº›</a:t>
+              <a:t>‹#›</a:t>
             </a:fld>
             <a:endParaRPr lang="en-US"/>
           </a:p>
@@ -8834,7 +8836,7 @@
             <a:fld id="{1D8BD707-D9CF-40AE-B4C6-C98DA3205C09}" type="datetimeFigureOut">
               <a:rPr lang="en-US" smtClean="0"/>
               <a:pPr/>
-              <a:t>6/29/2011</a:t>
+              <a:t>7/8/2011</a:t>
             </a:fld>
             <a:endParaRPr lang="en-US"/>
           </a:p>
@@ -8877,7 +8879,7 @@
             <a:fld id="{B6F15528-21DE-4FAA-801E-634DDDAF4B2B}" type="slidenum">
               <a:rPr lang="en-US" smtClean="0"/>
               <a:pPr/>
-              <a:t>‹Nº›</a:t>
+              <a:t>‹#›</a:t>
             </a:fld>
             <a:endParaRPr lang="en-US"/>
           </a:p>
@@ -9011,7 +9013,7 @@
             <a:fld id="{1D8BD707-D9CF-40AE-B4C6-C98DA3205C09}" type="datetimeFigureOut">
               <a:rPr lang="en-US" smtClean="0"/>
               <a:pPr/>
-              <a:t>6/29/2011</a:t>
+              <a:t>7/8/2011</a:t>
             </a:fld>
             <a:endParaRPr lang="en-US"/>
           </a:p>
@@ -9054,7 +9056,7 @@
             <a:fld id="{B6F15528-21DE-4FAA-801E-634DDDAF4B2B}" type="slidenum">
               <a:rPr lang="en-US" smtClean="0"/>
               <a:pPr/>
-              <a:t>‹Nº›</a:t>
+              <a:t>‹#›</a:t>
             </a:fld>
             <a:endParaRPr lang="en-US"/>
           </a:p>
@@ -9178,7 +9180,7 @@
             <a:fld id="{1D8BD707-D9CF-40AE-B4C6-C98DA3205C09}" type="datetimeFigureOut">
               <a:rPr lang="en-US" smtClean="0"/>
               <a:pPr/>
-              <a:t>6/29/2011</a:t>
+              <a:t>7/8/2011</a:t>
             </a:fld>
             <a:endParaRPr lang="en-US"/>
           </a:p>
@@ -9221,7 +9223,7 @@
             <a:fld id="{B6F15528-21DE-4FAA-801E-634DDDAF4B2B}" type="slidenum">
               <a:rPr lang="en-US" smtClean="0"/>
               <a:pPr/>
-              <a:t>‹Nº›</a:t>
+              <a:t>‹#›</a:t>
             </a:fld>
             <a:endParaRPr lang="en-US"/>
           </a:p>
@@ -9421,7 +9423,7 @@
             <a:fld id="{1D8BD707-D9CF-40AE-B4C6-C98DA3205C09}" type="datetimeFigureOut">
               <a:rPr lang="en-US" smtClean="0"/>
               <a:pPr/>
-              <a:t>6/29/2011</a:t>
+              <a:t>7/8/2011</a:t>
             </a:fld>
             <a:endParaRPr lang="en-US"/>
           </a:p>
@@ -9464,7 +9466,7 @@
             <a:fld id="{B6F15528-21DE-4FAA-801E-634DDDAF4B2B}" type="slidenum">
               <a:rPr lang="en-US" smtClean="0"/>
               <a:pPr/>
-              <a:t>‹Nº›</a:t>
+              <a:t>‹#›</a:t>
             </a:fld>
             <a:endParaRPr lang="en-US"/>
           </a:p>
@@ -9706,7 +9708,7 @@
             <a:fld id="{1D8BD707-D9CF-40AE-B4C6-C98DA3205C09}" type="datetimeFigureOut">
               <a:rPr lang="en-US" smtClean="0"/>
               <a:pPr/>
-              <a:t>6/29/2011</a:t>
+              <a:t>7/8/2011</a:t>
             </a:fld>
             <a:endParaRPr lang="en-US"/>
           </a:p>
@@ -9749,7 +9751,7 @@
             <a:fld id="{B6F15528-21DE-4FAA-801E-634DDDAF4B2B}" type="slidenum">
               <a:rPr lang="en-US" smtClean="0"/>
               <a:pPr/>
-              <a:t>‹Nº›</a:t>
+              <a:t>‹#›</a:t>
             </a:fld>
             <a:endParaRPr lang="en-US"/>
           </a:p>
@@ -10125,7 +10127,7 @@
             <a:fld id="{1D8BD707-D9CF-40AE-B4C6-C98DA3205C09}" type="datetimeFigureOut">
               <a:rPr lang="en-US" smtClean="0"/>
               <a:pPr/>
-              <a:t>6/29/2011</a:t>
+              <a:t>7/8/2011</a:t>
             </a:fld>
             <a:endParaRPr lang="en-US"/>
           </a:p>
@@ -10168,7 +10170,7 @@
             <a:fld id="{B6F15528-21DE-4FAA-801E-634DDDAF4B2B}" type="slidenum">
               <a:rPr lang="en-US" smtClean="0"/>
               <a:pPr/>
-              <a:t>‹Nº›</a:t>
+              <a:t>‹#›</a:t>
             </a:fld>
             <a:endParaRPr lang="en-US"/>
           </a:p>
@@ -10240,7 +10242,7 @@
             <a:fld id="{1D8BD707-D9CF-40AE-B4C6-C98DA3205C09}" type="datetimeFigureOut">
               <a:rPr lang="en-US" smtClean="0"/>
               <a:pPr/>
-              <a:t>6/29/2011</a:t>
+              <a:t>7/8/2011</a:t>
             </a:fld>
             <a:endParaRPr lang="en-US"/>
           </a:p>
@@ -10283,7 +10285,7 @@
             <a:fld id="{B6F15528-21DE-4FAA-801E-634DDDAF4B2B}" type="slidenum">
               <a:rPr lang="en-US" smtClean="0"/>
               <a:pPr/>
-              <a:t>‹Nº›</a:t>
+              <a:t>‹#›</a:t>
             </a:fld>
             <a:endParaRPr lang="en-US"/>
           </a:p>
@@ -10332,7 +10334,7 @@
             <a:fld id="{1D8BD707-D9CF-40AE-B4C6-C98DA3205C09}" type="datetimeFigureOut">
               <a:rPr lang="en-US" smtClean="0"/>
               <a:pPr/>
-              <a:t>6/29/2011</a:t>
+              <a:t>7/8/2011</a:t>
             </a:fld>
             <a:endParaRPr lang="en-US"/>
           </a:p>
@@ -10375,7 +10377,7 @@
             <a:fld id="{B6F15528-21DE-4FAA-801E-634DDDAF4B2B}" type="slidenum">
               <a:rPr lang="en-US" smtClean="0"/>
               <a:pPr/>
-              <a:t>‹Nº›</a:t>
+              <a:t>‹#›</a:t>
             </a:fld>
             <a:endParaRPr lang="en-US"/>
           </a:p>
@@ -10606,7 +10608,7 @@
             <a:fld id="{1D8BD707-D9CF-40AE-B4C6-C98DA3205C09}" type="datetimeFigureOut">
               <a:rPr lang="en-US" smtClean="0"/>
               <a:pPr/>
-              <a:t>6/29/2011</a:t>
+              <a:t>7/8/2011</a:t>
             </a:fld>
             <a:endParaRPr lang="en-US"/>
           </a:p>
@@ -10649,7 +10651,7 @@
             <a:fld id="{B6F15528-21DE-4FAA-801E-634DDDAF4B2B}" type="slidenum">
               <a:rPr lang="en-US" smtClean="0"/>
               <a:pPr/>
-              <a:t>‹Nº›</a:t>
+              <a:t>‹#›</a:t>
             </a:fld>
             <a:endParaRPr lang="en-US"/>
           </a:p>
@@ -10856,7 +10858,7 @@
             <a:fld id="{1D8BD707-D9CF-40AE-B4C6-C98DA3205C09}" type="datetimeFigureOut">
               <a:rPr lang="en-US" smtClean="0"/>
               <a:pPr/>
-              <a:t>6/29/2011</a:t>
+              <a:t>7/8/2011</a:t>
             </a:fld>
             <a:endParaRPr lang="en-US"/>
           </a:p>
@@ -10899,7 +10901,7 @@
             <a:fld id="{B6F15528-21DE-4FAA-801E-634DDDAF4B2B}" type="slidenum">
               <a:rPr lang="en-US" smtClean="0"/>
               <a:pPr/>
-              <a:t>‹Nº›</a:t>
+              <a:t>‹#›</a:t>
             </a:fld>
             <a:endParaRPr lang="en-US"/>
           </a:p>
@@ -11071,7 +11073,7 @@
             <a:fld id="{1D8BD707-D9CF-40AE-B4C6-C98DA3205C09}" type="datetimeFigureOut">
               <a:rPr lang="en-US" smtClean="0"/>
               <a:pPr/>
-              <a:t>6/29/2011</a:t>
+              <a:t>7/8/2011</a:t>
             </a:fld>
             <a:endParaRPr lang="en-US"/>
           </a:p>
@@ -11150,7 +11152,7 @@
             <a:fld id="{B6F15528-21DE-4FAA-801E-634DDDAF4B2B}" type="slidenum">
               <a:rPr lang="en-US" smtClean="0"/>
               <a:pPr/>
-              <a:t>‹Nº›</a:t>
+              <a:t>‹#›</a:t>
             </a:fld>
             <a:endParaRPr lang="en-US"/>
           </a:p>
@@ -12940,8 +12942,8 @@
         </p:nvSpPr>
         <p:spPr>
           <a:xfrm>
-            <a:off x="1331640" y="3140968"/>
-            <a:ext cx="5806526" cy="2974532"/>
+            <a:off x="1219200" y="3124200"/>
+            <a:ext cx="5806526" cy="3085460"/>
           </a:xfrm>
           <a:prstGeom prst="rect">
             <a:avLst/>
@@ -12982,7 +12984,7 @@
               <a:rPr lang="es-AR" sz="2400" dirty="0" smtClean="0">
                 <a:latin typeface="Cooper Black" pitchFamily="18" charset="0"/>
               </a:rPr>
-              <a:t>Pack 50 consultas mensual</a:t>
+              <a:t>Pack 50 consultas mensuales</a:t>
             </a:r>
           </a:p>
           <a:p>
@@ -12998,7 +13000,7 @@
               <a:rPr lang="es-AR" sz="2400" dirty="0" smtClean="0">
                 <a:latin typeface="Cooper Black" pitchFamily="18" charset="0"/>
               </a:rPr>
-              <a:t>Pack 200 consultas mensual</a:t>
+              <a:t>Pack 200 consultas mensuales</a:t>
             </a:r>
           </a:p>
           <a:p>
@@ -13626,7 +13628,13 @@
             <a:lstStyle/>
             <a:p>
               <a:pPr algn="ctr"/>
-              <a:endParaRPr lang="es-AR"/>
+              <a:endParaRPr lang="es-AR">
+                <a:solidFill>
+                  <a:schemeClr val="bg1">
+                    <a:lumMod val="95000"/>
+                  </a:schemeClr>
+                </a:solidFill>
+              </a:endParaRPr>
             </a:p>
           </p:txBody>
         </p:sp>
@@ -13670,7 +13678,13 @@
             <a:lstStyle/>
             <a:p>
               <a:pPr algn="ctr"/>
-              <a:endParaRPr lang="es-AR"/>
+              <a:endParaRPr lang="es-AR">
+                <a:solidFill>
+                  <a:schemeClr val="bg1">
+                    <a:lumMod val="95000"/>
+                  </a:schemeClr>
+                </a:solidFill>
+              </a:endParaRPr>
             </a:p>
           </p:txBody>
         </p:sp>
@@ -13714,7 +13728,13 @@
             <a:lstStyle/>
             <a:p>
               <a:pPr algn="ctr"/>
-              <a:endParaRPr lang="es-AR"/>
+              <a:endParaRPr lang="es-AR">
+                <a:solidFill>
+                  <a:schemeClr val="bg1">
+                    <a:lumMod val="95000"/>
+                  </a:schemeClr>
+                </a:solidFill>
+              </a:endParaRPr>
             </a:p>
           </p:txBody>
         </p:sp>
@@ -13758,7 +13778,13 @@
             <a:lstStyle/>
             <a:p>
               <a:pPr algn="ctr"/>
-              <a:endParaRPr lang="es-AR"/>
+              <a:endParaRPr lang="es-AR">
+                <a:solidFill>
+                  <a:schemeClr val="bg1">
+                    <a:lumMod val="95000"/>
+                  </a:schemeClr>
+                </a:solidFill>
+              </a:endParaRPr>
             </a:p>
           </p:txBody>
         </p:sp>
@@ -13802,7 +13828,13 @@
             <a:lstStyle/>
             <a:p>
               <a:pPr algn="ctr"/>
-              <a:endParaRPr lang="es-AR"/>
+              <a:endParaRPr lang="es-AR">
+                <a:solidFill>
+                  <a:schemeClr val="bg1">
+                    <a:lumMod val="95000"/>
+                  </a:schemeClr>
+                </a:solidFill>
+              </a:endParaRPr>
             </a:p>
           </p:txBody>
         </p:sp>
@@ -14462,8 +14494,8 @@
         </p:nvSpPr>
         <p:spPr>
           <a:xfrm>
-            <a:off x="1143000" y="1828800"/>
-            <a:ext cx="6669360" cy="1066800"/>
+            <a:off x="1179240" y="1676400"/>
+            <a:ext cx="6821760" cy="1066800"/>
           </a:xfrm>
           <a:prstGeom prst="rect">
             <a:avLst/>
@@ -14495,14 +14527,10 @@
           <a:p>
             <a:pPr algn="ctr"/>
             <a:r>
-              <a:rPr lang="es-AR" sz="4800" b="1" dirty="0" smtClean="0"/>
-              <a:t>Contacto y </a:t>
+              <a:rPr lang="es-AR" sz="4800" b="1" u="sng" dirty="0" smtClean="0"/>
+              <a:t>Contacto y asesoramiento</a:t>
             </a:r>
-            <a:r>
-              <a:rPr lang="es-AR" sz="4000" b="1" dirty="0" smtClean="0"/>
-              <a:t>asesoramiento</a:t>
-            </a:r>
-            <a:endParaRPr lang="es-AR" sz="4000" dirty="0"/>
+            <a:endParaRPr lang="es-AR" sz="4800" u="sng" dirty="0"/>
           </a:p>
         </p:txBody>
       </p:sp>
@@ -14667,8 +14695,8 @@
         </p:nvSpPr>
         <p:spPr>
           <a:xfrm>
-            <a:off x="1524000" y="2971800"/>
-            <a:ext cx="5943600" cy="1477328"/>
+            <a:off x="1600200" y="3124200"/>
+            <a:ext cx="5943600" cy="707886"/>
           </a:xfrm>
           <a:prstGeom prst="rect">
             <a:avLst/>
@@ -14681,101 +14709,282 @@
           </a:bodyPr>
           <a:lstStyle/>
           <a:p>
-            <a:pPr>
+            <a:pPr algn="ctr"/>
+            <a:r>
+              <a:rPr lang="es-AR" sz="2000" b="1" dirty="0" smtClean="0">
+                <a:solidFill>
+                  <a:schemeClr val="bg1">
+                    <a:lumMod val="95000"/>
+                  </a:schemeClr>
+                </a:solidFill>
+              </a:rPr>
+              <a:t>contactenos@nuevosrumbos.com.ar</a:t>
+            </a:r>
+            <a:endParaRPr lang="es-AR" sz="2000" b="1" dirty="0" smtClean="0">
+              <a:solidFill>
+                <a:schemeClr val="bg1">
+                  <a:lumMod val="95000"/>
+                </a:schemeClr>
+              </a:solidFill>
+            </a:endParaRPr>
+          </a:p>
+          <a:p>
+            <a:pPr algn="ctr"/>
+            <a:r>
+              <a:rPr lang="es-AR" sz="2000" b="1" dirty="0" smtClean="0">
+                <a:solidFill>
+                  <a:schemeClr val="bg1">
+                    <a:lumMod val="95000"/>
+                  </a:schemeClr>
+                </a:solidFill>
+              </a:rPr>
+              <a:t>www.nuevosrumbos.com.ar</a:t>
+            </a:r>
+          </a:p>
+        </p:txBody>
+      </p:sp>
+      <p:sp>
+        <p:nvSpPr>
+          <p:cNvPr id="20" name="TextBox 19"/>
+          <p:cNvSpPr txBox="1"/>
+          <p:nvPr/>
+        </p:nvSpPr>
+        <p:spPr>
+          <a:xfrm>
+            <a:off x="3800795" y="2743200"/>
+            <a:ext cx="1542410" cy="461665"/>
+          </a:xfrm>
+          <a:prstGeom prst="rect">
+            <a:avLst/>
+          </a:prstGeom>
+          <a:noFill/>
+        </p:spPr>
+        <p:txBody>
+          <a:bodyPr wrap="none" rtlCol="0">
+            <a:spAutoFit/>
+          </a:bodyPr>
+          <a:lstStyle/>
+          <a:p>
+            <a:pPr algn="ctr"/>
+            <a:r>
+              <a:rPr lang="es-AR" sz="2400" b="1" u="sng" dirty="0" smtClean="0"/>
+              <a:t>Escríbanos</a:t>
+            </a:r>
+            <a:endParaRPr lang="es-AR" sz="2400" b="1" u="sng" dirty="0"/>
+          </a:p>
+        </p:txBody>
+      </p:sp>
+      <p:sp>
+        <p:nvSpPr>
+          <p:cNvPr id="21" name="TextBox 20"/>
+          <p:cNvSpPr txBox="1"/>
+          <p:nvPr/>
+        </p:nvSpPr>
+        <p:spPr>
+          <a:xfrm>
+            <a:off x="3871327" y="3810000"/>
+            <a:ext cx="1401346" cy="461665"/>
+          </a:xfrm>
+          <a:prstGeom prst="rect">
+            <a:avLst/>
+          </a:prstGeom>
+          <a:noFill/>
+        </p:spPr>
+        <p:txBody>
+          <a:bodyPr wrap="none" rtlCol="0">
+            <a:spAutoFit/>
+          </a:bodyPr>
+          <a:lstStyle/>
+          <a:p>
+            <a:pPr algn="ctr"/>
+            <a:r>
+              <a:rPr lang="es-AR" sz="2400" b="1" u="sng" dirty="0" smtClean="0"/>
+              <a:t>Llámenos</a:t>
+            </a:r>
+            <a:endParaRPr lang="es-AR" sz="2400" b="1" u="sng" dirty="0"/>
+          </a:p>
+        </p:txBody>
+      </p:sp>
+      <p:sp>
+        <p:nvSpPr>
+          <p:cNvPr id="22" name="TextBox 21"/>
+          <p:cNvSpPr txBox="1"/>
+          <p:nvPr/>
+        </p:nvSpPr>
+        <p:spPr>
+          <a:xfrm>
+            <a:off x="3210121" y="4953000"/>
+            <a:ext cx="2723759" cy="461665"/>
+          </a:xfrm>
+          <a:prstGeom prst="rect">
+            <a:avLst/>
+          </a:prstGeom>
+          <a:noFill/>
+        </p:spPr>
+        <p:txBody>
+          <a:bodyPr wrap="none" rtlCol="0">
+            <a:spAutoFit/>
+          </a:bodyPr>
+          <a:lstStyle/>
+          <a:p>
+            <a:pPr algn="ctr"/>
+            <a:r>
+              <a:rPr lang="es-AR" sz="2400" b="1" u="sng" dirty="0" smtClean="0"/>
+              <a:t>Venga a conocernos</a:t>
+            </a:r>
+            <a:endParaRPr lang="es-AR" sz="2400" b="1" u="sng" dirty="0"/>
+          </a:p>
+        </p:txBody>
+      </p:sp>
+      <p:sp>
+        <p:nvSpPr>
+          <p:cNvPr id="23" name="TextBox 22"/>
+          <p:cNvSpPr txBox="1"/>
+          <p:nvPr/>
+        </p:nvSpPr>
+        <p:spPr>
+          <a:xfrm>
+            <a:off x="1981200" y="5410200"/>
+            <a:ext cx="5199565" cy="369332"/>
+          </a:xfrm>
+          <a:prstGeom prst="rect">
+            <a:avLst/>
+          </a:prstGeom>
+          <a:noFill/>
+        </p:spPr>
+        <p:txBody>
+          <a:bodyPr wrap="none" rtlCol="0">
+            <a:spAutoFit/>
+          </a:bodyPr>
+          <a:lstStyle/>
+          <a:p>
+            <a:pPr algn="ctr">
               <a:buFont typeface="Wingdings" pitchFamily="2" charset="2"/>
               <a:buChar char="Ø"/>
             </a:pPr>
             <a:r>
-              <a:rPr lang="es-AR" dirty="0" smtClean="0">
+              <a:rPr lang="es-AR" b="1" dirty="0" smtClean="0">
                 <a:solidFill>
-                  <a:schemeClr val="bg1"/>
+                  <a:schemeClr val="bg1">
+                    <a:lumMod val="95000"/>
+                  </a:schemeClr>
                 </a:solidFill>
               </a:rPr>
-              <a:t> </a:t>
+              <a:t> Juan B. Justo 999, CABA – Buenos Aires, </a:t>
             </a:r>
             <a:r>
-              <a:rPr lang="es-AR" dirty="0" smtClean="0">
+              <a:rPr lang="es-AR" b="1" dirty="0" smtClean="0">
                 <a:solidFill>
-                  <a:schemeClr val="bg1"/>
+                  <a:schemeClr val="bg1">
+                    <a:lumMod val="95000"/>
+                  </a:schemeClr>
                 </a:solidFill>
-                <a:hlinkClick r:id="rId4"/>
               </a:rPr>
-              <a:t>contactenos@nuevosrumbos.com.ar</a:t>
+              <a:t>Argentina</a:t>
             </a:r>
-            <a:endParaRPr lang="es-AR" dirty="0" smtClean="0">
+            <a:endParaRPr lang="es-AR" b="1" dirty="0" smtClean="0">
               <a:solidFill>
-                <a:schemeClr val="bg1"/>
+                <a:schemeClr val="bg1">
+                  <a:lumMod val="95000"/>
+                </a:schemeClr>
               </a:solidFill>
             </a:endParaRPr>
           </a:p>
+        </p:txBody>
+      </p:sp>
+      <p:sp>
+        <p:nvSpPr>
+          <p:cNvPr id="24" name="TextBox 23"/>
+          <p:cNvSpPr txBox="1"/>
+          <p:nvPr/>
+        </p:nvSpPr>
+        <p:spPr>
+          <a:xfrm>
+            <a:off x="2667000" y="4258270"/>
+            <a:ext cx="3810000" cy="461665"/>
+          </a:xfrm>
+          <a:prstGeom prst="rect">
+            <a:avLst/>
+          </a:prstGeom>
+          <a:noFill/>
+        </p:spPr>
+        <p:txBody>
+          <a:bodyPr wrap="square" rtlCol="0">
+            <a:spAutoFit/>
+          </a:bodyPr>
+          <a:lstStyle/>
           <a:p>
-            <a:pPr>
-              <a:buFont typeface="Wingdings" pitchFamily="2" charset="2"/>
-              <a:buChar char="Ø"/>
-            </a:pPr>
+            <a:pPr algn="ctr"/>
             <a:r>
-              <a:rPr lang="es-AR" dirty="0" smtClean="0">
+              <a:rPr lang="es-AR" sz="2400" b="1" dirty="0" smtClean="0">
                 <a:solidFill>
-                  <a:schemeClr val="bg1"/>
-                </a:solidFill>
-                <a:hlinkClick r:id="rId5"/>
-              </a:rPr>
-              <a:t> www.nuevosrumbos.com.ar</a:t>
-            </a:r>
-            <a:endParaRPr lang="es-AR" dirty="0" smtClean="0">
-              <a:solidFill>
-                <a:schemeClr val="bg1"/>
-              </a:solidFill>
-            </a:endParaRPr>
-          </a:p>
-          <a:p>
-            <a:pPr>
-              <a:buFont typeface="Wingdings" pitchFamily="2" charset="2"/>
-              <a:buChar char="Ø"/>
-            </a:pPr>
-            <a:r>
-              <a:rPr lang="es-AR" dirty="0" smtClean="0">
-                <a:solidFill>
-                  <a:schemeClr val="bg1"/>
+                  <a:schemeClr val="bg1">
+                    <a:lumMod val="95000"/>
+                  </a:schemeClr>
                 </a:solidFill>
               </a:rPr>
-              <a:t> Juan B. Justo 999, CABA – Buenos Aires, Argentina</a:t>
+              <a:t>0 8 0 0 – 4 4 4 – 6  </a:t>
+            </a:r>
+            <a:r>
+              <a:rPr lang="es-AR" sz="2400" b="1" dirty="0" smtClean="0">
+                <a:solidFill>
+                  <a:schemeClr val="bg1">
+                    <a:lumMod val="95000"/>
+                  </a:schemeClr>
+                </a:solidFill>
+              </a:rPr>
+              <a:t>8  7  </a:t>
+            </a:r>
+            <a:r>
+              <a:rPr lang="es-AR" sz="2400" b="1" dirty="0" smtClean="0">
+                <a:solidFill>
+                  <a:schemeClr val="bg1">
+                    <a:lumMod val="95000"/>
+                  </a:schemeClr>
+                </a:solidFill>
+              </a:rPr>
+              <a:t>8</a:t>
             </a:r>
           </a:p>
+        </p:txBody>
+      </p:sp>
+      <p:sp>
+        <p:nvSpPr>
+          <p:cNvPr id="25" name="TextBox 24"/>
+          <p:cNvSpPr txBox="1"/>
+          <p:nvPr/>
+        </p:nvSpPr>
+        <p:spPr>
+          <a:xfrm>
+            <a:off x="4908598" y="4583668"/>
+            <a:ext cx="1311578" cy="307777"/>
+          </a:xfrm>
+          <a:prstGeom prst="rect">
+            <a:avLst/>
+          </a:prstGeom>
+          <a:noFill/>
+        </p:spPr>
+        <p:txBody>
+          <a:bodyPr wrap="none" rtlCol="0">
+            <a:spAutoFit/>
+          </a:bodyPr>
+          <a:lstStyle/>
           <a:p>
-            <a:pPr>
-              <a:buFont typeface="Wingdings" pitchFamily="2" charset="2"/>
-              <a:buChar char="Ø"/>
-            </a:pPr>
             <a:r>
-              <a:rPr lang="es-AR" dirty="0" smtClean="0">
+              <a:rPr lang="es-AR" sz="1400" b="1" dirty="0" smtClean="0">
                 <a:solidFill>
-                  <a:schemeClr val="bg1"/>
+                  <a:schemeClr val="bg1">
+                    <a:lumMod val="95000"/>
+                  </a:schemeClr>
                 </a:solidFill>
               </a:rPr>
-              <a:t> 0800-444-6  8  7  8</a:t>
+              <a:t>(N     U    R     U)</a:t>
             </a:r>
-          </a:p>
-          <a:p>
-            <a:r>
-              <a:rPr lang="es-AR" dirty="0" smtClean="0">
-                <a:solidFill>
-                  <a:schemeClr val="bg1"/>
-                </a:solidFill>
-              </a:rPr>
-              <a:t> </a:t>
-            </a:r>
-            <a:r>
-              <a:rPr lang="es-AR" dirty="0" smtClean="0">
-                <a:solidFill>
-                  <a:schemeClr val="bg1"/>
-                </a:solidFill>
-              </a:rPr>
-              <a:t>                      N U R  U</a:t>
-            </a:r>
-            <a:endParaRPr lang="es-AR" dirty="0">
+            <a:endParaRPr lang="es-AR" sz="1400" b="1" dirty="0">
               <a:solidFill>
-                <a:schemeClr val="bg1"/>
+                <a:schemeClr val="bg1">
+                  <a:lumMod val="95000"/>
+                </a:schemeClr>
               </a:solidFill>
             </a:endParaRPr>
           </a:p>
@@ -15871,14 +16080,62 @@
         </p:blipFill>
         <p:spPr>
           <a:xfrm>
-            <a:off x="1905000" y="1535613"/>
-            <a:ext cx="5486400" cy="4636587"/>
+            <a:off x="2514600" y="2566154"/>
+            <a:ext cx="4114800" cy="3477441"/>
           </a:xfrm>
           <a:prstGeom prst="rect">
             <a:avLst/>
           </a:prstGeom>
         </p:spPr>
       </p:pic>
+      <p:sp>
+        <p:nvSpPr>
+          <p:cNvPr id="19" name="Rectangle 18"/>
+          <p:cNvSpPr/>
+          <p:nvPr/>
+        </p:nvSpPr>
+        <p:spPr>
+          <a:xfrm>
+            <a:off x="1179240" y="1524000"/>
+            <a:ext cx="6821760" cy="1066800"/>
+          </a:xfrm>
+          <a:prstGeom prst="rect">
+            <a:avLst/>
+          </a:prstGeom>
+          <a:noFill/>
+          <a:ln>
+            <a:noFill/>
+          </a:ln>
+        </p:spPr>
+        <p:style>
+          <a:lnRef idx="2">
+            <a:schemeClr val="accent1">
+              <a:shade val="50000"/>
+            </a:schemeClr>
+          </a:lnRef>
+          <a:fillRef idx="1">
+            <a:schemeClr val="accent1"/>
+          </a:fillRef>
+          <a:effectRef idx="0">
+            <a:schemeClr val="accent1"/>
+          </a:effectRef>
+          <a:fontRef idx="minor">
+            <a:schemeClr val="lt1"/>
+          </a:fontRef>
+        </p:style>
+        <p:txBody>
+          <a:bodyPr rtlCol="0" anchor="ctr"/>
+          <a:lstStyle/>
+          <a:p>
+            <a:pPr algn="ctr"/>
+            <a:r>
+              <a:rPr lang="es-AR" sz="4800" b="1" u="sng" dirty="0" smtClean="0"/>
+              <a:t>Datos personales</a:t>
+            </a:r>
+            <a:endParaRPr lang="es-AR" sz="4800" u="sng" dirty="0"/>
+          </a:p>
+        </p:txBody>
+      </p:sp>
     </p:spTree>
   </p:cSld>
   <p:clrMapOvr>
@@ -16969,14 +17226,62 @@
         </p:blipFill>
         <p:spPr>
           <a:xfrm>
-            <a:off x="1708288" y="1711948"/>
-            <a:ext cx="5835512" cy="4307852"/>
+            <a:off x="2217356" y="2543341"/>
+            <a:ext cx="4709288" cy="3476459"/>
           </a:xfrm>
           <a:prstGeom prst="rect">
             <a:avLst/>
           </a:prstGeom>
         </p:spPr>
       </p:pic>
+      <p:sp>
+        <p:nvSpPr>
+          <p:cNvPr id="20" name="Rectangle 19"/>
+          <p:cNvSpPr/>
+          <p:nvPr/>
+        </p:nvSpPr>
+        <p:spPr>
+          <a:xfrm>
+            <a:off x="1179240" y="1524000"/>
+            <a:ext cx="6821760" cy="1066800"/>
+          </a:xfrm>
+          <a:prstGeom prst="rect">
+            <a:avLst/>
+          </a:prstGeom>
+          <a:noFill/>
+          <a:ln>
+            <a:noFill/>
+          </a:ln>
+        </p:spPr>
+        <p:style>
+          <a:lnRef idx="2">
+            <a:schemeClr val="accent1">
+              <a:shade val="50000"/>
+            </a:schemeClr>
+          </a:lnRef>
+          <a:fillRef idx="1">
+            <a:schemeClr val="accent1"/>
+          </a:fillRef>
+          <a:effectRef idx="0">
+            <a:schemeClr val="accent1"/>
+          </a:effectRef>
+          <a:fontRef idx="minor">
+            <a:schemeClr val="lt1"/>
+          </a:fontRef>
+        </p:style>
+        <p:txBody>
+          <a:bodyPr rtlCol="0" anchor="ctr"/>
+          <a:lstStyle/>
+          <a:p>
+            <a:pPr algn="ctr"/>
+            <a:r>
+              <a:rPr lang="es-AR" sz="4800" b="1" u="sng" dirty="0" smtClean="0"/>
+              <a:t>Vehículos</a:t>
+            </a:r>
+            <a:endParaRPr lang="es-AR" sz="4800" u="sng" dirty="0"/>
+          </a:p>
+        </p:txBody>
+      </p:sp>
     </p:spTree>
   </p:cSld>
   <p:clrMapOvr>
@@ -18067,14 +18372,878 @@
         </p:blipFill>
         <p:spPr>
           <a:xfrm>
-            <a:off x="990600" y="1948111"/>
-            <a:ext cx="7162800" cy="3385889"/>
+            <a:off x="930500" y="2577092"/>
+            <a:ext cx="7283000" cy="3442708"/>
           </a:xfrm>
           <a:prstGeom prst="rect">
             <a:avLst/>
           </a:prstGeom>
         </p:spPr>
       </p:pic>
+      <p:sp>
+        <p:nvSpPr>
+          <p:cNvPr id="19" name="Rectangle 18"/>
+          <p:cNvSpPr/>
+          <p:nvPr/>
+        </p:nvSpPr>
+        <p:spPr>
+          <a:xfrm>
+            <a:off x="1179240" y="1524000"/>
+            <a:ext cx="6821760" cy="1066800"/>
+          </a:xfrm>
+          <a:prstGeom prst="rect">
+            <a:avLst/>
+          </a:prstGeom>
+          <a:noFill/>
+          <a:ln>
+            <a:noFill/>
+          </a:ln>
+        </p:spPr>
+        <p:style>
+          <a:lnRef idx="2">
+            <a:schemeClr val="accent1">
+              <a:shade val="50000"/>
+            </a:schemeClr>
+          </a:lnRef>
+          <a:fillRef idx="1">
+            <a:schemeClr val="accent1"/>
+          </a:fillRef>
+          <a:effectRef idx="0">
+            <a:schemeClr val="accent1"/>
+          </a:effectRef>
+          <a:fontRef idx="minor">
+            <a:schemeClr val="lt1"/>
+          </a:fontRef>
+        </p:style>
+        <p:txBody>
+          <a:bodyPr rtlCol="0" anchor="ctr"/>
+          <a:lstStyle/>
+          <a:p>
+            <a:pPr algn="ctr"/>
+            <a:r>
+              <a:rPr lang="es-AR" sz="4800" b="1" u="sng" dirty="0" smtClean="0"/>
+              <a:t>Información legal</a:t>
+            </a:r>
+            <a:endParaRPr lang="es-AR" sz="4800" u="sng" dirty="0"/>
+          </a:p>
+        </p:txBody>
+      </p:sp>
+    </p:spTree>
+  </p:cSld>
+  <p:clrMapOvr>
+    <a:masterClrMapping/>
+  </p:clrMapOvr>
+  <p:timing>
+    <p:tnLst>
+      <p:par>
+        <p:cTn id="1" dur="indefinite" restart="never" nodeType="tmRoot"/>
+      </p:par>
+    </p:tnLst>
+  </p:timing>
+</p:sld>
+</file>
+
+<file path=ppt/slides/slide15.xml><?xml version="1.0" encoding="utf-8"?>
+<p:sld xmlns:a="http://schemas.openxmlformats.org/drawingml/2006/main" xmlns:r="http://schemas.openxmlformats.org/officeDocument/2006/relationships" xmlns:p="http://schemas.openxmlformats.org/presentationml/2006/main">
+  <p:cSld>
+    <p:bg>
+      <p:bgPr>
+        <a:gradFill flip="none" rotWithShape="1">
+          <a:gsLst>
+            <a:gs pos="0">
+              <a:schemeClr val="tx1"/>
+            </a:gs>
+            <a:gs pos="25000">
+              <a:schemeClr val="tx1">
+                <a:lumMod val="75000"/>
+                <a:lumOff val="25000"/>
+              </a:schemeClr>
+            </a:gs>
+            <a:gs pos="75000">
+              <a:schemeClr val="tx1">
+                <a:lumMod val="65000"/>
+                <a:lumOff val="35000"/>
+              </a:schemeClr>
+            </a:gs>
+            <a:gs pos="100000">
+              <a:schemeClr val="bg1">
+                <a:lumMod val="50000"/>
+              </a:schemeClr>
+            </a:gs>
+          </a:gsLst>
+          <a:lin ang="8100000" scaled="0"/>
+          <a:tileRect/>
+        </a:gradFill>
+        <a:effectLst/>
+      </p:bgPr>
+    </p:bg>
+    <p:spTree>
+      <p:nvGrpSpPr>
+        <p:cNvPr id="1" name=""/>
+        <p:cNvGrpSpPr/>
+        <p:nvPr/>
+      </p:nvGrpSpPr>
+      <p:grpSpPr>
+        <a:xfrm>
+          <a:off x="0" y="0"/>
+          <a:ext cx="0" cy="0"/>
+          <a:chOff x="0" y="0"/>
+          <a:chExt cx="0" cy="0"/>
+        </a:xfrm>
+      </p:grpSpPr>
+      <p:sp>
+        <p:nvSpPr>
+          <p:cNvPr id="6" name="Round Same Side Corner Rectangle 5"/>
+          <p:cNvSpPr/>
+          <p:nvPr/>
+        </p:nvSpPr>
+        <p:spPr>
+          <a:xfrm rot="10800000">
+            <a:off x="11874" y="0"/>
+            <a:ext cx="9132125" cy="1981199"/>
+          </a:xfrm>
+          <a:prstGeom prst="round2SameRect">
+            <a:avLst/>
+          </a:prstGeom>
+        </p:spPr>
+        <p:style>
+          <a:lnRef idx="2">
+            <a:schemeClr val="dk1">
+              <a:shade val="50000"/>
+            </a:schemeClr>
+          </a:lnRef>
+          <a:fillRef idx="1">
+            <a:schemeClr val="dk1"/>
+          </a:fillRef>
+          <a:effectRef idx="0">
+            <a:schemeClr val="dk1"/>
+          </a:effectRef>
+          <a:fontRef idx="minor">
+            <a:schemeClr val="lt1"/>
+          </a:fontRef>
+        </p:style>
+        <p:txBody>
+          <a:bodyPr rtlCol="0" anchor="ctr"/>
+          <a:lstStyle/>
+          <a:p>
+            <a:pPr algn="ctr"/>
+            <a:endParaRPr lang="es-AR" dirty="0"/>
+          </a:p>
+        </p:txBody>
+      </p:sp>
+      <p:pic>
+        <p:nvPicPr>
+          <p:cNvPr id="1026" name="Picture 2" descr="E:\U.B.A.Files\Materias\75.45 Taller de Desarrollo de Proyectos I\TP\Trunk\Proyecto\web\site\images\logo.png"/>
+          <p:cNvPicPr>
+            <a:picLocks noChangeAspect="1" noChangeArrowheads="1"/>
+          </p:cNvPicPr>
+          <p:nvPr/>
+        </p:nvPicPr>
+        <p:blipFill>
+          <a:blip r:embed="rId2" cstate="print"/>
+          <a:srcRect/>
+          <a:stretch>
+            <a:fillRect/>
+          </a:stretch>
+        </p:blipFill>
+        <p:spPr bwMode="auto">
+          <a:xfrm>
+            <a:off x="228600" y="304800"/>
+            <a:ext cx="4489537" cy="1295400"/>
+          </a:xfrm>
+          <a:prstGeom prst="rect">
+            <a:avLst/>
+          </a:prstGeom>
+          <a:noFill/>
+        </p:spPr>
+      </p:pic>
+      <p:sp>
+        <p:nvSpPr>
+          <p:cNvPr id="7" name="TextBox 6"/>
+          <p:cNvSpPr txBox="1"/>
+          <p:nvPr/>
+        </p:nvSpPr>
+        <p:spPr>
+          <a:xfrm>
+            <a:off x="5088443" y="666690"/>
+            <a:ext cx="3598357" cy="400110"/>
+          </a:xfrm>
+          <a:prstGeom prst="rect">
+            <a:avLst/>
+          </a:prstGeom>
+          <a:noFill/>
+        </p:spPr>
+        <p:txBody>
+          <a:bodyPr wrap="none" rtlCol="0">
+            <a:spAutoFit/>
+          </a:bodyPr>
+          <a:lstStyle/>
+          <a:p>
+            <a:r>
+              <a:rPr lang="es-AR" sz="2000" dirty="0" smtClean="0">
+                <a:solidFill>
+                  <a:schemeClr val="bg1">
+                    <a:lumMod val="50000"/>
+                  </a:schemeClr>
+                </a:solidFill>
+              </a:rPr>
+              <a:t>Centralización y análisis de datos</a:t>
+            </a:r>
+            <a:endParaRPr lang="es-AR" sz="2000" dirty="0">
+              <a:solidFill>
+                <a:schemeClr val="bg1">
+                  <a:lumMod val="50000"/>
+                </a:schemeClr>
+              </a:solidFill>
+            </a:endParaRPr>
+          </a:p>
+        </p:txBody>
+      </p:sp>
+      <p:sp>
+        <p:nvSpPr>
+          <p:cNvPr id="43" name="TextBox 42"/>
+          <p:cNvSpPr txBox="1"/>
+          <p:nvPr/>
+        </p:nvSpPr>
+        <p:spPr>
+          <a:xfrm>
+            <a:off x="723900" y="4343400"/>
+            <a:ext cx="7696200" cy="1446550"/>
+          </a:xfrm>
+          <a:prstGeom prst="rect">
+            <a:avLst/>
+          </a:prstGeom>
+          <a:noFill/>
+          <a:ln>
+            <a:noFill/>
+          </a:ln>
+        </p:spPr>
+        <p:txBody>
+          <a:bodyPr wrap="square" rtlCol="0">
+            <a:spAutoFit/>
+          </a:bodyPr>
+          <a:lstStyle/>
+          <a:p>
+            <a:r>
+              <a:rPr lang="es-AR" sz="8800" dirty="0" smtClean="0">
+                <a:ln w="18415" cmpd="sng">
+                  <a:solidFill>
+                    <a:schemeClr val="tx1">
+                      <a:lumMod val="65000"/>
+                      <a:lumOff val="35000"/>
+                    </a:schemeClr>
+                  </a:solidFill>
+                  <a:prstDash val="solid"/>
+                </a:ln>
+                <a:gradFill flip="none" rotWithShape="1">
+                  <a:gsLst>
+                    <a:gs pos="0">
+                      <a:schemeClr val="bg1">
+                        <a:lumMod val="50000"/>
+                      </a:schemeClr>
+                    </a:gs>
+                    <a:gs pos="50000">
+                      <a:schemeClr val="bg1">
+                        <a:lumMod val="65000"/>
+                      </a:schemeClr>
+                    </a:gs>
+                    <a:gs pos="100000">
+                      <a:schemeClr val="bg1">
+                        <a:lumMod val="75000"/>
+                      </a:schemeClr>
+                    </a:gs>
+                  </a:gsLst>
+                  <a:lin ang="16200000" scaled="1"/>
+                  <a:tileRect/>
+                </a:gradFill>
+                <a:effectLst>
+                  <a:outerShdw blurRad="63500" dir="3600000" algn="tl" rotWithShape="0">
+                    <a:srgbClr val="000000">
+                      <a:alpha val="70000"/>
+                    </a:srgbClr>
+                  </a:outerShdw>
+                </a:effectLst>
+                <a:latin typeface="Copperplate Gothic Bold" pitchFamily="34" charset="0"/>
+              </a:rPr>
+              <a:t>Consultas?</a:t>
+            </a:r>
+            <a:endParaRPr lang="es-AR" sz="8800" dirty="0">
+              <a:ln w="18415" cmpd="sng">
+                <a:solidFill>
+                  <a:schemeClr val="tx1">
+                    <a:lumMod val="65000"/>
+                    <a:lumOff val="35000"/>
+                  </a:schemeClr>
+                </a:solidFill>
+                <a:prstDash val="solid"/>
+              </a:ln>
+              <a:gradFill flip="none" rotWithShape="1">
+                <a:gsLst>
+                  <a:gs pos="0">
+                    <a:schemeClr val="bg1">
+                      <a:lumMod val="50000"/>
+                    </a:schemeClr>
+                  </a:gs>
+                  <a:gs pos="50000">
+                    <a:schemeClr val="bg1">
+                      <a:lumMod val="65000"/>
+                    </a:schemeClr>
+                  </a:gs>
+                  <a:gs pos="100000">
+                    <a:schemeClr val="bg1">
+                      <a:lumMod val="75000"/>
+                    </a:schemeClr>
+                  </a:gs>
+                </a:gsLst>
+                <a:lin ang="16200000" scaled="1"/>
+                <a:tileRect/>
+              </a:gradFill>
+              <a:effectLst>
+                <a:outerShdw blurRad="63500" dir="3600000" algn="tl" rotWithShape="0">
+                  <a:srgbClr val="000000">
+                    <a:alpha val="70000"/>
+                  </a:srgbClr>
+                </a:outerShdw>
+              </a:effectLst>
+              <a:latin typeface="Copperplate Gothic Bold" pitchFamily="34" charset="0"/>
+            </a:endParaRPr>
+          </a:p>
+        </p:txBody>
+      </p:sp>
+      <p:pic>
+        <p:nvPicPr>
+          <p:cNvPr id="1027" name="Picture 3" descr="E:\U.B.A.Files\Materias\75.45 Taller de Desarrollo de Proyectos I\TP\Trunk\Proyecto\web\site\images\page3_prod2.png"/>
+          <p:cNvPicPr>
+            <a:picLocks noChangeAspect="1" noChangeArrowheads="1"/>
+          </p:cNvPicPr>
+          <p:nvPr/>
+        </p:nvPicPr>
+        <p:blipFill>
+          <a:blip r:embed="rId3" cstate="print"/>
+          <a:srcRect/>
+          <a:stretch>
+            <a:fillRect/>
+          </a:stretch>
+        </p:blipFill>
+        <p:spPr bwMode="auto">
+          <a:xfrm>
+            <a:off x="990600" y="2809142"/>
+            <a:ext cx="1371600" cy="1305658"/>
+          </a:xfrm>
+          <a:prstGeom prst="rect">
+            <a:avLst/>
+          </a:prstGeom>
+          <a:noFill/>
+        </p:spPr>
+      </p:pic>
+      <p:sp>
+        <p:nvSpPr>
+          <p:cNvPr id="45" name="TextBox 44"/>
+          <p:cNvSpPr txBox="1"/>
+          <p:nvPr/>
+        </p:nvSpPr>
+        <p:spPr>
+          <a:xfrm>
+            <a:off x="2446865" y="2791361"/>
+            <a:ext cx="2506135" cy="1323439"/>
+          </a:xfrm>
+          <a:prstGeom prst="rect">
+            <a:avLst/>
+          </a:prstGeom>
+          <a:noFill/>
+        </p:spPr>
+        <p:txBody>
+          <a:bodyPr wrap="none" rtlCol="0">
+            <a:spAutoFit/>
+          </a:bodyPr>
+          <a:lstStyle/>
+          <a:p>
+            <a:r>
+              <a:rPr lang="es-AR" sz="8000" b="1" dirty="0" smtClean="0">
+                <a:ln>
+                  <a:solidFill>
+                    <a:schemeClr val="tx1"/>
+                  </a:solidFill>
+                </a:ln>
+                <a:gradFill flip="none" rotWithShape="1">
+                  <a:gsLst>
+                    <a:gs pos="0">
+                      <a:schemeClr val="tx1">
+                        <a:tint val="66000"/>
+                        <a:satMod val="160000"/>
+                      </a:schemeClr>
+                    </a:gs>
+                    <a:gs pos="50000">
+                      <a:schemeClr val="tx1">
+                        <a:tint val="44500"/>
+                        <a:satMod val="160000"/>
+                      </a:schemeClr>
+                    </a:gs>
+                    <a:gs pos="100000">
+                      <a:schemeClr val="tx1">
+                        <a:tint val="23500"/>
+                        <a:satMod val="160000"/>
+                      </a:schemeClr>
+                    </a:gs>
+                  </a:gsLst>
+                  <a:lin ang="5400000" scaled="1"/>
+                  <a:tileRect/>
+                </a:gradFill>
+                <a:latin typeface="Copperplate Gothic Bold" pitchFamily="34" charset="0"/>
+              </a:rPr>
+              <a:t>SVE</a:t>
+            </a:r>
+          </a:p>
+        </p:txBody>
+      </p:sp>
+      <p:sp>
+        <p:nvSpPr>
+          <p:cNvPr id="24" name="TextBox 23"/>
+          <p:cNvSpPr txBox="1"/>
+          <p:nvPr/>
+        </p:nvSpPr>
+        <p:spPr>
+          <a:xfrm>
+            <a:off x="381000" y="2209800"/>
+            <a:ext cx="5671745" cy="584775"/>
+          </a:xfrm>
+          <a:prstGeom prst="rect">
+            <a:avLst/>
+          </a:prstGeom>
+          <a:noFill/>
+        </p:spPr>
+        <p:txBody>
+          <a:bodyPr wrap="none" rtlCol="0">
+            <a:spAutoFit/>
+          </a:bodyPr>
+          <a:lstStyle/>
+          <a:p>
+            <a:r>
+              <a:rPr lang="es-AR" sz="3200" dirty="0" smtClean="0">
+                <a:solidFill>
+                  <a:schemeClr val="bg1"/>
+                </a:solidFill>
+                <a:latin typeface="Cooper Black" pitchFamily="18" charset="0"/>
+              </a:rPr>
+              <a:t>Presentación del producto</a:t>
+            </a:r>
+            <a:endParaRPr lang="es-AR" sz="3200" dirty="0">
+              <a:solidFill>
+                <a:schemeClr val="bg1"/>
+              </a:solidFill>
+              <a:latin typeface="Cooper Black" pitchFamily="18" charset="0"/>
+            </a:endParaRPr>
+          </a:p>
+        </p:txBody>
+      </p:sp>
+    </p:spTree>
+  </p:cSld>
+  <p:clrMapOvr>
+    <a:masterClrMapping/>
+  </p:clrMapOvr>
+  <p:timing>
+    <p:tnLst>
+      <p:par>
+        <p:cTn id="1" dur="indefinite" restart="never" nodeType="tmRoot"/>
+      </p:par>
+    </p:tnLst>
+  </p:timing>
+</p:sld>
+</file>
+
+<file path=ppt/slides/slide16.xml><?xml version="1.0" encoding="utf-8"?>
+<p:sld xmlns:a="http://schemas.openxmlformats.org/drawingml/2006/main" xmlns:r="http://schemas.openxmlformats.org/officeDocument/2006/relationships" xmlns:p="http://schemas.openxmlformats.org/presentationml/2006/main">
+  <p:cSld>
+    <p:bg>
+      <p:bgPr>
+        <a:gradFill flip="none" rotWithShape="1">
+          <a:gsLst>
+            <a:gs pos="0">
+              <a:schemeClr val="tx1"/>
+            </a:gs>
+            <a:gs pos="25000">
+              <a:schemeClr val="tx1">
+                <a:lumMod val="75000"/>
+                <a:lumOff val="25000"/>
+              </a:schemeClr>
+            </a:gs>
+            <a:gs pos="75000">
+              <a:schemeClr val="tx1">
+                <a:lumMod val="65000"/>
+                <a:lumOff val="35000"/>
+              </a:schemeClr>
+            </a:gs>
+            <a:gs pos="100000">
+              <a:schemeClr val="bg1">
+                <a:lumMod val="50000"/>
+              </a:schemeClr>
+            </a:gs>
+          </a:gsLst>
+          <a:lin ang="8100000" scaled="0"/>
+          <a:tileRect/>
+        </a:gradFill>
+        <a:effectLst/>
+      </p:bgPr>
+    </p:bg>
+    <p:spTree>
+      <p:nvGrpSpPr>
+        <p:cNvPr id="1" name=""/>
+        <p:cNvGrpSpPr/>
+        <p:nvPr/>
+      </p:nvGrpSpPr>
+      <p:grpSpPr>
+        <a:xfrm>
+          <a:off x="0" y="0"/>
+          <a:ext cx="0" cy="0"/>
+          <a:chOff x="0" y="0"/>
+          <a:chExt cx="0" cy="0"/>
+        </a:xfrm>
+      </p:grpSpPr>
+      <p:sp>
+        <p:nvSpPr>
+          <p:cNvPr id="6" name="Round Same Side Corner Rectangle 5"/>
+          <p:cNvSpPr/>
+          <p:nvPr/>
+        </p:nvSpPr>
+        <p:spPr>
+          <a:xfrm rot="10800000">
+            <a:off x="11874" y="0"/>
+            <a:ext cx="9132125" cy="1981199"/>
+          </a:xfrm>
+          <a:prstGeom prst="round2SameRect">
+            <a:avLst/>
+          </a:prstGeom>
+        </p:spPr>
+        <p:style>
+          <a:lnRef idx="2">
+            <a:schemeClr val="dk1">
+              <a:shade val="50000"/>
+            </a:schemeClr>
+          </a:lnRef>
+          <a:fillRef idx="1">
+            <a:schemeClr val="dk1"/>
+          </a:fillRef>
+          <a:effectRef idx="0">
+            <a:schemeClr val="dk1"/>
+          </a:effectRef>
+          <a:fontRef idx="minor">
+            <a:schemeClr val="lt1"/>
+          </a:fontRef>
+        </p:style>
+        <p:txBody>
+          <a:bodyPr rtlCol="0" anchor="ctr"/>
+          <a:lstStyle/>
+          <a:p>
+            <a:pPr algn="ctr"/>
+            <a:endParaRPr lang="es-AR" dirty="0"/>
+          </a:p>
+        </p:txBody>
+      </p:sp>
+      <p:pic>
+        <p:nvPicPr>
+          <p:cNvPr id="1026" name="Picture 2" descr="E:\U.B.A.Files\Materias\75.45 Taller de Desarrollo de Proyectos I\TP\Trunk\Proyecto\web\site\images\logo.png"/>
+          <p:cNvPicPr>
+            <a:picLocks noChangeAspect="1" noChangeArrowheads="1"/>
+          </p:cNvPicPr>
+          <p:nvPr/>
+        </p:nvPicPr>
+        <p:blipFill>
+          <a:blip r:embed="rId2" cstate="print"/>
+          <a:srcRect/>
+          <a:stretch>
+            <a:fillRect/>
+          </a:stretch>
+        </p:blipFill>
+        <p:spPr bwMode="auto">
+          <a:xfrm>
+            <a:off x="228600" y="304800"/>
+            <a:ext cx="4489537" cy="1295400"/>
+          </a:xfrm>
+          <a:prstGeom prst="rect">
+            <a:avLst/>
+          </a:prstGeom>
+          <a:noFill/>
+        </p:spPr>
+      </p:pic>
+      <p:sp>
+        <p:nvSpPr>
+          <p:cNvPr id="7" name="TextBox 6"/>
+          <p:cNvSpPr txBox="1"/>
+          <p:nvPr/>
+        </p:nvSpPr>
+        <p:spPr>
+          <a:xfrm>
+            <a:off x="5088443" y="666690"/>
+            <a:ext cx="3598357" cy="400110"/>
+          </a:xfrm>
+          <a:prstGeom prst="rect">
+            <a:avLst/>
+          </a:prstGeom>
+          <a:noFill/>
+        </p:spPr>
+        <p:txBody>
+          <a:bodyPr wrap="none" rtlCol="0">
+            <a:spAutoFit/>
+          </a:bodyPr>
+          <a:lstStyle/>
+          <a:p>
+            <a:r>
+              <a:rPr lang="es-AR" sz="2000" dirty="0" smtClean="0">
+                <a:solidFill>
+                  <a:schemeClr val="bg1">
+                    <a:lumMod val="50000"/>
+                  </a:schemeClr>
+                </a:solidFill>
+              </a:rPr>
+              <a:t>Centralización y análisis de datos</a:t>
+            </a:r>
+            <a:endParaRPr lang="es-AR" sz="2000" dirty="0">
+              <a:solidFill>
+                <a:schemeClr val="bg1">
+                  <a:lumMod val="50000"/>
+                </a:schemeClr>
+              </a:solidFill>
+            </a:endParaRPr>
+          </a:p>
+        </p:txBody>
+      </p:sp>
+      <p:sp>
+        <p:nvSpPr>
+          <p:cNvPr id="43" name="TextBox 42"/>
+          <p:cNvSpPr txBox="1"/>
+          <p:nvPr/>
+        </p:nvSpPr>
+        <p:spPr>
+          <a:xfrm>
+            <a:off x="1333500" y="3810000"/>
+            <a:ext cx="6819900" cy="2800767"/>
+          </a:xfrm>
+          <a:prstGeom prst="rect">
+            <a:avLst/>
+          </a:prstGeom>
+          <a:noFill/>
+          <a:ln>
+            <a:noFill/>
+          </a:ln>
+        </p:spPr>
+        <p:txBody>
+          <a:bodyPr wrap="square" rtlCol="0">
+            <a:spAutoFit/>
+          </a:bodyPr>
+          <a:lstStyle/>
+          <a:p>
+            <a:r>
+              <a:rPr lang="es-AR" sz="8800" dirty="0" smtClean="0">
+                <a:ln w="18415" cmpd="sng">
+                  <a:solidFill>
+                    <a:schemeClr val="tx1">
+                      <a:lumMod val="65000"/>
+                      <a:lumOff val="35000"/>
+                    </a:schemeClr>
+                  </a:solidFill>
+                  <a:prstDash val="solid"/>
+                </a:ln>
+                <a:gradFill flip="none" rotWithShape="1">
+                  <a:gsLst>
+                    <a:gs pos="0">
+                      <a:schemeClr val="bg1">
+                        <a:lumMod val="50000"/>
+                      </a:schemeClr>
+                    </a:gs>
+                    <a:gs pos="50000">
+                      <a:schemeClr val="bg1">
+                        <a:lumMod val="65000"/>
+                      </a:schemeClr>
+                    </a:gs>
+                    <a:gs pos="100000">
+                      <a:schemeClr val="bg1">
+                        <a:lumMod val="75000"/>
+                      </a:schemeClr>
+                    </a:gs>
+                  </a:gsLst>
+                  <a:lin ang="16200000" scaled="1"/>
+                  <a:tileRect/>
+                </a:gradFill>
+                <a:effectLst>
+                  <a:outerShdw blurRad="63500" dir="3600000" algn="tl" rotWithShape="0">
+                    <a:srgbClr val="000000">
+                      <a:alpha val="70000"/>
+                    </a:srgbClr>
+                  </a:outerShdw>
+                </a:effectLst>
+                <a:latin typeface="Copperplate Gothic Bold" pitchFamily="34" charset="0"/>
+              </a:rPr>
+              <a:t>Muchas gracias!!!</a:t>
+            </a:r>
+            <a:endParaRPr lang="es-AR" sz="8800" dirty="0">
+              <a:ln w="18415" cmpd="sng">
+                <a:solidFill>
+                  <a:schemeClr val="tx1">
+                    <a:lumMod val="65000"/>
+                    <a:lumOff val="35000"/>
+                  </a:schemeClr>
+                </a:solidFill>
+                <a:prstDash val="solid"/>
+              </a:ln>
+              <a:gradFill flip="none" rotWithShape="1">
+                <a:gsLst>
+                  <a:gs pos="0">
+                    <a:schemeClr val="bg1">
+                      <a:lumMod val="50000"/>
+                    </a:schemeClr>
+                  </a:gs>
+                  <a:gs pos="50000">
+                    <a:schemeClr val="bg1">
+                      <a:lumMod val="65000"/>
+                    </a:schemeClr>
+                  </a:gs>
+                  <a:gs pos="100000">
+                    <a:schemeClr val="bg1">
+                      <a:lumMod val="75000"/>
+                    </a:schemeClr>
+                  </a:gs>
+                </a:gsLst>
+                <a:lin ang="16200000" scaled="1"/>
+                <a:tileRect/>
+              </a:gradFill>
+              <a:effectLst>
+                <a:outerShdw blurRad="63500" dir="3600000" algn="tl" rotWithShape="0">
+                  <a:srgbClr val="000000">
+                    <a:alpha val="70000"/>
+                  </a:srgbClr>
+                </a:outerShdw>
+              </a:effectLst>
+              <a:latin typeface="Copperplate Gothic Bold" pitchFamily="34" charset="0"/>
+            </a:endParaRPr>
+          </a:p>
+        </p:txBody>
+      </p:sp>
+      <p:pic>
+        <p:nvPicPr>
+          <p:cNvPr id="1027" name="Picture 3" descr="E:\U.B.A.Files\Materias\75.45 Taller de Desarrollo de Proyectos I\TP\Trunk\Proyecto\web\site\images\page3_prod2.png"/>
+          <p:cNvPicPr>
+            <a:picLocks noChangeAspect="1" noChangeArrowheads="1"/>
+          </p:cNvPicPr>
+          <p:nvPr/>
+        </p:nvPicPr>
+        <p:blipFill>
+          <a:blip r:embed="rId3" cstate="print"/>
+          <a:srcRect/>
+          <a:stretch>
+            <a:fillRect/>
+          </a:stretch>
+        </p:blipFill>
+        <p:spPr bwMode="auto">
+          <a:xfrm>
+            <a:off x="990600" y="2809142"/>
+            <a:ext cx="1371600" cy="1305658"/>
+          </a:xfrm>
+          <a:prstGeom prst="rect">
+            <a:avLst/>
+          </a:prstGeom>
+          <a:noFill/>
+        </p:spPr>
+      </p:pic>
+      <p:sp>
+        <p:nvSpPr>
+          <p:cNvPr id="45" name="TextBox 44"/>
+          <p:cNvSpPr txBox="1"/>
+          <p:nvPr/>
+        </p:nvSpPr>
+        <p:spPr>
+          <a:xfrm>
+            <a:off x="2446865" y="2791361"/>
+            <a:ext cx="2506135" cy="1323439"/>
+          </a:xfrm>
+          <a:prstGeom prst="rect">
+            <a:avLst/>
+          </a:prstGeom>
+          <a:noFill/>
+        </p:spPr>
+        <p:txBody>
+          <a:bodyPr wrap="none" rtlCol="0">
+            <a:spAutoFit/>
+          </a:bodyPr>
+          <a:lstStyle/>
+          <a:p>
+            <a:r>
+              <a:rPr lang="es-AR" sz="8000" b="1" dirty="0" smtClean="0">
+                <a:ln>
+                  <a:solidFill>
+                    <a:schemeClr val="tx1"/>
+                  </a:solidFill>
+                </a:ln>
+                <a:gradFill flip="none" rotWithShape="1">
+                  <a:gsLst>
+                    <a:gs pos="0">
+                      <a:schemeClr val="tx1">
+                        <a:tint val="66000"/>
+                        <a:satMod val="160000"/>
+                      </a:schemeClr>
+                    </a:gs>
+                    <a:gs pos="50000">
+                      <a:schemeClr val="tx1">
+                        <a:tint val="44500"/>
+                        <a:satMod val="160000"/>
+                      </a:schemeClr>
+                    </a:gs>
+                    <a:gs pos="100000">
+                      <a:schemeClr val="tx1">
+                        <a:tint val="23500"/>
+                        <a:satMod val="160000"/>
+                      </a:schemeClr>
+                    </a:gs>
+                  </a:gsLst>
+                  <a:lin ang="5400000" scaled="1"/>
+                  <a:tileRect/>
+                </a:gradFill>
+                <a:latin typeface="Copperplate Gothic Bold" pitchFamily="34" charset="0"/>
+              </a:rPr>
+              <a:t>SVE</a:t>
+            </a:r>
+          </a:p>
+        </p:txBody>
+      </p:sp>
+      <p:sp>
+        <p:nvSpPr>
+          <p:cNvPr id="24" name="TextBox 23"/>
+          <p:cNvSpPr txBox="1"/>
+          <p:nvPr/>
+        </p:nvSpPr>
+        <p:spPr>
+          <a:xfrm>
+            <a:off x="381000" y="2209800"/>
+            <a:ext cx="5671745" cy="584775"/>
+          </a:xfrm>
+          <a:prstGeom prst="rect">
+            <a:avLst/>
+          </a:prstGeom>
+          <a:noFill/>
+        </p:spPr>
+        <p:txBody>
+          <a:bodyPr wrap="none" rtlCol="0">
+            <a:spAutoFit/>
+          </a:bodyPr>
+          <a:lstStyle/>
+          <a:p>
+            <a:r>
+              <a:rPr lang="es-AR" sz="3200" dirty="0" smtClean="0">
+                <a:solidFill>
+                  <a:schemeClr val="bg1"/>
+                </a:solidFill>
+                <a:latin typeface="Cooper Black" pitchFamily="18" charset="0"/>
+              </a:rPr>
+              <a:t>Presentación del producto</a:t>
+            </a:r>
+            <a:endParaRPr lang="es-AR" sz="3200" dirty="0">
+              <a:solidFill>
+                <a:schemeClr val="bg1"/>
+              </a:solidFill>
+              <a:latin typeface="Cooper Black" pitchFamily="18" charset="0"/>
+            </a:endParaRPr>
+          </a:p>
+        </p:txBody>
+      </p:sp>
     </p:spTree>
   </p:cSld>
   <p:clrMapOvr>
@@ -20599,7 +21768,7 @@
         <p:spPr>
           <a:xfrm>
             <a:off x="685800" y="2187476"/>
-            <a:ext cx="2362200" cy="2308324"/>
+            <a:ext cx="2590800" cy="2308324"/>
           </a:xfrm>
           <a:prstGeom prst="rect">
             <a:avLst/>
@@ -20618,7 +21787,17 @@
                   <a:schemeClr val="bg1"/>
                 </a:solidFill>
               </a:rPr>
-              <a:t>Centralizar la información de datos referentes a diversos campos, de suma importancia a la hora de tomar decisiones en su empresa.</a:t>
+              <a:t>Centralizar la información de datos referentes a diversos campos, de suma importancia a </a:t>
+            </a:r>
+          </a:p>
+          <a:p>
+            <a:r>
+              <a:rPr lang="es-AR" dirty="0" smtClean="0">
+                <a:solidFill>
+                  <a:schemeClr val="bg1"/>
+                </a:solidFill>
+              </a:rPr>
+              <a:t>la hora de tomar decisiones en su empresa.</a:t>
             </a:r>
           </a:p>
           <a:p>
@@ -20655,23 +21834,7 @@
                   <a:schemeClr val="bg1"/>
                 </a:solidFill>
               </a:rPr>
-              <a:t>Proveer informes confiables y fidedignos </a:t>
-            </a:r>
-            <a:r>
-              <a:rPr lang="es-AR" dirty="0" smtClean="0">
-                <a:solidFill>
-                  <a:schemeClr val="bg1"/>
-                </a:solidFill>
-              </a:rPr>
-              <a:t>que nuestros clientes </a:t>
-            </a:r>
-            <a:r>
-              <a:rPr lang="es-AR" dirty="0" smtClean="0">
-                <a:solidFill>
-                  <a:schemeClr val="bg1"/>
-                </a:solidFill>
-              </a:rPr>
-              <a:t>minimicen los riesgos en la toma de decisiones.</a:t>
+              <a:t>Proveer informes confiables y fidedignos que nuestros clientes minimicen los riesgos en la toma de decisiones.</a:t>
             </a:r>
             <a:endParaRPr lang="es-AR" dirty="0"/>
           </a:p>
@@ -24746,7 +25909,7 @@
             <a:pPr algn="ctr"/>
             <a:r>
               <a:rPr lang="es-AR" sz="1600" b="1" dirty="0" smtClean="0"/>
-              <a:t>Fuentes publicas  y</a:t>
+              <a:t>Fuentes públicas  y</a:t>
             </a:r>
           </a:p>
           <a:p>
@@ -25771,7 +26934,7 @@
             <a:lstStyle/>
             <a:p>
               <a:pPr algn="ctr"/>
-              <a:endParaRPr lang="es-AR"/>
+              <a:endParaRPr lang="es-AR" b="1"/>
             </a:p>
           </p:txBody>
         </p:sp>
@@ -25815,7 +26978,7 @@
             <a:lstStyle/>
             <a:p>
               <a:pPr algn="ctr"/>
-              <a:endParaRPr lang="es-AR"/>
+              <a:endParaRPr lang="es-AR" b="1"/>
             </a:p>
           </p:txBody>
         </p:sp>
@@ -25859,7 +27022,7 @@
             <a:lstStyle/>
             <a:p>
               <a:pPr algn="ctr"/>
-              <a:endParaRPr lang="es-AR"/>
+              <a:endParaRPr lang="es-AR" b="1"/>
             </a:p>
           </p:txBody>
         </p:sp>
@@ -25903,7 +27066,7 @@
             <a:lstStyle/>
             <a:p>
               <a:pPr algn="ctr"/>
-              <a:endParaRPr lang="es-AR"/>
+              <a:endParaRPr lang="es-AR" b="1"/>
             </a:p>
           </p:txBody>
         </p:sp>
@@ -25947,7 +27110,7 @@
             <a:lstStyle/>
             <a:p>
               <a:pPr algn="ctr"/>
-              <a:endParaRPr lang="es-AR"/>
+              <a:endParaRPr lang="es-AR" b="1"/>
             </a:p>
           </p:txBody>
         </p:sp>
@@ -25960,7 +27123,7 @@
         </p:nvSpPr>
         <p:spPr>
           <a:xfrm>
-            <a:off x="533400" y="520700"/>
+            <a:off x="533400" y="457200"/>
             <a:ext cx="8102599" cy="5803900"/>
           </a:xfrm>
           <a:custGeom>
@@ -26595,7 +27758,7 @@
           </a:p>
           <a:p>
             <a:pPr algn="ctr"/>
-            <a:endParaRPr lang="es-AR" dirty="0"/>
+            <a:endParaRPr lang="es-AR" b="1" dirty="0"/>
           </a:p>
         </p:txBody>
       </p:sp>
@@ -26649,7 +27812,7 @@
             <a:lstStyle/>
             <a:p>
               <a:pPr algn="ctr"/>
-              <a:endParaRPr lang="es-AR" dirty="0"/>
+              <a:endParaRPr lang="es-AR" b="1" dirty="0"/>
             </a:p>
           </p:txBody>
         </p:sp>
@@ -26688,7 +27851,7 @@
           <p:spPr>
             <a:xfrm>
               <a:off x="4515457" y="685800"/>
-              <a:ext cx="3180743" cy="307777"/>
+              <a:ext cx="2629118" cy="307777"/>
             </a:xfrm>
             <a:prstGeom prst="rect">
               <a:avLst/>
@@ -26702,7 +27865,7 @@
             <a:lstStyle/>
             <a:p>
               <a:r>
-                <a:rPr lang="es-AR" sz="1400" dirty="0" smtClean="0">
+                <a:rPr lang="es-AR" sz="1400" b="1" dirty="0" smtClean="0">
                   <a:solidFill>
                     <a:schemeClr val="bg1">
                       <a:lumMod val="50000"/>
@@ -26711,7 +27874,7 @@
                 </a:rPr>
                 <a:t>Centralización y análisis de datos</a:t>
               </a:r>
-              <a:endParaRPr lang="es-AR" sz="1400" dirty="0">
+              <a:endParaRPr lang="es-AR" sz="1400" b="1" dirty="0">
                 <a:solidFill>
                   <a:schemeClr val="bg1">
                     <a:lumMod val="50000"/>
@@ -26774,7 +27937,7 @@
               <a:rPr lang="es-AR" sz="3200" b="1" u="sng" dirty="0" smtClean="0"/>
               <a:t> Vehicular Estadístico</a:t>
             </a:r>
-            <a:endParaRPr lang="es-AR" sz="3200" u="sng" dirty="0"/>
+            <a:endParaRPr lang="es-AR" sz="3200" b="1" u="sng" dirty="0"/>
           </a:p>
         </p:txBody>
       </p:sp>
@@ -26786,8 +27949,8 @@
         </p:nvSpPr>
         <p:spPr>
           <a:xfrm>
-            <a:off x="1295400" y="2743200"/>
-            <a:ext cx="6553200" cy="2743200"/>
+            <a:off x="838200" y="2590800"/>
+            <a:ext cx="7467600" cy="3352800"/>
           </a:xfrm>
           <a:prstGeom prst="roundRect">
             <a:avLst/>
@@ -26813,10 +27976,18 @@
           <a:p>
             <a:pPr algn="ctr"/>
             <a:r>
-              <a:rPr lang="es-AR" b="1" dirty="0" smtClean="0"/>
+              <a:rPr lang="es-AR" sz="2800" b="1" i="1" u="sng" dirty="0" smtClean="0">
+                <a:solidFill>
+                  <a:schemeClr val="tx1"/>
+                </a:solidFill>
+              </a:rPr>
               <a:t>Informe de riesgos</a:t>
             </a:r>
-            <a:endParaRPr lang="es-AR" b="1" dirty="0"/>
+            <a:endParaRPr lang="es-AR" sz="2800" b="1" i="1" u="sng" dirty="0">
+              <a:solidFill>
+                <a:schemeClr val="tx1"/>
+              </a:solidFill>
+            </a:endParaRPr>
           </a:p>
         </p:txBody>
       </p:sp>
@@ -26838,8 +28009,8 @@
         </p:blipFill>
         <p:spPr>
           <a:xfrm>
-            <a:off x="2438400" y="3931958"/>
-            <a:ext cx="914400" cy="772764"/>
+            <a:off x="1143000" y="4274660"/>
+            <a:ext cx="1524000" cy="1287940"/>
           </a:xfrm>
           <a:prstGeom prst="rect">
             <a:avLst/>
@@ -26864,8 +28035,8 @@
         </p:blipFill>
         <p:spPr>
           <a:xfrm>
-            <a:off x="3657600" y="3931958"/>
-            <a:ext cx="1066800" cy="787526"/>
+            <a:off x="3124200" y="4267200"/>
+            <a:ext cx="1755674" cy="1296062"/>
           </a:xfrm>
           <a:prstGeom prst="rect">
             <a:avLst/>
@@ -26890,8 +28061,8 @@
         </p:blipFill>
         <p:spPr>
           <a:xfrm>
-            <a:off x="5029200" y="3931958"/>
-            <a:ext cx="1676400" cy="792442"/>
+            <a:off x="5181600" y="4267200"/>
+            <a:ext cx="2740400" cy="1295400"/>
           </a:xfrm>
           <a:prstGeom prst="rect">
             <a:avLst/>
@@ -26906,8 +28077,8 @@
         </p:nvSpPr>
         <p:spPr>
           <a:xfrm>
-            <a:off x="2286000" y="3581400"/>
-            <a:ext cx="1219200" cy="152400"/>
+            <a:off x="1295400" y="3429000"/>
+            <a:ext cx="1219200" cy="609600"/>
           </a:xfrm>
           <a:prstGeom prst="rect">
             <a:avLst/>
@@ -26939,10 +28110,10 @@
           <a:p>
             <a:pPr algn="ctr"/>
             <a:r>
-              <a:rPr lang="es-AR" sz="1400" dirty="0" smtClean="0"/>
+              <a:rPr lang="es-AR" b="1" dirty="0" smtClean="0"/>
               <a:t>Datos personales</a:t>
             </a:r>
-            <a:endParaRPr lang="es-AR" sz="1400" dirty="0"/>
+            <a:endParaRPr lang="es-AR" b="1" dirty="0"/>
           </a:p>
         </p:txBody>
       </p:sp>
@@ -26954,8 +28125,8 @@
         </p:nvSpPr>
         <p:spPr>
           <a:xfrm>
-            <a:off x="3733800" y="3657600"/>
-            <a:ext cx="914400" cy="152400"/>
+            <a:off x="3352800" y="3505200"/>
+            <a:ext cx="1371600" cy="381000"/>
           </a:xfrm>
           <a:prstGeom prst="rect">
             <a:avLst/>
@@ -26987,10 +28158,10 @@
           <a:p>
             <a:pPr algn="ctr"/>
             <a:r>
-              <a:rPr lang="es-AR" sz="1400" dirty="0" smtClean="0"/>
+              <a:rPr lang="es-AR" b="1" dirty="0" smtClean="0"/>
               <a:t>Vehículos</a:t>
             </a:r>
-            <a:endParaRPr lang="es-AR" sz="1400" dirty="0"/>
+            <a:endParaRPr lang="es-AR" b="1" dirty="0"/>
           </a:p>
         </p:txBody>
       </p:sp>
@@ -27002,8 +28173,8 @@
         </p:nvSpPr>
         <p:spPr>
           <a:xfrm>
-            <a:off x="5029200" y="3657600"/>
-            <a:ext cx="1524000" cy="152400"/>
+            <a:off x="5562600" y="3476500"/>
+            <a:ext cx="1905000" cy="457200"/>
           </a:xfrm>
           <a:prstGeom prst="rect">
             <a:avLst/>
@@ -27035,10 +28206,10 @@
           <a:p>
             <a:pPr algn="ctr"/>
             <a:r>
-              <a:rPr lang="es-AR" sz="1400" dirty="0" smtClean="0"/>
+              <a:rPr lang="es-AR" b="1" dirty="0" smtClean="0"/>
               <a:t>Información legal</a:t>
             </a:r>
-            <a:endParaRPr lang="es-AR" sz="1400" dirty="0"/>
+            <a:endParaRPr lang="es-AR" b="1" dirty="0"/>
           </a:p>
         </p:txBody>
       </p:sp>
@@ -28142,14 +29313,14 @@
       </p:sp>
       <p:sp>
         <p:nvSpPr>
-          <p:cNvPr id="25" name="Rounded Rectangle 37"/>
+          <p:cNvPr id="27" name="Rounded Rectangle 37"/>
           <p:cNvSpPr/>
           <p:nvPr/>
         </p:nvSpPr>
         <p:spPr>
           <a:xfrm>
-            <a:off x="1295400" y="2743200"/>
-            <a:ext cx="6553200" cy="2743200"/>
+            <a:off x="838200" y="2590800"/>
+            <a:ext cx="7467600" cy="3352800"/>
           </a:xfrm>
           <a:prstGeom prst="roundRect">
             <a:avLst/>
@@ -28175,10 +29346,18 @@
           <a:p>
             <a:pPr algn="ctr"/>
             <a:r>
-              <a:rPr lang="es-AR" b="1" dirty="0" smtClean="0"/>
+              <a:rPr lang="es-AR" sz="2800" b="1" i="1" u="sng" dirty="0" smtClean="0">
+                <a:solidFill>
+                  <a:schemeClr val="tx1"/>
+                </a:solidFill>
+              </a:rPr>
               <a:t>Marco legal</a:t>
             </a:r>
-            <a:endParaRPr lang="es-AR" b="1" dirty="0"/>
+            <a:endParaRPr lang="es-AR" sz="2800" b="1" i="1" u="sng" dirty="0">
+              <a:solidFill>
+                <a:schemeClr val="tx1"/>
+              </a:solidFill>
+            </a:endParaRPr>
           </a:p>
         </p:txBody>
       </p:sp>
@@ -28199,7 +29378,7 @@
         </p:blipFill>
         <p:spPr bwMode="auto">
           <a:xfrm>
-            <a:off x="1676400" y="3200400"/>
+            <a:off x="1903288" y="3657600"/>
             <a:ext cx="1754312" cy="1752600"/>
           </a:xfrm>
           <a:prstGeom prst="rect">
@@ -28216,8 +29395,8 @@
         </p:nvSpPr>
         <p:spPr>
           <a:xfrm>
-            <a:off x="3886200" y="3352800"/>
-            <a:ext cx="3352800" cy="1754326"/>
+            <a:off x="4114800" y="3657600"/>
+            <a:ext cx="3352800" cy="1938992"/>
           </a:xfrm>
           <a:prstGeom prst="rect">
             <a:avLst/>
@@ -28235,7 +29414,7 @@
               <a:buChar char="Ø"/>
             </a:pPr>
             <a:r>
-              <a:rPr lang="es-AR" dirty="0" smtClean="0">
+              <a:rPr lang="es-AR" sz="2000" b="1" dirty="0" smtClean="0">
                 <a:solidFill>
                   <a:schemeClr val="bg1"/>
                 </a:solidFill>
@@ -28244,7 +29423,7 @@
             </a:r>
           </a:p>
           <a:p>
-            <a:endParaRPr lang="es-AR" dirty="0" smtClean="0">
+            <a:endParaRPr lang="es-AR" sz="2000" b="1" dirty="0" smtClean="0">
               <a:solidFill>
                 <a:schemeClr val="bg1"/>
               </a:solidFill>
@@ -28256,7 +29435,7 @@
               <a:buChar char="Ø"/>
             </a:pPr>
             <a:r>
-              <a:rPr lang="es-AR" dirty="0" smtClean="0">
+              <a:rPr lang="es-AR" sz="2000" b="1" dirty="0" smtClean="0">
                 <a:solidFill>
                   <a:schemeClr val="bg1"/>
                 </a:solidFill>
@@ -28265,7 +29444,7 @@
             </a:r>
           </a:p>
           <a:p>
-            <a:endParaRPr lang="es-AR" dirty="0" smtClean="0">
+            <a:endParaRPr lang="es-AR" sz="2000" b="1" dirty="0" smtClean="0">
               <a:solidFill>
                 <a:schemeClr val="bg1"/>
               </a:solidFill>
@@ -28277,7 +29456,7 @@
               <a:buChar char="Ø"/>
             </a:pPr>
             <a:r>
-              <a:rPr lang="es-AR" dirty="0" smtClean="0">
+              <a:rPr lang="es-AR" sz="2000" b="1" dirty="0" smtClean="0">
                 <a:solidFill>
                   <a:schemeClr val="bg1"/>
                 </a:solidFill>
@@ -28290,7 +29469,7 @@
               <a:buFont typeface="Wingdings" pitchFamily="2" charset="2"/>
               <a:buChar char="Ø"/>
             </a:pPr>
-            <a:endParaRPr lang="es-AR" dirty="0">
+            <a:endParaRPr lang="es-AR" sz="2000" b="1" dirty="0">
               <a:solidFill>
                 <a:schemeClr val="bg1"/>
               </a:solidFill>

--- a/Presentacion/Comercial/Presentacion Comercial.pptx
+++ b/Presentacion/Comercial/Presentacion Comercial.pptx
@@ -5,7 +5,7 @@
     <p:sldMasterId id="2147484416" r:id="rId1"/>
   </p:sldMasterIdLst>
   <p:notesMasterIdLst>
-    <p:notesMasterId r:id="rId18"/>
+    <p:notesMasterId r:id="rId17"/>
   </p:notesMasterIdLst>
   <p:sldIdLst>
     <p:sldId id="256" r:id="rId2"/>
@@ -22,8 +22,7 @@
     <p:sldId id="264" r:id="rId13"/>
     <p:sldId id="262" r:id="rId14"/>
     <p:sldId id="265" r:id="rId15"/>
-    <p:sldId id="270" r:id="rId16"/>
-    <p:sldId id="271" r:id="rId17"/>
+    <p:sldId id="271" r:id="rId16"/>
   </p:sldIdLst>
   <p:sldSz cx="9144000" cy="6858000" type="screen4x3"/>
   <p:notesSz cx="6858000" cy="9144000"/>
@@ -7811,7 +7810,7 @@
             <a:fld id="{9763C9BB-72E2-4283-8DE8-50E875797B7C}" type="datetimeFigureOut">
               <a:rPr lang="es-AR" smtClean="0"/>
               <a:pPr/>
-              <a:t>08/07/2011</a:t>
+              <a:t>12/07/2011</a:t>
             </a:fld>
             <a:endParaRPr lang="es-AR"/>
           </a:p>
@@ -8669,7 +8668,7 @@
             <a:fld id="{1D8BD707-D9CF-40AE-B4C6-C98DA3205C09}" type="datetimeFigureOut">
               <a:rPr lang="en-US" smtClean="0"/>
               <a:pPr/>
-              <a:t>7/8/2011</a:t>
+              <a:t>7/12/2011</a:t>
             </a:fld>
             <a:endParaRPr lang="en-US"/>
           </a:p>
@@ -8836,7 +8835,7 @@
             <a:fld id="{1D8BD707-D9CF-40AE-B4C6-C98DA3205C09}" type="datetimeFigureOut">
               <a:rPr lang="en-US" smtClean="0"/>
               <a:pPr/>
-              <a:t>7/8/2011</a:t>
+              <a:t>7/12/2011</a:t>
             </a:fld>
             <a:endParaRPr lang="en-US"/>
           </a:p>
@@ -9013,7 +9012,7 @@
             <a:fld id="{1D8BD707-D9CF-40AE-B4C6-C98DA3205C09}" type="datetimeFigureOut">
               <a:rPr lang="en-US" smtClean="0"/>
               <a:pPr/>
-              <a:t>7/8/2011</a:t>
+              <a:t>7/12/2011</a:t>
             </a:fld>
             <a:endParaRPr lang="en-US"/>
           </a:p>
@@ -9180,7 +9179,7 @@
             <a:fld id="{1D8BD707-D9CF-40AE-B4C6-C98DA3205C09}" type="datetimeFigureOut">
               <a:rPr lang="en-US" smtClean="0"/>
               <a:pPr/>
-              <a:t>7/8/2011</a:t>
+              <a:t>7/12/2011</a:t>
             </a:fld>
             <a:endParaRPr lang="en-US"/>
           </a:p>
@@ -9423,7 +9422,7 @@
             <a:fld id="{1D8BD707-D9CF-40AE-B4C6-C98DA3205C09}" type="datetimeFigureOut">
               <a:rPr lang="en-US" smtClean="0"/>
               <a:pPr/>
-              <a:t>7/8/2011</a:t>
+              <a:t>7/12/2011</a:t>
             </a:fld>
             <a:endParaRPr lang="en-US"/>
           </a:p>
@@ -9708,7 +9707,7 @@
             <a:fld id="{1D8BD707-D9CF-40AE-B4C6-C98DA3205C09}" type="datetimeFigureOut">
               <a:rPr lang="en-US" smtClean="0"/>
               <a:pPr/>
-              <a:t>7/8/2011</a:t>
+              <a:t>7/12/2011</a:t>
             </a:fld>
             <a:endParaRPr lang="en-US"/>
           </a:p>
@@ -10127,7 +10126,7 @@
             <a:fld id="{1D8BD707-D9CF-40AE-B4C6-C98DA3205C09}" type="datetimeFigureOut">
               <a:rPr lang="en-US" smtClean="0"/>
               <a:pPr/>
-              <a:t>7/8/2011</a:t>
+              <a:t>7/12/2011</a:t>
             </a:fld>
             <a:endParaRPr lang="en-US"/>
           </a:p>
@@ -10242,7 +10241,7 @@
             <a:fld id="{1D8BD707-D9CF-40AE-B4C6-C98DA3205C09}" type="datetimeFigureOut">
               <a:rPr lang="en-US" smtClean="0"/>
               <a:pPr/>
-              <a:t>7/8/2011</a:t>
+              <a:t>7/12/2011</a:t>
             </a:fld>
             <a:endParaRPr lang="en-US"/>
           </a:p>
@@ -10334,7 +10333,7 @@
             <a:fld id="{1D8BD707-D9CF-40AE-B4C6-C98DA3205C09}" type="datetimeFigureOut">
               <a:rPr lang="en-US" smtClean="0"/>
               <a:pPr/>
-              <a:t>7/8/2011</a:t>
+              <a:t>7/12/2011</a:t>
             </a:fld>
             <a:endParaRPr lang="en-US"/>
           </a:p>
@@ -10608,7 +10607,7 @@
             <a:fld id="{1D8BD707-D9CF-40AE-B4C6-C98DA3205C09}" type="datetimeFigureOut">
               <a:rPr lang="en-US" smtClean="0"/>
               <a:pPr/>
-              <a:t>7/8/2011</a:t>
+              <a:t>7/12/2011</a:t>
             </a:fld>
             <a:endParaRPr lang="en-US"/>
           </a:p>
@@ -10858,7 +10857,7 @@
             <a:fld id="{1D8BD707-D9CF-40AE-B4C6-C98DA3205C09}" type="datetimeFigureOut">
               <a:rPr lang="en-US" smtClean="0"/>
               <a:pPr/>
-              <a:t>7/8/2011</a:t>
+              <a:t>7/12/2011</a:t>
             </a:fld>
             <a:endParaRPr lang="en-US"/>
           </a:p>
@@ -11073,7 +11072,7 @@
             <a:fld id="{1D8BD707-D9CF-40AE-B4C6-C98DA3205C09}" type="datetimeFigureOut">
               <a:rPr lang="en-US" smtClean="0"/>
               <a:pPr/>
-              <a:t>7/8/2011</a:t>
+              <a:t>7/12/2011</a:t>
             </a:fld>
             <a:endParaRPr lang="en-US"/>
           </a:p>
@@ -18393,8 +18392,8 @@
         </p:nvSpPr>
         <p:spPr>
           <a:xfrm>
-            <a:off x="1981200" y="5410200"/>
-            <a:ext cx="5199565" cy="369332"/>
+            <a:off x="2090039" y="5410200"/>
+            <a:ext cx="4963923" cy="369332"/>
           </a:xfrm>
           <a:prstGeom prst="rect">
             <a:avLst/>
@@ -18407,10 +18406,7 @@
           </a:bodyPr>
           <a:lstStyle/>
           <a:p>
-            <a:pPr algn="ctr">
-              <a:buFont typeface="Wingdings" pitchFamily="2" charset="2"/>
-              <a:buChar char="Ø"/>
-            </a:pPr>
+            <a:pPr algn="ctr"/>
             <a:r>
               <a:rPr lang="es-AR" b="1" dirty="0" smtClean="0">
                 <a:solidFill>
@@ -18419,7 +18415,17 @@
                   </a:schemeClr>
                 </a:solidFill>
               </a:rPr>
-              <a:t> Juan B. Justo 999, CABA – Buenos Aires, Argentina</a:t>
+              <a:t>Juan </a:t>
+            </a:r>
+            <a:r>
+              <a:rPr lang="es-AR" b="1" dirty="0" smtClean="0">
+                <a:solidFill>
+                  <a:schemeClr val="bg1">
+                    <a:lumMod val="95000"/>
+                  </a:schemeClr>
+                </a:solidFill>
+              </a:rPr>
+              <a:t>B. Justo 999, CABA – Buenos Aires, Argentina</a:t>
             </a:r>
           </a:p>
         </p:txBody>
@@ -18518,414 +18524,6 @@
 </file>
 
 <file path=ppt/slides/slide15.xml><?xml version="1.0" encoding="utf-8"?>
-<p:sld xmlns:a="http://schemas.openxmlformats.org/drawingml/2006/main" xmlns:r="http://schemas.openxmlformats.org/officeDocument/2006/relationships" xmlns:p="http://schemas.openxmlformats.org/presentationml/2006/main">
-  <p:cSld>
-    <p:bg>
-      <p:bgPr>
-        <a:gradFill flip="none" rotWithShape="1">
-          <a:gsLst>
-            <a:gs pos="0">
-              <a:schemeClr val="tx1"/>
-            </a:gs>
-            <a:gs pos="25000">
-              <a:schemeClr val="tx1">
-                <a:lumMod val="75000"/>
-                <a:lumOff val="25000"/>
-              </a:schemeClr>
-            </a:gs>
-            <a:gs pos="75000">
-              <a:schemeClr val="tx1">
-                <a:lumMod val="65000"/>
-                <a:lumOff val="35000"/>
-              </a:schemeClr>
-            </a:gs>
-            <a:gs pos="100000">
-              <a:schemeClr val="bg1">
-                <a:lumMod val="50000"/>
-              </a:schemeClr>
-            </a:gs>
-          </a:gsLst>
-          <a:lin ang="8100000" scaled="0"/>
-          <a:tileRect/>
-        </a:gradFill>
-        <a:effectLst/>
-      </p:bgPr>
-    </p:bg>
-    <p:spTree>
-      <p:nvGrpSpPr>
-        <p:cNvPr id="1" name=""/>
-        <p:cNvGrpSpPr/>
-        <p:nvPr/>
-      </p:nvGrpSpPr>
-      <p:grpSpPr>
-        <a:xfrm>
-          <a:off x="0" y="0"/>
-          <a:ext cx="0" cy="0"/>
-          <a:chOff x="0" y="0"/>
-          <a:chExt cx="0" cy="0"/>
-        </a:xfrm>
-      </p:grpSpPr>
-      <p:sp>
-        <p:nvSpPr>
-          <p:cNvPr id="6" name="Round Same Side Corner Rectangle 5"/>
-          <p:cNvSpPr/>
-          <p:nvPr/>
-        </p:nvSpPr>
-        <p:spPr>
-          <a:xfrm rot="10800000">
-            <a:off x="11874" y="0"/>
-            <a:ext cx="9132125" cy="1981199"/>
-          </a:xfrm>
-          <a:prstGeom prst="round2SameRect">
-            <a:avLst/>
-          </a:prstGeom>
-        </p:spPr>
-        <p:style>
-          <a:lnRef idx="2">
-            <a:schemeClr val="dk1">
-              <a:shade val="50000"/>
-            </a:schemeClr>
-          </a:lnRef>
-          <a:fillRef idx="1">
-            <a:schemeClr val="dk1"/>
-          </a:fillRef>
-          <a:effectRef idx="0">
-            <a:schemeClr val="dk1"/>
-          </a:effectRef>
-          <a:fontRef idx="minor">
-            <a:schemeClr val="lt1"/>
-          </a:fontRef>
-        </p:style>
-        <p:txBody>
-          <a:bodyPr rtlCol="0" anchor="ctr"/>
-          <a:lstStyle/>
-          <a:p>
-            <a:pPr algn="ctr"/>
-            <a:endParaRPr lang="es-AR" dirty="0"/>
-          </a:p>
-        </p:txBody>
-      </p:sp>
-      <p:pic>
-        <p:nvPicPr>
-          <p:cNvPr id="1026" name="Picture 2" descr="E:\U.B.A.Files\Materias\75.45 Taller de Desarrollo de Proyectos I\TP\Trunk\Proyecto\web\site\images\logo.png"/>
-          <p:cNvPicPr>
-            <a:picLocks noChangeAspect="1" noChangeArrowheads="1"/>
-          </p:cNvPicPr>
-          <p:nvPr/>
-        </p:nvPicPr>
-        <p:blipFill>
-          <a:blip r:embed="rId2" cstate="print"/>
-          <a:srcRect/>
-          <a:stretch>
-            <a:fillRect/>
-          </a:stretch>
-        </p:blipFill>
-        <p:spPr bwMode="auto">
-          <a:xfrm>
-            <a:off x="228600" y="304800"/>
-            <a:ext cx="4489537" cy="1295400"/>
-          </a:xfrm>
-          <a:prstGeom prst="rect">
-            <a:avLst/>
-          </a:prstGeom>
-          <a:noFill/>
-        </p:spPr>
-      </p:pic>
-      <p:sp>
-        <p:nvSpPr>
-          <p:cNvPr id="7" name="TextBox 6"/>
-          <p:cNvSpPr txBox="1"/>
-          <p:nvPr/>
-        </p:nvSpPr>
-        <p:spPr>
-          <a:xfrm>
-            <a:off x="5088443" y="666690"/>
-            <a:ext cx="3598357" cy="400110"/>
-          </a:xfrm>
-          <a:prstGeom prst="rect">
-            <a:avLst/>
-          </a:prstGeom>
-          <a:noFill/>
-        </p:spPr>
-        <p:txBody>
-          <a:bodyPr wrap="none" rtlCol="0">
-            <a:spAutoFit/>
-          </a:bodyPr>
-          <a:lstStyle/>
-          <a:p>
-            <a:r>
-              <a:rPr lang="es-AR" sz="2000" dirty="0" smtClean="0">
-                <a:solidFill>
-                  <a:schemeClr val="bg1">
-                    <a:lumMod val="50000"/>
-                  </a:schemeClr>
-                </a:solidFill>
-              </a:rPr>
-              <a:t>Centralización y análisis de datos</a:t>
-            </a:r>
-            <a:endParaRPr lang="es-AR" sz="2000" dirty="0">
-              <a:solidFill>
-                <a:schemeClr val="bg1">
-                  <a:lumMod val="50000"/>
-                </a:schemeClr>
-              </a:solidFill>
-            </a:endParaRPr>
-          </a:p>
-        </p:txBody>
-      </p:sp>
-      <p:sp>
-        <p:nvSpPr>
-          <p:cNvPr id="43" name="TextBox 42"/>
-          <p:cNvSpPr txBox="1"/>
-          <p:nvPr/>
-        </p:nvSpPr>
-        <p:spPr>
-          <a:xfrm>
-            <a:off x="723900" y="4343400"/>
-            <a:ext cx="7696200" cy="1446550"/>
-          </a:xfrm>
-          <a:prstGeom prst="rect">
-            <a:avLst/>
-          </a:prstGeom>
-          <a:noFill/>
-          <a:ln>
-            <a:noFill/>
-          </a:ln>
-        </p:spPr>
-        <p:txBody>
-          <a:bodyPr wrap="square" rtlCol="0">
-            <a:spAutoFit/>
-          </a:bodyPr>
-          <a:lstStyle/>
-          <a:p>
-            <a:r>
-              <a:rPr lang="es-AR" sz="8800" dirty="0" smtClean="0">
-                <a:ln w="18415" cmpd="sng">
-                  <a:solidFill>
-                    <a:schemeClr val="tx1">
-                      <a:lumMod val="65000"/>
-                      <a:lumOff val="35000"/>
-                    </a:schemeClr>
-                  </a:solidFill>
-                  <a:prstDash val="solid"/>
-                </a:ln>
-                <a:gradFill flip="none" rotWithShape="1">
-                  <a:gsLst>
-                    <a:gs pos="0">
-                      <a:schemeClr val="bg1">
-                        <a:lumMod val="50000"/>
-                      </a:schemeClr>
-                    </a:gs>
-                    <a:gs pos="50000">
-                      <a:schemeClr val="bg1">
-                        <a:lumMod val="65000"/>
-                      </a:schemeClr>
-                    </a:gs>
-                    <a:gs pos="100000">
-                      <a:schemeClr val="bg1">
-                        <a:lumMod val="75000"/>
-                      </a:schemeClr>
-                    </a:gs>
-                  </a:gsLst>
-                  <a:lin ang="16200000" scaled="1"/>
-                  <a:tileRect/>
-                </a:gradFill>
-                <a:effectLst>
-                  <a:outerShdw blurRad="63500" dir="3600000" algn="tl" rotWithShape="0">
-                    <a:srgbClr val="000000">
-                      <a:alpha val="70000"/>
-                    </a:srgbClr>
-                  </a:outerShdw>
-                </a:effectLst>
-                <a:latin typeface="Copperplate Gothic Bold" pitchFamily="34" charset="0"/>
-              </a:rPr>
-              <a:t>Consultas?</a:t>
-            </a:r>
-            <a:endParaRPr lang="es-AR" sz="8800" dirty="0">
-              <a:ln w="18415" cmpd="sng">
-                <a:solidFill>
-                  <a:schemeClr val="tx1">
-                    <a:lumMod val="65000"/>
-                    <a:lumOff val="35000"/>
-                  </a:schemeClr>
-                </a:solidFill>
-                <a:prstDash val="solid"/>
-              </a:ln>
-              <a:gradFill flip="none" rotWithShape="1">
-                <a:gsLst>
-                  <a:gs pos="0">
-                    <a:schemeClr val="bg1">
-                      <a:lumMod val="50000"/>
-                    </a:schemeClr>
-                  </a:gs>
-                  <a:gs pos="50000">
-                    <a:schemeClr val="bg1">
-                      <a:lumMod val="65000"/>
-                    </a:schemeClr>
-                  </a:gs>
-                  <a:gs pos="100000">
-                    <a:schemeClr val="bg1">
-                      <a:lumMod val="75000"/>
-                    </a:schemeClr>
-                  </a:gs>
-                </a:gsLst>
-                <a:lin ang="16200000" scaled="1"/>
-                <a:tileRect/>
-              </a:gradFill>
-              <a:effectLst>
-                <a:outerShdw blurRad="63500" dir="3600000" algn="tl" rotWithShape="0">
-                  <a:srgbClr val="000000">
-                    <a:alpha val="70000"/>
-                  </a:srgbClr>
-                </a:outerShdw>
-              </a:effectLst>
-              <a:latin typeface="Copperplate Gothic Bold" pitchFamily="34" charset="0"/>
-            </a:endParaRPr>
-          </a:p>
-        </p:txBody>
-      </p:sp>
-      <p:pic>
-        <p:nvPicPr>
-          <p:cNvPr id="1027" name="Picture 3" descr="E:\U.B.A.Files\Materias\75.45 Taller de Desarrollo de Proyectos I\TP\Trunk\Proyecto\web\site\images\page3_prod2.png"/>
-          <p:cNvPicPr>
-            <a:picLocks noChangeAspect="1" noChangeArrowheads="1"/>
-          </p:cNvPicPr>
-          <p:nvPr/>
-        </p:nvPicPr>
-        <p:blipFill>
-          <a:blip r:embed="rId3" cstate="print"/>
-          <a:srcRect/>
-          <a:stretch>
-            <a:fillRect/>
-          </a:stretch>
-        </p:blipFill>
-        <p:spPr bwMode="auto">
-          <a:xfrm>
-            <a:off x="990600" y="2809142"/>
-            <a:ext cx="1371600" cy="1305658"/>
-          </a:xfrm>
-          <a:prstGeom prst="rect">
-            <a:avLst/>
-          </a:prstGeom>
-          <a:noFill/>
-        </p:spPr>
-      </p:pic>
-      <p:sp>
-        <p:nvSpPr>
-          <p:cNvPr id="45" name="TextBox 44"/>
-          <p:cNvSpPr txBox="1"/>
-          <p:nvPr/>
-        </p:nvSpPr>
-        <p:spPr>
-          <a:xfrm>
-            <a:off x="2446865" y="2791361"/>
-            <a:ext cx="2506135" cy="1323439"/>
-          </a:xfrm>
-          <a:prstGeom prst="rect">
-            <a:avLst/>
-          </a:prstGeom>
-          <a:noFill/>
-        </p:spPr>
-        <p:txBody>
-          <a:bodyPr wrap="none" rtlCol="0">
-            <a:spAutoFit/>
-          </a:bodyPr>
-          <a:lstStyle/>
-          <a:p>
-            <a:r>
-              <a:rPr lang="es-AR" sz="8000" b="1" dirty="0" smtClean="0">
-                <a:ln>
-                  <a:solidFill>
-                    <a:schemeClr val="tx1"/>
-                  </a:solidFill>
-                </a:ln>
-                <a:gradFill flip="none" rotWithShape="1">
-                  <a:gsLst>
-                    <a:gs pos="0">
-                      <a:schemeClr val="tx1">
-                        <a:tint val="66000"/>
-                        <a:satMod val="160000"/>
-                      </a:schemeClr>
-                    </a:gs>
-                    <a:gs pos="50000">
-                      <a:schemeClr val="tx1">
-                        <a:tint val="44500"/>
-                        <a:satMod val="160000"/>
-                      </a:schemeClr>
-                    </a:gs>
-                    <a:gs pos="100000">
-                      <a:schemeClr val="tx1">
-                        <a:tint val="23500"/>
-                        <a:satMod val="160000"/>
-                      </a:schemeClr>
-                    </a:gs>
-                  </a:gsLst>
-                  <a:lin ang="5400000" scaled="1"/>
-                  <a:tileRect/>
-                </a:gradFill>
-                <a:latin typeface="Copperplate Gothic Bold" pitchFamily="34" charset="0"/>
-              </a:rPr>
-              <a:t>SVE</a:t>
-            </a:r>
-          </a:p>
-        </p:txBody>
-      </p:sp>
-      <p:sp>
-        <p:nvSpPr>
-          <p:cNvPr id="24" name="TextBox 23"/>
-          <p:cNvSpPr txBox="1"/>
-          <p:nvPr/>
-        </p:nvSpPr>
-        <p:spPr>
-          <a:xfrm>
-            <a:off x="381000" y="2209800"/>
-            <a:ext cx="5671745" cy="584775"/>
-          </a:xfrm>
-          <a:prstGeom prst="rect">
-            <a:avLst/>
-          </a:prstGeom>
-          <a:noFill/>
-        </p:spPr>
-        <p:txBody>
-          <a:bodyPr wrap="none" rtlCol="0">
-            <a:spAutoFit/>
-          </a:bodyPr>
-          <a:lstStyle/>
-          <a:p>
-            <a:r>
-              <a:rPr lang="es-AR" sz="3200" dirty="0" smtClean="0">
-                <a:solidFill>
-                  <a:schemeClr val="bg1"/>
-                </a:solidFill>
-                <a:latin typeface="Cooper Black" pitchFamily="18" charset="0"/>
-              </a:rPr>
-              <a:t>Presentación del producto</a:t>
-            </a:r>
-            <a:endParaRPr lang="es-AR" sz="3200" dirty="0">
-              <a:solidFill>
-                <a:schemeClr val="bg1"/>
-              </a:solidFill>
-              <a:latin typeface="Cooper Black" pitchFamily="18" charset="0"/>
-            </a:endParaRPr>
-          </a:p>
-        </p:txBody>
-      </p:sp>
-    </p:spTree>
-  </p:cSld>
-  <p:clrMapOvr>
-    <a:masterClrMapping/>
-  </p:clrMapOvr>
-  <p:timing>
-    <p:tnLst>
-      <p:par>
-        <p:cTn id="1" dur="indefinite" restart="never" nodeType="tmRoot"/>
-      </p:par>
-    </p:tnLst>
-  </p:timing>
-</p:sld>
-</file>
-
-<file path=ppt/slides/slide16.xml><?xml version="1.0" encoding="utf-8"?>
 <p:sld xmlns:a="http://schemas.openxmlformats.org/drawingml/2006/main" xmlns:r="http://schemas.openxmlformats.org/officeDocument/2006/relationships" xmlns:p="http://schemas.openxmlformats.org/presentationml/2006/main">
   <p:cSld>
     <p:bg>
@@ -20399,16 +19997,7 @@
                 </a:solidFill>
                 <a:latin typeface="Bell MT" pitchFamily="18" charset="0"/>
               </a:rPr>
-              <a:t>Contamos con las herramientas necesarias para brindar análisis y reportes de altísima calidad, </a:t>
-            </a:r>
-            <a:r>
-              <a:rPr lang="es-AR" sz="2200" dirty="0" smtClean="0">
-                <a:solidFill>
-                  <a:schemeClr val="bg1"/>
-                </a:solidFill>
-                <a:latin typeface="Bell MT" pitchFamily="18" charset="0"/>
-              </a:rPr>
-              <a:t>adaptados a la necesidad del cliente.</a:t>
+              <a:t>Contamos con las herramientas necesarias para brindar análisis y reportes de altísima calidad, adaptados a la necesidad del cliente.</a:t>
             </a:r>
             <a:endParaRPr lang="es-AR" sz="2200" dirty="0"/>
           </a:p>
@@ -28287,6 +27876,36 @@
           </a:p>
         </p:txBody>
       </p:sp>
+      <p:sp>
+        <p:nvSpPr>
+          <p:cNvPr id="43" name="TextBox 42"/>
+          <p:cNvSpPr txBox="1"/>
+          <p:nvPr/>
+        </p:nvSpPr>
+        <p:spPr>
+          <a:xfrm>
+            <a:off x="6553200" y="5193268"/>
+            <a:ext cx="1298689" cy="369332"/>
+          </a:xfrm>
+          <a:prstGeom prst="rect">
+            <a:avLst/>
+          </a:prstGeom>
+          <a:noFill/>
+        </p:spPr>
+        <p:txBody>
+          <a:bodyPr wrap="none" rtlCol="0">
+            <a:spAutoFit/>
+          </a:bodyPr>
+          <a:lstStyle/>
+          <a:p>
+            <a:r>
+              <a:rPr lang="es-AR" b="1" dirty="0" smtClean="0"/>
+              <a:t>SVE: 83 pts.</a:t>
+            </a:r>
+            <a:endParaRPr lang="es-AR" b="1" dirty="0"/>
+          </a:p>
+        </p:txBody>
+      </p:sp>
     </p:spTree>
   </p:cSld>
   <p:clrMapOvr>

--- a/Presentacion/Comercial/Presentacion Comercial.pptx
+++ b/Presentacion/Comercial/Presentacion Comercial.pptx
@@ -1987,8 +1987,8 @@
     <dgm:cxn modelId="{D2A1FADB-AF76-4733-B3DC-9255DAD7FEF3}" type="presOf" srcId="{496AF658-39D4-49E9-B4C6-C5E1A7F906E2}" destId="{F06619E9-E542-439D-B65D-1F35F8A24176}" srcOrd="0" destOrd="0" presId="urn:microsoft.com/office/officeart/2005/8/layout/cycle3"/>
     <dgm:cxn modelId="{8E5346C2-0F83-441F-B78B-BE09651ACB68}" srcId="{42BD14C9-541D-4029-AAD3-2EF0AA4FCEE9}" destId="{AA0E00CA-CA6E-4353-A284-570877CEB8C1}" srcOrd="3" destOrd="0" parTransId="{C65CAB3E-4A16-429A-B157-AE138B838E08}" sibTransId="{5072619A-07F3-4082-92C5-BBEDF9CBA2E7}"/>
     <dgm:cxn modelId="{4C0BF33D-1BC8-4E29-BC8F-0E609F96A0FA}" type="presOf" srcId="{AA0E00CA-CA6E-4353-A284-570877CEB8C1}" destId="{7517E12D-2E78-42FF-829C-19FEF96D7FA6}" srcOrd="0" destOrd="0" presId="urn:microsoft.com/office/officeart/2005/8/layout/cycle3"/>
+    <dgm:cxn modelId="{2B7E8767-3A09-495A-8864-FBD682008099}" type="presOf" srcId="{BFCCEEBB-4893-446F-BB29-FCDB0B6960A8}" destId="{21AA7386-08C3-4983-95AB-E7406219D63A}" srcOrd="0" destOrd="0" presId="urn:microsoft.com/office/officeart/2005/8/layout/cycle3"/>
     <dgm:cxn modelId="{23E7DC9A-DEB5-4705-985B-09BA6D4F8F79}" srcId="{42BD14C9-541D-4029-AAD3-2EF0AA4FCEE9}" destId="{BFCCEEBB-4893-446F-BB29-FCDB0B6960A8}" srcOrd="5" destOrd="0" parTransId="{3813F8A6-7A47-4D82-908E-184396A7C160}" sibTransId="{7F5E6678-4970-4236-ACD9-50EA4C21ABAD}"/>
-    <dgm:cxn modelId="{2B7E8767-3A09-495A-8864-FBD682008099}" type="presOf" srcId="{BFCCEEBB-4893-446F-BB29-FCDB0B6960A8}" destId="{21AA7386-08C3-4983-95AB-E7406219D63A}" srcOrd="0" destOrd="0" presId="urn:microsoft.com/office/officeart/2005/8/layout/cycle3"/>
     <dgm:cxn modelId="{8BCD5635-996C-4030-B03F-360822AC4D2A}" type="presOf" srcId="{42BD14C9-541D-4029-AAD3-2EF0AA4FCEE9}" destId="{0E9CCF2B-72D0-4B44-B1D8-99F4E58F7F12}" srcOrd="0" destOrd="0" presId="urn:microsoft.com/office/officeart/2005/8/layout/cycle3"/>
     <dgm:cxn modelId="{3BF3DE6B-4CFD-4D71-BBD0-01714DD3D4AE}" type="presOf" srcId="{E078CA96-0C8D-4BC6-B911-F8897328A0D4}" destId="{D135B4C1-1E5C-49B2-AAA3-B3074EAA9D6B}" srcOrd="0" destOrd="0" presId="urn:microsoft.com/office/officeart/2005/8/layout/cycle3"/>
     <dgm:cxn modelId="{B9A72798-6EB7-458A-B2C5-3CBE971530A7}" type="presParOf" srcId="{0E9CCF2B-72D0-4B44-B1D8-99F4E58F7F12}" destId="{781DE9F1-14B3-490E-9184-FD5B8B374833}" srcOrd="0" destOrd="0" presId="urn:microsoft.com/office/officeart/2005/8/layout/cycle3"/>
@@ -13067,7 +13067,7 @@
           <p:nvPr/>
         </p:nvPicPr>
         <p:blipFill>
-          <a:blip r:embed="rId5"/>
+          <a:blip r:embed="rId5" cstate="print"/>
           <a:stretch>
             <a:fillRect/>
           </a:stretch>
@@ -13080,6 +13080,19 @@
           <a:prstGeom prst="rect">
             <a:avLst/>
           </a:prstGeom>
+          <a:ln w="28575" cap="sq">
+            <a:solidFill>
+              <a:srgbClr val="000000"/>
+            </a:solidFill>
+            <a:miter lim="800000"/>
+          </a:ln>
+          <a:effectLst>
+            <a:outerShdw blurRad="57150" dist="50800" dir="2700000" algn="tl" rotWithShape="0">
+              <a:srgbClr val="000000">
+                <a:alpha val="40000"/>
+              </a:srgbClr>
+            </a:outerShdw>
+          </a:effectLst>
         </p:spPr>
       </p:pic>
       <p:sp>
@@ -14213,7 +14226,7 @@
           <p:nvPr/>
         </p:nvPicPr>
         <p:blipFill>
-          <a:blip r:embed="rId5"/>
+          <a:blip r:embed="rId5" cstate="print"/>
           <a:stretch>
             <a:fillRect/>
           </a:stretch>
@@ -14226,6 +14239,19 @@
           <a:prstGeom prst="rect">
             <a:avLst/>
           </a:prstGeom>
+          <a:ln w="28575" cap="sq">
+            <a:solidFill>
+              <a:srgbClr val="000000"/>
+            </a:solidFill>
+            <a:miter lim="800000"/>
+          </a:ln>
+          <a:effectLst>
+            <a:outerShdw blurRad="57150" dist="50800" dir="2700000" algn="tl" rotWithShape="0">
+              <a:srgbClr val="000000">
+                <a:alpha val="40000"/>
+              </a:srgbClr>
+            </a:outerShdw>
+          </a:effectLst>
         </p:spPr>
       </p:pic>
       <p:sp>
@@ -15409,14 +15435,14 @@
           <a:p>
             <a:pPr algn="ctr"/>
             <a:r>
-              <a:rPr lang="es-AR" sz="2800" b="1" i="1" u="sng" dirty="0" smtClean="0">
+              <a:rPr lang="es-AR" sz="3200" b="1" i="1" u="sng" dirty="0" smtClean="0">
                 <a:solidFill>
                   <a:schemeClr val="tx1"/>
                 </a:solidFill>
               </a:rPr>
               <a:t>Marco legal</a:t>
             </a:r>
-            <a:endParaRPr lang="es-AR" sz="2800" b="1" i="1" u="sng" dirty="0">
+            <a:endParaRPr lang="es-AR" sz="3200" b="1" i="1" u="sng" dirty="0">
               <a:solidFill>
                 <a:schemeClr val="tx1"/>
               </a:solidFill>
@@ -15441,13 +15467,25 @@
         </p:blipFill>
         <p:spPr bwMode="auto">
           <a:xfrm>
-            <a:off x="1903288" y="3657600"/>
+            <a:off x="1600200" y="3657600"/>
             <a:ext cx="1754312" cy="1752600"/>
           </a:xfrm>
-          <a:prstGeom prst="rect">
-            <a:avLst/>
+          <a:prstGeom prst="roundRect">
+            <a:avLst>
+              <a:gd name="adj" fmla="val 8594"/>
+            </a:avLst>
           </a:prstGeom>
-          <a:noFill/>
+          <a:solidFill>
+            <a:srgbClr val="FFFFFF">
+              <a:shade val="85000"/>
+            </a:srgbClr>
+          </a:solidFill>
+          <a:ln>
+            <a:noFill/>
+          </a:ln>
+          <a:effectLst>
+            <a:reflection blurRad="12700" stA="38000" endPos="28000" dist="5000" dir="5400000" sy="-100000" algn="bl" rotWithShape="0"/>
+          </a:effectLst>
         </p:spPr>
       </p:pic>
       <p:sp>
@@ -15458,8 +15496,8 @@
         </p:nvSpPr>
         <p:spPr>
           <a:xfrm>
-            <a:off x="4114800" y="3657600"/>
-            <a:ext cx="3352800" cy="1938992"/>
+            <a:off x="4038600" y="3657600"/>
+            <a:ext cx="3429000" cy="1938992"/>
           </a:xfrm>
           <a:prstGeom prst="rect">
             <a:avLst/>
@@ -15482,7 +15520,16 @@
                   <a:schemeClr val="bg1"/>
                 </a:solidFill>
               </a:rPr>
-              <a:t> Privacidad</a:t>
+              <a:t> </a:t>
+            </a:r>
+            <a:r>
+              <a:rPr lang="es-AR" sz="2000" b="1" dirty="0" smtClean="0">
+                <a:solidFill>
+                  <a:schemeClr val="bg1"/>
+                </a:solidFill>
+                <a:latin typeface="Rockwell" pitchFamily="18" charset="0"/>
+              </a:rPr>
+              <a:t>Privacidad</a:t>
             </a:r>
           </a:p>
           <a:p>
@@ -15490,6 +15537,7 @@
               <a:solidFill>
                 <a:schemeClr val="bg1"/>
               </a:solidFill>
+              <a:latin typeface="Rockwell" pitchFamily="18" charset="0"/>
             </a:endParaRPr>
           </a:p>
           <a:p>
@@ -15502,6 +15550,7 @@
                 <a:solidFill>
                   <a:schemeClr val="bg1"/>
                 </a:solidFill>
+                <a:latin typeface="Rockwell" pitchFamily="18" charset="0"/>
               </a:rPr>
               <a:t> Confidencialidad</a:t>
             </a:r>
@@ -15511,6 +15560,7 @@
               <a:solidFill>
                 <a:schemeClr val="bg1"/>
               </a:solidFill>
+              <a:latin typeface="Rockwell" pitchFamily="18" charset="0"/>
             </a:endParaRPr>
           </a:p>
           <a:p>
@@ -15523,6 +15573,7 @@
                 <a:solidFill>
                   <a:schemeClr val="bg1"/>
                 </a:solidFill>
+                <a:latin typeface="Rockwell" pitchFamily="18" charset="0"/>
               </a:rPr>
               <a:t> Ley Habeas Data 25.326</a:t>
             </a:r>
@@ -18415,17 +18466,7 @@
                   </a:schemeClr>
                 </a:solidFill>
               </a:rPr>
-              <a:t>Juan </a:t>
-            </a:r>
-            <a:r>
-              <a:rPr lang="es-AR" b="1" dirty="0" smtClean="0">
-                <a:solidFill>
-                  <a:schemeClr val="bg1">
-                    <a:lumMod val="95000"/>
-                  </a:schemeClr>
-                </a:solidFill>
-              </a:rPr>
-              <a:t>B. Justo 999, CABA – Buenos Aires, Argentina</a:t>
+              <a:t>Juan B. Justo 999, CABA – Buenos Aires, Argentina</a:t>
             </a:r>
           </a:p>
         </p:txBody>
@@ -24450,7 +24491,7 @@
           <p:nvPr/>
         </p:nvPicPr>
         <p:blipFill>
-          <a:blip r:embed="rId7" cstate="print"/>
+          <a:blip r:embed="rId8" cstate="print"/>
           <a:srcRect/>
           <a:stretch>
             <a:fillRect/>
@@ -24481,7 +24522,7 @@
           <p:nvPr/>
         </p:nvPicPr>
         <p:blipFill>
-          <a:blip r:embed="rId8" cstate="print"/>
+          <a:blip r:embed="rId9" cstate="print"/>
           <a:srcRect/>
           <a:stretch>
             <a:fillRect/>
@@ -24512,7 +24553,7 @@
           <p:nvPr/>
         </p:nvPicPr>
         <p:blipFill>
-          <a:blip r:embed="rId9" cstate="print"/>
+          <a:blip r:embed="rId10" cstate="print"/>
           <a:srcRect/>
           <a:stretch>
             <a:fillRect/>
@@ -24543,7 +24584,7 @@
           <p:nvPr/>
         </p:nvPicPr>
         <p:blipFill>
-          <a:blip r:embed="rId10" cstate="print">
+          <a:blip r:embed="rId11" cstate="print">
             <a:clrChange>
               <a:clrFrom>
                 <a:srgbClr val="FFFFFF"/>
@@ -24583,7 +24624,7 @@
           <p:nvPr/>
         </p:nvPicPr>
         <p:blipFill>
-          <a:blip r:embed="rId11" cstate="print"/>
+          <a:blip r:embed="rId12" cstate="print"/>
           <a:srcRect/>
           <a:stretch>
             <a:fillRect/>
@@ -24614,7 +24655,7 @@
           <p:nvPr/>
         </p:nvPicPr>
         <p:blipFill>
-          <a:blip r:embed="rId12" cstate="print">
+          <a:blip r:embed="rId13" cstate="print">
             <a:clrChange>
               <a:clrFrom>
                 <a:srgbClr val="FFFFFF"/>
@@ -24658,7 +24699,7 @@
           <p:nvPr/>
         </p:nvPicPr>
         <p:blipFill>
-          <a:blip r:embed="rId13" cstate="print"/>
+          <a:blip r:embed="rId14" cstate="print"/>
           <a:srcRect/>
           <a:stretch>
             <a:fillRect/>
@@ -29039,14 +29080,14 @@
           <a:p>
             <a:pPr algn="ctr"/>
             <a:r>
-              <a:rPr lang="es-AR" sz="2800" b="1" i="1" u="sng" dirty="0" smtClean="0">
+              <a:rPr lang="es-AR" sz="3200" b="1" i="1" u="sng" dirty="0" smtClean="0">
                 <a:solidFill>
                   <a:schemeClr val="tx1"/>
                 </a:solidFill>
               </a:rPr>
               <a:t>Informe de riesgos</a:t>
             </a:r>
-            <a:endParaRPr lang="es-AR" sz="2800" b="1" i="1" u="sng" dirty="0">
+            <a:endParaRPr lang="es-AR" sz="3200" b="1" i="1" u="sng" dirty="0">
               <a:solidFill>
                 <a:schemeClr val="tx1"/>
               </a:solidFill>
@@ -29173,10 +29214,10 @@
           <a:p>
             <a:pPr algn="ctr"/>
             <a:r>
-              <a:rPr lang="es-AR" b="1" dirty="0" smtClean="0"/>
+              <a:rPr lang="es-AR" b="1" u="sng" dirty="0" smtClean="0"/>
               <a:t>Datos personales</a:t>
             </a:r>
-            <a:endParaRPr lang="es-AR" b="1" dirty="0"/>
+            <a:endParaRPr lang="es-AR" b="1" u="sng" dirty="0"/>
           </a:p>
         </p:txBody>
       </p:sp>
@@ -29221,10 +29262,10 @@
           <a:p>
             <a:pPr algn="ctr"/>
             <a:r>
-              <a:rPr lang="es-AR" b="1" dirty="0" smtClean="0"/>
+              <a:rPr lang="es-AR" b="1" u="sng" dirty="0" smtClean="0"/>
               <a:t>Vehículos</a:t>
             </a:r>
-            <a:endParaRPr lang="es-AR" b="1" dirty="0"/>
+            <a:endParaRPr lang="es-AR" b="1" u="sng" dirty="0"/>
           </a:p>
         </p:txBody>
       </p:sp>
@@ -29269,10 +29310,10 @@
           <a:p>
             <a:pPr algn="ctr"/>
             <a:r>
-              <a:rPr lang="es-AR" b="1" dirty="0" smtClean="0"/>
+              <a:rPr lang="es-AR" b="1" u="sng" dirty="0" smtClean="0"/>
               <a:t>Información legal</a:t>
             </a:r>
-            <a:endParaRPr lang="es-AR" b="1" dirty="0"/>
+            <a:endParaRPr lang="es-AR" b="1" u="sng" dirty="0"/>
           </a:p>
         </p:txBody>
       </p:sp>
@@ -30359,7 +30400,7 @@
           <p:nvPr/>
         </p:nvPicPr>
         <p:blipFill>
-          <a:blip r:embed="rId5"/>
+          <a:blip r:embed="rId5" cstate="print"/>
           <a:stretch>
             <a:fillRect/>
           </a:stretch>
@@ -30372,6 +30413,19 @@
           <a:prstGeom prst="rect">
             <a:avLst/>
           </a:prstGeom>
+          <a:ln w="28575" cap="sq">
+            <a:solidFill>
+              <a:srgbClr val="000000"/>
+            </a:solidFill>
+            <a:miter lim="800000"/>
+          </a:ln>
+          <a:effectLst>
+            <a:outerShdw blurRad="57150" dist="50800" dir="2700000" algn="tl" rotWithShape="0">
+              <a:srgbClr val="000000">
+                <a:alpha val="40000"/>
+              </a:srgbClr>
+            </a:outerShdw>
+          </a:effectLst>
         </p:spPr>
       </p:pic>
       <p:sp>

--- a/Presentacion/Comercial/Presentacion Comercial.pptx
+++ b/Presentacion/Comercial/Presentacion Comercial.pptx
@@ -1987,8 +1987,8 @@
     <dgm:cxn modelId="{D2A1FADB-AF76-4733-B3DC-9255DAD7FEF3}" type="presOf" srcId="{496AF658-39D4-49E9-B4C6-C5E1A7F906E2}" destId="{F06619E9-E542-439D-B65D-1F35F8A24176}" srcOrd="0" destOrd="0" presId="urn:microsoft.com/office/officeart/2005/8/layout/cycle3"/>
     <dgm:cxn modelId="{8E5346C2-0F83-441F-B78B-BE09651ACB68}" srcId="{42BD14C9-541D-4029-AAD3-2EF0AA4FCEE9}" destId="{AA0E00CA-CA6E-4353-A284-570877CEB8C1}" srcOrd="3" destOrd="0" parTransId="{C65CAB3E-4A16-429A-B157-AE138B838E08}" sibTransId="{5072619A-07F3-4082-92C5-BBEDF9CBA2E7}"/>
     <dgm:cxn modelId="{4C0BF33D-1BC8-4E29-BC8F-0E609F96A0FA}" type="presOf" srcId="{AA0E00CA-CA6E-4353-A284-570877CEB8C1}" destId="{7517E12D-2E78-42FF-829C-19FEF96D7FA6}" srcOrd="0" destOrd="0" presId="urn:microsoft.com/office/officeart/2005/8/layout/cycle3"/>
+    <dgm:cxn modelId="{23E7DC9A-DEB5-4705-985B-09BA6D4F8F79}" srcId="{42BD14C9-541D-4029-AAD3-2EF0AA4FCEE9}" destId="{BFCCEEBB-4893-446F-BB29-FCDB0B6960A8}" srcOrd="5" destOrd="0" parTransId="{3813F8A6-7A47-4D82-908E-184396A7C160}" sibTransId="{7F5E6678-4970-4236-ACD9-50EA4C21ABAD}"/>
     <dgm:cxn modelId="{2B7E8767-3A09-495A-8864-FBD682008099}" type="presOf" srcId="{BFCCEEBB-4893-446F-BB29-FCDB0B6960A8}" destId="{21AA7386-08C3-4983-95AB-E7406219D63A}" srcOrd="0" destOrd="0" presId="urn:microsoft.com/office/officeart/2005/8/layout/cycle3"/>
-    <dgm:cxn modelId="{23E7DC9A-DEB5-4705-985B-09BA6D4F8F79}" srcId="{42BD14C9-541D-4029-AAD3-2EF0AA4FCEE9}" destId="{BFCCEEBB-4893-446F-BB29-FCDB0B6960A8}" srcOrd="5" destOrd="0" parTransId="{3813F8A6-7A47-4D82-908E-184396A7C160}" sibTransId="{7F5E6678-4970-4236-ACD9-50EA4C21ABAD}"/>
     <dgm:cxn modelId="{8BCD5635-996C-4030-B03F-360822AC4D2A}" type="presOf" srcId="{42BD14C9-541D-4029-AAD3-2EF0AA4FCEE9}" destId="{0E9CCF2B-72D0-4B44-B1D8-99F4E58F7F12}" srcOrd="0" destOrd="0" presId="urn:microsoft.com/office/officeart/2005/8/layout/cycle3"/>
     <dgm:cxn modelId="{3BF3DE6B-4CFD-4D71-BBD0-01714DD3D4AE}" type="presOf" srcId="{E078CA96-0C8D-4BC6-B911-F8897328A0D4}" destId="{D135B4C1-1E5C-49B2-AAA3-B3074EAA9D6B}" srcOrd="0" destOrd="0" presId="urn:microsoft.com/office/officeart/2005/8/layout/cycle3"/>
     <dgm:cxn modelId="{B9A72798-6EB7-458A-B2C5-3CBE971530A7}" type="presParOf" srcId="{0E9CCF2B-72D0-4B44-B1D8-99F4E58F7F12}" destId="{781DE9F1-14B3-490E-9184-FD5B8B374833}" srcOrd="0" destOrd="0" presId="urn:microsoft.com/office/officeart/2005/8/layout/cycle3"/>
@@ -2069,7 +2069,7 @@
       <dgm:prSet phldrT="[Text]" custT="1"/>
       <dgm:spPr/>
       <dgm:t>
-        <a:bodyPr/>
+        <a:bodyPr lIns="0" tIns="0" rIns="0" bIns="0"/>
         <a:lstStyle/>
         <a:p>
           <a:r>
@@ -2078,9 +2078,9 @@
                 <a:schemeClr val="tx1"/>
               </a:solidFill>
             </a:rPr>
-            <a:t>Falta de seguimiento</a:t>
+            <a:t>Falta de monitoreo</a:t>
           </a:r>
-          <a:endParaRPr lang="es-AR" sz="1400" b="1" dirty="0">
+          <a:endParaRPr lang="es-AR" sz="1250" b="1" dirty="0">
             <a:solidFill>
               <a:schemeClr val="tx1"/>
             </a:solidFill>
@@ -2365,7 +2365,7 @@
       </dgm:t>
     </dgm:pt>
     <dgm:pt modelId="{BA71BB88-5E01-43E5-9AAB-4E808AA17CD1}" type="pres">
-      <dgm:prSet presAssocID="{E9E7C3E7-FE75-4378-90DC-BFBC658F2B50}" presName="node" presStyleLbl="node1" presStyleIdx="0" presStyleCnt="6" custScaleX="122595" custScaleY="122595" custRadScaleRad="122059" custRadScaleInc="174573">
+      <dgm:prSet presAssocID="{E9E7C3E7-FE75-4378-90DC-BFBC658F2B50}" presName="node" presStyleLbl="node1" presStyleIdx="0" presStyleCnt="6" custScaleX="122595" custScaleY="122595" custRadScaleRad="117236" custRadScaleInc="182885">
         <dgm:presLayoutVars>
           <dgm:bulletEnabled val="1"/>
         </dgm:presLayoutVars>
@@ -2395,7 +2395,7 @@
       </dgm:t>
     </dgm:pt>
     <dgm:pt modelId="{882611AB-940C-4B3F-9C4C-28D546E0E109}" type="pres">
-      <dgm:prSet presAssocID="{6B30FA61-997B-4DC8-80A2-B3C8CB4A2F03}" presName="node" presStyleLbl="node1" presStyleIdx="1" presStyleCnt="6" custScaleX="120275" custScaleY="120275" custRadScaleRad="124649" custRadScaleInc="130750">
+      <dgm:prSet presAssocID="{6B30FA61-997B-4DC8-80A2-B3C8CB4A2F03}" presName="node" presStyleLbl="node1" presStyleIdx="1" presStyleCnt="6" custScaleX="120275" custScaleY="120275" custRadScaleRad="116211" custRadScaleInc="129350">
         <dgm:presLayoutVars>
           <dgm:bulletEnabled val="1"/>
         </dgm:presLayoutVars>
@@ -2485,7 +2485,7 @@
       </dgm:t>
     </dgm:pt>
     <dgm:pt modelId="{7EEA23B7-2C55-467E-BEBF-8EB10682F77A}" type="pres">
-      <dgm:prSet presAssocID="{0714527D-DF6C-4847-B605-418D4FDA60BC}" presName="node" presStyleLbl="node1" presStyleIdx="4" presStyleCnt="6" custScaleX="122873" custScaleY="122873" custRadScaleRad="118714" custRadScaleInc="170215">
+      <dgm:prSet presAssocID="{0714527D-DF6C-4847-B605-418D4FDA60BC}" presName="node" presStyleLbl="node1" presStyleIdx="4" presStyleCnt="6" custScaleX="122873" custScaleY="122873" custRadScaleRad="112704" custRadScaleInc="171294">
         <dgm:presLayoutVars>
           <dgm:bulletEnabled val="1"/>
         </dgm:presLayoutVars>
@@ -2515,7 +2515,7 @@
       </dgm:t>
     </dgm:pt>
     <dgm:pt modelId="{E9305E95-DA6B-4A69-A9FA-EF364BB65629}" type="pres">
-      <dgm:prSet presAssocID="{F96E4C07-1D0D-4A2F-9A09-B81C8197C6F1}" presName="node" presStyleLbl="node1" presStyleIdx="5" presStyleCnt="6" custScaleX="117239" custScaleY="117239" custRadScaleRad="121302" custRadScaleInc="106599">
+      <dgm:prSet presAssocID="{F96E4C07-1D0D-4A2F-9A09-B81C8197C6F1}" presName="node" presStyleLbl="node1" presStyleIdx="5" presStyleCnt="6" custScaleX="117239" custScaleY="117239" custRadScaleRad="122593" custRadScaleInc="124717">
         <dgm:presLayoutVars>
           <dgm:bulletEnabled val="1"/>
         </dgm:presLayoutVars>
@@ -3366,14 +3366,14 @@
       </dsp:nvSpPr>
       <dsp:spPr>
         <a:xfrm>
-          <a:off x="1449682" y="19062"/>
-          <a:ext cx="2889983" cy="2889983"/>
+          <a:off x="1387429" y="102618"/>
+          <a:ext cx="3008293" cy="3008293"/>
         </a:xfrm>
         <a:prstGeom prst="blockArc">
           <a:avLst>
-            <a:gd name="adj1" fmla="val 13267479"/>
-            <a:gd name="adj2" fmla="val 18882194"/>
-            <a:gd name="adj3" fmla="val 4517"/>
+            <a:gd name="adj1" fmla="val 13547581"/>
+            <a:gd name="adj2" fmla="val 18892275"/>
+            <a:gd name="adj3" fmla="val 4515"/>
           </a:avLst>
         </a:prstGeom>
         <a:gradFill rotWithShape="0">
@@ -3455,14 +3455,14 @@
       </dsp:nvSpPr>
       <dsp:spPr>
         <a:xfrm>
-          <a:off x="1195014" y="247694"/>
-          <a:ext cx="2889983" cy="2889983"/>
+          <a:off x="1213502" y="247487"/>
+          <a:ext cx="3008293" cy="3008293"/>
         </a:xfrm>
         <a:prstGeom prst="blockArc">
           <a:avLst>
-            <a:gd name="adj1" fmla="val 10649858"/>
-            <a:gd name="adj2" fmla="val 14102564"/>
-            <a:gd name="adj3" fmla="val 4517"/>
+            <a:gd name="adj1" fmla="val 10626167"/>
+            <a:gd name="adj2" fmla="val 14077396"/>
+            <a:gd name="adj3" fmla="val 4515"/>
           </a:avLst>
         </a:prstGeom>
         <a:gradFill rotWithShape="0">
@@ -3544,14 +3544,14 @@
       </dsp:nvSpPr>
       <dsp:spPr>
         <a:xfrm>
-          <a:off x="1181101" y="516410"/>
-          <a:ext cx="2889983" cy="2889983"/>
+          <a:off x="1189911" y="594272"/>
+          <a:ext cx="3008293" cy="3008293"/>
         </a:xfrm>
         <a:prstGeom prst="blockArc">
           <a:avLst>
-            <a:gd name="adj1" fmla="val 7433278"/>
-            <a:gd name="adj2" fmla="val 11305797"/>
-            <a:gd name="adj3" fmla="val 4517"/>
+            <a:gd name="adj1" fmla="val 7661050"/>
+            <a:gd name="adj2" fmla="val 11440834"/>
+            <a:gd name="adj3" fmla="val 4515"/>
           </a:avLst>
         </a:prstGeom>
         <a:gradFill rotWithShape="0">
@@ -3633,14 +3633,14 @@
       </dsp:nvSpPr>
       <dsp:spPr>
         <a:xfrm>
-          <a:off x="1418379" y="716940"/>
-          <a:ext cx="2889983" cy="2889983"/>
+          <a:off x="1357901" y="746064"/>
+          <a:ext cx="3008293" cy="3008293"/>
         </a:xfrm>
         <a:prstGeom prst="blockArc">
           <a:avLst>
             <a:gd name="adj1" fmla="val 2608814"/>
             <a:gd name="adj2" fmla="val 8190988"/>
-            <a:gd name="adj3" fmla="val 4517"/>
+            <a:gd name="adj3" fmla="val 4515"/>
           </a:avLst>
         </a:prstGeom>
         <a:gradFill rotWithShape="0">
@@ -3722,14 +3722,14 @@
       </dsp:nvSpPr>
       <dsp:spPr>
         <a:xfrm>
-          <a:off x="1805688" y="428500"/>
-          <a:ext cx="2889983" cy="2889983"/>
+          <a:off x="1643834" y="512025"/>
+          <a:ext cx="3008293" cy="3008293"/>
         </a:xfrm>
         <a:prstGeom prst="blockArc">
           <a:avLst>
-            <a:gd name="adj1" fmla="val 21309672"/>
-            <a:gd name="adj2" fmla="val 3790056"/>
-            <a:gd name="adj3" fmla="val 4517"/>
+            <a:gd name="adj1" fmla="val 21153941"/>
+            <a:gd name="adj2" fmla="val 3475111"/>
+            <a:gd name="adj3" fmla="val 4515"/>
           </a:avLst>
         </a:prstGeom>
         <a:gradFill rotWithShape="0">
@@ -3811,14 +3811,14 @@
       </dsp:nvSpPr>
       <dsp:spPr>
         <a:xfrm>
-          <a:off x="1801118" y="273191"/>
-          <a:ext cx="2889983" cy="2889983"/>
+          <a:off x="1631657" y="298680"/>
+          <a:ext cx="3008293" cy="3008293"/>
         </a:xfrm>
         <a:prstGeom prst="blockArc">
           <a:avLst>
-            <a:gd name="adj1" fmla="val 17822374"/>
-            <a:gd name="adj2" fmla="val 88057"/>
-            <a:gd name="adj3" fmla="val 4517"/>
+            <a:gd name="adj1" fmla="val 18158554"/>
+            <a:gd name="adj2" fmla="val 54060"/>
+            <a:gd name="adj3" fmla="val 4515"/>
           </a:avLst>
         </a:prstGeom>
         <a:gradFill rotWithShape="0">
@@ -3900,8 +3900,8 @@
       </dsp:nvSpPr>
       <dsp:spPr>
         <a:xfrm>
-          <a:off x="1987087" y="958163"/>
-          <a:ext cx="1828801" cy="1828801"/>
+          <a:off x="1950390" y="997656"/>
+          <a:ext cx="1902671" cy="1902671"/>
         </a:xfrm>
         <a:prstGeom prst="ellipse">
           <a:avLst/>
@@ -3967,8 +3967,8 @@
         </a:p>
       </dsp:txBody>
       <dsp:txXfrm>
-        <a:off x="1987087" y="958163"/>
-        <a:ext cx="1828801" cy="1828801"/>
+        <a:off x="1950390" y="997656"/>
+        <a:ext cx="1902671" cy="1902671"/>
       </dsp:txXfrm>
     </dsp:sp>
     <dsp:sp modelId="{BA71BB88-5E01-43E5-9AAB-4E808AA17CD1}">
@@ -3978,8 +3978,8 @@
       </dsp:nvSpPr>
       <dsp:spPr>
         <a:xfrm>
-          <a:off x="3332468" y="-95497"/>
-          <a:ext cx="1111411" cy="1111411"/>
+          <a:off x="3350667" y="-13303"/>
+          <a:ext cx="1156304" cy="1156304"/>
         </a:xfrm>
         <a:prstGeom prst="ellipse">
           <a:avLst/>
@@ -4053,7 +4053,7 @@
         </a:fontRef>
       </dsp:style>
       <dsp:txBody>
-        <a:bodyPr spcFirstLastPara="0" vert="horz" wrap="square" lIns="17780" tIns="17780" rIns="17780" bIns="17780" numCol="1" spcCol="1270" anchor="ctr" anchorCtr="0">
+        <a:bodyPr spcFirstLastPara="0" vert="horz" wrap="square" lIns="0" tIns="0" rIns="0" bIns="0" numCol="1" spcCol="1270" anchor="ctr" anchorCtr="0">
           <a:noAutofit/>
         </a:bodyPr>
         <a:lstStyle/>
@@ -4075,9 +4075,9 @@
                 <a:schemeClr val="tx1"/>
               </a:solidFill>
             </a:rPr>
-            <a:t>Falta de seguimiento</a:t>
+            <a:t>Falta de monitoreo</a:t>
           </a:r>
-          <a:endParaRPr lang="es-AR" sz="1400" b="1" kern="1200" dirty="0">
+          <a:endParaRPr lang="es-AR" sz="1250" b="1" kern="1200" dirty="0">
             <a:solidFill>
               <a:schemeClr val="tx1"/>
             </a:solidFill>
@@ -4085,8 +4085,8 @@
         </a:p>
       </dsp:txBody>
       <dsp:txXfrm>
-        <a:off x="3332468" y="-95497"/>
-        <a:ext cx="1111411" cy="1111411"/>
+        <a:off x="3350667" y="-13303"/>
+        <a:ext cx="1156304" cy="1156304"/>
       </dsp:txXfrm>
     </dsp:sp>
     <dsp:sp modelId="{882611AB-940C-4B3F-9C4C-28D546E0E109}">
@@ -4096,8 +4096,8 @@
       </dsp:nvSpPr>
       <dsp:spPr>
         <a:xfrm>
-          <a:off x="4112812" y="1209167"/>
-          <a:ext cx="1090379" cy="1090379"/>
+          <a:off x="4038602" y="1258733"/>
+          <a:ext cx="1134422" cy="1134422"/>
         </a:xfrm>
         <a:prstGeom prst="ellipse">
           <a:avLst/>
@@ -4203,8 +4203,8 @@
         </a:p>
       </dsp:txBody>
       <dsp:txXfrm>
-        <a:off x="4112812" y="1209167"/>
-        <a:ext cx="1090379" cy="1090379"/>
+        <a:off x="4038602" y="1258733"/>
+        <a:ext cx="1134422" cy="1134422"/>
       </dsp:txXfrm>
     </dsp:sp>
     <dsp:sp modelId="{D1F6BD9A-608E-480A-9023-BA76B351B99D}">
@@ -4214,8 +4214,8 @@
       </dsp:nvSpPr>
       <dsp:spPr>
         <a:xfrm>
-          <a:off x="3346982" y="2592570"/>
-          <a:ext cx="1082419" cy="1082419"/>
+          <a:off x="3365765" y="2698785"/>
+          <a:ext cx="1126141" cy="1126141"/>
         </a:xfrm>
         <a:prstGeom prst="ellipse">
           <a:avLst/>
@@ -4321,8 +4321,8 @@
         </a:p>
       </dsp:txBody>
       <dsp:txXfrm>
-        <a:off x="3346982" y="2592570"/>
-        <a:ext cx="1082419" cy="1082419"/>
+        <a:off x="3365765" y="2698785"/>
+        <a:ext cx="1126141" cy="1126141"/>
       </dsp:txXfrm>
     </dsp:sp>
     <dsp:sp modelId="{8021DE91-D5AA-470F-AE9D-D412B1946DD0}">
@@ -4332,8 +4332,8 @@
       </dsp:nvSpPr>
       <dsp:spPr>
         <a:xfrm>
-          <a:off x="1294227" y="2589461"/>
-          <a:ext cx="1088756" cy="1088756"/>
+          <a:off x="1228950" y="2695550"/>
+          <a:ext cx="1132734" cy="1132734"/>
         </a:xfrm>
         <a:prstGeom prst="ellipse">
           <a:avLst/>
@@ -4439,8 +4439,8 @@
         </a:p>
       </dsp:txBody>
       <dsp:txXfrm>
-        <a:off x="1294227" y="2589461"/>
-        <a:ext cx="1088756" cy="1088756"/>
+        <a:off x="1228950" y="2695550"/>
+        <a:ext cx="1132734" cy="1132734"/>
       </dsp:txXfrm>
     </dsp:sp>
     <dsp:sp modelId="{7EEA23B7-2C55-467E-BEBF-8EB10682F77A}">
@@ -4450,8 +4450,8 @@
       </dsp:nvSpPr>
       <dsp:spPr>
         <a:xfrm>
-          <a:off x="672031" y="1197384"/>
-          <a:ext cx="1113931" cy="1113931"/>
+          <a:off x="669872" y="1246480"/>
+          <a:ext cx="1158926" cy="1158926"/>
         </a:xfrm>
         <a:prstGeom prst="ellipse">
           <a:avLst/>
@@ -4557,8 +4557,8 @@
         </a:p>
       </dsp:txBody>
       <dsp:txXfrm>
-        <a:off x="672031" y="1197384"/>
-        <a:ext cx="1113931" cy="1113931"/>
+        <a:off x="669872" y="1246480"/>
+        <a:ext cx="1158926" cy="1158926"/>
       </dsp:txXfrm>
     </dsp:sp>
     <dsp:sp modelId="{E9305E95-DA6B-4A69-A9FA-EF364BB65629}">
@@ -4568,8 +4568,8 @@
       </dsp:nvSpPr>
       <dsp:spPr>
         <a:xfrm>
-          <a:off x="1299347" y="3720"/>
-          <a:ext cx="1062855" cy="1062855"/>
+          <a:off x="1313587" y="0"/>
+          <a:ext cx="1105787" cy="1105787"/>
         </a:xfrm>
         <a:prstGeom prst="ellipse">
           <a:avLst/>
@@ -4675,8 +4675,8 @@
         </a:p>
       </dsp:txBody>
       <dsp:txXfrm>
-        <a:off x="1299347" y="3720"/>
-        <a:ext cx="1062855" cy="1062855"/>
+        <a:off x="1313587" y="0"/>
+        <a:ext cx="1105787" cy="1105787"/>
       </dsp:txXfrm>
     </dsp:sp>
   </dsp:spTree>
@@ -24473,8 +24473,8 @@
           <p:nvPr/>
         </p:nvGraphicFramePr>
         <p:xfrm>
-          <a:off x="1524000" y="2438400"/>
-          <a:ext cx="5791200" cy="3733800"/>
+          <a:off x="1524000" y="2286000"/>
+          <a:ext cx="5791200" cy="3886200"/>
         </p:xfrm>
         <a:graphic>
           <a:graphicData uri="http://schemas.openxmlformats.org/drawingml/2006/diagram">
@@ -24499,7 +24499,7 @@
         </p:blipFill>
         <p:spPr bwMode="auto">
           <a:xfrm>
-            <a:off x="1244598" y="2438400"/>
+            <a:off x="1143000" y="2438400"/>
             <a:ext cx="1270002" cy="990600"/>
           </a:xfrm>
           <a:prstGeom prst="rect">
@@ -24561,7 +24561,7 @@
         </p:blipFill>
         <p:spPr bwMode="auto">
           <a:xfrm>
-            <a:off x="6172200" y="2438400"/>
+            <a:off x="6324600" y="2438400"/>
             <a:ext cx="1371600" cy="990987"/>
           </a:xfrm>
           <a:prstGeom prst="rect">

--- a/Presentacion/Comercial/Presentacion Comercial.pptx
+++ b/Presentacion/Comercial/Presentacion Comercial.pptx
@@ -1987,8 +1987,8 @@
     <dgm:cxn modelId="{D2A1FADB-AF76-4733-B3DC-9255DAD7FEF3}" type="presOf" srcId="{496AF658-39D4-49E9-B4C6-C5E1A7F906E2}" destId="{F06619E9-E542-439D-B65D-1F35F8A24176}" srcOrd="0" destOrd="0" presId="urn:microsoft.com/office/officeart/2005/8/layout/cycle3"/>
     <dgm:cxn modelId="{8E5346C2-0F83-441F-B78B-BE09651ACB68}" srcId="{42BD14C9-541D-4029-AAD3-2EF0AA4FCEE9}" destId="{AA0E00CA-CA6E-4353-A284-570877CEB8C1}" srcOrd="3" destOrd="0" parTransId="{C65CAB3E-4A16-429A-B157-AE138B838E08}" sibTransId="{5072619A-07F3-4082-92C5-BBEDF9CBA2E7}"/>
     <dgm:cxn modelId="{4C0BF33D-1BC8-4E29-BC8F-0E609F96A0FA}" type="presOf" srcId="{AA0E00CA-CA6E-4353-A284-570877CEB8C1}" destId="{7517E12D-2E78-42FF-829C-19FEF96D7FA6}" srcOrd="0" destOrd="0" presId="urn:microsoft.com/office/officeart/2005/8/layout/cycle3"/>
+    <dgm:cxn modelId="{2B7E8767-3A09-495A-8864-FBD682008099}" type="presOf" srcId="{BFCCEEBB-4893-446F-BB29-FCDB0B6960A8}" destId="{21AA7386-08C3-4983-95AB-E7406219D63A}" srcOrd="0" destOrd="0" presId="urn:microsoft.com/office/officeart/2005/8/layout/cycle3"/>
     <dgm:cxn modelId="{23E7DC9A-DEB5-4705-985B-09BA6D4F8F79}" srcId="{42BD14C9-541D-4029-AAD3-2EF0AA4FCEE9}" destId="{BFCCEEBB-4893-446F-BB29-FCDB0B6960A8}" srcOrd="5" destOrd="0" parTransId="{3813F8A6-7A47-4D82-908E-184396A7C160}" sibTransId="{7F5E6678-4970-4236-ACD9-50EA4C21ABAD}"/>
-    <dgm:cxn modelId="{2B7E8767-3A09-495A-8864-FBD682008099}" type="presOf" srcId="{BFCCEEBB-4893-446F-BB29-FCDB0B6960A8}" destId="{21AA7386-08C3-4983-95AB-E7406219D63A}" srcOrd="0" destOrd="0" presId="urn:microsoft.com/office/officeart/2005/8/layout/cycle3"/>
     <dgm:cxn modelId="{8BCD5635-996C-4030-B03F-360822AC4D2A}" type="presOf" srcId="{42BD14C9-541D-4029-AAD3-2EF0AA4FCEE9}" destId="{0E9CCF2B-72D0-4B44-B1D8-99F4E58F7F12}" srcOrd="0" destOrd="0" presId="urn:microsoft.com/office/officeart/2005/8/layout/cycle3"/>
     <dgm:cxn modelId="{3BF3DE6B-4CFD-4D71-BBD0-01714DD3D4AE}" type="presOf" srcId="{E078CA96-0C8D-4BC6-B911-F8897328A0D4}" destId="{D135B4C1-1E5C-49B2-AAA3-B3074EAA9D6B}" srcOrd="0" destOrd="0" presId="urn:microsoft.com/office/officeart/2005/8/layout/cycle3"/>
     <dgm:cxn modelId="{B9A72798-6EB7-458A-B2C5-3CBE971530A7}" type="presParOf" srcId="{0E9CCF2B-72D0-4B44-B1D8-99F4E58F7F12}" destId="{781DE9F1-14B3-490E-9184-FD5B8B374833}" srcOrd="0" destOrd="0" presId="urn:microsoft.com/office/officeart/2005/8/layout/cycle3"/>
@@ -2004,7 +2004,7 @@
   <dgm:whole/>
   <dgm:extLst>
     <a:ext uri="http://schemas.microsoft.com/office/drawing/2008/diagram">
-      <dsp:dataModelExt xmlns:dsp="http://schemas.microsoft.com/office/drawing/2008/diagram" xmlns="" relId="rId9" minVer="http://schemas.openxmlformats.org/drawingml/2006/diagram"/>
+      <dsp:dataModelExt xmlns="" xmlns:dsp="http://schemas.microsoft.com/office/drawing/2008/diagram" relId="rId9" minVer="http://schemas.openxmlformats.org/drawingml/2006/diagram"/>
     </a:ext>
   </dgm:extLst>
 </dgm:dataModel>
@@ -2591,7 +2591,7 @@
   <dgm:whole/>
   <dgm:extLst>
     <a:ext uri="http://schemas.microsoft.com/office/drawing/2008/diagram">
-      <dsp:dataModelExt xmlns:dsp="http://schemas.microsoft.com/office/drawing/2008/diagram" xmlns="" relId="rId7" minVer="http://schemas.openxmlformats.org/drawingml/2006/diagram"/>
+      <dsp:dataModelExt xmlns="" xmlns:dsp="http://schemas.microsoft.com/office/drawing/2008/diagram" relId="rId7" minVer="http://schemas.openxmlformats.org/drawingml/2006/diagram"/>
     </a:ext>
   </dgm:extLst>
 </dgm:dataModel>
@@ -7810,7 +7810,7 @@
             <a:fld id="{9763C9BB-72E2-4283-8DE8-50E875797B7C}" type="datetimeFigureOut">
               <a:rPr lang="es-AR" smtClean="0"/>
               <a:pPr/>
-              <a:t>12/07/2011</a:t>
+              <a:t>14/07/2011</a:t>
             </a:fld>
             <a:endParaRPr lang="es-AR"/>
           </a:p>
@@ -7972,7 +7972,7 @@
             <a:fld id="{5ACEBAAB-EBB8-473E-9B6D-9EEDF5A7888A}" type="slidenum">
               <a:rPr lang="es-AR" smtClean="0"/>
               <a:pPr/>
-              <a:t>‹#›</a:t>
+              <a:t>‹Nº›</a:t>
             </a:fld>
             <a:endParaRPr lang="es-AR"/>
           </a:p>
@@ -8095,7 +8095,7 @@
       </p:grpSpPr>
       <p:sp>
         <p:nvSpPr>
-          <p:cNvPr id="2" name="Slide Image Placeholder 1"/>
+          <p:cNvPr id="2" name="1 Marcador de imagen de diapositiva"/>
           <p:cNvSpPr>
             <a:spLocks noGrp="1" noRot="1" noChangeAspect="1"/>
           </p:cNvSpPr>
@@ -8107,7 +8107,7 @@
       </p:sp>
       <p:sp>
         <p:nvSpPr>
-          <p:cNvPr id="3" name="Notes Placeholder 2"/>
+          <p:cNvPr id="3" name="2 Marcador de notas"/>
           <p:cNvSpPr>
             <a:spLocks noGrp="1"/>
           </p:cNvSpPr>
@@ -8128,7 +8128,7 @@
       </p:sp>
       <p:sp>
         <p:nvSpPr>
-          <p:cNvPr id="4" name="Slide Number Placeholder 3"/>
+          <p:cNvPr id="4" name="3 Marcador de número de diapositiva"/>
           <p:cNvSpPr>
             <a:spLocks noGrp="1"/>
           </p:cNvSpPr>
@@ -8144,7 +8144,7 @@
             <a:fld id="{5ACEBAAB-EBB8-473E-9B6D-9EEDF5A7888A}" type="slidenum">
               <a:rPr lang="es-AR" smtClean="0"/>
               <a:pPr/>
-              <a:t>9</a:t>
+              <a:t>4</a:t>
             </a:fld>
             <a:endParaRPr lang="es-AR"/>
           </a:p>
@@ -8226,7 +8226,7 @@
             <a:fld id="{5ACEBAAB-EBB8-473E-9B6D-9EEDF5A7888A}" type="slidenum">
               <a:rPr lang="es-AR" smtClean="0"/>
               <a:pPr/>
-              <a:t>10</a:t>
+              <a:t>9</a:t>
             </a:fld>
             <a:endParaRPr lang="es-AR"/>
           </a:p>
@@ -8308,7 +8308,7 @@
             <a:fld id="{5ACEBAAB-EBB8-473E-9B6D-9EEDF5A7888A}" type="slidenum">
               <a:rPr lang="es-AR" smtClean="0"/>
               <a:pPr/>
-              <a:t>11</a:t>
+              <a:t>10</a:t>
             </a:fld>
             <a:endParaRPr lang="es-AR"/>
           </a:p>
@@ -8390,6 +8390,88 @@
             <a:fld id="{5ACEBAAB-EBB8-473E-9B6D-9EEDF5A7888A}" type="slidenum">
               <a:rPr lang="es-AR" smtClean="0"/>
               <a:pPr/>
+              <a:t>11</a:t>
+            </a:fld>
+            <a:endParaRPr lang="es-AR"/>
+          </a:p>
+        </p:txBody>
+      </p:sp>
+    </p:spTree>
+  </p:cSld>
+  <p:clrMapOvr>
+    <a:masterClrMapping/>
+  </p:clrMapOvr>
+</p:notes>
+</file>
+
+<file path=ppt/notesSlides/notesSlide5.xml><?xml version="1.0" encoding="utf-8"?>
+<p:notes xmlns:a="http://schemas.openxmlformats.org/drawingml/2006/main" xmlns:r="http://schemas.openxmlformats.org/officeDocument/2006/relationships" xmlns:p="http://schemas.openxmlformats.org/presentationml/2006/main">
+  <p:cSld>
+    <p:spTree>
+      <p:nvGrpSpPr>
+        <p:cNvPr id="1" name=""/>
+        <p:cNvGrpSpPr/>
+        <p:nvPr/>
+      </p:nvGrpSpPr>
+      <p:grpSpPr>
+        <a:xfrm>
+          <a:off x="0" y="0"/>
+          <a:ext cx="0" cy="0"/>
+          <a:chOff x="0" y="0"/>
+          <a:chExt cx="0" cy="0"/>
+        </a:xfrm>
+      </p:grpSpPr>
+      <p:sp>
+        <p:nvSpPr>
+          <p:cNvPr id="2" name="Slide Image Placeholder 1"/>
+          <p:cNvSpPr>
+            <a:spLocks noGrp="1" noRot="1" noChangeAspect="1"/>
+          </p:cNvSpPr>
+          <p:nvPr>
+            <p:ph type="sldImg"/>
+          </p:nvPr>
+        </p:nvSpPr>
+        <p:spPr/>
+      </p:sp>
+      <p:sp>
+        <p:nvSpPr>
+          <p:cNvPr id="3" name="Notes Placeholder 2"/>
+          <p:cNvSpPr>
+            <a:spLocks noGrp="1"/>
+          </p:cNvSpPr>
+          <p:nvPr>
+            <p:ph type="body" idx="1"/>
+          </p:nvPr>
+        </p:nvSpPr>
+        <p:spPr/>
+        <p:txBody>
+          <a:bodyPr>
+            <a:normAutofit/>
+          </a:bodyPr>
+          <a:lstStyle/>
+          <a:p>
+            <a:endParaRPr lang="es-AR" dirty="0"/>
+          </a:p>
+        </p:txBody>
+      </p:sp>
+      <p:sp>
+        <p:nvSpPr>
+          <p:cNvPr id="4" name="Slide Number Placeholder 3"/>
+          <p:cNvSpPr>
+            <a:spLocks noGrp="1"/>
+          </p:cNvSpPr>
+          <p:nvPr>
+            <p:ph type="sldNum" sz="quarter" idx="10"/>
+          </p:nvPr>
+        </p:nvSpPr>
+        <p:spPr/>
+        <p:txBody>
+          <a:bodyPr/>
+          <a:lstStyle/>
+          <a:p>
+            <a:fld id="{5ACEBAAB-EBB8-473E-9B6D-9EEDF5A7888A}" type="slidenum">
+              <a:rPr lang="es-AR" smtClean="0"/>
+              <a:pPr/>
               <a:t>13</a:t>
             </a:fld>
             <a:endParaRPr lang="es-AR"/>
@@ -8404,7 +8486,7 @@
 </p:notes>
 </file>
 
-<file path=ppt/notesSlides/notesSlide5.xml><?xml version="1.0" encoding="utf-8"?>
+<file path=ppt/notesSlides/notesSlide6.xml><?xml version="1.0" encoding="utf-8"?>
 <p:notes xmlns:a="http://schemas.openxmlformats.org/drawingml/2006/main" xmlns:r="http://schemas.openxmlformats.org/officeDocument/2006/relationships" xmlns:p="http://schemas.openxmlformats.org/presentationml/2006/main">
   <p:cSld>
     <p:spTree>
@@ -8668,7 +8750,7 @@
             <a:fld id="{1D8BD707-D9CF-40AE-B4C6-C98DA3205C09}" type="datetimeFigureOut">
               <a:rPr lang="en-US" smtClean="0"/>
               <a:pPr/>
-              <a:t>7/12/2011</a:t>
+              <a:t>7/14/2011</a:t>
             </a:fld>
             <a:endParaRPr lang="en-US"/>
           </a:p>
@@ -8711,7 +8793,7 @@
             <a:fld id="{B6F15528-21DE-4FAA-801E-634DDDAF4B2B}" type="slidenum">
               <a:rPr lang="en-US" smtClean="0"/>
               <a:pPr/>
-              <a:t>‹#›</a:t>
+              <a:t>‹Nº›</a:t>
             </a:fld>
             <a:endParaRPr lang="en-US"/>
           </a:p>
@@ -8835,7 +8917,7 @@
             <a:fld id="{1D8BD707-D9CF-40AE-B4C6-C98DA3205C09}" type="datetimeFigureOut">
               <a:rPr lang="en-US" smtClean="0"/>
               <a:pPr/>
-              <a:t>7/12/2011</a:t>
+              <a:t>7/14/2011</a:t>
             </a:fld>
             <a:endParaRPr lang="en-US"/>
           </a:p>
@@ -8878,7 +8960,7 @@
             <a:fld id="{B6F15528-21DE-4FAA-801E-634DDDAF4B2B}" type="slidenum">
               <a:rPr lang="en-US" smtClean="0"/>
               <a:pPr/>
-              <a:t>‹#›</a:t>
+              <a:t>‹Nº›</a:t>
             </a:fld>
             <a:endParaRPr lang="en-US"/>
           </a:p>
@@ -9012,7 +9094,7 @@
             <a:fld id="{1D8BD707-D9CF-40AE-B4C6-C98DA3205C09}" type="datetimeFigureOut">
               <a:rPr lang="en-US" smtClean="0"/>
               <a:pPr/>
-              <a:t>7/12/2011</a:t>
+              <a:t>7/14/2011</a:t>
             </a:fld>
             <a:endParaRPr lang="en-US"/>
           </a:p>
@@ -9055,7 +9137,7 @@
             <a:fld id="{B6F15528-21DE-4FAA-801E-634DDDAF4B2B}" type="slidenum">
               <a:rPr lang="en-US" smtClean="0"/>
               <a:pPr/>
-              <a:t>‹#›</a:t>
+              <a:t>‹Nº›</a:t>
             </a:fld>
             <a:endParaRPr lang="en-US"/>
           </a:p>
@@ -9179,7 +9261,7 @@
             <a:fld id="{1D8BD707-D9CF-40AE-B4C6-C98DA3205C09}" type="datetimeFigureOut">
               <a:rPr lang="en-US" smtClean="0"/>
               <a:pPr/>
-              <a:t>7/12/2011</a:t>
+              <a:t>7/14/2011</a:t>
             </a:fld>
             <a:endParaRPr lang="en-US"/>
           </a:p>
@@ -9222,7 +9304,7 @@
             <a:fld id="{B6F15528-21DE-4FAA-801E-634DDDAF4B2B}" type="slidenum">
               <a:rPr lang="en-US" smtClean="0"/>
               <a:pPr/>
-              <a:t>‹#›</a:t>
+              <a:t>‹Nº›</a:t>
             </a:fld>
             <a:endParaRPr lang="en-US"/>
           </a:p>
@@ -9422,7 +9504,7 @@
             <a:fld id="{1D8BD707-D9CF-40AE-B4C6-C98DA3205C09}" type="datetimeFigureOut">
               <a:rPr lang="en-US" smtClean="0"/>
               <a:pPr/>
-              <a:t>7/12/2011</a:t>
+              <a:t>7/14/2011</a:t>
             </a:fld>
             <a:endParaRPr lang="en-US"/>
           </a:p>
@@ -9465,7 +9547,7 @@
             <a:fld id="{B6F15528-21DE-4FAA-801E-634DDDAF4B2B}" type="slidenum">
               <a:rPr lang="en-US" smtClean="0"/>
               <a:pPr/>
-              <a:t>‹#›</a:t>
+              <a:t>‹Nº›</a:t>
             </a:fld>
             <a:endParaRPr lang="en-US"/>
           </a:p>
@@ -9707,7 +9789,7 @@
             <a:fld id="{1D8BD707-D9CF-40AE-B4C6-C98DA3205C09}" type="datetimeFigureOut">
               <a:rPr lang="en-US" smtClean="0"/>
               <a:pPr/>
-              <a:t>7/12/2011</a:t>
+              <a:t>7/14/2011</a:t>
             </a:fld>
             <a:endParaRPr lang="en-US"/>
           </a:p>
@@ -9750,7 +9832,7 @@
             <a:fld id="{B6F15528-21DE-4FAA-801E-634DDDAF4B2B}" type="slidenum">
               <a:rPr lang="en-US" smtClean="0"/>
               <a:pPr/>
-              <a:t>‹#›</a:t>
+              <a:t>‹Nº›</a:t>
             </a:fld>
             <a:endParaRPr lang="en-US"/>
           </a:p>
@@ -10126,7 +10208,7 @@
             <a:fld id="{1D8BD707-D9CF-40AE-B4C6-C98DA3205C09}" type="datetimeFigureOut">
               <a:rPr lang="en-US" smtClean="0"/>
               <a:pPr/>
-              <a:t>7/12/2011</a:t>
+              <a:t>7/14/2011</a:t>
             </a:fld>
             <a:endParaRPr lang="en-US"/>
           </a:p>
@@ -10169,7 +10251,7 @@
             <a:fld id="{B6F15528-21DE-4FAA-801E-634DDDAF4B2B}" type="slidenum">
               <a:rPr lang="en-US" smtClean="0"/>
               <a:pPr/>
-              <a:t>‹#›</a:t>
+              <a:t>‹Nº›</a:t>
             </a:fld>
             <a:endParaRPr lang="en-US"/>
           </a:p>
@@ -10241,7 +10323,7 @@
             <a:fld id="{1D8BD707-D9CF-40AE-B4C6-C98DA3205C09}" type="datetimeFigureOut">
               <a:rPr lang="en-US" smtClean="0"/>
               <a:pPr/>
-              <a:t>7/12/2011</a:t>
+              <a:t>7/14/2011</a:t>
             </a:fld>
             <a:endParaRPr lang="en-US"/>
           </a:p>
@@ -10284,7 +10366,7 @@
             <a:fld id="{B6F15528-21DE-4FAA-801E-634DDDAF4B2B}" type="slidenum">
               <a:rPr lang="en-US" smtClean="0"/>
               <a:pPr/>
-              <a:t>‹#›</a:t>
+              <a:t>‹Nº›</a:t>
             </a:fld>
             <a:endParaRPr lang="en-US"/>
           </a:p>
@@ -10333,7 +10415,7 @@
             <a:fld id="{1D8BD707-D9CF-40AE-B4C6-C98DA3205C09}" type="datetimeFigureOut">
               <a:rPr lang="en-US" smtClean="0"/>
               <a:pPr/>
-              <a:t>7/12/2011</a:t>
+              <a:t>7/14/2011</a:t>
             </a:fld>
             <a:endParaRPr lang="en-US"/>
           </a:p>
@@ -10376,7 +10458,7 @@
             <a:fld id="{B6F15528-21DE-4FAA-801E-634DDDAF4B2B}" type="slidenum">
               <a:rPr lang="en-US" smtClean="0"/>
               <a:pPr/>
-              <a:t>‹#›</a:t>
+              <a:t>‹Nº›</a:t>
             </a:fld>
             <a:endParaRPr lang="en-US"/>
           </a:p>
@@ -10607,7 +10689,7 @@
             <a:fld id="{1D8BD707-D9CF-40AE-B4C6-C98DA3205C09}" type="datetimeFigureOut">
               <a:rPr lang="en-US" smtClean="0"/>
               <a:pPr/>
-              <a:t>7/12/2011</a:t>
+              <a:t>7/14/2011</a:t>
             </a:fld>
             <a:endParaRPr lang="en-US"/>
           </a:p>
@@ -10650,7 +10732,7 @@
             <a:fld id="{B6F15528-21DE-4FAA-801E-634DDDAF4B2B}" type="slidenum">
               <a:rPr lang="en-US" smtClean="0"/>
               <a:pPr/>
-              <a:t>‹#›</a:t>
+              <a:t>‹Nº›</a:t>
             </a:fld>
             <a:endParaRPr lang="en-US"/>
           </a:p>
@@ -10857,7 +10939,7 @@
             <a:fld id="{1D8BD707-D9CF-40AE-B4C6-C98DA3205C09}" type="datetimeFigureOut">
               <a:rPr lang="en-US" smtClean="0"/>
               <a:pPr/>
-              <a:t>7/12/2011</a:t>
+              <a:t>7/14/2011</a:t>
             </a:fld>
             <a:endParaRPr lang="en-US"/>
           </a:p>
@@ -10900,7 +10982,7 @@
             <a:fld id="{B6F15528-21DE-4FAA-801E-634DDDAF4B2B}" type="slidenum">
               <a:rPr lang="en-US" smtClean="0"/>
               <a:pPr/>
-              <a:t>‹#›</a:t>
+              <a:t>‹Nº›</a:t>
             </a:fld>
             <a:endParaRPr lang="en-US"/>
           </a:p>
@@ -11072,7 +11154,7 @@
             <a:fld id="{1D8BD707-D9CF-40AE-B4C6-C98DA3205C09}" type="datetimeFigureOut">
               <a:rPr lang="en-US" smtClean="0"/>
               <a:pPr/>
-              <a:t>7/12/2011</a:t>
+              <a:t>7/14/2011</a:t>
             </a:fld>
             <a:endParaRPr lang="en-US"/>
           </a:p>
@@ -11151,7 +11233,7 @@
             <a:fld id="{B6F15528-21DE-4FAA-801E-634DDDAF4B2B}" type="slidenum">
               <a:rPr lang="en-US" smtClean="0"/>
               <a:pPr/>
-              <a:t>‹#›</a:t>
+              <a:t>‹Nº›</a:t>
             </a:fld>
             <a:endParaRPr lang="en-US"/>
           </a:p>
@@ -22648,192 +22730,6 @@
           </a:p>
         </p:txBody>
       </p:sp>
-      <p:pic>
-        <p:nvPicPr>
-          <p:cNvPr id="16386" name="Picture 2" descr="E:\U.B.A.Files\Materias\75.45 Taller de Desarrollo de Proyectos I\TP\Trunk\Proyecto\web\site\images\page2_img3.jpg"/>
-          <p:cNvPicPr>
-            <a:picLocks noChangeAspect="1" noChangeArrowheads="1"/>
-          </p:cNvPicPr>
-          <p:nvPr/>
-        </p:nvPicPr>
-        <p:blipFill>
-          <a:blip r:embed="rId2" cstate="print"/>
-          <a:srcRect/>
-          <a:stretch>
-            <a:fillRect/>
-          </a:stretch>
-        </p:blipFill>
-        <p:spPr bwMode="auto">
-          <a:xfrm>
-            <a:off x="5657850" y="5029200"/>
-            <a:ext cx="742950" cy="742950"/>
-          </a:xfrm>
-          <a:prstGeom prst="rect">
-            <a:avLst/>
-          </a:prstGeom>
-          <a:noFill/>
-          <a:ln w="57150">
-            <a:solidFill>
-              <a:schemeClr val="tx1"/>
-            </a:solidFill>
-          </a:ln>
-        </p:spPr>
-      </p:pic>
-      <p:pic>
-        <p:nvPicPr>
-          <p:cNvPr id="16387" name="Picture 3" descr="E:\U.B.A.Files\Materias\75.45 Taller de Desarrollo de Proyectos I\TP\Trunk\Proyecto\web\site\images\page1_img1.jpg"/>
-          <p:cNvPicPr>
-            <a:picLocks noChangeAspect="1" noChangeArrowheads="1"/>
-          </p:cNvPicPr>
-          <p:nvPr/>
-        </p:nvPicPr>
-        <p:blipFill>
-          <a:blip r:embed="rId3" cstate="print"/>
-          <a:srcRect/>
-          <a:stretch>
-            <a:fillRect/>
-          </a:stretch>
-        </p:blipFill>
-        <p:spPr bwMode="auto">
-          <a:xfrm>
-            <a:off x="685800" y="5029200"/>
-            <a:ext cx="762000" cy="762000"/>
-          </a:xfrm>
-          <a:prstGeom prst="rect">
-            <a:avLst/>
-          </a:prstGeom>
-          <a:noFill/>
-          <a:ln w="57150">
-            <a:solidFill>
-              <a:schemeClr val="tx1"/>
-            </a:solidFill>
-          </a:ln>
-        </p:spPr>
-      </p:pic>
-      <p:pic>
-        <p:nvPicPr>
-          <p:cNvPr id="16388" name="Picture 4" descr="E:\U.B.A.Files\Materias\75.45 Taller de Desarrollo de Proyectos I\TP\Trunk\Proyecto\web\site\images\page1_img2.jpg"/>
-          <p:cNvPicPr>
-            <a:picLocks noChangeAspect="1" noChangeArrowheads="1"/>
-          </p:cNvPicPr>
-          <p:nvPr/>
-        </p:nvPicPr>
-        <p:blipFill>
-          <a:blip r:embed="rId4" cstate="print"/>
-          <a:srcRect/>
-          <a:stretch>
-            <a:fillRect/>
-          </a:stretch>
-        </p:blipFill>
-        <p:spPr bwMode="auto">
-          <a:xfrm>
-            <a:off x="685800" y="3886200"/>
-            <a:ext cx="762000" cy="762000"/>
-          </a:xfrm>
-          <a:prstGeom prst="rect">
-            <a:avLst/>
-          </a:prstGeom>
-          <a:noFill/>
-          <a:ln w="57150">
-            <a:solidFill>
-              <a:schemeClr val="tx1"/>
-            </a:solidFill>
-          </a:ln>
-        </p:spPr>
-      </p:pic>
-      <p:pic>
-        <p:nvPicPr>
-          <p:cNvPr id="16389" name="Picture 5" descr="E:\U.B.A.Files\Materias\75.45 Taller de Desarrollo de Proyectos I\TP\Trunk\Proyecto\web\site\images\page1_img3.jpg"/>
-          <p:cNvPicPr>
-            <a:picLocks noChangeAspect="1" noChangeArrowheads="1"/>
-          </p:cNvPicPr>
-          <p:nvPr/>
-        </p:nvPicPr>
-        <p:blipFill>
-          <a:blip r:embed="rId5" cstate="print"/>
-          <a:srcRect/>
-          <a:stretch>
-            <a:fillRect/>
-          </a:stretch>
-        </p:blipFill>
-        <p:spPr bwMode="auto">
-          <a:xfrm>
-            <a:off x="5638800" y="2743200"/>
-            <a:ext cx="762000" cy="762000"/>
-          </a:xfrm>
-          <a:prstGeom prst="rect">
-            <a:avLst/>
-          </a:prstGeom>
-          <a:noFill/>
-          <a:ln w="57150">
-            <a:solidFill>
-              <a:schemeClr val="tx1"/>
-            </a:solidFill>
-          </a:ln>
-        </p:spPr>
-      </p:pic>
-      <p:pic>
-        <p:nvPicPr>
-          <p:cNvPr id="16390" name="Picture 6" descr="E:\U.B.A.Files\Materias\75.45 Taller de Desarrollo de Proyectos I\TP\Trunk\Proyecto\web\site\images\page2_img1.jpg"/>
-          <p:cNvPicPr>
-            <a:picLocks noChangeAspect="1" noChangeArrowheads="1"/>
-          </p:cNvPicPr>
-          <p:nvPr/>
-        </p:nvPicPr>
-        <p:blipFill>
-          <a:blip r:embed="rId6" cstate="print"/>
-          <a:srcRect/>
-          <a:stretch>
-            <a:fillRect/>
-          </a:stretch>
-        </p:blipFill>
-        <p:spPr bwMode="auto">
-          <a:xfrm>
-            <a:off x="685800" y="2678875"/>
-            <a:ext cx="838200" cy="838200"/>
-          </a:xfrm>
-          <a:prstGeom prst="rect">
-            <a:avLst/>
-          </a:prstGeom>
-          <a:noFill/>
-          <a:ln w="57150">
-            <a:solidFill>
-              <a:schemeClr val="tx1"/>
-            </a:solidFill>
-          </a:ln>
-        </p:spPr>
-      </p:pic>
-      <p:pic>
-        <p:nvPicPr>
-          <p:cNvPr id="16391" name="Picture 7" descr="E:\U.B.A.Files\Materias\75.45 Taller de Desarrollo de Proyectos I\TP\Trunk\Proyecto\web\site\images\page2_img2.jpg"/>
-          <p:cNvPicPr>
-            <a:picLocks noChangeAspect="1" noChangeArrowheads="1"/>
-          </p:cNvPicPr>
-          <p:nvPr/>
-        </p:nvPicPr>
-        <p:blipFill>
-          <a:blip r:embed="rId7" cstate="print"/>
-          <a:srcRect/>
-          <a:stretch>
-            <a:fillRect/>
-          </a:stretch>
-        </p:blipFill>
-        <p:spPr bwMode="auto">
-          <a:xfrm>
-            <a:off x="5657850" y="3886200"/>
-            <a:ext cx="742950" cy="742950"/>
-          </a:xfrm>
-          <a:prstGeom prst="rect">
-            <a:avLst/>
-          </a:prstGeom>
-          <a:noFill/>
-          <a:ln w="57150">
-            <a:solidFill>
-              <a:schemeClr val="tx1"/>
-            </a:solidFill>
-          </a:ln>
-        </p:spPr>
-      </p:pic>
       <p:sp>
         <p:nvSpPr>
           <p:cNvPr id="20" name="TextBox 19"/>
@@ -22842,7 +22738,7 @@
         </p:nvSpPr>
         <p:spPr>
           <a:xfrm>
-            <a:off x="1524000" y="4895671"/>
+            <a:off x="1600200" y="4895671"/>
             <a:ext cx="1828800" cy="1200329"/>
           </a:xfrm>
           <a:prstGeom prst="rect">
@@ -22879,7 +22775,7 @@
         </p:nvSpPr>
         <p:spPr>
           <a:xfrm>
-            <a:off x="1524000" y="3810000"/>
+            <a:off x="1600200" y="3810000"/>
             <a:ext cx="2133600" cy="923330"/>
           </a:xfrm>
           <a:prstGeom prst="rect">
@@ -22916,7 +22812,7 @@
         </p:nvSpPr>
         <p:spPr>
           <a:xfrm>
-            <a:off x="6553201" y="2734270"/>
+            <a:off x="6553201" y="2667000"/>
             <a:ext cx="2285999" cy="923330"/>
           </a:xfrm>
           <a:prstGeom prst="rect">
@@ -23046,7 +22942,7 @@
         </p:nvSpPr>
         <p:spPr>
           <a:xfrm>
-            <a:off x="6553200" y="4953000"/>
+            <a:off x="6553200" y="5020270"/>
             <a:ext cx="1981200" cy="923330"/>
           </a:xfrm>
           <a:prstGeom prst="rect">
@@ -23142,7 +23038,7 @@
             <p:nvPr/>
           </p:nvPicPr>
           <p:blipFill>
-            <a:blip r:embed="rId8" cstate="print"/>
+            <a:blip r:embed="rId3" cstate="print"/>
             <a:srcRect/>
             <a:stretch>
               <a:fillRect/>
@@ -23332,7 +23228,7 @@
           <p:nvPr/>
         </p:nvPicPr>
         <p:blipFill>
-          <a:blip r:embed="rId9" cstate="print">
+          <a:blip r:embed="rId4" cstate="print">
             <a:clrChange>
               <a:clrFrom>
                 <a:srgbClr val="FFFFFF"/>
@@ -23359,6 +23255,239 @@
           </a:prstGeom>
           <a:noFill/>
         </p:spPr>
+      </p:pic>
+      <p:pic>
+        <p:nvPicPr>
+          <p:cNvPr id="33" name="32 Imagen" descr="Adriana.jpg"/>
+          <p:cNvPicPr>
+            <a:picLocks noChangeAspect="1"/>
+          </p:cNvPicPr>
+          <p:nvPr/>
+        </p:nvPicPr>
+        <p:blipFill>
+          <a:blip r:embed="rId5"/>
+          <a:stretch>
+            <a:fillRect/>
+          </a:stretch>
+        </p:blipFill>
+        <p:spPr>
+          <a:xfrm>
+            <a:off x="685800" y="2667000"/>
+            <a:ext cx="838200" cy="847005"/>
+          </a:xfrm>
+          <a:prstGeom prst="rect">
+            <a:avLst/>
+          </a:prstGeom>
+          <a:ln w="44450"/>
+        </p:spPr>
+        <p:style>
+          <a:lnRef idx="2">
+            <a:schemeClr val="dk1"/>
+          </a:lnRef>
+          <a:fillRef idx="1">
+            <a:schemeClr val="lt1"/>
+          </a:fillRef>
+          <a:effectRef idx="0">
+            <a:schemeClr val="dk1"/>
+          </a:effectRef>
+          <a:fontRef idx="minor">
+            <a:schemeClr val="dk1"/>
+          </a:fontRef>
+        </p:style>
+      </p:pic>
+      <p:pic>
+        <p:nvPicPr>
+          <p:cNvPr id="34" name="33 Imagen" descr="Flor.jpg"/>
+          <p:cNvPicPr>
+            <a:picLocks noChangeAspect="1"/>
+          </p:cNvPicPr>
+          <p:nvPr/>
+        </p:nvPicPr>
+        <p:blipFill>
+          <a:blip r:embed="rId6"/>
+          <a:stretch>
+            <a:fillRect/>
+          </a:stretch>
+        </p:blipFill>
+        <p:spPr>
+          <a:xfrm>
+            <a:off x="685800" y="3810000"/>
+            <a:ext cx="838200" cy="838200"/>
+          </a:xfrm>
+          <a:prstGeom prst="rect">
+            <a:avLst/>
+          </a:prstGeom>
+          <a:ln w="44450"/>
+        </p:spPr>
+        <p:style>
+          <a:lnRef idx="2">
+            <a:schemeClr val="dk1"/>
+          </a:lnRef>
+          <a:fillRef idx="1">
+            <a:schemeClr val="lt1"/>
+          </a:fillRef>
+          <a:effectRef idx="0">
+            <a:schemeClr val="dk1"/>
+          </a:effectRef>
+          <a:fontRef idx="minor">
+            <a:schemeClr val="dk1"/>
+          </a:fontRef>
+        </p:style>
+      </p:pic>
+      <p:pic>
+        <p:nvPicPr>
+          <p:cNvPr id="35" name="34 Imagen" descr="RamaM.jpg"/>
+          <p:cNvPicPr>
+            <a:picLocks noChangeAspect="1"/>
+          </p:cNvPicPr>
+          <p:nvPr/>
+        </p:nvPicPr>
+        <p:blipFill>
+          <a:blip r:embed="rId7"/>
+          <a:stretch>
+            <a:fillRect/>
+          </a:stretch>
+        </p:blipFill>
+        <p:spPr>
+          <a:xfrm>
+            <a:off x="685800" y="5029200"/>
+            <a:ext cx="853224" cy="990600"/>
+          </a:xfrm>
+          <a:prstGeom prst="rect">
+            <a:avLst/>
+          </a:prstGeom>
+        </p:spPr>
+        <p:style>
+          <a:lnRef idx="2">
+            <a:schemeClr val="dk1"/>
+          </a:lnRef>
+          <a:fillRef idx="1">
+            <a:schemeClr val="lt1"/>
+          </a:fillRef>
+          <a:effectRef idx="0">
+            <a:schemeClr val="dk1"/>
+          </a:effectRef>
+          <a:fontRef idx="minor">
+            <a:schemeClr val="dk1"/>
+          </a:fontRef>
+        </p:style>
+      </p:pic>
+      <p:pic>
+        <p:nvPicPr>
+          <p:cNvPr id="36" name="35 Imagen" descr="Dario.jpg"/>
+          <p:cNvPicPr>
+            <a:picLocks noChangeAspect="1"/>
+          </p:cNvPicPr>
+          <p:nvPr/>
+        </p:nvPicPr>
+        <p:blipFill>
+          <a:blip r:embed="rId8"/>
+          <a:stretch>
+            <a:fillRect/>
+          </a:stretch>
+        </p:blipFill>
+        <p:spPr>
+          <a:xfrm>
+            <a:off x="5638800" y="2677333"/>
+            <a:ext cx="838200" cy="904067"/>
+          </a:xfrm>
+          <a:prstGeom prst="rect">
+            <a:avLst/>
+          </a:prstGeom>
+          <a:ln w="44450"/>
+        </p:spPr>
+        <p:style>
+          <a:lnRef idx="2">
+            <a:schemeClr val="dk1"/>
+          </a:lnRef>
+          <a:fillRef idx="1">
+            <a:schemeClr val="lt1"/>
+          </a:fillRef>
+          <a:effectRef idx="0">
+            <a:schemeClr val="dk1"/>
+          </a:effectRef>
+          <a:fontRef idx="minor">
+            <a:schemeClr val="dk1"/>
+          </a:fontRef>
+        </p:style>
+      </p:pic>
+      <p:pic>
+        <p:nvPicPr>
+          <p:cNvPr id="37" name="36 Imagen" descr="Raul.jpg"/>
+          <p:cNvPicPr>
+            <a:picLocks noChangeAspect="1"/>
+          </p:cNvPicPr>
+          <p:nvPr/>
+        </p:nvPicPr>
+        <p:blipFill>
+          <a:blip r:embed="rId9"/>
+          <a:stretch>
+            <a:fillRect/>
+          </a:stretch>
+        </p:blipFill>
+        <p:spPr>
+          <a:xfrm>
+            <a:off x="5638800" y="3810000"/>
+            <a:ext cx="838200" cy="990599"/>
+          </a:xfrm>
+          <a:prstGeom prst="rect">
+            <a:avLst/>
+          </a:prstGeom>
+          <a:ln w="44450"/>
+        </p:spPr>
+        <p:style>
+          <a:lnRef idx="2">
+            <a:schemeClr val="dk1"/>
+          </a:lnRef>
+          <a:fillRef idx="1">
+            <a:schemeClr val="lt1"/>
+          </a:fillRef>
+          <a:effectRef idx="0">
+            <a:schemeClr val="dk1"/>
+          </a:effectRef>
+          <a:fontRef idx="minor">
+            <a:schemeClr val="dk1"/>
+          </a:fontRef>
+        </p:style>
+      </p:pic>
+      <p:pic>
+        <p:nvPicPr>
+          <p:cNvPr id="38" name="37 Imagen" descr="Martin.jpg"/>
+          <p:cNvPicPr>
+            <a:picLocks noChangeAspect="1"/>
+          </p:cNvPicPr>
+          <p:nvPr/>
+        </p:nvPicPr>
+        <p:blipFill>
+          <a:blip r:embed="rId10"/>
+          <a:stretch>
+            <a:fillRect/>
+          </a:stretch>
+        </p:blipFill>
+        <p:spPr>
+          <a:xfrm>
+            <a:off x="5638800" y="5029200"/>
+            <a:ext cx="861060" cy="914400"/>
+          </a:xfrm>
+          <a:prstGeom prst="rect">
+            <a:avLst/>
+          </a:prstGeom>
+          <a:ln w="44450"/>
+        </p:spPr>
+        <p:style>
+          <a:lnRef idx="2">
+            <a:schemeClr val="dk1"/>
+          </a:lnRef>
+          <a:fillRef idx="1">
+            <a:schemeClr val="lt1"/>
+          </a:fillRef>
+          <a:effectRef idx="0">
+            <a:schemeClr val="dk1"/>
+          </a:effectRef>
+          <a:fontRef idx="minor">
+            <a:schemeClr val="dk1"/>
+          </a:fontRef>
+        </p:style>
       </p:pic>
     </p:spTree>
   </p:cSld>
@@ -24491,7 +24620,7 @@
           <p:nvPr/>
         </p:nvPicPr>
         <p:blipFill>
-          <a:blip r:embed="rId8" cstate="print"/>
+          <a:blip r:embed="rId7" cstate="print"/>
           <a:srcRect/>
           <a:stretch>
             <a:fillRect/>
@@ -24522,7 +24651,7 @@
           <p:nvPr/>
         </p:nvPicPr>
         <p:blipFill>
-          <a:blip r:embed="rId9" cstate="print"/>
+          <a:blip r:embed="rId8" cstate="print"/>
           <a:srcRect/>
           <a:stretch>
             <a:fillRect/>
@@ -24553,7 +24682,7 @@
           <p:nvPr/>
         </p:nvPicPr>
         <p:blipFill>
-          <a:blip r:embed="rId10" cstate="print"/>
+          <a:blip r:embed="rId9" cstate="print"/>
           <a:srcRect/>
           <a:stretch>
             <a:fillRect/>
@@ -24584,7 +24713,7 @@
           <p:nvPr/>
         </p:nvPicPr>
         <p:blipFill>
-          <a:blip r:embed="rId11" cstate="print">
+          <a:blip r:embed="rId10" cstate="print">
             <a:clrChange>
               <a:clrFrom>
                 <a:srgbClr val="FFFFFF"/>
@@ -24624,7 +24753,7 @@
           <p:nvPr/>
         </p:nvPicPr>
         <p:blipFill>
-          <a:blip r:embed="rId12" cstate="print"/>
+          <a:blip r:embed="rId11" cstate="print"/>
           <a:srcRect/>
           <a:stretch>
             <a:fillRect/>
@@ -24655,7 +24784,7 @@
           <p:nvPr/>
         </p:nvPicPr>
         <p:blipFill>
-          <a:blip r:embed="rId13" cstate="print">
+          <a:blip r:embed="rId12" cstate="print">
             <a:clrChange>
               <a:clrFrom>
                 <a:srgbClr val="FFFFFF"/>
@@ -24699,7 +24828,7 @@
           <p:nvPr/>
         </p:nvPicPr>
         <p:blipFill>
-          <a:blip r:embed="rId14" cstate="print"/>
+          <a:blip r:embed="rId13" cstate="print"/>
           <a:srcRect/>
           <a:stretch>
             <a:fillRect/>
